--- a/Lectures/2 - Four Step Process.pptx
+++ b/Lectures/2 - Four Step Process.pptx
@@ -5,10 +5,10 @@
     <p:sldMasterId id="2147484095" r:id="rId1"/>
   </p:sldMasterIdLst>
   <p:notesMasterIdLst>
-    <p:notesMasterId r:id="rId15"/>
+    <p:notesMasterId r:id="rId17"/>
   </p:notesMasterIdLst>
   <p:handoutMasterIdLst>
-    <p:handoutMasterId r:id="rId16"/>
+    <p:handoutMasterId r:id="rId18"/>
   </p:handoutMasterIdLst>
   <p:sldIdLst>
     <p:sldId id="256" r:id="rId2"/>
@@ -24,6 +24,8 @@
     <p:sldId id="354" r:id="rId12"/>
     <p:sldId id="355" r:id="rId13"/>
     <p:sldId id="356" r:id="rId14"/>
+    <p:sldId id="357" r:id="rId15"/>
+    <p:sldId id="358" r:id="rId16"/>
   </p:sldIdLst>
   <p:sldSz cx="12192000" cy="6858000"/>
   <p:notesSz cx="7315200" cy="9601200"/>
@@ -813,6 +815,118 @@
     <p:extLst>
       <p:ext uri="{BB962C8B-B14F-4D97-AF65-F5344CB8AC3E}">
         <p14:creationId xmlns:p14="http://schemas.microsoft.com/office/powerpoint/2010/main" val="2335280494"/>
+      </p:ext>
+    </p:extLst>
+  </p:cSld>
+  <p:clrMapOvr>
+    <a:masterClrMapping/>
+  </p:clrMapOvr>
+</p:notes>
+</file>
+
+<file path=ppt/notesSlides/notesSlide2.xml><?xml version="1.0" encoding="utf-8"?>
+<p:notes xmlns:a="http://schemas.openxmlformats.org/drawingml/2006/main" xmlns:r="http://schemas.openxmlformats.org/officeDocument/2006/relationships" xmlns:p="http://schemas.openxmlformats.org/presentationml/2006/main">
+  <p:cSld>
+    <p:spTree>
+      <p:nvGrpSpPr>
+        <p:cNvPr id="1" name=""/>
+        <p:cNvGrpSpPr/>
+        <p:nvPr/>
+      </p:nvGrpSpPr>
+      <p:grpSpPr>
+        <a:xfrm>
+          <a:off x="0" y="0"/>
+          <a:ext cx="0" cy="0"/>
+          <a:chOff x="0" y="0"/>
+          <a:chExt cx="0" cy="0"/>
+        </a:xfrm>
+      </p:grpSpPr>
+      <p:sp>
+        <p:nvSpPr>
+          <p:cNvPr id="2" name="Slide Image Placeholder 1"/>
+          <p:cNvSpPr>
+            <a:spLocks noGrp="1" noRot="1" noChangeAspect="1"/>
+          </p:cNvSpPr>
+          <p:nvPr>
+            <p:ph type="sldImg"/>
+          </p:nvPr>
+        </p:nvSpPr>
+        <p:spPr/>
+      </p:sp>
+      <p:sp>
+        <p:nvSpPr>
+          <p:cNvPr id="3" name="Notes Placeholder 2"/>
+          <p:cNvSpPr>
+            <a:spLocks noGrp="1"/>
+          </p:cNvSpPr>
+          <p:nvPr>
+            <p:ph type="body" idx="1"/>
+          </p:nvPr>
+        </p:nvSpPr>
+        <p:spPr/>
+        <p:txBody>
+          <a:bodyPr/>
+          <a:lstStyle/>
+          <a:p>
+            <a:endParaRPr lang="en-US" dirty="0"/>
+          </a:p>
+        </p:txBody>
+      </p:sp>
+      <p:sp>
+        <p:nvSpPr>
+          <p:cNvPr id="4" name="Date Placeholder 3"/>
+          <p:cNvSpPr>
+            <a:spLocks noGrp="1"/>
+          </p:cNvSpPr>
+          <p:nvPr>
+            <p:ph type="dt" idx="1"/>
+          </p:nvPr>
+        </p:nvSpPr>
+        <p:spPr/>
+        <p:txBody>
+          <a:bodyPr/>
+          <a:lstStyle/>
+          <a:p>
+            <a:pPr>
+              <a:defRPr/>
+            </a:pPr>
+            <a:endParaRPr lang="en-US"/>
+          </a:p>
+        </p:txBody>
+      </p:sp>
+      <p:sp>
+        <p:nvSpPr>
+          <p:cNvPr id="5" name="Slide Number Placeholder 4"/>
+          <p:cNvSpPr>
+            <a:spLocks noGrp="1"/>
+          </p:cNvSpPr>
+          <p:nvPr>
+            <p:ph type="sldNum" sz="quarter" idx="5"/>
+          </p:nvPr>
+        </p:nvSpPr>
+        <p:spPr/>
+        <p:txBody>
+          <a:bodyPr/>
+          <a:lstStyle/>
+          <a:p>
+            <a:pPr>
+              <a:defRPr/>
+            </a:pPr>
+            <a:fld id="{6C70A9D8-DEDF-4F03-902A-0D8BAAEBE594}" type="slidenum">
+              <a:rPr lang="en-US" smtClean="0"/>
+              <a:pPr>
+                <a:defRPr/>
+              </a:pPr>
+              <a:t>15</a:t>
+            </a:fld>
+            <a:endParaRPr lang="en-US"/>
+          </a:p>
+        </p:txBody>
+      </p:sp>
+    </p:spTree>
+    <p:extLst>
+      <p:ext uri="{BB962C8B-B14F-4D97-AF65-F5344CB8AC3E}">
+        <p14:creationId xmlns:p14="http://schemas.microsoft.com/office/powerpoint/2010/main" val="2445243990"/>
       </p:ext>
     </p:extLst>
   </p:cSld>
@@ -4174,8 +4288,27 @@
                 <a:latin typeface="Adobe Devanagari" panose="02040503050201020203" pitchFamily="18" charset="0"/>
                 <a:cs typeface="Adobe Devanagari" panose="02040503050201020203" pitchFamily="18" charset="0"/>
               </a:rPr>
-              <a:t>Four Step Process</a:t>
-            </a:r>
+              <a:t>Four </a:t>
+            </a:r>
+            <a:r>
+              <a:rPr lang="en-US" sz="5400" b="1">
+                <a:solidFill>
+                  <a:srgbClr val="2D3A37"/>
+                </a:solidFill>
+                <a:effectLst/>
+                <a:latin typeface="Adobe Devanagari" panose="02040503050201020203" pitchFamily="18" charset="0"/>
+                <a:cs typeface="Adobe Devanagari" panose="02040503050201020203" pitchFamily="18" charset="0"/>
+              </a:rPr>
+              <a:t>Step Process</a:t>
+            </a:r>
+            <a:endParaRPr lang="en-US" sz="5400" b="1" dirty="0">
+              <a:solidFill>
+                <a:srgbClr val="2D3A37"/>
+              </a:solidFill>
+              <a:effectLst/>
+              <a:latin typeface="Adobe Devanagari" panose="02040503050201020203" pitchFamily="18" charset="0"/>
+              <a:cs typeface="Adobe Devanagari" panose="02040503050201020203" pitchFamily="18" charset="0"/>
+            </a:endParaRPr>
           </a:p>
         </p:txBody>
       </p:sp>
@@ -4252,7 +4385,7 @@
                 <a:ea typeface="+mn-ea"/>
                 <a:cs typeface="+mn-cs"/>
               </a:rPr>
-              <a:t>Reading:		0.1, 0.2</a:t>
+              <a:t>Reading:		0.2</a:t>
             </a:r>
           </a:p>
           <a:p>
@@ -5831,6 +5964,67 @@
           </a:p>
         </p:txBody>
       </p:sp>
+      <p:sp>
+        <p:nvSpPr>
+          <p:cNvPr id="3" name="TextBox 2">
+            <a:extLst>
+              <a:ext uri="{FF2B5EF4-FFF2-40B4-BE49-F238E27FC236}">
+                <a16:creationId xmlns:a16="http://schemas.microsoft.com/office/drawing/2014/main" id="{198CF8AC-87DF-7FA9-314F-52FBF8BED237}"/>
+              </a:ext>
+            </a:extLst>
+          </p:cNvPr>
+          <p:cNvSpPr txBox="1"/>
+          <p:nvPr/>
+        </p:nvSpPr>
+        <p:spPr>
+          <a:xfrm>
+            <a:off x="495300" y="5830990"/>
+            <a:ext cx="11201400" cy="578882"/>
+          </a:xfrm>
+          <a:prstGeom prst="roundRect">
+            <a:avLst/>
+          </a:prstGeom>
+          <a:solidFill>
+            <a:schemeClr val="bg1"/>
+          </a:solidFill>
+          <a:ln w="76200">
+            <a:solidFill>
+              <a:srgbClr val="FFC416"/>
+            </a:solidFill>
+          </a:ln>
+        </p:spPr>
+        <p:style>
+          <a:lnRef idx="2">
+            <a:schemeClr val="dk1"/>
+          </a:lnRef>
+          <a:fillRef idx="1">
+            <a:schemeClr val="lt1"/>
+          </a:fillRef>
+          <a:effectRef idx="0">
+            <a:schemeClr val="dk1"/>
+          </a:effectRef>
+          <a:fontRef idx="minor">
+            <a:schemeClr val="dk1"/>
+          </a:fontRef>
+        </p:style>
+        <p:txBody>
+          <a:bodyPr wrap="square" rtlCol="0">
+            <a:spAutoFit/>
+          </a:bodyPr>
+          <a:lstStyle/>
+          <a:p>
+            <a:pPr algn="ctr"/>
+            <a:r>
+              <a:rPr lang="en-US" sz="2800" dirty="0">
+                <a:solidFill>
+                  <a:srgbClr val="660066"/>
+                </a:solidFill>
+              </a:rPr>
+              <a:t>Download R and RStudio to Your Computer</a:t>
+            </a:r>
+          </a:p>
+        </p:txBody>
+      </p:sp>
     </p:spTree>
     <p:extLst>
       <p:ext uri="{BB962C8B-B14F-4D97-AF65-F5344CB8AC3E}">
@@ -6079,7 +6273,7 @@
                   <a:srgbClr val="660066"/>
                 </a:solidFill>
               </a:rPr>
-              <a:t>Download Zip Folder on Course Website for Lecture 1</a:t>
+              <a:t>Download Zip Folder on Course Website for Supplement</a:t>
             </a:r>
           </a:p>
           <a:p>
@@ -6137,7 +6331,7 @@
                   <a:srgbClr val="660066"/>
                 </a:solidFill>
               </a:rPr>
-              <a:t>Rmd</a:t>
+              <a:t>Template.rmd</a:t>
             </a:r>
             <a:r>
               <a:rPr lang="en-US" sz="2800" dirty="0">
@@ -6165,20 +6359,12 @@
               <a:buChar char="•"/>
             </a:pPr>
             <a:r>
-              <a:rPr lang="en-US" sz="2800" dirty="0" err="1">
+              <a:rPr lang="en-US" sz="2800" dirty="0">
                 <a:solidFill>
                   <a:srgbClr val="660066"/>
                 </a:solidFill>
               </a:rPr>
-              <a:t>Rmd</a:t>
-            </a:r>
-            <a:r>
-              <a:rPr lang="en-US" sz="2800" dirty="0">
-                <a:solidFill>
-                  <a:srgbClr val="660066"/>
-                </a:solidFill>
-              </a:rPr>
-              <a:t> Files Should Automatically Open in RStudio </a:t>
+              <a:t>RMD Files Should Automatically Open in RStudio </a:t>
             </a:r>
           </a:p>
         </p:txBody>
@@ -6625,6 +6811,725 @@
     <p:extLst>
       <p:ext uri="{BB962C8B-B14F-4D97-AF65-F5344CB8AC3E}">
         <p14:creationId xmlns:p14="http://schemas.microsoft.com/office/powerpoint/2010/main" val="3954967299"/>
+      </p:ext>
+    </p:extLst>
+  </p:cSld>
+  <p:clrMapOvr>
+    <a:masterClrMapping/>
+  </p:clrMapOvr>
+</p:sld>
+</file>
+
+<file path=ppt/slides/slide14.xml><?xml version="1.0" encoding="utf-8"?>
+<p:sld xmlns:a="http://schemas.openxmlformats.org/drawingml/2006/main" xmlns:r="http://schemas.openxmlformats.org/officeDocument/2006/relationships" xmlns:p="http://schemas.openxmlformats.org/presentationml/2006/main">
+  <p:cSld>
+    <p:spTree>
+      <p:nvGrpSpPr>
+        <p:cNvPr id="1" name=""/>
+        <p:cNvGrpSpPr/>
+        <p:nvPr/>
+      </p:nvGrpSpPr>
+      <p:grpSpPr>
+        <a:xfrm>
+          <a:off x="0" y="0"/>
+          <a:ext cx="0" cy="0"/>
+          <a:chOff x="0" y="0"/>
+          <a:chExt cx="0" cy="0"/>
+        </a:xfrm>
+      </p:grpSpPr>
+      <p:pic>
+        <p:nvPicPr>
+          <p:cNvPr id="2" name="Picture 10" descr="Mario Pattern">
+            <a:extLst>
+              <a:ext uri="{FF2B5EF4-FFF2-40B4-BE49-F238E27FC236}">
+                <a16:creationId xmlns:a16="http://schemas.microsoft.com/office/drawing/2014/main" id="{8F84FFD9-23AF-75F7-6DAA-904525952142}"/>
+              </a:ext>
+            </a:extLst>
+          </p:cNvPr>
+          <p:cNvPicPr>
+            <a:picLocks noChangeAspect="1" noChangeArrowheads="1"/>
+          </p:cNvPicPr>
+          <p:nvPr/>
+        </p:nvPicPr>
+        <p:blipFill rotWithShape="1">
+          <a:blip r:embed="rId2">
+            <a:alphaModFix amt="47000"/>
+            <a:extLst>
+              <a:ext uri="{28A0092B-C50C-407E-A947-70E740481C1C}">
+                <a14:useLocalDpi xmlns:a14="http://schemas.microsoft.com/office/drawing/2010/main" val="0"/>
+              </a:ext>
+            </a:extLst>
+          </a:blip>
+          <a:srcRect l="4595" r="6699"/>
+          <a:stretch/>
+        </p:blipFill>
+        <p:spPr bwMode="auto">
+          <a:xfrm>
+            <a:off x="0" y="-2057400"/>
+            <a:ext cx="12192000" cy="10308201"/>
+          </a:xfrm>
+          <a:prstGeom prst="rect">
+            <a:avLst/>
+          </a:prstGeom>
+          <a:noFill/>
+          <a:extLst>
+            <a:ext uri="{909E8E84-426E-40DD-AFC4-6F175D3DCCD1}">
+              <a14:hiddenFill xmlns:a14="http://schemas.microsoft.com/office/drawing/2010/main">
+                <a:solidFill>
+                  <a:srgbClr val="FFFFFF"/>
+                </a:solidFill>
+              </a14:hiddenFill>
+            </a:ext>
+          </a:extLst>
+        </p:spPr>
+      </p:pic>
+      <p:sp>
+        <p:nvSpPr>
+          <p:cNvPr id="12" name="Line 11"/>
+          <p:cNvSpPr>
+            <a:spLocks noChangeShapeType="1"/>
+          </p:cNvSpPr>
+          <p:nvPr/>
+        </p:nvSpPr>
+        <p:spPr bwMode="auto">
+          <a:xfrm flipV="1">
+            <a:off x="6972300" y="5109836"/>
+            <a:ext cx="609600" cy="533400"/>
+          </a:xfrm>
+          <a:prstGeom prst="line">
+            <a:avLst/>
+          </a:prstGeom>
+          <a:noFill/>
+          <a:ln w="38100">
+            <a:solidFill>
+              <a:srgbClr val="FFFF66"/>
+            </a:solidFill>
+            <a:round/>
+            <a:headEnd/>
+            <a:tailEnd type="triangle" w="med" len="med"/>
+          </a:ln>
+          <a:extLst>
+            <a:ext uri="{909E8E84-426E-40DD-AFC4-6F175D3DCCD1}">
+              <a14:hiddenFill xmlns:a14="http://schemas.microsoft.com/office/drawing/2010/main">
+                <a:noFill/>
+              </a14:hiddenFill>
+            </a:ext>
+          </a:extLst>
+        </p:spPr>
+        <p:txBody>
+          <a:bodyPr wrap="square">
+            <a:spAutoFit/>
+          </a:bodyPr>
+          <a:lstStyle/>
+          <a:p>
+            <a:endParaRPr lang="en-US"/>
+          </a:p>
+        </p:txBody>
+      </p:sp>
+      <p:sp>
+        <p:nvSpPr>
+          <p:cNvPr id="6" name="TextBox 5">
+            <a:extLst>
+              <a:ext uri="{FF2B5EF4-FFF2-40B4-BE49-F238E27FC236}">
+                <a16:creationId xmlns:a16="http://schemas.microsoft.com/office/drawing/2014/main" id="{4F2DA592-D8EB-70BA-2112-6C13A4E7B393}"/>
+              </a:ext>
+            </a:extLst>
+          </p:cNvPr>
+          <p:cNvSpPr txBox="1"/>
+          <p:nvPr/>
+        </p:nvSpPr>
+        <p:spPr>
+          <a:xfrm>
+            <a:off x="495300" y="606817"/>
+            <a:ext cx="11201400" cy="919401"/>
+          </a:xfrm>
+          <a:prstGeom prst="roundRect">
+            <a:avLst/>
+          </a:prstGeom>
+          <a:solidFill>
+            <a:schemeClr val="bg1">
+              <a:alpha val="70000"/>
+            </a:schemeClr>
+          </a:solidFill>
+          <a:ln w="76200">
+            <a:solidFill>
+              <a:srgbClr val="FFC416"/>
+            </a:solidFill>
+          </a:ln>
+        </p:spPr>
+        <p:style>
+          <a:lnRef idx="2">
+            <a:schemeClr val="dk1"/>
+          </a:lnRef>
+          <a:fillRef idx="1">
+            <a:schemeClr val="lt1"/>
+          </a:fillRef>
+          <a:effectRef idx="0">
+            <a:schemeClr val="dk1"/>
+          </a:effectRef>
+          <a:fontRef idx="minor">
+            <a:schemeClr val="dk1"/>
+          </a:fontRef>
+        </p:style>
+        <p:txBody>
+          <a:bodyPr wrap="square" rtlCol="0">
+            <a:spAutoFit/>
+          </a:bodyPr>
+          <a:lstStyle/>
+          <a:p>
+            <a:pPr algn="ctr"/>
+            <a:r>
+              <a:rPr lang="en-US" sz="4800" b="1" dirty="0">
+                <a:solidFill>
+                  <a:srgbClr val="2D3A37"/>
+                </a:solidFill>
+                <a:latin typeface="Adobe Devanagari" panose="02040503050201020203" pitchFamily="18" charset="0"/>
+                <a:cs typeface="Adobe Devanagari" panose="02040503050201020203" pitchFamily="18" charset="0"/>
+              </a:rPr>
+              <a:t>Learning Objectives for R</a:t>
+            </a:r>
+            <a:endParaRPr lang="en-US" sz="4800" dirty="0">
+              <a:solidFill>
+                <a:srgbClr val="2D3A37"/>
+              </a:solidFill>
+            </a:endParaRPr>
+          </a:p>
+        </p:txBody>
+      </p:sp>
+      <p:sp>
+        <p:nvSpPr>
+          <p:cNvPr id="7" name="TextBox 6">
+            <a:extLst>
+              <a:ext uri="{FF2B5EF4-FFF2-40B4-BE49-F238E27FC236}">
+                <a16:creationId xmlns:a16="http://schemas.microsoft.com/office/drawing/2014/main" id="{D9B238EA-D04E-3255-7509-F990F1A8F309}"/>
+              </a:ext>
+            </a:extLst>
+          </p:cNvPr>
+          <p:cNvSpPr txBox="1"/>
+          <p:nvPr/>
+        </p:nvSpPr>
+        <p:spPr>
+          <a:xfrm>
+            <a:off x="495300" y="1977074"/>
+            <a:ext cx="11201400" cy="3439239"/>
+          </a:xfrm>
+          <a:prstGeom prst="roundRect">
+            <a:avLst/>
+          </a:prstGeom>
+          <a:solidFill>
+            <a:schemeClr val="bg1"/>
+          </a:solidFill>
+          <a:ln w="76200">
+            <a:solidFill>
+              <a:srgbClr val="FFC416"/>
+            </a:solidFill>
+          </a:ln>
+        </p:spPr>
+        <p:style>
+          <a:lnRef idx="2">
+            <a:schemeClr val="dk1"/>
+          </a:lnRef>
+          <a:fillRef idx="1">
+            <a:schemeClr val="lt1"/>
+          </a:fillRef>
+          <a:effectRef idx="0">
+            <a:schemeClr val="dk1"/>
+          </a:effectRef>
+          <a:fontRef idx="minor">
+            <a:schemeClr val="dk1"/>
+          </a:fontRef>
+        </p:style>
+        <p:txBody>
+          <a:bodyPr wrap="square" rtlCol="0">
+            <a:spAutoFit/>
+          </a:bodyPr>
+          <a:lstStyle/>
+          <a:p>
+            <a:pPr marL="457200" indent="-457200">
+              <a:buFont typeface="Arial" panose="020B0604020202020204" pitchFamily="34" charset="0"/>
+              <a:buChar char="•"/>
+            </a:pPr>
+            <a:r>
+              <a:rPr lang="en-US" sz="2800" dirty="0">
+                <a:solidFill>
+                  <a:srgbClr val="660066"/>
+                </a:solidFill>
+              </a:rPr>
+              <a:t>Install Packages</a:t>
+            </a:r>
+          </a:p>
+          <a:p>
+            <a:pPr marL="457200" indent="-457200">
+              <a:buFont typeface="Arial" panose="020B0604020202020204" pitchFamily="34" charset="0"/>
+              <a:buChar char="•"/>
+            </a:pPr>
+            <a:r>
+              <a:rPr lang="en-US" sz="2800" dirty="0">
+                <a:solidFill>
+                  <a:srgbClr val="660066"/>
+                </a:solidFill>
+              </a:rPr>
+              <a:t>Load Packages</a:t>
+            </a:r>
+          </a:p>
+          <a:p>
+            <a:pPr marL="457200" indent="-457200">
+              <a:buFont typeface="Arial" panose="020B0604020202020204" pitchFamily="34" charset="0"/>
+              <a:buChar char="•"/>
+            </a:pPr>
+            <a:r>
+              <a:rPr lang="en-US" sz="2800" dirty="0">
+                <a:solidFill>
+                  <a:srgbClr val="660066"/>
+                </a:solidFill>
+              </a:rPr>
+              <a:t>Read CSV Files</a:t>
+            </a:r>
+          </a:p>
+          <a:p>
+            <a:pPr marL="457200" indent="-457200">
+              <a:buFont typeface="Arial" panose="020B0604020202020204" pitchFamily="34" charset="0"/>
+              <a:buChar char="•"/>
+            </a:pPr>
+            <a:r>
+              <a:rPr lang="en-US" sz="2800" dirty="0">
+                <a:solidFill>
+                  <a:srgbClr val="660066"/>
+                </a:solidFill>
+              </a:rPr>
+              <a:t>Create Objects</a:t>
+            </a:r>
+          </a:p>
+          <a:p>
+            <a:pPr marL="457200" indent="-457200">
+              <a:buFont typeface="Arial" panose="020B0604020202020204" pitchFamily="34" charset="0"/>
+              <a:buChar char="•"/>
+            </a:pPr>
+            <a:r>
+              <a:rPr lang="en-US" sz="2800" dirty="0">
+                <a:solidFill>
+                  <a:srgbClr val="660066"/>
+                </a:solidFill>
+              </a:rPr>
+              <a:t>Columns and Rows</a:t>
+            </a:r>
+          </a:p>
+          <a:p>
+            <a:pPr marL="457200" indent="-457200">
+              <a:buFont typeface="Arial" panose="020B0604020202020204" pitchFamily="34" charset="0"/>
+              <a:buChar char="•"/>
+            </a:pPr>
+            <a:r>
+              <a:rPr lang="en-US" sz="2800" dirty="0">
+                <a:solidFill>
+                  <a:srgbClr val="660066"/>
+                </a:solidFill>
+              </a:rPr>
+              <a:t>Subset Data</a:t>
+            </a:r>
+          </a:p>
+          <a:p>
+            <a:pPr marL="457200" indent="-457200">
+              <a:buFont typeface="Arial" panose="020B0604020202020204" pitchFamily="34" charset="0"/>
+              <a:buChar char="•"/>
+            </a:pPr>
+            <a:r>
+              <a:rPr lang="en-US" sz="2800">
+                <a:solidFill>
+                  <a:srgbClr val="660066"/>
+                </a:solidFill>
+              </a:rPr>
+              <a:t>Basic </a:t>
+            </a:r>
+            <a:r>
+              <a:rPr lang="en-US" sz="2800" dirty="0">
+                <a:solidFill>
+                  <a:srgbClr val="660066"/>
+                </a:solidFill>
+              </a:rPr>
+              <a:t>Statistical Functions</a:t>
+            </a:r>
+          </a:p>
+        </p:txBody>
+      </p:sp>
+    </p:spTree>
+    <p:extLst>
+      <p:ext uri="{BB962C8B-B14F-4D97-AF65-F5344CB8AC3E}">
+        <p14:creationId xmlns:p14="http://schemas.microsoft.com/office/powerpoint/2010/main" val="3788215910"/>
+      </p:ext>
+    </p:extLst>
+  </p:cSld>
+  <p:clrMapOvr>
+    <a:masterClrMapping/>
+  </p:clrMapOvr>
+</p:sld>
+</file>
+
+<file path=ppt/slides/slide15.xml><?xml version="1.0" encoding="utf-8"?>
+<p:sld xmlns:a="http://schemas.openxmlformats.org/drawingml/2006/main" xmlns:r="http://schemas.openxmlformats.org/officeDocument/2006/relationships" xmlns:p="http://schemas.openxmlformats.org/presentationml/2006/main">
+  <p:cSld>
+    <p:spTree>
+      <p:nvGrpSpPr>
+        <p:cNvPr id="1" name=""/>
+        <p:cNvGrpSpPr/>
+        <p:nvPr/>
+      </p:nvGrpSpPr>
+      <p:grpSpPr>
+        <a:xfrm>
+          <a:off x="0" y="0"/>
+          <a:ext cx="0" cy="0"/>
+          <a:chOff x="0" y="0"/>
+          <a:chExt cx="0" cy="0"/>
+        </a:xfrm>
+      </p:grpSpPr>
+      <p:sp>
+        <p:nvSpPr>
+          <p:cNvPr id="10" name="Rectangle: Rounded Corners 9">
+            <a:extLst>
+              <a:ext uri="{FF2B5EF4-FFF2-40B4-BE49-F238E27FC236}">
+                <a16:creationId xmlns:a16="http://schemas.microsoft.com/office/drawing/2014/main" id="{6EE0EA48-9FEB-2763-FFA9-DF5F6F8911FB}"/>
+              </a:ext>
+            </a:extLst>
+          </p:cNvPr>
+          <p:cNvSpPr/>
+          <p:nvPr/>
+        </p:nvSpPr>
+        <p:spPr>
+          <a:xfrm>
+            <a:off x="302299" y="235037"/>
+            <a:ext cx="11587397" cy="6387923"/>
+          </a:xfrm>
+          <a:prstGeom prst="roundRect">
+            <a:avLst>
+              <a:gd name="adj" fmla="val 18853"/>
+            </a:avLst>
+          </a:prstGeom>
+          <a:noFill/>
+          <a:ln w="12700">
+            <a:solidFill>
+              <a:srgbClr val="660066"/>
+            </a:solidFill>
+          </a:ln>
+        </p:spPr>
+        <p:style>
+          <a:lnRef idx="2">
+            <a:schemeClr val="accent1">
+              <a:shade val="15000"/>
+            </a:schemeClr>
+          </a:lnRef>
+          <a:fillRef idx="1">
+            <a:schemeClr val="accent1"/>
+          </a:fillRef>
+          <a:effectRef idx="0">
+            <a:schemeClr val="accent1"/>
+          </a:effectRef>
+          <a:fontRef idx="minor">
+            <a:schemeClr val="lt1"/>
+          </a:fontRef>
+        </p:style>
+        <p:txBody>
+          <a:bodyPr rtlCol="0" anchor="ctr"/>
+          <a:lstStyle/>
+          <a:p>
+            <a:pPr algn="ctr"/>
+            <a:endParaRPr lang="en-US"/>
+          </a:p>
+        </p:txBody>
+      </p:sp>
+      <p:sp>
+        <p:nvSpPr>
+          <p:cNvPr id="9" name="Rectangle: Rounded Corners 8">
+            <a:extLst>
+              <a:ext uri="{FF2B5EF4-FFF2-40B4-BE49-F238E27FC236}">
+                <a16:creationId xmlns:a16="http://schemas.microsoft.com/office/drawing/2014/main" id="{5DBBEA9E-A041-7D11-BDE1-24FD15D9A8D6}"/>
+              </a:ext>
+            </a:extLst>
+          </p:cNvPr>
+          <p:cNvSpPr/>
+          <p:nvPr/>
+        </p:nvSpPr>
+        <p:spPr>
+          <a:xfrm>
+            <a:off x="152400" y="152400"/>
+            <a:ext cx="11887200" cy="6553199"/>
+          </a:xfrm>
+          <a:prstGeom prst="roundRect">
+            <a:avLst>
+              <a:gd name="adj" fmla="val 18853"/>
+            </a:avLst>
+          </a:prstGeom>
+          <a:noFill/>
+          <a:ln w="12700">
+            <a:solidFill>
+              <a:srgbClr val="660066"/>
+            </a:solidFill>
+          </a:ln>
+        </p:spPr>
+        <p:style>
+          <a:lnRef idx="2">
+            <a:schemeClr val="accent1">
+              <a:shade val="15000"/>
+            </a:schemeClr>
+          </a:lnRef>
+          <a:fillRef idx="1">
+            <a:schemeClr val="accent1"/>
+          </a:fillRef>
+          <a:effectRef idx="0">
+            <a:schemeClr val="accent1"/>
+          </a:effectRef>
+          <a:fontRef idx="minor">
+            <a:schemeClr val="lt1"/>
+          </a:fontRef>
+        </p:style>
+        <p:txBody>
+          <a:bodyPr rtlCol="0" anchor="ctr"/>
+          <a:lstStyle/>
+          <a:p>
+            <a:pPr algn="ctr"/>
+            <a:endParaRPr lang="en-US" dirty="0"/>
+          </a:p>
+        </p:txBody>
+      </p:sp>
+      <p:sp>
+        <p:nvSpPr>
+          <p:cNvPr id="12" name="Line 11"/>
+          <p:cNvSpPr>
+            <a:spLocks noChangeShapeType="1"/>
+          </p:cNvSpPr>
+          <p:nvPr/>
+        </p:nvSpPr>
+        <p:spPr bwMode="auto">
+          <a:xfrm flipV="1">
+            <a:off x="6972300" y="5109836"/>
+            <a:ext cx="609600" cy="533400"/>
+          </a:xfrm>
+          <a:prstGeom prst="line">
+            <a:avLst/>
+          </a:prstGeom>
+          <a:noFill/>
+          <a:ln w="38100">
+            <a:solidFill>
+              <a:srgbClr val="FFFF66"/>
+            </a:solidFill>
+            <a:round/>
+            <a:headEnd/>
+            <a:tailEnd type="triangle" w="med" len="med"/>
+          </a:ln>
+          <a:extLst>
+            <a:ext uri="{909E8E84-426E-40DD-AFC4-6F175D3DCCD1}">
+              <a14:hiddenFill xmlns:a14="http://schemas.microsoft.com/office/drawing/2010/main">
+                <a:noFill/>
+              </a14:hiddenFill>
+            </a:ext>
+          </a:extLst>
+        </p:spPr>
+        <p:txBody>
+          <a:bodyPr wrap="square">
+            <a:spAutoFit/>
+          </a:bodyPr>
+          <a:lstStyle/>
+          <a:p>
+            <a:endParaRPr lang="en-US"/>
+          </a:p>
+        </p:txBody>
+      </p:sp>
+      <p:pic>
+        <p:nvPicPr>
+          <p:cNvPr id="3" name="Picture 10" descr="Mario Pattern">
+            <a:extLst>
+              <a:ext uri="{FF2B5EF4-FFF2-40B4-BE49-F238E27FC236}">
+                <a16:creationId xmlns:a16="http://schemas.microsoft.com/office/drawing/2014/main" id="{70C83288-9D80-2729-3EE2-8CD883504850}"/>
+              </a:ext>
+            </a:extLst>
+          </p:cNvPr>
+          <p:cNvPicPr>
+            <a:picLocks noChangeAspect="1" noChangeArrowheads="1"/>
+          </p:cNvPicPr>
+          <p:nvPr/>
+        </p:nvPicPr>
+        <p:blipFill rotWithShape="1">
+          <a:blip r:embed="rId3">
+            <a:alphaModFix/>
+            <a:extLst>
+              <a:ext uri="{28A0092B-C50C-407E-A947-70E740481C1C}">
+                <a14:useLocalDpi xmlns:a14="http://schemas.microsoft.com/office/drawing/2010/main" val="0"/>
+              </a:ext>
+            </a:extLst>
+          </a:blip>
+          <a:srcRect l="4595" t="67313" r="6699" b="2019"/>
+          <a:stretch/>
+        </p:blipFill>
+        <p:spPr bwMode="auto">
+          <a:xfrm>
+            <a:off x="2040351" y="4953000"/>
+            <a:ext cx="8111283" cy="2103120"/>
+          </a:xfrm>
+          <a:prstGeom prst="rect">
+            <a:avLst/>
+          </a:prstGeom>
+          <a:noFill/>
+          <a:ln w="28575">
+            <a:noFill/>
+          </a:ln>
+          <a:effectLst>
+            <a:innerShdw blurRad="63500" dist="50800">
+              <a:prstClr val="black">
+                <a:alpha val="50000"/>
+              </a:prstClr>
+            </a:innerShdw>
+          </a:effectLst>
+          <a:extLst>
+            <a:ext uri="{909E8E84-426E-40DD-AFC4-6F175D3DCCD1}">
+              <a14:hiddenFill xmlns:a14="http://schemas.microsoft.com/office/drawing/2010/main">
+                <a:solidFill>
+                  <a:srgbClr val="FFFFFF"/>
+                </a:solidFill>
+              </a14:hiddenFill>
+            </a:ext>
+          </a:extLst>
+        </p:spPr>
+      </p:pic>
+      <p:sp>
+        <p:nvSpPr>
+          <p:cNvPr id="4" name="Rectangle: Rounded Corners 3">
+            <a:extLst>
+              <a:ext uri="{FF2B5EF4-FFF2-40B4-BE49-F238E27FC236}">
+                <a16:creationId xmlns:a16="http://schemas.microsoft.com/office/drawing/2014/main" id="{1B666B6E-7053-3022-B1D9-2AF4C282F2A0}"/>
+              </a:ext>
+            </a:extLst>
+          </p:cNvPr>
+          <p:cNvSpPr/>
+          <p:nvPr/>
+        </p:nvSpPr>
+        <p:spPr>
+          <a:xfrm>
+            <a:off x="1638293" y="4097965"/>
+            <a:ext cx="8915400" cy="1005788"/>
+          </a:xfrm>
+          <a:prstGeom prst="roundRect">
+            <a:avLst>
+              <a:gd name="adj" fmla="val 18853"/>
+            </a:avLst>
+          </a:prstGeom>
+          <a:solidFill>
+            <a:srgbClr val="2D3A37"/>
+          </a:solidFill>
+          <a:ln w="57150">
+            <a:noFill/>
+          </a:ln>
+        </p:spPr>
+        <p:style>
+          <a:lnRef idx="2">
+            <a:schemeClr val="accent1">
+              <a:shade val="15000"/>
+            </a:schemeClr>
+          </a:lnRef>
+          <a:fillRef idx="1">
+            <a:schemeClr val="accent1"/>
+          </a:fillRef>
+          <a:effectRef idx="0">
+            <a:schemeClr val="accent1"/>
+          </a:effectRef>
+          <a:fontRef idx="minor">
+            <a:schemeClr val="lt1"/>
+          </a:fontRef>
+        </p:style>
+        <p:txBody>
+          <a:bodyPr rtlCol="0" anchor="ctr"/>
+          <a:lstStyle/>
+          <a:p>
+            <a:pPr algn="ctr"/>
+            <a:endParaRPr lang="en-US"/>
+          </a:p>
+        </p:txBody>
+      </p:sp>
+      <p:sp>
+        <p:nvSpPr>
+          <p:cNvPr id="5" name="TextBox 4">
+            <a:extLst>
+              <a:ext uri="{FF2B5EF4-FFF2-40B4-BE49-F238E27FC236}">
+                <a16:creationId xmlns:a16="http://schemas.microsoft.com/office/drawing/2014/main" id="{861E9A78-74F4-2AA0-408A-B2F37D1DA24C}"/>
+              </a:ext>
+            </a:extLst>
+          </p:cNvPr>
+          <p:cNvSpPr txBox="1"/>
+          <p:nvPr/>
+        </p:nvSpPr>
+        <p:spPr>
+          <a:xfrm>
+            <a:off x="952490" y="1364366"/>
+            <a:ext cx="10287001" cy="1938992"/>
+          </a:xfrm>
+          <a:prstGeom prst="rect">
+            <a:avLst/>
+          </a:prstGeom>
+          <a:noFill/>
+        </p:spPr>
+        <p:txBody>
+          <a:bodyPr wrap="square" rtlCol="0">
+            <a:spAutoFit/>
+          </a:bodyPr>
+          <a:lstStyle/>
+          <a:p>
+            <a:pPr algn="ctr"/>
+            <a:r>
+              <a:rPr lang="en-US" sz="12000" dirty="0">
+                <a:solidFill>
+                  <a:srgbClr val="2D3A37"/>
+                </a:solidFill>
+                <a:latin typeface="Adobe Devanagari" panose="02040503050201020203" pitchFamily="18" charset="0"/>
+                <a:cs typeface="Adobe Devanagari" panose="02040503050201020203" pitchFamily="18" charset="0"/>
+              </a:rPr>
+              <a:t>Thank You</a:t>
+            </a:r>
+          </a:p>
+        </p:txBody>
+      </p:sp>
+      <p:sp>
+        <p:nvSpPr>
+          <p:cNvPr id="8" name="TextBox 7">
+            <a:extLst>
+              <a:ext uri="{FF2B5EF4-FFF2-40B4-BE49-F238E27FC236}">
+                <a16:creationId xmlns:a16="http://schemas.microsoft.com/office/drawing/2014/main" id="{D782FFA3-2177-56BA-6786-898DA3D642FF}"/>
+              </a:ext>
+            </a:extLst>
+          </p:cNvPr>
+          <p:cNvSpPr txBox="1"/>
+          <p:nvPr/>
+        </p:nvSpPr>
+        <p:spPr>
+          <a:xfrm>
+            <a:off x="952490" y="2713031"/>
+            <a:ext cx="10287001" cy="800219"/>
+          </a:xfrm>
+          <a:prstGeom prst="rect">
+            <a:avLst/>
+          </a:prstGeom>
+          <a:noFill/>
+        </p:spPr>
+        <p:txBody>
+          <a:bodyPr wrap="square" rtlCol="0">
+            <a:spAutoFit/>
+          </a:bodyPr>
+          <a:lstStyle/>
+          <a:p>
+            <a:pPr algn="ctr"/>
+            <a:r>
+              <a:rPr lang="en-US" sz="4600" i="1" dirty="0">
+                <a:solidFill>
+                  <a:srgbClr val="660066"/>
+                </a:solidFill>
+                <a:cs typeface="Adobe Devanagari" panose="02040503050201020203" pitchFamily="18" charset="0"/>
+              </a:rPr>
+              <a:t>Make Reasonable Decisions</a:t>
+            </a:r>
+          </a:p>
+        </p:txBody>
+      </p:sp>
+    </p:spTree>
+    <p:extLst>
+      <p:ext uri="{BB962C8B-B14F-4D97-AF65-F5344CB8AC3E}">
+        <p14:creationId xmlns:p14="http://schemas.microsoft.com/office/powerpoint/2010/main" val="3266410475"/>
       </p:ext>
     </p:extLst>
   </p:cSld>

--- a/Lectures/2 - Four Step Process.pptx
+++ b/Lectures/2 - Four Step Process.pptx
@@ -5,27 +5,30 @@
     <p:sldMasterId id="2147484095" r:id="rId1"/>
   </p:sldMasterIdLst>
   <p:notesMasterIdLst>
-    <p:notesMasterId r:id="rId17"/>
+    <p:notesMasterId r:id="rId20"/>
   </p:notesMasterIdLst>
   <p:handoutMasterIdLst>
-    <p:handoutMasterId r:id="rId18"/>
+    <p:handoutMasterId r:id="rId21"/>
   </p:handoutMasterIdLst>
   <p:sldIdLst>
     <p:sldId id="256" r:id="rId2"/>
     <p:sldId id="269" r:id="rId3"/>
-    <p:sldId id="346" r:id="rId4"/>
-    <p:sldId id="347" r:id="rId5"/>
-    <p:sldId id="348" r:id="rId6"/>
-    <p:sldId id="349" r:id="rId7"/>
-    <p:sldId id="350" r:id="rId8"/>
-    <p:sldId id="351" r:id="rId9"/>
-    <p:sldId id="352" r:id="rId10"/>
-    <p:sldId id="353" r:id="rId11"/>
-    <p:sldId id="354" r:id="rId12"/>
-    <p:sldId id="355" r:id="rId13"/>
-    <p:sldId id="356" r:id="rId14"/>
-    <p:sldId id="357" r:id="rId15"/>
-    <p:sldId id="358" r:id="rId16"/>
+    <p:sldId id="355" r:id="rId4"/>
+    <p:sldId id="346" r:id="rId5"/>
+    <p:sldId id="359" r:id="rId6"/>
+    <p:sldId id="360" r:id="rId7"/>
+    <p:sldId id="361" r:id="rId8"/>
+    <p:sldId id="347" r:id="rId9"/>
+    <p:sldId id="348" r:id="rId10"/>
+    <p:sldId id="349" r:id="rId11"/>
+    <p:sldId id="350" r:id="rId12"/>
+    <p:sldId id="351" r:id="rId13"/>
+    <p:sldId id="352" r:id="rId14"/>
+    <p:sldId id="353" r:id="rId15"/>
+    <p:sldId id="354" r:id="rId16"/>
+    <p:sldId id="356" r:id="rId17"/>
+    <p:sldId id="357" r:id="rId18"/>
+    <p:sldId id="358" r:id="rId19"/>
   </p:sldIdLst>
   <p:sldSz cx="12192000" cy="6858000"/>
   <p:notesSz cx="7315200" cy="9601200"/>
@@ -917,7 +920,7 @@
               <a:pPr>
                 <a:defRPr/>
               </a:pPr>
-              <a:t>15</a:t>
+              <a:t>18</a:t>
             </a:fld>
             <a:endParaRPr lang="en-US"/>
           </a:p>
@@ -5081,7 +5084,7 @@
                 <a:latin typeface="Adobe Devanagari" panose="02040503050201020203" pitchFamily="18" charset="0"/>
                 <a:cs typeface="Adobe Devanagari" panose="02040503050201020203" pitchFamily="18" charset="0"/>
               </a:rPr>
-              <a:t>Families of Models</a:t>
+              <a:t>Statistical Modeling</a:t>
             </a:r>
             <a:endParaRPr lang="en-US" sz="4800" dirty="0">
               <a:solidFill>
@@ -5106,7 +5109,7 @@
         <p:spPr>
           <a:xfrm>
             <a:off x="495300" y="1977074"/>
-            <a:ext cx="11201400" cy="4392692"/>
+            <a:ext cx="11201400" cy="3915966"/>
           </a:xfrm>
           <a:prstGeom prst="roundRect">
             <a:avLst/>
@@ -5140,6 +5143,16 @@
           </a:bodyPr>
           <a:lstStyle/>
           <a:p>
+            <a:r>
+              <a:rPr lang="en-US" sz="2800" dirty="0">
+                <a:solidFill>
+                  <a:srgbClr val="660066"/>
+                </a:solidFill>
+              </a:rPr>
+              <a:t>Statistical Modeling is the Process of …</a:t>
+            </a:r>
+          </a:p>
+          <a:p>
             <a:endParaRPr lang="en-US" sz="2800" dirty="0">
               <a:solidFill>
                 <a:srgbClr val="660066"/>
@@ -5147,6 +5160,75 @@
             </a:endParaRPr>
           </a:p>
           <a:p>
+            <a:r>
+              <a:rPr lang="en-US" sz="2800" b="1" dirty="0">
+                <a:solidFill>
+                  <a:srgbClr val="660066"/>
+                </a:solidFill>
+              </a:rPr>
+              <a:t>Defining the Function </a:t>
+            </a:r>
+            <a:r>
+              <a:rPr lang="en-US" sz="2800" b="1" i="1" dirty="0">
+                <a:solidFill>
+                  <a:srgbClr val="660066"/>
+                </a:solidFill>
+              </a:rPr>
+              <a:t>f(X) </a:t>
+            </a:r>
+            <a:r>
+              <a:rPr lang="en-US" sz="2800" dirty="0">
+                <a:solidFill>
+                  <a:srgbClr val="660066"/>
+                </a:solidFill>
+              </a:rPr>
+              <a:t>and then </a:t>
+            </a:r>
+            <a:r>
+              <a:rPr lang="en-US" sz="2800" b="1" dirty="0">
+                <a:solidFill>
+                  <a:srgbClr val="660066"/>
+                </a:solidFill>
+              </a:rPr>
+              <a:t>Fitting that Function </a:t>
+            </a:r>
+            <a:r>
+              <a:rPr lang="en-US" sz="2800" b="1" i="1" dirty="0">
+                <a:solidFill>
+                  <a:srgbClr val="660066"/>
+                </a:solidFill>
+              </a:rPr>
+              <a:t>f(X) </a:t>
+            </a:r>
+          </a:p>
+          <a:p>
+            <a:r>
+              <a:rPr lang="en-US" sz="2800" dirty="0">
+                <a:solidFill>
+                  <a:srgbClr val="660066"/>
+                </a:solidFill>
+              </a:rPr>
+              <a:t>to a sample dataset by </a:t>
+            </a:r>
+            <a:r>
+              <a:rPr lang="en-US" sz="2800" b="1" dirty="0">
+                <a:solidFill>
+                  <a:srgbClr val="660066"/>
+                </a:solidFill>
+              </a:rPr>
+              <a:t>Minimizing the Error</a:t>
+            </a:r>
+            <a:r>
+              <a:rPr lang="en-US" sz="2800" dirty="0">
+                <a:solidFill>
+                  <a:srgbClr val="660066"/>
+                </a:solidFill>
+              </a:rPr>
+              <a:t> the best we possibly can</a:t>
+            </a:r>
+          </a:p>
+          <a:p>
+            <a:pPr algn="ctr"/>
             <a:endParaRPr lang="en-US" sz="2800" dirty="0">
               <a:solidFill>
                 <a:srgbClr val="660066"/>
@@ -5154,6 +5236,10 @@
             </a:endParaRPr>
           </a:p>
           <a:p>
+            <a:pPr marL="685800" indent="-685800">
+              <a:buFont typeface="Arial" panose="020B0604020202020204" pitchFamily="34" charset="0"/>
+              <a:buChar char="•"/>
+            </a:pPr>
             <a:endParaRPr lang="en-US" sz="2800" dirty="0">
               <a:solidFill>
                 <a:srgbClr val="660066"/>
@@ -5161,465 +5247,28 @@
             </a:endParaRPr>
           </a:p>
           <a:p>
+            <a:r>
+              <a:rPr lang="en-US" sz="2800" dirty="0">
+                <a:solidFill>
+                  <a:srgbClr val="660066"/>
+                </a:solidFill>
+              </a:rPr>
+              <a:t>Methodology we Use Depends on the Types of Variables</a:t>
+            </a:r>
+          </a:p>
+          <a:p>
             <a:endParaRPr lang="en-US" sz="2800" dirty="0">
               <a:solidFill>
                 <a:srgbClr val="660066"/>
               </a:solidFill>
             </a:endParaRPr>
           </a:p>
-          <a:p>
-            <a:endParaRPr lang="en-US" sz="2800" dirty="0">
-              <a:solidFill>
-                <a:srgbClr val="660066"/>
-              </a:solidFill>
-            </a:endParaRPr>
-          </a:p>
-          <a:p>
-            <a:endParaRPr lang="en-US" sz="2800" dirty="0">
-              <a:solidFill>
-                <a:srgbClr val="660066"/>
-              </a:solidFill>
-            </a:endParaRPr>
-          </a:p>
-          <a:p>
-            <a:endParaRPr lang="en-US" sz="2800" dirty="0">
-              <a:solidFill>
-                <a:srgbClr val="660066"/>
-              </a:solidFill>
-            </a:endParaRPr>
-          </a:p>
-          <a:p>
-            <a:r>
-              <a:rPr lang="en-US" sz="2800" i="1" dirty="0">
-                <a:solidFill>
-                  <a:srgbClr val="660066"/>
-                </a:solidFill>
-              </a:rPr>
-              <a:t>Complicated by </a:t>
-            </a:r>
-            <a:r>
-              <a:rPr lang="en-US" sz="2800" b="1" i="1" dirty="0">
-                <a:solidFill>
-                  <a:srgbClr val="660066"/>
-                </a:solidFill>
-              </a:rPr>
-              <a:t>multiple</a:t>
-            </a:r>
-            <a:r>
-              <a:rPr lang="en-US" sz="2800" i="1" dirty="0">
-                <a:solidFill>
-                  <a:srgbClr val="660066"/>
-                </a:solidFill>
-              </a:rPr>
-              <a:t> predictor variables and/or response variables</a:t>
-            </a:r>
-          </a:p>
-          <a:p>
-            <a:endParaRPr lang="en-US" sz="2800" dirty="0">
-              <a:solidFill>
-                <a:srgbClr val="660066"/>
-              </a:solidFill>
-            </a:endParaRPr>
-          </a:p>
-        </p:txBody>
-      </p:sp>
-      <p:sp>
-        <p:nvSpPr>
-          <p:cNvPr id="3" name="TextBox 2">
-            <a:extLst>
-              <a:ext uri="{FF2B5EF4-FFF2-40B4-BE49-F238E27FC236}">
-                <a16:creationId xmlns:a16="http://schemas.microsoft.com/office/drawing/2014/main" id="{1A7B0DEE-7C9E-F4B1-5F83-29C0E1FA1DC8}"/>
-              </a:ext>
-            </a:extLst>
-          </p:cNvPr>
-          <p:cNvSpPr txBox="1"/>
-          <p:nvPr/>
-        </p:nvSpPr>
-        <p:spPr>
-          <a:xfrm>
-            <a:off x="1194089" y="3131336"/>
-            <a:ext cx="1981200" cy="523220"/>
-          </a:xfrm>
-          <a:prstGeom prst="rect">
-            <a:avLst/>
-          </a:prstGeom>
-          <a:noFill/>
-        </p:spPr>
-        <p:txBody>
-          <a:bodyPr wrap="square" rtlCol="0">
-            <a:spAutoFit/>
-          </a:bodyPr>
-          <a:lstStyle/>
-          <a:p>
-            <a:pPr algn="ctr"/>
-            <a:r>
-              <a:rPr lang="en-US" sz="2800" dirty="0"/>
-              <a:t>Categorical</a:t>
-            </a:r>
-          </a:p>
-        </p:txBody>
-      </p:sp>
-      <p:sp>
-        <p:nvSpPr>
-          <p:cNvPr id="4" name="TextBox 3">
-            <a:extLst>
-              <a:ext uri="{FF2B5EF4-FFF2-40B4-BE49-F238E27FC236}">
-                <a16:creationId xmlns:a16="http://schemas.microsoft.com/office/drawing/2014/main" id="{CFAFD2E7-A7E5-89A1-BB02-9E46C99529B9}"/>
-              </a:ext>
-            </a:extLst>
-          </p:cNvPr>
-          <p:cNvSpPr txBox="1"/>
-          <p:nvPr/>
-        </p:nvSpPr>
-        <p:spPr>
-          <a:xfrm>
-            <a:off x="1214871" y="4276065"/>
-            <a:ext cx="1981200" cy="523220"/>
-          </a:xfrm>
-          <a:prstGeom prst="rect">
-            <a:avLst/>
-          </a:prstGeom>
-          <a:noFill/>
-        </p:spPr>
-        <p:txBody>
-          <a:bodyPr wrap="square" rtlCol="0">
-            <a:spAutoFit/>
-          </a:bodyPr>
-          <a:lstStyle/>
-          <a:p>
-            <a:pPr algn="ctr"/>
-            <a:r>
-              <a:rPr lang="en-US" sz="2800" dirty="0"/>
-              <a:t>Quantitative</a:t>
-            </a:r>
-          </a:p>
-        </p:txBody>
-      </p:sp>
-      <p:sp>
-        <p:nvSpPr>
-          <p:cNvPr id="15" name="TextBox 14">
-            <a:extLst>
-              <a:ext uri="{FF2B5EF4-FFF2-40B4-BE49-F238E27FC236}">
-                <a16:creationId xmlns:a16="http://schemas.microsoft.com/office/drawing/2014/main" id="{F3821AEA-A95F-78B8-F95E-838A7F2D5533}"/>
-              </a:ext>
-            </a:extLst>
-          </p:cNvPr>
-          <p:cNvSpPr txBox="1"/>
-          <p:nvPr/>
-        </p:nvSpPr>
-        <p:spPr>
-          <a:xfrm>
-            <a:off x="762000" y="2381193"/>
-            <a:ext cx="3073111" cy="523220"/>
-          </a:xfrm>
-          <a:prstGeom prst="rect">
-            <a:avLst/>
-          </a:prstGeom>
-          <a:noFill/>
-        </p:spPr>
-        <p:txBody>
-          <a:bodyPr wrap="square" rtlCol="0">
-            <a:spAutoFit/>
-          </a:bodyPr>
-          <a:lstStyle/>
-          <a:p>
-            <a:pPr algn="ctr"/>
-            <a:r>
-              <a:rPr lang="en-US" sz="2800" u="sng" dirty="0"/>
-              <a:t>Response Variable</a:t>
-            </a:r>
-          </a:p>
-        </p:txBody>
-      </p:sp>
-      <p:sp>
-        <p:nvSpPr>
-          <p:cNvPr id="16" name="TextBox 15">
-            <a:extLst>
-              <a:ext uri="{FF2B5EF4-FFF2-40B4-BE49-F238E27FC236}">
-                <a16:creationId xmlns:a16="http://schemas.microsoft.com/office/drawing/2014/main" id="{D950D77A-804A-8830-AB4E-45BC6CDB4443}"/>
-              </a:ext>
-            </a:extLst>
-          </p:cNvPr>
-          <p:cNvSpPr txBox="1"/>
-          <p:nvPr/>
-        </p:nvSpPr>
-        <p:spPr>
-          <a:xfrm>
-            <a:off x="6553200" y="2379404"/>
-            <a:ext cx="3276600" cy="523220"/>
-          </a:xfrm>
-          <a:prstGeom prst="rect">
-            <a:avLst/>
-          </a:prstGeom>
-          <a:noFill/>
-        </p:spPr>
-        <p:txBody>
-          <a:bodyPr wrap="square" rtlCol="0">
-            <a:spAutoFit/>
-          </a:bodyPr>
-          <a:lstStyle/>
-          <a:p>
-            <a:pPr algn="ctr"/>
-            <a:r>
-              <a:rPr lang="en-US" sz="2800" u="sng" dirty="0"/>
-              <a:t>Predictor Variable</a:t>
-            </a:r>
-          </a:p>
-        </p:txBody>
-      </p:sp>
-      <p:sp>
-        <p:nvSpPr>
-          <p:cNvPr id="20" name="TextBox 19">
-            <a:extLst>
-              <a:ext uri="{FF2B5EF4-FFF2-40B4-BE49-F238E27FC236}">
-                <a16:creationId xmlns:a16="http://schemas.microsoft.com/office/drawing/2014/main" id="{18AAB9C5-5F78-2C31-6321-A2FBB6F2C237}"/>
-              </a:ext>
-            </a:extLst>
-          </p:cNvPr>
-          <p:cNvSpPr txBox="1"/>
-          <p:nvPr/>
-        </p:nvSpPr>
-        <p:spPr>
-          <a:xfrm>
-            <a:off x="7200900" y="3096700"/>
-            <a:ext cx="1981200" cy="523220"/>
-          </a:xfrm>
-          <a:prstGeom prst="rect">
-            <a:avLst/>
-          </a:prstGeom>
-          <a:noFill/>
-        </p:spPr>
-        <p:txBody>
-          <a:bodyPr wrap="square" rtlCol="0">
-            <a:spAutoFit/>
-          </a:bodyPr>
-          <a:lstStyle/>
-          <a:p>
-            <a:pPr algn="ctr"/>
-            <a:r>
-              <a:rPr lang="en-US" sz="2800" dirty="0"/>
-              <a:t>Categorical</a:t>
-            </a:r>
-          </a:p>
-        </p:txBody>
-      </p:sp>
-      <p:sp>
-        <p:nvSpPr>
-          <p:cNvPr id="22" name="TextBox 21">
-            <a:extLst>
-              <a:ext uri="{FF2B5EF4-FFF2-40B4-BE49-F238E27FC236}">
-                <a16:creationId xmlns:a16="http://schemas.microsoft.com/office/drawing/2014/main" id="{D2136DA5-B06B-FE75-48B4-99A7758DC4BD}"/>
-              </a:ext>
-            </a:extLst>
-          </p:cNvPr>
-          <p:cNvSpPr txBox="1"/>
-          <p:nvPr/>
-        </p:nvSpPr>
-        <p:spPr>
-          <a:xfrm>
-            <a:off x="7230776" y="4276065"/>
-            <a:ext cx="1981200" cy="523220"/>
-          </a:xfrm>
-          <a:prstGeom prst="rect">
-            <a:avLst/>
-          </a:prstGeom>
-          <a:noFill/>
-        </p:spPr>
-        <p:txBody>
-          <a:bodyPr wrap="square" rtlCol="0">
-            <a:spAutoFit/>
-          </a:bodyPr>
-          <a:lstStyle/>
-          <a:p>
-            <a:pPr algn="ctr"/>
-            <a:r>
-              <a:rPr lang="en-US" sz="2800" dirty="0"/>
-              <a:t>Quantitative</a:t>
-            </a:r>
-          </a:p>
-        </p:txBody>
-      </p:sp>
-      <p:cxnSp>
-        <p:nvCxnSpPr>
-          <p:cNvPr id="23" name="Straight Arrow Connector 22">
-            <a:extLst>
-              <a:ext uri="{FF2B5EF4-FFF2-40B4-BE49-F238E27FC236}">
-                <a16:creationId xmlns:a16="http://schemas.microsoft.com/office/drawing/2014/main" id="{C198BF8B-858B-EDBC-2AD2-FFE678C813AE}"/>
-              </a:ext>
-            </a:extLst>
-          </p:cNvPr>
-          <p:cNvCxnSpPr>
-            <a:cxnSpLocks/>
-          </p:cNvCxnSpPr>
-          <p:nvPr/>
-        </p:nvCxnSpPr>
-        <p:spPr>
-          <a:xfrm>
-            <a:off x="3119868" y="3384460"/>
-            <a:ext cx="4081032" cy="0"/>
-          </a:xfrm>
-          <a:prstGeom prst="straightConnector1">
-            <a:avLst/>
-          </a:prstGeom>
-          <a:ln w="38100">
-            <a:solidFill>
-              <a:srgbClr val="660066"/>
-            </a:solidFill>
-            <a:tailEnd type="triangle"/>
-          </a:ln>
-        </p:spPr>
-        <p:style>
-          <a:lnRef idx="1">
-            <a:schemeClr val="dk1"/>
-          </a:lnRef>
-          <a:fillRef idx="0">
-            <a:schemeClr val="dk1"/>
-          </a:fillRef>
-          <a:effectRef idx="0">
-            <a:schemeClr val="dk1"/>
-          </a:effectRef>
-          <a:fontRef idx="minor">
-            <a:schemeClr val="tx1"/>
-          </a:fontRef>
-        </p:style>
-      </p:cxnSp>
-      <p:cxnSp>
-        <p:nvCxnSpPr>
-          <p:cNvPr id="27" name="Straight Arrow Connector 26">
-            <a:extLst>
-              <a:ext uri="{FF2B5EF4-FFF2-40B4-BE49-F238E27FC236}">
-                <a16:creationId xmlns:a16="http://schemas.microsoft.com/office/drawing/2014/main" id="{551A4EAB-2E79-4BA2-E7B5-E4889776DD9D}"/>
-              </a:ext>
-            </a:extLst>
-          </p:cNvPr>
-          <p:cNvCxnSpPr>
-            <a:cxnSpLocks/>
-            <a:endCxn id="22" idx="1"/>
-          </p:cNvCxnSpPr>
-          <p:nvPr/>
-        </p:nvCxnSpPr>
-        <p:spPr>
-          <a:xfrm>
-            <a:off x="3108286" y="3392946"/>
-            <a:ext cx="4122490" cy="1144729"/>
-          </a:xfrm>
-          <a:prstGeom prst="straightConnector1">
-            <a:avLst/>
-          </a:prstGeom>
-          <a:ln w="38100">
-            <a:solidFill>
-              <a:srgbClr val="660066"/>
-            </a:solidFill>
-            <a:tailEnd type="triangle"/>
-          </a:ln>
-        </p:spPr>
-        <p:style>
-          <a:lnRef idx="1">
-            <a:schemeClr val="dk1"/>
-          </a:lnRef>
-          <a:fillRef idx="0">
-            <a:schemeClr val="dk1"/>
-          </a:fillRef>
-          <a:effectRef idx="0">
-            <a:schemeClr val="dk1"/>
-          </a:effectRef>
-          <a:fontRef idx="minor">
-            <a:schemeClr val="tx1"/>
-          </a:fontRef>
-        </p:style>
-      </p:cxnSp>
-      <p:cxnSp>
-        <p:nvCxnSpPr>
-          <p:cNvPr id="30" name="Straight Arrow Connector 29">
-            <a:extLst>
-              <a:ext uri="{FF2B5EF4-FFF2-40B4-BE49-F238E27FC236}">
-                <a16:creationId xmlns:a16="http://schemas.microsoft.com/office/drawing/2014/main" id="{842EF16E-2DE6-6286-769B-935B2776053E}"/>
-              </a:ext>
-            </a:extLst>
-          </p:cNvPr>
-          <p:cNvCxnSpPr>
-            <a:cxnSpLocks/>
-          </p:cNvCxnSpPr>
-          <p:nvPr/>
-        </p:nvCxnSpPr>
-        <p:spPr>
-          <a:xfrm flipV="1">
-            <a:off x="3150178" y="3488049"/>
-            <a:ext cx="4050722" cy="1054393"/>
-          </a:xfrm>
-          <a:prstGeom prst="straightConnector1">
-            <a:avLst/>
-          </a:prstGeom>
-          <a:ln w="38100">
-            <a:solidFill>
-              <a:srgbClr val="FFC416"/>
-            </a:solidFill>
-            <a:tailEnd type="triangle"/>
-          </a:ln>
-        </p:spPr>
-        <p:style>
-          <a:lnRef idx="1">
-            <a:schemeClr val="dk1"/>
-          </a:lnRef>
-          <a:fillRef idx="0">
-            <a:schemeClr val="dk1"/>
-          </a:fillRef>
-          <a:effectRef idx="0">
-            <a:schemeClr val="dk1"/>
-          </a:effectRef>
-          <a:fontRef idx="minor">
-            <a:schemeClr val="tx1"/>
-          </a:fontRef>
-        </p:style>
-      </p:cxnSp>
-      <p:cxnSp>
-        <p:nvCxnSpPr>
-          <p:cNvPr id="32" name="Straight Arrow Connector 31">
-            <a:extLst>
-              <a:ext uri="{FF2B5EF4-FFF2-40B4-BE49-F238E27FC236}">
-                <a16:creationId xmlns:a16="http://schemas.microsoft.com/office/drawing/2014/main" id="{F78DCA1E-3034-92DE-5D50-DBCCAAAB02BC}"/>
-              </a:ext>
-            </a:extLst>
-          </p:cNvPr>
-          <p:cNvCxnSpPr>
-            <a:cxnSpLocks/>
-          </p:cNvCxnSpPr>
-          <p:nvPr/>
-        </p:nvCxnSpPr>
-        <p:spPr>
-          <a:xfrm>
-            <a:off x="3166199" y="4551822"/>
-            <a:ext cx="3996601" cy="80956"/>
-          </a:xfrm>
-          <a:prstGeom prst="straightConnector1">
-            <a:avLst/>
-          </a:prstGeom>
-          <a:ln w="38100">
-            <a:solidFill>
-              <a:srgbClr val="FFC416"/>
-            </a:solidFill>
-            <a:tailEnd type="triangle"/>
-          </a:ln>
-        </p:spPr>
-        <p:style>
-          <a:lnRef idx="1">
-            <a:schemeClr val="dk1"/>
-          </a:lnRef>
-          <a:fillRef idx="0">
-            <a:schemeClr val="dk1"/>
-          </a:fillRef>
-          <a:effectRef idx="0">
-            <a:schemeClr val="dk1"/>
-          </a:effectRef>
-          <a:fontRef idx="minor">
-            <a:schemeClr val="tx1"/>
-          </a:fontRef>
-        </p:style>
-      </p:cxnSp>
+        </p:txBody>
+      </p:sp>
     </p:spTree>
     <p:extLst>
       <p:ext uri="{BB962C8B-B14F-4D97-AF65-F5344CB8AC3E}">
-        <p14:creationId xmlns:p14="http://schemas.microsoft.com/office/powerpoint/2010/main" val="1625247909"/>
+        <p14:creationId xmlns:p14="http://schemas.microsoft.com/office/powerpoint/2010/main" val="4128989348"/>
       </p:ext>
     </p:extLst>
   </p:cSld>
@@ -5795,7 +5444,7 @@
                 <a:latin typeface="Adobe Devanagari" panose="02040503050201020203" pitchFamily="18" charset="0"/>
                 <a:cs typeface="Adobe Devanagari" panose="02040503050201020203" pitchFamily="18" charset="0"/>
               </a:rPr>
-              <a:t>Technology We Will Use</a:t>
+              <a:t>Variable Types</a:t>
             </a:r>
             <a:endParaRPr lang="en-US" sz="4800" dirty="0">
               <a:solidFill>
@@ -5854,114 +5503,54 @@
           </a:bodyPr>
           <a:lstStyle/>
           <a:p>
-            <a:pPr marL="457200" indent="-457200">
-              <a:buFont typeface="Arial" panose="020B0604020202020204" pitchFamily="34" charset="0"/>
-              <a:buChar char="•"/>
-            </a:pPr>
-            <a:r>
-              <a:rPr lang="en-US" sz="2800" i="1" dirty="0">
-                <a:solidFill>
-                  <a:srgbClr val="660066"/>
-                </a:solidFill>
-              </a:rPr>
-              <a:t>R</a:t>
-            </a:r>
-            <a:r>
-              <a:rPr lang="en-US" sz="2800" dirty="0">
-                <a:solidFill>
-                  <a:srgbClr val="660066"/>
-                </a:solidFill>
-              </a:rPr>
-              <a:t> = a free, widely used, open source, language and environment for statistical computing and graphics</a:t>
-            </a:r>
-          </a:p>
-          <a:p>
-            <a:pPr marL="457200" indent="-457200">
-              <a:buFont typeface="Arial" panose="020B0604020202020204" pitchFamily="34" charset="0"/>
-              <a:buChar char="•"/>
-            </a:pPr>
-            <a:endParaRPr lang="en-US" sz="2800" i="1" dirty="0">
+            <a:endParaRPr lang="en-US" sz="2800" dirty="0">
               <a:solidFill>
                 <a:srgbClr val="660066"/>
               </a:solidFill>
             </a:endParaRPr>
           </a:p>
           <a:p>
-            <a:pPr marL="457200" indent="-457200">
-              <a:buFont typeface="Arial" panose="020B0604020202020204" pitchFamily="34" charset="0"/>
-              <a:buChar char="•"/>
-            </a:pPr>
-            <a:r>
-              <a:rPr lang="en-US" sz="2800" i="1" dirty="0">
-                <a:solidFill>
-                  <a:srgbClr val="660066"/>
-                </a:solidFill>
-              </a:rPr>
-              <a:t>RStudio = </a:t>
-            </a:r>
-            <a:r>
-              <a:rPr lang="en-US" sz="2800" dirty="0">
-                <a:solidFill>
-                  <a:srgbClr val="660066"/>
-                </a:solidFill>
-              </a:rPr>
-              <a:t>an interface for </a:t>
-            </a:r>
-            <a:r>
-              <a:rPr lang="en-US" sz="2800" i="1" dirty="0">
-                <a:solidFill>
-                  <a:srgbClr val="660066"/>
-                </a:solidFill>
-              </a:rPr>
-              <a:t>R</a:t>
-            </a:r>
-            <a:r>
-              <a:rPr lang="en-US" sz="2800" dirty="0">
-                <a:solidFill>
-                  <a:srgbClr val="660066"/>
-                </a:solidFill>
-              </a:rPr>
-              <a:t> (Integrated Development Environment)</a:t>
-            </a:r>
-          </a:p>
-          <a:p>
-            <a:pPr marL="457200" indent="-457200">
-              <a:buFont typeface="Arial" panose="020B0604020202020204" pitchFamily="34" charset="0"/>
-              <a:buChar char="•"/>
-            </a:pPr>
-            <a:endParaRPr lang="en-US" sz="2800" i="1" dirty="0">
+            <a:endParaRPr lang="en-US" sz="2800" dirty="0">
               <a:solidFill>
                 <a:srgbClr val="660066"/>
               </a:solidFill>
             </a:endParaRPr>
           </a:p>
           <a:p>
-            <a:pPr marL="457200" indent="-457200">
-              <a:buFont typeface="Arial" panose="020B0604020202020204" pitchFamily="34" charset="0"/>
-              <a:buChar char="•"/>
-            </a:pPr>
-            <a:r>
-              <a:rPr lang="en-US" sz="2800" i="1" dirty="0" err="1">
-                <a:solidFill>
-                  <a:srgbClr val="660066"/>
-                </a:solidFill>
-              </a:rPr>
-              <a:t>RMarkdown</a:t>
-            </a:r>
-            <a:r>
-              <a:rPr lang="en-US" sz="2800" dirty="0">
-                <a:solidFill>
-                  <a:srgbClr val="660066"/>
-                </a:solidFill>
-              </a:rPr>
-              <a:t> = a tool in R for creating documents that combine R code with text</a:t>
-            </a:r>
-            <a:endParaRPr lang="en-US" sz="2800" i="1" dirty="0">
+            <a:endParaRPr lang="en-US" sz="2800" dirty="0">
               <a:solidFill>
                 <a:srgbClr val="660066"/>
               </a:solidFill>
             </a:endParaRPr>
           </a:p>
+          <a:p>
+            <a:endParaRPr lang="en-US" sz="2800" dirty="0">
+              <a:solidFill>
+                <a:srgbClr val="660066"/>
+              </a:solidFill>
+            </a:endParaRPr>
+          </a:p>
+          <a:p>
+            <a:endParaRPr lang="en-US" sz="2800" dirty="0">
+              <a:solidFill>
+                <a:srgbClr val="660066"/>
+              </a:solidFill>
+            </a:endParaRPr>
+          </a:p>
+          <a:p>
+            <a:endParaRPr lang="en-US" sz="2800" dirty="0">
+              <a:solidFill>
+                <a:srgbClr val="660066"/>
+              </a:solidFill>
+            </a:endParaRPr>
+          </a:p>
+          <a:p>
+            <a:endParaRPr lang="en-US" sz="2800" dirty="0">
+              <a:solidFill>
+                <a:srgbClr val="660066"/>
+              </a:solidFill>
+            </a:endParaRPr>
+          </a:p>
         </p:txBody>
       </p:sp>
       <p:sp>
@@ -5969,7 +5558,7 @@
           <p:cNvPr id="3" name="TextBox 2">
             <a:extLst>
               <a:ext uri="{FF2B5EF4-FFF2-40B4-BE49-F238E27FC236}">
-                <a16:creationId xmlns:a16="http://schemas.microsoft.com/office/drawing/2014/main" id="{198CF8AC-87DF-7FA9-314F-52FBF8BED237}"/>
+                <a16:creationId xmlns:a16="http://schemas.microsoft.com/office/drawing/2014/main" id="{1A7B0DEE-7C9E-F4B1-5F83-29C0E1FA1DC8}"/>
               </a:ext>
             </a:extLst>
           </p:cNvPr>
@@ -5978,35 +5567,163 @@
         </p:nvSpPr>
         <p:spPr>
           <a:xfrm>
-            <a:off x="495300" y="5830990"/>
-            <a:ext cx="11201400" cy="578882"/>
-          </a:xfrm>
-          <a:prstGeom prst="roundRect">
+            <a:off x="2133600" y="2573480"/>
+            <a:ext cx="1981200" cy="523220"/>
+          </a:xfrm>
+          <a:prstGeom prst="rect">
             <a:avLst/>
           </a:prstGeom>
-          <a:solidFill>
-            <a:schemeClr val="bg1"/>
-          </a:solidFill>
-          <a:ln w="76200">
-            <a:solidFill>
-              <a:srgbClr val="FFC416"/>
-            </a:solidFill>
+          <a:noFill/>
+        </p:spPr>
+        <p:txBody>
+          <a:bodyPr wrap="square" rtlCol="0">
+            <a:spAutoFit/>
+          </a:bodyPr>
+          <a:lstStyle/>
+          <a:p>
+            <a:pPr algn="ctr"/>
+            <a:r>
+              <a:rPr lang="en-US" sz="2800" dirty="0"/>
+              <a:t>Categorical</a:t>
+            </a:r>
+          </a:p>
+        </p:txBody>
+      </p:sp>
+      <p:sp>
+        <p:nvSpPr>
+          <p:cNvPr id="4" name="TextBox 3">
+            <a:extLst>
+              <a:ext uri="{FF2B5EF4-FFF2-40B4-BE49-F238E27FC236}">
+                <a16:creationId xmlns:a16="http://schemas.microsoft.com/office/drawing/2014/main" id="{CFAFD2E7-A7E5-89A1-BB02-9E46C99529B9}"/>
+              </a:ext>
+            </a:extLst>
+          </p:cNvPr>
+          <p:cNvSpPr txBox="1"/>
+          <p:nvPr/>
+        </p:nvSpPr>
+        <p:spPr>
+          <a:xfrm>
+            <a:off x="6972300" y="2573480"/>
+            <a:ext cx="1981200" cy="523220"/>
+          </a:xfrm>
+          <a:prstGeom prst="rect">
+            <a:avLst/>
+          </a:prstGeom>
+          <a:noFill/>
+        </p:spPr>
+        <p:txBody>
+          <a:bodyPr wrap="square" rtlCol="0">
+            <a:spAutoFit/>
+          </a:bodyPr>
+          <a:lstStyle/>
+          <a:p>
+            <a:pPr algn="ctr"/>
+            <a:r>
+              <a:rPr lang="en-US" sz="2800" dirty="0"/>
+              <a:t>Quantitative</a:t>
+            </a:r>
+          </a:p>
+        </p:txBody>
+      </p:sp>
+      <p:sp>
+        <p:nvSpPr>
+          <p:cNvPr id="5" name="TextBox 4">
+            <a:extLst>
+              <a:ext uri="{FF2B5EF4-FFF2-40B4-BE49-F238E27FC236}">
+                <a16:creationId xmlns:a16="http://schemas.microsoft.com/office/drawing/2014/main" id="{11143612-8AB2-A3BC-0E01-14984F6FA621}"/>
+              </a:ext>
+            </a:extLst>
+          </p:cNvPr>
+          <p:cNvSpPr txBox="1"/>
+          <p:nvPr/>
+        </p:nvSpPr>
+        <p:spPr>
+          <a:xfrm>
+            <a:off x="838200" y="3928825"/>
+            <a:ext cx="1981200" cy="523220"/>
+          </a:xfrm>
+          <a:prstGeom prst="rect">
+            <a:avLst/>
+          </a:prstGeom>
+          <a:noFill/>
+        </p:spPr>
+        <p:txBody>
+          <a:bodyPr wrap="square" rtlCol="0">
+            <a:spAutoFit/>
+          </a:bodyPr>
+          <a:lstStyle/>
+          <a:p>
+            <a:pPr algn="ctr"/>
+            <a:r>
+              <a:rPr lang="en-US" sz="2800" dirty="0"/>
+              <a:t>Nominal</a:t>
+            </a:r>
+          </a:p>
+        </p:txBody>
+      </p:sp>
+      <p:cxnSp>
+        <p:nvCxnSpPr>
+          <p:cNvPr id="9" name="Straight Arrow Connector 8">
+            <a:extLst>
+              <a:ext uri="{FF2B5EF4-FFF2-40B4-BE49-F238E27FC236}">
+                <a16:creationId xmlns:a16="http://schemas.microsoft.com/office/drawing/2014/main" id="{3401CCB9-A102-9EAD-91BF-1C15EC64A163}"/>
+              </a:ext>
+            </a:extLst>
+          </p:cNvPr>
+          <p:cNvCxnSpPr>
+            <a:cxnSpLocks/>
+          </p:cNvCxnSpPr>
+          <p:nvPr/>
+        </p:nvCxnSpPr>
+        <p:spPr>
+          <a:xfrm>
+            <a:off x="3463636" y="3096700"/>
+            <a:ext cx="784514" cy="905176"/>
+          </a:xfrm>
+          <a:prstGeom prst="straightConnector1">
+            <a:avLst/>
+          </a:prstGeom>
+          <a:ln w="38100">
+            <a:tailEnd type="triangle"/>
           </a:ln>
         </p:spPr>
         <p:style>
-          <a:lnRef idx="2">
+          <a:lnRef idx="1">
             <a:schemeClr val="dk1"/>
           </a:lnRef>
-          <a:fillRef idx="1">
-            <a:schemeClr val="lt1"/>
+          <a:fillRef idx="0">
+            <a:schemeClr val="dk1"/>
           </a:fillRef>
           <a:effectRef idx="0">
             <a:schemeClr val="dk1"/>
           </a:effectRef>
           <a:fontRef idx="minor">
-            <a:schemeClr val="dk1"/>
+            <a:schemeClr val="tx1"/>
           </a:fontRef>
         </p:style>
+      </p:cxnSp>
+      <p:sp>
+        <p:nvSpPr>
+          <p:cNvPr id="10" name="TextBox 9">
+            <a:extLst>
+              <a:ext uri="{FF2B5EF4-FFF2-40B4-BE49-F238E27FC236}">
+                <a16:creationId xmlns:a16="http://schemas.microsoft.com/office/drawing/2014/main" id="{DAD3E5CA-DB79-E709-CCBE-CB37CA25C445}"/>
+              </a:ext>
+            </a:extLst>
+          </p:cNvPr>
+          <p:cNvSpPr txBox="1"/>
+          <p:nvPr/>
+        </p:nvSpPr>
+        <p:spPr>
+          <a:xfrm>
+            <a:off x="3463636" y="3928825"/>
+            <a:ext cx="1981200" cy="523220"/>
+          </a:xfrm>
+          <a:prstGeom prst="rect">
+            <a:avLst/>
+          </a:prstGeom>
+          <a:noFill/>
+        </p:spPr>
         <p:txBody>
           <a:bodyPr wrap="square" rtlCol="0">
             <a:spAutoFit/>
@@ -6015,12 +5732,283 @@
           <a:p>
             <a:pPr algn="ctr"/>
             <a:r>
-              <a:rPr lang="en-US" sz="2800" dirty="0">
+              <a:rPr lang="en-US" sz="2800" dirty="0"/>
+              <a:t>Ordinal</a:t>
+            </a:r>
+          </a:p>
+        </p:txBody>
+      </p:sp>
+      <p:cxnSp>
+        <p:nvCxnSpPr>
+          <p:cNvPr id="11" name="Straight Arrow Connector 10">
+            <a:extLst>
+              <a:ext uri="{FF2B5EF4-FFF2-40B4-BE49-F238E27FC236}">
+                <a16:creationId xmlns:a16="http://schemas.microsoft.com/office/drawing/2014/main" id="{B63DDBBD-A910-894E-8212-5D8AB4CBE24D}"/>
+              </a:ext>
+            </a:extLst>
+          </p:cNvPr>
+          <p:cNvCxnSpPr>
+            <a:cxnSpLocks/>
+          </p:cNvCxnSpPr>
+          <p:nvPr/>
+        </p:nvCxnSpPr>
+        <p:spPr>
+          <a:xfrm flipH="1">
+            <a:off x="1905000" y="3053570"/>
+            <a:ext cx="778453" cy="948306"/>
+          </a:xfrm>
+          <a:prstGeom prst="straightConnector1">
+            <a:avLst/>
+          </a:prstGeom>
+          <a:ln w="38100">
+            <a:tailEnd type="triangle"/>
+          </a:ln>
+        </p:spPr>
+        <p:style>
+          <a:lnRef idx="1">
+            <a:schemeClr val="dk1"/>
+          </a:lnRef>
+          <a:fillRef idx="0">
+            <a:schemeClr val="dk1"/>
+          </a:fillRef>
+          <a:effectRef idx="0">
+            <a:schemeClr val="dk1"/>
+          </a:effectRef>
+          <a:fontRef idx="minor">
+            <a:schemeClr val="tx1"/>
+          </a:fontRef>
+        </p:style>
+      </p:cxnSp>
+      <p:sp>
+        <p:nvSpPr>
+          <p:cNvPr id="17" name="TextBox 16">
+            <a:extLst>
+              <a:ext uri="{FF2B5EF4-FFF2-40B4-BE49-F238E27FC236}">
+                <a16:creationId xmlns:a16="http://schemas.microsoft.com/office/drawing/2014/main" id="{7BF8B504-64DF-0799-78F5-0935CF66DDFF}"/>
+              </a:ext>
+            </a:extLst>
+          </p:cNvPr>
+          <p:cNvSpPr txBox="1"/>
+          <p:nvPr/>
+        </p:nvSpPr>
+        <p:spPr>
+          <a:xfrm>
+            <a:off x="5867400" y="3928825"/>
+            <a:ext cx="1981200" cy="523220"/>
+          </a:xfrm>
+          <a:prstGeom prst="rect">
+            <a:avLst/>
+          </a:prstGeom>
+          <a:noFill/>
+        </p:spPr>
+        <p:txBody>
+          <a:bodyPr wrap="square" rtlCol="0">
+            <a:spAutoFit/>
+          </a:bodyPr>
+          <a:lstStyle/>
+          <a:p>
+            <a:pPr algn="ctr"/>
+            <a:r>
+              <a:rPr lang="en-US" sz="2800" dirty="0"/>
+              <a:t>Continuous</a:t>
+            </a:r>
+          </a:p>
+        </p:txBody>
+      </p:sp>
+      <p:sp>
+        <p:nvSpPr>
+          <p:cNvPr id="18" name="TextBox 17">
+            <a:extLst>
+              <a:ext uri="{FF2B5EF4-FFF2-40B4-BE49-F238E27FC236}">
+                <a16:creationId xmlns:a16="http://schemas.microsoft.com/office/drawing/2014/main" id="{EFD82E02-3E49-05C9-4071-EBC5308FD86D}"/>
+              </a:ext>
+            </a:extLst>
+          </p:cNvPr>
+          <p:cNvSpPr txBox="1"/>
+          <p:nvPr/>
+        </p:nvSpPr>
+        <p:spPr>
+          <a:xfrm>
+            <a:off x="8610600" y="3928825"/>
+            <a:ext cx="1981200" cy="523220"/>
+          </a:xfrm>
+          <a:prstGeom prst="rect">
+            <a:avLst/>
+          </a:prstGeom>
+          <a:noFill/>
+        </p:spPr>
+        <p:txBody>
+          <a:bodyPr wrap="square" rtlCol="0">
+            <a:spAutoFit/>
+          </a:bodyPr>
+          <a:lstStyle/>
+          <a:p>
+            <a:pPr algn="ctr"/>
+            <a:r>
+              <a:rPr lang="en-US" sz="2800" dirty="0"/>
+              <a:t>Discrete</a:t>
+            </a:r>
+          </a:p>
+        </p:txBody>
+      </p:sp>
+      <p:cxnSp>
+        <p:nvCxnSpPr>
+          <p:cNvPr id="19" name="Straight Arrow Connector 18">
+            <a:extLst>
+              <a:ext uri="{FF2B5EF4-FFF2-40B4-BE49-F238E27FC236}">
+                <a16:creationId xmlns:a16="http://schemas.microsoft.com/office/drawing/2014/main" id="{80C576BA-A317-1886-667C-51A3109B9896}"/>
+              </a:ext>
+            </a:extLst>
+          </p:cNvPr>
+          <p:cNvCxnSpPr>
+            <a:cxnSpLocks/>
+          </p:cNvCxnSpPr>
+          <p:nvPr/>
+        </p:nvCxnSpPr>
+        <p:spPr>
+          <a:xfrm flipH="1">
+            <a:off x="6856268" y="3060175"/>
+            <a:ext cx="689263" cy="1001181"/>
+          </a:xfrm>
+          <a:prstGeom prst="straightConnector1">
+            <a:avLst/>
+          </a:prstGeom>
+          <a:ln w="38100">
+            <a:tailEnd type="triangle"/>
+          </a:ln>
+        </p:spPr>
+        <p:style>
+          <a:lnRef idx="1">
+            <a:schemeClr val="dk1"/>
+          </a:lnRef>
+          <a:fillRef idx="0">
+            <a:schemeClr val="dk1"/>
+          </a:fillRef>
+          <a:effectRef idx="0">
+            <a:schemeClr val="dk1"/>
+          </a:effectRef>
+          <a:fontRef idx="minor">
+            <a:schemeClr val="tx1"/>
+          </a:fontRef>
+        </p:style>
+      </p:cxnSp>
+      <p:cxnSp>
+        <p:nvCxnSpPr>
+          <p:cNvPr id="21" name="Straight Arrow Connector 20">
+            <a:extLst>
+              <a:ext uri="{FF2B5EF4-FFF2-40B4-BE49-F238E27FC236}">
+                <a16:creationId xmlns:a16="http://schemas.microsoft.com/office/drawing/2014/main" id="{F21F3507-22BC-C77F-747D-AF729C57E35A}"/>
+              </a:ext>
+            </a:extLst>
+          </p:cNvPr>
+          <p:cNvCxnSpPr>
+            <a:cxnSpLocks/>
+          </p:cNvCxnSpPr>
+          <p:nvPr/>
+        </p:nvCxnSpPr>
+        <p:spPr>
+          <a:xfrm>
+            <a:off x="8575964" y="3053570"/>
+            <a:ext cx="693159" cy="948306"/>
+          </a:xfrm>
+          <a:prstGeom prst="straightConnector1">
+            <a:avLst/>
+          </a:prstGeom>
+          <a:ln w="38100">
+            <a:tailEnd type="triangle"/>
+          </a:ln>
+        </p:spPr>
+        <p:style>
+          <a:lnRef idx="1">
+            <a:schemeClr val="dk1"/>
+          </a:lnRef>
+          <a:fillRef idx="0">
+            <a:schemeClr val="dk1"/>
+          </a:fillRef>
+          <a:effectRef idx="0">
+            <a:schemeClr val="dk1"/>
+          </a:effectRef>
+          <a:fontRef idx="minor">
+            <a:schemeClr val="tx1"/>
+          </a:fontRef>
+        </p:style>
+      </p:cxnSp>
+      <p:sp>
+        <p:nvSpPr>
+          <p:cNvPr id="24" name="TextBox 23">
+            <a:extLst>
+              <a:ext uri="{FF2B5EF4-FFF2-40B4-BE49-F238E27FC236}">
+                <a16:creationId xmlns:a16="http://schemas.microsoft.com/office/drawing/2014/main" id="{91468417-64DA-A060-9885-2F7F61F2C60E}"/>
+              </a:ext>
+            </a:extLst>
+          </p:cNvPr>
+          <p:cNvSpPr txBox="1"/>
+          <p:nvPr/>
+        </p:nvSpPr>
+        <p:spPr>
+          <a:xfrm>
+            <a:off x="841663" y="4442377"/>
+            <a:ext cx="1981200" cy="400110"/>
+          </a:xfrm>
+          <a:prstGeom prst="rect">
+            <a:avLst/>
+          </a:prstGeom>
+          <a:noFill/>
+        </p:spPr>
+        <p:txBody>
+          <a:bodyPr wrap="square" rtlCol="0">
+            <a:spAutoFit/>
+          </a:bodyPr>
+          <a:lstStyle/>
+          <a:p>
+            <a:pPr algn="ctr"/>
+            <a:r>
+              <a:rPr lang="en-US" sz="2000" i="1" dirty="0">
                 <a:solidFill>
                   <a:srgbClr val="660066"/>
                 </a:solidFill>
               </a:rPr>
-              <a:t>Download R and RStudio to Your Computer</a:t>
+              <a:t>LEGO Theme</a:t>
+            </a:r>
+          </a:p>
+        </p:txBody>
+      </p:sp>
+      <p:sp>
+        <p:nvSpPr>
+          <p:cNvPr id="25" name="TextBox 24">
+            <a:extLst>
+              <a:ext uri="{FF2B5EF4-FFF2-40B4-BE49-F238E27FC236}">
+                <a16:creationId xmlns:a16="http://schemas.microsoft.com/office/drawing/2014/main" id="{992BAD34-5806-380C-44F2-99CE85567B90}"/>
+              </a:ext>
+            </a:extLst>
+          </p:cNvPr>
+          <p:cNvSpPr txBox="1"/>
+          <p:nvPr/>
+        </p:nvSpPr>
+        <p:spPr>
+          <a:xfrm>
+            <a:off x="3446318" y="4442377"/>
+            <a:ext cx="1981200" cy="400110"/>
+          </a:xfrm>
+          <a:prstGeom prst="rect">
+            <a:avLst/>
+          </a:prstGeom>
+          <a:noFill/>
+        </p:spPr>
+        <p:txBody>
+          <a:bodyPr wrap="square" rtlCol="0">
+            <a:spAutoFit/>
+          </a:bodyPr>
+          <a:lstStyle/>
+          <a:p>
+            <a:pPr algn="ctr"/>
+            <a:r>
+              <a:rPr lang="en-US" sz="2000" i="1" dirty="0">
+                <a:solidFill>
+                  <a:srgbClr val="660066"/>
+                </a:solidFill>
+              </a:rPr>
+              <a:t>LEGO Ages</a:t>
             </a:r>
           </a:p>
         </p:txBody>
@@ -6028,7 +6016,7 @@
     </p:spTree>
     <p:extLst>
       <p:ext uri="{BB962C8B-B14F-4D97-AF65-F5344CB8AC3E}">
-        <p14:creationId xmlns:p14="http://schemas.microsoft.com/office/powerpoint/2010/main" val="135342462"/>
+        <p14:creationId xmlns:p14="http://schemas.microsoft.com/office/powerpoint/2010/main" val="371418788"/>
       </p:ext>
     </p:extLst>
   </p:cSld>
@@ -6201,10 +6189,11 @@
                 <a:solidFill>
                   <a:srgbClr val="2D3A37"/>
                 </a:solidFill>
+                <a:effectLst/>
                 <a:latin typeface="Adobe Devanagari" panose="02040503050201020203" pitchFamily="18" charset="0"/>
                 <a:cs typeface="Adobe Devanagari" panose="02040503050201020203" pitchFamily="18" charset="0"/>
               </a:rPr>
-              <a:t>Supplement for Lecture 1</a:t>
+              <a:t>Preview of Dataset</a:t>
             </a:r>
             <a:endParaRPr lang="en-US" sz="4800" dirty="0">
               <a:solidFill>
@@ -6229,7 +6218,7 @@
         <p:spPr>
           <a:xfrm>
             <a:off x="495300" y="1977074"/>
-            <a:ext cx="11201400" cy="3439239"/>
+            <a:ext cx="11201400" cy="3915966"/>
           </a:xfrm>
           <a:prstGeom prst="roundRect">
             <a:avLst/>
@@ -6263,21 +6252,31 @@
           </a:bodyPr>
           <a:lstStyle/>
           <a:p>
-            <a:pPr marL="457200" indent="-457200">
-              <a:buFont typeface="Arial" panose="020B0604020202020204" pitchFamily="34" charset="0"/>
-              <a:buChar char="•"/>
-            </a:pPr>
             <a:r>
               <a:rPr lang="en-US" sz="2800" dirty="0">
                 <a:solidFill>
                   <a:srgbClr val="660066"/>
                 </a:solidFill>
               </a:rPr>
-              <a:t>Download Zip Folder on Course Website for Supplement</a:t>
-            </a:r>
-          </a:p>
-          <a:p>
-            <a:pPr marL="457200" indent="-457200">
+              <a:t>Can we find all the variable types in this dataset?</a:t>
+            </a:r>
+          </a:p>
+          <a:p>
+            <a:endParaRPr lang="en-US" sz="2800" dirty="0">
+              <a:solidFill>
+                <a:srgbClr val="660066"/>
+              </a:solidFill>
+            </a:endParaRPr>
+          </a:p>
+          <a:p>
+            <a:endParaRPr lang="en-US" sz="2800" dirty="0">
+              <a:solidFill>
+                <a:srgbClr val="660066"/>
+              </a:solidFill>
+            </a:endParaRPr>
+          </a:p>
+          <a:p>
+            <a:pPr marL="685800" indent="-685800">
               <a:buFont typeface="Arial" panose="020B0604020202020204" pitchFamily="34" charset="0"/>
               <a:buChar char="•"/>
             </a:pPr>
@@ -6288,21 +6287,7 @@
             </a:endParaRPr>
           </a:p>
           <a:p>
-            <a:pPr marL="457200" indent="-457200">
-              <a:buFont typeface="Arial" panose="020B0604020202020204" pitchFamily="34" charset="0"/>
-              <a:buChar char="•"/>
-            </a:pPr>
-            <a:r>
-              <a:rPr lang="en-US" sz="2800" dirty="0">
-                <a:solidFill>
-                  <a:srgbClr val="660066"/>
-                </a:solidFill>
-              </a:rPr>
-              <a:t>Unzip Folder on Your Computer</a:t>
-            </a:r>
-          </a:p>
-          <a:p>
-            <a:pPr marL="457200" indent="-457200">
+            <a:pPr marL="685800" indent="-685800">
               <a:buFont typeface="Arial" panose="020B0604020202020204" pitchFamily="34" charset="0"/>
               <a:buChar char="•"/>
             </a:pPr>
@@ -6313,37 +6298,7 @@
             </a:endParaRPr>
           </a:p>
           <a:p>
-            <a:pPr marL="457200" indent="-457200">
-              <a:buFont typeface="Arial" panose="020B0604020202020204" pitchFamily="34" charset="0"/>
-              <a:buChar char="•"/>
-            </a:pPr>
-            <a:r>
-              <a:rPr lang="en-US" sz="2800" dirty="0">
-                <a:solidFill>
-                  <a:srgbClr val="660066"/>
-                </a:solidFill>
-              </a:rPr>
-              <a:t>Open the </a:t>
-            </a:r>
-            <a:r>
-              <a:rPr lang="en-US" sz="2800" dirty="0" err="1">
-                <a:solidFill>
-                  <a:srgbClr val="660066"/>
-                </a:solidFill>
-              </a:rPr>
-              <a:t>Template.rmd</a:t>
-            </a:r>
-            <a:r>
-              <a:rPr lang="en-US" sz="2800" dirty="0">
-                <a:solidFill>
-                  <a:srgbClr val="660066"/>
-                </a:solidFill>
-              </a:rPr>
-              <a:t> File from the Unzipped Folder</a:t>
-            </a:r>
-          </a:p>
-          <a:p>
-            <a:pPr marL="457200" indent="-457200">
+            <a:pPr marL="685800" indent="-685800">
               <a:buFont typeface="Arial" panose="020B0604020202020204" pitchFamily="34" charset="0"/>
               <a:buChar char="•"/>
             </a:pPr>
@@ -6354,25 +6309,60 @@
             </a:endParaRPr>
           </a:p>
           <a:p>
-            <a:pPr marL="457200" indent="-457200">
-              <a:buFont typeface="Arial" panose="020B0604020202020204" pitchFamily="34" charset="0"/>
-              <a:buChar char="•"/>
-            </a:pPr>
-            <a:r>
-              <a:rPr lang="en-US" sz="2800" dirty="0">
-                <a:solidFill>
-                  <a:srgbClr val="660066"/>
-                </a:solidFill>
-              </a:rPr>
-              <a:t>RMD Files Should Automatically Open in RStudio </a:t>
-            </a:r>
-          </a:p>
-        </p:txBody>
-      </p:sp>
+            <a:endParaRPr lang="en-US" sz="2800" dirty="0">
+              <a:solidFill>
+                <a:srgbClr val="660066"/>
+              </a:solidFill>
+            </a:endParaRPr>
+          </a:p>
+          <a:p>
+            <a:endParaRPr lang="en-US" sz="2800" dirty="0">
+              <a:solidFill>
+                <a:srgbClr val="660066"/>
+              </a:solidFill>
+            </a:endParaRPr>
+          </a:p>
+        </p:txBody>
+      </p:sp>
+      <p:pic>
+        <p:nvPicPr>
+          <p:cNvPr id="4" name="Picture 3">
+            <a:extLst>
+              <a:ext uri="{FF2B5EF4-FFF2-40B4-BE49-F238E27FC236}">
+                <a16:creationId xmlns:a16="http://schemas.microsoft.com/office/drawing/2014/main" id="{C3CBCD0F-55A4-5DC7-3C02-910BA14700F3}"/>
+              </a:ext>
+            </a:extLst>
+          </p:cNvPr>
+          <p:cNvPicPr>
+            <a:picLocks noChangeAspect="1"/>
+          </p:cNvPicPr>
+          <p:nvPr/>
+        </p:nvPicPr>
+        <p:blipFill>
+          <a:blip r:embed="rId3"/>
+          <a:stretch>
+            <a:fillRect/>
+          </a:stretch>
+        </p:blipFill>
+        <p:spPr>
+          <a:xfrm>
+            <a:off x="756780" y="2979947"/>
+            <a:ext cx="10678440" cy="2386946"/>
+          </a:xfrm>
+          <a:prstGeom prst="rect">
+            <a:avLst/>
+          </a:prstGeom>
+          <a:ln w="28575">
+            <a:solidFill>
+              <a:srgbClr val="660066"/>
+            </a:solidFill>
+          </a:ln>
+        </p:spPr>
+      </p:pic>
     </p:spTree>
     <p:extLst>
       <p:ext uri="{BB962C8B-B14F-4D97-AF65-F5344CB8AC3E}">
-        <p14:creationId xmlns:p14="http://schemas.microsoft.com/office/powerpoint/2010/main" val="3125860385"/>
+        <p14:creationId xmlns:p14="http://schemas.microsoft.com/office/powerpoint/2010/main" val="1440189049"/>
       </p:ext>
     </p:extLst>
   </p:cSld>
@@ -6548,7 +6538,7 @@
                 <a:latin typeface="Adobe Devanagari" panose="02040503050201020203" pitchFamily="18" charset="0"/>
                 <a:cs typeface="Adobe Devanagari" panose="02040503050201020203" pitchFamily="18" charset="0"/>
               </a:rPr>
-              <a:t>Quick Look at R Studio</a:t>
+              <a:t>Example of Variable Types Using LEGO</a:t>
             </a:r>
             <a:endParaRPr lang="en-US" sz="4800" dirty="0">
               <a:solidFill>
@@ -6558,88 +6548,111 @@
           </a:p>
         </p:txBody>
       </p:sp>
-      <p:pic>
-        <p:nvPicPr>
-          <p:cNvPr id="3" name="Picture 2">
-            <a:extLst>
-              <a:ext uri="{FF2B5EF4-FFF2-40B4-BE49-F238E27FC236}">
-                <a16:creationId xmlns:a16="http://schemas.microsoft.com/office/drawing/2014/main" id="{55588FD6-E515-54E1-7613-14E228EB9528}"/>
-              </a:ext>
-            </a:extLst>
-          </p:cNvPr>
-          <p:cNvPicPr>
-            <a:picLocks noChangeAspect="1"/>
-          </p:cNvPicPr>
+      <p:sp>
+        <p:nvSpPr>
+          <p:cNvPr id="7" name="TextBox 6">
+            <a:extLst>
+              <a:ext uri="{FF2B5EF4-FFF2-40B4-BE49-F238E27FC236}">
+                <a16:creationId xmlns:a16="http://schemas.microsoft.com/office/drawing/2014/main" id="{D9B238EA-D04E-3255-7509-F990F1A8F309}"/>
+              </a:ext>
+            </a:extLst>
+          </p:cNvPr>
+          <p:cNvSpPr txBox="1"/>
           <p:nvPr/>
-        </p:nvPicPr>
-        <p:blipFill>
-          <a:blip r:embed="rId3"/>
-          <a:stretch>
-            <a:fillRect/>
-          </a:stretch>
-        </p:blipFill>
+        </p:nvSpPr>
         <p:spPr>
           <a:xfrm>
-            <a:off x="1981200" y="1676400"/>
-            <a:ext cx="7924800" cy="4893801"/>
-          </a:xfrm>
-          <a:prstGeom prst="rect">
+            <a:off x="495300" y="1977074"/>
+            <a:ext cx="11201400" cy="3439239"/>
+          </a:xfrm>
+          <a:prstGeom prst="roundRect">
             <a:avLst/>
           </a:prstGeom>
-          <a:ln w="28575">
+          <a:solidFill>
+            <a:schemeClr val="bg1"/>
+          </a:solidFill>
+          <a:ln w="76200">
             <a:solidFill>
               <a:srgbClr val="FFC416"/>
             </a:solidFill>
           </a:ln>
         </p:spPr>
-      </p:pic>
-      <p:sp>
-        <p:nvSpPr>
-          <p:cNvPr id="4" name="TextBox 3">
-            <a:extLst>
-              <a:ext uri="{FF2B5EF4-FFF2-40B4-BE49-F238E27FC236}">
-                <a16:creationId xmlns:a16="http://schemas.microsoft.com/office/drawing/2014/main" id="{02339D7F-7000-847C-346F-D393E6BABCA3}"/>
-              </a:ext>
-            </a:extLst>
-          </p:cNvPr>
-          <p:cNvSpPr txBox="1"/>
-          <p:nvPr/>
-        </p:nvSpPr>
-        <p:spPr>
-          <a:xfrm>
-            <a:off x="2209800" y="3541931"/>
-            <a:ext cx="3886200" cy="369332"/>
-          </a:xfrm>
-          <a:prstGeom prst="rect">
-            <a:avLst/>
-          </a:prstGeom>
-          <a:solidFill>
-            <a:srgbClr val="FFC416"/>
-          </a:solidFill>
-        </p:spPr>
+        <p:style>
+          <a:lnRef idx="2">
+            <a:schemeClr val="dk1"/>
+          </a:lnRef>
+          <a:fillRef idx="1">
+            <a:schemeClr val="lt1"/>
+          </a:fillRef>
+          <a:effectRef idx="0">
+            <a:schemeClr val="dk1"/>
+          </a:effectRef>
+          <a:fontRef idx="minor">
+            <a:schemeClr val="dk1"/>
+          </a:fontRef>
+        </p:style>
         <p:txBody>
           <a:bodyPr wrap="square" rtlCol="0">
             <a:spAutoFit/>
           </a:bodyPr>
           <a:lstStyle/>
           <a:p>
-            <a:r>
-              <a:rPr lang="en-US" dirty="0">
-                <a:solidFill>
-                  <a:schemeClr val="tx1"/>
-                </a:solidFill>
-              </a:rPr>
-              <a:t>Editor: write/view code, data</a:t>
-            </a:r>
-          </a:p>
-        </p:txBody>
-      </p:sp>
-      <p:sp>
-        <p:nvSpPr>
-          <p:cNvPr id="5" name="TextBox 4">
-            <a:extLst>
-              <a:ext uri="{FF2B5EF4-FFF2-40B4-BE49-F238E27FC236}">
-                <a16:creationId xmlns:a16="http://schemas.microsoft.com/office/drawing/2014/main" id="{56B74EA7-35F6-0958-04BC-368720845826}"/>
+            <a:endParaRPr lang="en-US" sz="2800" dirty="0">
+              <a:solidFill>
+                <a:srgbClr val="660066"/>
+              </a:solidFill>
+            </a:endParaRPr>
+          </a:p>
+          <a:p>
+            <a:endParaRPr lang="en-US" sz="2800" dirty="0">
+              <a:solidFill>
+                <a:srgbClr val="660066"/>
+              </a:solidFill>
+            </a:endParaRPr>
+          </a:p>
+          <a:p>
+            <a:endParaRPr lang="en-US" sz="2800" dirty="0">
+              <a:solidFill>
+                <a:srgbClr val="660066"/>
+              </a:solidFill>
+            </a:endParaRPr>
+          </a:p>
+          <a:p>
+            <a:endParaRPr lang="en-US" sz="2800" dirty="0">
+              <a:solidFill>
+                <a:srgbClr val="660066"/>
+              </a:solidFill>
+            </a:endParaRPr>
+          </a:p>
+          <a:p>
+            <a:endParaRPr lang="en-US" sz="2800" dirty="0">
+              <a:solidFill>
+                <a:srgbClr val="660066"/>
+              </a:solidFill>
+            </a:endParaRPr>
+          </a:p>
+          <a:p>
+            <a:endParaRPr lang="en-US" sz="2800" dirty="0">
+              <a:solidFill>
+                <a:srgbClr val="660066"/>
+              </a:solidFill>
+            </a:endParaRPr>
+          </a:p>
+          <a:p>
+            <a:endParaRPr lang="en-US" sz="2800" dirty="0">
+              <a:solidFill>
+                <a:srgbClr val="660066"/>
+              </a:solidFill>
+            </a:endParaRPr>
+          </a:p>
+        </p:txBody>
+      </p:sp>
+      <p:sp>
+        <p:nvSpPr>
+          <p:cNvPr id="3" name="TextBox 2">
+            <a:extLst>
+              <a:ext uri="{FF2B5EF4-FFF2-40B4-BE49-F238E27FC236}">
+                <a16:creationId xmlns:a16="http://schemas.microsoft.com/office/drawing/2014/main" id="{1A7B0DEE-7C9E-F4B1-5F83-29C0E1FA1DC8}"/>
               </a:ext>
             </a:extLst>
           </p:cNvPr>
@@ -6648,15 +6661,13 @@
         </p:nvSpPr>
         <p:spPr>
           <a:xfrm>
-            <a:off x="6331527" y="2895600"/>
-            <a:ext cx="3400697" cy="830997"/>
+            <a:off x="2133600" y="2573480"/>
+            <a:ext cx="1981200" cy="523220"/>
           </a:xfrm>
           <a:prstGeom prst="rect">
             <a:avLst/>
           </a:prstGeom>
-          <a:solidFill>
-            <a:srgbClr val="FFC416"/>
-          </a:solidFill>
+          <a:noFill/>
         </p:spPr>
         <p:txBody>
           <a:bodyPr wrap="square" rtlCol="0">
@@ -6664,23 +6675,20 @@
           </a:bodyPr>
           <a:lstStyle/>
           <a:p>
-            <a:r>
-              <a:rPr lang="en-US" dirty="0">
-                <a:solidFill>
-                  <a:schemeClr val="tx1"/>
-                </a:solidFill>
-              </a:rPr>
-              <a:t>Environment: lists active variables, functions, …</a:t>
-            </a:r>
-          </a:p>
-        </p:txBody>
-      </p:sp>
-      <p:sp>
-        <p:nvSpPr>
-          <p:cNvPr id="8" name="TextBox 7">
-            <a:extLst>
-              <a:ext uri="{FF2B5EF4-FFF2-40B4-BE49-F238E27FC236}">
-                <a16:creationId xmlns:a16="http://schemas.microsoft.com/office/drawing/2014/main" id="{2FDD4823-1317-513B-C460-A56051F1F433}"/>
+            <a:pPr algn="ctr"/>
+            <a:r>
+              <a:rPr lang="en-US" sz="2800" dirty="0"/>
+              <a:t>Categorical</a:t>
+            </a:r>
+          </a:p>
+        </p:txBody>
+      </p:sp>
+      <p:sp>
+        <p:nvSpPr>
+          <p:cNvPr id="4" name="TextBox 3">
+            <a:extLst>
+              <a:ext uri="{FF2B5EF4-FFF2-40B4-BE49-F238E27FC236}">
+                <a16:creationId xmlns:a16="http://schemas.microsoft.com/office/drawing/2014/main" id="{CFAFD2E7-A7E5-89A1-BB02-9E46C99529B9}"/>
               </a:ext>
             </a:extLst>
           </p:cNvPr>
@@ -6689,15 +6697,13 @@
         </p:nvSpPr>
         <p:spPr>
           <a:xfrm>
-            <a:off x="6660275" y="4724400"/>
-            <a:ext cx="2743199" cy="1569660"/>
+            <a:off x="6972300" y="2573480"/>
+            <a:ext cx="1981200" cy="523220"/>
           </a:xfrm>
           <a:prstGeom prst="rect">
             <a:avLst/>
           </a:prstGeom>
-          <a:solidFill>
-            <a:srgbClr val="FFC416"/>
-          </a:solidFill>
+          <a:noFill/>
         </p:spPr>
         <p:txBody>
           <a:bodyPr wrap="square" rtlCol="0">
@@ -6705,73 +6711,20 @@
           </a:bodyPr>
           <a:lstStyle/>
           <a:p>
-            <a:pPr>
-              <a:spcBef>
-                <a:spcPts val="0"/>
-              </a:spcBef>
-            </a:pPr>
-            <a:r>
-              <a:rPr lang="en-US" dirty="0">
-                <a:solidFill>
-                  <a:schemeClr val="tx1"/>
-                </a:solidFill>
-              </a:rPr>
-              <a:t>Access files</a:t>
-            </a:r>
-          </a:p>
-          <a:p>
-            <a:pPr>
-              <a:spcBef>
-                <a:spcPts val="0"/>
-              </a:spcBef>
-            </a:pPr>
-            <a:r>
-              <a:rPr lang="en-US" dirty="0">
-                <a:solidFill>
-                  <a:schemeClr val="tx1"/>
-                </a:solidFill>
-              </a:rPr>
-              <a:t>View plots</a:t>
-            </a:r>
-          </a:p>
-          <a:p>
-            <a:pPr>
-              <a:spcBef>
-                <a:spcPts val="0"/>
-              </a:spcBef>
-            </a:pPr>
-            <a:r>
-              <a:rPr lang="en-US" dirty="0">
-                <a:solidFill>
-                  <a:schemeClr val="tx1"/>
-                </a:solidFill>
-              </a:rPr>
-              <a:t>Control packages</a:t>
-            </a:r>
-          </a:p>
-          <a:p>
-            <a:pPr>
-              <a:spcBef>
-                <a:spcPts val="0"/>
-              </a:spcBef>
-            </a:pPr>
-            <a:r>
-              <a:rPr lang="en-US" dirty="0">
-                <a:solidFill>
-                  <a:schemeClr val="tx1"/>
-                </a:solidFill>
-              </a:rPr>
-              <a:t>View help</a:t>
-            </a:r>
-          </a:p>
-        </p:txBody>
-      </p:sp>
-      <p:sp>
-        <p:nvSpPr>
-          <p:cNvPr id="9" name="TextBox 8">
-            <a:extLst>
-              <a:ext uri="{FF2B5EF4-FFF2-40B4-BE49-F238E27FC236}">
-                <a16:creationId xmlns:a16="http://schemas.microsoft.com/office/drawing/2014/main" id="{7912C97E-8D33-4CF2-4F36-06032C8E8790}"/>
+            <a:pPr algn="ctr"/>
+            <a:r>
+              <a:rPr lang="en-US" sz="2800" dirty="0"/>
+              <a:t>Quantitative</a:t>
+            </a:r>
+          </a:p>
+        </p:txBody>
+      </p:sp>
+      <p:sp>
+        <p:nvSpPr>
+          <p:cNvPr id="5" name="TextBox 4">
+            <a:extLst>
+              <a:ext uri="{FF2B5EF4-FFF2-40B4-BE49-F238E27FC236}">
+                <a16:creationId xmlns:a16="http://schemas.microsoft.com/office/drawing/2014/main" id="{11143612-8AB2-A3BC-0E01-14984F6FA621}"/>
               </a:ext>
             </a:extLst>
           </p:cNvPr>
@@ -6780,15 +6733,13 @@
         </p:nvSpPr>
         <p:spPr>
           <a:xfrm>
-            <a:off x="2223655" y="5427113"/>
-            <a:ext cx="3657600" cy="830997"/>
+            <a:off x="838200" y="3928825"/>
+            <a:ext cx="1981200" cy="523220"/>
           </a:xfrm>
           <a:prstGeom prst="rect">
             <a:avLst/>
           </a:prstGeom>
-          <a:solidFill>
-            <a:srgbClr val="FFC416"/>
-          </a:solidFill>
+          <a:noFill/>
         </p:spPr>
         <p:txBody>
           <a:bodyPr wrap="square" rtlCol="0">
@@ -6796,13 +6747,442 @@
           </a:bodyPr>
           <a:lstStyle/>
           <a:p>
-            <a:r>
-              <a:rPr lang="en-US" dirty="0">
+            <a:pPr algn="ctr"/>
+            <a:r>
+              <a:rPr lang="en-US" sz="2800" dirty="0"/>
+              <a:t>Nominal</a:t>
+            </a:r>
+          </a:p>
+        </p:txBody>
+      </p:sp>
+      <p:cxnSp>
+        <p:nvCxnSpPr>
+          <p:cNvPr id="9" name="Straight Arrow Connector 8">
+            <a:extLst>
+              <a:ext uri="{FF2B5EF4-FFF2-40B4-BE49-F238E27FC236}">
+                <a16:creationId xmlns:a16="http://schemas.microsoft.com/office/drawing/2014/main" id="{3401CCB9-A102-9EAD-91BF-1C15EC64A163}"/>
+              </a:ext>
+            </a:extLst>
+          </p:cNvPr>
+          <p:cNvCxnSpPr>
+            <a:cxnSpLocks/>
+          </p:cNvCxnSpPr>
+          <p:nvPr/>
+        </p:nvCxnSpPr>
+        <p:spPr>
+          <a:xfrm>
+            <a:off x="3463636" y="3096700"/>
+            <a:ext cx="784514" cy="905176"/>
+          </a:xfrm>
+          <a:prstGeom prst="straightConnector1">
+            <a:avLst/>
+          </a:prstGeom>
+          <a:ln w="38100">
+            <a:tailEnd type="triangle"/>
+          </a:ln>
+        </p:spPr>
+        <p:style>
+          <a:lnRef idx="1">
+            <a:schemeClr val="dk1"/>
+          </a:lnRef>
+          <a:fillRef idx="0">
+            <a:schemeClr val="dk1"/>
+          </a:fillRef>
+          <a:effectRef idx="0">
+            <a:schemeClr val="dk1"/>
+          </a:effectRef>
+          <a:fontRef idx="minor">
+            <a:schemeClr val="tx1"/>
+          </a:fontRef>
+        </p:style>
+      </p:cxnSp>
+      <p:sp>
+        <p:nvSpPr>
+          <p:cNvPr id="10" name="TextBox 9">
+            <a:extLst>
+              <a:ext uri="{FF2B5EF4-FFF2-40B4-BE49-F238E27FC236}">
+                <a16:creationId xmlns:a16="http://schemas.microsoft.com/office/drawing/2014/main" id="{DAD3E5CA-DB79-E709-CCBE-CB37CA25C445}"/>
+              </a:ext>
+            </a:extLst>
+          </p:cNvPr>
+          <p:cNvSpPr txBox="1"/>
+          <p:nvPr/>
+        </p:nvSpPr>
+        <p:spPr>
+          <a:xfrm>
+            <a:off x="3463636" y="3928825"/>
+            <a:ext cx="1981200" cy="523220"/>
+          </a:xfrm>
+          <a:prstGeom prst="rect">
+            <a:avLst/>
+          </a:prstGeom>
+          <a:noFill/>
+        </p:spPr>
+        <p:txBody>
+          <a:bodyPr wrap="square" rtlCol="0">
+            <a:spAutoFit/>
+          </a:bodyPr>
+          <a:lstStyle/>
+          <a:p>
+            <a:pPr algn="ctr"/>
+            <a:r>
+              <a:rPr lang="en-US" sz="2800" dirty="0"/>
+              <a:t>Ordinal</a:t>
+            </a:r>
+          </a:p>
+        </p:txBody>
+      </p:sp>
+      <p:cxnSp>
+        <p:nvCxnSpPr>
+          <p:cNvPr id="11" name="Straight Arrow Connector 10">
+            <a:extLst>
+              <a:ext uri="{FF2B5EF4-FFF2-40B4-BE49-F238E27FC236}">
+                <a16:creationId xmlns:a16="http://schemas.microsoft.com/office/drawing/2014/main" id="{B63DDBBD-A910-894E-8212-5D8AB4CBE24D}"/>
+              </a:ext>
+            </a:extLst>
+          </p:cNvPr>
+          <p:cNvCxnSpPr>
+            <a:cxnSpLocks/>
+          </p:cNvCxnSpPr>
+          <p:nvPr/>
+        </p:nvCxnSpPr>
+        <p:spPr>
+          <a:xfrm flipH="1">
+            <a:off x="1905000" y="3053570"/>
+            <a:ext cx="778453" cy="948306"/>
+          </a:xfrm>
+          <a:prstGeom prst="straightConnector1">
+            <a:avLst/>
+          </a:prstGeom>
+          <a:ln w="38100">
+            <a:tailEnd type="triangle"/>
+          </a:ln>
+        </p:spPr>
+        <p:style>
+          <a:lnRef idx="1">
+            <a:schemeClr val="dk1"/>
+          </a:lnRef>
+          <a:fillRef idx="0">
+            <a:schemeClr val="dk1"/>
+          </a:fillRef>
+          <a:effectRef idx="0">
+            <a:schemeClr val="dk1"/>
+          </a:effectRef>
+          <a:fontRef idx="minor">
+            <a:schemeClr val="tx1"/>
+          </a:fontRef>
+        </p:style>
+      </p:cxnSp>
+      <p:sp>
+        <p:nvSpPr>
+          <p:cNvPr id="17" name="TextBox 16">
+            <a:extLst>
+              <a:ext uri="{FF2B5EF4-FFF2-40B4-BE49-F238E27FC236}">
+                <a16:creationId xmlns:a16="http://schemas.microsoft.com/office/drawing/2014/main" id="{7BF8B504-64DF-0799-78F5-0935CF66DDFF}"/>
+              </a:ext>
+            </a:extLst>
+          </p:cNvPr>
+          <p:cNvSpPr txBox="1"/>
+          <p:nvPr/>
+        </p:nvSpPr>
+        <p:spPr>
+          <a:xfrm>
+            <a:off x="5867400" y="3928825"/>
+            <a:ext cx="1981200" cy="523220"/>
+          </a:xfrm>
+          <a:prstGeom prst="rect">
+            <a:avLst/>
+          </a:prstGeom>
+          <a:noFill/>
+        </p:spPr>
+        <p:txBody>
+          <a:bodyPr wrap="square" rtlCol="0">
+            <a:spAutoFit/>
+          </a:bodyPr>
+          <a:lstStyle/>
+          <a:p>
+            <a:pPr algn="ctr"/>
+            <a:r>
+              <a:rPr lang="en-US" sz="2800" dirty="0"/>
+              <a:t>Continuous</a:t>
+            </a:r>
+          </a:p>
+        </p:txBody>
+      </p:sp>
+      <p:sp>
+        <p:nvSpPr>
+          <p:cNvPr id="18" name="TextBox 17">
+            <a:extLst>
+              <a:ext uri="{FF2B5EF4-FFF2-40B4-BE49-F238E27FC236}">
+                <a16:creationId xmlns:a16="http://schemas.microsoft.com/office/drawing/2014/main" id="{EFD82E02-3E49-05C9-4071-EBC5308FD86D}"/>
+              </a:ext>
+            </a:extLst>
+          </p:cNvPr>
+          <p:cNvSpPr txBox="1"/>
+          <p:nvPr/>
+        </p:nvSpPr>
+        <p:spPr>
+          <a:xfrm>
+            <a:off x="8610600" y="3928825"/>
+            <a:ext cx="1981200" cy="523220"/>
+          </a:xfrm>
+          <a:prstGeom prst="rect">
+            <a:avLst/>
+          </a:prstGeom>
+          <a:noFill/>
+        </p:spPr>
+        <p:txBody>
+          <a:bodyPr wrap="square" rtlCol="0">
+            <a:spAutoFit/>
+          </a:bodyPr>
+          <a:lstStyle/>
+          <a:p>
+            <a:pPr algn="ctr"/>
+            <a:r>
+              <a:rPr lang="en-US" sz="2800" dirty="0"/>
+              <a:t>Discrete</a:t>
+            </a:r>
+          </a:p>
+        </p:txBody>
+      </p:sp>
+      <p:cxnSp>
+        <p:nvCxnSpPr>
+          <p:cNvPr id="19" name="Straight Arrow Connector 18">
+            <a:extLst>
+              <a:ext uri="{FF2B5EF4-FFF2-40B4-BE49-F238E27FC236}">
+                <a16:creationId xmlns:a16="http://schemas.microsoft.com/office/drawing/2014/main" id="{80C576BA-A317-1886-667C-51A3109B9896}"/>
+              </a:ext>
+            </a:extLst>
+          </p:cNvPr>
+          <p:cNvCxnSpPr>
+            <a:cxnSpLocks/>
+          </p:cNvCxnSpPr>
+          <p:nvPr/>
+        </p:nvCxnSpPr>
+        <p:spPr>
+          <a:xfrm flipH="1">
+            <a:off x="6856268" y="3060175"/>
+            <a:ext cx="689263" cy="1001181"/>
+          </a:xfrm>
+          <a:prstGeom prst="straightConnector1">
+            <a:avLst/>
+          </a:prstGeom>
+          <a:ln w="38100">
+            <a:tailEnd type="triangle"/>
+          </a:ln>
+        </p:spPr>
+        <p:style>
+          <a:lnRef idx="1">
+            <a:schemeClr val="dk1"/>
+          </a:lnRef>
+          <a:fillRef idx="0">
+            <a:schemeClr val="dk1"/>
+          </a:fillRef>
+          <a:effectRef idx="0">
+            <a:schemeClr val="dk1"/>
+          </a:effectRef>
+          <a:fontRef idx="minor">
+            <a:schemeClr val="tx1"/>
+          </a:fontRef>
+        </p:style>
+      </p:cxnSp>
+      <p:cxnSp>
+        <p:nvCxnSpPr>
+          <p:cNvPr id="21" name="Straight Arrow Connector 20">
+            <a:extLst>
+              <a:ext uri="{FF2B5EF4-FFF2-40B4-BE49-F238E27FC236}">
+                <a16:creationId xmlns:a16="http://schemas.microsoft.com/office/drawing/2014/main" id="{F21F3507-22BC-C77F-747D-AF729C57E35A}"/>
+              </a:ext>
+            </a:extLst>
+          </p:cNvPr>
+          <p:cNvCxnSpPr>
+            <a:cxnSpLocks/>
+          </p:cNvCxnSpPr>
+          <p:nvPr/>
+        </p:nvCxnSpPr>
+        <p:spPr>
+          <a:xfrm>
+            <a:off x="8575964" y="3053570"/>
+            <a:ext cx="693159" cy="948306"/>
+          </a:xfrm>
+          <a:prstGeom prst="straightConnector1">
+            <a:avLst/>
+          </a:prstGeom>
+          <a:ln w="38100">
+            <a:tailEnd type="triangle"/>
+          </a:ln>
+        </p:spPr>
+        <p:style>
+          <a:lnRef idx="1">
+            <a:schemeClr val="dk1"/>
+          </a:lnRef>
+          <a:fillRef idx="0">
+            <a:schemeClr val="dk1"/>
+          </a:fillRef>
+          <a:effectRef idx="0">
+            <a:schemeClr val="dk1"/>
+          </a:effectRef>
+          <a:fontRef idx="minor">
+            <a:schemeClr val="tx1"/>
+          </a:fontRef>
+        </p:style>
+      </p:cxnSp>
+      <p:sp>
+        <p:nvSpPr>
+          <p:cNvPr id="24" name="TextBox 23">
+            <a:extLst>
+              <a:ext uri="{FF2B5EF4-FFF2-40B4-BE49-F238E27FC236}">
+                <a16:creationId xmlns:a16="http://schemas.microsoft.com/office/drawing/2014/main" id="{91468417-64DA-A060-9885-2F7F61F2C60E}"/>
+              </a:ext>
+            </a:extLst>
+          </p:cNvPr>
+          <p:cNvSpPr txBox="1"/>
+          <p:nvPr/>
+        </p:nvSpPr>
+        <p:spPr>
+          <a:xfrm>
+            <a:off x="839932" y="4429945"/>
+            <a:ext cx="1981200" cy="400110"/>
+          </a:xfrm>
+          <a:prstGeom prst="rect">
+            <a:avLst/>
+          </a:prstGeom>
+          <a:noFill/>
+        </p:spPr>
+        <p:txBody>
+          <a:bodyPr wrap="square" rtlCol="0">
+            <a:spAutoFit/>
+          </a:bodyPr>
+          <a:lstStyle/>
+          <a:p>
+            <a:pPr algn="ctr"/>
+            <a:r>
+              <a:rPr lang="en-US" sz="2000" i="1" dirty="0">
                 <a:solidFill>
-                  <a:schemeClr val="tx1"/>
+                  <a:srgbClr val="660066"/>
                 </a:solidFill>
               </a:rPr>
-              <a:t>Console: Enter commands, view output, error messages</a:t>
+              <a:t>LEGO Theme</a:t>
+            </a:r>
+          </a:p>
+        </p:txBody>
+      </p:sp>
+      <p:sp>
+        <p:nvSpPr>
+          <p:cNvPr id="25" name="TextBox 24">
+            <a:extLst>
+              <a:ext uri="{FF2B5EF4-FFF2-40B4-BE49-F238E27FC236}">
+                <a16:creationId xmlns:a16="http://schemas.microsoft.com/office/drawing/2014/main" id="{992BAD34-5806-380C-44F2-99CE85567B90}"/>
+              </a:ext>
+            </a:extLst>
+          </p:cNvPr>
+          <p:cNvSpPr txBox="1"/>
+          <p:nvPr/>
+        </p:nvSpPr>
+        <p:spPr>
+          <a:xfrm>
+            <a:off x="3446318" y="4431700"/>
+            <a:ext cx="1981200" cy="400110"/>
+          </a:xfrm>
+          <a:prstGeom prst="rect">
+            <a:avLst/>
+          </a:prstGeom>
+          <a:noFill/>
+        </p:spPr>
+        <p:txBody>
+          <a:bodyPr wrap="square" rtlCol="0">
+            <a:spAutoFit/>
+          </a:bodyPr>
+          <a:lstStyle/>
+          <a:p>
+            <a:pPr algn="ctr"/>
+            <a:r>
+              <a:rPr lang="en-US" sz="2000" i="1" dirty="0">
+                <a:solidFill>
+                  <a:srgbClr val="660066"/>
+                </a:solidFill>
+              </a:rPr>
+              <a:t>LEGO Ages</a:t>
+            </a:r>
+          </a:p>
+        </p:txBody>
+      </p:sp>
+      <p:sp>
+        <p:nvSpPr>
+          <p:cNvPr id="8" name="TextBox 7">
+            <a:extLst>
+              <a:ext uri="{FF2B5EF4-FFF2-40B4-BE49-F238E27FC236}">
+                <a16:creationId xmlns:a16="http://schemas.microsoft.com/office/drawing/2014/main" id="{17D2DB04-9229-DFC8-2A32-6C54633B9DC4}"/>
+              </a:ext>
+            </a:extLst>
+          </p:cNvPr>
+          <p:cNvSpPr txBox="1"/>
+          <p:nvPr/>
+        </p:nvSpPr>
+        <p:spPr>
+          <a:xfrm>
+            <a:off x="5850082" y="4436720"/>
+            <a:ext cx="1981200" cy="400110"/>
+          </a:xfrm>
+          <a:prstGeom prst="rect">
+            <a:avLst/>
+          </a:prstGeom>
+          <a:noFill/>
+        </p:spPr>
+        <p:txBody>
+          <a:bodyPr wrap="square" rtlCol="0">
+            <a:spAutoFit/>
+          </a:bodyPr>
+          <a:lstStyle/>
+          <a:p>
+            <a:pPr algn="ctr"/>
+            <a:r>
+              <a:rPr lang="en-US" sz="2000" i="1" dirty="0">
+                <a:solidFill>
+                  <a:srgbClr val="660066"/>
+                </a:solidFill>
+              </a:rPr>
+              <a:t>LEGO Price</a:t>
+            </a:r>
+          </a:p>
+        </p:txBody>
+      </p:sp>
+      <p:sp>
+        <p:nvSpPr>
+          <p:cNvPr id="13" name="TextBox 12">
+            <a:extLst>
+              <a:ext uri="{FF2B5EF4-FFF2-40B4-BE49-F238E27FC236}">
+                <a16:creationId xmlns:a16="http://schemas.microsoft.com/office/drawing/2014/main" id="{00857EBF-1FA3-F039-78B2-77ADBB36B394}"/>
+              </a:ext>
+            </a:extLst>
+          </p:cNvPr>
+          <p:cNvSpPr txBox="1"/>
+          <p:nvPr/>
+        </p:nvSpPr>
+        <p:spPr>
+          <a:xfrm>
+            <a:off x="8610600" y="4442377"/>
+            <a:ext cx="1981200" cy="400110"/>
+          </a:xfrm>
+          <a:prstGeom prst="rect">
+            <a:avLst/>
+          </a:prstGeom>
+          <a:noFill/>
+        </p:spPr>
+        <p:txBody>
+          <a:bodyPr wrap="square" rtlCol="0">
+            <a:spAutoFit/>
+          </a:bodyPr>
+          <a:lstStyle/>
+          <a:p>
+            <a:pPr algn="ctr"/>
+            <a:r>
+              <a:rPr lang="en-US" sz="2000" i="1" dirty="0">
+                <a:solidFill>
+                  <a:srgbClr val="660066"/>
+                </a:solidFill>
+              </a:rPr>
+              <a:t>LEGO Pieces</a:t>
             </a:r>
           </a:p>
         </p:txBody>
@@ -6810,7 +7190,7 @@
     </p:spTree>
     <p:extLst>
       <p:ext uri="{BB962C8B-B14F-4D97-AF65-F5344CB8AC3E}">
-        <p14:creationId xmlns:p14="http://schemas.microsoft.com/office/powerpoint/2010/main" val="3954967299"/>
+        <p14:creationId xmlns:p14="http://schemas.microsoft.com/office/powerpoint/2010/main" val="2897435999"/>
       </p:ext>
     </p:extLst>
   </p:cSld>
@@ -6986,7 +7366,7 @@
                 <a:latin typeface="Adobe Devanagari" panose="02040503050201020203" pitchFamily="18" charset="0"/>
                 <a:cs typeface="Adobe Devanagari" panose="02040503050201020203" pitchFamily="18" charset="0"/>
               </a:rPr>
-              <a:t>Learning Objectives for R</a:t>
+              <a:t>Families of Models</a:t>
             </a:r>
             <a:endParaRPr lang="en-US" sz="4800" dirty="0">
               <a:solidFill>
@@ -7011,7 +7391,7 @@
         <p:spPr>
           <a:xfrm>
             <a:off x="495300" y="1977074"/>
-            <a:ext cx="11201400" cy="3439239"/>
+            <a:ext cx="11201400" cy="4392692"/>
           </a:xfrm>
           <a:prstGeom prst="roundRect">
             <a:avLst/>
@@ -7045,6 +7425,1567 @@
           </a:bodyPr>
           <a:lstStyle/>
           <a:p>
+            <a:endParaRPr lang="en-US" sz="2800" dirty="0">
+              <a:solidFill>
+                <a:srgbClr val="660066"/>
+              </a:solidFill>
+            </a:endParaRPr>
+          </a:p>
+          <a:p>
+            <a:endParaRPr lang="en-US" sz="2800" dirty="0">
+              <a:solidFill>
+                <a:srgbClr val="660066"/>
+              </a:solidFill>
+            </a:endParaRPr>
+          </a:p>
+          <a:p>
+            <a:endParaRPr lang="en-US" sz="2800" dirty="0">
+              <a:solidFill>
+                <a:srgbClr val="660066"/>
+              </a:solidFill>
+            </a:endParaRPr>
+          </a:p>
+          <a:p>
+            <a:endParaRPr lang="en-US" sz="2800" dirty="0">
+              <a:solidFill>
+                <a:srgbClr val="660066"/>
+              </a:solidFill>
+            </a:endParaRPr>
+          </a:p>
+          <a:p>
+            <a:endParaRPr lang="en-US" sz="2800" dirty="0">
+              <a:solidFill>
+                <a:srgbClr val="660066"/>
+              </a:solidFill>
+            </a:endParaRPr>
+          </a:p>
+          <a:p>
+            <a:endParaRPr lang="en-US" sz="2800" dirty="0">
+              <a:solidFill>
+                <a:srgbClr val="660066"/>
+              </a:solidFill>
+            </a:endParaRPr>
+          </a:p>
+          <a:p>
+            <a:endParaRPr lang="en-US" sz="2800" dirty="0">
+              <a:solidFill>
+                <a:srgbClr val="660066"/>
+              </a:solidFill>
+            </a:endParaRPr>
+          </a:p>
+          <a:p>
+            <a:r>
+              <a:rPr lang="en-US" sz="2800" i="1" dirty="0">
+                <a:solidFill>
+                  <a:srgbClr val="660066"/>
+                </a:solidFill>
+              </a:rPr>
+              <a:t>Complicated by </a:t>
+            </a:r>
+            <a:r>
+              <a:rPr lang="en-US" sz="2800" b="1" i="1" dirty="0">
+                <a:solidFill>
+                  <a:srgbClr val="660066"/>
+                </a:solidFill>
+              </a:rPr>
+              <a:t>multiple</a:t>
+            </a:r>
+            <a:r>
+              <a:rPr lang="en-US" sz="2800" i="1" dirty="0">
+                <a:solidFill>
+                  <a:srgbClr val="660066"/>
+                </a:solidFill>
+              </a:rPr>
+              <a:t> predictor variables and/or response variables</a:t>
+            </a:r>
+          </a:p>
+          <a:p>
+            <a:endParaRPr lang="en-US" sz="2800" dirty="0">
+              <a:solidFill>
+                <a:srgbClr val="660066"/>
+              </a:solidFill>
+            </a:endParaRPr>
+          </a:p>
+        </p:txBody>
+      </p:sp>
+      <p:sp>
+        <p:nvSpPr>
+          <p:cNvPr id="3" name="TextBox 2">
+            <a:extLst>
+              <a:ext uri="{FF2B5EF4-FFF2-40B4-BE49-F238E27FC236}">
+                <a16:creationId xmlns:a16="http://schemas.microsoft.com/office/drawing/2014/main" id="{1A7B0DEE-7C9E-F4B1-5F83-29C0E1FA1DC8}"/>
+              </a:ext>
+            </a:extLst>
+          </p:cNvPr>
+          <p:cNvSpPr txBox="1"/>
+          <p:nvPr/>
+        </p:nvSpPr>
+        <p:spPr>
+          <a:xfrm>
+            <a:off x="1194089" y="3131336"/>
+            <a:ext cx="1981200" cy="523220"/>
+          </a:xfrm>
+          <a:prstGeom prst="rect">
+            <a:avLst/>
+          </a:prstGeom>
+          <a:noFill/>
+        </p:spPr>
+        <p:txBody>
+          <a:bodyPr wrap="square" rtlCol="0">
+            <a:spAutoFit/>
+          </a:bodyPr>
+          <a:lstStyle/>
+          <a:p>
+            <a:pPr algn="ctr"/>
+            <a:r>
+              <a:rPr lang="en-US" sz="2800" dirty="0"/>
+              <a:t>Categorical</a:t>
+            </a:r>
+          </a:p>
+        </p:txBody>
+      </p:sp>
+      <p:sp>
+        <p:nvSpPr>
+          <p:cNvPr id="4" name="TextBox 3">
+            <a:extLst>
+              <a:ext uri="{FF2B5EF4-FFF2-40B4-BE49-F238E27FC236}">
+                <a16:creationId xmlns:a16="http://schemas.microsoft.com/office/drawing/2014/main" id="{CFAFD2E7-A7E5-89A1-BB02-9E46C99529B9}"/>
+              </a:ext>
+            </a:extLst>
+          </p:cNvPr>
+          <p:cNvSpPr txBox="1"/>
+          <p:nvPr/>
+        </p:nvSpPr>
+        <p:spPr>
+          <a:xfrm>
+            <a:off x="1214871" y="4276065"/>
+            <a:ext cx="1981200" cy="523220"/>
+          </a:xfrm>
+          <a:prstGeom prst="rect">
+            <a:avLst/>
+          </a:prstGeom>
+          <a:noFill/>
+        </p:spPr>
+        <p:txBody>
+          <a:bodyPr wrap="square" rtlCol="0">
+            <a:spAutoFit/>
+          </a:bodyPr>
+          <a:lstStyle/>
+          <a:p>
+            <a:pPr algn="ctr"/>
+            <a:r>
+              <a:rPr lang="en-US" sz="2800" dirty="0"/>
+              <a:t>Quantitative</a:t>
+            </a:r>
+          </a:p>
+        </p:txBody>
+      </p:sp>
+      <p:sp>
+        <p:nvSpPr>
+          <p:cNvPr id="15" name="TextBox 14">
+            <a:extLst>
+              <a:ext uri="{FF2B5EF4-FFF2-40B4-BE49-F238E27FC236}">
+                <a16:creationId xmlns:a16="http://schemas.microsoft.com/office/drawing/2014/main" id="{F3821AEA-A95F-78B8-F95E-838A7F2D5533}"/>
+              </a:ext>
+            </a:extLst>
+          </p:cNvPr>
+          <p:cNvSpPr txBox="1"/>
+          <p:nvPr/>
+        </p:nvSpPr>
+        <p:spPr>
+          <a:xfrm>
+            <a:off x="762000" y="2381193"/>
+            <a:ext cx="3073111" cy="523220"/>
+          </a:xfrm>
+          <a:prstGeom prst="rect">
+            <a:avLst/>
+          </a:prstGeom>
+          <a:noFill/>
+        </p:spPr>
+        <p:txBody>
+          <a:bodyPr wrap="square" rtlCol="0">
+            <a:spAutoFit/>
+          </a:bodyPr>
+          <a:lstStyle/>
+          <a:p>
+            <a:pPr algn="ctr"/>
+            <a:r>
+              <a:rPr lang="en-US" sz="2800" u="sng" dirty="0"/>
+              <a:t>Response Variable</a:t>
+            </a:r>
+          </a:p>
+        </p:txBody>
+      </p:sp>
+      <p:sp>
+        <p:nvSpPr>
+          <p:cNvPr id="16" name="TextBox 15">
+            <a:extLst>
+              <a:ext uri="{FF2B5EF4-FFF2-40B4-BE49-F238E27FC236}">
+                <a16:creationId xmlns:a16="http://schemas.microsoft.com/office/drawing/2014/main" id="{D950D77A-804A-8830-AB4E-45BC6CDB4443}"/>
+              </a:ext>
+            </a:extLst>
+          </p:cNvPr>
+          <p:cNvSpPr txBox="1"/>
+          <p:nvPr/>
+        </p:nvSpPr>
+        <p:spPr>
+          <a:xfrm>
+            <a:off x="6553200" y="2379404"/>
+            <a:ext cx="3276600" cy="523220"/>
+          </a:xfrm>
+          <a:prstGeom prst="rect">
+            <a:avLst/>
+          </a:prstGeom>
+          <a:noFill/>
+        </p:spPr>
+        <p:txBody>
+          <a:bodyPr wrap="square" rtlCol="0">
+            <a:spAutoFit/>
+          </a:bodyPr>
+          <a:lstStyle/>
+          <a:p>
+            <a:pPr algn="ctr"/>
+            <a:r>
+              <a:rPr lang="en-US" sz="2800" u="sng" dirty="0"/>
+              <a:t>Predictor Variable</a:t>
+            </a:r>
+          </a:p>
+        </p:txBody>
+      </p:sp>
+      <p:sp>
+        <p:nvSpPr>
+          <p:cNvPr id="20" name="TextBox 19">
+            <a:extLst>
+              <a:ext uri="{FF2B5EF4-FFF2-40B4-BE49-F238E27FC236}">
+                <a16:creationId xmlns:a16="http://schemas.microsoft.com/office/drawing/2014/main" id="{18AAB9C5-5F78-2C31-6321-A2FBB6F2C237}"/>
+              </a:ext>
+            </a:extLst>
+          </p:cNvPr>
+          <p:cNvSpPr txBox="1"/>
+          <p:nvPr/>
+        </p:nvSpPr>
+        <p:spPr>
+          <a:xfrm>
+            <a:off x="7200900" y="3096700"/>
+            <a:ext cx="1981200" cy="523220"/>
+          </a:xfrm>
+          <a:prstGeom prst="rect">
+            <a:avLst/>
+          </a:prstGeom>
+          <a:noFill/>
+        </p:spPr>
+        <p:txBody>
+          <a:bodyPr wrap="square" rtlCol="0">
+            <a:spAutoFit/>
+          </a:bodyPr>
+          <a:lstStyle/>
+          <a:p>
+            <a:pPr algn="ctr"/>
+            <a:r>
+              <a:rPr lang="en-US" sz="2800" dirty="0"/>
+              <a:t>Categorical</a:t>
+            </a:r>
+          </a:p>
+        </p:txBody>
+      </p:sp>
+      <p:sp>
+        <p:nvSpPr>
+          <p:cNvPr id="22" name="TextBox 21">
+            <a:extLst>
+              <a:ext uri="{FF2B5EF4-FFF2-40B4-BE49-F238E27FC236}">
+                <a16:creationId xmlns:a16="http://schemas.microsoft.com/office/drawing/2014/main" id="{D2136DA5-B06B-FE75-48B4-99A7758DC4BD}"/>
+              </a:ext>
+            </a:extLst>
+          </p:cNvPr>
+          <p:cNvSpPr txBox="1"/>
+          <p:nvPr/>
+        </p:nvSpPr>
+        <p:spPr>
+          <a:xfrm>
+            <a:off x="7230776" y="4276065"/>
+            <a:ext cx="1981200" cy="523220"/>
+          </a:xfrm>
+          <a:prstGeom prst="rect">
+            <a:avLst/>
+          </a:prstGeom>
+          <a:noFill/>
+        </p:spPr>
+        <p:txBody>
+          <a:bodyPr wrap="square" rtlCol="0">
+            <a:spAutoFit/>
+          </a:bodyPr>
+          <a:lstStyle/>
+          <a:p>
+            <a:pPr algn="ctr"/>
+            <a:r>
+              <a:rPr lang="en-US" sz="2800" dirty="0"/>
+              <a:t>Quantitative</a:t>
+            </a:r>
+          </a:p>
+        </p:txBody>
+      </p:sp>
+      <p:cxnSp>
+        <p:nvCxnSpPr>
+          <p:cNvPr id="23" name="Straight Arrow Connector 22">
+            <a:extLst>
+              <a:ext uri="{FF2B5EF4-FFF2-40B4-BE49-F238E27FC236}">
+                <a16:creationId xmlns:a16="http://schemas.microsoft.com/office/drawing/2014/main" id="{C198BF8B-858B-EDBC-2AD2-FFE678C813AE}"/>
+              </a:ext>
+            </a:extLst>
+          </p:cNvPr>
+          <p:cNvCxnSpPr>
+            <a:cxnSpLocks/>
+          </p:cNvCxnSpPr>
+          <p:nvPr/>
+        </p:nvCxnSpPr>
+        <p:spPr>
+          <a:xfrm>
+            <a:off x="3119868" y="3384460"/>
+            <a:ext cx="4081032" cy="0"/>
+          </a:xfrm>
+          <a:prstGeom prst="straightConnector1">
+            <a:avLst/>
+          </a:prstGeom>
+          <a:ln w="38100">
+            <a:solidFill>
+              <a:srgbClr val="660066"/>
+            </a:solidFill>
+            <a:tailEnd type="triangle"/>
+          </a:ln>
+        </p:spPr>
+        <p:style>
+          <a:lnRef idx="1">
+            <a:schemeClr val="dk1"/>
+          </a:lnRef>
+          <a:fillRef idx="0">
+            <a:schemeClr val="dk1"/>
+          </a:fillRef>
+          <a:effectRef idx="0">
+            <a:schemeClr val="dk1"/>
+          </a:effectRef>
+          <a:fontRef idx="minor">
+            <a:schemeClr val="tx1"/>
+          </a:fontRef>
+        </p:style>
+      </p:cxnSp>
+      <p:cxnSp>
+        <p:nvCxnSpPr>
+          <p:cNvPr id="27" name="Straight Arrow Connector 26">
+            <a:extLst>
+              <a:ext uri="{FF2B5EF4-FFF2-40B4-BE49-F238E27FC236}">
+                <a16:creationId xmlns:a16="http://schemas.microsoft.com/office/drawing/2014/main" id="{551A4EAB-2E79-4BA2-E7B5-E4889776DD9D}"/>
+              </a:ext>
+            </a:extLst>
+          </p:cNvPr>
+          <p:cNvCxnSpPr>
+            <a:cxnSpLocks/>
+            <a:endCxn id="22" idx="1"/>
+          </p:cNvCxnSpPr>
+          <p:nvPr/>
+        </p:nvCxnSpPr>
+        <p:spPr>
+          <a:xfrm>
+            <a:off x="3108286" y="3392946"/>
+            <a:ext cx="4122490" cy="1144729"/>
+          </a:xfrm>
+          <a:prstGeom prst="straightConnector1">
+            <a:avLst/>
+          </a:prstGeom>
+          <a:ln w="38100">
+            <a:solidFill>
+              <a:srgbClr val="660066"/>
+            </a:solidFill>
+            <a:tailEnd type="triangle"/>
+          </a:ln>
+        </p:spPr>
+        <p:style>
+          <a:lnRef idx="1">
+            <a:schemeClr val="dk1"/>
+          </a:lnRef>
+          <a:fillRef idx="0">
+            <a:schemeClr val="dk1"/>
+          </a:fillRef>
+          <a:effectRef idx="0">
+            <a:schemeClr val="dk1"/>
+          </a:effectRef>
+          <a:fontRef idx="minor">
+            <a:schemeClr val="tx1"/>
+          </a:fontRef>
+        </p:style>
+      </p:cxnSp>
+      <p:cxnSp>
+        <p:nvCxnSpPr>
+          <p:cNvPr id="30" name="Straight Arrow Connector 29">
+            <a:extLst>
+              <a:ext uri="{FF2B5EF4-FFF2-40B4-BE49-F238E27FC236}">
+                <a16:creationId xmlns:a16="http://schemas.microsoft.com/office/drawing/2014/main" id="{842EF16E-2DE6-6286-769B-935B2776053E}"/>
+              </a:ext>
+            </a:extLst>
+          </p:cNvPr>
+          <p:cNvCxnSpPr>
+            <a:cxnSpLocks/>
+          </p:cNvCxnSpPr>
+          <p:nvPr/>
+        </p:nvCxnSpPr>
+        <p:spPr>
+          <a:xfrm flipV="1">
+            <a:off x="3150178" y="3488049"/>
+            <a:ext cx="4050722" cy="1054393"/>
+          </a:xfrm>
+          <a:prstGeom prst="straightConnector1">
+            <a:avLst/>
+          </a:prstGeom>
+          <a:ln w="38100">
+            <a:solidFill>
+              <a:srgbClr val="FFC416"/>
+            </a:solidFill>
+            <a:tailEnd type="triangle"/>
+          </a:ln>
+        </p:spPr>
+        <p:style>
+          <a:lnRef idx="1">
+            <a:schemeClr val="dk1"/>
+          </a:lnRef>
+          <a:fillRef idx="0">
+            <a:schemeClr val="dk1"/>
+          </a:fillRef>
+          <a:effectRef idx="0">
+            <a:schemeClr val="dk1"/>
+          </a:effectRef>
+          <a:fontRef idx="minor">
+            <a:schemeClr val="tx1"/>
+          </a:fontRef>
+        </p:style>
+      </p:cxnSp>
+      <p:cxnSp>
+        <p:nvCxnSpPr>
+          <p:cNvPr id="32" name="Straight Arrow Connector 31">
+            <a:extLst>
+              <a:ext uri="{FF2B5EF4-FFF2-40B4-BE49-F238E27FC236}">
+                <a16:creationId xmlns:a16="http://schemas.microsoft.com/office/drawing/2014/main" id="{F78DCA1E-3034-92DE-5D50-DBCCAAAB02BC}"/>
+              </a:ext>
+            </a:extLst>
+          </p:cNvPr>
+          <p:cNvCxnSpPr>
+            <a:cxnSpLocks/>
+          </p:cNvCxnSpPr>
+          <p:nvPr/>
+        </p:nvCxnSpPr>
+        <p:spPr>
+          <a:xfrm>
+            <a:off x="3166199" y="4551822"/>
+            <a:ext cx="3996601" cy="80956"/>
+          </a:xfrm>
+          <a:prstGeom prst="straightConnector1">
+            <a:avLst/>
+          </a:prstGeom>
+          <a:ln w="38100">
+            <a:solidFill>
+              <a:srgbClr val="FFC416"/>
+            </a:solidFill>
+            <a:tailEnd type="triangle"/>
+          </a:ln>
+        </p:spPr>
+        <p:style>
+          <a:lnRef idx="1">
+            <a:schemeClr val="dk1"/>
+          </a:lnRef>
+          <a:fillRef idx="0">
+            <a:schemeClr val="dk1"/>
+          </a:fillRef>
+          <a:effectRef idx="0">
+            <a:schemeClr val="dk1"/>
+          </a:effectRef>
+          <a:fontRef idx="minor">
+            <a:schemeClr val="tx1"/>
+          </a:fontRef>
+        </p:style>
+      </p:cxnSp>
+    </p:spTree>
+    <p:extLst>
+      <p:ext uri="{BB962C8B-B14F-4D97-AF65-F5344CB8AC3E}">
+        <p14:creationId xmlns:p14="http://schemas.microsoft.com/office/powerpoint/2010/main" val="1625247909"/>
+      </p:ext>
+    </p:extLst>
+  </p:cSld>
+  <p:clrMapOvr>
+    <a:masterClrMapping/>
+  </p:clrMapOvr>
+</p:sld>
+</file>
+
+<file path=ppt/slides/slide15.xml><?xml version="1.0" encoding="utf-8"?>
+<p:sld xmlns:a="http://schemas.openxmlformats.org/drawingml/2006/main" xmlns:r="http://schemas.openxmlformats.org/officeDocument/2006/relationships" xmlns:p="http://schemas.openxmlformats.org/presentationml/2006/main">
+  <p:cSld>
+    <p:spTree>
+      <p:nvGrpSpPr>
+        <p:cNvPr id="1" name=""/>
+        <p:cNvGrpSpPr/>
+        <p:nvPr/>
+      </p:nvGrpSpPr>
+      <p:grpSpPr>
+        <a:xfrm>
+          <a:off x="0" y="0"/>
+          <a:ext cx="0" cy="0"/>
+          <a:chOff x="0" y="0"/>
+          <a:chExt cx="0" cy="0"/>
+        </a:xfrm>
+      </p:grpSpPr>
+      <p:pic>
+        <p:nvPicPr>
+          <p:cNvPr id="2" name="Picture 10" descr="Mario Pattern">
+            <a:extLst>
+              <a:ext uri="{FF2B5EF4-FFF2-40B4-BE49-F238E27FC236}">
+                <a16:creationId xmlns:a16="http://schemas.microsoft.com/office/drawing/2014/main" id="{8F84FFD9-23AF-75F7-6DAA-904525952142}"/>
+              </a:ext>
+            </a:extLst>
+          </p:cNvPr>
+          <p:cNvPicPr>
+            <a:picLocks noChangeAspect="1" noChangeArrowheads="1"/>
+          </p:cNvPicPr>
+          <p:nvPr/>
+        </p:nvPicPr>
+        <p:blipFill rotWithShape="1">
+          <a:blip r:embed="rId2">
+            <a:alphaModFix amt="47000"/>
+            <a:extLst>
+              <a:ext uri="{28A0092B-C50C-407E-A947-70E740481C1C}">
+                <a14:useLocalDpi xmlns:a14="http://schemas.microsoft.com/office/drawing/2010/main" val="0"/>
+              </a:ext>
+            </a:extLst>
+          </a:blip>
+          <a:srcRect l="4595" r="6699"/>
+          <a:stretch/>
+        </p:blipFill>
+        <p:spPr bwMode="auto">
+          <a:xfrm>
+            <a:off x="0" y="-2057400"/>
+            <a:ext cx="12192000" cy="10308201"/>
+          </a:xfrm>
+          <a:prstGeom prst="rect">
+            <a:avLst/>
+          </a:prstGeom>
+          <a:noFill/>
+          <a:extLst>
+            <a:ext uri="{909E8E84-426E-40DD-AFC4-6F175D3DCCD1}">
+              <a14:hiddenFill xmlns:a14="http://schemas.microsoft.com/office/drawing/2010/main">
+                <a:solidFill>
+                  <a:srgbClr val="FFFFFF"/>
+                </a:solidFill>
+              </a14:hiddenFill>
+            </a:ext>
+          </a:extLst>
+        </p:spPr>
+      </p:pic>
+      <p:sp>
+        <p:nvSpPr>
+          <p:cNvPr id="12" name="Line 11"/>
+          <p:cNvSpPr>
+            <a:spLocks noChangeShapeType="1"/>
+          </p:cNvSpPr>
+          <p:nvPr/>
+        </p:nvSpPr>
+        <p:spPr bwMode="auto">
+          <a:xfrm flipV="1">
+            <a:off x="6972300" y="5109836"/>
+            <a:ext cx="609600" cy="533400"/>
+          </a:xfrm>
+          <a:prstGeom prst="line">
+            <a:avLst/>
+          </a:prstGeom>
+          <a:noFill/>
+          <a:ln w="38100">
+            <a:solidFill>
+              <a:srgbClr val="FFFF66"/>
+            </a:solidFill>
+            <a:round/>
+            <a:headEnd/>
+            <a:tailEnd type="triangle" w="med" len="med"/>
+          </a:ln>
+          <a:extLst>
+            <a:ext uri="{909E8E84-426E-40DD-AFC4-6F175D3DCCD1}">
+              <a14:hiddenFill xmlns:a14="http://schemas.microsoft.com/office/drawing/2010/main">
+                <a:noFill/>
+              </a14:hiddenFill>
+            </a:ext>
+          </a:extLst>
+        </p:spPr>
+        <p:txBody>
+          <a:bodyPr wrap="square">
+            <a:spAutoFit/>
+          </a:bodyPr>
+          <a:lstStyle/>
+          <a:p>
+            <a:endParaRPr lang="en-US"/>
+          </a:p>
+        </p:txBody>
+      </p:sp>
+      <p:sp>
+        <p:nvSpPr>
+          <p:cNvPr id="6" name="TextBox 5">
+            <a:extLst>
+              <a:ext uri="{FF2B5EF4-FFF2-40B4-BE49-F238E27FC236}">
+                <a16:creationId xmlns:a16="http://schemas.microsoft.com/office/drawing/2014/main" id="{4F2DA592-D8EB-70BA-2112-6C13A4E7B393}"/>
+              </a:ext>
+            </a:extLst>
+          </p:cNvPr>
+          <p:cNvSpPr txBox="1"/>
+          <p:nvPr/>
+        </p:nvSpPr>
+        <p:spPr>
+          <a:xfrm>
+            <a:off x="495300" y="606817"/>
+            <a:ext cx="11201400" cy="919401"/>
+          </a:xfrm>
+          <a:prstGeom prst="roundRect">
+            <a:avLst/>
+          </a:prstGeom>
+          <a:solidFill>
+            <a:schemeClr val="bg1">
+              <a:alpha val="70000"/>
+            </a:schemeClr>
+          </a:solidFill>
+          <a:ln w="76200">
+            <a:solidFill>
+              <a:srgbClr val="FFC416"/>
+            </a:solidFill>
+          </a:ln>
+        </p:spPr>
+        <p:style>
+          <a:lnRef idx="2">
+            <a:schemeClr val="dk1"/>
+          </a:lnRef>
+          <a:fillRef idx="1">
+            <a:schemeClr val="lt1"/>
+          </a:fillRef>
+          <a:effectRef idx="0">
+            <a:schemeClr val="dk1"/>
+          </a:effectRef>
+          <a:fontRef idx="minor">
+            <a:schemeClr val="dk1"/>
+          </a:fontRef>
+        </p:style>
+        <p:txBody>
+          <a:bodyPr wrap="square" rtlCol="0">
+            <a:spAutoFit/>
+          </a:bodyPr>
+          <a:lstStyle/>
+          <a:p>
+            <a:pPr algn="ctr"/>
+            <a:r>
+              <a:rPr lang="en-US" sz="4800" b="1" dirty="0">
+                <a:solidFill>
+                  <a:srgbClr val="2D3A37"/>
+                </a:solidFill>
+                <a:latin typeface="Adobe Devanagari" panose="02040503050201020203" pitchFamily="18" charset="0"/>
+                <a:cs typeface="Adobe Devanagari" panose="02040503050201020203" pitchFamily="18" charset="0"/>
+              </a:rPr>
+              <a:t>Technology We Will Use</a:t>
+            </a:r>
+            <a:endParaRPr lang="en-US" sz="4800" dirty="0">
+              <a:solidFill>
+                <a:srgbClr val="2D3A37"/>
+              </a:solidFill>
+            </a:endParaRPr>
+          </a:p>
+        </p:txBody>
+      </p:sp>
+      <p:sp>
+        <p:nvSpPr>
+          <p:cNvPr id="7" name="TextBox 6">
+            <a:extLst>
+              <a:ext uri="{FF2B5EF4-FFF2-40B4-BE49-F238E27FC236}">
+                <a16:creationId xmlns:a16="http://schemas.microsoft.com/office/drawing/2014/main" id="{D9B238EA-D04E-3255-7509-F990F1A8F309}"/>
+              </a:ext>
+            </a:extLst>
+          </p:cNvPr>
+          <p:cNvSpPr txBox="1"/>
+          <p:nvPr/>
+        </p:nvSpPr>
+        <p:spPr>
+          <a:xfrm>
+            <a:off x="495300" y="1977074"/>
+            <a:ext cx="11201400" cy="3439239"/>
+          </a:xfrm>
+          <a:prstGeom prst="roundRect">
+            <a:avLst/>
+          </a:prstGeom>
+          <a:solidFill>
+            <a:schemeClr val="bg1"/>
+          </a:solidFill>
+          <a:ln w="76200">
+            <a:solidFill>
+              <a:srgbClr val="FFC416"/>
+            </a:solidFill>
+          </a:ln>
+        </p:spPr>
+        <p:style>
+          <a:lnRef idx="2">
+            <a:schemeClr val="dk1"/>
+          </a:lnRef>
+          <a:fillRef idx="1">
+            <a:schemeClr val="lt1"/>
+          </a:fillRef>
+          <a:effectRef idx="0">
+            <a:schemeClr val="dk1"/>
+          </a:effectRef>
+          <a:fontRef idx="minor">
+            <a:schemeClr val="dk1"/>
+          </a:fontRef>
+        </p:style>
+        <p:txBody>
+          <a:bodyPr wrap="square" rtlCol="0">
+            <a:spAutoFit/>
+          </a:bodyPr>
+          <a:lstStyle/>
+          <a:p>
+            <a:pPr marL="457200" indent="-457200">
+              <a:buFont typeface="Arial" panose="020B0604020202020204" pitchFamily="34" charset="0"/>
+              <a:buChar char="•"/>
+            </a:pPr>
+            <a:r>
+              <a:rPr lang="en-US" sz="2800" i="1" dirty="0">
+                <a:solidFill>
+                  <a:srgbClr val="660066"/>
+                </a:solidFill>
+              </a:rPr>
+              <a:t>R</a:t>
+            </a:r>
+            <a:r>
+              <a:rPr lang="en-US" sz="2800" dirty="0">
+                <a:solidFill>
+                  <a:srgbClr val="660066"/>
+                </a:solidFill>
+              </a:rPr>
+              <a:t> = a free, widely used, open source, language and environment for statistical computing and graphics</a:t>
+            </a:r>
+          </a:p>
+          <a:p>
+            <a:pPr marL="457200" indent="-457200">
+              <a:buFont typeface="Arial" panose="020B0604020202020204" pitchFamily="34" charset="0"/>
+              <a:buChar char="•"/>
+            </a:pPr>
+            <a:endParaRPr lang="en-US" sz="2800" i="1" dirty="0">
+              <a:solidFill>
+                <a:srgbClr val="660066"/>
+              </a:solidFill>
+            </a:endParaRPr>
+          </a:p>
+          <a:p>
+            <a:pPr marL="457200" indent="-457200">
+              <a:buFont typeface="Arial" panose="020B0604020202020204" pitchFamily="34" charset="0"/>
+              <a:buChar char="•"/>
+            </a:pPr>
+            <a:r>
+              <a:rPr lang="en-US" sz="2800" i="1" dirty="0">
+                <a:solidFill>
+                  <a:srgbClr val="660066"/>
+                </a:solidFill>
+              </a:rPr>
+              <a:t>RStudio = </a:t>
+            </a:r>
+            <a:r>
+              <a:rPr lang="en-US" sz="2800" dirty="0">
+                <a:solidFill>
+                  <a:srgbClr val="660066"/>
+                </a:solidFill>
+              </a:rPr>
+              <a:t>an interface for </a:t>
+            </a:r>
+            <a:r>
+              <a:rPr lang="en-US" sz="2800" i="1" dirty="0">
+                <a:solidFill>
+                  <a:srgbClr val="660066"/>
+                </a:solidFill>
+              </a:rPr>
+              <a:t>R</a:t>
+            </a:r>
+            <a:r>
+              <a:rPr lang="en-US" sz="2800" dirty="0">
+                <a:solidFill>
+                  <a:srgbClr val="660066"/>
+                </a:solidFill>
+              </a:rPr>
+              <a:t> (Integrated Development Environment)</a:t>
+            </a:r>
+          </a:p>
+          <a:p>
+            <a:pPr marL="457200" indent="-457200">
+              <a:buFont typeface="Arial" panose="020B0604020202020204" pitchFamily="34" charset="0"/>
+              <a:buChar char="•"/>
+            </a:pPr>
+            <a:endParaRPr lang="en-US" sz="2800" i="1" dirty="0">
+              <a:solidFill>
+                <a:srgbClr val="660066"/>
+              </a:solidFill>
+            </a:endParaRPr>
+          </a:p>
+          <a:p>
+            <a:pPr marL="457200" indent="-457200">
+              <a:buFont typeface="Arial" panose="020B0604020202020204" pitchFamily="34" charset="0"/>
+              <a:buChar char="•"/>
+            </a:pPr>
+            <a:r>
+              <a:rPr lang="en-US" sz="2800" i="1" dirty="0" err="1">
+                <a:solidFill>
+                  <a:srgbClr val="660066"/>
+                </a:solidFill>
+              </a:rPr>
+              <a:t>RMarkdown</a:t>
+            </a:r>
+            <a:r>
+              <a:rPr lang="en-US" sz="2800" dirty="0">
+                <a:solidFill>
+                  <a:srgbClr val="660066"/>
+                </a:solidFill>
+              </a:rPr>
+              <a:t> = a tool in R for creating documents that combine R code with text</a:t>
+            </a:r>
+            <a:endParaRPr lang="en-US" sz="2800" i="1" dirty="0">
+              <a:solidFill>
+                <a:srgbClr val="660066"/>
+              </a:solidFill>
+            </a:endParaRPr>
+          </a:p>
+        </p:txBody>
+      </p:sp>
+      <p:sp>
+        <p:nvSpPr>
+          <p:cNvPr id="3" name="TextBox 2">
+            <a:extLst>
+              <a:ext uri="{FF2B5EF4-FFF2-40B4-BE49-F238E27FC236}">
+                <a16:creationId xmlns:a16="http://schemas.microsoft.com/office/drawing/2014/main" id="{198CF8AC-87DF-7FA9-314F-52FBF8BED237}"/>
+              </a:ext>
+            </a:extLst>
+          </p:cNvPr>
+          <p:cNvSpPr txBox="1"/>
+          <p:nvPr/>
+        </p:nvSpPr>
+        <p:spPr>
+          <a:xfrm>
+            <a:off x="495300" y="5830990"/>
+            <a:ext cx="11201400" cy="578882"/>
+          </a:xfrm>
+          <a:prstGeom prst="roundRect">
+            <a:avLst/>
+          </a:prstGeom>
+          <a:solidFill>
+            <a:schemeClr val="bg1"/>
+          </a:solidFill>
+          <a:ln w="76200">
+            <a:solidFill>
+              <a:srgbClr val="FFC416"/>
+            </a:solidFill>
+          </a:ln>
+        </p:spPr>
+        <p:style>
+          <a:lnRef idx="2">
+            <a:schemeClr val="dk1"/>
+          </a:lnRef>
+          <a:fillRef idx="1">
+            <a:schemeClr val="lt1"/>
+          </a:fillRef>
+          <a:effectRef idx="0">
+            <a:schemeClr val="dk1"/>
+          </a:effectRef>
+          <a:fontRef idx="minor">
+            <a:schemeClr val="dk1"/>
+          </a:fontRef>
+        </p:style>
+        <p:txBody>
+          <a:bodyPr wrap="square" rtlCol="0">
+            <a:spAutoFit/>
+          </a:bodyPr>
+          <a:lstStyle/>
+          <a:p>
+            <a:pPr algn="ctr"/>
+            <a:r>
+              <a:rPr lang="en-US" sz="2800" dirty="0">
+                <a:solidFill>
+                  <a:srgbClr val="660066"/>
+                </a:solidFill>
+              </a:rPr>
+              <a:t>Download R and RStudio to Your Computer</a:t>
+            </a:r>
+          </a:p>
+        </p:txBody>
+      </p:sp>
+    </p:spTree>
+    <p:extLst>
+      <p:ext uri="{BB962C8B-B14F-4D97-AF65-F5344CB8AC3E}">
+        <p14:creationId xmlns:p14="http://schemas.microsoft.com/office/powerpoint/2010/main" val="135342462"/>
+      </p:ext>
+    </p:extLst>
+  </p:cSld>
+  <p:clrMapOvr>
+    <a:masterClrMapping/>
+  </p:clrMapOvr>
+</p:sld>
+</file>
+
+<file path=ppt/slides/slide16.xml><?xml version="1.0" encoding="utf-8"?>
+<p:sld xmlns:a="http://schemas.openxmlformats.org/drawingml/2006/main" xmlns:r="http://schemas.openxmlformats.org/officeDocument/2006/relationships" xmlns:p="http://schemas.openxmlformats.org/presentationml/2006/main">
+  <p:cSld>
+    <p:spTree>
+      <p:nvGrpSpPr>
+        <p:cNvPr id="1" name=""/>
+        <p:cNvGrpSpPr/>
+        <p:nvPr/>
+      </p:nvGrpSpPr>
+      <p:grpSpPr>
+        <a:xfrm>
+          <a:off x="0" y="0"/>
+          <a:ext cx="0" cy="0"/>
+          <a:chOff x="0" y="0"/>
+          <a:chExt cx="0" cy="0"/>
+        </a:xfrm>
+      </p:grpSpPr>
+      <p:pic>
+        <p:nvPicPr>
+          <p:cNvPr id="2" name="Picture 10" descr="Mario Pattern">
+            <a:extLst>
+              <a:ext uri="{FF2B5EF4-FFF2-40B4-BE49-F238E27FC236}">
+                <a16:creationId xmlns:a16="http://schemas.microsoft.com/office/drawing/2014/main" id="{8F84FFD9-23AF-75F7-6DAA-904525952142}"/>
+              </a:ext>
+            </a:extLst>
+          </p:cNvPr>
+          <p:cNvPicPr>
+            <a:picLocks noChangeAspect="1" noChangeArrowheads="1"/>
+          </p:cNvPicPr>
+          <p:nvPr/>
+        </p:nvPicPr>
+        <p:blipFill rotWithShape="1">
+          <a:blip r:embed="rId2">
+            <a:alphaModFix amt="47000"/>
+            <a:extLst>
+              <a:ext uri="{28A0092B-C50C-407E-A947-70E740481C1C}">
+                <a14:useLocalDpi xmlns:a14="http://schemas.microsoft.com/office/drawing/2010/main" val="0"/>
+              </a:ext>
+            </a:extLst>
+          </a:blip>
+          <a:srcRect l="4595" r="6699"/>
+          <a:stretch/>
+        </p:blipFill>
+        <p:spPr bwMode="auto">
+          <a:xfrm>
+            <a:off x="0" y="-2057400"/>
+            <a:ext cx="12192000" cy="10308201"/>
+          </a:xfrm>
+          <a:prstGeom prst="rect">
+            <a:avLst/>
+          </a:prstGeom>
+          <a:noFill/>
+          <a:extLst>
+            <a:ext uri="{909E8E84-426E-40DD-AFC4-6F175D3DCCD1}">
+              <a14:hiddenFill xmlns:a14="http://schemas.microsoft.com/office/drawing/2010/main">
+                <a:solidFill>
+                  <a:srgbClr val="FFFFFF"/>
+                </a:solidFill>
+              </a14:hiddenFill>
+            </a:ext>
+          </a:extLst>
+        </p:spPr>
+      </p:pic>
+      <p:sp>
+        <p:nvSpPr>
+          <p:cNvPr id="12" name="Line 11"/>
+          <p:cNvSpPr>
+            <a:spLocks noChangeShapeType="1"/>
+          </p:cNvSpPr>
+          <p:nvPr/>
+        </p:nvSpPr>
+        <p:spPr bwMode="auto">
+          <a:xfrm flipV="1">
+            <a:off x="6972300" y="5109836"/>
+            <a:ext cx="609600" cy="533400"/>
+          </a:xfrm>
+          <a:prstGeom prst="line">
+            <a:avLst/>
+          </a:prstGeom>
+          <a:noFill/>
+          <a:ln w="38100">
+            <a:solidFill>
+              <a:srgbClr val="FFFF66"/>
+            </a:solidFill>
+            <a:round/>
+            <a:headEnd/>
+            <a:tailEnd type="triangle" w="med" len="med"/>
+          </a:ln>
+          <a:extLst>
+            <a:ext uri="{909E8E84-426E-40DD-AFC4-6F175D3DCCD1}">
+              <a14:hiddenFill xmlns:a14="http://schemas.microsoft.com/office/drawing/2010/main">
+                <a:noFill/>
+              </a14:hiddenFill>
+            </a:ext>
+          </a:extLst>
+        </p:spPr>
+        <p:txBody>
+          <a:bodyPr wrap="square">
+            <a:spAutoFit/>
+          </a:bodyPr>
+          <a:lstStyle/>
+          <a:p>
+            <a:endParaRPr lang="en-US"/>
+          </a:p>
+        </p:txBody>
+      </p:sp>
+      <p:sp>
+        <p:nvSpPr>
+          <p:cNvPr id="6" name="TextBox 5">
+            <a:extLst>
+              <a:ext uri="{FF2B5EF4-FFF2-40B4-BE49-F238E27FC236}">
+                <a16:creationId xmlns:a16="http://schemas.microsoft.com/office/drawing/2014/main" id="{4F2DA592-D8EB-70BA-2112-6C13A4E7B393}"/>
+              </a:ext>
+            </a:extLst>
+          </p:cNvPr>
+          <p:cNvSpPr txBox="1"/>
+          <p:nvPr/>
+        </p:nvSpPr>
+        <p:spPr>
+          <a:xfrm>
+            <a:off x="495300" y="606817"/>
+            <a:ext cx="11201400" cy="919401"/>
+          </a:xfrm>
+          <a:prstGeom prst="roundRect">
+            <a:avLst/>
+          </a:prstGeom>
+          <a:solidFill>
+            <a:schemeClr val="bg1">
+              <a:alpha val="70000"/>
+            </a:schemeClr>
+          </a:solidFill>
+          <a:ln w="76200">
+            <a:solidFill>
+              <a:srgbClr val="FFC416"/>
+            </a:solidFill>
+          </a:ln>
+        </p:spPr>
+        <p:style>
+          <a:lnRef idx="2">
+            <a:schemeClr val="dk1"/>
+          </a:lnRef>
+          <a:fillRef idx="1">
+            <a:schemeClr val="lt1"/>
+          </a:fillRef>
+          <a:effectRef idx="0">
+            <a:schemeClr val="dk1"/>
+          </a:effectRef>
+          <a:fontRef idx="minor">
+            <a:schemeClr val="dk1"/>
+          </a:fontRef>
+        </p:style>
+        <p:txBody>
+          <a:bodyPr wrap="square" rtlCol="0">
+            <a:spAutoFit/>
+          </a:bodyPr>
+          <a:lstStyle/>
+          <a:p>
+            <a:pPr algn="ctr"/>
+            <a:r>
+              <a:rPr lang="en-US" sz="4800" b="1" dirty="0">
+                <a:solidFill>
+                  <a:srgbClr val="2D3A37"/>
+                </a:solidFill>
+                <a:latin typeface="Adobe Devanagari" panose="02040503050201020203" pitchFamily="18" charset="0"/>
+                <a:cs typeface="Adobe Devanagari" panose="02040503050201020203" pitchFamily="18" charset="0"/>
+              </a:rPr>
+              <a:t>Quick Look at R Studio</a:t>
+            </a:r>
+            <a:endParaRPr lang="en-US" sz="4800" dirty="0">
+              <a:solidFill>
+                <a:srgbClr val="2D3A37"/>
+              </a:solidFill>
+            </a:endParaRPr>
+          </a:p>
+        </p:txBody>
+      </p:sp>
+      <p:pic>
+        <p:nvPicPr>
+          <p:cNvPr id="3" name="Picture 2">
+            <a:extLst>
+              <a:ext uri="{FF2B5EF4-FFF2-40B4-BE49-F238E27FC236}">
+                <a16:creationId xmlns:a16="http://schemas.microsoft.com/office/drawing/2014/main" id="{55588FD6-E515-54E1-7613-14E228EB9528}"/>
+              </a:ext>
+            </a:extLst>
+          </p:cNvPr>
+          <p:cNvPicPr>
+            <a:picLocks noChangeAspect="1"/>
+          </p:cNvPicPr>
+          <p:nvPr/>
+        </p:nvPicPr>
+        <p:blipFill>
+          <a:blip r:embed="rId3"/>
+          <a:stretch>
+            <a:fillRect/>
+          </a:stretch>
+        </p:blipFill>
+        <p:spPr>
+          <a:xfrm>
+            <a:off x="1981200" y="1676400"/>
+            <a:ext cx="7924800" cy="4893801"/>
+          </a:xfrm>
+          <a:prstGeom prst="rect">
+            <a:avLst/>
+          </a:prstGeom>
+          <a:ln w="28575">
+            <a:solidFill>
+              <a:srgbClr val="FFC416"/>
+            </a:solidFill>
+          </a:ln>
+        </p:spPr>
+      </p:pic>
+      <p:sp>
+        <p:nvSpPr>
+          <p:cNvPr id="4" name="TextBox 3">
+            <a:extLst>
+              <a:ext uri="{FF2B5EF4-FFF2-40B4-BE49-F238E27FC236}">
+                <a16:creationId xmlns:a16="http://schemas.microsoft.com/office/drawing/2014/main" id="{02339D7F-7000-847C-346F-D393E6BABCA3}"/>
+              </a:ext>
+            </a:extLst>
+          </p:cNvPr>
+          <p:cNvSpPr txBox="1"/>
+          <p:nvPr/>
+        </p:nvSpPr>
+        <p:spPr>
+          <a:xfrm>
+            <a:off x="2209800" y="3541931"/>
+            <a:ext cx="3886200" cy="369332"/>
+          </a:xfrm>
+          <a:prstGeom prst="rect">
+            <a:avLst/>
+          </a:prstGeom>
+          <a:solidFill>
+            <a:srgbClr val="FFC416"/>
+          </a:solidFill>
+        </p:spPr>
+        <p:txBody>
+          <a:bodyPr wrap="square" rtlCol="0">
+            <a:spAutoFit/>
+          </a:bodyPr>
+          <a:lstStyle/>
+          <a:p>
+            <a:r>
+              <a:rPr lang="en-US" dirty="0">
+                <a:solidFill>
+                  <a:schemeClr val="tx1"/>
+                </a:solidFill>
+              </a:rPr>
+              <a:t>Editor: write/view code, data</a:t>
+            </a:r>
+          </a:p>
+        </p:txBody>
+      </p:sp>
+      <p:sp>
+        <p:nvSpPr>
+          <p:cNvPr id="5" name="TextBox 4">
+            <a:extLst>
+              <a:ext uri="{FF2B5EF4-FFF2-40B4-BE49-F238E27FC236}">
+                <a16:creationId xmlns:a16="http://schemas.microsoft.com/office/drawing/2014/main" id="{56B74EA7-35F6-0958-04BC-368720845826}"/>
+              </a:ext>
+            </a:extLst>
+          </p:cNvPr>
+          <p:cNvSpPr txBox="1"/>
+          <p:nvPr/>
+        </p:nvSpPr>
+        <p:spPr>
+          <a:xfrm>
+            <a:off x="6331527" y="2895600"/>
+            <a:ext cx="3400697" cy="830997"/>
+          </a:xfrm>
+          <a:prstGeom prst="rect">
+            <a:avLst/>
+          </a:prstGeom>
+          <a:solidFill>
+            <a:srgbClr val="FFC416"/>
+          </a:solidFill>
+        </p:spPr>
+        <p:txBody>
+          <a:bodyPr wrap="square" rtlCol="0">
+            <a:spAutoFit/>
+          </a:bodyPr>
+          <a:lstStyle/>
+          <a:p>
+            <a:r>
+              <a:rPr lang="en-US" dirty="0">
+                <a:solidFill>
+                  <a:schemeClr val="tx1"/>
+                </a:solidFill>
+              </a:rPr>
+              <a:t>Environment: lists active variables, functions, …</a:t>
+            </a:r>
+          </a:p>
+        </p:txBody>
+      </p:sp>
+      <p:sp>
+        <p:nvSpPr>
+          <p:cNvPr id="8" name="TextBox 7">
+            <a:extLst>
+              <a:ext uri="{FF2B5EF4-FFF2-40B4-BE49-F238E27FC236}">
+                <a16:creationId xmlns:a16="http://schemas.microsoft.com/office/drawing/2014/main" id="{2FDD4823-1317-513B-C460-A56051F1F433}"/>
+              </a:ext>
+            </a:extLst>
+          </p:cNvPr>
+          <p:cNvSpPr txBox="1"/>
+          <p:nvPr/>
+        </p:nvSpPr>
+        <p:spPr>
+          <a:xfrm>
+            <a:off x="6660275" y="4724400"/>
+            <a:ext cx="2743199" cy="1569660"/>
+          </a:xfrm>
+          <a:prstGeom prst="rect">
+            <a:avLst/>
+          </a:prstGeom>
+          <a:solidFill>
+            <a:srgbClr val="FFC416"/>
+          </a:solidFill>
+        </p:spPr>
+        <p:txBody>
+          <a:bodyPr wrap="square" rtlCol="0">
+            <a:spAutoFit/>
+          </a:bodyPr>
+          <a:lstStyle/>
+          <a:p>
+            <a:pPr>
+              <a:spcBef>
+                <a:spcPts val="0"/>
+              </a:spcBef>
+            </a:pPr>
+            <a:r>
+              <a:rPr lang="en-US" dirty="0">
+                <a:solidFill>
+                  <a:schemeClr val="tx1"/>
+                </a:solidFill>
+              </a:rPr>
+              <a:t>Access files</a:t>
+            </a:r>
+          </a:p>
+          <a:p>
+            <a:pPr>
+              <a:spcBef>
+                <a:spcPts val="0"/>
+              </a:spcBef>
+            </a:pPr>
+            <a:r>
+              <a:rPr lang="en-US" dirty="0">
+                <a:solidFill>
+                  <a:schemeClr val="tx1"/>
+                </a:solidFill>
+              </a:rPr>
+              <a:t>View plots</a:t>
+            </a:r>
+          </a:p>
+          <a:p>
+            <a:pPr>
+              <a:spcBef>
+                <a:spcPts val="0"/>
+              </a:spcBef>
+            </a:pPr>
+            <a:r>
+              <a:rPr lang="en-US" dirty="0">
+                <a:solidFill>
+                  <a:schemeClr val="tx1"/>
+                </a:solidFill>
+              </a:rPr>
+              <a:t>Control packages</a:t>
+            </a:r>
+          </a:p>
+          <a:p>
+            <a:pPr>
+              <a:spcBef>
+                <a:spcPts val="0"/>
+              </a:spcBef>
+            </a:pPr>
+            <a:r>
+              <a:rPr lang="en-US" dirty="0">
+                <a:solidFill>
+                  <a:schemeClr val="tx1"/>
+                </a:solidFill>
+              </a:rPr>
+              <a:t>View help</a:t>
+            </a:r>
+          </a:p>
+        </p:txBody>
+      </p:sp>
+      <p:sp>
+        <p:nvSpPr>
+          <p:cNvPr id="9" name="TextBox 8">
+            <a:extLst>
+              <a:ext uri="{FF2B5EF4-FFF2-40B4-BE49-F238E27FC236}">
+                <a16:creationId xmlns:a16="http://schemas.microsoft.com/office/drawing/2014/main" id="{7912C97E-8D33-4CF2-4F36-06032C8E8790}"/>
+              </a:ext>
+            </a:extLst>
+          </p:cNvPr>
+          <p:cNvSpPr txBox="1"/>
+          <p:nvPr/>
+        </p:nvSpPr>
+        <p:spPr>
+          <a:xfrm>
+            <a:off x="2223655" y="5427113"/>
+            <a:ext cx="3657600" cy="830997"/>
+          </a:xfrm>
+          <a:prstGeom prst="rect">
+            <a:avLst/>
+          </a:prstGeom>
+          <a:solidFill>
+            <a:srgbClr val="FFC416"/>
+          </a:solidFill>
+        </p:spPr>
+        <p:txBody>
+          <a:bodyPr wrap="square" rtlCol="0">
+            <a:spAutoFit/>
+          </a:bodyPr>
+          <a:lstStyle/>
+          <a:p>
+            <a:r>
+              <a:rPr lang="en-US" dirty="0">
+                <a:solidFill>
+                  <a:schemeClr val="tx1"/>
+                </a:solidFill>
+              </a:rPr>
+              <a:t>Console: Enter commands, view output, error messages</a:t>
+            </a:r>
+          </a:p>
+        </p:txBody>
+      </p:sp>
+    </p:spTree>
+    <p:extLst>
+      <p:ext uri="{BB962C8B-B14F-4D97-AF65-F5344CB8AC3E}">
+        <p14:creationId xmlns:p14="http://schemas.microsoft.com/office/powerpoint/2010/main" val="3954967299"/>
+      </p:ext>
+    </p:extLst>
+  </p:cSld>
+  <p:clrMapOvr>
+    <a:masterClrMapping/>
+  </p:clrMapOvr>
+</p:sld>
+</file>
+
+<file path=ppt/slides/slide17.xml><?xml version="1.0" encoding="utf-8"?>
+<p:sld xmlns:a="http://schemas.openxmlformats.org/drawingml/2006/main" xmlns:r="http://schemas.openxmlformats.org/officeDocument/2006/relationships" xmlns:p="http://schemas.openxmlformats.org/presentationml/2006/main">
+  <p:cSld>
+    <p:spTree>
+      <p:nvGrpSpPr>
+        <p:cNvPr id="1" name=""/>
+        <p:cNvGrpSpPr/>
+        <p:nvPr/>
+      </p:nvGrpSpPr>
+      <p:grpSpPr>
+        <a:xfrm>
+          <a:off x="0" y="0"/>
+          <a:ext cx="0" cy="0"/>
+          <a:chOff x="0" y="0"/>
+          <a:chExt cx="0" cy="0"/>
+        </a:xfrm>
+      </p:grpSpPr>
+      <p:pic>
+        <p:nvPicPr>
+          <p:cNvPr id="2" name="Picture 10" descr="Mario Pattern">
+            <a:extLst>
+              <a:ext uri="{FF2B5EF4-FFF2-40B4-BE49-F238E27FC236}">
+                <a16:creationId xmlns:a16="http://schemas.microsoft.com/office/drawing/2014/main" id="{8F84FFD9-23AF-75F7-6DAA-904525952142}"/>
+              </a:ext>
+            </a:extLst>
+          </p:cNvPr>
+          <p:cNvPicPr>
+            <a:picLocks noChangeAspect="1" noChangeArrowheads="1"/>
+          </p:cNvPicPr>
+          <p:nvPr/>
+        </p:nvPicPr>
+        <p:blipFill rotWithShape="1">
+          <a:blip r:embed="rId2">
+            <a:alphaModFix amt="47000"/>
+            <a:extLst>
+              <a:ext uri="{28A0092B-C50C-407E-A947-70E740481C1C}">
+                <a14:useLocalDpi xmlns:a14="http://schemas.microsoft.com/office/drawing/2010/main" val="0"/>
+              </a:ext>
+            </a:extLst>
+          </a:blip>
+          <a:srcRect l="4595" r="6699"/>
+          <a:stretch/>
+        </p:blipFill>
+        <p:spPr bwMode="auto">
+          <a:xfrm>
+            <a:off x="0" y="-2057400"/>
+            <a:ext cx="12192000" cy="10308201"/>
+          </a:xfrm>
+          <a:prstGeom prst="rect">
+            <a:avLst/>
+          </a:prstGeom>
+          <a:noFill/>
+          <a:extLst>
+            <a:ext uri="{909E8E84-426E-40DD-AFC4-6F175D3DCCD1}">
+              <a14:hiddenFill xmlns:a14="http://schemas.microsoft.com/office/drawing/2010/main">
+                <a:solidFill>
+                  <a:srgbClr val="FFFFFF"/>
+                </a:solidFill>
+              </a14:hiddenFill>
+            </a:ext>
+          </a:extLst>
+        </p:spPr>
+      </p:pic>
+      <p:sp>
+        <p:nvSpPr>
+          <p:cNvPr id="12" name="Line 11"/>
+          <p:cNvSpPr>
+            <a:spLocks noChangeShapeType="1"/>
+          </p:cNvSpPr>
+          <p:nvPr/>
+        </p:nvSpPr>
+        <p:spPr bwMode="auto">
+          <a:xfrm flipV="1">
+            <a:off x="6972300" y="5109836"/>
+            <a:ext cx="609600" cy="533400"/>
+          </a:xfrm>
+          <a:prstGeom prst="line">
+            <a:avLst/>
+          </a:prstGeom>
+          <a:noFill/>
+          <a:ln w="38100">
+            <a:solidFill>
+              <a:srgbClr val="FFFF66"/>
+            </a:solidFill>
+            <a:round/>
+            <a:headEnd/>
+            <a:tailEnd type="triangle" w="med" len="med"/>
+          </a:ln>
+          <a:extLst>
+            <a:ext uri="{909E8E84-426E-40DD-AFC4-6F175D3DCCD1}">
+              <a14:hiddenFill xmlns:a14="http://schemas.microsoft.com/office/drawing/2010/main">
+                <a:noFill/>
+              </a14:hiddenFill>
+            </a:ext>
+          </a:extLst>
+        </p:spPr>
+        <p:txBody>
+          <a:bodyPr wrap="square">
+            <a:spAutoFit/>
+          </a:bodyPr>
+          <a:lstStyle/>
+          <a:p>
+            <a:endParaRPr lang="en-US"/>
+          </a:p>
+        </p:txBody>
+      </p:sp>
+      <p:sp>
+        <p:nvSpPr>
+          <p:cNvPr id="6" name="TextBox 5">
+            <a:extLst>
+              <a:ext uri="{FF2B5EF4-FFF2-40B4-BE49-F238E27FC236}">
+                <a16:creationId xmlns:a16="http://schemas.microsoft.com/office/drawing/2014/main" id="{4F2DA592-D8EB-70BA-2112-6C13A4E7B393}"/>
+              </a:ext>
+            </a:extLst>
+          </p:cNvPr>
+          <p:cNvSpPr txBox="1"/>
+          <p:nvPr/>
+        </p:nvSpPr>
+        <p:spPr>
+          <a:xfrm>
+            <a:off x="495300" y="606817"/>
+            <a:ext cx="11201400" cy="919401"/>
+          </a:xfrm>
+          <a:prstGeom prst="roundRect">
+            <a:avLst/>
+          </a:prstGeom>
+          <a:solidFill>
+            <a:schemeClr val="bg1">
+              <a:alpha val="70000"/>
+            </a:schemeClr>
+          </a:solidFill>
+          <a:ln w="76200">
+            <a:solidFill>
+              <a:srgbClr val="FFC416"/>
+            </a:solidFill>
+          </a:ln>
+        </p:spPr>
+        <p:style>
+          <a:lnRef idx="2">
+            <a:schemeClr val="dk1"/>
+          </a:lnRef>
+          <a:fillRef idx="1">
+            <a:schemeClr val="lt1"/>
+          </a:fillRef>
+          <a:effectRef idx="0">
+            <a:schemeClr val="dk1"/>
+          </a:effectRef>
+          <a:fontRef idx="minor">
+            <a:schemeClr val="dk1"/>
+          </a:fontRef>
+        </p:style>
+        <p:txBody>
+          <a:bodyPr wrap="square" rtlCol="0">
+            <a:spAutoFit/>
+          </a:bodyPr>
+          <a:lstStyle/>
+          <a:p>
+            <a:pPr algn="ctr"/>
+            <a:r>
+              <a:rPr lang="en-US" sz="4800" b="1" dirty="0">
+                <a:solidFill>
+                  <a:srgbClr val="2D3A37"/>
+                </a:solidFill>
+                <a:latin typeface="Adobe Devanagari" panose="02040503050201020203" pitchFamily="18" charset="0"/>
+                <a:cs typeface="Adobe Devanagari" panose="02040503050201020203" pitchFamily="18" charset="0"/>
+              </a:rPr>
+              <a:t>Learning Objectives for R</a:t>
+            </a:r>
+            <a:endParaRPr lang="en-US" sz="4800" dirty="0">
+              <a:solidFill>
+                <a:srgbClr val="2D3A37"/>
+              </a:solidFill>
+            </a:endParaRPr>
+          </a:p>
+        </p:txBody>
+      </p:sp>
+      <p:sp>
+        <p:nvSpPr>
+          <p:cNvPr id="7" name="TextBox 6">
+            <a:extLst>
+              <a:ext uri="{FF2B5EF4-FFF2-40B4-BE49-F238E27FC236}">
+                <a16:creationId xmlns:a16="http://schemas.microsoft.com/office/drawing/2014/main" id="{D9B238EA-D04E-3255-7509-F990F1A8F309}"/>
+              </a:ext>
+            </a:extLst>
+          </p:cNvPr>
+          <p:cNvSpPr txBox="1"/>
+          <p:nvPr/>
+        </p:nvSpPr>
+        <p:spPr>
+          <a:xfrm>
+            <a:off x="495300" y="1977074"/>
+            <a:ext cx="11201400" cy="3439239"/>
+          </a:xfrm>
+          <a:prstGeom prst="roundRect">
+            <a:avLst/>
+          </a:prstGeom>
+          <a:solidFill>
+            <a:schemeClr val="bg1"/>
+          </a:solidFill>
+          <a:ln w="76200">
+            <a:solidFill>
+              <a:srgbClr val="FFC416"/>
+            </a:solidFill>
+          </a:ln>
+        </p:spPr>
+        <p:style>
+          <a:lnRef idx="2">
+            <a:schemeClr val="dk1"/>
+          </a:lnRef>
+          <a:fillRef idx="1">
+            <a:schemeClr val="lt1"/>
+          </a:fillRef>
+          <a:effectRef idx="0">
+            <a:schemeClr val="dk1"/>
+          </a:effectRef>
+          <a:fontRef idx="minor">
+            <a:schemeClr val="dk1"/>
+          </a:fontRef>
+        </p:style>
+        <p:txBody>
+          <a:bodyPr wrap="square" rtlCol="0">
+            <a:spAutoFit/>
+          </a:bodyPr>
+          <a:lstStyle/>
+          <a:p>
             <a:pPr marL="457200" indent="-457200">
               <a:buFont typeface="Arial" panose="020B0604020202020204" pitchFamily="34" charset="0"/>
               <a:buChar char="•"/>
@@ -7165,7 +9106,7 @@
 </p:sld>
 </file>
 
-<file path=ppt/slides/slide15.xml><?xml version="1.0" encoding="utf-8"?>
+<file path=ppt/slides/slide18.xml><?xml version="1.0" encoding="utf-8"?>
 <p:sld xmlns:a="http://schemas.openxmlformats.org/drawingml/2006/main" xmlns:r="http://schemas.openxmlformats.org/officeDocument/2006/relationships" xmlns:p="http://schemas.openxmlformats.org/presentationml/2006/main">
   <p:cSld>
     <p:spTree>
@@ -7706,7 +9647,7 @@
                 <a:latin typeface="Adobe Devanagari" panose="02040503050201020203" pitchFamily="18" charset="0"/>
                 <a:cs typeface="Adobe Devanagari" panose="02040503050201020203" pitchFamily="18" charset="0"/>
               </a:rPr>
-              <a:t>Course Website / Syllabus</a:t>
+              <a:t>Four Steps of Statistical Modeling</a:t>
             </a:r>
             <a:endParaRPr lang="en-US" sz="4800" dirty="0">
               <a:solidFill>
@@ -7731,7 +9672,7 @@
         <p:spPr>
           <a:xfrm>
             <a:off x="495300" y="1974467"/>
-            <a:ext cx="11201400" cy="4597003"/>
+            <a:ext cx="11201400" cy="4460796"/>
           </a:xfrm>
           <a:prstGeom prst="roundRect">
             <a:avLst/>
@@ -7766,8 +9707,8 @@
           <a:lstStyle/>
           <a:p>
             <a:pPr marL="685800" indent="-685800">
-              <a:buFont typeface="Arial" panose="020B0604020202020204" pitchFamily="34" charset="0"/>
-              <a:buChar char="•"/>
+              <a:buFont typeface="+mj-lt"/>
+              <a:buAutoNum type="arabicPeriod"/>
             </a:pPr>
             <a:r>
               <a:rPr lang="en-US" sz="2800" dirty="0">
@@ -7775,13 +9716,24 @@
                   <a:srgbClr val="660066"/>
                 </a:solidFill>
               </a:rPr>
-              <a:t>Access Course Website Through Canvas </a:t>
+              <a:t>Choose a form for the model</a:t>
             </a:r>
           </a:p>
           <a:p>
             <a:pPr marL="685800" indent="-685800">
-              <a:buFont typeface="Arial" panose="020B0604020202020204" pitchFamily="34" charset="0"/>
-              <a:buChar char="•"/>
+              <a:buFont typeface="+mj-lt"/>
+              <a:buAutoNum type="arabicPeriod"/>
+            </a:pPr>
+            <a:endParaRPr lang="en-US" sz="2800" dirty="0">
+              <a:solidFill>
+                <a:srgbClr val="660066"/>
+              </a:solidFill>
+            </a:endParaRPr>
+          </a:p>
+          <a:p>
+            <a:pPr marL="685800" indent="-685800">
+              <a:buFont typeface="+mj-lt"/>
+              <a:buAutoNum type="arabicPeriod"/>
             </a:pPr>
             <a:r>
               <a:rPr lang="en-US" sz="2800" dirty="0">
@@ -7789,13 +9741,38 @@
                   <a:srgbClr val="660066"/>
                 </a:solidFill>
               </a:rPr>
-              <a:t>Cover Syllabus</a:t>
+              <a:t>Fit that model to the data</a:t>
+            </a:r>
+          </a:p>
+          <a:p>
+            <a:pPr marL="685800" indent="-685800">
+              <a:buFont typeface="+mj-lt"/>
+              <a:buAutoNum type="arabicPeriod"/>
+            </a:pPr>
+            <a:endParaRPr lang="en-US" sz="2800" dirty="0">
+              <a:solidFill>
+                <a:srgbClr val="660066"/>
+              </a:solidFill>
+            </a:endParaRPr>
+          </a:p>
+          <a:p>
+            <a:pPr marL="685800" indent="-685800">
+              <a:buFont typeface="+mj-lt"/>
+              <a:buAutoNum type="arabicPeriod"/>
+            </a:pPr>
+            <a:r>
+              <a:rPr lang="en-US" sz="2800" dirty="0">
+                <a:solidFill>
+                  <a:srgbClr val="660066"/>
+                </a:solidFill>
+              </a:rPr>
+              <a:t>Assess how well the model fits the data</a:t>
             </a:r>
           </a:p>
           <a:p>
             <a:pPr marL="1143000" lvl="1" indent="-685800">
-              <a:buFont typeface="Arial" panose="020B0604020202020204" pitchFamily="34" charset="0"/>
-              <a:buChar char="•"/>
+              <a:buFont typeface="+mj-lt"/>
+              <a:buAutoNum type="alphaLcPeriod"/>
             </a:pPr>
             <a:r>
               <a:rPr lang="en-US" sz="2000" dirty="0">
@@ -7803,13 +9780,13 @@
                   <a:srgbClr val="660066"/>
                 </a:solidFill>
               </a:rPr>
-              <a:t>Office Hours</a:t>
+              <a:t>Diagnostic Plots</a:t>
             </a:r>
           </a:p>
           <a:p>
             <a:pPr marL="1143000" lvl="1" indent="-685800">
-              <a:buFont typeface="Arial" panose="020B0604020202020204" pitchFamily="34" charset="0"/>
-              <a:buChar char="•"/>
+              <a:buFont typeface="+mj-lt"/>
+              <a:buAutoNum type="alphaLcPeriod"/>
             </a:pPr>
             <a:r>
               <a:rPr lang="en-US" sz="2000" dirty="0">
@@ -7817,13 +9794,13 @@
                   <a:srgbClr val="660066"/>
                 </a:solidFill>
               </a:rPr>
-              <a:t>Grading and Curving</a:t>
+              <a:t>Look for Patterns in the Residuals</a:t>
             </a:r>
           </a:p>
           <a:p>
             <a:pPr marL="1143000" lvl="1" indent="-685800">
-              <a:buFont typeface="Arial" panose="020B0604020202020204" pitchFamily="34" charset="0"/>
-              <a:buChar char="•"/>
+              <a:buFont typeface="+mj-lt"/>
+              <a:buAutoNum type="alphaLcPeriod"/>
             </a:pPr>
             <a:r>
               <a:rPr lang="en-US" sz="2000" dirty="0">
@@ -7831,105 +9808,11 @@
                   <a:srgbClr val="660066"/>
                 </a:solidFill>
               </a:rPr>
-              <a:t>Attendance: UNC Check-In App</a:t>
-            </a:r>
-          </a:p>
-          <a:p>
-            <a:pPr marL="1143000" lvl="1" indent="-685800">
-              <a:buFont typeface="Arial" panose="020B0604020202020204" pitchFamily="34" charset="0"/>
-              <a:buChar char="•"/>
-            </a:pPr>
-            <a:r>
-              <a:rPr lang="en-US" sz="2000" dirty="0">
-                <a:solidFill>
-                  <a:srgbClr val="660066"/>
-                </a:solidFill>
-              </a:rPr>
-              <a:t>Homework</a:t>
-            </a:r>
-          </a:p>
-          <a:p>
-            <a:pPr marL="1143000" lvl="1" indent="-685800">
-              <a:buFont typeface="Arial" panose="020B0604020202020204" pitchFamily="34" charset="0"/>
-              <a:buChar char="•"/>
-            </a:pPr>
-            <a:r>
-              <a:rPr lang="en-US" sz="2000" dirty="0">
-                <a:solidFill>
-                  <a:srgbClr val="660066"/>
-                </a:solidFill>
-              </a:rPr>
-              <a:t>Quizzes</a:t>
-            </a:r>
-          </a:p>
-          <a:p>
-            <a:pPr marL="1143000" lvl="1" indent="-685800">
-              <a:buFont typeface="Arial" panose="020B0604020202020204" pitchFamily="34" charset="0"/>
-              <a:buChar char="•"/>
-            </a:pPr>
-            <a:r>
-              <a:rPr lang="en-US" sz="2000" dirty="0">
-                <a:solidFill>
-                  <a:srgbClr val="660066"/>
-                </a:solidFill>
-              </a:rPr>
-              <a:t>Exams</a:t>
-            </a:r>
-          </a:p>
-          <a:p>
-            <a:pPr marL="1143000" lvl="1" indent="-685800">
-              <a:buFont typeface="Arial" panose="020B0604020202020204" pitchFamily="34" charset="0"/>
-              <a:buChar char="•"/>
-            </a:pPr>
-            <a:r>
-              <a:rPr lang="en-US" sz="2000" dirty="0">
-                <a:solidFill>
-                  <a:srgbClr val="660066"/>
-                </a:solidFill>
-              </a:rPr>
-              <a:t>PDFs and </a:t>
-            </a:r>
-            <a:r>
-              <a:rPr lang="en-US" sz="2000" dirty="0" err="1">
-                <a:solidFill>
-                  <a:srgbClr val="660066"/>
-                </a:solidFill>
-              </a:rPr>
-              <a:t>Gradescope</a:t>
-            </a:r>
-            <a:endParaRPr lang="en-US" sz="2000" dirty="0">
-              <a:solidFill>
-                <a:srgbClr val="660066"/>
-              </a:solidFill>
-            </a:endParaRPr>
-          </a:p>
-          <a:p>
-            <a:pPr marL="1143000" lvl="1" indent="-685800">
-              <a:buFont typeface="Arial" panose="020B0604020202020204" pitchFamily="34" charset="0"/>
-              <a:buChar char="•"/>
-            </a:pPr>
-            <a:r>
-              <a:rPr lang="en-US" sz="2000" dirty="0">
-                <a:solidFill>
-                  <a:srgbClr val="660066"/>
-                </a:solidFill>
-              </a:rPr>
-              <a:t>Grade Disputes</a:t>
-            </a:r>
-          </a:p>
-          <a:p>
-            <a:pPr marL="1143000" lvl="1" indent="-685800">
-              <a:buFont typeface="Arial" panose="020B0604020202020204" pitchFamily="34" charset="0"/>
-              <a:buChar char="•"/>
-            </a:pPr>
-            <a:r>
-              <a:rPr lang="en-US" sz="2000" dirty="0">
-                <a:solidFill>
-                  <a:srgbClr val="660066"/>
-                </a:solidFill>
-              </a:rPr>
-              <a:t>Honor Code</a:t>
-            </a:r>
+              <a:t>Check Assumptions (Randomness, Independence, Normality)</a:t>
+            </a:r>
+          </a:p>
+          <a:p>
+            <a:pPr lvl="1"/>
             <a:endParaRPr lang="en-US" sz="2800" dirty="0">
               <a:solidFill>
                 <a:srgbClr val="660066"/>
@@ -7938,8 +9821,8 @@
           </a:p>
           <a:p>
             <a:pPr marL="685800" indent="-685800">
-              <a:buFont typeface="Arial" panose="020B0604020202020204" pitchFamily="34" charset="0"/>
-              <a:buChar char="•"/>
+              <a:buFont typeface="+mj-lt"/>
+              <a:buAutoNum type="arabicPeriod"/>
             </a:pPr>
             <a:r>
               <a:rPr lang="en-US" sz="2800" dirty="0">
@@ -7947,7 +9830,7 @@
                   <a:srgbClr val="660066"/>
                 </a:solidFill>
               </a:rPr>
-              <a:t>Usage of Course Website and Canvas</a:t>
+              <a:t>Use the model to answer questions</a:t>
             </a:r>
           </a:p>
         </p:txBody>
@@ -8123,11 +10006,10 @@
                 <a:solidFill>
                   <a:srgbClr val="2D3A37"/>
                 </a:solidFill>
-                <a:effectLst/>
                 <a:latin typeface="Adobe Devanagari" panose="02040503050201020203" pitchFamily="18" charset="0"/>
                 <a:cs typeface="Adobe Devanagari" panose="02040503050201020203" pitchFamily="18" charset="0"/>
               </a:rPr>
-              <a:t>Preview of Dataset</a:t>
+              <a:t>Supplement for Lecture 2</a:t>
             </a:r>
             <a:endParaRPr lang="en-US" sz="4800" dirty="0">
               <a:solidFill>
@@ -8186,31 +10068,21 @@
           </a:bodyPr>
           <a:lstStyle/>
           <a:p>
+            <a:pPr marL="457200" indent="-457200">
+              <a:buFont typeface="Arial" panose="020B0604020202020204" pitchFamily="34" charset="0"/>
+              <a:buChar char="•"/>
+            </a:pPr>
             <a:r>
               <a:rPr lang="en-US" sz="2800" dirty="0">
                 <a:solidFill>
                   <a:srgbClr val="660066"/>
                 </a:solidFill>
               </a:rPr>
-              <a:t>LEGO Dataset (n=1304)</a:t>
-            </a:r>
-          </a:p>
-          <a:p>
-            <a:endParaRPr lang="en-US" sz="2800" dirty="0">
-              <a:solidFill>
-                <a:srgbClr val="660066"/>
-              </a:solidFill>
-            </a:endParaRPr>
-          </a:p>
-          <a:p>
-            <a:endParaRPr lang="en-US" sz="2800" dirty="0">
-              <a:solidFill>
-                <a:srgbClr val="660066"/>
-              </a:solidFill>
-            </a:endParaRPr>
-          </a:p>
-          <a:p>
-            <a:pPr marL="685800" indent="-685800">
+              <a:t>Download Zip Folder on Course Website for Supplement</a:t>
+            </a:r>
+          </a:p>
+          <a:p>
+            <a:pPr marL="457200" indent="-457200">
               <a:buFont typeface="Arial" panose="020B0604020202020204" pitchFamily="34" charset="0"/>
               <a:buChar char="•"/>
             </a:pPr>
@@ -8221,7 +10093,21 @@
             </a:endParaRPr>
           </a:p>
           <a:p>
-            <a:pPr marL="685800" indent="-685800">
+            <a:pPr marL="457200" indent="-457200">
+              <a:buFont typeface="Arial" panose="020B0604020202020204" pitchFamily="34" charset="0"/>
+              <a:buChar char="•"/>
+            </a:pPr>
+            <a:r>
+              <a:rPr lang="en-US" sz="2800" dirty="0">
+                <a:solidFill>
+                  <a:srgbClr val="660066"/>
+                </a:solidFill>
+              </a:rPr>
+              <a:t>Unzip Folder on Your Computer</a:t>
+            </a:r>
+          </a:p>
+          <a:p>
+            <a:pPr marL="457200" indent="-457200">
               <a:buFont typeface="Arial" panose="020B0604020202020204" pitchFamily="34" charset="0"/>
               <a:buChar char="•"/>
             </a:pPr>
@@ -8232,7 +10118,37 @@
             </a:endParaRPr>
           </a:p>
           <a:p>
-            <a:pPr marL="685800" indent="-685800">
+            <a:pPr marL="457200" indent="-457200">
+              <a:buFont typeface="Arial" panose="020B0604020202020204" pitchFamily="34" charset="0"/>
+              <a:buChar char="•"/>
+            </a:pPr>
+            <a:r>
+              <a:rPr lang="en-US" sz="2800" dirty="0">
+                <a:solidFill>
+                  <a:srgbClr val="660066"/>
+                </a:solidFill>
+              </a:rPr>
+              <a:t>Open the </a:t>
+            </a:r>
+            <a:r>
+              <a:rPr lang="en-US" sz="2800" dirty="0" err="1">
+                <a:solidFill>
+                  <a:srgbClr val="660066"/>
+                </a:solidFill>
+              </a:rPr>
+              <a:t>Template.rmd</a:t>
+            </a:r>
+            <a:r>
+              <a:rPr lang="en-US" sz="2800" dirty="0">
+                <a:solidFill>
+                  <a:srgbClr val="660066"/>
+                </a:solidFill>
+              </a:rPr>
+              <a:t> File from the Unzipped Folder</a:t>
+            </a:r>
+          </a:p>
+          <a:p>
+            <a:pPr marL="457200" indent="-457200">
               <a:buFont typeface="Arial" panose="020B0604020202020204" pitchFamily="34" charset="0"/>
               <a:buChar char="•"/>
             </a:pPr>
@@ -8243,14 +10159,21 @@
             </a:endParaRPr>
           </a:p>
           <a:p>
-            <a:endParaRPr lang="en-US" sz="2800" dirty="0">
-              <a:solidFill>
-                <a:srgbClr val="660066"/>
-              </a:solidFill>
-            </a:endParaRPr>
-          </a:p>
-          <a:p>
-            <a:pPr marL="685800" indent="-685800">
+            <a:pPr marL="457200" indent="-457200">
+              <a:buFont typeface="Arial" panose="020B0604020202020204" pitchFamily="34" charset="0"/>
+              <a:buChar char="•"/>
+            </a:pPr>
+            <a:r>
+              <a:rPr lang="en-US" sz="2800" dirty="0">
+                <a:solidFill>
+                  <a:srgbClr val="660066"/>
+                </a:solidFill>
+              </a:rPr>
+              <a:t>Install Mosaic Package</a:t>
+            </a:r>
+          </a:p>
+          <a:p>
+            <a:pPr marL="457200" indent="-457200">
               <a:buFont typeface="Arial" panose="020B0604020202020204" pitchFamily="34" charset="0"/>
               <a:buChar char="•"/>
             </a:pPr>
@@ -8261,56 +10184,25 @@
             </a:endParaRPr>
           </a:p>
           <a:p>
+            <a:pPr marL="457200" indent="-457200">
+              <a:buFont typeface="Arial" panose="020B0604020202020204" pitchFamily="34" charset="0"/>
+              <a:buChar char="•"/>
+            </a:pPr>
             <a:r>
               <a:rPr lang="en-US" sz="2800" dirty="0">
                 <a:solidFill>
                   <a:srgbClr val="660066"/>
                 </a:solidFill>
               </a:rPr>
-              <a:t>Any interesting questions about LEGO we may want to answer?</a:t>
-            </a:r>
-          </a:p>
-        </p:txBody>
-      </p:sp>
-      <p:pic>
-        <p:nvPicPr>
-          <p:cNvPr id="4" name="Picture 3">
-            <a:extLst>
-              <a:ext uri="{FF2B5EF4-FFF2-40B4-BE49-F238E27FC236}">
-                <a16:creationId xmlns:a16="http://schemas.microsoft.com/office/drawing/2014/main" id="{C3CBCD0F-55A4-5DC7-3C02-910BA14700F3}"/>
-              </a:ext>
-            </a:extLst>
-          </p:cNvPr>
-          <p:cNvPicPr>
-            <a:picLocks noChangeAspect="1"/>
-          </p:cNvPicPr>
-          <p:nvPr/>
-        </p:nvPicPr>
-        <p:blipFill>
-          <a:blip r:embed="rId3"/>
-          <a:stretch>
-            <a:fillRect/>
-          </a:stretch>
-        </p:blipFill>
-        <p:spPr>
-          <a:xfrm>
-            <a:off x="756780" y="2979947"/>
-            <a:ext cx="10678440" cy="2386946"/>
-          </a:xfrm>
-          <a:prstGeom prst="rect">
-            <a:avLst/>
-          </a:prstGeom>
-          <a:ln w="28575">
-            <a:solidFill>
-              <a:srgbClr val="660066"/>
-            </a:solidFill>
-          </a:ln>
-        </p:spPr>
-      </p:pic>
+              <a:t>Run First Two Code Chunks and View Dataset</a:t>
+            </a:r>
+          </a:p>
+        </p:txBody>
+      </p:sp>
     </p:spTree>
     <p:extLst>
       <p:ext uri="{BB962C8B-B14F-4D97-AF65-F5344CB8AC3E}">
-        <p14:creationId xmlns:p14="http://schemas.microsoft.com/office/powerpoint/2010/main" val="1978787897"/>
+        <p14:creationId xmlns:p14="http://schemas.microsoft.com/office/powerpoint/2010/main" val="3125860385"/>
       </p:ext>
     </p:extLst>
   </p:cSld>
@@ -8483,10 +10375,11 @@
                 <a:solidFill>
                   <a:srgbClr val="2D3A37"/>
                 </a:solidFill>
+                <a:effectLst/>
                 <a:latin typeface="Adobe Devanagari" panose="02040503050201020203" pitchFamily="18" charset="0"/>
                 <a:cs typeface="Adobe Devanagari" panose="02040503050201020203" pitchFamily="18" charset="0"/>
               </a:rPr>
-              <a:t>Models Help Us…</a:t>
+              <a:t>Example: LEGO</a:t>
             </a:r>
             <a:endParaRPr lang="en-US" sz="4800" dirty="0">
               <a:solidFill>
@@ -8511,7 +10404,7 @@
         <p:spPr>
           <a:xfrm>
             <a:off x="495300" y="1977074"/>
-            <a:ext cx="11201400" cy="2009061"/>
+            <a:ext cx="11201400" cy="578882"/>
           </a:xfrm>
           <a:prstGeom prst="roundRect">
             <a:avLst/>
@@ -8545,6 +10438,2246 @@
           </a:bodyPr>
           <a:lstStyle/>
           <a:p>
+            <a:r>
+              <a:rPr lang="en-US" sz="2800" dirty="0">
+                <a:solidFill>
+                  <a:srgbClr val="660066"/>
+                </a:solidFill>
+              </a:rPr>
+              <a:t>Variable of Interest: Amazon Price</a:t>
+            </a:r>
+          </a:p>
+        </p:txBody>
+      </p:sp>
+      <p:sp>
+        <p:nvSpPr>
+          <p:cNvPr id="3" name="TextBox 2">
+            <a:extLst>
+              <a:ext uri="{FF2B5EF4-FFF2-40B4-BE49-F238E27FC236}">
+                <a16:creationId xmlns:a16="http://schemas.microsoft.com/office/drawing/2014/main" id="{D1310D5A-472C-664C-76EE-BF6CBBE82489}"/>
+              </a:ext>
+            </a:extLst>
+          </p:cNvPr>
+          <p:cNvSpPr txBox="1"/>
+          <p:nvPr/>
+        </p:nvSpPr>
+        <p:spPr>
+          <a:xfrm>
+            <a:off x="495300" y="2717371"/>
+            <a:ext cx="11201400" cy="2009061"/>
+          </a:xfrm>
+          <a:prstGeom prst="roundRect">
+            <a:avLst/>
+          </a:prstGeom>
+          <a:solidFill>
+            <a:schemeClr val="bg1"/>
+          </a:solidFill>
+          <a:ln w="76200">
+            <a:solidFill>
+              <a:srgbClr val="FFC416"/>
+            </a:solidFill>
+          </a:ln>
+        </p:spPr>
+        <p:style>
+          <a:lnRef idx="2">
+            <a:schemeClr val="dk1"/>
+          </a:lnRef>
+          <a:fillRef idx="1">
+            <a:schemeClr val="lt1"/>
+          </a:fillRef>
+          <a:effectRef idx="0">
+            <a:schemeClr val="dk1"/>
+          </a:effectRef>
+          <a:fontRef idx="minor">
+            <a:schemeClr val="dk1"/>
+          </a:fontRef>
+        </p:style>
+        <p:txBody>
+          <a:bodyPr wrap="square" rtlCol="0">
+            <a:spAutoFit/>
+          </a:bodyPr>
+          <a:lstStyle/>
+          <a:p>
+            <a:r>
+              <a:rPr lang="en-US" sz="2800" dirty="0">
+                <a:solidFill>
+                  <a:srgbClr val="660066"/>
+                </a:solidFill>
+              </a:rPr>
+              <a:t>Question of Interest: </a:t>
+            </a:r>
+          </a:p>
+          <a:p>
+            <a:endParaRPr lang="en-US" sz="2800" dirty="0">
+              <a:solidFill>
+                <a:srgbClr val="660066"/>
+              </a:solidFill>
+            </a:endParaRPr>
+          </a:p>
+          <a:p>
+            <a:r>
+              <a:rPr lang="en-US" sz="2800" i="1" dirty="0">
+                <a:solidFill>
+                  <a:srgbClr val="660066"/>
+                </a:solidFill>
+              </a:rPr>
+              <a:t>How well can we predict the price of a LEGO set on Amazon without knowing any other information?</a:t>
+            </a:r>
+          </a:p>
+        </p:txBody>
+      </p:sp>
+    </p:spTree>
+    <p:extLst>
+      <p:ext uri="{BB962C8B-B14F-4D97-AF65-F5344CB8AC3E}">
+        <p14:creationId xmlns:p14="http://schemas.microsoft.com/office/powerpoint/2010/main" val="1978787897"/>
+      </p:ext>
+    </p:extLst>
+  </p:cSld>
+  <p:clrMapOvr>
+    <a:masterClrMapping/>
+  </p:clrMapOvr>
+</p:sld>
+</file>
+
+<file path=ppt/slides/slide5.xml><?xml version="1.0" encoding="utf-8"?>
+<p:sld xmlns:a="http://schemas.openxmlformats.org/drawingml/2006/main" xmlns:r="http://schemas.openxmlformats.org/officeDocument/2006/relationships" xmlns:p="http://schemas.openxmlformats.org/presentationml/2006/main">
+  <p:cSld>
+    <p:spTree>
+      <p:nvGrpSpPr>
+        <p:cNvPr id="1" name=""/>
+        <p:cNvGrpSpPr/>
+        <p:nvPr/>
+      </p:nvGrpSpPr>
+      <p:grpSpPr>
+        <a:xfrm>
+          <a:off x="0" y="0"/>
+          <a:ext cx="0" cy="0"/>
+          <a:chOff x="0" y="0"/>
+          <a:chExt cx="0" cy="0"/>
+        </a:xfrm>
+      </p:grpSpPr>
+      <p:pic>
+        <p:nvPicPr>
+          <p:cNvPr id="2" name="Picture 10" descr="Mario Pattern">
+            <a:extLst>
+              <a:ext uri="{FF2B5EF4-FFF2-40B4-BE49-F238E27FC236}">
+                <a16:creationId xmlns:a16="http://schemas.microsoft.com/office/drawing/2014/main" id="{8F84FFD9-23AF-75F7-6DAA-904525952142}"/>
+              </a:ext>
+            </a:extLst>
+          </p:cNvPr>
+          <p:cNvPicPr>
+            <a:picLocks noChangeAspect="1" noChangeArrowheads="1"/>
+          </p:cNvPicPr>
+          <p:nvPr/>
+        </p:nvPicPr>
+        <p:blipFill rotWithShape="1">
+          <a:blip r:embed="rId2">
+            <a:alphaModFix amt="47000"/>
+            <a:extLst>
+              <a:ext uri="{28A0092B-C50C-407E-A947-70E740481C1C}">
+                <a14:useLocalDpi xmlns:a14="http://schemas.microsoft.com/office/drawing/2010/main" val="0"/>
+              </a:ext>
+            </a:extLst>
+          </a:blip>
+          <a:srcRect l="4595" r="6699"/>
+          <a:stretch/>
+        </p:blipFill>
+        <p:spPr bwMode="auto">
+          <a:xfrm>
+            <a:off x="0" y="-2057400"/>
+            <a:ext cx="12192000" cy="10308201"/>
+          </a:xfrm>
+          <a:prstGeom prst="rect">
+            <a:avLst/>
+          </a:prstGeom>
+          <a:noFill/>
+          <a:extLst>
+            <a:ext uri="{909E8E84-426E-40DD-AFC4-6F175D3DCCD1}">
+              <a14:hiddenFill xmlns:a14="http://schemas.microsoft.com/office/drawing/2010/main">
+                <a:solidFill>
+                  <a:srgbClr val="FFFFFF"/>
+                </a:solidFill>
+              </a14:hiddenFill>
+            </a:ext>
+          </a:extLst>
+        </p:spPr>
+      </p:pic>
+      <p:sp>
+        <p:nvSpPr>
+          <p:cNvPr id="12" name="Line 11"/>
+          <p:cNvSpPr>
+            <a:spLocks noChangeShapeType="1"/>
+          </p:cNvSpPr>
+          <p:nvPr/>
+        </p:nvSpPr>
+        <p:spPr bwMode="auto">
+          <a:xfrm flipV="1">
+            <a:off x="6972300" y="5109836"/>
+            <a:ext cx="609600" cy="533400"/>
+          </a:xfrm>
+          <a:prstGeom prst="line">
+            <a:avLst/>
+          </a:prstGeom>
+          <a:noFill/>
+          <a:ln w="38100">
+            <a:solidFill>
+              <a:srgbClr val="FFFF66"/>
+            </a:solidFill>
+            <a:round/>
+            <a:headEnd/>
+            <a:tailEnd type="triangle" w="med" len="med"/>
+          </a:ln>
+          <a:extLst>
+            <a:ext uri="{909E8E84-426E-40DD-AFC4-6F175D3DCCD1}">
+              <a14:hiddenFill xmlns:a14="http://schemas.microsoft.com/office/drawing/2010/main">
+                <a:noFill/>
+              </a14:hiddenFill>
+            </a:ext>
+          </a:extLst>
+        </p:spPr>
+        <p:txBody>
+          <a:bodyPr wrap="square">
+            <a:spAutoFit/>
+          </a:bodyPr>
+          <a:lstStyle/>
+          <a:p>
+            <a:endParaRPr lang="en-US"/>
+          </a:p>
+        </p:txBody>
+      </p:sp>
+      <p:sp>
+        <p:nvSpPr>
+          <p:cNvPr id="6" name="TextBox 5">
+            <a:extLst>
+              <a:ext uri="{FF2B5EF4-FFF2-40B4-BE49-F238E27FC236}">
+                <a16:creationId xmlns:a16="http://schemas.microsoft.com/office/drawing/2014/main" id="{4F2DA592-D8EB-70BA-2112-6C13A4E7B393}"/>
+              </a:ext>
+            </a:extLst>
+          </p:cNvPr>
+          <p:cNvSpPr txBox="1"/>
+          <p:nvPr/>
+        </p:nvSpPr>
+        <p:spPr>
+          <a:xfrm>
+            <a:off x="495300" y="606817"/>
+            <a:ext cx="11201400" cy="919401"/>
+          </a:xfrm>
+          <a:prstGeom prst="roundRect">
+            <a:avLst/>
+          </a:prstGeom>
+          <a:solidFill>
+            <a:schemeClr val="bg1">
+              <a:alpha val="70000"/>
+            </a:schemeClr>
+          </a:solidFill>
+          <a:ln w="76200">
+            <a:solidFill>
+              <a:srgbClr val="FFC416"/>
+            </a:solidFill>
+          </a:ln>
+        </p:spPr>
+        <p:style>
+          <a:lnRef idx="2">
+            <a:schemeClr val="dk1"/>
+          </a:lnRef>
+          <a:fillRef idx="1">
+            <a:schemeClr val="lt1"/>
+          </a:fillRef>
+          <a:effectRef idx="0">
+            <a:schemeClr val="dk1"/>
+          </a:effectRef>
+          <a:fontRef idx="minor">
+            <a:schemeClr val="dk1"/>
+          </a:fontRef>
+        </p:style>
+        <p:txBody>
+          <a:bodyPr wrap="square" rtlCol="0">
+            <a:spAutoFit/>
+          </a:bodyPr>
+          <a:lstStyle/>
+          <a:p>
+            <a:pPr algn="ctr"/>
+            <a:r>
+              <a:rPr lang="en-US" sz="4800" b="1" dirty="0">
+                <a:solidFill>
+                  <a:srgbClr val="2D3A37"/>
+                </a:solidFill>
+                <a:latin typeface="Adobe Devanagari" panose="02040503050201020203" pitchFamily="18" charset="0"/>
+                <a:cs typeface="Adobe Devanagari" panose="02040503050201020203" pitchFamily="18" charset="0"/>
+              </a:rPr>
+              <a:t>Form of Model</a:t>
+            </a:r>
+            <a:endParaRPr lang="en-US" sz="4800" dirty="0">
+              <a:solidFill>
+                <a:srgbClr val="2D3A37"/>
+              </a:solidFill>
+            </a:endParaRPr>
+          </a:p>
+        </p:txBody>
+      </p:sp>
+      <mc:AlternateContent xmlns:mc="http://schemas.openxmlformats.org/markup-compatibility/2006">
+        <mc:Choice xmlns:a14="http://schemas.microsoft.com/office/drawing/2010/main" Requires="a14">
+          <p:sp>
+            <p:nvSpPr>
+              <p:cNvPr id="3" name="TextBox 2">
+                <a:extLst>
+                  <a:ext uri="{FF2B5EF4-FFF2-40B4-BE49-F238E27FC236}">
+                    <a16:creationId xmlns:a16="http://schemas.microsoft.com/office/drawing/2014/main" id="{D1310D5A-472C-664C-76EE-BF6CBBE82489}"/>
+                  </a:ext>
+                </a:extLst>
+              </p:cNvPr>
+              <p:cNvSpPr txBox="1"/>
+              <p:nvPr/>
+            </p:nvSpPr>
+            <p:spPr>
+              <a:xfrm>
+                <a:off x="481445" y="1838337"/>
+                <a:ext cx="11201400" cy="4926455"/>
+              </a:xfrm>
+              <a:prstGeom prst="roundRect">
+                <a:avLst/>
+              </a:prstGeom>
+              <a:solidFill>
+                <a:schemeClr val="bg1"/>
+              </a:solidFill>
+              <a:ln w="76200">
+                <a:solidFill>
+                  <a:srgbClr val="FFC416"/>
+                </a:solidFill>
+              </a:ln>
+            </p:spPr>
+            <p:style>
+              <a:lnRef idx="2">
+                <a:schemeClr val="dk1"/>
+              </a:lnRef>
+              <a:fillRef idx="1">
+                <a:schemeClr val="lt1"/>
+              </a:fillRef>
+              <a:effectRef idx="0">
+                <a:schemeClr val="dk1"/>
+              </a:effectRef>
+              <a:fontRef idx="minor">
+                <a:schemeClr val="dk1"/>
+              </a:fontRef>
+            </p:style>
+            <p:txBody>
+              <a:bodyPr wrap="square" rtlCol="0">
+                <a:spAutoFit/>
+              </a:bodyPr>
+              <a:lstStyle/>
+              <a:p>
+                <a:r>
+                  <a:rPr lang="en-US" sz="2800" dirty="0">
+                    <a:solidFill>
+                      <a:srgbClr val="660066"/>
+                    </a:solidFill>
+                  </a:rPr>
+                  <a:t>Constant Model:</a:t>
+                </a:r>
+              </a:p>
+              <a:p>
+                <a:endParaRPr lang="en-US" sz="2800" dirty="0">
+                  <a:solidFill>
+                    <a:srgbClr val="660066"/>
+                  </a:solidFill>
+                </a:endParaRPr>
+              </a:p>
+              <a:p>
+                <a:endParaRPr lang="en-US" sz="2800" dirty="0">
+                  <a:solidFill>
+                    <a:srgbClr val="660066"/>
+                  </a:solidFill>
+                </a:endParaRPr>
+              </a:p>
+              <a:p>
+                <a:endParaRPr lang="en-US" sz="2800" dirty="0">
+                  <a:solidFill>
+                    <a:srgbClr val="660066"/>
+                  </a:solidFill>
+                </a:endParaRPr>
+              </a:p>
+              <a:p>
+                <a:r>
+                  <a:rPr lang="en-US" sz="2800" dirty="0">
+                    <a:solidFill>
+                      <a:srgbClr val="660066"/>
+                    </a:solidFill>
+                  </a:rPr>
+                  <a:t>The constant </a:t>
+                </a:r>
+                <a:r>
+                  <a:rPr lang="en-US" sz="2800" b="1" i="1" dirty="0">
+                    <a:solidFill>
+                      <a:srgbClr val="660066"/>
+                    </a:solidFill>
+                  </a:rPr>
+                  <a:t>c </a:t>
+                </a:r>
+                <a:r>
+                  <a:rPr lang="en-US" sz="2800" dirty="0">
+                    <a:solidFill>
+                      <a:srgbClr val="660066"/>
+                    </a:solidFill>
+                  </a:rPr>
+                  <a:t>is called a </a:t>
+                </a:r>
+                <a:r>
+                  <a:rPr lang="en-US" sz="2800" u="sng" dirty="0">
+                    <a:solidFill>
+                      <a:srgbClr val="660066"/>
+                    </a:solidFill>
+                  </a:rPr>
+                  <a:t>parameter</a:t>
+                </a:r>
+              </a:p>
+              <a:p>
+                <a:endParaRPr lang="en-US" sz="2800" dirty="0">
+                  <a:solidFill>
+                    <a:srgbClr val="660066"/>
+                  </a:solidFill>
+                </a:endParaRPr>
+              </a:p>
+              <a:p>
+                <a:r>
+                  <a:rPr lang="en-US" sz="2800" dirty="0">
+                    <a:solidFill>
+                      <a:srgbClr val="660066"/>
+                    </a:solidFill>
+                  </a:rPr>
+                  <a:t>We use data to replace the unknown </a:t>
+                </a:r>
+                <a:r>
+                  <a:rPr lang="en-US" sz="2800" b="1" i="1" dirty="0">
+                    <a:solidFill>
+                      <a:srgbClr val="660066"/>
+                    </a:solidFill>
+                  </a:rPr>
+                  <a:t>c </a:t>
+                </a:r>
+                <a:r>
+                  <a:rPr lang="en-US" sz="2800" dirty="0">
+                    <a:solidFill>
+                      <a:srgbClr val="660066"/>
+                    </a:solidFill>
+                  </a:rPr>
+                  <a:t>with a </a:t>
+                </a:r>
+                <a:r>
+                  <a:rPr lang="en-US" sz="2800" u="sng" dirty="0">
+                    <a:solidFill>
+                      <a:srgbClr val="660066"/>
+                    </a:solidFill>
+                  </a:rPr>
+                  <a:t>sample estimate</a:t>
+                </a:r>
+                <a:r>
+                  <a:rPr lang="en-US" sz="2800" dirty="0">
+                    <a:solidFill>
+                      <a:srgbClr val="660066"/>
+                    </a:solidFill>
+                  </a:rPr>
+                  <a:t> </a:t>
+                </a:r>
+                <a14:m>
+                  <m:oMath xmlns:m="http://schemas.openxmlformats.org/officeDocument/2006/math">
+                    <m:acc>
+                      <m:accPr>
+                        <m:chr m:val="̂"/>
+                        <m:ctrlPr>
+                          <a:rPr lang="en-US" sz="2800" b="1" i="1" smtClean="0">
+                            <a:solidFill>
+                              <a:srgbClr val="660066"/>
+                            </a:solidFill>
+                            <a:latin typeface="Cambria Math" panose="02040503050406030204" pitchFamily="18" charset="0"/>
+                          </a:rPr>
+                        </m:ctrlPr>
+                      </m:accPr>
+                      <m:e>
+                        <m:r>
+                          <a:rPr lang="en-US" sz="2800" b="1" i="1" smtClean="0">
+                            <a:solidFill>
+                              <a:srgbClr val="660066"/>
+                            </a:solidFill>
+                            <a:latin typeface="Cambria Math" panose="02040503050406030204" pitchFamily="18" charset="0"/>
+                          </a:rPr>
+                          <m:t>𝒄</m:t>
+                        </m:r>
+                      </m:e>
+                    </m:acc>
+                  </m:oMath>
+                </a14:m>
+                <a:endParaRPr lang="en-US" sz="2800" b="1" dirty="0">
+                  <a:solidFill>
+                    <a:srgbClr val="660066"/>
+                  </a:solidFill>
+                </a:endParaRPr>
+              </a:p>
+              <a:p>
+                <a:endParaRPr lang="en-US" sz="2800" dirty="0">
+                  <a:solidFill>
+                    <a:srgbClr val="660066"/>
+                  </a:solidFill>
+                </a:endParaRPr>
+              </a:p>
+              <a:p>
+                <a:endParaRPr lang="en-US" sz="2800" dirty="0">
+                  <a:solidFill>
+                    <a:srgbClr val="660066"/>
+                  </a:solidFill>
+                </a:endParaRPr>
+              </a:p>
+              <a:p>
+                <a:endParaRPr lang="en-US" sz="2800" dirty="0">
+                  <a:solidFill>
+                    <a:srgbClr val="660066"/>
+                  </a:solidFill>
+                </a:endParaRPr>
+              </a:p>
+            </p:txBody>
+          </p:sp>
+        </mc:Choice>
+        <mc:Fallback>
+          <p:sp>
+            <p:nvSpPr>
+              <p:cNvPr id="3" name="TextBox 2">
+                <a:extLst>
+                  <a:ext uri="{FF2B5EF4-FFF2-40B4-BE49-F238E27FC236}">
+                    <a16:creationId xmlns:a16="http://schemas.microsoft.com/office/drawing/2014/main" id="{D1310D5A-472C-664C-76EE-BF6CBBE82489}"/>
+                  </a:ext>
+                </a:extLst>
+              </p:cNvPr>
+              <p:cNvSpPr txBox="1">
+                <a:spLocks noRot="1" noChangeAspect="1" noMove="1" noResize="1" noEditPoints="1" noAdjustHandles="1" noChangeArrowheads="1" noChangeShapeType="1" noTextEdit="1"/>
+              </p:cNvSpPr>
+              <p:nvPr/>
+            </p:nvSpPr>
+            <p:spPr>
+              <a:xfrm>
+                <a:off x="481445" y="1838337"/>
+                <a:ext cx="11201400" cy="4926455"/>
+              </a:xfrm>
+              <a:prstGeom prst="roundRect">
+                <a:avLst/>
+              </a:prstGeom>
+              <a:blipFill>
+                <a:blip r:embed="rId3"/>
+                <a:stretch>
+                  <a:fillRect/>
+                </a:stretch>
+              </a:blipFill>
+              <a:ln w="76200">
+                <a:solidFill>
+                  <a:srgbClr val="FFC416"/>
+                </a:solidFill>
+              </a:ln>
+            </p:spPr>
+            <p:txBody>
+              <a:bodyPr/>
+              <a:lstStyle/>
+              <a:p>
+                <a:r>
+                  <a:rPr lang="en-US">
+                    <a:noFill/>
+                  </a:rPr>
+                  <a:t> </a:t>
+                </a:r>
+              </a:p>
+            </p:txBody>
+          </p:sp>
+        </mc:Fallback>
+      </mc:AlternateContent>
+      <p:graphicFrame>
+        <p:nvGraphicFramePr>
+          <p:cNvPr id="4" name="Object 3">
+            <a:extLst>
+              <a:ext uri="{FF2B5EF4-FFF2-40B4-BE49-F238E27FC236}">
+                <a16:creationId xmlns:a16="http://schemas.microsoft.com/office/drawing/2014/main" id="{C12DFBCB-3C0D-D4A7-809D-79F69F19F1CB}"/>
+              </a:ext>
+            </a:extLst>
+          </p:cNvPr>
+          <p:cNvGraphicFramePr>
+            <a:graphicFrameLocks noChangeAspect="1"/>
+          </p:cNvGraphicFramePr>
+          <p:nvPr>
+            <p:extLst>
+              <p:ext uri="{D42A27DB-BD31-4B8C-83A1-F6EECF244321}">
+                <p14:modId xmlns:p14="http://schemas.microsoft.com/office/powerpoint/2010/main" val="942886677"/>
+              </p:ext>
+            </p:extLst>
+          </p:nvPr>
+        </p:nvGraphicFramePr>
+        <p:xfrm>
+          <a:off x="4229893" y="2311930"/>
+          <a:ext cx="3732213" cy="1084263"/>
+        </p:xfrm>
+        <a:graphic>
+          <a:graphicData uri="http://schemas.openxmlformats.org/presentationml/2006/ole">
+            <mc:AlternateContent xmlns:mc="http://schemas.openxmlformats.org/markup-compatibility/2006">
+              <mc:Choice xmlns:v="urn:schemas-microsoft-com:vml" Requires="v">
+                <p:oleObj name="Equation" r:id="rId4" imgW="583920" imgH="177480" progId="Equation.3">
+                  <p:embed/>
+                </p:oleObj>
+              </mc:Choice>
+              <mc:Fallback>
+                <p:oleObj name="Equation" r:id="rId4" imgW="583920" imgH="177480" progId="Equation.3">
+                  <p:embed/>
+                  <p:pic>
+                    <p:nvPicPr>
+                      <p:cNvPr id="34819" name="Object 3"/>
+                      <p:cNvPicPr>
+                        <a:picLocks noChangeAspect="1" noChangeArrowheads="1"/>
+                      </p:cNvPicPr>
+                      <p:nvPr/>
+                    </p:nvPicPr>
+                    <p:blipFill>
+                      <a:blip r:embed="rId5">
+                        <a:extLst>
+                          <a:ext uri="{28A0092B-C50C-407E-A947-70E740481C1C}">
+                            <a14:useLocalDpi xmlns:a14="http://schemas.microsoft.com/office/drawing/2010/main" val="0"/>
+                          </a:ext>
+                        </a:extLst>
+                      </a:blip>
+                      <a:srcRect/>
+                      <a:stretch>
+                        <a:fillRect/>
+                      </a:stretch>
+                    </p:blipFill>
+                    <p:spPr bwMode="auto">
+                      <a:xfrm>
+                        <a:off x="4229893" y="2311930"/>
+                        <a:ext cx="3732213" cy="1084263"/>
+                      </a:xfrm>
+                      <a:prstGeom prst="rect">
+                        <a:avLst/>
+                      </a:prstGeom>
+                      <a:solidFill>
+                        <a:schemeClr val="bg1"/>
+                      </a:solidFill>
+                      <a:ln>
+                        <a:noFill/>
+                      </a:ln>
+                      <a:effectLst/>
+                      <a:extLst>
+                        <a:ext uri="{91240B29-F687-4F45-9708-019B960494DF}">
+                          <a14:hiddenLine xmlns:a14="http://schemas.microsoft.com/office/drawing/2010/main" w="9525">
+                            <a:solidFill>
+                              <a:srgbClr val="000000"/>
+                            </a:solidFill>
+                            <a:miter lim="800000"/>
+                            <a:headEnd/>
+                            <a:tailEnd/>
+                          </a14:hiddenLine>
+                        </a:ext>
+                        <a:ext uri="{AF507438-7753-43E0-B8FC-AC1667EBCBE1}">
+                          <a14:hiddenEffects xmlns:a14="http://schemas.microsoft.com/office/drawing/2010/main">
+                            <a:effectLst>
+                              <a:outerShdw dist="35921" dir="2700000" algn="ctr" rotWithShape="0">
+                                <a:srgbClr val="808080"/>
+                              </a:outerShdw>
+                            </a:effectLst>
+                          </a14:hiddenEffects>
+                        </a:ext>
+                      </a:extLst>
+                    </p:spPr>
+                  </p:pic>
+                </p:oleObj>
+              </mc:Fallback>
+            </mc:AlternateContent>
+          </a:graphicData>
+        </a:graphic>
+      </p:graphicFrame>
+    </p:spTree>
+    <p:extLst>
+      <p:ext uri="{BB962C8B-B14F-4D97-AF65-F5344CB8AC3E}">
+        <p14:creationId xmlns:p14="http://schemas.microsoft.com/office/powerpoint/2010/main" val="3766808693"/>
+      </p:ext>
+    </p:extLst>
+  </p:cSld>
+  <p:clrMapOvr>
+    <a:masterClrMapping/>
+  </p:clrMapOvr>
+</p:sld>
+</file>
+
+<file path=ppt/slides/slide6.xml><?xml version="1.0" encoding="utf-8"?>
+<p:sld xmlns:a="http://schemas.openxmlformats.org/drawingml/2006/main" xmlns:r="http://schemas.openxmlformats.org/officeDocument/2006/relationships" xmlns:p="http://schemas.openxmlformats.org/presentationml/2006/main">
+  <p:cSld>
+    <p:spTree>
+      <p:nvGrpSpPr>
+        <p:cNvPr id="1" name=""/>
+        <p:cNvGrpSpPr/>
+        <p:nvPr/>
+      </p:nvGrpSpPr>
+      <p:grpSpPr>
+        <a:xfrm>
+          <a:off x="0" y="0"/>
+          <a:ext cx="0" cy="0"/>
+          <a:chOff x="0" y="0"/>
+          <a:chExt cx="0" cy="0"/>
+        </a:xfrm>
+      </p:grpSpPr>
+      <p:pic>
+        <p:nvPicPr>
+          <p:cNvPr id="2" name="Picture 10" descr="Mario Pattern">
+            <a:extLst>
+              <a:ext uri="{FF2B5EF4-FFF2-40B4-BE49-F238E27FC236}">
+                <a16:creationId xmlns:a16="http://schemas.microsoft.com/office/drawing/2014/main" id="{8F84FFD9-23AF-75F7-6DAA-904525952142}"/>
+              </a:ext>
+            </a:extLst>
+          </p:cNvPr>
+          <p:cNvPicPr>
+            <a:picLocks noChangeAspect="1" noChangeArrowheads="1"/>
+          </p:cNvPicPr>
+          <p:nvPr/>
+        </p:nvPicPr>
+        <p:blipFill rotWithShape="1">
+          <a:blip r:embed="rId2">
+            <a:alphaModFix amt="47000"/>
+            <a:extLst>
+              <a:ext uri="{28A0092B-C50C-407E-A947-70E740481C1C}">
+                <a14:useLocalDpi xmlns:a14="http://schemas.microsoft.com/office/drawing/2010/main" val="0"/>
+              </a:ext>
+            </a:extLst>
+          </a:blip>
+          <a:srcRect l="4595" r="6699"/>
+          <a:stretch/>
+        </p:blipFill>
+        <p:spPr bwMode="auto">
+          <a:xfrm>
+            <a:off x="0" y="-2057400"/>
+            <a:ext cx="12192000" cy="10308201"/>
+          </a:xfrm>
+          <a:prstGeom prst="rect">
+            <a:avLst/>
+          </a:prstGeom>
+          <a:noFill/>
+          <a:extLst>
+            <a:ext uri="{909E8E84-426E-40DD-AFC4-6F175D3DCCD1}">
+              <a14:hiddenFill xmlns:a14="http://schemas.microsoft.com/office/drawing/2010/main">
+                <a:solidFill>
+                  <a:srgbClr val="FFFFFF"/>
+                </a:solidFill>
+              </a14:hiddenFill>
+            </a:ext>
+          </a:extLst>
+        </p:spPr>
+      </p:pic>
+      <p:sp>
+        <p:nvSpPr>
+          <p:cNvPr id="12" name="Line 11"/>
+          <p:cNvSpPr>
+            <a:spLocks noChangeShapeType="1"/>
+          </p:cNvSpPr>
+          <p:nvPr/>
+        </p:nvSpPr>
+        <p:spPr bwMode="auto">
+          <a:xfrm flipV="1">
+            <a:off x="6972300" y="5109836"/>
+            <a:ext cx="609600" cy="533400"/>
+          </a:xfrm>
+          <a:prstGeom prst="line">
+            <a:avLst/>
+          </a:prstGeom>
+          <a:noFill/>
+          <a:ln w="38100">
+            <a:solidFill>
+              <a:srgbClr val="FFFF66"/>
+            </a:solidFill>
+            <a:round/>
+            <a:headEnd/>
+            <a:tailEnd type="triangle" w="med" len="med"/>
+          </a:ln>
+          <a:extLst>
+            <a:ext uri="{909E8E84-426E-40DD-AFC4-6F175D3DCCD1}">
+              <a14:hiddenFill xmlns:a14="http://schemas.microsoft.com/office/drawing/2010/main">
+                <a:noFill/>
+              </a14:hiddenFill>
+            </a:ext>
+          </a:extLst>
+        </p:spPr>
+        <p:txBody>
+          <a:bodyPr wrap="square">
+            <a:spAutoFit/>
+          </a:bodyPr>
+          <a:lstStyle/>
+          <a:p>
+            <a:endParaRPr lang="en-US"/>
+          </a:p>
+        </p:txBody>
+      </p:sp>
+      <p:sp>
+        <p:nvSpPr>
+          <p:cNvPr id="6" name="TextBox 5">
+            <a:extLst>
+              <a:ext uri="{FF2B5EF4-FFF2-40B4-BE49-F238E27FC236}">
+                <a16:creationId xmlns:a16="http://schemas.microsoft.com/office/drawing/2014/main" id="{4F2DA592-D8EB-70BA-2112-6C13A4E7B393}"/>
+              </a:ext>
+            </a:extLst>
+          </p:cNvPr>
+          <p:cNvSpPr txBox="1"/>
+          <p:nvPr/>
+        </p:nvSpPr>
+        <p:spPr>
+          <a:xfrm>
+            <a:off x="495300" y="606817"/>
+            <a:ext cx="11201400" cy="919401"/>
+          </a:xfrm>
+          <a:prstGeom prst="roundRect">
+            <a:avLst/>
+          </a:prstGeom>
+          <a:solidFill>
+            <a:schemeClr val="bg1">
+              <a:alpha val="70000"/>
+            </a:schemeClr>
+          </a:solidFill>
+          <a:ln w="76200">
+            <a:solidFill>
+              <a:srgbClr val="FFC416"/>
+            </a:solidFill>
+          </a:ln>
+        </p:spPr>
+        <p:style>
+          <a:lnRef idx="2">
+            <a:schemeClr val="dk1"/>
+          </a:lnRef>
+          <a:fillRef idx="1">
+            <a:schemeClr val="lt1"/>
+          </a:fillRef>
+          <a:effectRef idx="0">
+            <a:schemeClr val="dk1"/>
+          </a:effectRef>
+          <a:fontRef idx="minor">
+            <a:schemeClr val="dk1"/>
+          </a:fontRef>
+        </p:style>
+        <p:txBody>
+          <a:bodyPr wrap="square" rtlCol="0">
+            <a:spAutoFit/>
+          </a:bodyPr>
+          <a:lstStyle/>
+          <a:p>
+            <a:pPr algn="ctr"/>
+            <a:r>
+              <a:rPr lang="en-US" sz="4800" b="1" dirty="0">
+                <a:solidFill>
+                  <a:srgbClr val="2D3A37"/>
+                </a:solidFill>
+                <a:latin typeface="Adobe Devanagari" panose="02040503050201020203" pitchFamily="18" charset="0"/>
+                <a:cs typeface="Adobe Devanagari" panose="02040503050201020203" pitchFamily="18" charset="0"/>
+              </a:rPr>
+              <a:t>Fitting the Model to Data</a:t>
+            </a:r>
+            <a:endParaRPr lang="en-US" sz="4800" dirty="0">
+              <a:solidFill>
+                <a:srgbClr val="2D3A37"/>
+              </a:solidFill>
+            </a:endParaRPr>
+          </a:p>
+        </p:txBody>
+      </p:sp>
+      <mc:AlternateContent xmlns:mc="http://schemas.openxmlformats.org/markup-compatibility/2006">
+        <mc:Choice xmlns:a14="http://schemas.microsoft.com/office/drawing/2010/main" Requires="a14">
+          <p:sp>
+            <p:nvSpPr>
+              <p:cNvPr id="3" name="TextBox 2">
+                <a:extLst>
+                  <a:ext uri="{FF2B5EF4-FFF2-40B4-BE49-F238E27FC236}">
+                    <a16:creationId xmlns:a16="http://schemas.microsoft.com/office/drawing/2014/main" id="{D1310D5A-472C-664C-76EE-BF6CBBE82489}"/>
+                  </a:ext>
+                </a:extLst>
+              </p:cNvPr>
+              <p:cNvSpPr txBox="1"/>
+              <p:nvPr/>
+            </p:nvSpPr>
+            <p:spPr>
+              <a:xfrm>
+                <a:off x="481445" y="1838337"/>
+                <a:ext cx="11201400" cy="4863247"/>
+              </a:xfrm>
+              <a:prstGeom prst="roundRect">
+                <a:avLst/>
+              </a:prstGeom>
+              <a:solidFill>
+                <a:schemeClr val="bg1"/>
+              </a:solidFill>
+              <a:ln w="76200">
+                <a:solidFill>
+                  <a:srgbClr val="FFC416"/>
+                </a:solidFill>
+              </a:ln>
+            </p:spPr>
+            <p:style>
+              <a:lnRef idx="2">
+                <a:schemeClr val="dk1"/>
+              </a:lnRef>
+              <a:fillRef idx="1">
+                <a:schemeClr val="lt1"/>
+              </a:fillRef>
+              <a:effectRef idx="0">
+                <a:schemeClr val="dk1"/>
+              </a:effectRef>
+              <a:fontRef idx="minor">
+                <a:schemeClr val="dk1"/>
+              </a:fontRef>
+            </p:style>
+            <p:txBody>
+              <a:bodyPr wrap="square" rtlCol="0">
+                <a:spAutoFit/>
+              </a:bodyPr>
+              <a:lstStyle/>
+              <a:p>
+                <a:r>
+                  <a:rPr lang="en-US" sz="2800" dirty="0">
+                    <a:solidFill>
+                      <a:srgbClr val="660066"/>
+                    </a:solidFill>
+                  </a:rPr>
+                  <a:t>For the constant model, if we want to </a:t>
+                </a:r>
+                <a:r>
+                  <a:rPr lang="en-US" sz="2800" u="sng" dirty="0">
+                    <a:solidFill>
+                      <a:srgbClr val="660066"/>
+                    </a:solidFill>
+                  </a:rPr>
+                  <a:t>estimate</a:t>
+                </a:r>
+                <a:r>
+                  <a:rPr lang="en-US" sz="2800" dirty="0">
+                    <a:solidFill>
+                      <a:srgbClr val="660066"/>
+                    </a:solidFill>
+                  </a:rPr>
+                  <a:t> Y, then </a:t>
+                </a:r>
+              </a:p>
+              <a:p>
+                <a:endParaRPr lang="en-US" sz="2800" dirty="0">
+                  <a:solidFill>
+                    <a:srgbClr val="660066"/>
+                  </a:solidFill>
+                </a:endParaRPr>
+              </a:p>
+              <a:p>
+                <a:endParaRPr lang="en-US" sz="2800" dirty="0">
+                  <a:solidFill>
+                    <a:srgbClr val="660066"/>
+                  </a:solidFill>
+                </a:endParaRPr>
+              </a:p>
+              <a:p>
+                <a:r>
+                  <a:rPr lang="en-US" sz="2800" dirty="0">
+                    <a:solidFill>
+                      <a:srgbClr val="660066"/>
+                    </a:solidFill>
+                  </a:rPr>
+                  <a:t>The predicted </a:t>
+                </a:r>
+                <a:r>
+                  <a:rPr lang="en-US" sz="2800" i="1" dirty="0">
+                    <a:solidFill>
+                      <a:srgbClr val="660066"/>
+                    </a:solidFill>
+                  </a:rPr>
+                  <a:t>y</a:t>
+                </a:r>
+                <a:r>
+                  <a:rPr lang="en-US" sz="2800" dirty="0">
+                    <a:solidFill>
+                      <a:srgbClr val="660066"/>
+                    </a:solidFill>
+                  </a:rPr>
+                  <a:t> is denoted </a:t>
+                </a:r>
+                <a14:m>
+                  <m:oMath xmlns:m="http://schemas.openxmlformats.org/officeDocument/2006/math">
+                    <m:acc>
+                      <m:accPr>
+                        <m:chr m:val="̂"/>
+                        <m:ctrlPr>
+                          <a:rPr lang="en-US" sz="2800" b="0" i="1" smtClean="0">
+                            <a:solidFill>
+                              <a:srgbClr val="660066"/>
+                            </a:solidFill>
+                            <a:latin typeface="Cambria Math" panose="02040503050406030204" pitchFamily="18" charset="0"/>
+                          </a:rPr>
+                        </m:ctrlPr>
+                      </m:accPr>
+                      <m:e>
+                        <m:r>
+                          <a:rPr lang="en-US" sz="2800" b="0" i="1" smtClean="0">
+                            <a:solidFill>
+                              <a:srgbClr val="660066"/>
+                            </a:solidFill>
+                            <a:latin typeface="Cambria Math" panose="02040503050406030204" pitchFamily="18" charset="0"/>
+                          </a:rPr>
+                          <m:t>𝑦</m:t>
+                        </m:r>
+                      </m:e>
+                    </m:acc>
+                  </m:oMath>
+                </a14:m>
+                <a:r>
+                  <a:rPr lang="en-US" sz="2800" dirty="0">
+                    <a:solidFill>
+                      <a:srgbClr val="660066"/>
+                    </a:solidFill>
+                  </a:rPr>
+                  <a:t>.</a:t>
+                </a:r>
+              </a:p>
+              <a:p>
+                <a:endParaRPr lang="en-US" sz="2800" dirty="0">
+                  <a:solidFill>
+                    <a:srgbClr val="660066"/>
+                  </a:solidFill>
+                </a:endParaRPr>
+              </a:p>
+              <a:p>
+                <a:r>
+                  <a:rPr lang="en-US" sz="2800" dirty="0">
+                    <a:solidFill>
+                      <a:srgbClr val="660066"/>
+                    </a:solidFill>
+                  </a:rPr>
+                  <a:t>Good choices for </a:t>
+                </a:r>
+                <a14:m>
+                  <m:oMath xmlns:m="http://schemas.openxmlformats.org/officeDocument/2006/math">
+                    <m:acc>
+                      <m:accPr>
+                        <m:chr m:val="̂"/>
+                        <m:ctrlPr>
+                          <a:rPr lang="en-US" sz="2800" b="0" i="1" smtClean="0">
+                            <a:solidFill>
+                              <a:srgbClr val="660066"/>
+                            </a:solidFill>
+                            <a:latin typeface="Cambria Math" panose="02040503050406030204" pitchFamily="18" charset="0"/>
+                          </a:rPr>
+                        </m:ctrlPr>
+                      </m:accPr>
+                      <m:e>
+                        <m:r>
+                          <a:rPr lang="en-US" sz="2800" b="0" i="1" smtClean="0">
+                            <a:solidFill>
+                              <a:srgbClr val="660066"/>
+                            </a:solidFill>
+                            <a:latin typeface="Cambria Math" panose="02040503050406030204" pitchFamily="18" charset="0"/>
+                          </a:rPr>
+                          <m:t>𝑐</m:t>
+                        </m:r>
+                      </m:e>
+                    </m:acc>
+                  </m:oMath>
+                </a14:m>
+                <a:endParaRPr lang="en-US" sz="2800" dirty="0">
+                  <a:solidFill>
+                    <a:srgbClr val="660066"/>
+                  </a:solidFill>
+                </a:endParaRPr>
+              </a:p>
+              <a:p>
+                <a:r>
+                  <a:rPr lang="en-US" sz="2400" dirty="0">
+                    <a:solidFill>
+                      <a:srgbClr val="660066"/>
+                    </a:solidFill>
+                  </a:rPr>
+                  <a:t>	Sample Mean: 	</a:t>
+                </a:r>
+                <a:r>
+                  <a:rPr lang="en-US" sz="2400" b="0" dirty="0">
+                    <a:solidFill>
+                      <a:srgbClr val="660066"/>
+                    </a:solidFill>
+                  </a:rPr>
+                  <a:t> </a:t>
+                </a:r>
+                <a14:m>
+                  <m:oMath xmlns:m="http://schemas.openxmlformats.org/officeDocument/2006/math">
+                    <m:acc>
+                      <m:accPr>
+                        <m:chr m:val="̂"/>
+                        <m:ctrlPr>
+                          <a:rPr lang="en-US" sz="2400" b="0" i="1" smtClean="0">
+                            <a:solidFill>
+                              <a:srgbClr val="660066"/>
+                            </a:solidFill>
+                            <a:latin typeface="Cambria Math" panose="02040503050406030204" pitchFamily="18" charset="0"/>
+                          </a:rPr>
+                        </m:ctrlPr>
+                      </m:accPr>
+                      <m:e>
+                        <m:r>
+                          <a:rPr lang="en-US" sz="2400" b="0" i="1" smtClean="0">
+                            <a:solidFill>
+                              <a:srgbClr val="660066"/>
+                            </a:solidFill>
+                            <a:latin typeface="Cambria Math" panose="02040503050406030204" pitchFamily="18" charset="0"/>
+                          </a:rPr>
+                          <m:t>𝑐</m:t>
+                        </m:r>
+                      </m:e>
+                    </m:acc>
+                    <m:r>
+                      <a:rPr lang="en-US" sz="2400" b="0" i="0" smtClean="0">
+                        <a:solidFill>
+                          <a:srgbClr val="660066"/>
+                        </a:solidFill>
+                        <a:latin typeface="Cambria Math" panose="02040503050406030204" pitchFamily="18" charset="0"/>
+                      </a:rPr>
+                      <m:t>= </m:t>
+                    </m:r>
+                    <m:acc>
+                      <m:accPr>
+                        <m:chr m:val="̅"/>
+                        <m:ctrlPr>
+                          <a:rPr lang="en-US" sz="2400" b="0" i="1" smtClean="0">
+                            <a:solidFill>
+                              <a:srgbClr val="660066"/>
+                            </a:solidFill>
+                            <a:latin typeface="Cambria Math" panose="02040503050406030204" pitchFamily="18" charset="0"/>
+                          </a:rPr>
+                        </m:ctrlPr>
+                      </m:accPr>
+                      <m:e>
+                        <m:r>
+                          <a:rPr lang="en-US" sz="2400" b="0" i="1" smtClean="0">
+                            <a:solidFill>
+                              <a:srgbClr val="660066"/>
+                            </a:solidFill>
+                            <a:latin typeface="Cambria Math" panose="02040503050406030204" pitchFamily="18" charset="0"/>
+                          </a:rPr>
+                          <m:t>𝑦</m:t>
+                        </m:r>
+                      </m:e>
+                    </m:acc>
+                    <m:r>
+                      <a:rPr lang="en-US" sz="2400" b="0" i="1" smtClean="0">
+                        <a:solidFill>
+                          <a:srgbClr val="660066"/>
+                        </a:solidFill>
+                        <a:latin typeface="Cambria Math" panose="02040503050406030204" pitchFamily="18" charset="0"/>
+                      </a:rPr>
+                      <m:t>=</m:t>
+                    </m:r>
+                    <m:f>
+                      <m:fPr>
+                        <m:ctrlPr>
+                          <a:rPr lang="en-US" sz="2400" b="0" i="1" smtClean="0">
+                            <a:solidFill>
+                              <a:srgbClr val="660066"/>
+                            </a:solidFill>
+                            <a:latin typeface="Cambria Math" panose="02040503050406030204" pitchFamily="18" charset="0"/>
+                          </a:rPr>
+                        </m:ctrlPr>
+                      </m:fPr>
+                      <m:num>
+                        <m:nary>
+                          <m:naryPr>
+                            <m:chr m:val="∑"/>
+                            <m:subHide m:val="on"/>
+                            <m:supHide m:val="on"/>
+                            <m:ctrlPr>
+                              <a:rPr lang="en-US" sz="2400" b="0" i="1" smtClean="0">
+                                <a:solidFill>
+                                  <a:srgbClr val="660066"/>
+                                </a:solidFill>
+                                <a:latin typeface="Cambria Math" panose="02040503050406030204" pitchFamily="18" charset="0"/>
+                              </a:rPr>
+                            </m:ctrlPr>
+                          </m:naryPr>
+                          <m:sub/>
+                          <m:sup/>
+                          <m:e>
+                            <m:sSub>
+                              <m:sSubPr>
+                                <m:ctrlPr>
+                                  <a:rPr lang="en-US" sz="2400" b="0" i="1" smtClean="0">
+                                    <a:solidFill>
+                                      <a:srgbClr val="660066"/>
+                                    </a:solidFill>
+                                    <a:latin typeface="Cambria Math" panose="02040503050406030204" pitchFamily="18" charset="0"/>
+                                  </a:rPr>
+                                </m:ctrlPr>
+                              </m:sSubPr>
+                              <m:e>
+                                <m:r>
+                                  <a:rPr lang="en-US" sz="2400" b="0" i="1" smtClean="0">
+                                    <a:solidFill>
+                                      <a:srgbClr val="660066"/>
+                                    </a:solidFill>
+                                    <a:latin typeface="Cambria Math" panose="02040503050406030204" pitchFamily="18" charset="0"/>
+                                  </a:rPr>
+                                  <m:t>𝑦</m:t>
+                                </m:r>
+                              </m:e>
+                              <m:sub>
+                                <m:r>
+                                  <a:rPr lang="en-US" sz="2400" b="0" i="1" smtClean="0">
+                                    <a:solidFill>
+                                      <a:srgbClr val="660066"/>
+                                    </a:solidFill>
+                                    <a:latin typeface="Cambria Math" panose="02040503050406030204" pitchFamily="18" charset="0"/>
+                                  </a:rPr>
+                                  <m:t>𝑖</m:t>
+                                </m:r>
+                              </m:sub>
+                            </m:sSub>
+                          </m:e>
+                        </m:nary>
+                      </m:num>
+                      <m:den>
+                        <m:r>
+                          <a:rPr lang="en-US" sz="2400" b="0" i="1" smtClean="0">
+                            <a:solidFill>
+                              <a:srgbClr val="660066"/>
+                            </a:solidFill>
+                            <a:latin typeface="Cambria Math" panose="02040503050406030204" pitchFamily="18" charset="0"/>
+                          </a:rPr>
+                          <m:t>𝑛</m:t>
+                        </m:r>
+                      </m:den>
+                    </m:f>
+                  </m:oMath>
+                </a14:m>
+                <a:endParaRPr lang="en-US" sz="2400" dirty="0">
+                  <a:solidFill>
+                    <a:srgbClr val="660066"/>
+                  </a:solidFill>
+                </a:endParaRPr>
+              </a:p>
+              <a:p>
+                <a:r>
+                  <a:rPr lang="en-US" sz="2400" dirty="0">
+                    <a:solidFill>
+                      <a:srgbClr val="660066"/>
+                    </a:solidFill>
+                  </a:rPr>
+                  <a:t>	Sample Median: 	 </a:t>
+                </a:r>
+                <a14:m>
+                  <m:oMath xmlns:m="http://schemas.openxmlformats.org/officeDocument/2006/math">
+                    <m:acc>
+                      <m:accPr>
+                        <m:chr m:val="̂"/>
+                        <m:ctrlPr>
+                          <a:rPr lang="en-US" sz="2400" b="0" i="1" smtClean="0">
+                            <a:solidFill>
+                              <a:srgbClr val="660066"/>
+                            </a:solidFill>
+                            <a:latin typeface="Cambria Math" panose="02040503050406030204" pitchFamily="18" charset="0"/>
+                          </a:rPr>
+                        </m:ctrlPr>
+                      </m:accPr>
+                      <m:e>
+                        <m:r>
+                          <a:rPr lang="en-US" sz="2400" b="0" i="1" smtClean="0">
+                            <a:solidFill>
+                              <a:srgbClr val="660066"/>
+                            </a:solidFill>
+                            <a:latin typeface="Cambria Math" panose="02040503050406030204" pitchFamily="18" charset="0"/>
+                          </a:rPr>
+                          <m:t>𝑐</m:t>
+                        </m:r>
+                      </m:e>
+                    </m:acc>
+                    <m:r>
+                      <a:rPr lang="en-US" sz="2400" b="0" i="0" smtClean="0">
+                        <a:solidFill>
+                          <a:srgbClr val="660066"/>
+                        </a:solidFill>
+                        <a:latin typeface="Cambria Math" panose="02040503050406030204" pitchFamily="18" charset="0"/>
+                      </a:rPr>
+                      <m:t>=</m:t>
+                    </m:r>
+                    <m:sSub>
+                      <m:sSubPr>
+                        <m:ctrlPr>
+                          <a:rPr lang="en-US" sz="2400" b="0" i="1" smtClean="0">
+                            <a:solidFill>
+                              <a:srgbClr val="660066"/>
+                            </a:solidFill>
+                            <a:latin typeface="Cambria Math" panose="02040503050406030204" pitchFamily="18" charset="0"/>
+                          </a:rPr>
+                        </m:ctrlPr>
+                      </m:sSubPr>
+                      <m:e>
+                        <m:r>
+                          <a:rPr lang="en-US" sz="2400" b="0" i="1" smtClean="0">
+                            <a:solidFill>
+                              <a:srgbClr val="660066"/>
+                            </a:solidFill>
+                            <a:latin typeface="Cambria Math" panose="02040503050406030204" pitchFamily="18" charset="0"/>
+                          </a:rPr>
+                          <m:t>𝑚</m:t>
+                        </m:r>
+                      </m:e>
+                      <m:sub>
+                        <m:r>
+                          <a:rPr lang="en-US" sz="2400" b="0" i="1" smtClean="0">
+                            <a:solidFill>
+                              <a:srgbClr val="660066"/>
+                            </a:solidFill>
+                            <a:latin typeface="Cambria Math" panose="02040503050406030204" pitchFamily="18" charset="0"/>
+                          </a:rPr>
+                          <m:t>𝑌</m:t>
+                        </m:r>
+                      </m:sub>
+                    </m:sSub>
+                  </m:oMath>
+                </a14:m>
+                <a:endParaRPr lang="en-US" sz="2400" b="0" dirty="0">
+                  <a:solidFill>
+                    <a:srgbClr val="660066"/>
+                  </a:solidFill>
+                </a:endParaRPr>
+              </a:p>
+              <a:p>
+                <a:endParaRPr lang="en-US" sz="2400" dirty="0">
+                  <a:solidFill>
+                    <a:srgbClr val="660066"/>
+                  </a:solidFill>
+                </a:endParaRPr>
+              </a:p>
+              <a:p>
+                <a:r>
+                  <a:rPr lang="en-US" sz="2800" dirty="0">
+                    <a:solidFill>
+                      <a:srgbClr val="660066"/>
+                    </a:solidFill>
+                  </a:rPr>
+                  <a:t>	</a:t>
+                </a:r>
+              </a:p>
+            </p:txBody>
+          </p:sp>
+        </mc:Choice>
+        <mc:Fallback>
+          <p:sp>
+            <p:nvSpPr>
+              <p:cNvPr id="3" name="TextBox 2">
+                <a:extLst>
+                  <a:ext uri="{FF2B5EF4-FFF2-40B4-BE49-F238E27FC236}">
+                    <a16:creationId xmlns:a16="http://schemas.microsoft.com/office/drawing/2014/main" id="{D1310D5A-472C-664C-76EE-BF6CBBE82489}"/>
+                  </a:ext>
+                </a:extLst>
+              </p:cNvPr>
+              <p:cNvSpPr txBox="1">
+                <a:spLocks noRot="1" noChangeAspect="1" noMove="1" noResize="1" noEditPoints="1" noAdjustHandles="1" noChangeArrowheads="1" noChangeShapeType="1" noTextEdit="1"/>
+              </p:cNvSpPr>
+              <p:nvPr/>
+            </p:nvSpPr>
+            <p:spPr>
+              <a:xfrm>
+                <a:off x="481445" y="1838337"/>
+                <a:ext cx="11201400" cy="4863247"/>
+              </a:xfrm>
+              <a:prstGeom prst="roundRect">
+                <a:avLst/>
+              </a:prstGeom>
+              <a:blipFill>
+                <a:blip r:embed="rId3"/>
+                <a:stretch>
+                  <a:fillRect/>
+                </a:stretch>
+              </a:blipFill>
+              <a:ln w="76200">
+                <a:solidFill>
+                  <a:srgbClr val="FFC416"/>
+                </a:solidFill>
+              </a:ln>
+            </p:spPr>
+            <p:txBody>
+              <a:bodyPr/>
+              <a:lstStyle/>
+              <a:p>
+                <a:r>
+                  <a:rPr lang="en-US">
+                    <a:noFill/>
+                  </a:rPr>
+                  <a:t> </a:t>
+                </a:r>
+              </a:p>
+            </p:txBody>
+          </p:sp>
+        </mc:Fallback>
+      </mc:AlternateContent>
+      <mc:AlternateContent xmlns:mc="http://schemas.openxmlformats.org/markup-compatibility/2006">
+        <mc:Choice xmlns:a14="http://schemas.microsoft.com/office/drawing/2010/main" Requires="a14">
+          <p:sp>
+            <p:nvSpPr>
+              <p:cNvPr id="5" name="TextBox 4">
+                <a:extLst>
+                  <a:ext uri="{FF2B5EF4-FFF2-40B4-BE49-F238E27FC236}">
+                    <a16:creationId xmlns:a16="http://schemas.microsoft.com/office/drawing/2014/main" id="{95C3EEF4-BD0C-2A78-BF15-DE63A190968E}"/>
+                  </a:ext>
+                </a:extLst>
+              </p:cNvPr>
+              <p:cNvSpPr txBox="1"/>
+              <p:nvPr/>
+            </p:nvSpPr>
+            <p:spPr>
+              <a:xfrm>
+                <a:off x="4419600" y="2512167"/>
+                <a:ext cx="3162300" cy="646331"/>
+              </a:xfrm>
+              <a:prstGeom prst="rect">
+                <a:avLst/>
+              </a:prstGeom>
+              <a:noFill/>
+            </p:spPr>
+            <p:txBody>
+              <a:bodyPr wrap="square" rtlCol="0">
+                <a:spAutoFit/>
+              </a:bodyPr>
+              <a:lstStyle/>
+              <a:p>
+                <a14:m>
+                  <m:oMathPara xmlns:m="http://schemas.openxmlformats.org/officeDocument/2006/math">
+                    <m:oMathParaPr>
+                      <m:jc m:val="centerGroup"/>
+                    </m:oMathParaPr>
+                    <m:oMath xmlns:m="http://schemas.openxmlformats.org/officeDocument/2006/math">
+                      <m:r>
+                        <a:rPr lang="en-US" sz="3600" b="0" i="1" smtClean="0">
+                          <a:latin typeface="Cambria Math" panose="02040503050406030204" pitchFamily="18" charset="0"/>
+                        </a:rPr>
+                        <m:t>𝐸</m:t>
+                      </m:r>
+                      <m:d>
+                        <m:dPr>
+                          <m:begChr m:val="["/>
+                          <m:endChr m:val="]"/>
+                          <m:ctrlPr>
+                            <a:rPr lang="en-US" sz="3600" b="0" i="1" smtClean="0">
+                              <a:latin typeface="Cambria Math" panose="02040503050406030204" pitchFamily="18" charset="0"/>
+                            </a:rPr>
+                          </m:ctrlPr>
+                        </m:dPr>
+                        <m:e>
+                          <m:r>
+                            <a:rPr lang="en-US" sz="3600" b="0" i="1" smtClean="0">
+                              <a:latin typeface="Cambria Math" panose="02040503050406030204" pitchFamily="18" charset="0"/>
+                            </a:rPr>
+                            <m:t>𝑌</m:t>
+                          </m:r>
+                        </m:e>
+                      </m:d>
+                      <m:r>
+                        <a:rPr lang="en-US" sz="3600" b="0" i="1" smtClean="0">
+                          <a:latin typeface="Cambria Math" panose="02040503050406030204" pitchFamily="18" charset="0"/>
+                        </a:rPr>
+                        <m:t>=</m:t>
+                      </m:r>
+                      <m:acc>
+                        <m:accPr>
+                          <m:chr m:val="̂"/>
+                          <m:ctrlPr>
+                            <a:rPr lang="en-US" sz="3600" i="1" smtClean="0">
+                              <a:latin typeface="Cambria Math" panose="02040503050406030204" pitchFamily="18" charset="0"/>
+                            </a:rPr>
+                          </m:ctrlPr>
+                        </m:accPr>
+                        <m:e>
+                          <m:r>
+                            <a:rPr lang="en-US" sz="3600" b="0" i="1" smtClean="0">
+                              <a:latin typeface="Cambria Math" panose="02040503050406030204" pitchFamily="18" charset="0"/>
+                            </a:rPr>
+                            <m:t>𝑦</m:t>
+                          </m:r>
+                        </m:e>
+                      </m:acc>
+                      <m:r>
+                        <a:rPr lang="en-US" sz="3600" b="0" i="0" smtClean="0">
+                          <a:latin typeface="Cambria Math" panose="02040503050406030204" pitchFamily="18" charset="0"/>
+                        </a:rPr>
+                        <m:t>=</m:t>
+                      </m:r>
+                      <m:acc>
+                        <m:accPr>
+                          <m:chr m:val="̂"/>
+                          <m:ctrlPr>
+                            <a:rPr lang="en-US" sz="3600" b="0" i="1" smtClean="0">
+                              <a:latin typeface="Cambria Math" panose="02040503050406030204" pitchFamily="18" charset="0"/>
+                            </a:rPr>
+                          </m:ctrlPr>
+                        </m:accPr>
+                        <m:e>
+                          <m:r>
+                            <a:rPr lang="en-US" sz="3600" b="0" i="1" smtClean="0">
+                              <a:latin typeface="Cambria Math" panose="02040503050406030204" pitchFamily="18" charset="0"/>
+                            </a:rPr>
+                            <m:t>𝑐</m:t>
+                          </m:r>
+                        </m:e>
+                      </m:acc>
+                    </m:oMath>
+                  </m:oMathPara>
+                </a14:m>
+                <a:endParaRPr lang="en-US" sz="3600" dirty="0"/>
+              </a:p>
+            </p:txBody>
+          </p:sp>
+        </mc:Choice>
+        <mc:Fallback>
+          <p:sp>
+            <p:nvSpPr>
+              <p:cNvPr id="5" name="TextBox 4">
+                <a:extLst>
+                  <a:ext uri="{FF2B5EF4-FFF2-40B4-BE49-F238E27FC236}">
+                    <a16:creationId xmlns:a16="http://schemas.microsoft.com/office/drawing/2014/main" id="{95C3EEF4-BD0C-2A78-BF15-DE63A190968E}"/>
+                  </a:ext>
+                </a:extLst>
+              </p:cNvPr>
+              <p:cNvSpPr txBox="1">
+                <a:spLocks noRot="1" noChangeAspect="1" noMove="1" noResize="1" noEditPoints="1" noAdjustHandles="1" noChangeArrowheads="1" noChangeShapeType="1" noTextEdit="1"/>
+              </p:cNvSpPr>
+              <p:nvPr/>
+            </p:nvSpPr>
+            <p:spPr>
+              <a:xfrm>
+                <a:off x="4419600" y="2512167"/>
+                <a:ext cx="3162300" cy="646331"/>
+              </a:xfrm>
+              <a:prstGeom prst="rect">
+                <a:avLst/>
+              </a:prstGeom>
+              <a:blipFill>
+                <a:blip r:embed="rId4"/>
+                <a:stretch>
+                  <a:fillRect/>
+                </a:stretch>
+              </a:blipFill>
+            </p:spPr>
+            <p:txBody>
+              <a:bodyPr/>
+              <a:lstStyle/>
+              <a:p>
+                <a:r>
+                  <a:rPr lang="en-US">
+                    <a:noFill/>
+                  </a:rPr>
+                  <a:t> </a:t>
+                </a:r>
+              </a:p>
+            </p:txBody>
+          </p:sp>
+        </mc:Fallback>
+      </mc:AlternateContent>
+    </p:spTree>
+    <p:extLst>
+      <p:ext uri="{BB962C8B-B14F-4D97-AF65-F5344CB8AC3E}">
+        <p14:creationId xmlns:p14="http://schemas.microsoft.com/office/powerpoint/2010/main" val="647003261"/>
+      </p:ext>
+    </p:extLst>
+  </p:cSld>
+  <p:clrMapOvr>
+    <a:masterClrMapping/>
+  </p:clrMapOvr>
+</p:sld>
+</file>
+
+<file path=ppt/slides/slide7.xml><?xml version="1.0" encoding="utf-8"?>
+<p:sld xmlns:a="http://schemas.openxmlformats.org/drawingml/2006/main" xmlns:r="http://schemas.openxmlformats.org/officeDocument/2006/relationships" xmlns:p="http://schemas.openxmlformats.org/presentationml/2006/main">
+  <p:cSld>
+    <p:spTree>
+      <p:nvGrpSpPr>
+        <p:cNvPr id="1" name=""/>
+        <p:cNvGrpSpPr/>
+        <p:nvPr/>
+      </p:nvGrpSpPr>
+      <p:grpSpPr>
+        <a:xfrm>
+          <a:off x="0" y="0"/>
+          <a:ext cx="0" cy="0"/>
+          <a:chOff x="0" y="0"/>
+          <a:chExt cx="0" cy="0"/>
+        </a:xfrm>
+      </p:grpSpPr>
+      <p:pic>
+        <p:nvPicPr>
+          <p:cNvPr id="2" name="Picture 10" descr="Mario Pattern">
+            <a:extLst>
+              <a:ext uri="{FF2B5EF4-FFF2-40B4-BE49-F238E27FC236}">
+                <a16:creationId xmlns:a16="http://schemas.microsoft.com/office/drawing/2014/main" id="{8F84FFD9-23AF-75F7-6DAA-904525952142}"/>
+              </a:ext>
+            </a:extLst>
+          </p:cNvPr>
+          <p:cNvPicPr>
+            <a:picLocks noChangeAspect="1" noChangeArrowheads="1"/>
+          </p:cNvPicPr>
+          <p:nvPr/>
+        </p:nvPicPr>
+        <p:blipFill rotWithShape="1">
+          <a:blip r:embed="rId2">
+            <a:alphaModFix amt="47000"/>
+            <a:extLst>
+              <a:ext uri="{28A0092B-C50C-407E-A947-70E740481C1C}">
+                <a14:useLocalDpi xmlns:a14="http://schemas.microsoft.com/office/drawing/2010/main" val="0"/>
+              </a:ext>
+            </a:extLst>
+          </a:blip>
+          <a:srcRect l="4595" r="6699"/>
+          <a:stretch/>
+        </p:blipFill>
+        <p:spPr bwMode="auto">
+          <a:xfrm>
+            <a:off x="0" y="-2057400"/>
+            <a:ext cx="12192000" cy="10308201"/>
+          </a:xfrm>
+          <a:prstGeom prst="rect">
+            <a:avLst/>
+          </a:prstGeom>
+          <a:noFill/>
+          <a:extLst>
+            <a:ext uri="{909E8E84-426E-40DD-AFC4-6F175D3DCCD1}">
+              <a14:hiddenFill xmlns:a14="http://schemas.microsoft.com/office/drawing/2010/main">
+                <a:solidFill>
+                  <a:srgbClr val="FFFFFF"/>
+                </a:solidFill>
+              </a14:hiddenFill>
+            </a:ext>
+          </a:extLst>
+        </p:spPr>
+      </p:pic>
+      <p:sp>
+        <p:nvSpPr>
+          <p:cNvPr id="12" name="Line 11"/>
+          <p:cNvSpPr>
+            <a:spLocks noChangeShapeType="1"/>
+          </p:cNvSpPr>
+          <p:nvPr/>
+        </p:nvSpPr>
+        <p:spPr bwMode="auto">
+          <a:xfrm flipV="1">
+            <a:off x="6972300" y="5109836"/>
+            <a:ext cx="609600" cy="533400"/>
+          </a:xfrm>
+          <a:prstGeom prst="line">
+            <a:avLst/>
+          </a:prstGeom>
+          <a:noFill/>
+          <a:ln w="38100">
+            <a:solidFill>
+              <a:srgbClr val="FFFF66"/>
+            </a:solidFill>
+            <a:round/>
+            <a:headEnd/>
+            <a:tailEnd type="triangle" w="med" len="med"/>
+          </a:ln>
+          <a:extLst>
+            <a:ext uri="{909E8E84-426E-40DD-AFC4-6F175D3DCCD1}">
+              <a14:hiddenFill xmlns:a14="http://schemas.microsoft.com/office/drawing/2010/main">
+                <a:noFill/>
+              </a14:hiddenFill>
+            </a:ext>
+          </a:extLst>
+        </p:spPr>
+        <p:txBody>
+          <a:bodyPr wrap="square">
+            <a:spAutoFit/>
+          </a:bodyPr>
+          <a:lstStyle/>
+          <a:p>
+            <a:endParaRPr lang="en-US"/>
+          </a:p>
+        </p:txBody>
+      </p:sp>
+      <p:sp>
+        <p:nvSpPr>
+          <p:cNvPr id="6" name="TextBox 5">
+            <a:extLst>
+              <a:ext uri="{FF2B5EF4-FFF2-40B4-BE49-F238E27FC236}">
+                <a16:creationId xmlns:a16="http://schemas.microsoft.com/office/drawing/2014/main" id="{4F2DA592-D8EB-70BA-2112-6C13A4E7B393}"/>
+              </a:ext>
+            </a:extLst>
+          </p:cNvPr>
+          <p:cNvSpPr txBox="1"/>
+          <p:nvPr/>
+        </p:nvSpPr>
+        <p:spPr>
+          <a:xfrm>
+            <a:off x="495300" y="606817"/>
+            <a:ext cx="11201400" cy="919401"/>
+          </a:xfrm>
+          <a:prstGeom prst="roundRect">
+            <a:avLst/>
+          </a:prstGeom>
+          <a:solidFill>
+            <a:schemeClr val="bg1">
+              <a:alpha val="70000"/>
+            </a:schemeClr>
+          </a:solidFill>
+          <a:ln w="76200">
+            <a:solidFill>
+              <a:srgbClr val="FFC416"/>
+            </a:solidFill>
+          </a:ln>
+        </p:spPr>
+        <p:style>
+          <a:lnRef idx="2">
+            <a:schemeClr val="dk1"/>
+          </a:lnRef>
+          <a:fillRef idx="1">
+            <a:schemeClr val="lt1"/>
+          </a:fillRef>
+          <a:effectRef idx="0">
+            <a:schemeClr val="dk1"/>
+          </a:effectRef>
+          <a:fontRef idx="minor">
+            <a:schemeClr val="dk1"/>
+          </a:fontRef>
+        </p:style>
+        <p:txBody>
+          <a:bodyPr wrap="square" rtlCol="0">
+            <a:spAutoFit/>
+          </a:bodyPr>
+          <a:lstStyle/>
+          <a:p>
+            <a:pPr algn="ctr"/>
+            <a:r>
+              <a:rPr lang="en-US" sz="4800" b="1" dirty="0">
+                <a:solidFill>
+                  <a:srgbClr val="2D3A37"/>
+                </a:solidFill>
+                <a:latin typeface="Adobe Devanagari" panose="02040503050201020203" pitchFamily="18" charset="0"/>
+                <a:cs typeface="Adobe Devanagari" panose="02040503050201020203" pitchFamily="18" charset="0"/>
+              </a:rPr>
+              <a:t>Assess Fit of Model</a:t>
+            </a:r>
+            <a:endParaRPr lang="en-US" sz="4800" dirty="0">
+              <a:solidFill>
+                <a:srgbClr val="2D3A37"/>
+              </a:solidFill>
+            </a:endParaRPr>
+          </a:p>
+        </p:txBody>
+      </p:sp>
+      <p:sp>
+        <p:nvSpPr>
+          <p:cNvPr id="3" name="TextBox 2">
+            <a:extLst>
+              <a:ext uri="{FF2B5EF4-FFF2-40B4-BE49-F238E27FC236}">
+                <a16:creationId xmlns:a16="http://schemas.microsoft.com/office/drawing/2014/main" id="{D1310D5A-472C-664C-76EE-BF6CBBE82489}"/>
+              </a:ext>
+            </a:extLst>
+          </p:cNvPr>
+          <p:cNvSpPr txBox="1"/>
+          <p:nvPr/>
+        </p:nvSpPr>
+        <p:spPr>
+          <a:xfrm>
+            <a:off x="481445" y="1838337"/>
+            <a:ext cx="11201400" cy="4392692"/>
+          </a:xfrm>
+          <a:prstGeom prst="roundRect">
+            <a:avLst/>
+          </a:prstGeom>
+          <a:solidFill>
+            <a:schemeClr val="bg1"/>
+          </a:solidFill>
+          <a:ln w="76200">
+            <a:solidFill>
+              <a:srgbClr val="FFC416"/>
+            </a:solidFill>
+          </a:ln>
+        </p:spPr>
+        <p:style>
+          <a:lnRef idx="2">
+            <a:schemeClr val="dk1"/>
+          </a:lnRef>
+          <a:fillRef idx="1">
+            <a:schemeClr val="lt1"/>
+          </a:fillRef>
+          <a:effectRef idx="0">
+            <a:schemeClr val="dk1"/>
+          </a:effectRef>
+          <a:fontRef idx="minor">
+            <a:schemeClr val="dk1"/>
+          </a:fontRef>
+        </p:style>
+        <p:txBody>
+          <a:bodyPr wrap="square" rtlCol="0">
+            <a:spAutoFit/>
+          </a:bodyPr>
+          <a:lstStyle/>
+          <a:p>
+            <a:r>
+              <a:rPr lang="en-US" sz="2800" dirty="0">
+                <a:solidFill>
+                  <a:srgbClr val="660066"/>
+                </a:solidFill>
+              </a:rPr>
+              <a:t>Question: Is the model good and which estimator is better?</a:t>
+            </a:r>
+          </a:p>
+          <a:p>
+            <a:endParaRPr lang="en-US" sz="2800" dirty="0">
+              <a:solidFill>
+                <a:srgbClr val="660066"/>
+              </a:solidFill>
+            </a:endParaRPr>
+          </a:p>
+          <a:p>
+            <a:r>
+              <a:rPr lang="en-US" sz="2800" dirty="0">
+                <a:solidFill>
+                  <a:srgbClr val="660066"/>
+                </a:solidFill>
+              </a:rPr>
+              <a:t>Calculate residuals for each observation in data</a:t>
+            </a:r>
+          </a:p>
+          <a:p>
+            <a:endParaRPr lang="en-US" sz="2800" dirty="0">
+              <a:solidFill>
+                <a:srgbClr val="660066"/>
+              </a:solidFill>
+            </a:endParaRPr>
+          </a:p>
+          <a:p>
+            <a:endParaRPr lang="en-US" sz="2800" dirty="0">
+              <a:solidFill>
+                <a:srgbClr val="660066"/>
+              </a:solidFill>
+            </a:endParaRPr>
+          </a:p>
+          <a:p>
+            <a:r>
+              <a:rPr lang="en-US" sz="2800" dirty="0">
+                <a:solidFill>
+                  <a:srgbClr val="660066"/>
+                </a:solidFill>
+              </a:rPr>
+              <a:t>Summary</a:t>
+            </a:r>
+            <a:endParaRPr lang="en-US" sz="2400" dirty="0">
+              <a:solidFill>
+                <a:srgbClr val="660066"/>
+              </a:solidFill>
+            </a:endParaRPr>
+          </a:p>
+          <a:p>
+            <a:endParaRPr lang="en-US" sz="2800" dirty="0">
+              <a:solidFill>
+                <a:srgbClr val="660066"/>
+              </a:solidFill>
+            </a:endParaRPr>
+          </a:p>
+          <a:p>
+            <a:endParaRPr lang="en-US" sz="2800" dirty="0">
+              <a:solidFill>
+                <a:srgbClr val="660066"/>
+              </a:solidFill>
+            </a:endParaRPr>
+          </a:p>
+          <a:p>
+            <a:r>
+              <a:rPr lang="en-US" sz="2800" dirty="0">
+                <a:solidFill>
+                  <a:srgbClr val="660066"/>
+                </a:solidFill>
+              </a:rPr>
+              <a:t>	</a:t>
+            </a:r>
+          </a:p>
+        </p:txBody>
+      </p:sp>
+      <mc:AlternateContent xmlns:mc="http://schemas.openxmlformats.org/markup-compatibility/2006">
+        <mc:Choice xmlns:a14="http://schemas.microsoft.com/office/drawing/2010/main" Requires="a14">
+          <p:sp>
+            <p:nvSpPr>
+              <p:cNvPr id="4" name="TextBox 3">
+                <a:extLst>
+                  <a:ext uri="{FF2B5EF4-FFF2-40B4-BE49-F238E27FC236}">
+                    <a16:creationId xmlns:a16="http://schemas.microsoft.com/office/drawing/2014/main" id="{0D1F77F1-95D1-3735-95B7-AD58B124B704}"/>
+                  </a:ext>
+                </a:extLst>
+              </p:cNvPr>
+              <p:cNvSpPr txBox="1"/>
+              <p:nvPr/>
+            </p:nvSpPr>
+            <p:spPr>
+              <a:xfrm>
+                <a:off x="1433945" y="3530249"/>
+                <a:ext cx="9296400" cy="646331"/>
+              </a:xfrm>
+              <a:prstGeom prst="rect">
+                <a:avLst/>
+              </a:prstGeom>
+              <a:noFill/>
+            </p:spPr>
+            <p:txBody>
+              <a:bodyPr wrap="square" rtlCol="0">
+                <a:spAutoFit/>
+              </a:bodyPr>
+              <a:lstStyle/>
+              <a:p>
+                <a14:m>
+                  <m:oMathPara xmlns:m="http://schemas.openxmlformats.org/officeDocument/2006/math">
+                    <m:oMathParaPr>
+                      <m:jc m:val="centerGroup"/>
+                    </m:oMathParaPr>
+                    <m:oMath xmlns:m="http://schemas.openxmlformats.org/officeDocument/2006/math">
+                      <m:r>
+                        <a:rPr lang="en-US" sz="3600" b="0" i="1" smtClean="0">
+                          <a:latin typeface="Cambria Math" panose="02040503050406030204" pitchFamily="18" charset="0"/>
+                        </a:rPr>
+                        <m:t>𝑟𝑒𝑠𝑖𝑑𝑢𝑎𝑙</m:t>
+                      </m:r>
+                      <m:r>
+                        <a:rPr lang="en-US" sz="3600" b="0" i="1" smtClean="0">
+                          <a:latin typeface="Cambria Math" panose="02040503050406030204" pitchFamily="18" charset="0"/>
+                        </a:rPr>
+                        <m:t>=</m:t>
+                      </m:r>
+                      <m:acc>
+                        <m:accPr>
+                          <m:chr m:val="̂"/>
+                          <m:ctrlPr>
+                            <a:rPr lang="en-US" sz="3600" b="0" i="1" smtClean="0">
+                              <a:latin typeface="Cambria Math" panose="02040503050406030204" pitchFamily="18" charset="0"/>
+                            </a:rPr>
+                          </m:ctrlPr>
+                        </m:accPr>
+                        <m:e>
+                          <m:r>
+                            <a:rPr lang="en-US" sz="3600" b="0" i="1" smtClean="0">
+                              <a:latin typeface="Cambria Math" panose="02040503050406030204" pitchFamily="18" charset="0"/>
+                            </a:rPr>
+                            <m:t>𝜖</m:t>
+                          </m:r>
+                        </m:e>
+                      </m:acc>
+                      <m:r>
+                        <a:rPr lang="en-US" sz="3600" b="0" i="1" smtClean="0">
+                          <a:latin typeface="Cambria Math" panose="02040503050406030204" pitchFamily="18" charset="0"/>
+                        </a:rPr>
+                        <m:t>=</m:t>
+                      </m:r>
+                      <m:r>
+                        <a:rPr lang="en-US" sz="3600" b="0" i="1" smtClean="0">
+                          <a:latin typeface="Cambria Math" panose="02040503050406030204" pitchFamily="18" charset="0"/>
+                        </a:rPr>
+                        <m:t>𝑦</m:t>
+                      </m:r>
+                      <m:r>
+                        <a:rPr lang="en-US" sz="3600" b="0" i="1" smtClean="0">
+                          <a:latin typeface="Cambria Math" panose="02040503050406030204" pitchFamily="18" charset="0"/>
+                        </a:rPr>
+                        <m:t> −</m:t>
+                      </m:r>
+                      <m:acc>
+                        <m:accPr>
+                          <m:chr m:val="̂"/>
+                          <m:ctrlPr>
+                            <a:rPr lang="en-US" sz="3600" b="0" i="1" smtClean="0">
+                              <a:latin typeface="Cambria Math" panose="02040503050406030204" pitchFamily="18" charset="0"/>
+                            </a:rPr>
+                          </m:ctrlPr>
+                        </m:accPr>
+                        <m:e>
+                          <m:r>
+                            <a:rPr lang="en-US" sz="3600" b="0" i="1" smtClean="0">
+                              <a:latin typeface="Cambria Math" panose="02040503050406030204" pitchFamily="18" charset="0"/>
+                            </a:rPr>
+                            <m:t>𝑦</m:t>
+                          </m:r>
+                        </m:e>
+                      </m:acc>
+                    </m:oMath>
+                  </m:oMathPara>
+                </a14:m>
+                <a:endParaRPr lang="en-US" sz="3600" dirty="0"/>
+              </a:p>
+            </p:txBody>
+          </p:sp>
+        </mc:Choice>
+        <mc:Fallback>
+          <p:sp>
+            <p:nvSpPr>
+              <p:cNvPr id="4" name="TextBox 3">
+                <a:extLst>
+                  <a:ext uri="{FF2B5EF4-FFF2-40B4-BE49-F238E27FC236}">
+                    <a16:creationId xmlns:a16="http://schemas.microsoft.com/office/drawing/2014/main" id="{0D1F77F1-95D1-3735-95B7-AD58B124B704}"/>
+                  </a:ext>
+                </a:extLst>
+              </p:cNvPr>
+              <p:cNvSpPr txBox="1">
+                <a:spLocks noRot="1" noChangeAspect="1" noMove="1" noResize="1" noEditPoints="1" noAdjustHandles="1" noChangeArrowheads="1" noChangeShapeType="1" noTextEdit="1"/>
+              </p:cNvSpPr>
+              <p:nvPr/>
+            </p:nvSpPr>
+            <p:spPr>
+              <a:xfrm>
+                <a:off x="1433945" y="3530249"/>
+                <a:ext cx="9296400" cy="646331"/>
+              </a:xfrm>
+              <a:prstGeom prst="rect">
+                <a:avLst/>
+              </a:prstGeom>
+              <a:blipFill>
+                <a:blip r:embed="rId3"/>
+                <a:stretch>
+                  <a:fillRect/>
+                </a:stretch>
+              </a:blipFill>
+            </p:spPr>
+            <p:txBody>
+              <a:bodyPr/>
+              <a:lstStyle/>
+              <a:p>
+                <a:r>
+                  <a:rPr lang="en-US">
+                    <a:noFill/>
+                  </a:rPr>
+                  <a:t> </a:t>
+                </a:r>
+              </a:p>
+            </p:txBody>
+          </p:sp>
+        </mc:Fallback>
+      </mc:AlternateContent>
+    </p:spTree>
+    <p:extLst>
+      <p:ext uri="{BB962C8B-B14F-4D97-AF65-F5344CB8AC3E}">
+        <p14:creationId xmlns:p14="http://schemas.microsoft.com/office/powerpoint/2010/main" val="3123498295"/>
+      </p:ext>
+    </p:extLst>
+  </p:cSld>
+  <p:clrMapOvr>
+    <a:masterClrMapping/>
+  </p:clrMapOvr>
+</p:sld>
+</file>
+
+<file path=ppt/slides/slide8.xml><?xml version="1.0" encoding="utf-8"?>
+<p:sld xmlns:a="http://schemas.openxmlformats.org/drawingml/2006/main" xmlns:r="http://schemas.openxmlformats.org/officeDocument/2006/relationships" xmlns:p="http://schemas.openxmlformats.org/presentationml/2006/main">
+  <p:cSld>
+    <p:spTree>
+      <p:nvGrpSpPr>
+        <p:cNvPr id="1" name=""/>
+        <p:cNvGrpSpPr/>
+        <p:nvPr/>
+      </p:nvGrpSpPr>
+      <p:grpSpPr>
+        <a:xfrm>
+          <a:off x="0" y="0"/>
+          <a:ext cx="0" cy="0"/>
+          <a:chOff x="0" y="0"/>
+          <a:chExt cx="0" cy="0"/>
+        </a:xfrm>
+      </p:grpSpPr>
+      <p:pic>
+        <p:nvPicPr>
+          <p:cNvPr id="2" name="Picture 10" descr="Mario Pattern">
+            <a:extLst>
+              <a:ext uri="{FF2B5EF4-FFF2-40B4-BE49-F238E27FC236}">
+                <a16:creationId xmlns:a16="http://schemas.microsoft.com/office/drawing/2014/main" id="{8F84FFD9-23AF-75F7-6DAA-904525952142}"/>
+              </a:ext>
+            </a:extLst>
+          </p:cNvPr>
+          <p:cNvPicPr>
+            <a:picLocks noChangeAspect="1" noChangeArrowheads="1"/>
+          </p:cNvPicPr>
+          <p:nvPr/>
+        </p:nvPicPr>
+        <p:blipFill rotWithShape="1">
+          <a:blip r:embed="rId2">
+            <a:alphaModFix amt="47000"/>
+            <a:extLst>
+              <a:ext uri="{28A0092B-C50C-407E-A947-70E740481C1C}">
+                <a14:useLocalDpi xmlns:a14="http://schemas.microsoft.com/office/drawing/2010/main" val="0"/>
+              </a:ext>
+            </a:extLst>
+          </a:blip>
+          <a:srcRect l="4595" r="6699"/>
+          <a:stretch/>
+        </p:blipFill>
+        <p:spPr bwMode="auto">
+          <a:xfrm>
+            <a:off x="0" y="-2057400"/>
+            <a:ext cx="12192000" cy="10308201"/>
+          </a:xfrm>
+          <a:prstGeom prst="rect">
+            <a:avLst/>
+          </a:prstGeom>
+          <a:noFill/>
+          <a:extLst>
+            <a:ext uri="{909E8E84-426E-40DD-AFC4-6F175D3DCCD1}">
+              <a14:hiddenFill xmlns:a14="http://schemas.microsoft.com/office/drawing/2010/main">
+                <a:solidFill>
+                  <a:srgbClr val="FFFFFF"/>
+                </a:solidFill>
+              </a14:hiddenFill>
+            </a:ext>
+          </a:extLst>
+        </p:spPr>
+      </p:pic>
+      <p:sp>
+        <p:nvSpPr>
+          <p:cNvPr id="12" name="Line 11"/>
+          <p:cNvSpPr>
+            <a:spLocks noChangeShapeType="1"/>
+          </p:cNvSpPr>
+          <p:nvPr/>
+        </p:nvSpPr>
+        <p:spPr bwMode="auto">
+          <a:xfrm flipV="1">
+            <a:off x="6972300" y="5109836"/>
+            <a:ext cx="609600" cy="533400"/>
+          </a:xfrm>
+          <a:prstGeom prst="line">
+            <a:avLst/>
+          </a:prstGeom>
+          <a:noFill/>
+          <a:ln w="38100">
+            <a:solidFill>
+              <a:srgbClr val="FFFF66"/>
+            </a:solidFill>
+            <a:round/>
+            <a:headEnd/>
+            <a:tailEnd type="triangle" w="med" len="med"/>
+          </a:ln>
+          <a:extLst>
+            <a:ext uri="{909E8E84-426E-40DD-AFC4-6F175D3DCCD1}">
+              <a14:hiddenFill xmlns:a14="http://schemas.microsoft.com/office/drawing/2010/main">
+                <a:noFill/>
+              </a14:hiddenFill>
+            </a:ext>
+          </a:extLst>
+        </p:spPr>
+        <p:txBody>
+          <a:bodyPr wrap="square">
+            <a:spAutoFit/>
+          </a:bodyPr>
+          <a:lstStyle/>
+          <a:p>
+            <a:endParaRPr lang="en-US"/>
+          </a:p>
+        </p:txBody>
+      </p:sp>
+      <p:sp>
+        <p:nvSpPr>
+          <p:cNvPr id="6" name="TextBox 5">
+            <a:extLst>
+              <a:ext uri="{FF2B5EF4-FFF2-40B4-BE49-F238E27FC236}">
+                <a16:creationId xmlns:a16="http://schemas.microsoft.com/office/drawing/2014/main" id="{4F2DA592-D8EB-70BA-2112-6C13A4E7B393}"/>
+              </a:ext>
+            </a:extLst>
+          </p:cNvPr>
+          <p:cNvSpPr txBox="1"/>
+          <p:nvPr/>
+        </p:nvSpPr>
+        <p:spPr>
+          <a:xfrm>
+            <a:off x="495300" y="606817"/>
+            <a:ext cx="11201400" cy="919401"/>
+          </a:xfrm>
+          <a:prstGeom prst="roundRect">
+            <a:avLst/>
+          </a:prstGeom>
+          <a:solidFill>
+            <a:schemeClr val="bg1">
+              <a:alpha val="70000"/>
+            </a:schemeClr>
+          </a:solidFill>
+          <a:ln w="76200">
+            <a:solidFill>
+              <a:srgbClr val="FFC416"/>
+            </a:solidFill>
+          </a:ln>
+        </p:spPr>
+        <p:style>
+          <a:lnRef idx="2">
+            <a:schemeClr val="dk1"/>
+          </a:lnRef>
+          <a:fillRef idx="1">
+            <a:schemeClr val="lt1"/>
+          </a:fillRef>
+          <a:effectRef idx="0">
+            <a:schemeClr val="dk1"/>
+          </a:effectRef>
+          <a:fontRef idx="minor">
+            <a:schemeClr val="dk1"/>
+          </a:fontRef>
+        </p:style>
+        <p:txBody>
+          <a:bodyPr wrap="square" rtlCol="0">
+            <a:spAutoFit/>
+          </a:bodyPr>
+          <a:lstStyle/>
+          <a:p>
+            <a:pPr algn="ctr"/>
+            <a:r>
+              <a:rPr lang="en-US" sz="4800" b="1" dirty="0">
+                <a:solidFill>
+                  <a:srgbClr val="2D3A37"/>
+                </a:solidFill>
+                <a:latin typeface="Adobe Devanagari" panose="02040503050201020203" pitchFamily="18" charset="0"/>
+                <a:cs typeface="Adobe Devanagari" panose="02040503050201020203" pitchFamily="18" charset="0"/>
+              </a:rPr>
+              <a:t>Models Help Us…</a:t>
+            </a:r>
+            <a:endParaRPr lang="en-US" sz="4800" dirty="0">
+              <a:solidFill>
+                <a:srgbClr val="2D3A37"/>
+              </a:solidFill>
+            </a:endParaRPr>
+          </a:p>
+        </p:txBody>
+      </p:sp>
+      <p:sp>
+        <p:nvSpPr>
+          <p:cNvPr id="7" name="TextBox 6">
+            <a:extLst>
+              <a:ext uri="{FF2B5EF4-FFF2-40B4-BE49-F238E27FC236}">
+                <a16:creationId xmlns:a16="http://schemas.microsoft.com/office/drawing/2014/main" id="{D9B238EA-D04E-3255-7509-F990F1A8F309}"/>
+              </a:ext>
+            </a:extLst>
+          </p:cNvPr>
+          <p:cNvSpPr txBox="1"/>
+          <p:nvPr/>
+        </p:nvSpPr>
+        <p:spPr>
+          <a:xfrm>
+            <a:off x="495300" y="1977074"/>
+            <a:ext cx="11201400" cy="2009061"/>
+          </a:xfrm>
+          <a:prstGeom prst="roundRect">
+            <a:avLst/>
+          </a:prstGeom>
+          <a:solidFill>
+            <a:schemeClr val="bg1"/>
+          </a:solidFill>
+          <a:ln w="76200">
+            <a:solidFill>
+              <a:srgbClr val="FFC416"/>
+            </a:solidFill>
+          </a:ln>
+        </p:spPr>
+        <p:style>
+          <a:lnRef idx="2">
+            <a:schemeClr val="dk1"/>
+          </a:lnRef>
+          <a:fillRef idx="1">
+            <a:schemeClr val="lt1"/>
+          </a:fillRef>
+          <a:effectRef idx="0">
+            <a:schemeClr val="dk1"/>
+          </a:effectRef>
+          <a:fontRef idx="minor">
+            <a:schemeClr val="dk1"/>
+          </a:fontRef>
+        </p:style>
+        <p:txBody>
+          <a:bodyPr wrap="square" rtlCol="0">
+            <a:spAutoFit/>
+          </a:bodyPr>
+          <a:lstStyle/>
+          <a:p>
             <a:pPr marL="685800" indent="-685800">
               <a:buFont typeface="Arial" panose="020B0604020202020204" pitchFamily="34" charset="0"/>
               <a:buChar char="•"/>
@@ -8615,7 +12748,7 @@
 </p:sld>
 </file>
 
-<file path=ppt/slides/slide5.xml><?xml version="1.0" encoding="utf-8"?>
+<file path=ppt/slides/slide9.xml><?xml version="1.0" encoding="utf-8"?>
 <p:sld xmlns:a="http://schemas.openxmlformats.org/drawingml/2006/main" xmlns:r="http://schemas.openxmlformats.org/officeDocument/2006/relationships" xmlns:p="http://schemas.openxmlformats.org/presentationml/2006/main">
   <p:cSld>
     <p:spTree>
@@ -9304,2288 +13437,6 @@
     <p:extLst>
       <p:ext uri="{BB962C8B-B14F-4D97-AF65-F5344CB8AC3E}">
         <p14:creationId xmlns:p14="http://schemas.microsoft.com/office/powerpoint/2010/main" val="2448518644"/>
-      </p:ext>
-    </p:extLst>
-  </p:cSld>
-  <p:clrMapOvr>
-    <a:masterClrMapping/>
-  </p:clrMapOvr>
-</p:sld>
-</file>
-
-<file path=ppt/slides/slide6.xml><?xml version="1.0" encoding="utf-8"?>
-<p:sld xmlns:a="http://schemas.openxmlformats.org/drawingml/2006/main" xmlns:r="http://schemas.openxmlformats.org/officeDocument/2006/relationships" xmlns:p="http://schemas.openxmlformats.org/presentationml/2006/main">
-  <p:cSld>
-    <p:spTree>
-      <p:nvGrpSpPr>
-        <p:cNvPr id="1" name=""/>
-        <p:cNvGrpSpPr/>
-        <p:nvPr/>
-      </p:nvGrpSpPr>
-      <p:grpSpPr>
-        <a:xfrm>
-          <a:off x="0" y="0"/>
-          <a:ext cx="0" cy="0"/>
-          <a:chOff x="0" y="0"/>
-          <a:chExt cx="0" cy="0"/>
-        </a:xfrm>
-      </p:grpSpPr>
-      <p:pic>
-        <p:nvPicPr>
-          <p:cNvPr id="2" name="Picture 10" descr="Mario Pattern">
-            <a:extLst>
-              <a:ext uri="{FF2B5EF4-FFF2-40B4-BE49-F238E27FC236}">
-                <a16:creationId xmlns:a16="http://schemas.microsoft.com/office/drawing/2014/main" id="{8F84FFD9-23AF-75F7-6DAA-904525952142}"/>
-              </a:ext>
-            </a:extLst>
-          </p:cNvPr>
-          <p:cNvPicPr>
-            <a:picLocks noChangeAspect="1" noChangeArrowheads="1"/>
-          </p:cNvPicPr>
-          <p:nvPr/>
-        </p:nvPicPr>
-        <p:blipFill rotWithShape="1">
-          <a:blip r:embed="rId2">
-            <a:alphaModFix amt="47000"/>
-            <a:extLst>
-              <a:ext uri="{28A0092B-C50C-407E-A947-70E740481C1C}">
-                <a14:useLocalDpi xmlns:a14="http://schemas.microsoft.com/office/drawing/2010/main" val="0"/>
-              </a:ext>
-            </a:extLst>
-          </a:blip>
-          <a:srcRect l="4595" r="6699"/>
-          <a:stretch/>
-        </p:blipFill>
-        <p:spPr bwMode="auto">
-          <a:xfrm>
-            <a:off x="0" y="-2057400"/>
-            <a:ext cx="12192000" cy="10308201"/>
-          </a:xfrm>
-          <a:prstGeom prst="rect">
-            <a:avLst/>
-          </a:prstGeom>
-          <a:noFill/>
-          <a:extLst>
-            <a:ext uri="{909E8E84-426E-40DD-AFC4-6F175D3DCCD1}">
-              <a14:hiddenFill xmlns:a14="http://schemas.microsoft.com/office/drawing/2010/main">
-                <a:solidFill>
-                  <a:srgbClr val="FFFFFF"/>
-                </a:solidFill>
-              </a14:hiddenFill>
-            </a:ext>
-          </a:extLst>
-        </p:spPr>
-      </p:pic>
-      <p:sp>
-        <p:nvSpPr>
-          <p:cNvPr id="12" name="Line 11"/>
-          <p:cNvSpPr>
-            <a:spLocks noChangeShapeType="1"/>
-          </p:cNvSpPr>
-          <p:nvPr/>
-        </p:nvSpPr>
-        <p:spPr bwMode="auto">
-          <a:xfrm flipV="1">
-            <a:off x="6972300" y="5109836"/>
-            <a:ext cx="609600" cy="533400"/>
-          </a:xfrm>
-          <a:prstGeom prst="line">
-            <a:avLst/>
-          </a:prstGeom>
-          <a:noFill/>
-          <a:ln w="38100">
-            <a:solidFill>
-              <a:srgbClr val="FFFF66"/>
-            </a:solidFill>
-            <a:round/>
-            <a:headEnd/>
-            <a:tailEnd type="triangle" w="med" len="med"/>
-          </a:ln>
-          <a:extLst>
-            <a:ext uri="{909E8E84-426E-40DD-AFC4-6F175D3DCCD1}">
-              <a14:hiddenFill xmlns:a14="http://schemas.microsoft.com/office/drawing/2010/main">
-                <a:noFill/>
-              </a14:hiddenFill>
-            </a:ext>
-          </a:extLst>
-        </p:spPr>
-        <p:txBody>
-          <a:bodyPr wrap="square">
-            <a:spAutoFit/>
-          </a:bodyPr>
-          <a:lstStyle/>
-          <a:p>
-            <a:endParaRPr lang="en-US"/>
-          </a:p>
-        </p:txBody>
-      </p:sp>
-      <p:sp>
-        <p:nvSpPr>
-          <p:cNvPr id="6" name="TextBox 5">
-            <a:extLst>
-              <a:ext uri="{FF2B5EF4-FFF2-40B4-BE49-F238E27FC236}">
-                <a16:creationId xmlns:a16="http://schemas.microsoft.com/office/drawing/2014/main" id="{4F2DA592-D8EB-70BA-2112-6C13A4E7B393}"/>
-              </a:ext>
-            </a:extLst>
-          </p:cNvPr>
-          <p:cNvSpPr txBox="1"/>
-          <p:nvPr/>
-        </p:nvSpPr>
-        <p:spPr>
-          <a:xfrm>
-            <a:off x="495300" y="606817"/>
-            <a:ext cx="11201400" cy="919401"/>
-          </a:xfrm>
-          <a:prstGeom prst="roundRect">
-            <a:avLst/>
-          </a:prstGeom>
-          <a:solidFill>
-            <a:schemeClr val="bg1">
-              <a:alpha val="70000"/>
-            </a:schemeClr>
-          </a:solidFill>
-          <a:ln w="76200">
-            <a:solidFill>
-              <a:srgbClr val="FFC416"/>
-            </a:solidFill>
-          </a:ln>
-        </p:spPr>
-        <p:style>
-          <a:lnRef idx="2">
-            <a:schemeClr val="dk1"/>
-          </a:lnRef>
-          <a:fillRef idx="1">
-            <a:schemeClr val="lt1"/>
-          </a:fillRef>
-          <a:effectRef idx="0">
-            <a:schemeClr val="dk1"/>
-          </a:effectRef>
-          <a:fontRef idx="minor">
-            <a:schemeClr val="dk1"/>
-          </a:fontRef>
-        </p:style>
-        <p:txBody>
-          <a:bodyPr wrap="square" rtlCol="0">
-            <a:spAutoFit/>
-          </a:bodyPr>
-          <a:lstStyle/>
-          <a:p>
-            <a:pPr algn="ctr"/>
-            <a:r>
-              <a:rPr lang="en-US" sz="4800" b="1" dirty="0">
-                <a:solidFill>
-                  <a:srgbClr val="2D3A37"/>
-                </a:solidFill>
-                <a:latin typeface="Adobe Devanagari" panose="02040503050201020203" pitchFamily="18" charset="0"/>
-                <a:cs typeface="Adobe Devanagari" panose="02040503050201020203" pitchFamily="18" charset="0"/>
-              </a:rPr>
-              <a:t>Statistical Modeling</a:t>
-            </a:r>
-            <a:endParaRPr lang="en-US" sz="4800" dirty="0">
-              <a:solidFill>
-                <a:srgbClr val="2D3A37"/>
-              </a:solidFill>
-            </a:endParaRPr>
-          </a:p>
-        </p:txBody>
-      </p:sp>
-      <p:sp>
-        <p:nvSpPr>
-          <p:cNvPr id="7" name="TextBox 6">
-            <a:extLst>
-              <a:ext uri="{FF2B5EF4-FFF2-40B4-BE49-F238E27FC236}">
-                <a16:creationId xmlns:a16="http://schemas.microsoft.com/office/drawing/2014/main" id="{D9B238EA-D04E-3255-7509-F990F1A8F309}"/>
-              </a:ext>
-            </a:extLst>
-          </p:cNvPr>
-          <p:cNvSpPr txBox="1"/>
-          <p:nvPr/>
-        </p:nvSpPr>
-        <p:spPr>
-          <a:xfrm>
-            <a:off x="495300" y="1977074"/>
-            <a:ext cx="11201400" cy="3915966"/>
-          </a:xfrm>
-          <a:prstGeom prst="roundRect">
-            <a:avLst/>
-          </a:prstGeom>
-          <a:solidFill>
-            <a:schemeClr val="bg1"/>
-          </a:solidFill>
-          <a:ln w="76200">
-            <a:solidFill>
-              <a:srgbClr val="FFC416"/>
-            </a:solidFill>
-          </a:ln>
-        </p:spPr>
-        <p:style>
-          <a:lnRef idx="2">
-            <a:schemeClr val="dk1"/>
-          </a:lnRef>
-          <a:fillRef idx="1">
-            <a:schemeClr val="lt1"/>
-          </a:fillRef>
-          <a:effectRef idx="0">
-            <a:schemeClr val="dk1"/>
-          </a:effectRef>
-          <a:fontRef idx="minor">
-            <a:schemeClr val="dk1"/>
-          </a:fontRef>
-        </p:style>
-        <p:txBody>
-          <a:bodyPr wrap="square" rtlCol="0">
-            <a:spAutoFit/>
-          </a:bodyPr>
-          <a:lstStyle/>
-          <a:p>
-            <a:r>
-              <a:rPr lang="en-US" sz="2800" dirty="0">
-                <a:solidFill>
-                  <a:srgbClr val="660066"/>
-                </a:solidFill>
-              </a:rPr>
-              <a:t>Statistical Modeling is the Process of …</a:t>
-            </a:r>
-          </a:p>
-          <a:p>
-            <a:endParaRPr lang="en-US" sz="2800" dirty="0">
-              <a:solidFill>
-                <a:srgbClr val="660066"/>
-              </a:solidFill>
-            </a:endParaRPr>
-          </a:p>
-          <a:p>
-            <a:r>
-              <a:rPr lang="en-US" sz="2800" b="1" dirty="0">
-                <a:solidFill>
-                  <a:srgbClr val="660066"/>
-                </a:solidFill>
-              </a:rPr>
-              <a:t>Defining the Function </a:t>
-            </a:r>
-            <a:r>
-              <a:rPr lang="en-US" sz="2800" b="1" i="1" dirty="0">
-                <a:solidFill>
-                  <a:srgbClr val="660066"/>
-                </a:solidFill>
-              </a:rPr>
-              <a:t>f(X) </a:t>
-            </a:r>
-            <a:r>
-              <a:rPr lang="en-US" sz="2800" dirty="0">
-                <a:solidFill>
-                  <a:srgbClr val="660066"/>
-                </a:solidFill>
-              </a:rPr>
-              <a:t>and then </a:t>
-            </a:r>
-            <a:r>
-              <a:rPr lang="en-US" sz="2800" b="1" dirty="0">
-                <a:solidFill>
-                  <a:srgbClr val="660066"/>
-                </a:solidFill>
-              </a:rPr>
-              <a:t>Fitting that Function </a:t>
-            </a:r>
-            <a:r>
-              <a:rPr lang="en-US" sz="2800" b="1" i="1" dirty="0">
-                <a:solidFill>
-                  <a:srgbClr val="660066"/>
-                </a:solidFill>
-              </a:rPr>
-              <a:t>f(X) </a:t>
-            </a:r>
-          </a:p>
-          <a:p>
-            <a:r>
-              <a:rPr lang="en-US" sz="2800" dirty="0">
-                <a:solidFill>
-                  <a:srgbClr val="660066"/>
-                </a:solidFill>
-              </a:rPr>
-              <a:t>to a sample dataset by </a:t>
-            </a:r>
-            <a:r>
-              <a:rPr lang="en-US" sz="2800" b="1" dirty="0">
-                <a:solidFill>
-                  <a:srgbClr val="660066"/>
-                </a:solidFill>
-              </a:rPr>
-              <a:t>Minimizing the Error</a:t>
-            </a:r>
-            <a:r>
-              <a:rPr lang="en-US" sz="2800" dirty="0">
-                <a:solidFill>
-                  <a:srgbClr val="660066"/>
-                </a:solidFill>
-              </a:rPr>
-              <a:t> the best we possibly can</a:t>
-            </a:r>
-          </a:p>
-          <a:p>
-            <a:pPr algn="ctr"/>
-            <a:endParaRPr lang="en-US" sz="2800" dirty="0">
-              <a:solidFill>
-                <a:srgbClr val="660066"/>
-              </a:solidFill>
-            </a:endParaRPr>
-          </a:p>
-          <a:p>
-            <a:pPr marL="685800" indent="-685800">
-              <a:buFont typeface="Arial" panose="020B0604020202020204" pitchFamily="34" charset="0"/>
-              <a:buChar char="•"/>
-            </a:pPr>
-            <a:endParaRPr lang="en-US" sz="2800" dirty="0">
-              <a:solidFill>
-                <a:srgbClr val="660066"/>
-              </a:solidFill>
-            </a:endParaRPr>
-          </a:p>
-          <a:p>
-            <a:r>
-              <a:rPr lang="en-US" sz="2800" dirty="0">
-                <a:solidFill>
-                  <a:srgbClr val="660066"/>
-                </a:solidFill>
-              </a:rPr>
-              <a:t>Methodology we Use Depends on the Types of Variables</a:t>
-            </a:r>
-          </a:p>
-          <a:p>
-            <a:endParaRPr lang="en-US" sz="2800" dirty="0">
-              <a:solidFill>
-                <a:srgbClr val="660066"/>
-              </a:solidFill>
-            </a:endParaRPr>
-          </a:p>
-        </p:txBody>
-      </p:sp>
-    </p:spTree>
-    <p:extLst>
-      <p:ext uri="{BB962C8B-B14F-4D97-AF65-F5344CB8AC3E}">
-        <p14:creationId xmlns:p14="http://schemas.microsoft.com/office/powerpoint/2010/main" val="4128989348"/>
-      </p:ext>
-    </p:extLst>
-  </p:cSld>
-  <p:clrMapOvr>
-    <a:masterClrMapping/>
-  </p:clrMapOvr>
-</p:sld>
-</file>
-
-<file path=ppt/slides/slide7.xml><?xml version="1.0" encoding="utf-8"?>
-<p:sld xmlns:a="http://schemas.openxmlformats.org/drawingml/2006/main" xmlns:r="http://schemas.openxmlformats.org/officeDocument/2006/relationships" xmlns:p="http://schemas.openxmlformats.org/presentationml/2006/main">
-  <p:cSld>
-    <p:spTree>
-      <p:nvGrpSpPr>
-        <p:cNvPr id="1" name=""/>
-        <p:cNvGrpSpPr/>
-        <p:nvPr/>
-      </p:nvGrpSpPr>
-      <p:grpSpPr>
-        <a:xfrm>
-          <a:off x="0" y="0"/>
-          <a:ext cx="0" cy="0"/>
-          <a:chOff x="0" y="0"/>
-          <a:chExt cx="0" cy="0"/>
-        </a:xfrm>
-      </p:grpSpPr>
-      <p:pic>
-        <p:nvPicPr>
-          <p:cNvPr id="2" name="Picture 10" descr="Mario Pattern">
-            <a:extLst>
-              <a:ext uri="{FF2B5EF4-FFF2-40B4-BE49-F238E27FC236}">
-                <a16:creationId xmlns:a16="http://schemas.microsoft.com/office/drawing/2014/main" id="{8F84FFD9-23AF-75F7-6DAA-904525952142}"/>
-              </a:ext>
-            </a:extLst>
-          </p:cNvPr>
-          <p:cNvPicPr>
-            <a:picLocks noChangeAspect="1" noChangeArrowheads="1"/>
-          </p:cNvPicPr>
-          <p:nvPr/>
-        </p:nvPicPr>
-        <p:blipFill rotWithShape="1">
-          <a:blip r:embed="rId2">
-            <a:alphaModFix amt="47000"/>
-            <a:extLst>
-              <a:ext uri="{28A0092B-C50C-407E-A947-70E740481C1C}">
-                <a14:useLocalDpi xmlns:a14="http://schemas.microsoft.com/office/drawing/2010/main" val="0"/>
-              </a:ext>
-            </a:extLst>
-          </a:blip>
-          <a:srcRect l="4595" r="6699"/>
-          <a:stretch/>
-        </p:blipFill>
-        <p:spPr bwMode="auto">
-          <a:xfrm>
-            <a:off x="0" y="-2057400"/>
-            <a:ext cx="12192000" cy="10308201"/>
-          </a:xfrm>
-          <a:prstGeom prst="rect">
-            <a:avLst/>
-          </a:prstGeom>
-          <a:noFill/>
-          <a:extLst>
-            <a:ext uri="{909E8E84-426E-40DD-AFC4-6F175D3DCCD1}">
-              <a14:hiddenFill xmlns:a14="http://schemas.microsoft.com/office/drawing/2010/main">
-                <a:solidFill>
-                  <a:srgbClr val="FFFFFF"/>
-                </a:solidFill>
-              </a14:hiddenFill>
-            </a:ext>
-          </a:extLst>
-        </p:spPr>
-      </p:pic>
-      <p:sp>
-        <p:nvSpPr>
-          <p:cNvPr id="12" name="Line 11"/>
-          <p:cNvSpPr>
-            <a:spLocks noChangeShapeType="1"/>
-          </p:cNvSpPr>
-          <p:nvPr/>
-        </p:nvSpPr>
-        <p:spPr bwMode="auto">
-          <a:xfrm flipV="1">
-            <a:off x="6972300" y="5109836"/>
-            <a:ext cx="609600" cy="533400"/>
-          </a:xfrm>
-          <a:prstGeom prst="line">
-            <a:avLst/>
-          </a:prstGeom>
-          <a:noFill/>
-          <a:ln w="38100">
-            <a:solidFill>
-              <a:srgbClr val="FFFF66"/>
-            </a:solidFill>
-            <a:round/>
-            <a:headEnd/>
-            <a:tailEnd type="triangle" w="med" len="med"/>
-          </a:ln>
-          <a:extLst>
-            <a:ext uri="{909E8E84-426E-40DD-AFC4-6F175D3DCCD1}">
-              <a14:hiddenFill xmlns:a14="http://schemas.microsoft.com/office/drawing/2010/main">
-                <a:noFill/>
-              </a14:hiddenFill>
-            </a:ext>
-          </a:extLst>
-        </p:spPr>
-        <p:txBody>
-          <a:bodyPr wrap="square">
-            <a:spAutoFit/>
-          </a:bodyPr>
-          <a:lstStyle/>
-          <a:p>
-            <a:endParaRPr lang="en-US"/>
-          </a:p>
-        </p:txBody>
-      </p:sp>
-      <p:sp>
-        <p:nvSpPr>
-          <p:cNvPr id="6" name="TextBox 5">
-            <a:extLst>
-              <a:ext uri="{FF2B5EF4-FFF2-40B4-BE49-F238E27FC236}">
-                <a16:creationId xmlns:a16="http://schemas.microsoft.com/office/drawing/2014/main" id="{4F2DA592-D8EB-70BA-2112-6C13A4E7B393}"/>
-              </a:ext>
-            </a:extLst>
-          </p:cNvPr>
-          <p:cNvSpPr txBox="1"/>
-          <p:nvPr/>
-        </p:nvSpPr>
-        <p:spPr>
-          <a:xfrm>
-            <a:off x="495300" y="606817"/>
-            <a:ext cx="11201400" cy="919401"/>
-          </a:xfrm>
-          <a:prstGeom prst="roundRect">
-            <a:avLst/>
-          </a:prstGeom>
-          <a:solidFill>
-            <a:schemeClr val="bg1">
-              <a:alpha val="70000"/>
-            </a:schemeClr>
-          </a:solidFill>
-          <a:ln w="76200">
-            <a:solidFill>
-              <a:srgbClr val="FFC416"/>
-            </a:solidFill>
-          </a:ln>
-        </p:spPr>
-        <p:style>
-          <a:lnRef idx="2">
-            <a:schemeClr val="dk1"/>
-          </a:lnRef>
-          <a:fillRef idx="1">
-            <a:schemeClr val="lt1"/>
-          </a:fillRef>
-          <a:effectRef idx="0">
-            <a:schemeClr val="dk1"/>
-          </a:effectRef>
-          <a:fontRef idx="minor">
-            <a:schemeClr val="dk1"/>
-          </a:fontRef>
-        </p:style>
-        <p:txBody>
-          <a:bodyPr wrap="square" rtlCol="0">
-            <a:spAutoFit/>
-          </a:bodyPr>
-          <a:lstStyle/>
-          <a:p>
-            <a:pPr algn="ctr"/>
-            <a:r>
-              <a:rPr lang="en-US" sz="4800" b="1" dirty="0">
-                <a:solidFill>
-                  <a:srgbClr val="2D3A37"/>
-                </a:solidFill>
-                <a:latin typeface="Adobe Devanagari" panose="02040503050201020203" pitchFamily="18" charset="0"/>
-                <a:cs typeface="Adobe Devanagari" panose="02040503050201020203" pitchFamily="18" charset="0"/>
-              </a:rPr>
-              <a:t>Variable Types</a:t>
-            </a:r>
-            <a:endParaRPr lang="en-US" sz="4800" dirty="0">
-              <a:solidFill>
-                <a:srgbClr val="2D3A37"/>
-              </a:solidFill>
-            </a:endParaRPr>
-          </a:p>
-        </p:txBody>
-      </p:sp>
-      <p:sp>
-        <p:nvSpPr>
-          <p:cNvPr id="7" name="TextBox 6">
-            <a:extLst>
-              <a:ext uri="{FF2B5EF4-FFF2-40B4-BE49-F238E27FC236}">
-                <a16:creationId xmlns:a16="http://schemas.microsoft.com/office/drawing/2014/main" id="{D9B238EA-D04E-3255-7509-F990F1A8F309}"/>
-              </a:ext>
-            </a:extLst>
-          </p:cNvPr>
-          <p:cNvSpPr txBox="1"/>
-          <p:nvPr/>
-        </p:nvSpPr>
-        <p:spPr>
-          <a:xfrm>
-            <a:off x="495300" y="1977074"/>
-            <a:ext cx="11201400" cy="3439239"/>
-          </a:xfrm>
-          <a:prstGeom prst="roundRect">
-            <a:avLst/>
-          </a:prstGeom>
-          <a:solidFill>
-            <a:schemeClr val="bg1"/>
-          </a:solidFill>
-          <a:ln w="76200">
-            <a:solidFill>
-              <a:srgbClr val="FFC416"/>
-            </a:solidFill>
-          </a:ln>
-        </p:spPr>
-        <p:style>
-          <a:lnRef idx="2">
-            <a:schemeClr val="dk1"/>
-          </a:lnRef>
-          <a:fillRef idx="1">
-            <a:schemeClr val="lt1"/>
-          </a:fillRef>
-          <a:effectRef idx="0">
-            <a:schemeClr val="dk1"/>
-          </a:effectRef>
-          <a:fontRef idx="minor">
-            <a:schemeClr val="dk1"/>
-          </a:fontRef>
-        </p:style>
-        <p:txBody>
-          <a:bodyPr wrap="square" rtlCol="0">
-            <a:spAutoFit/>
-          </a:bodyPr>
-          <a:lstStyle/>
-          <a:p>
-            <a:endParaRPr lang="en-US" sz="2800" dirty="0">
-              <a:solidFill>
-                <a:srgbClr val="660066"/>
-              </a:solidFill>
-            </a:endParaRPr>
-          </a:p>
-          <a:p>
-            <a:endParaRPr lang="en-US" sz="2800" dirty="0">
-              <a:solidFill>
-                <a:srgbClr val="660066"/>
-              </a:solidFill>
-            </a:endParaRPr>
-          </a:p>
-          <a:p>
-            <a:endParaRPr lang="en-US" sz="2800" dirty="0">
-              <a:solidFill>
-                <a:srgbClr val="660066"/>
-              </a:solidFill>
-            </a:endParaRPr>
-          </a:p>
-          <a:p>
-            <a:endParaRPr lang="en-US" sz="2800" dirty="0">
-              <a:solidFill>
-                <a:srgbClr val="660066"/>
-              </a:solidFill>
-            </a:endParaRPr>
-          </a:p>
-          <a:p>
-            <a:endParaRPr lang="en-US" sz="2800" dirty="0">
-              <a:solidFill>
-                <a:srgbClr val="660066"/>
-              </a:solidFill>
-            </a:endParaRPr>
-          </a:p>
-          <a:p>
-            <a:endParaRPr lang="en-US" sz="2800" dirty="0">
-              <a:solidFill>
-                <a:srgbClr val="660066"/>
-              </a:solidFill>
-            </a:endParaRPr>
-          </a:p>
-          <a:p>
-            <a:endParaRPr lang="en-US" sz="2800" dirty="0">
-              <a:solidFill>
-                <a:srgbClr val="660066"/>
-              </a:solidFill>
-            </a:endParaRPr>
-          </a:p>
-        </p:txBody>
-      </p:sp>
-      <p:sp>
-        <p:nvSpPr>
-          <p:cNvPr id="3" name="TextBox 2">
-            <a:extLst>
-              <a:ext uri="{FF2B5EF4-FFF2-40B4-BE49-F238E27FC236}">
-                <a16:creationId xmlns:a16="http://schemas.microsoft.com/office/drawing/2014/main" id="{1A7B0DEE-7C9E-F4B1-5F83-29C0E1FA1DC8}"/>
-              </a:ext>
-            </a:extLst>
-          </p:cNvPr>
-          <p:cNvSpPr txBox="1"/>
-          <p:nvPr/>
-        </p:nvSpPr>
-        <p:spPr>
-          <a:xfrm>
-            <a:off x="2133600" y="2573480"/>
-            <a:ext cx="1981200" cy="523220"/>
-          </a:xfrm>
-          <a:prstGeom prst="rect">
-            <a:avLst/>
-          </a:prstGeom>
-          <a:noFill/>
-        </p:spPr>
-        <p:txBody>
-          <a:bodyPr wrap="square" rtlCol="0">
-            <a:spAutoFit/>
-          </a:bodyPr>
-          <a:lstStyle/>
-          <a:p>
-            <a:pPr algn="ctr"/>
-            <a:r>
-              <a:rPr lang="en-US" sz="2800" dirty="0"/>
-              <a:t>Categorical</a:t>
-            </a:r>
-          </a:p>
-        </p:txBody>
-      </p:sp>
-      <p:sp>
-        <p:nvSpPr>
-          <p:cNvPr id="4" name="TextBox 3">
-            <a:extLst>
-              <a:ext uri="{FF2B5EF4-FFF2-40B4-BE49-F238E27FC236}">
-                <a16:creationId xmlns:a16="http://schemas.microsoft.com/office/drawing/2014/main" id="{CFAFD2E7-A7E5-89A1-BB02-9E46C99529B9}"/>
-              </a:ext>
-            </a:extLst>
-          </p:cNvPr>
-          <p:cNvSpPr txBox="1"/>
-          <p:nvPr/>
-        </p:nvSpPr>
-        <p:spPr>
-          <a:xfrm>
-            <a:off x="6972300" y="2573480"/>
-            <a:ext cx="1981200" cy="523220"/>
-          </a:xfrm>
-          <a:prstGeom prst="rect">
-            <a:avLst/>
-          </a:prstGeom>
-          <a:noFill/>
-        </p:spPr>
-        <p:txBody>
-          <a:bodyPr wrap="square" rtlCol="0">
-            <a:spAutoFit/>
-          </a:bodyPr>
-          <a:lstStyle/>
-          <a:p>
-            <a:pPr algn="ctr"/>
-            <a:r>
-              <a:rPr lang="en-US" sz="2800" dirty="0"/>
-              <a:t>Quantitative</a:t>
-            </a:r>
-          </a:p>
-        </p:txBody>
-      </p:sp>
-      <p:sp>
-        <p:nvSpPr>
-          <p:cNvPr id="5" name="TextBox 4">
-            <a:extLst>
-              <a:ext uri="{FF2B5EF4-FFF2-40B4-BE49-F238E27FC236}">
-                <a16:creationId xmlns:a16="http://schemas.microsoft.com/office/drawing/2014/main" id="{11143612-8AB2-A3BC-0E01-14984F6FA621}"/>
-              </a:ext>
-            </a:extLst>
-          </p:cNvPr>
-          <p:cNvSpPr txBox="1"/>
-          <p:nvPr/>
-        </p:nvSpPr>
-        <p:spPr>
-          <a:xfrm>
-            <a:off x="838200" y="3928825"/>
-            <a:ext cx="1981200" cy="523220"/>
-          </a:xfrm>
-          <a:prstGeom prst="rect">
-            <a:avLst/>
-          </a:prstGeom>
-          <a:noFill/>
-        </p:spPr>
-        <p:txBody>
-          <a:bodyPr wrap="square" rtlCol="0">
-            <a:spAutoFit/>
-          </a:bodyPr>
-          <a:lstStyle/>
-          <a:p>
-            <a:pPr algn="ctr"/>
-            <a:r>
-              <a:rPr lang="en-US" sz="2800" dirty="0"/>
-              <a:t>Nominal</a:t>
-            </a:r>
-          </a:p>
-        </p:txBody>
-      </p:sp>
-      <p:cxnSp>
-        <p:nvCxnSpPr>
-          <p:cNvPr id="9" name="Straight Arrow Connector 8">
-            <a:extLst>
-              <a:ext uri="{FF2B5EF4-FFF2-40B4-BE49-F238E27FC236}">
-                <a16:creationId xmlns:a16="http://schemas.microsoft.com/office/drawing/2014/main" id="{3401CCB9-A102-9EAD-91BF-1C15EC64A163}"/>
-              </a:ext>
-            </a:extLst>
-          </p:cNvPr>
-          <p:cNvCxnSpPr>
-            <a:cxnSpLocks/>
-          </p:cNvCxnSpPr>
-          <p:nvPr/>
-        </p:nvCxnSpPr>
-        <p:spPr>
-          <a:xfrm>
-            <a:off x="3463636" y="3096700"/>
-            <a:ext cx="784514" cy="905176"/>
-          </a:xfrm>
-          <a:prstGeom prst="straightConnector1">
-            <a:avLst/>
-          </a:prstGeom>
-          <a:ln w="38100">
-            <a:tailEnd type="triangle"/>
-          </a:ln>
-        </p:spPr>
-        <p:style>
-          <a:lnRef idx="1">
-            <a:schemeClr val="dk1"/>
-          </a:lnRef>
-          <a:fillRef idx="0">
-            <a:schemeClr val="dk1"/>
-          </a:fillRef>
-          <a:effectRef idx="0">
-            <a:schemeClr val="dk1"/>
-          </a:effectRef>
-          <a:fontRef idx="minor">
-            <a:schemeClr val="tx1"/>
-          </a:fontRef>
-        </p:style>
-      </p:cxnSp>
-      <p:sp>
-        <p:nvSpPr>
-          <p:cNvPr id="10" name="TextBox 9">
-            <a:extLst>
-              <a:ext uri="{FF2B5EF4-FFF2-40B4-BE49-F238E27FC236}">
-                <a16:creationId xmlns:a16="http://schemas.microsoft.com/office/drawing/2014/main" id="{DAD3E5CA-DB79-E709-CCBE-CB37CA25C445}"/>
-              </a:ext>
-            </a:extLst>
-          </p:cNvPr>
-          <p:cNvSpPr txBox="1"/>
-          <p:nvPr/>
-        </p:nvSpPr>
-        <p:spPr>
-          <a:xfrm>
-            <a:off x="3463636" y="3928825"/>
-            <a:ext cx="1981200" cy="523220"/>
-          </a:xfrm>
-          <a:prstGeom prst="rect">
-            <a:avLst/>
-          </a:prstGeom>
-          <a:noFill/>
-        </p:spPr>
-        <p:txBody>
-          <a:bodyPr wrap="square" rtlCol="0">
-            <a:spAutoFit/>
-          </a:bodyPr>
-          <a:lstStyle/>
-          <a:p>
-            <a:pPr algn="ctr"/>
-            <a:r>
-              <a:rPr lang="en-US" sz="2800" dirty="0"/>
-              <a:t>Ordinal</a:t>
-            </a:r>
-          </a:p>
-        </p:txBody>
-      </p:sp>
-      <p:cxnSp>
-        <p:nvCxnSpPr>
-          <p:cNvPr id="11" name="Straight Arrow Connector 10">
-            <a:extLst>
-              <a:ext uri="{FF2B5EF4-FFF2-40B4-BE49-F238E27FC236}">
-                <a16:creationId xmlns:a16="http://schemas.microsoft.com/office/drawing/2014/main" id="{B63DDBBD-A910-894E-8212-5D8AB4CBE24D}"/>
-              </a:ext>
-            </a:extLst>
-          </p:cNvPr>
-          <p:cNvCxnSpPr>
-            <a:cxnSpLocks/>
-          </p:cNvCxnSpPr>
-          <p:nvPr/>
-        </p:nvCxnSpPr>
-        <p:spPr>
-          <a:xfrm flipH="1">
-            <a:off x="1905000" y="3053570"/>
-            <a:ext cx="778453" cy="948306"/>
-          </a:xfrm>
-          <a:prstGeom prst="straightConnector1">
-            <a:avLst/>
-          </a:prstGeom>
-          <a:ln w="38100">
-            <a:tailEnd type="triangle"/>
-          </a:ln>
-        </p:spPr>
-        <p:style>
-          <a:lnRef idx="1">
-            <a:schemeClr val="dk1"/>
-          </a:lnRef>
-          <a:fillRef idx="0">
-            <a:schemeClr val="dk1"/>
-          </a:fillRef>
-          <a:effectRef idx="0">
-            <a:schemeClr val="dk1"/>
-          </a:effectRef>
-          <a:fontRef idx="minor">
-            <a:schemeClr val="tx1"/>
-          </a:fontRef>
-        </p:style>
-      </p:cxnSp>
-      <p:sp>
-        <p:nvSpPr>
-          <p:cNvPr id="17" name="TextBox 16">
-            <a:extLst>
-              <a:ext uri="{FF2B5EF4-FFF2-40B4-BE49-F238E27FC236}">
-                <a16:creationId xmlns:a16="http://schemas.microsoft.com/office/drawing/2014/main" id="{7BF8B504-64DF-0799-78F5-0935CF66DDFF}"/>
-              </a:ext>
-            </a:extLst>
-          </p:cNvPr>
-          <p:cNvSpPr txBox="1"/>
-          <p:nvPr/>
-        </p:nvSpPr>
-        <p:spPr>
-          <a:xfrm>
-            <a:off x="5867400" y="3928825"/>
-            <a:ext cx="1981200" cy="523220"/>
-          </a:xfrm>
-          <a:prstGeom prst="rect">
-            <a:avLst/>
-          </a:prstGeom>
-          <a:noFill/>
-        </p:spPr>
-        <p:txBody>
-          <a:bodyPr wrap="square" rtlCol="0">
-            <a:spAutoFit/>
-          </a:bodyPr>
-          <a:lstStyle/>
-          <a:p>
-            <a:pPr algn="ctr"/>
-            <a:r>
-              <a:rPr lang="en-US" sz="2800" dirty="0"/>
-              <a:t>Continuous</a:t>
-            </a:r>
-          </a:p>
-        </p:txBody>
-      </p:sp>
-      <p:sp>
-        <p:nvSpPr>
-          <p:cNvPr id="18" name="TextBox 17">
-            <a:extLst>
-              <a:ext uri="{FF2B5EF4-FFF2-40B4-BE49-F238E27FC236}">
-                <a16:creationId xmlns:a16="http://schemas.microsoft.com/office/drawing/2014/main" id="{EFD82E02-3E49-05C9-4071-EBC5308FD86D}"/>
-              </a:ext>
-            </a:extLst>
-          </p:cNvPr>
-          <p:cNvSpPr txBox="1"/>
-          <p:nvPr/>
-        </p:nvSpPr>
-        <p:spPr>
-          <a:xfrm>
-            <a:off x="8610600" y="3928825"/>
-            <a:ext cx="1981200" cy="523220"/>
-          </a:xfrm>
-          <a:prstGeom prst="rect">
-            <a:avLst/>
-          </a:prstGeom>
-          <a:noFill/>
-        </p:spPr>
-        <p:txBody>
-          <a:bodyPr wrap="square" rtlCol="0">
-            <a:spAutoFit/>
-          </a:bodyPr>
-          <a:lstStyle/>
-          <a:p>
-            <a:pPr algn="ctr"/>
-            <a:r>
-              <a:rPr lang="en-US" sz="2800" dirty="0"/>
-              <a:t>Discrete</a:t>
-            </a:r>
-          </a:p>
-        </p:txBody>
-      </p:sp>
-      <p:cxnSp>
-        <p:nvCxnSpPr>
-          <p:cNvPr id="19" name="Straight Arrow Connector 18">
-            <a:extLst>
-              <a:ext uri="{FF2B5EF4-FFF2-40B4-BE49-F238E27FC236}">
-                <a16:creationId xmlns:a16="http://schemas.microsoft.com/office/drawing/2014/main" id="{80C576BA-A317-1886-667C-51A3109B9896}"/>
-              </a:ext>
-            </a:extLst>
-          </p:cNvPr>
-          <p:cNvCxnSpPr>
-            <a:cxnSpLocks/>
-          </p:cNvCxnSpPr>
-          <p:nvPr/>
-        </p:nvCxnSpPr>
-        <p:spPr>
-          <a:xfrm flipH="1">
-            <a:off x="6856268" y="3060175"/>
-            <a:ext cx="689263" cy="1001181"/>
-          </a:xfrm>
-          <a:prstGeom prst="straightConnector1">
-            <a:avLst/>
-          </a:prstGeom>
-          <a:ln w="38100">
-            <a:tailEnd type="triangle"/>
-          </a:ln>
-        </p:spPr>
-        <p:style>
-          <a:lnRef idx="1">
-            <a:schemeClr val="dk1"/>
-          </a:lnRef>
-          <a:fillRef idx="0">
-            <a:schemeClr val="dk1"/>
-          </a:fillRef>
-          <a:effectRef idx="0">
-            <a:schemeClr val="dk1"/>
-          </a:effectRef>
-          <a:fontRef idx="minor">
-            <a:schemeClr val="tx1"/>
-          </a:fontRef>
-        </p:style>
-      </p:cxnSp>
-      <p:cxnSp>
-        <p:nvCxnSpPr>
-          <p:cNvPr id="21" name="Straight Arrow Connector 20">
-            <a:extLst>
-              <a:ext uri="{FF2B5EF4-FFF2-40B4-BE49-F238E27FC236}">
-                <a16:creationId xmlns:a16="http://schemas.microsoft.com/office/drawing/2014/main" id="{F21F3507-22BC-C77F-747D-AF729C57E35A}"/>
-              </a:ext>
-            </a:extLst>
-          </p:cNvPr>
-          <p:cNvCxnSpPr>
-            <a:cxnSpLocks/>
-          </p:cNvCxnSpPr>
-          <p:nvPr/>
-        </p:nvCxnSpPr>
-        <p:spPr>
-          <a:xfrm>
-            <a:off x="8575964" y="3053570"/>
-            <a:ext cx="693159" cy="948306"/>
-          </a:xfrm>
-          <a:prstGeom prst="straightConnector1">
-            <a:avLst/>
-          </a:prstGeom>
-          <a:ln w="38100">
-            <a:tailEnd type="triangle"/>
-          </a:ln>
-        </p:spPr>
-        <p:style>
-          <a:lnRef idx="1">
-            <a:schemeClr val="dk1"/>
-          </a:lnRef>
-          <a:fillRef idx="0">
-            <a:schemeClr val="dk1"/>
-          </a:fillRef>
-          <a:effectRef idx="0">
-            <a:schemeClr val="dk1"/>
-          </a:effectRef>
-          <a:fontRef idx="minor">
-            <a:schemeClr val="tx1"/>
-          </a:fontRef>
-        </p:style>
-      </p:cxnSp>
-      <p:sp>
-        <p:nvSpPr>
-          <p:cNvPr id="24" name="TextBox 23">
-            <a:extLst>
-              <a:ext uri="{FF2B5EF4-FFF2-40B4-BE49-F238E27FC236}">
-                <a16:creationId xmlns:a16="http://schemas.microsoft.com/office/drawing/2014/main" id="{91468417-64DA-A060-9885-2F7F61F2C60E}"/>
-              </a:ext>
-            </a:extLst>
-          </p:cNvPr>
-          <p:cNvSpPr txBox="1"/>
-          <p:nvPr/>
-        </p:nvSpPr>
-        <p:spPr>
-          <a:xfrm>
-            <a:off x="841663" y="4442377"/>
-            <a:ext cx="1981200" cy="400110"/>
-          </a:xfrm>
-          <a:prstGeom prst="rect">
-            <a:avLst/>
-          </a:prstGeom>
-          <a:noFill/>
-        </p:spPr>
-        <p:txBody>
-          <a:bodyPr wrap="square" rtlCol="0">
-            <a:spAutoFit/>
-          </a:bodyPr>
-          <a:lstStyle/>
-          <a:p>
-            <a:pPr algn="ctr"/>
-            <a:r>
-              <a:rPr lang="en-US" sz="2000" i="1" dirty="0">
-                <a:solidFill>
-                  <a:srgbClr val="660066"/>
-                </a:solidFill>
-              </a:rPr>
-              <a:t>LEGO Theme</a:t>
-            </a:r>
-          </a:p>
-        </p:txBody>
-      </p:sp>
-      <p:sp>
-        <p:nvSpPr>
-          <p:cNvPr id="25" name="TextBox 24">
-            <a:extLst>
-              <a:ext uri="{FF2B5EF4-FFF2-40B4-BE49-F238E27FC236}">
-                <a16:creationId xmlns:a16="http://schemas.microsoft.com/office/drawing/2014/main" id="{992BAD34-5806-380C-44F2-99CE85567B90}"/>
-              </a:ext>
-            </a:extLst>
-          </p:cNvPr>
-          <p:cNvSpPr txBox="1"/>
-          <p:nvPr/>
-        </p:nvSpPr>
-        <p:spPr>
-          <a:xfrm>
-            <a:off x="3446318" y="4442377"/>
-            <a:ext cx="1981200" cy="400110"/>
-          </a:xfrm>
-          <a:prstGeom prst="rect">
-            <a:avLst/>
-          </a:prstGeom>
-          <a:noFill/>
-        </p:spPr>
-        <p:txBody>
-          <a:bodyPr wrap="square" rtlCol="0">
-            <a:spAutoFit/>
-          </a:bodyPr>
-          <a:lstStyle/>
-          <a:p>
-            <a:pPr algn="ctr"/>
-            <a:r>
-              <a:rPr lang="en-US" sz="2000" i="1" dirty="0">
-                <a:solidFill>
-                  <a:srgbClr val="660066"/>
-                </a:solidFill>
-              </a:rPr>
-              <a:t>LEGO Ages</a:t>
-            </a:r>
-          </a:p>
-        </p:txBody>
-      </p:sp>
-    </p:spTree>
-    <p:extLst>
-      <p:ext uri="{BB962C8B-B14F-4D97-AF65-F5344CB8AC3E}">
-        <p14:creationId xmlns:p14="http://schemas.microsoft.com/office/powerpoint/2010/main" val="371418788"/>
-      </p:ext>
-    </p:extLst>
-  </p:cSld>
-  <p:clrMapOvr>
-    <a:masterClrMapping/>
-  </p:clrMapOvr>
-</p:sld>
-</file>
-
-<file path=ppt/slides/slide8.xml><?xml version="1.0" encoding="utf-8"?>
-<p:sld xmlns:a="http://schemas.openxmlformats.org/drawingml/2006/main" xmlns:r="http://schemas.openxmlformats.org/officeDocument/2006/relationships" xmlns:p="http://schemas.openxmlformats.org/presentationml/2006/main">
-  <p:cSld>
-    <p:spTree>
-      <p:nvGrpSpPr>
-        <p:cNvPr id="1" name=""/>
-        <p:cNvGrpSpPr/>
-        <p:nvPr/>
-      </p:nvGrpSpPr>
-      <p:grpSpPr>
-        <a:xfrm>
-          <a:off x="0" y="0"/>
-          <a:ext cx="0" cy="0"/>
-          <a:chOff x="0" y="0"/>
-          <a:chExt cx="0" cy="0"/>
-        </a:xfrm>
-      </p:grpSpPr>
-      <p:pic>
-        <p:nvPicPr>
-          <p:cNvPr id="2" name="Picture 10" descr="Mario Pattern">
-            <a:extLst>
-              <a:ext uri="{FF2B5EF4-FFF2-40B4-BE49-F238E27FC236}">
-                <a16:creationId xmlns:a16="http://schemas.microsoft.com/office/drawing/2014/main" id="{8F84FFD9-23AF-75F7-6DAA-904525952142}"/>
-              </a:ext>
-            </a:extLst>
-          </p:cNvPr>
-          <p:cNvPicPr>
-            <a:picLocks noChangeAspect="1" noChangeArrowheads="1"/>
-          </p:cNvPicPr>
-          <p:nvPr/>
-        </p:nvPicPr>
-        <p:blipFill rotWithShape="1">
-          <a:blip r:embed="rId2">
-            <a:alphaModFix amt="47000"/>
-            <a:extLst>
-              <a:ext uri="{28A0092B-C50C-407E-A947-70E740481C1C}">
-                <a14:useLocalDpi xmlns:a14="http://schemas.microsoft.com/office/drawing/2010/main" val="0"/>
-              </a:ext>
-            </a:extLst>
-          </a:blip>
-          <a:srcRect l="4595" r="6699"/>
-          <a:stretch/>
-        </p:blipFill>
-        <p:spPr bwMode="auto">
-          <a:xfrm>
-            <a:off x="0" y="-2057400"/>
-            <a:ext cx="12192000" cy="10308201"/>
-          </a:xfrm>
-          <a:prstGeom prst="rect">
-            <a:avLst/>
-          </a:prstGeom>
-          <a:noFill/>
-          <a:extLst>
-            <a:ext uri="{909E8E84-426E-40DD-AFC4-6F175D3DCCD1}">
-              <a14:hiddenFill xmlns:a14="http://schemas.microsoft.com/office/drawing/2010/main">
-                <a:solidFill>
-                  <a:srgbClr val="FFFFFF"/>
-                </a:solidFill>
-              </a14:hiddenFill>
-            </a:ext>
-          </a:extLst>
-        </p:spPr>
-      </p:pic>
-      <p:sp>
-        <p:nvSpPr>
-          <p:cNvPr id="12" name="Line 11"/>
-          <p:cNvSpPr>
-            <a:spLocks noChangeShapeType="1"/>
-          </p:cNvSpPr>
-          <p:nvPr/>
-        </p:nvSpPr>
-        <p:spPr bwMode="auto">
-          <a:xfrm flipV="1">
-            <a:off x="6972300" y="5109836"/>
-            <a:ext cx="609600" cy="533400"/>
-          </a:xfrm>
-          <a:prstGeom prst="line">
-            <a:avLst/>
-          </a:prstGeom>
-          <a:noFill/>
-          <a:ln w="38100">
-            <a:solidFill>
-              <a:srgbClr val="FFFF66"/>
-            </a:solidFill>
-            <a:round/>
-            <a:headEnd/>
-            <a:tailEnd type="triangle" w="med" len="med"/>
-          </a:ln>
-          <a:extLst>
-            <a:ext uri="{909E8E84-426E-40DD-AFC4-6F175D3DCCD1}">
-              <a14:hiddenFill xmlns:a14="http://schemas.microsoft.com/office/drawing/2010/main">
-                <a:noFill/>
-              </a14:hiddenFill>
-            </a:ext>
-          </a:extLst>
-        </p:spPr>
-        <p:txBody>
-          <a:bodyPr wrap="square">
-            <a:spAutoFit/>
-          </a:bodyPr>
-          <a:lstStyle/>
-          <a:p>
-            <a:endParaRPr lang="en-US"/>
-          </a:p>
-        </p:txBody>
-      </p:sp>
-      <p:sp>
-        <p:nvSpPr>
-          <p:cNvPr id="6" name="TextBox 5">
-            <a:extLst>
-              <a:ext uri="{FF2B5EF4-FFF2-40B4-BE49-F238E27FC236}">
-                <a16:creationId xmlns:a16="http://schemas.microsoft.com/office/drawing/2014/main" id="{4F2DA592-D8EB-70BA-2112-6C13A4E7B393}"/>
-              </a:ext>
-            </a:extLst>
-          </p:cNvPr>
-          <p:cNvSpPr txBox="1"/>
-          <p:nvPr/>
-        </p:nvSpPr>
-        <p:spPr>
-          <a:xfrm>
-            <a:off x="495300" y="606817"/>
-            <a:ext cx="11201400" cy="919401"/>
-          </a:xfrm>
-          <a:prstGeom prst="roundRect">
-            <a:avLst/>
-          </a:prstGeom>
-          <a:solidFill>
-            <a:schemeClr val="bg1">
-              <a:alpha val="70000"/>
-            </a:schemeClr>
-          </a:solidFill>
-          <a:ln w="76200">
-            <a:solidFill>
-              <a:srgbClr val="FFC416"/>
-            </a:solidFill>
-          </a:ln>
-        </p:spPr>
-        <p:style>
-          <a:lnRef idx="2">
-            <a:schemeClr val="dk1"/>
-          </a:lnRef>
-          <a:fillRef idx="1">
-            <a:schemeClr val="lt1"/>
-          </a:fillRef>
-          <a:effectRef idx="0">
-            <a:schemeClr val="dk1"/>
-          </a:effectRef>
-          <a:fontRef idx="minor">
-            <a:schemeClr val="dk1"/>
-          </a:fontRef>
-        </p:style>
-        <p:txBody>
-          <a:bodyPr wrap="square" rtlCol="0">
-            <a:spAutoFit/>
-          </a:bodyPr>
-          <a:lstStyle/>
-          <a:p>
-            <a:pPr algn="ctr"/>
-            <a:r>
-              <a:rPr lang="en-US" sz="4800" b="1" dirty="0">
-                <a:solidFill>
-                  <a:srgbClr val="2D3A37"/>
-                </a:solidFill>
-                <a:effectLst/>
-                <a:latin typeface="Adobe Devanagari" panose="02040503050201020203" pitchFamily="18" charset="0"/>
-                <a:cs typeface="Adobe Devanagari" panose="02040503050201020203" pitchFamily="18" charset="0"/>
-              </a:rPr>
-              <a:t>Preview of Dataset</a:t>
-            </a:r>
-            <a:endParaRPr lang="en-US" sz="4800" dirty="0">
-              <a:solidFill>
-                <a:srgbClr val="2D3A37"/>
-              </a:solidFill>
-            </a:endParaRPr>
-          </a:p>
-        </p:txBody>
-      </p:sp>
-      <p:sp>
-        <p:nvSpPr>
-          <p:cNvPr id="7" name="TextBox 6">
-            <a:extLst>
-              <a:ext uri="{FF2B5EF4-FFF2-40B4-BE49-F238E27FC236}">
-                <a16:creationId xmlns:a16="http://schemas.microsoft.com/office/drawing/2014/main" id="{D9B238EA-D04E-3255-7509-F990F1A8F309}"/>
-              </a:ext>
-            </a:extLst>
-          </p:cNvPr>
-          <p:cNvSpPr txBox="1"/>
-          <p:nvPr/>
-        </p:nvSpPr>
-        <p:spPr>
-          <a:xfrm>
-            <a:off x="495300" y="1977074"/>
-            <a:ext cx="11201400" cy="3915966"/>
-          </a:xfrm>
-          <a:prstGeom prst="roundRect">
-            <a:avLst/>
-          </a:prstGeom>
-          <a:solidFill>
-            <a:schemeClr val="bg1"/>
-          </a:solidFill>
-          <a:ln w="76200">
-            <a:solidFill>
-              <a:srgbClr val="FFC416"/>
-            </a:solidFill>
-          </a:ln>
-        </p:spPr>
-        <p:style>
-          <a:lnRef idx="2">
-            <a:schemeClr val="dk1"/>
-          </a:lnRef>
-          <a:fillRef idx="1">
-            <a:schemeClr val="lt1"/>
-          </a:fillRef>
-          <a:effectRef idx="0">
-            <a:schemeClr val="dk1"/>
-          </a:effectRef>
-          <a:fontRef idx="minor">
-            <a:schemeClr val="dk1"/>
-          </a:fontRef>
-        </p:style>
-        <p:txBody>
-          <a:bodyPr wrap="square" rtlCol="0">
-            <a:spAutoFit/>
-          </a:bodyPr>
-          <a:lstStyle/>
-          <a:p>
-            <a:r>
-              <a:rPr lang="en-US" sz="2800" dirty="0">
-                <a:solidFill>
-                  <a:srgbClr val="660066"/>
-                </a:solidFill>
-              </a:rPr>
-              <a:t>Can we find all the variable types in this dataset?</a:t>
-            </a:r>
-          </a:p>
-          <a:p>
-            <a:endParaRPr lang="en-US" sz="2800" dirty="0">
-              <a:solidFill>
-                <a:srgbClr val="660066"/>
-              </a:solidFill>
-            </a:endParaRPr>
-          </a:p>
-          <a:p>
-            <a:endParaRPr lang="en-US" sz="2800" dirty="0">
-              <a:solidFill>
-                <a:srgbClr val="660066"/>
-              </a:solidFill>
-            </a:endParaRPr>
-          </a:p>
-          <a:p>
-            <a:pPr marL="685800" indent="-685800">
-              <a:buFont typeface="Arial" panose="020B0604020202020204" pitchFamily="34" charset="0"/>
-              <a:buChar char="•"/>
-            </a:pPr>
-            <a:endParaRPr lang="en-US" sz="2800" dirty="0">
-              <a:solidFill>
-                <a:srgbClr val="660066"/>
-              </a:solidFill>
-            </a:endParaRPr>
-          </a:p>
-          <a:p>
-            <a:pPr marL="685800" indent="-685800">
-              <a:buFont typeface="Arial" panose="020B0604020202020204" pitchFamily="34" charset="0"/>
-              <a:buChar char="•"/>
-            </a:pPr>
-            <a:endParaRPr lang="en-US" sz="2800" dirty="0">
-              <a:solidFill>
-                <a:srgbClr val="660066"/>
-              </a:solidFill>
-            </a:endParaRPr>
-          </a:p>
-          <a:p>
-            <a:pPr marL="685800" indent="-685800">
-              <a:buFont typeface="Arial" panose="020B0604020202020204" pitchFamily="34" charset="0"/>
-              <a:buChar char="•"/>
-            </a:pPr>
-            <a:endParaRPr lang="en-US" sz="2800" dirty="0">
-              <a:solidFill>
-                <a:srgbClr val="660066"/>
-              </a:solidFill>
-            </a:endParaRPr>
-          </a:p>
-          <a:p>
-            <a:endParaRPr lang="en-US" sz="2800" dirty="0">
-              <a:solidFill>
-                <a:srgbClr val="660066"/>
-              </a:solidFill>
-            </a:endParaRPr>
-          </a:p>
-          <a:p>
-            <a:endParaRPr lang="en-US" sz="2800" dirty="0">
-              <a:solidFill>
-                <a:srgbClr val="660066"/>
-              </a:solidFill>
-            </a:endParaRPr>
-          </a:p>
-        </p:txBody>
-      </p:sp>
-      <p:pic>
-        <p:nvPicPr>
-          <p:cNvPr id="4" name="Picture 3">
-            <a:extLst>
-              <a:ext uri="{FF2B5EF4-FFF2-40B4-BE49-F238E27FC236}">
-                <a16:creationId xmlns:a16="http://schemas.microsoft.com/office/drawing/2014/main" id="{C3CBCD0F-55A4-5DC7-3C02-910BA14700F3}"/>
-              </a:ext>
-            </a:extLst>
-          </p:cNvPr>
-          <p:cNvPicPr>
-            <a:picLocks noChangeAspect="1"/>
-          </p:cNvPicPr>
-          <p:nvPr/>
-        </p:nvPicPr>
-        <p:blipFill>
-          <a:blip r:embed="rId3"/>
-          <a:stretch>
-            <a:fillRect/>
-          </a:stretch>
-        </p:blipFill>
-        <p:spPr>
-          <a:xfrm>
-            <a:off x="756780" y="2979947"/>
-            <a:ext cx="10678440" cy="2386946"/>
-          </a:xfrm>
-          <a:prstGeom prst="rect">
-            <a:avLst/>
-          </a:prstGeom>
-          <a:ln w="28575">
-            <a:solidFill>
-              <a:srgbClr val="660066"/>
-            </a:solidFill>
-          </a:ln>
-        </p:spPr>
-      </p:pic>
-    </p:spTree>
-    <p:extLst>
-      <p:ext uri="{BB962C8B-B14F-4D97-AF65-F5344CB8AC3E}">
-        <p14:creationId xmlns:p14="http://schemas.microsoft.com/office/powerpoint/2010/main" val="1440189049"/>
-      </p:ext>
-    </p:extLst>
-  </p:cSld>
-  <p:clrMapOvr>
-    <a:masterClrMapping/>
-  </p:clrMapOvr>
-</p:sld>
-</file>
-
-<file path=ppt/slides/slide9.xml><?xml version="1.0" encoding="utf-8"?>
-<p:sld xmlns:a="http://schemas.openxmlformats.org/drawingml/2006/main" xmlns:r="http://schemas.openxmlformats.org/officeDocument/2006/relationships" xmlns:p="http://schemas.openxmlformats.org/presentationml/2006/main">
-  <p:cSld>
-    <p:spTree>
-      <p:nvGrpSpPr>
-        <p:cNvPr id="1" name=""/>
-        <p:cNvGrpSpPr/>
-        <p:nvPr/>
-      </p:nvGrpSpPr>
-      <p:grpSpPr>
-        <a:xfrm>
-          <a:off x="0" y="0"/>
-          <a:ext cx="0" cy="0"/>
-          <a:chOff x="0" y="0"/>
-          <a:chExt cx="0" cy="0"/>
-        </a:xfrm>
-      </p:grpSpPr>
-      <p:pic>
-        <p:nvPicPr>
-          <p:cNvPr id="2" name="Picture 10" descr="Mario Pattern">
-            <a:extLst>
-              <a:ext uri="{FF2B5EF4-FFF2-40B4-BE49-F238E27FC236}">
-                <a16:creationId xmlns:a16="http://schemas.microsoft.com/office/drawing/2014/main" id="{8F84FFD9-23AF-75F7-6DAA-904525952142}"/>
-              </a:ext>
-            </a:extLst>
-          </p:cNvPr>
-          <p:cNvPicPr>
-            <a:picLocks noChangeAspect="1" noChangeArrowheads="1"/>
-          </p:cNvPicPr>
-          <p:nvPr/>
-        </p:nvPicPr>
-        <p:blipFill rotWithShape="1">
-          <a:blip r:embed="rId2">
-            <a:alphaModFix amt="47000"/>
-            <a:extLst>
-              <a:ext uri="{28A0092B-C50C-407E-A947-70E740481C1C}">
-                <a14:useLocalDpi xmlns:a14="http://schemas.microsoft.com/office/drawing/2010/main" val="0"/>
-              </a:ext>
-            </a:extLst>
-          </a:blip>
-          <a:srcRect l="4595" r="6699"/>
-          <a:stretch/>
-        </p:blipFill>
-        <p:spPr bwMode="auto">
-          <a:xfrm>
-            <a:off x="0" y="-2057400"/>
-            <a:ext cx="12192000" cy="10308201"/>
-          </a:xfrm>
-          <a:prstGeom prst="rect">
-            <a:avLst/>
-          </a:prstGeom>
-          <a:noFill/>
-          <a:extLst>
-            <a:ext uri="{909E8E84-426E-40DD-AFC4-6F175D3DCCD1}">
-              <a14:hiddenFill xmlns:a14="http://schemas.microsoft.com/office/drawing/2010/main">
-                <a:solidFill>
-                  <a:srgbClr val="FFFFFF"/>
-                </a:solidFill>
-              </a14:hiddenFill>
-            </a:ext>
-          </a:extLst>
-        </p:spPr>
-      </p:pic>
-      <p:sp>
-        <p:nvSpPr>
-          <p:cNvPr id="12" name="Line 11"/>
-          <p:cNvSpPr>
-            <a:spLocks noChangeShapeType="1"/>
-          </p:cNvSpPr>
-          <p:nvPr/>
-        </p:nvSpPr>
-        <p:spPr bwMode="auto">
-          <a:xfrm flipV="1">
-            <a:off x="6972300" y="5109836"/>
-            <a:ext cx="609600" cy="533400"/>
-          </a:xfrm>
-          <a:prstGeom prst="line">
-            <a:avLst/>
-          </a:prstGeom>
-          <a:noFill/>
-          <a:ln w="38100">
-            <a:solidFill>
-              <a:srgbClr val="FFFF66"/>
-            </a:solidFill>
-            <a:round/>
-            <a:headEnd/>
-            <a:tailEnd type="triangle" w="med" len="med"/>
-          </a:ln>
-          <a:extLst>
-            <a:ext uri="{909E8E84-426E-40DD-AFC4-6F175D3DCCD1}">
-              <a14:hiddenFill xmlns:a14="http://schemas.microsoft.com/office/drawing/2010/main">
-                <a:noFill/>
-              </a14:hiddenFill>
-            </a:ext>
-          </a:extLst>
-        </p:spPr>
-        <p:txBody>
-          <a:bodyPr wrap="square">
-            <a:spAutoFit/>
-          </a:bodyPr>
-          <a:lstStyle/>
-          <a:p>
-            <a:endParaRPr lang="en-US"/>
-          </a:p>
-        </p:txBody>
-      </p:sp>
-      <p:sp>
-        <p:nvSpPr>
-          <p:cNvPr id="6" name="TextBox 5">
-            <a:extLst>
-              <a:ext uri="{FF2B5EF4-FFF2-40B4-BE49-F238E27FC236}">
-                <a16:creationId xmlns:a16="http://schemas.microsoft.com/office/drawing/2014/main" id="{4F2DA592-D8EB-70BA-2112-6C13A4E7B393}"/>
-              </a:ext>
-            </a:extLst>
-          </p:cNvPr>
-          <p:cNvSpPr txBox="1"/>
-          <p:nvPr/>
-        </p:nvSpPr>
-        <p:spPr>
-          <a:xfrm>
-            <a:off x="495300" y="606817"/>
-            <a:ext cx="11201400" cy="919401"/>
-          </a:xfrm>
-          <a:prstGeom prst="roundRect">
-            <a:avLst/>
-          </a:prstGeom>
-          <a:solidFill>
-            <a:schemeClr val="bg1">
-              <a:alpha val="70000"/>
-            </a:schemeClr>
-          </a:solidFill>
-          <a:ln w="76200">
-            <a:solidFill>
-              <a:srgbClr val="FFC416"/>
-            </a:solidFill>
-          </a:ln>
-        </p:spPr>
-        <p:style>
-          <a:lnRef idx="2">
-            <a:schemeClr val="dk1"/>
-          </a:lnRef>
-          <a:fillRef idx="1">
-            <a:schemeClr val="lt1"/>
-          </a:fillRef>
-          <a:effectRef idx="0">
-            <a:schemeClr val="dk1"/>
-          </a:effectRef>
-          <a:fontRef idx="minor">
-            <a:schemeClr val="dk1"/>
-          </a:fontRef>
-        </p:style>
-        <p:txBody>
-          <a:bodyPr wrap="square" rtlCol="0">
-            <a:spAutoFit/>
-          </a:bodyPr>
-          <a:lstStyle/>
-          <a:p>
-            <a:pPr algn="ctr"/>
-            <a:r>
-              <a:rPr lang="en-US" sz="4800" b="1" dirty="0">
-                <a:solidFill>
-                  <a:srgbClr val="2D3A37"/>
-                </a:solidFill>
-                <a:latin typeface="Adobe Devanagari" panose="02040503050201020203" pitchFamily="18" charset="0"/>
-                <a:cs typeface="Adobe Devanagari" panose="02040503050201020203" pitchFamily="18" charset="0"/>
-              </a:rPr>
-              <a:t>Example of Variable Types Using LEGO</a:t>
-            </a:r>
-            <a:endParaRPr lang="en-US" sz="4800" dirty="0">
-              <a:solidFill>
-                <a:srgbClr val="2D3A37"/>
-              </a:solidFill>
-            </a:endParaRPr>
-          </a:p>
-        </p:txBody>
-      </p:sp>
-      <p:sp>
-        <p:nvSpPr>
-          <p:cNvPr id="7" name="TextBox 6">
-            <a:extLst>
-              <a:ext uri="{FF2B5EF4-FFF2-40B4-BE49-F238E27FC236}">
-                <a16:creationId xmlns:a16="http://schemas.microsoft.com/office/drawing/2014/main" id="{D9B238EA-D04E-3255-7509-F990F1A8F309}"/>
-              </a:ext>
-            </a:extLst>
-          </p:cNvPr>
-          <p:cNvSpPr txBox="1"/>
-          <p:nvPr/>
-        </p:nvSpPr>
-        <p:spPr>
-          <a:xfrm>
-            <a:off x="495300" y="1977074"/>
-            <a:ext cx="11201400" cy="3439239"/>
-          </a:xfrm>
-          <a:prstGeom prst="roundRect">
-            <a:avLst/>
-          </a:prstGeom>
-          <a:solidFill>
-            <a:schemeClr val="bg1"/>
-          </a:solidFill>
-          <a:ln w="76200">
-            <a:solidFill>
-              <a:srgbClr val="FFC416"/>
-            </a:solidFill>
-          </a:ln>
-        </p:spPr>
-        <p:style>
-          <a:lnRef idx="2">
-            <a:schemeClr val="dk1"/>
-          </a:lnRef>
-          <a:fillRef idx="1">
-            <a:schemeClr val="lt1"/>
-          </a:fillRef>
-          <a:effectRef idx="0">
-            <a:schemeClr val="dk1"/>
-          </a:effectRef>
-          <a:fontRef idx="minor">
-            <a:schemeClr val="dk1"/>
-          </a:fontRef>
-        </p:style>
-        <p:txBody>
-          <a:bodyPr wrap="square" rtlCol="0">
-            <a:spAutoFit/>
-          </a:bodyPr>
-          <a:lstStyle/>
-          <a:p>
-            <a:endParaRPr lang="en-US" sz="2800" dirty="0">
-              <a:solidFill>
-                <a:srgbClr val="660066"/>
-              </a:solidFill>
-            </a:endParaRPr>
-          </a:p>
-          <a:p>
-            <a:endParaRPr lang="en-US" sz="2800" dirty="0">
-              <a:solidFill>
-                <a:srgbClr val="660066"/>
-              </a:solidFill>
-            </a:endParaRPr>
-          </a:p>
-          <a:p>
-            <a:endParaRPr lang="en-US" sz="2800" dirty="0">
-              <a:solidFill>
-                <a:srgbClr val="660066"/>
-              </a:solidFill>
-            </a:endParaRPr>
-          </a:p>
-          <a:p>
-            <a:endParaRPr lang="en-US" sz="2800" dirty="0">
-              <a:solidFill>
-                <a:srgbClr val="660066"/>
-              </a:solidFill>
-            </a:endParaRPr>
-          </a:p>
-          <a:p>
-            <a:endParaRPr lang="en-US" sz="2800" dirty="0">
-              <a:solidFill>
-                <a:srgbClr val="660066"/>
-              </a:solidFill>
-            </a:endParaRPr>
-          </a:p>
-          <a:p>
-            <a:endParaRPr lang="en-US" sz="2800" dirty="0">
-              <a:solidFill>
-                <a:srgbClr val="660066"/>
-              </a:solidFill>
-            </a:endParaRPr>
-          </a:p>
-          <a:p>
-            <a:endParaRPr lang="en-US" sz="2800" dirty="0">
-              <a:solidFill>
-                <a:srgbClr val="660066"/>
-              </a:solidFill>
-            </a:endParaRPr>
-          </a:p>
-        </p:txBody>
-      </p:sp>
-      <p:sp>
-        <p:nvSpPr>
-          <p:cNvPr id="3" name="TextBox 2">
-            <a:extLst>
-              <a:ext uri="{FF2B5EF4-FFF2-40B4-BE49-F238E27FC236}">
-                <a16:creationId xmlns:a16="http://schemas.microsoft.com/office/drawing/2014/main" id="{1A7B0DEE-7C9E-F4B1-5F83-29C0E1FA1DC8}"/>
-              </a:ext>
-            </a:extLst>
-          </p:cNvPr>
-          <p:cNvSpPr txBox="1"/>
-          <p:nvPr/>
-        </p:nvSpPr>
-        <p:spPr>
-          <a:xfrm>
-            <a:off x="2133600" y="2573480"/>
-            <a:ext cx="1981200" cy="523220"/>
-          </a:xfrm>
-          <a:prstGeom prst="rect">
-            <a:avLst/>
-          </a:prstGeom>
-          <a:noFill/>
-        </p:spPr>
-        <p:txBody>
-          <a:bodyPr wrap="square" rtlCol="0">
-            <a:spAutoFit/>
-          </a:bodyPr>
-          <a:lstStyle/>
-          <a:p>
-            <a:pPr algn="ctr"/>
-            <a:r>
-              <a:rPr lang="en-US" sz="2800" dirty="0"/>
-              <a:t>Categorical</a:t>
-            </a:r>
-          </a:p>
-        </p:txBody>
-      </p:sp>
-      <p:sp>
-        <p:nvSpPr>
-          <p:cNvPr id="4" name="TextBox 3">
-            <a:extLst>
-              <a:ext uri="{FF2B5EF4-FFF2-40B4-BE49-F238E27FC236}">
-                <a16:creationId xmlns:a16="http://schemas.microsoft.com/office/drawing/2014/main" id="{CFAFD2E7-A7E5-89A1-BB02-9E46C99529B9}"/>
-              </a:ext>
-            </a:extLst>
-          </p:cNvPr>
-          <p:cNvSpPr txBox="1"/>
-          <p:nvPr/>
-        </p:nvSpPr>
-        <p:spPr>
-          <a:xfrm>
-            <a:off x="6972300" y="2573480"/>
-            <a:ext cx="1981200" cy="523220"/>
-          </a:xfrm>
-          <a:prstGeom prst="rect">
-            <a:avLst/>
-          </a:prstGeom>
-          <a:noFill/>
-        </p:spPr>
-        <p:txBody>
-          <a:bodyPr wrap="square" rtlCol="0">
-            <a:spAutoFit/>
-          </a:bodyPr>
-          <a:lstStyle/>
-          <a:p>
-            <a:pPr algn="ctr"/>
-            <a:r>
-              <a:rPr lang="en-US" sz="2800" dirty="0"/>
-              <a:t>Quantitative</a:t>
-            </a:r>
-          </a:p>
-        </p:txBody>
-      </p:sp>
-      <p:sp>
-        <p:nvSpPr>
-          <p:cNvPr id="5" name="TextBox 4">
-            <a:extLst>
-              <a:ext uri="{FF2B5EF4-FFF2-40B4-BE49-F238E27FC236}">
-                <a16:creationId xmlns:a16="http://schemas.microsoft.com/office/drawing/2014/main" id="{11143612-8AB2-A3BC-0E01-14984F6FA621}"/>
-              </a:ext>
-            </a:extLst>
-          </p:cNvPr>
-          <p:cNvSpPr txBox="1"/>
-          <p:nvPr/>
-        </p:nvSpPr>
-        <p:spPr>
-          <a:xfrm>
-            <a:off x="838200" y="3928825"/>
-            <a:ext cx="1981200" cy="523220"/>
-          </a:xfrm>
-          <a:prstGeom prst="rect">
-            <a:avLst/>
-          </a:prstGeom>
-          <a:noFill/>
-        </p:spPr>
-        <p:txBody>
-          <a:bodyPr wrap="square" rtlCol="0">
-            <a:spAutoFit/>
-          </a:bodyPr>
-          <a:lstStyle/>
-          <a:p>
-            <a:pPr algn="ctr"/>
-            <a:r>
-              <a:rPr lang="en-US" sz="2800" dirty="0"/>
-              <a:t>Nominal</a:t>
-            </a:r>
-          </a:p>
-        </p:txBody>
-      </p:sp>
-      <p:cxnSp>
-        <p:nvCxnSpPr>
-          <p:cNvPr id="9" name="Straight Arrow Connector 8">
-            <a:extLst>
-              <a:ext uri="{FF2B5EF4-FFF2-40B4-BE49-F238E27FC236}">
-                <a16:creationId xmlns:a16="http://schemas.microsoft.com/office/drawing/2014/main" id="{3401CCB9-A102-9EAD-91BF-1C15EC64A163}"/>
-              </a:ext>
-            </a:extLst>
-          </p:cNvPr>
-          <p:cNvCxnSpPr>
-            <a:cxnSpLocks/>
-          </p:cNvCxnSpPr>
-          <p:nvPr/>
-        </p:nvCxnSpPr>
-        <p:spPr>
-          <a:xfrm>
-            <a:off x="3463636" y="3096700"/>
-            <a:ext cx="784514" cy="905176"/>
-          </a:xfrm>
-          <a:prstGeom prst="straightConnector1">
-            <a:avLst/>
-          </a:prstGeom>
-          <a:ln w="38100">
-            <a:tailEnd type="triangle"/>
-          </a:ln>
-        </p:spPr>
-        <p:style>
-          <a:lnRef idx="1">
-            <a:schemeClr val="dk1"/>
-          </a:lnRef>
-          <a:fillRef idx="0">
-            <a:schemeClr val="dk1"/>
-          </a:fillRef>
-          <a:effectRef idx="0">
-            <a:schemeClr val="dk1"/>
-          </a:effectRef>
-          <a:fontRef idx="minor">
-            <a:schemeClr val="tx1"/>
-          </a:fontRef>
-        </p:style>
-      </p:cxnSp>
-      <p:sp>
-        <p:nvSpPr>
-          <p:cNvPr id="10" name="TextBox 9">
-            <a:extLst>
-              <a:ext uri="{FF2B5EF4-FFF2-40B4-BE49-F238E27FC236}">
-                <a16:creationId xmlns:a16="http://schemas.microsoft.com/office/drawing/2014/main" id="{DAD3E5CA-DB79-E709-CCBE-CB37CA25C445}"/>
-              </a:ext>
-            </a:extLst>
-          </p:cNvPr>
-          <p:cNvSpPr txBox="1"/>
-          <p:nvPr/>
-        </p:nvSpPr>
-        <p:spPr>
-          <a:xfrm>
-            <a:off x="3463636" y="3928825"/>
-            <a:ext cx="1981200" cy="523220"/>
-          </a:xfrm>
-          <a:prstGeom prst="rect">
-            <a:avLst/>
-          </a:prstGeom>
-          <a:noFill/>
-        </p:spPr>
-        <p:txBody>
-          <a:bodyPr wrap="square" rtlCol="0">
-            <a:spAutoFit/>
-          </a:bodyPr>
-          <a:lstStyle/>
-          <a:p>
-            <a:pPr algn="ctr"/>
-            <a:r>
-              <a:rPr lang="en-US" sz="2800" dirty="0"/>
-              <a:t>Ordinal</a:t>
-            </a:r>
-          </a:p>
-        </p:txBody>
-      </p:sp>
-      <p:cxnSp>
-        <p:nvCxnSpPr>
-          <p:cNvPr id="11" name="Straight Arrow Connector 10">
-            <a:extLst>
-              <a:ext uri="{FF2B5EF4-FFF2-40B4-BE49-F238E27FC236}">
-                <a16:creationId xmlns:a16="http://schemas.microsoft.com/office/drawing/2014/main" id="{B63DDBBD-A910-894E-8212-5D8AB4CBE24D}"/>
-              </a:ext>
-            </a:extLst>
-          </p:cNvPr>
-          <p:cNvCxnSpPr>
-            <a:cxnSpLocks/>
-          </p:cNvCxnSpPr>
-          <p:nvPr/>
-        </p:nvCxnSpPr>
-        <p:spPr>
-          <a:xfrm flipH="1">
-            <a:off x="1905000" y="3053570"/>
-            <a:ext cx="778453" cy="948306"/>
-          </a:xfrm>
-          <a:prstGeom prst="straightConnector1">
-            <a:avLst/>
-          </a:prstGeom>
-          <a:ln w="38100">
-            <a:tailEnd type="triangle"/>
-          </a:ln>
-        </p:spPr>
-        <p:style>
-          <a:lnRef idx="1">
-            <a:schemeClr val="dk1"/>
-          </a:lnRef>
-          <a:fillRef idx="0">
-            <a:schemeClr val="dk1"/>
-          </a:fillRef>
-          <a:effectRef idx="0">
-            <a:schemeClr val="dk1"/>
-          </a:effectRef>
-          <a:fontRef idx="minor">
-            <a:schemeClr val="tx1"/>
-          </a:fontRef>
-        </p:style>
-      </p:cxnSp>
-      <p:sp>
-        <p:nvSpPr>
-          <p:cNvPr id="17" name="TextBox 16">
-            <a:extLst>
-              <a:ext uri="{FF2B5EF4-FFF2-40B4-BE49-F238E27FC236}">
-                <a16:creationId xmlns:a16="http://schemas.microsoft.com/office/drawing/2014/main" id="{7BF8B504-64DF-0799-78F5-0935CF66DDFF}"/>
-              </a:ext>
-            </a:extLst>
-          </p:cNvPr>
-          <p:cNvSpPr txBox="1"/>
-          <p:nvPr/>
-        </p:nvSpPr>
-        <p:spPr>
-          <a:xfrm>
-            <a:off x="5867400" y="3928825"/>
-            <a:ext cx="1981200" cy="523220"/>
-          </a:xfrm>
-          <a:prstGeom prst="rect">
-            <a:avLst/>
-          </a:prstGeom>
-          <a:noFill/>
-        </p:spPr>
-        <p:txBody>
-          <a:bodyPr wrap="square" rtlCol="0">
-            <a:spAutoFit/>
-          </a:bodyPr>
-          <a:lstStyle/>
-          <a:p>
-            <a:pPr algn="ctr"/>
-            <a:r>
-              <a:rPr lang="en-US" sz="2800" dirty="0"/>
-              <a:t>Continuous</a:t>
-            </a:r>
-          </a:p>
-        </p:txBody>
-      </p:sp>
-      <p:sp>
-        <p:nvSpPr>
-          <p:cNvPr id="18" name="TextBox 17">
-            <a:extLst>
-              <a:ext uri="{FF2B5EF4-FFF2-40B4-BE49-F238E27FC236}">
-                <a16:creationId xmlns:a16="http://schemas.microsoft.com/office/drawing/2014/main" id="{EFD82E02-3E49-05C9-4071-EBC5308FD86D}"/>
-              </a:ext>
-            </a:extLst>
-          </p:cNvPr>
-          <p:cNvSpPr txBox="1"/>
-          <p:nvPr/>
-        </p:nvSpPr>
-        <p:spPr>
-          <a:xfrm>
-            <a:off x="8610600" y="3928825"/>
-            <a:ext cx="1981200" cy="523220"/>
-          </a:xfrm>
-          <a:prstGeom prst="rect">
-            <a:avLst/>
-          </a:prstGeom>
-          <a:noFill/>
-        </p:spPr>
-        <p:txBody>
-          <a:bodyPr wrap="square" rtlCol="0">
-            <a:spAutoFit/>
-          </a:bodyPr>
-          <a:lstStyle/>
-          <a:p>
-            <a:pPr algn="ctr"/>
-            <a:r>
-              <a:rPr lang="en-US" sz="2800" dirty="0"/>
-              <a:t>Discrete</a:t>
-            </a:r>
-          </a:p>
-        </p:txBody>
-      </p:sp>
-      <p:cxnSp>
-        <p:nvCxnSpPr>
-          <p:cNvPr id="19" name="Straight Arrow Connector 18">
-            <a:extLst>
-              <a:ext uri="{FF2B5EF4-FFF2-40B4-BE49-F238E27FC236}">
-                <a16:creationId xmlns:a16="http://schemas.microsoft.com/office/drawing/2014/main" id="{80C576BA-A317-1886-667C-51A3109B9896}"/>
-              </a:ext>
-            </a:extLst>
-          </p:cNvPr>
-          <p:cNvCxnSpPr>
-            <a:cxnSpLocks/>
-          </p:cNvCxnSpPr>
-          <p:nvPr/>
-        </p:nvCxnSpPr>
-        <p:spPr>
-          <a:xfrm flipH="1">
-            <a:off x="6856268" y="3060175"/>
-            <a:ext cx="689263" cy="1001181"/>
-          </a:xfrm>
-          <a:prstGeom prst="straightConnector1">
-            <a:avLst/>
-          </a:prstGeom>
-          <a:ln w="38100">
-            <a:tailEnd type="triangle"/>
-          </a:ln>
-        </p:spPr>
-        <p:style>
-          <a:lnRef idx="1">
-            <a:schemeClr val="dk1"/>
-          </a:lnRef>
-          <a:fillRef idx="0">
-            <a:schemeClr val="dk1"/>
-          </a:fillRef>
-          <a:effectRef idx="0">
-            <a:schemeClr val="dk1"/>
-          </a:effectRef>
-          <a:fontRef idx="minor">
-            <a:schemeClr val="tx1"/>
-          </a:fontRef>
-        </p:style>
-      </p:cxnSp>
-      <p:cxnSp>
-        <p:nvCxnSpPr>
-          <p:cNvPr id="21" name="Straight Arrow Connector 20">
-            <a:extLst>
-              <a:ext uri="{FF2B5EF4-FFF2-40B4-BE49-F238E27FC236}">
-                <a16:creationId xmlns:a16="http://schemas.microsoft.com/office/drawing/2014/main" id="{F21F3507-22BC-C77F-747D-AF729C57E35A}"/>
-              </a:ext>
-            </a:extLst>
-          </p:cNvPr>
-          <p:cNvCxnSpPr>
-            <a:cxnSpLocks/>
-          </p:cNvCxnSpPr>
-          <p:nvPr/>
-        </p:nvCxnSpPr>
-        <p:spPr>
-          <a:xfrm>
-            <a:off x="8575964" y="3053570"/>
-            <a:ext cx="693159" cy="948306"/>
-          </a:xfrm>
-          <a:prstGeom prst="straightConnector1">
-            <a:avLst/>
-          </a:prstGeom>
-          <a:ln w="38100">
-            <a:tailEnd type="triangle"/>
-          </a:ln>
-        </p:spPr>
-        <p:style>
-          <a:lnRef idx="1">
-            <a:schemeClr val="dk1"/>
-          </a:lnRef>
-          <a:fillRef idx="0">
-            <a:schemeClr val="dk1"/>
-          </a:fillRef>
-          <a:effectRef idx="0">
-            <a:schemeClr val="dk1"/>
-          </a:effectRef>
-          <a:fontRef idx="minor">
-            <a:schemeClr val="tx1"/>
-          </a:fontRef>
-        </p:style>
-      </p:cxnSp>
-      <p:sp>
-        <p:nvSpPr>
-          <p:cNvPr id="24" name="TextBox 23">
-            <a:extLst>
-              <a:ext uri="{FF2B5EF4-FFF2-40B4-BE49-F238E27FC236}">
-                <a16:creationId xmlns:a16="http://schemas.microsoft.com/office/drawing/2014/main" id="{91468417-64DA-A060-9885-2F7F61F2C60E}"/>
-              </a:ext>
-            </a:extLst>
-          </p:cNvPr>
-          <p:cNvSpPr txBox="1"/>
-          <p:nvPr/>
-        </p:nvSpPr>
-        <p:spPr>
-          <a:xfrm>
-            <a:off x="839932" y="4429945"/>
-            <a:ext cx="1981200" cy="400110"/>
-          </a:xfrm>
-          <a:prstGeom prst="rect">
-            <a:avLst/>
-          </a:prstGeom>
-          <a:noFill/>
-        </p:spPr>
-        <p:txBody>
-          <a:bodyPr wrap="square" rtlCol="0">
-            <a:spAutoFit/>
-          </a:bodyPr>
-          <a:lstStyle/>
-          <a:p>
-            <a:pPr algn="ctr"/>
-            <a:r>
-              <a:rPr lang="en-US" sz="2000" i="1" dirty="0">
-                <a:solidFill>
-                  <a:srgbClr val="660066"/>
-                </a:solidFill>
-              </a:rPr>
-              <a:t>LEGO Theme</a:t>
-            </a:r>
-          </a:p>
-        </p:txBody>
-      </p:sp>
-      <p:sp>
-        <p:nvSpPr>
-          <p:cNvPr id="25" name="TextBox 24">
-            <a:extLst>
-              <a:ext uri="{FF2B5EF4-FFF2-40B4-BE49-F238E27FC236}">
-                <a16:creationId xmlns:a16="http://schemas.microsoft.com/office/drawing/2014/main" id="{992BAD34-5806-380C-44F2-99CE85567B90}"/>
-              </a:ext>
-            </a:extLst>
-          </p:cNvPr>
-          <p:cNvSpPr txBox="1"/>
-          <p:nvPr/>
-        </p:nvSpPr>
-        <p:spPr>
-          <a:xfrm>
-            <a:off x="3446318" y="4431700"/>
-            <a:ext cx="1981200" cy="400110"/>
-          </a:xfrm>
-          <a:prstGeom prst="rect">
-            <a:avLst/>
-          </a:prstGeom>
-          <a:noFill/>
-        </p:spPr>
-        <p:txBody>
-          <a:bodyPr wrap="square" rtlCol="0">
-            <a:spAutoFit/>
-          </a:bodyPr>
-          <a:lstStyle/>
-          <a:p>
-            <a:pPr algn="ctr"/>
-            <a:r>
-              <a:rPr lang="en-US" sz="2000" i="1" dirty="0">
-                <a:solidFill>
-                  <a:srgbClr val="660066"/>
-                </a:solidFill>
-              </a:rPr>
-              <a:t>LEGO Ages</a:t>
-            </a:r>
-          </a:p>
-        </p:txBody>
-      </p:sp>
-      <p:sp>
-        <p:nvSpPr>
-          <p:cNvPr id="8" name="TextBox 7">
-            <a:extLst>
-              <a:ext uri="{FF2B5EF4-FFF2-40B4-BE49-F238E27FC236}">
-                <a16:creationId xmlns:a16="http://schemas.microsoft.com/office/drawing/2014/main" id="{17D2DB04-9229-DFC8-2A32-6C54633B9DC4}"/>
-              </a:ext>
-            </a:extLst>
-          </p:cNvPr>
-          <p:cNvSpPr txBox="1"/>
-          <p:nvPr/>
-        </p:nvSpPr>
-        <p:spPr>
-          <a:xfrm>
-            <a:off x="5850082" y="4436720"/>
-            <a:ext cx="1981200" cy="400110"/>
-          </a:xfrm>
-          <a:prstGeom prst="rect">
-            <a:avLst/>
-          </a:prstGeom>
-          <a:noFill/>
-        </p:spPr>
-        <p:txBody>
-          <a:bodyPr wrap="square" rtlCol="0">
-            <a:spAutoFit/>
-          </a:bodyPr>
-          <a:lstStyle/>
-          <a:p>
-            <a:pPr algn="ctr"/>
-            <a:r>
-              <a:rPr lang="en-US" sz="2000" i="1" dirty="0">
-                <a:solidFill>
-                  <a:srgbClr val="660066"/>
-                </a:solidFill>
-              </a:rPr>
-              <a:t>LEGO Price</a:t>
-            </a:r>
-          </a:p>
-        </p:txBody>
-      </p:sp>
-      <p:sp>
-        <p:nvSpPr>
-          <p:cNvPr id="13" name="TextBox 12">
-            <a:extLst>
-              <a:ext uri="{FF2B5EF4-FFF2-40B4-BE49-F238E27FC236}">
-                <a16:creationId xmlns:a16="http://schemas.microsoft.com/office/drawing/2014/main" id="{00857EBF-1FA3-F039-78B2-77ADBB36B394}"/>
-              </a:ext>
-            </a:extLst>
-          </p:cNvPr>
-          <p:cNvSpPr txBox="1"/>
-          <p:nvPr/>
-        </p:nvSpPr>
-        <p:spPr>
-          <a:xfrm>
-            <a:off x="8610600" y="4442377"/>
-            <a:ext cx="1981200" cy="400110"/>
-          </a:xfrm>
-          <a:prstGeom prst="rect">
-            <a:avLst/>
-          </a:prstGeom>
-          <a:noFill/>
-        </p:spPr>
-        <p:txBody>
-          <a:bodyPr wrap="square" rtlCol="0">
-            <a:spAutoFit/>
-          </a:bodyPr>
-          <a:lstStyle/>
-          <a:p>
-            <a:pPr algn="ctr"/>
-            <a:r>
-              <a:rPr lang="en-US" sz="2000" i="1" dirty="0">
-                <a:solidFill>
-                  <a:srgbClr val="660066"/>
-                </a:solidFill>
-              </a:rPr>
-              <a:t>LEGO Pieces</a:t>
-            </a:r>
-          </a:p>
-        </p:txBody>
-      </p:sp>
-    </p:spTree>
-    <p:extLst>
-      <p:ext uri="{BB962C8B-B14F-4D97-AF65-F5344CB8AC3E}">
-        <p14:creationId xmlns:p14="http://schemas.microsoft.com/office/powerpoint/2010/main" val="2897435999"/>
       </p:ext>
     </p:extLst>
   </p:cSld>

--- a/Lectures/2 - Four Step Process.pptx
+++ b/Lectures/2 - Four Step Process.pptx
@@ -5,10 +5,10 @@
     <p:sldMasterId id="2147484095" r:id="rId1"/>
   </p:sldMasterIdLst>
   <p:notesMasterIdLst>
-    <p:notesMasterId r:id="rId20"/>
+    <p:notesMasterId r:id="rId21"/>
   </p:notesMasterIdLst>
   <p:handoutMasterIdLst>
-    <p:handoutMasterId r:id="rId21"/>
+    <p:handoutMasterId r:id="rId22"/>
   </p:handoutMasterIdLst>
   <p:sldIdLst>
     <p:sldId id="256" r:id="rId2"/>
@@ -18,17 +18,18 @@
     <p:sldId id="359" r:id="rId6"/>
     <p:sldId id="360" r:id="rId7"/>
     <p:sldId id="361" r:id="rId8"/>
-    <p:sldId id="347" r:id="rId9"/>
-    <p:sldId id="348" r:id="rId10"/>
-    <p:sldId id="349" r:id="rId11"/>
-    <p:sldId id="350" r:id="rId12"/>
-    <p:sldId id="351" r:id="rId13"/>
-    <p:sldId id="352" r:id="rId14"/>
-    <p:sldId id="353" r:id="rId15"/>
-    <p:sldId id="354" r:id="rId16"/>
-    <p:sldId id="356" r:id="rId17"/>
-    <p:sldId id="357" r:id="rId18"/>
-    <p:sldId id="358" r:id="rId19"/>
+    <p:sldId id="362" r:id="rId9"/>
+    <p:sldId id="347" r:id="rId10"/>
+    <p:sldId id="348" r:id="rId11"/>
+    <p:sldId id="349" r:id="rId12"/>
+    <p:sldId id="350" r:id="rId13"/>
+    <p:sldId id="351" r:id="rId14"/>
+    <p:sldId id="352" r:id="rId15"/>
+    <p:sldId id="353" r:id="rId16"/>
+    <p:sldId id="354" r:id="rId17"/>
+    <p:sldId id="356" r:id="rId18"/>
+    <p:sldId id="357" r:id="rId19"/>
+    <p:sldId id="358" r:id="rId20"/>
   </p:sldIdLst>
   <p:sldSz cx="12192000" cy="6858000"/>
   <p:notesSz cx="7315200" cy="9601200"/>
@@ -920,7 +921,7 @@
               <a:pPr>
                 <a:defRPr/>
               </a:pPr>
-              <a:t>18</a:t>
+              <a:t>19</a:t>
             </a:fld>
             <a:endParaRPr lang="en-US"/>
           </a:p>
@@ -5084,7 +5085,7 @@
                 <a:latin typeface="Adobe Devanagari" panose="02040503050201020203" pitchFamily="18" charset="0"/>
                 <a:cs typeface="Adobe Devanagari" panose="02040503050201020203" pitchFamily="18" charset="0"/>
               </a:rPr>
-              <a:t>Statistical Modeling</a:t>
+              <a:t>Architecture of a Model</a:t>
             </a:r>
             <a:endParaRPr lang="en-US" sz="4800" dirty="0">
               <a:solidFill>
@@ -5109,7 +5110,7 @@
         <p:spPr>
           <a:xfrm>
             <a:off x="495300" y="1977074"/>
-            <a:ext cx="11201400" cy="3915966"/>
+            <a:ext cx="11201400" cy="4392692"/>
           </a:xfrm>
           <a:prstGeom prst="roundRect">
             <a:avLst/>
@@ -5143,99 +5144,6 @@
           </a:bodyPr>
           <a:lstStyle/>
           <a:p>
-            <a:r>
-              <a:rPr lang="en-US" sz="2800" dirty="0">
-                <a:solidFill>
-                  <a:srgbClr val="660066"/>
-                </a:solidFill>
-              </a:rPr>
-              <a:t>Statistical Modeling is the Process of …</a:t>
-            </a:r>
-          </a:p>
-          <a:p>
-            <a:endParaRPr lang="en-US" sz="2800" dirty="0">
-              <a:solidFill>
-                <a:srgbClr val="660066"/>
-              </a:solidFill>
-            </a:endParaRPr>
-          </a:p>
-          <a:p>
-            <a:r>
-              <a:rPr lang="en-US" sz="2800" b="1" dirty="0">
-                <a:solidFill>
-                  <a:srgbClr val="660066"/>
-                </a:solidFill>
-              </a:rPr>
-              <a:t>Defining the Function </a:t>
-            </a:r>
-            <a:r>
-              <a:rPr lang="en-US" sz="2800" b="1" i="1" dirty="0">
-                <a:solidFill>
-                  <a:srgbClr val="660066"/>
-                </a:solidFill>
-              </a:rPr>
-              <a:t>f(X) </a:t>
-            </a:r>
-            <a:r>
-              <a:rPr lang="en-US" sz="2800" dirty="0">
-                <a:solidFill>
-                  <a:srgbClr val="660066"/>
-                </a:solidFill>
-              </a:rPr>
-              <a:t>and then </a:t>
-            </a:r>
-            <a:r>
-              <a:rPr lang="en-US" sz="2800" b="1" dirty="0">
-                <a:solidFill>
-                  <a:srgbClr val="660066"/>
-                </a:solidFill>
-              </a:rPr>
-              <a:t>Fitting that Function </a:t>
-            </a:r>
-            <a:r>
-              <a:rPr lang="en-US" sz="2800" b="1" i="1" dirty="0">
-                <a:solidFill>
-                  <a:srgbClr val="660066"/>
-                </a:solidFill>
-              </a:rPr>
-              <a:t>f(X) </a:t>
-            </a:r>
-          </a:p>
-          <a:p>
-            <a:r>
-              <a:rPr lang="en-US" sz="2800" dirty="0">
-                <a:solidFill>
-                  <a:srgbClr val="660066"/>
-                </a:solidFill>
-              </a:rPr>
-              <a:t>to a sample dataset by </a:t>
-            </a:r>
-            <a:r>
-              <a:rPr lang="en-US" sz="2800" b="1" dirty="0">
-                <a:solidFill>
-                  <a:srgbClr val="660066"/>
-                </a:solidFill>
-              </a:rPr>
-              <a:t>Minimizing the Error</a:t>
-            </a:r>
-            <a:r>
-              <a:rPr lang="en-US" sz="2800" dirty="0">
-                <a:solidFill>
-                  <a:srgbClr val="660066"/>
-                </a:solidFill>
-              </a:rPr>
-              <a:t> the best we possibly can</a:t>
-            </a:r>
-          </a:p>
-          <a:p>
-            <a:pPr algn="ctr"/>
-            <a:endParaRPr lang="en-US" sz="2800" dirty="0">
-              <a:solidFill>
-                <a:srgbClr val="660066"/>
-              </a:solidFill>
-            </a:endParaRPr>
-          </a:p>
-          <a:p>
             <a:pPr marL="685800" indent="-685800">
               <a:buFont typeface="Arial" panose="020B0604020202020204" pitchFamily="34" charset="0"/>
               <a:buChar char="•"/>
@@ -5247,28 +5155,459 @@
             </a:endParaRPr>
           </a:p>
           <a:p>
-            <a:r>
-              <a:rPr lang="en-US" sz="2800" dirty="0">
-                <a:solidFill>
-                  <a:srgbClr val="660066"/>
-                </a:solidFill>
-              </a:rPr>
-              <a:t>Methodology we Use Depends on the Types of Variables</a:t>
-            </a:r>
-          </a:p>
-          <a:p>
+            <a:pPr marL="685800" indent="-685800">
+              <a:buFont typeface="Arial" panose="020B0604020202020204" pitchFamily="34" charset="0"/>
+              <a:buChar char="•"/>
+            </a:pPr>
             <a:endParaRPr lang="en-US" sz="2800" dirty="0">
               <a:solidFill>
                 <a:srgbClr val="660066"/>
               </a:solidFill>
             </a:endParaRPr>
           </a:p>
+          <a:p>
+            <a:pPr marL="685800" indent="-685800">
+              <a:buFont typeface="Arial" panose="020B0604020202020204" pitchFamily="34" charset="0"/>
+              <a:buChar char="•"/>
+            </a:pPr>
+            <a:endParaRPr lang="en-US" sz="2800" dirty="0">
+              <a:solidFill>
+                <a:srgbClr val="660066"/>
+              </a:solidFill>
+            </a:endParaRPr>
+          </a:p>
+          <a:p>
+            <a:pPr marL="685800" indent="-685800">
+              <a:buFont typeface="Arial" panose="020B0604020202020204" pitchFamily="34" charset="0"/>
+              <a:buChar char="•"/>
+            </a:pPr>
+            <a:endParaRPr lang="en-US" sz="2800" dirty="0">
+              <a:solidFill>
+                <a:srgbClr val="660066"/>
+              </a:solidFill>
+            </a:endParaRPr>
+          </a:p>
+          <a:p>
+            <a:endParaRPr lang="en-US" sz="2800" dirty="0">
+              <a:solidFill>
+                <a:srgbClr val="660066"/>
+              </a:solidFill>
+            </a:endParaRPr>
+          </a:p>
+          <a:p>
+            <a:endParaRPr lang="en-US" sz="2800" dirty="0">
+              <a:solidFill>
+                <a:srgbClr val="660066"/>
+              </a:solidFill>
+            </a:endParaRPr>
+          </a:p>
+          <a:p>
+            <a:endParaRPr lang="en-US" sz="2800" dirty="0">
+              <a:solidFill>
+                <a:srgbClr val="660066"/>
+              </a:solidFill>
+            </a:endParaRPr>
+          </a:p>
+          <a:p>
+            <a:endParaRPr lang="en-US" sz="2800" dirty="0">
+              <a:solidFill>
+                <a:srgbClr val="660066"/>
+              </a:solidFill>
+            </a:endParaRPr>
+          </a:p>
+          <a:p>
+            <a:endParaRPr lang="en-US" sz="2800" dirty="0">
+              <a:solidFill>
+                <a:srgbClr val="660066"/>
+              </a:solidFill>
+            </a:endParaRPr>
+          </a:p>
+        </p:txBody>
+      </p:sp>
+      <p:graphicFrame>
+        <p:nvGraphicFramePr>
+          <p:cNvPr id="3" name="Object 3">
+            <a:extLst>
+              <a:ext uri="{FF2B5EF4-FFF2-40B4-BE49-F238E27FC236}">
+                <a16:creationId xmlns:a16="http://schemas.microsoft.com/office/drawing/2014/main" id="{E6D28306-7CF7-8D86-926E-83D14E3DB3E9}"/>
+              </a:ext>
+            </a:extLst>
+          </p:cNvPr>
+          <p:cNvGraphicFramePr>
+            <a:graphicFrameLocks noChangeAspect="1"/>
+          </p:cNvGraphicFramePr>
+          <p:nvPr>
+            <p:extLst>
+              <p:ext uri="{D42A27DB-BD31-4B8C-83A1-F6EECF244321}">
+                <p14:modId xmlns:p14="http://schemas.microsoft.com/office/powerpoint/2010/main" val="1917435039"/>
+              </p:ext>
+            </p:extLst>
+          </p:nvPr>
+        </p:nvGraphicFramePr>
+        <p:xfrm>
+          <a:off x="3124200" y="2477575"/>
+          <a:ext cx="5435600" cy="1238250"/>
+        </p:xfrm>
+        <a:graphic>
+          <a:graphicData uri="http://schemas.openxmlformats.org/presentationml/2006/ole">
+            <mc:AlternateContent xmlns:mc="http://schemas.openxmlformats.org/markup-compatibility/2006">
+              <mc:Choice xmlns:v="urn:schemas-microsoft-com:vml" Requires="v">
+                <p:oleObj name="Equation" r:id="rId3" imgW="850680" imgH="203040" progId="Equation.3">
+                  <p:embed/>
+                </p:oleObj>
+              </mc:Choice>
+              <mc:Fallback>
+                <p:oleObj name="Equation" r:id="rId3" imgW="850680" imgH="203040" progId="Equation.3">
+                  <p:embed/>
+                  <p:pic>
+                    <p:nvPicPr>
+                      <p:cNvPr id="33795" name="Object 3"/>
+                      <p:cNvPicPr>
+                        <a:picLocks noChangeAspect="1" noChangeArrowheads="1"/>
+                      </p:cNvPicPr>
+                      <p:nvPr/>
+                    </p:nvPicPr>
+                    <p:blipFill>
+                      <a:blip r:embed="rId4"/>
+                      <a:srcRect/>
+                      <a:stretch>
+                        <a:fillRect/>
+                      </a:stretch>
+                    </p:blipFill>
+                    <p:spPr bwMode="auto">
+                      <a:xfrm>
+                        <a:off x="3124200" y="2477575"/>
+                        <a:ext cx="5435600" cy="1238250"/>
+                      </a:xfrm>
+                      <a:prstGeom prst="rect">
+                        <a:avLst/>
+                      </a:prstGeom>
+                      <a:solidFill>
+                        <a:schemeClr val="bg1"/>
+                      </a:solidFill>
+                      <a:ln>
+                        <a:noFill/>
+                      </a:ln>
+                      <a:effectLst/>
+                    </p:spPr>
+                  </p:pic>
+                </p:oleObj>
+              </mc:Fallback>
+            </mc:AlternateContent>
+          </a:graphicData>
+        </a:graphic>
+      </p:graphicFrame>
+      <p:cxnSp>
+        <p:nvCxnSpPr>
+          <p:cNvPr id="5" name="Straight Arrow Connector 4">
+            <a:extLst>
+              <a:ext uri="{FF2B5EF4-FFF2-40B4-BE49-F238E27FC236}">
+                <a16:creationId xmlns:a16="http://schemas.microsoft.com/office/drawing/2014/main" id="{5FF05081-7AC1-FDC2-883E-7B9379120C03}"/>
+              </a:ext>
+            </a:extLst>
+          </p:cNvPr>
+          <p:cNvCxnSpPr>
+            <a:cxnSpLocks/>
+          </p:cNvCxnSpPr>
+          <p:nvPr/>
+        </p:nvCxnSpPr>
+        <p:spPr>
+          <a:xfrm flipH="1">
+            <a:off x="1905000" y="3352800"/>
+            <a:ext cx="1295400" cy="1066800"/>
+          </a:xfrm>
+          <a:prstGeom prst="straightConnector1">
+            <a:avLst/>
+          </a:prstGeom>
+          <a:ln w="28575">
+            <a:tailEnd type="triangle"/>
+          </a:ln>
+        </p:spPr>
+        <p:style>
+          <a:lnRef idx="1">
+            <a:schemeClr val="dk1"/>
+          </a:lnRef>
+          <a:fillRef idx="0">
+            <a:schemeClr val="dk1"/>
+          </a:fillRef>
+          <a:effectRef idx="0">
+            <a:schemeClr val="dk1"/>
+          </a:effectRef>
+          <a:fontRef idx="minor">
+            <a:schemeClr val="tx1"/>
+          </a:fontRef>
+        </p:style>
+      </p:cxnSp>
+      <p:sp>
+        <p:nvSpPr>
+          <p:cNvPr id="10" name="TextBox 9">
+            <a:extLst>
+              <a:ext uri="{FF2B5EF4-FFF2-40B4-BE49-F238E27FC236}">
+                <a16:creationId xmlns:a16="http://schemas.microsoft.com/office/drawing/2014/main" id="{4A41D36B-EE3E-01D1-0006-56FE5479A7F2}"/>
+              </a:ext>
+            </a:extLst>
+          </p:cNvPr>
+          <p:cNvSpPr txBox="1"/>
+          <p:nvPr/>
+        </p:nvSpPr>
+        <p:spPr>
+          <a:xfrm>
+            <a:off x="1238250" y="4343400"/>
+            <a:ext cx="1143000" cy="646331"/>
+          </a:xfrm>
+          <a:prstGeom prst="rect">
+            <a:avLst/>
+          </a:prstGeom>
+          <a:noFill/>
+        </p:spPr>
+        <p:txBody>
+          <a:bodyPr wrap="square" rtlCol="0">
+            <a:spAutoFit/>
+          </a:bodyPr>
+          <a:lstStyle/>
+          <a:p>
+            <a:r>
+              <a:rPr lang="en-US" dirty="0"/>
+              <a:t>Response Variable</a:t>
+            </a:r>
+          </a:p>
+        </p:txBody>
+      </p:sp>
+      <p:cxnSp>
+        <p:nvCxnSpPr>
+          <p:cNvPr id="14" name="Straight Arrow Connector 13">
+            <a:extLst>
+              <a:ext uri="{FF2B5EF4-FFF2-40B4-BE49-F238E27FC236}">
+                <a16:creationId xmlns:a16="http://schemas.microsoft.com/office/drawing/2014/main" id="{A3EA9140-6DE6-524A-1390-564246F4268C}"/>
+              </a:ext>
+            </a:extLst>
+          </p:cNvPr>
+          <p:cNvCxnSpPr>
+            <a:cxnSpLocks/>
+          </p:cNvCxnSpPr>
+          <p:nvPr/>
+        </p:nvCxnSpPr>
+        <p:spPr>
+          <a:xfrm>
+            <a:off x="6248400" y="3431084"/>
+            <a:ext cx="0" cy="284741"/>
+          </a:xfrm>
+          <a:prstGeom prst="straightConnector1">
+            <a:avLst/>
+          </a:prstGeom>
+          <a:ln w="28575">
+            <a:tailEnd type="triangle"/>
+          </a:ln>
+        </p:spPr>
+        <p:style>
+          <a:lnRef idx="1">
+            <a:schemeClr val="dk1"/>
+          </a:lnRef>
+          <a:fillRef idx="0">
+            <a:schemeClr val="dk1"/>
+          </a:fillRef>
+          <a:effectRef idx="0">
+            <a:schemeClr val="dk1"/>
+          </a:effectRef>
+          <a:fontRef idx="minor">
+            <a:schemeClr val="tx1"/>
+          </a:fontRef>
+        </p:style>
+      </p:cxnSp>
+      <p:sp>
+        <p:nvSpPr>
+          <p:cNvPr id="17" name="TextBox 16">
+            <a:extLst>
+              <a:ext uri="{FF2B5EF4-FFF2-40B4-BE49-F238E27FC236}">
+                <a16:creationId xmlns:a16="http://schemas.microsoft.com/office/drawing/2014/main" id="{FAA32DA6-7767-D0B5-1B23-EFA75FB3C986}"/>
+              </a:ext>
+            </a:extLst>
+          </p:cNvPr>
+          <p:cNvSpPr txBox="1"/>
+          <p:nvPr/>
+        </p:nvSpPr>
+        <p:spPr>
+          <a:xfrm>
+            <a:off x="5626678" y="3686846"/>
+            <a:ext cx="1615786" cy="646331"/>
+          </a:xfrm>
+          <a:prstGeom prst="rect">
+            <a:avLst/>
+          </a:prstGeom>
+          <a:noFill/>
+        </p:spPr>
+        <p:txBody>
+          <a:bodyPr wrap="square" rtlCol="0">
+            <a:spAutoFit/>
+          </a:bodyPr>
+          <a:lstStyle/>
+          <a:p>
+            <a:r>
+              <a:rPr lang="en-US" dirty="0"/>
+              <a:t>Explanatory Variable(s)</a:t>
+            </a:r>
+          </a:p>
+        </p:txBody>
+      </p:sp>
+      <p:cxnSp>
+        <p:nvCxnSpPr>
+          <p:cNvPr id="18" name="Straight Arrow Connector 17">
+            <a:extLst>
+              <a:ext uri="{FF2B5EF4-FFF2-40B4-BE49-F238E27FC236}">
+                <a16:creationId xmlns:a16="http://schemas.microsoft.com/office/drawing/2014/main" id="{E0077093-DDAE-8E37-E15B-573D4C4CEDA2}"/>
+              </a:ext>
+            </a:extLst>
+          </p:cNvPr>
+          <p:cNvCxnSpPr>
+            <a:cxnSpLocks/>
+          </p:cNvCxnSpPr>
+          <p:nvPr/>
+        </p:nvCxnSpPr>
+        <p:spPr>
+          <a:xfrm>
+            <a:off x="8382000" y="3278684"/>
+            <a:ext cx="1143000" cy="531316"/>
+          </a:xfrm>
+          <a:prstGeom prst="straightConnector1">
+            <a:avLst/>
+          </a:prstGeom>
+          <a:ln w="28575">
+            <a:tailEnd type="triangle"/>
+          </a:ln>
+        </p:spPr>
+        <p:style>
+          <a:lnRef idx="1">
+            <a:schemeClr val="dk1"/>
+          </a:lnRef>
+          <a:fillRef idx="0">
+            <a:schemeClr val="dk1"/>
+          </a:fillRef>
+          <a:effectRef idx="0">
+            <a:schemeClr val="dk1"/>
+          </a:effectRef>
+          <a:fontRef idx="minor">
+            <a:schemeClr val="tx1"/>
+          </a:fontRef>
+        </p:style>
+      </p:cxnSp>
+      <p:sp>
+        <p:nvSpPr>
+          <p:cNvPr id="20" name="TextBox 19">
+            <a:extLst>
+              <a:ext uri="{FF2B5EF4-FFF2-40B4-BE49-F238E27FC236}">
+                <a16:creationId xmlns:a16="http://schemas.microsoft.com/office/drawing/2014/main" id="{DB83F0CB-0165-08A7-14ED-4FDFB1655F75}"/>
+              </a:ext>
+            </a:extLst>
+          </p:cNvPr>
+          <p:cNvSpPr txBox="1"/>
+          <p:nvPr/>
+        </p:nvSpPr>
+        <p:spPr>
+          <a:xfrm>
+            <a:off x="9479107" y="3773269"/>
+            <a:ext cx="1615786" cy="923330"/>
+          </a:xfrm>
+          <a:prstGeom prst="rect">
+            <a:avLst/>
+          </a:prstGeom>
+          <a:noFill/>
+        </p:spPr>
+        <p:txBody>
+          <a:bodyPr wrap="square" rtlCol="0">
+            <a:spAutoFit/>
+          </a:bodyPr>
+          <a:lstStyle/>
+          <a:p>
+            <a:r>
+              <a:rPr lang="en-US" dirty="0"/>
+              <a:t>Error or Deviation from the Model</a:t>
+            </a:r>
+          </a:p>
+        </p:txBody>
+      </p:sp>
+      <p:sp>
+        <p:nvSpPr>
+          <p:cNvPr id="24" name="Left Brace 23">
+            <a:extLst>
+              <a:ext uri="{FF2B5EF4-FFF2-40B4-BE49-F238E27FC236}">
+                <a16:creationId xmlns:a16="http://schemas.microsoft.com/office/drawing/2014/main" id="{4663DCFB-01EA-0D2C-21BA-580FB91F8D7C}"/>
+              </a:ext>
+            </a:extLst>
+          </p:cNvPr>
+          <p:cNvSpPr/>
+          <p:nvPr/>
+        </p:nvSpPr>
+        <p:spPr>
+          <a:xfrm rot="16200000">
+            <a:off x="4782371" y="3258368"/>
+            <a:ext cx="2196038" cy="2412423"/>
+          </a:xfrm>
+          <a:prstGeom prst="leftBrace">
+            <a:avLst/>
+          </a:prstGeom>
+        </p:spPr>
+        <p:style>
+          <a:lnRef idx="1">
+            <a:schemeClr val="dk1"/>
+          </a:lnRef>
+          <a:fillRef idx="0">
+            <a:schemeClr val="dk1"/>
+          </a:fillRef>
+          <a:effectRef idx="0">
+            <a:schemeClr val="dk1"/>
+          </a:effectRef>
+          <a:fontRef idx="minor">
+            <a:schemeClr val="tx1"/>
+          </a:fontRef>
+        </p:style>
+        <p:txBody>
+          <a:bodyPr rtlCol="0" anchor="ctr"/>
+          <a:lstStyle/>
+          <a:p>
+            <a:pPr algn="ctr"/>
+            <a:endParaRPr lang="en-US"/>
+          </a:p>
+        </p:txBody>
+      </p:sp>
+      <p:sp>
+        <p:nvSpPr>
+          <p:cNvPr id="25" name="TextBox 24">
+            <a:extLst>
+              <a:ext uri="{FF2B5EF4-FFF2-40B4-BE49-F238E27FC236}">
+                <a16:creationId xmlns:a16="http://schemas.microsoft.com/office/drawing/2014/main" id="{F26A580C-6956-58E5-CF85-65B69F926D12}"/>
+              </a:ext>
+            </a:extLst>
+          </p:cNvPr>
+          <p:cNvSpPr txBox="1"/>
+          <p:nvPr/>
+        </p:nvSpPr>
+        <p:spPr>
+          <a:xfrm>
+            <a:off x="3842039" y="5596850"/>
+            <a:ext cx="4507922" cy="369332"/>
+          </a:xfrm>
+          <a:prstGeom prst="rect">
+            <a:avLst/>
+          </a:prstGeom>
+          <a:noFill/>
+        </p:spPr>
+        <p:txBody>
+          <a:bodyPr wrap="square" rtlCol="0">
+            <a:spAutoFit/>
+          </a:bodyPr>
+          <a:lstStyle/>
+          <a:p>
+            <a:r>
+              <a:rPr lang="en-US" dirty="0"/>
+              <a:t>Generates an Expectation about Y given X</a:t>
+            </a:r>
+          </a:p>
         </p:txBody>
       </p:sp>
     </p:spTree>
     <p:extLst>
       <p:ext uri="{BB962C8B-B14F-4D97-AF65-F5344CB8AC3E}">
-        <p14:creationId xmlns:p14="http://schemas.microsoft.com/office/powerpoint/2010/main" val="4128989348"/>
+        <p14:creationId xmlns:p14="http://schemas.microsoft.com/office/powerpoint/2010/main" val="2448518644"/>
       </p:ext>
     </p:extLst>
   </p:cSld>
@@ -5444,7 +5783,7 @@
                 <a:latin typeface="Adobe Devanagari" panose="02040503050201020203" pitchFamily="18" charset="0"/>
                 <a:cs typeface="Adobe Devanagari" panose="02040503050201020203" pitchFamily="18" charset="0"/>
               </a:rPr>
-              <a:t>Variable Types</a:t>
+              <a:t>Statistical Modeling</a:t>
             </a:r>
             <a:endParaRPr lang="en-US" sz="4800" dirty="0">
               <a:solidFill>
@@ -5469,7 +5808,7 @@
         <p:spPr>
           <a:xfrm>
             <a:off x="495300" y="1977074"/>
-            <a:ext cx="11201400" cy="3439239"/>
+            <a:ext cx="11201400" cy="3915966"/>
           </a:xfrm>
           <a:prstGeom prst="roundRect">
             <a:avLst/>
@@ -5503,6 +5842,16 @@
           </a:bodyPr>
           <a:lstStyle/>
           <a:p>
+            <a:r>
+              <a:rPr lang="en-US" sz="2800" dirty="0">
+                <a:solidFill>
+                  <a:srgbClr val="660066"/>
+                </a:solidFill>
+              </a:rPr>
+              <a:t>Statistical Modeling is the Process of …</a:t>
+            </a:r>
+          </a:p>
+          <a:p>
             <a:endParaRPr lang="en-US" sz="2800" dirty="0">
               <a:solidFill>
                 <a:srgbClr val="660066"/>
@@ -5510,6 +5859,75 @@
             </a:endParaRPr>
           </a:p>
           <a:p>
+            <a:r>
+              <a:rPr lang="en-US" sz="2800" b="1" dirty="0">
+                <a:solidFill>
+                  <a:srgbClr val="660066"/>
+                </a:solidFill>
+              </a:rPr>
+              <a:t>Defining the Function </a:t>
+            </a:r>
+            <a:r>
+              <a:rPr lang="en-US" sz="2800" b="1" i="1" dirty="0">
+                <a:solidFill>
+                  <a:srgbClr val="660066"/>
+                </a:solidFill>
+              </a:rPr>
+              <a:t>f(X) </a:t>
+            </a:r>
+            <a:r>
+              <a:rPr lang="en-US" sz="2800" dirty="0">
+                <a:solidFill>
+                  <a:srgbClr val="660066"/>
+                </a:solidFill>
+              </a:rPr>
+              <a:t>and then </a:t>
+            </a:r>
+            <a:r>
+              <a:rPr lang="en-US" sz="2800" b="1" dirty="0">
+                <a:solidFill>
+                  <a:srgbClr val="660066"/>
+                </a:solidFill>
+              </a:rPr>
+              <a:t>Fitting that Function </a:t>
+            </a:r>
+            <a:r>
+              <a:rPr lang="en-US" sz="2800" b="1" i="1" dirty="0">
+                <a:solidFill>
+                  <a:srgbClr val="660066"/>
+                </a:solidFill>
+              </a:rPr>
+              <a:t>f(X) </a:t>
+            </a:r>
+          </a:p>
+          <a:p>
+            <a:r>
+              <a:rPr lang="en-US" sz="2800" dirty="0">
+                <a:solidFill>
+                  <a:srgbClr val="660066"/>
+                </a:solidFill>
+              </a:rPr>
+              <a:t>to a sample dataset by </a:t>
+            </a:r>
+            <a:r>
+              <a:rPr lang="en-US" sz="2800" b="1" dirty="0">
+                <a:solidFill>
+                  <a:srgbClr val="660066"/>
+                </a:solidFill>
+              </a:rPr>
+              <a:t>Minimizing the Error</a:t>
+            </a:r>
+            <a:r>
+              <a:rPr lang="en-US" sz="2800" dirty="0">
+                <a:solidFill>
+                  <a:srgbClr val="660066"/>
+                </a:solidFill>
+              </a:rPr>
+              <a:t> the best we possibly can</a:t>
+            </a:r>
+          </a:p>
+          <a:p>
+            <a:pPr algn="ctr"/>
             <a:endParaRPr lang="en-US" sz="2800" dirty="0">
               <a:solidFill>
                 <a:srgbClr val="660066"/>
@@ -5517,6 +5935,10 @@
             </a:endParaRPr>
           </a:p>
           <a:p>
+            <a:pPr marL="685800" indent="-685800">
+              <a:buFont typeface="Arial" panose="020B0604020202020204" pitchFamily="34" charset="0"/>
+              <a:buChar char="•"/>
+            </a:pPr>
             <a:endParaRPr lang="en-US" sz="2800" dirty="0">
               <a:solidFill>
                 <a:srgbClr val="660066"/>
@@ -5524,499 +5946,28 @@
             </a:endParaRPr>
           </a:p>
           <a:p>
+            <a:r>
+              <a:rPr lang="en-US" sz="2800" dirty="0">
+                <a:solidFill>
+                  <a:srgbClr val="660066"/>
+                </a:solidFill>
+              </a:rPr>
+              <a:t>Methodology we Use Depends on the Types of Variables</a:t>
+            </a:r>
+          </a:p>
+          <a:p>
             <a:endParaRPr lang="en-US" sz="2800" dirty="0">
               <a:solidFill>
                 <a:srgbClr val="660066"/>
               </a:solidFill>
             </a:endParaRPr>
           </a:p>
-          <a:p>
-            <a:endParaRPr lang="en-US" sz="2800" dirty="0">
-              <a:solidFill>
-                <a:srgbClr val="660066"/>
-              </a:solidFill>
-            </a:endParaRPr>
-          </a:p>
-          <a:p>
-            <a:endParaRPr lang="en-US" sz="2800" dirty="0">
-              <a:solidFill>
-                <a:srgbClr val="660066"/>
-              </a:solidFill>
-            </a:endParaRPr>
-          </a:p>
-          <a:p>
-            <a:endParaRPr lang="en-US" sz="2800" dirty="0">
-              <a:solidFill>
-                <a:srgbClr val="660066"/>
-              </a:solidFill>
-            </a:endParaRPr>
-          </a:p>
-        </p:txBody>
-      </p:sp>
-      <p:sp>
-        <p:nvSpPr>
-          <p:cNvPr id="3" name="TextBox 2">
-            <a:extLst>
-              <a:ext uri="{FF2B5EF4-FFF2-40B4-BE49-F238E27FC236}">
-                <a16:creationId xmlns:a16="http://schemas.microsoft.com/office/drawing/2014/main" id="{1A7B0DEE-7C9E-F4B1-5F83-29C0E1FA1DC8}"/>
-              </a:ext>
-            </a:extLst>
-          </p:cNvPr>
-          <p:cNvSpPr txBox="1"/>
-          <p:nvPr/>
-        </p:nvSpPr>
-        <p:spPr>
-          <a:xfrm>
-            <a:off x="2133600" y="2573480"/>
-            <a:ext cx="1981200" cy="523220"/>
-          </a:xfrm>
-          <a:prstGeom prst="rect">
-            <a:avLst/>
-          </a:prstGeom>
-          <a:noFill/>
-        </p:spPr>
-        <p:txBody>
-          <a:bodyPr wrap="square" rtlCol="0">
-            <a:spAutoFit/>
-          </a:bodyPr>
-          <a:lstStyle/>
-          <a:p>
-            <a:pPr algn="ctr"/>
-            <a:r>
-              <a:rPr lang="en-US" sz="2800" dirty="0"/>
-              <a:t>Categorical</a:t>
-            </a:r>
-          </a:p>
-        </p:txBody>
-      </p:sp>
-      <p:sp>
-        <p:nvSpPr>
-          <p:cNvPr id="4" name="TextBox 3">
-            <a:extLst>
-              <a:ext uri="{FF2B5EF4-FFF2-40B4-BE49-F238E27FC236}">
-                <a16:creationId xmlns:a16="http://schemas.microsoft.com/office/drawing/2014/main" id="{CFAFD2E7-A7E5-89A1-BB02-9E46C99529B9}"/>
-              </a:ext>
-            </a:extLst>
-          </p:cNvPr>
-          <p:cNvSpPr txBox="1"/>
-          <p:nvPr/>
-        </p:nvSpPr>
-        <p:spPr>
-          <a:xfrm>
-            <a:off x="6972300" y="2573480"/>
-            <a:ext cx="1981200" cy="523220"/>
-          </a:xfrm>
-          <a:prstGeom prst="rect">
-            <a:avLst/>
-          </a:prstGeom>
-          <a:noFill/>
-        </p:spPr>
-        <p:txBody>
-          <a:bodyPr wrap="square" rtlCol="0">
-            <a:spAutoFit/>
-          </a:bodyPr>
-          <a:lstStyle/>
-          <a:p>
-            <a:pPr algn="ctr"/>
-            <a:r>
-              <a:rPr lang="en-US" sz="2800" dirty="0"/>
-              <a:t>Quantitative</a:t>
-            </a:r>
-          </a:p>
-        </p:txBody>
-      </p:sp>
-      <p:sp>
-        <p:nvSpPr>
-          <p:cNvPr id="5" name="TextBox 4">
-            <a:extLst>
-              <a:ext uri="{FF2B5EF4-FFF2-40B4-BE49-F238E27FC236}">
-                <a16:creationId xmlns:a16="http://schemas.microsoft.com/office/drawing/2014/main" id="{11143612-8AB2-A3BC-0E01-14984F6FA621}"/>
-              </a:ext>
-            </a:extLst>
-          </p:cNvPr>
-          <p:cNvSpPr txBox="1"/>
-          <p:nvPr/>
-        </p:nvSpPr>
-        <p:spPr>
-          <a:xfrm>
-            <a:off x="838200" y="3928825"/>
-            <a:ext cx="1981200" cy="523220"/>
-          </a:xfrm>
-          <a:prstGeom prst="rect">
-            <a:avLst/>
-          </a:prstGeom>
-          <a:noFill/>
-        </p:spPr>
-        <p:txBody>
-          <a:bodyPr wrap="square" rtlCol="0">
-            <a:spAutoFit/>
-          </a:bodyPr>
-          <a:lstStyle/>
-          <a:p>
-            <a:pPr algn="ctr"/>
-            <a:r>
-              <a:rPr lang="en-US" sz="2800" dirty="0"/>
-              <a:t>Nominal</a:t>
-            </a:r>
-          </a:p>
-        </p:txBody>
-      </p:sp>
-      <p:cxnSp>
-        <p:nvCxnSpPr>
-          <p:cNvPr id="9" name="Straight Arrow Connector 8">
-            <a:extLst>
-              <a:ext uri="{FF2B5EF4-FFF2-40B4-BE49-F238E27FC236}">
-                <a16:creationId xmlns:a16="http://schemas.microsoft.com/office/drawing/2014/main" id="{3401CCB9-A102-9EAD-91BF-1C15EC64A163}"/>
-              </a:ext>
-            </a:extLst>
-          </p:cNvPr>
-          <p:cNvCxnSpPr>
-            <a:cxnSpLocks/>
-          </p:cNvCxnSpPr>
-          <p:nvPr/>
-        </p:nvCxnSpPr>
-        <p:spPr>
-          <a:xfrm>
-            <a:off x="3463636" y="3096700"/>
-            <a:ext cx="784514" cy="905176"/>
-          </a:xfrm>
-          <a:prstGeom prst="straightConnector1">
-            <a:avLst/>
-          </a:prstGeom>
-          <a:ln w="38100">
-            <a:tailEnd type="triangle"/>
-          </a:ln>
-        </p:spPr>
-        <p:style>
-          <a:lnRef idx="1">
-            <a:schemeClr val="dk1"/>
-          </a:lnRef>
-          <a:fillRef idx="0">
-            <a:schemeClr val="dk1"/>
-          </a:fillRef>
-          <a:effectRef idx="0">
-            <a:schemeClr val="dk1"/>
-          </a:effectRef>
-          <a:fontRef idx="minor">
-            <a:schemeClr val="tx1"/>
-          </a:fontRef>
-        </p:style>
-      </p:cxnSp>
-      <p:sp>
-        <p:nvSpPr>
-          <p:cNvPr id="10" name="TextBox 9">
-            <a:extLst>
-              <a:ext uri="{FF2B5EF4-FFF2-40B4-BE49-F238E27FC236}">
-                <a16:creationId xmlns:a16="http://schemas.microsoft.com/office/drawing/2014/main" id="{DAD3E5CA-DB79-E709-CCBE-CB37CA25C445}"/>
-              </a:ext>
-            </a:extLst>
-          </p:cNvPr>
-          <p:cNvSpPr txBox="1"/>
-          <p:nvPr/>
-        </p:nvSpPr>
-        <p:spPr>
-          <a:xfrm>
-            <a:off x="3463636" y="3928825"/>
-            <a:ext cx="1981200" cy="523220"/>
-          </a:xfrm>
-          <a:prstGeom prst="rect">
-            <a:avLst/>
-          </a:prstGeom>
-          <a:noFill/>
-        </p:spPr>
-        <p:txBody>
-          <a:bodyPr wrap="square" rtlCol="0">
-            <a:spAutoFit/>
-          </a:bodyPr>
-          <a:lstStyle/>
-          <a:p>
-            <a:pPr algn="ctr"/>
-            <a:r>
-              <a:rPr lang="en-US" sz="2800" dirty="0"/>
-              <a:t>Ordinal</a:t>
-            </a:r>
-          </a:p>
-        </p:txBody>
-      </p:sp>
-      <p:cxnSp>
-        <p:nvCxnSpPr>
-          <p:cNvPr id="11" name="Straight Arrow Connector 10">
-            <a:extLst>
-              <a:ext uri="{FF2B5EF4-FFF2-40B4-BE49-F238E27FC236}">
-                <a16:creationId xmlns:a16="http://schemas.microsoft.com/office/drawing/2014/main" id="{B63DDBBD-A910-894E-8212-5D8AB4CBE24D}"/>
-              </a:ext>
-            </a:extLst>
-          </p:cNvPr>
-          <p:cNvCxnSpPr>
-            <a:cxnSpLocks/>
-          </p:cNvCxnSpPr>
-          <p:nvPr/>
-        </p:nvCxnSpPr>
-        <p:spPr>
-          <a:xfrm flipH="1">
-            <a:off x="1905000" y="3053570"/>
-            <a:ext cx="778453" cy="948306"/>
-          </a:xfrm>
-          <a:prstGeom prst="straightConnector1">
-            <a:avLst/>
-          </a:prstGeom>
-          <a:ln w="38100">
-            <a:tailEnd type="triangle"/>
-          </a:ln>
-        </p:spPr>
-        <p:style>
-          <a:lnRef idx="1">
-            <a:schemeClr val="dk1"/>
-          </a:lnRef>
-          <a:fillRef idx="0">
-            <a:schemeClr val="dk1"/>
-          </a:fillRef>
-          <a:effectRef idx="0">
-            <a:schemeClr val="dk1"/>
-          </a:effectRef>
-          <a:fontRef idx="minor">
-            <a:schemeClr val="tx1"/>
-          </a:fontRef>
-        </p:style>
-      </p:cxnSp>
-      <p:sp>
-        <p:nvSpPr>
-          <p:cNvPr id="17" name="TextBox 16">
-            <a:extLst>
-              <a:ext uri="{FF2B5EF4-FFF2-40B4-BE49-F238E27FC236}">
-                <a16:creationId xmlns:a16="http://schemas.microsoft.com/office/drawing/2014/main" id="{7BF8B504-64DF-0799-78F5-0935CF66DDFF}"/>
-              </a:ext>
-            </a:extLst>
-          </p:cNvPr>
-          <p:cNvSpPr txBox="1"/>
-          <p:nvPr/>
-        </p:nvSpPr>
-        <p:spPr>
-          <a:xfrm>
-            <a:off x="5867400" y="3928825"/>
-            <a:ext cx="1981200" cy="523220"/>
-          </a:xfrm>
-          <a:prstGeom prst="rect">
-            <a:avLst/>
-          </a:prstGeom>
-          <a:noFill/>
-        </p:spPr>
-        <p:txBody>
-          <a:bodyPr wrap="square" rtlCol="0">
-            <a:spAutoFit/>
-          </a:bodyPr>
-          <a:lstStyle/>
-          <a:p>
-            <a:pPr algn="ctr"/>
-            <a:r>
-              <a:rPr lang="en-US" sz="2800" dirty="0"/>
-              <a:t>Continuous</a:t>
-            </a:r>
-          </a:p>
-        </p:txBody>
-      </p:sp>
-      <p:sp>
-        <p:nvSpPr>
-          <p:cNvPr id="18" name="TextBox 17">
-            <a:extLst>
-              <a:ext uri="{FF2B5EF4-FFF2-40B4-BE49-F238E27FC236}">
-                <a16:creationId xmlns:a16="http://schemas.microsoft.com/office/drawing/2014/main" id="{EFD82E02-3E49-05C9-4071-EBC5308FD86D}"/>
-              </a:ext>
-            </a:extLst>
-          </p:cNvPr>
-          <p:cNvSpPr txBox="1"/>
-          <p:nvPr/>
-        </p:nvSpPr>
-        <p:spPr>
-          <a:xfrm>
-            <a:off x="8610600" y="3928825"/>
-            <a:ext cx="1981200" cy="523220"/>
-          </a:xfrm>
-          <a:prstGeom prst="rect">
-            <a:avLst/>
-          </a:prstGeom>
-          <a:noFill/>
-        </p:spPr>
-        <p:txBody>
-          <a:bodyPr wrap="square" rtlCol="0">
-            <a:spAutoFit/>
-          </a:bodyPr>
-          <a:lstStyle/>
-          <a:p>
-            <a:pPr algn="ctr"/>
-            <a:r>
-              <a:rPr lang="en-US" sz="2800" dirty="0"/>
-              <a:t>Discrete</a:t>
-            </a:r>
-          </a:p>
-        </p:txBody>
-      </p:sp>
-      <p:cxnSp>
-        <p:nvCxnSpPr>
-          <p:cNvPr id="19" name="Straight Arrow Connector 18">
-            <a:extLst>
-              <a:ext uri="{FF2B5EF4-FFF2-40B4-BE49-F238E27FC236}">
-                <a16:creationId xmlns:a16="http://schemas.microsoft.com/office/drawing/2014/main" id="{80C576BA-A317-1886-667C-51A3109B9896}"/>
-              </a:ext>
-            </a:extLst>
-          </p:cNvPr>
-          <p:cNvCxnSpPr>
-            <a:cxnSpLocks/>
-          </p:cNvCxnSpPr>
-          <p:nvPr/>
-        </p:nvCxnSpPr>
-        <p:spPr>
-          <a:xfrm flipH="1">
-            <a:off x="6856268" y="3060175"/>
-            <a:ext cx="689263" cy="1001181"/>
-          </a:xfrm>
-          <a:prstGeom prst="straightConnector1">
-            <a:avLst/>
-          </a:prstGeom>
-          <a:ln w="38100">
-            <a:tailEnd type="triangle"/>
-          </a:ln>
-        </p:spPr>
-        <p:style>
-          <a:lnRef idx="1">
-            <a:schemeClr val="dk1"/>
-          </a:lnRef>
-          <a:fillRef idx="0">
-            <a:schemeClr val="dk1"/>
-          </a:fillRef>
-          <a:effectRef idx="0">
-            <a:schemeClr val="dk1"/>
-          </a:effectRef>
-          <a:fontRef idx="minor">
-            <a:schemeClr val="tx1"/>
-          </a:fontRef>
-        </p:style>
-      </p:cxnSp>
-      <p:cxnSp>
-        <p:nvCxnSpPr>
-          <p:cNvPr id="21" name="Straight Arrow Connector 20">
-            <a:extLst>
-              <a:ext uri="{FF2B5EF4-FFF2-40B4-BE49-F238E27FC236}">
-                <a16:creationId xmlns:a16="http://schemas.microsoft.com/office/drawing/2014/main" id="{F21F3507-22BC-C77F-747D-AF729C57E35A}"/>
-              </a:ext>
-            </a:extLst>
-          </p:cNvPr>
-          <p:cNvCxnSpPr>
-            <a:cxnSpLocks/>
-          </p:cNvCxnSpPr>
-          <p:nvPr/>
-        </p:nvCxnSpPr>
-        <p:spPr>
-          <a:xfrm>
-            <a:off x="8575964" y="3053570"/>
-            <a:ext cx="693159" cy="948306"/>
-          </a:xfrm>
-          <a:prstGeom prst="straightConnector1">
-            <a:avLst/>
-          </a:prstGeom>
-          <a:ln w="38100">
-            <a:tailEnd type="triangle"/>
-          </a:ln>
-        </p:spPr>
-        <p:style>
-          <a:lnRef idx="1">
-            <a:schemeClr val="dk1"/>
-          </a:lnRef>
-          <a:fillRef idx="0">
-            <a:schemeClr val="dk1"/>
-          </a:fillRef>
-          <a:effectRef idx="0">
-            <a:schemeClr val="dk1"/>
-          </a:effectRef>
-          <a:fontRef idx="minor">
-            <a:schemeClr val="tx1"/>
-          </a:fontRef>
-        </p:style>
-      </p:cxnSp>
-      <p:sp>
-        <p:nvSpPr>
-          <p:cNvPr id="24" name="TextBox 23">
-            <a:extLst>
-              <a:ext uri="{FF2B5EF4-FFF2-40B4-BE49-F238E27FC236}">
-                <a16:creationId xmlns:a16="http://schemas.microsoft.com/office/drawing/2014/main" id="{91468417-64DA-A060-9885-2F7F61F2C60E}"/>
-              </a:ext>
-            </a:extLst>
-          </p:cNvPr>
-          <p:cNvSpPr txBox="1"/>
-          <p:nvPr/>
-        </p:nvSpPr>
-        <p:spPr>
-          <a:xfrm>
-            <a:off x="841663" y="4442377"/>
-            <a:ext cx="1981200" cy="400110"/>
-          </a:xfrm>
-          <a:prstGeom prst="rect">
-            <a:avLst/>
-          </a:prstGeom>
-          <a:noFill/>
-        </p:spPr>
-        <p:txBody>
-          <a:bodyPr wrap="square" rtlCol="0">
-            <a:spAutoFit/>
-          </a:bodyPr>
-          <a:lstStyle/>
-          <a:p>
-            <a:pPr algn="ctr"/>
-            <a:r>
-              <a:rPr lang="en-US" sz="2000" i="1" dirty="0">
-                <a:solidFill>
-                  <a:srgbClr val="660066"/>
-                </a:solidFill>
-              </a:rPr>
-              <a:t>LEGO Theme</a:t>
-            </a:r>
-          </a:p>
-        </p:txBody>
-      </p:sp>
-      <p:sp>
-        <p:nvSpPr>
-          <p:cNvPr id="25" name="TextBox 24">
-            <a:extLst>
-              <a:ext uri="{FF2B5EF4-FFF2-40B4-BE49-F238E27FC236}">
-                <a16:creationId xmlns:a16="http://schemas.microsoft.com/office/drawing/2014/main" id="{992BAD34-5806-380C-44F2-99CE85567B90}"/>
-              </a:ext>
-            </a:extLst>
-          </p:cNvPr>
-          <p:cNvSpPr txBox="1"/>
-          <p:nvPr/>
-        </p:nvSpPr>
-        <p:spPr>
-          <a:xfrm>
-            <a:off x="3446318" y="4442377"/>
-            <a:ext cx="1981200" cy="400110"/>
-          </a:xfrm>
-          <a:prstGeom prst="rect">
-            <a:avLst/>
-          </a:prstGeom>
-          <a:noFill/>
-        </p:spPr>
-        <p:txBody>
-          <a:bodyPr wrap="square" rtlCol="0">
-            <a:spAutoFit/>
-          </a:bodyPr>
-          <a:lstStyle/>
-          <a:p>
-            <a:pPr algn="ctr"/>
-            <a:r>
-              <a:rPr lang="en-US" sz="2000" i="1" dirty="0">
-                <a:solidFill>
-                  <a:srgbClr val="660066"/>
-                </a:solidFill>
-              </a:rPr>
-              <a:t>LEGO Ages</a:t>
-            </a:r>
-          </a:p>
         </p:txBody>
       </p:sp>
     </p:spTree>
     <p:extLst>
       <p:ext uri="{BB962C8B-B14F-4D97-AF65-F5344CB8AC3E}">
-        <p14:creationId xmlns:p14="http://schemas.microsoft.com/office/powerpoint/2010/main" val="371418788"/>
+        <p14:creationId xmlns:p14="http://schemas.microsoft.com/office/powerpoint/2010/main" val="4128989348"/>
       </p:ext>
     </p:extLst>
   </p:cSld>
@@ -6189,11 +6140,10 @@
                 <a:solidFill>
                   <a:srgbClr val="2D3A37"/>
                 </a:solidFill>
-                <a:effectLst/>
                 <a:latin typeface="Adobe Devanagari" panose="02040503050201020203" pitchFamily="18" charset="0"/>
                 <a:cs typeface="Adobe Devanagari" panose="02040503050201020203" pitchFamily="18" charset="0"/>
               </a:rPr>
-              <a:t>Preview of Dataset</a:t>
+              <a:t>Variable Types</a:t>
             </a:r>
             <a:endParaRPr lang="en-US" sz="4800" dirty="0">
               <a:solidFill>
@@ -6218,7 +6168,7 @@
         <p:spPr>
           <a:xfrm>
             <a:off x="495300" y="1977074"/>
-            <a:ext cx="11201400" cy="3915966"/>
+            <a:ext cx="11201400" cy="3439239"/>
           </a:xfrm>
           <a:prstGeom prst="roundRect">
             <a:avLst/>
@@ -6252,16 +6202,6 @@
           </a:bodyPr>
           <a:lstStyle/>
           <a:p>
-            <a:r>
-              <a:rPr lang="en-US" sz="2800" dirty="0">
-                <a:solidFill>
-                  <a:srgbClr val="660066"/>
-                </a:solidFill>
-              </a:rPr>
-              <a:t>Can we find all the variable types in this dataset?</a:t>
-            </a:r>
-          </a:p>
-          <a:p>
             <a:endParaRPr lang="en-US" sz="2800" dirty="0">
               <a:solidFill>
                 <a:srgbClr val="660066"/>
@@ -6276,10 +6216,6 @@
             </a:endParaRPr>
           </a:p>
           <a:p>
-            <a:pPr marL="685800" indent="-685800">
-              <a:buFont typeface="Arial" panose="020B0604020202020204" pitchFamily="34" charset="0"/>
-              <a:buChar char="•"/>
-            </a:pPr>
             <a:endParaRPr lang="en-US" sz="2800" dirty="0">
               <a:solidFill>
                 <a:srgbClr val="660066"/>
@@ -6287,10 +6223,6 @@
             </a:endParaRPr>
           </a:p>
           <a:p>
-            <a:pPr marL="685800" indent="-685800">
-              <a:buFont typeface="Arial" panose="020B0604020202020204" pitchFamily="34" charset="0"/>
-              <a:buChar char="•"/>
-            </a:pPr>
             <a:endParaRPr lang="en-US" sz="2800" dirty="0">
               <a:solidFill>
                 <a:srgbClr val="660066"/>
@@ -6298,10 +6230,6 @@
             </a:endParaRPr>
           </a:p>
           <a:p>
-            <a:pPr marL="685800" indent="-685800">
-              <a:buFont typeface="Arial" panose="020B0604020202020204" pitchFamily="34" charset="0"/>
-              <a:buChar char="•"/>
-            </a:pPr>
             <a:endParaRPr lang="en-US" sz="2800" dirty="0">
               <a:solidFill>
                 <a:srgbClr val="660066"/>
@@ -6324,45 +6252,470 @@
           </a:p>
         </p:txBody>
       </p:sp>
-      <p:pic>
-        <p:nvPicPr>
-          <p:cNvPr id="4" name="Picture 3">
-            <a:extLst>
-              <a:ext uri="{FF2B5EF4-FFF2-40B4-BE49-F238E27FC236}">
-                <a16:creationId xmlns:a16="http://schemas.microsoft.com/office/drawing/2014/main" id="{C3CBCD0F-55A4-5DC7-3C02-910BA14700F3}"/>
-              </a:ext>
-            </a:extLst>
-          </p:cNvPr>
-          <p:cNvPicPr>
-            <a:picLocks noChangeAspect="1"/>
-          </p:cNvPicPr>
+      <p:sp>
+        <p:nvSpPr>
+          <p:cNvPr id="3" name="TextBox 2">
+            <a:extLst>
+              <a:ext uri="{FF2B5EF4-FFF2-40B4-BE49-F238E27FC236}">
+                <a16:creationId xmlns:a16="http://schemas.microsoft.com/office/drawing/2014/main" id="{1A7B0DEE-7C9E-F4B1-5F83-29C0E1FA1DC8}"/>
+              </a:ext>
+            </a:extLst>
+          </p:cNvPr>
+          <p:cNvSpPr txBox="1"/>
           <p:nvPr/>
-        </p:nvPicPr>
-        <p:blipFill>
-          <a:blip r:embed="rId3"/>
-          <a:stretch>
-            <a:fillRect/>
-          </a:stretch>
-        </p:blipFill>
+        </p:nvSpPr>
         <p:spPr>
           <a:xfrm>
-            <a:off x="756780" y="2979947"/>
-            <a:ext cx="10678440" cy="2386946"/>
+            <a:off x="2133600" y="2573480"/>
+            <a:ext cx="1981200" cy="523220"/>
           </a:xfrm>
           <a:prstGeom prst="rect">
             <a:avLst/>
           </a:prstGeom>
-          <a:ln w="28575">
-            <a:solidFill>
-              <a:srgbClr val="660066"/>
-            </a:solidFill>
+          <a:noFill/>
+        </p:spPr>
+        <p:txBody>
+          <a:bodyPr wrap="square" rtlCol="0">
+            <a:spAutoFit/>
+          </a:bodyPr>
+          <a:lstStyle/>
+          <a:p>
+            <a:pPr algn="ctr"/>
+            <a:r>
+              <a:rPr lang="en-US" sz="2800" dirty="0"/>
+              <a:t>Categorical</a:t>
+            </a:r>
+          </a:p>
+        </p:txBody>
+      </p:sp>
+      <p:sp>
+        <p:nvSpPr>
+          <p:cNvPr id="4" name="TextBox 3">
+            <a:extLst>
+              <a:ext uri="{FF2B5EF4-FFF2-40B4-BE49-F238E27FC236}">
+                <a16:creationId xmlns:a16="http://schemas.microsoft.com/office/drawing/2014/main" id="{CFAFD2E7-A7E5-89A1-BB02-9E46C99529B9}"/>
+              </a:ext>
+            </a:extLst>
+          </p:cNvPr>
+          <p:cNvSpPr txBox="1"/>
+          <p:nvPr/>
+        </p:nvSpPr>
+        <p:spPr>
+          <a:xfrm>
+            <a:off x="6972300" y="2573480"/>
+            <a:ext cx="1981200" cy="523220"/>
+          </a:xfrm>
+          <a:prstGeom prst="rect">
+            <a:avLst/>
+          </a:prstGeom>
+          <a:noFill/>
+        </p:spPr>
+        <p:txBody>
+          <a:bodyPr wrap="square" rtlCol="0">
+            <a:spAutoFit/>
+          </a:bodyPr>
+          <a:lstStyle/>
+          <a:p>
+            <a:pPr algn="ctr"/>
+            <a:r>
+              <a:rPr lang="en-US" sz="2800" dirty="0"/>
+              <a:t>Quantitative</a:t>
+            </a:r>
+          </a:p>
+        </p:txBody>
+      </p:sp>
+      <p:sp>
+        <p:nvSpPr>
+          <p:cNvPr id="5" name="TextBox 4">
+            <a:extLst>
+              <a:ext uri="{FF2B5EF4-FFF2-40B4-BE49-F238E27FC236}">
+                <a16:creationId xmlns:a16="http://schemas.microsoft.com/office/drawing/2014/main" id="{11143612-8AB2-A3BC-0E01-14984F6FA621}"/>
+              </a:ext>
+            </a:extLst>
+          </p:cNvPr>
+          <p:cNvSpPr txBox="1"/>
+          <p:nvPr/>
+        </p:nvSpPr>
+        <p:spPr>
+          <a:xfrm>
+            <a:off x="838200" y="3928825"/>
+            <a:ext cx="1981200" cy="523220"/>
+          </a:xfrm>
+          <a:prstGeom prst="rect">
+            <a:avLst/>
+          </a:prstGeom>
+          <a:noFill/>
+        </p:spPr>
+        <p:txBody>
+          <a:bodyPr wrap="square" rtlCol="0">
+            <a:spAutoFit/>
+          </a:bodyPr>
+          <a:lstStyle/>
+          <a:p>
+            <a:pPr algn="ctr"/>
+            <a:r>
+              <a:rPr lang="en-US" sz="2800" dirty="0"/>
+              <a:t>Nominal</a:t>
+            </a:r>
+          </a:p>
+        </p:txBody>
+      </p:sp>
+      <p:cxnSp>
+        <p:nvCxnSpPr>
+          <p:cNvPr id="9" name="Straight Arrow Connector 8">
+            <a:extLst>
+              <a:ext uri="{FF2B5EF4-FFF2-40B4-BE49-F238E27FC236}">
+                <a16:creationId xmlns:a16="http://schemas.microsoft.com/office/drawing/2014/main" id="{3401CCB9-A102-9EAD-91BF-1C15EC64A163}"/>
+              </a:ext>
+            </a:extLst>
+          </p:cNvPr>
+          <p:cNvCxnSpPr>
+            <a:cxnSpLocks/>
+          </p:cNvCxnSpPr>
+          <p:nvPr/>
+        </p:nvCxnSpPr>
+        <p:spPr>
+          <a:xfrm>
+            <a:off x="3463636" y="3096700"/>
+            <a:ext cx="784514" cy="905176"/>
+          </a:xfrm>
+          <a:prstGeom prst="straightConnector1">
+            <a:avLst/>
+          </a:prstGeom>
+          <a:ln w="38100">
+            <a:tailEnd type="triangle"/>
           </a:ln>
         </p:spPr>
-      </p:pic>
+        <p:style>
+          <a:lnRef idx="1">
+            <a:schemeClr val="dk1"/>
+          </a:lnRef>
+          <a:fillRef idx="0">
+            <a:schemeClr val="dk1"/>
+          </a:fillRef>
+          <a:effectRef idx="0">
+            <a:schemeClr val="dk1"/>
+          </a:effectRef>
+          <a:fontRef idx="minor">
+            <a:schemeClr val="tx1"/>
+          </a:fontRef>
+        </p:style>
+      </p:cxnSp>
+      <p:sp>
+        <p:nvSpPr>
+          <p:cNvPr id="10" name="TextBox 9">
+            <a:extLst>
+              <a:ext uri="{FF2B5EF4-FFF2-40B4-BE49-F238E27FC236}">
+                <a16:creationId xmlns:a16="http://schemas.microsoft.com/office/drawing/2014/main" id="{DAD3E5CA-DB79-E709-CCBE-CB37CA25C445}"/>
+              </a:ext>
+            </a:extLst>
+          </p:cNvPr>
+          <p:cNvSpPr txBox="1"/>
+          <p:nvPr/>
+        </p:nvSpPr>
+        <p:spPr>
+          <a:xfrm>
+            <a:off x="3463636" y="3928825"/>
+            <a:ext cx="1981200" cy="523220"/>
+          </a:xfrm>
+          <a:prstGeom prst="rect">
+            <a:avLst/>
+          </a:prstGeom>
+          <a:noFill/>
+        </p:spPr>
+        <p:txBody>
+          <a:bodyPr wrap="square" rtlCol="0">
+            <a:spAutoFit/>
+          </a:bodyPr>
+          <a:lstStyle/>
+          <a:p>
+            <a:pPr algn="ctr"/>
+            <a:r>
+              <a:rPr lang="en-US" sz="2800" dirty="0"/>
+              <a:t>Ordinal</a:t>
+            </a:r>
+          </a:p>
+        </p:txBody>
+      </p:sp>
+      <p:cxnSp>
+        <p:nvCxnSpPr>
+          <p:cNvPr id="11" name="Straight Arrow Connector 10">
+            <a:extLst>
+              <a:ext uri="{FF2B5EF4-FFF2-40B4-BE49-F238E27FC236}">
+                <a16:creationId xmlns:a16="http://schemas.microsoft.com/office/drawing/2014/main" id="{B63DDBBD-A910-894E-8212-5D8AB4CBE24D}"/>
+              </a:ext>
+            </a:extLst>
+          </p:cNvPr>
+          <p:cNvCxnSpPr>
+            <a:cxnSpLocks/>
+          </p:cNvCxnSpPr>
+          <p:nvPr/>
+        </p:nvCxnSpPr>
+        <p:spPr>
+          <a:xfrm flipH="1">
+            <a:off x="1905000" y="3053570"/>
+            <a:ext cx="778453" cy="948306"/>
+          </a:xfrm>
+          <a:prstGeom prst="straightConnector1">
+            <a:avLst/>
+          </a:prstGeom>
+          <a:ln w="38100">
+            <a:tailEnd type="triangle"/>
+          </a:ln>
+        </p:spPr>
+        <p:style>
+          <a:lnRef idx="1">
+            <a:schemeClr val="dk1"/>
+          </a:lnRef>
+          <a:fillRef idx="0">
+            <a:schemeClr val="dk1"/>
+          </a:fillRef>
+          <a:effectRef idx="0">
+            <a:schemeClr val="dk1"/>
+          </a:effectRef>
+          <a:fontRef idx="minor">
+            <a:schemeClr val="tx1"/>
+          </a:fontRef>
+        </p:style>
+      </p:cxnSp>
+      <p:sp>
+        <p:nvSpPr>
+          <p:cNvPr id="17" name="TextBox 16">
+            <a:extLst>
+              <a:ext uri="{FF2B5EF4-FFF2-40B4-BE49-F238E27FC236}">
+                <a16:creationId xmlns:a16="http://schemas.microsoft.com/office/drawing/2014/main" id="{7BF8B504-64DF-0799-78F5-0935CF66DDFF}"/>
+              </a:ext>
+            </a:extLst>
+          </p:cNvPr>
+          <p:cNvSpPr txBox="1"/>
+          <p:nvPr/>
+        </p:nvSpPr>
+        <p:spPr>
+          <a:xfrm>
+            <a:off x="5867400" y="3928825"/>
+            <a:ext cx="1981200" cy="523220"/>
+          </a:xfrm>
+          <a:prstGeom prst="rect">
+            <a:avLst/>
+          </a:prstGeom>
+          <a:noFill/>
+        </p:spPr>
+        <p:txBody>
+          <a:bodyPr wrap="square" rtlCol="0">
+            <a:spAutoFit/>
+          </a:bodyPr>
+          <a:lstStyle/>
+          <a:p>
+            <a:pPr algn="ctr"/>
+            <a:r>
+              <a:rPr lang="en-US" sz="2800" dirty="0"/>
+              <a:t>Continuous</a:t>
+            </a:r>
+          </a:p>
+        </p:txBody>
+      </p:sp>
+      <p:sp>
+        <p:nvSpPr>
+          <p:cNvPr id="18" name="TextBox 17">
+            <a:extLst>
+              <a:ext uri="{FF2B5EF4-FFF2-40B4-BE49-F238E27FC236}">
+                <a16:creationId xmlns:a16="http://schemas.microsoft.com/office/drawing/2014/main" id="{EFD82E02-3E49-05C9-4071-EBC5308FD86D}"/>
+              </a:ext>
+            </a:extLst>
+          </p:cNvPr>
+          <p:cNvSpPr txBox="1"/>
+          <p:nvPr/>
+        </p:nvSpPr>
+        <p:spPr>
+          <a:xfrm>
+            <a:off x="8610600" y="3928825"/>
+            <a:ext cx="1981200" cy="523220"/>
+          </a:xfrm>
+          <a:prstGeom prst="rect">
+            <a:avLst/>
+          </a:prstGeom>
+          <a:noFill/>
+        </p:spPr>
+        <p:txBody>
+          <a:bodyPr wrap="square" rtlCol="0">
+            <a:spAutoFit/>
+          </a:bodyPr>
+          <a:lstStyle/>
+          <a:p>
+            <a:pPr algn="ctr"/>
+            <a:r>
+              <a:rPr lang="en-US" sz="2800" dirty="0"/>
+              <a:t>Discrete</a:t>
+            </a:r>
+          </a:p>
+        </p:txBody>
+      </p:sp>
+      <p:cxnSp>
+        <p:nvCxnSpPr>
+          <p:cNvPr id="19" name="Straight Arrow Connector 18">
+            <a:extLst>
+              <a:ext uri="{FF2B5EF4-FFF2-40B4-BE49-F238E27FC236}">
+                <a16:creationId xmlns:a16="http://schemas.microsoft.com/office/drawing/2014/main" id="{80C576BA-A317-1886-667C-51A3109B9896}"/>
+              </a:ext>
+            </a:extLst>
+          </p:cNvPr>
+          <p:cNvCxnSpPr>
+            <a:cxnSpLocks/>
+          </p:cNvCxnSpPr>
+          <p:nvPr/>
+        </p:nvCxnSpPr>
+        <p:spPr>
+          <a:xfrm flipH="1">
+            <a:off x="6856268" y="3060175"/>
+            <a:ext cx="689263" cy="1001181"/>
+          </a:xfrm>
+          <a:prstGeom prst="straightConnector1">
+            <a:avLst/>
+          </a:prstGeom>
+          <a:ln w="38100">
+            <a:tailEnd type="triangle"/>
+          </a:ln>
+        </p:spPr>
+        <p:style>
+          <a:lnRef idx="1">
+            <a:schemeClr val="dk1"/>
+          </a:lnRef>
+          <a:fillRef idx="0">
+            <a:schemeClr val="dk1"/>
+          </a:fillRef>
+          <a:effectRef idx="0">
+            <a:schemeClr val="dk1"/>
+          </a:effectRef>
+          <a:fontRef idx="minor">
+            <a:schemeClr val="tx1"/>
+          </a:fontRef>
+        </p:style>
+      </p:cxnSp>
+      <p:cxnSp>
+        <p:nvCxnSpPr>
+          <p:cNvPr id="21" name="Straight Arrow Connector 20">
+            <a:extLst>
+              <a:ext uri="{FF2B5EF4-FFF2-40B4-BE49-F238E27FC236}">
+                <a16:creationId xmlns:a16="http://schemas.microsoft.com/office/drawing/2014/main" id="{F21F3507-22BC-C77F-747D-AF729C57E35A}"/>
+              </a:ext>
+            </a:extLst>
+          </p:cNvPr>
+          <p:cNvCxnSpPr>
+            <a:cxnSpLocks/>
+          </p:cNvCxnSpPr>
+          <p:nvPr/>
+        </p:nvCxnSpPr>
+        <p:spPr>
+          <a:xfrm>
+            <a:off x="8575964" y="3053570"/>
+            <a:ext cx="693159" cy="948306"/>
+          </a:xfrm>
+          <a:prstGeom prst="straightConnector1">
+            <a:avLst/>
+          </a:prstGeom>
+          <a:ln w="38100">
+            <a:tailEnd type="triangle"/>
+          </a:ln>
+        </p:spPr>
+        <p:style>
+          <a:lnRef idx="1">
+            <a:schemeClr val="dk1"/>
+          </a:lnRef>
+          <a:fillRef idx="0">
+            <a:schemeClr val="dk1"/>
+          </a:fillRef>
+          <a:effectRef idx="0">
+            <a:schemeClr val="dk1"/>
+          </a:effectRef>
+          <a:fontRef idx="minor">
+            <a:schemeClr val="tx1"/>
+          </a:fontRef>
+        </p:style>
+      </p:cxnSp>
+      <p:sp>
+        <p:nvSpPr>
+          <p:cNvPr id="24" name="TextBox 23">
+            <a:extLst>
+              <a:ext uri="{FF2B5EF4-FFF2-40B4-BE49-F238E27FC236}">
+                <a16:creationId xmlns:a16="http://schemas.microsoft.com/office/drawing/2014/main" id="{91468417-64DA-A060-9885-2F7F61F2C60E}"/>
+              </a:ext>
+            </a:extLst>
+          </p:cNvPr>
+          <p:cNvSpPr txBox="1"/>
+          <p:nvPr/>
+        </p:nvSpPr>
+        <p:spPr>
+          <a:xfrm>
+            <a:off x="841663" y="4442377"/>
+            <a:ext cx="1981200" cy="400110"/>
+          </a:xfrm>
+          <a:prstGeom prst="rect">
+            <a:avLst/>
+          </a:prstGeom>
+          <a:noFill/>
+        </p:spPr>
+        <p:txBody>
+          <a:bodyPr wrap="square" rtlCol="0">
+            <a:spAutoFit/>
+          </a:bodyPr>
+          <a:lstStyle/>
+          <a:p>
+            <a:pPr algn="ctr"/>
+            <a:r>
+              <a:rPr lang="en-US" sz="2000" i="1" dirty="0">
+                <a:solidFill>
+                  <a:srgbClr val="660066"/>
+                </a:solidFill>
+              </a:rPr>
+              <a:t>LEGO Theme</a:t>
+            </a:r>
+          </a:p>
+        </p:txBody>
+      </p:sp>
+      <p:sp>
+        <p:nvSpPr>
+          <p:cNvPr id="25" name="TextBox 24">
+            <a:extLst>
+              <a:ext uri="{FF2B5EF4-FFF2-40B4-BE49-F238E27FC236}">
+                <a16:creationId xmlns:a16="http://schemas.microsoft.com/office/drawing/2014/main" id="{992BAD34-5806-380C-44F2-99CE85567B90}"/>
+              </a:ext>
+            </a:extLst>
+          </p:cNvPr>
+          <p:cNvSpPr txBox="1"/>
+          <p:nvPr/>
+        </p:nvSpPr>
+        <p:spPr>
+          <a:xfrm>
+            <a:off x="3446318" y="4442377"/>
+            <a:ext cx="1981200" cy="400110"/>
+          </a:xfrm>
+          <a:prstGeom prst="rect">
+            <a:avLst/>
+          </a:prstGeom>
+          <a:noFill/>
+        </p:spPr>
+        <p:txBody>
+          <a:bodyPr wrap="square" rtlCol="0">
+            <a:spAutoFit/>
+          </a:bodyPr>
+          <a:lstStyle/>
+          <a:p>
+            <a:pPr algn="ctr"/>
+            <a:r>
+              <a:rPr lang="en-US" sz="2000" i="1" dirty="0">
+                <a:solidFill>
+                  <a:srgbClr val="660066"/>
+                </a:solidFill>
+              </a:rPr>
+              <a:t>LEGO Ages</a:t>
+            </a:r>
+          </a:p>
+        </p:txBody>
+      </p:sp>
     </p:spTree>
     <p:extLst>
       <p:ext uri="{BB962C8B-B14F-4D97-AF65-F5344CB8AC3E}">
-        <p14:creationId xmlns:p14="http://schemas.microsoft.com/office/powerpoint/2010/main" val="1440189049"/>
+        <p14:creationId xmlns:p14="http://schemas.microsoft.com/office/powerpoint/2010/main" val="371418788"/>
       </p:ext>
     </p:extLst>
   </p:cSld>
@@ -6535,10 +6888,11 @@
                 <a:solidFill>
                   <a:srgbClr val="2D3A37"/>
                 </a:solidFill>
+                <a:effectLst/>
                 <a:latin typeface="Adobe Devanagari" panose="02040503050201020203" pitchFamily="18" charset="0"/>
                 <a:cs typeface="Adobe Devanagari" panose="02040503050201020203" pitchFamily="18" charset="0"/>
               </a:rPr>
-              <a:t>Example of Variable Types Using LEGO</a:t>
+              <a:t>Preview of Dataset</a:t>
             </a:r>
             <a:endParaRPr lang="en-US" sz="4800" dirty="0">
               <a:solidFill>
@@ -6563,7 +6917,7 @@
         <p:spPr>
           <a:xfrm>
             <a:off x="495300" y="1977074"/>
-            <a:ext cx="11201400" cy="3439239"/>
+            <a:ext cx="11201400" cy="3915966"/>
           </a:xfrm>
           <a:prstGeom prst="roundRect">
             <a:avLst/>
@@ -6597,6 +6951,16 @@
           </a:bodyPr>
           <a:lstStyle/>
           <a:p>
+            <a:r>
+              <a:rPr lang="en-US" sz="2800" dirty="0">
+                <a:solidFill>
+                  <a:srgbClr val="660066"/>
+                </a:solidFill>
+              </a:rPr>
+              <a:t>Can we find all the variable types in this dataset?</a:t>
+            </a:r>
+          </a:p>
+          <a:p>
             <a:endParaRPr lang="en-US" sz="2800" dirty="0">
               <a:solidFill>
                 <a:srgbClr val="660066"/>
@@ -6611,6 +6975,10 @@
             </a:endParaRPr>
           </a:p>
           <a:p>
+            <a:pPr marL="685800" indent="-685800">
+              <a:buFont typeface="Arial" panose="020B0604020202020204" pitchFamily="34" charset="0"/>
+              <a:buChar char="•"/>
+            </a:pPr>
             <a:endParaRPr lang="en-US" sz="2800" dirty="0">
               <a:solidFill>
                 <a:srgbClr val="660066"/>
@@ -6618,6 +6986,10 @@
             </a:endParaRPr>
           </a:p>
           <a:p>
+            <a:pPr marL="685800" indent="-685800">
+              <a:buFont typeface="Arial" panose="020B0604020202020204" pitchFamily="34" charset="0"/>
+              <a:buChar char="•"/>
+            </a:pPr>
             <a:endParaRPr lang="en-US" sz="2800" dirty="0">
               <a:solidFill>
                 <a:srgbClr val="660066"/>
@@ -6625,6 +6997,10 @@
             </a:endParaRPr>
           </a:p>
           <a:p>
+            <a:pPr marL="685800" indent="-685800">
+              <a:buFont typeface="Arial" panose="020B0604020202020204" pitchFamily="34" charset="0"/>
+              <a:buChar char="•"/>
+            </a:pPr>
             <a:endParaRPr lang="en-US" sz="2800" dirty="0">
               <a:solidFill>
                 <a:srgbClr val="660066"/>
@@ -6647,550 +7023,45 @@
           </a:p>
         </p:txBody>
       </p:sp>
-      <p:sp>
-        <p:nvSpPr>
-          <p:cNvPr id="3" name="TextBox 2">
-            <a:extLst>
-              <a:ext uri="{FF2B5EF4-FFF2-40B4-BE49-F238E27FC236}">
-                <a16:creationId xmlns:a16="http://schemas.microsoft.com/office/drawing/2014/main" id="{1A7B0DEE-7C9E-F4B1-5F83-29C0E1FA1DC8}"/>
-              </a:ext>
-            </a:extLst>
-          </p:cNvPr>
-          <p:cNvSpPr txBox="1"/>
+      <p:pic>
+        <p:nvPicPr>
+          <p:cNvPr id="4" name="Picture 3">
+            <a:extLst>
+              <a:ext uri="{FF2B5EF4-FFF2-40B4-BE49-F238E27FC236}">
+                <a16:creationId xmlns:a16="http://schemas.microsoft.com/office/drawing/2014/main" id="{C3CBCD0F-55A4-5DC7-3C02-910BA14700F3}"/>
+              </a:ext>
+            </a:extLst>
+          </p:cNvPr>
+          <p:cNvPicPr>
+            <a:picLocks noChangeAspect="1"/>
+          </p:cNvPicPr>
           <p:nvPr/>
-        </p:nvSpPr>
+        </p:nvPicPr>
+        <p:blipFill>
+          <a:blip r:embed="rId3"/>
+          <a:stretch>
+            <a:fillRect/>
+          </a:stretch>
+        </p:blipFill>
         <p:spPr>
           <a:xfrm>
-            <a:off x="2133600" y="2573480"/>
-            <a:ext cx="1981200" cy="523220"/>
+            <a:off x="756780" y="2979947"/>
+            <a:ext cx="10678440" cy="2386946"/>
           </a:xfrm>
           <a:prstGeom prst="rect">
             <a:avLst/>
           </a:prstGeom>
-          <a:noFill/>
-        </p:spPr>
-        <p:txBody>
-          <a:bodyPr wrap="square" rtlCol="0">
-            <a:spAutoFit/>
-          </a:bodyPr>
-          <a:lstStyle/>
-          <a:p>
-            <a:pPr algn="ctr"/>
-            <a:r>
-              <a:rPr lang="en-US" sz="2800" dirty="0"/>
-              <a:t>Categorical</a:t>
-            </a:r>
-          </a:p>
-        </p:txBody>
-      </p:sp>
-      <p:sp>
-        <p:nvSpPr>
-          <p:cNvPr id="4" name="TextBox 3">
-            <a:extLst>
-              <a:ext uri="{FF2B5EF4-FFF2-40B4-BE49-F238E27FC236}">
-                <a16:creationId xmlns:a16="http://schemas.microsoft.com/office/drawing/2014/main" id="{CFAFD2E7-A7E5-89A1-BB02-9E46C99529B9}"/>
-              </a:ext>
-            </a:extLst>
-          </p:cNvPr>
-          <p:cNvSpPr txBox="1"/>
-          <p:nvPr/>
-        </p:nvSpPr>
-        <p:spPr>
-          <a:xfrm>
-            <a:off x="6972300" y="2573480"/>
-            <a:ext cx="1981200" cy="523220"/>
-          </a:xfrm>
-          <a:prstGeom prst="rect">
-            <a:avLst/>
-          </a:prstGeom>
-          <a:noFill/>
-        </p:spPr>
-        <p:txBody>
-          <a:bodyPr wrap="square" rtlCol="0">
-            <a:spAutoFit/>
-          </a:bodyPr>
-          <a:lstStyle/>
-          <a:p>
-            <a:pPr algn="ctr"/>
-            <a:r>
-              <a:rPr lang="en-US" sz="2800" dirty="0"/>
-              <a:t>Quantitative</a:t>
-            </a:r>
-          </a:p>
-        </p:txBody>
-      </p:sp>
-      <p:sp>
-        <p:nvSpPr>
-          <p:cNvPr id="5" name="TextBox 4">
-            <a:extLst>
-              <a:ext uri="{FF2B5EF4-FFF2-40B4-BE49-F238E27FC236}">
-                <a16:creationId xmlns:a16="http://schemas.microsoft.com/office/drawing/2014/main" id="{11143612-8AB2-A3BC-0E01-14984F6FA621}"/>
-              </a:ext>
-            </a:extLst>
-          </p:cNvPr>
-          <p:cNvSpPr txBox="1"/>
-          <p:nvPr/>
-        </p:nvSpPr>
-        <p:spPr>
-          <a:xfrm>
-            <a:off x="838200" y="3928825"/>
-            <a:ext cx="1981200" cy="523220"/>
-          </a:xfrm>
-          <a:prstGeom prst="rect">
-            <a:avLst/>
-          </a:prstGeom>
-          <a:noFill/>
-        </p:spPr>
-        <p:txBody>
-          <a:bodyPr wrap="square" rtlCol="0">
-            <a:spAutoFit/>
-          </a:bodyPr>
-          <a:lstStyle/>
-          <a:p>
-            <a:pPr algn="ctr"/>
-            <a:r>
-              <a:rPr lang="en-US" sz="2800" dirty="0"/>
-              <a:t>Nominal</a:t>
-            </a:r>
-          </a:p>
-        </p:txBody>
-      </p:sp>
-      <p:cxnSp>
-        <p:nvCxnSpPr>
-          <p:cNvPr id="9" name="Straight Arrow Connector 8">
-            <a:extLst>
-              <a:ext uri="{FF2B5EF4-FFF2-40B4-BE49-F238E27FC236}">
-                <a16:creationId xmlns:a16="http://schemas.microsoft.com/office/drawing/2014/main" id="{3401CCB9-A102-9EAD-91BF-1C15EC64A163}"/>
-              </a:ext>
-            </a:extLst>
-          </p:cNvPr>
-          <p:cNvCxnSpPr>
-            <a:cxnSpLocks/>
-          </p:cNvCxnSpPr>
-          <p:nvPr/>
-        </p:nvCxnSpPr>
-        <p:spPr>
-          <a:xfrm>
-            <a:off x="3463636" y="3096700"/>
-            <a:ext cx="784514" cy="905176"/>
-          </a:xfrm>
-          <a:prstGeom prst="straightConnector1">
-            <a:avLst/>
-          </a:prstGeom>
-          <a:ln w="38100">
-            <a:tailEnd type="triangle"/>
+          <a:ln w="28575">
+            <a:solidFill>
+              <a:srgbClr val="660066"/>
+            </a:solidFill>
           </a:ln>
         </p:spPr>
-        <p:style>
-          <a:lnRef idx="1">
-            <a:schemeClr val="dk1"/>
-          </a:lnRef>
-          <a:fillRef idx="0">
-            <a:schemeClr val="dk1"/>
-          </a:fillRef>
-          <a:effectRef idx="0">
-            <a:schemeClr val="dk1"/>
-          </a:effectRef>
-          <a:fontRef idx="minor">
-            <a:schemeClr val="tx1"/>
-          </a:fontRef>
-        </p:style>
-      </p:cxnSp>
-      <p:sp>
-        <p:nvSpPr>
-          <p:cNvPr id="10" name="TextBox 9">
-            <a:extLst>
-              <a:ext uri="{FF2B5EF4-FFF2-40B4-BE49-F238E27FC236}">
-                <a16:creationId xmlns:a16="http://schemas.microsoft.com/office/drawing/2014/main" id="{DAD3E5CA-DB79-E709-CCBE-CB37CA25C445}"/>
-              </a:ext>
-            </a:extLst>
-          </p:cNvPr>
-          <p:cNvSpPr txBox="1"/>
-          <p:nvPr/>
-        </p:nvSpPr>
-        <p:spPr>
-          <a:xfrm>
-            <a:off x="3463636" y="3928825"/>
-            <a:ext cx="1981200" cy="523220"/>
-          </a:xfrm>
-          <a:prstGeom prst="rect">
-            <a:avLst/>
-          </a:prstGeom>
-          <a:noFill/>
-        </p:spPr>
-        <p:txBody>
-          <a:bodyPr wrap="square" rtlCol="0">
-            <a:spAutoFit/>
-          </a:bodyPr>
-          <a:lstStyle/>
-          <a:p>
-            <a:pPr algn="ctr"/>
-            <a:r>
-              <a:rPr lang="en-US" sz="2800" dirty="0"/>
-              <a:t>Ordinal</a:t>
-            </a:r>
-          </a:p>
-        </p:txBody>
-      </p:sp>
-      <p:cxnSp>
-        <p:nvCxnSpPr>
-          <p:cNvPr id="11" name="Straight Arrow Connector 10">
-            <a:extLst>
-              <a:ext uri="{FF2B5EF4-FFF2-40B4-BE49-F238E27FC236}">
-                <a16:creationId xmlns:a16="http://schemas.microsoft.com/office/drawing/2014/main" id="{B63DDBBD-A910-894E-8212-5D8AB4CBE24D}"/>
-              </a:ext>
-            </a:extLst>
-          </p:cNvPr>
-          <p:cNvCxnSpPr>
-            <a:cxnSpLocks/>
-          </p:cNvCxnSpPr>
-          <p:nvPr/>
-        </p:nvCxnSpPr>
-        <p:spPr>
-          <a:xfrm flipH="1">
-            <a:off x="1905000" y="3053570"/>
-            <a:ext cx="778453" cy="948306"/>
-          </a:xfrm>
-          <a:prstGeom prst="straightConnector1">
-            <a:avLst/>
-          </a:prstGeom>
-          <a:ln w="38100">
-            <a:tailEnd type="triangle"/>
-          </a:ln>
-        </p:spPr>
-        <p:style>
-          <a:lnRef idx="1">
-            <a:schemeClr val="dk1"/>
-          </a:lnRef>
-          <a:fillRef idx="0">
-            <a:schemeClr val="dk1"/>
-          </a:fillRef>
-          <a:effectRef idx="0">
-            <a:schemeClr val="dk1"/>
-          </a:effectRef>
-          <a:fontRef idx="minor">
-            <a:schemeClr val="tx1"/>
-          </a:fontRef>
-        </p:style>
-      </p:cxnSp>
-      <p:sp>
-        <p:nvSpPr>
-          <p:cNvPr id="17" name="TextBox 16">
-            <a:extLst>
-              <a:ext uri="{FF2B5EF4-FFF2-40B4-BE49-F238E27FC236}">
-                <a16:creationId xmlns:a16="http://schemas.microsoft.com/office/drawing/2014/main" id="{7BF8B504-64DF-0799-78F5-0935CF66DDFF}"/>
-              </a:ext>
-            </a:extLst>
-          </p:cNvPr>
-          <p:cNvSpPr txBox="1"/>
-          <p:nvPr/>
-        </p:nvSpPr>
-        <p:spPr>
-          <a:xfrm>
-            <a:off x="5867400" y="3928825"/>
-            <a:ext cx="1981200" cy="523220"/>
-          </a:xfrm>
-          <a:prstGeom prst="rect">
-            <a:avLst/>
-          </a:prstGeom>
-          <a:noFill/>
-        </p:spPr>
-        <p:txBody>
-          <a:bodyPr wrap="square" rtlCol="0">
-            <a:spAutoFit/>
-          </a:bodyPr>
-          <a:lstStyle/>
-          <a:p>
-            <a:pPr algn="ctr"/>
-            <a:r>
-              <a:rPr lang="en-US" sz="2800" dirty="0"/>
-              <a:t>Continuous</a:t>
-            </a:r>
-          </a:p>
-        </p:txBody>
-      </p:sp>
-      <p:sp>
-        <p:nvSpPr>
-          <p:cNvPr id="18" name="TextBox 17">
-            <a:extLst>
-              <a:ext uri="{FF2B5EF4-FFF2-40B4-BE49-F238E27FC236}">
-                <a16:creationId xmlns:a16="http://schemas.microsoft.com/office/drawing/2014/main" id="{EFD82E02-3E49-05C9-4071-EBC5308FD86D}"/>
-              </a:ext>
-            </a:extLst>
-          </p:cNvPr>
-          <p:cNvSpPr txBox="1"/>
-          <p:nvPr/>
-        </p:nvSpPr>
-        <p:spPr>
-          <a:xfrm>
-            <a:off x="8610600" y="3928825"/>
-            <a:ext cx="1981200" cy="523220"/>
-          </a:xfrm>
-          <a:prstGeom prst="rect">
-            <a:avLst/>
-          </a:prstGeom>
-          <a:noFill/>
-        </p:spPr>
-        <p:txBody>
-          <a:bodyPr wrap="square" rtlCol="0">
-            <a:spAutoFit/>
-          </a:bodyPr>
-          <a:lstStyle/>
-          <a:p>
-            <a:pPr algn="ctr"/>
-            <a:r>
-              <a:rPr lang="en-US" sz="2800" dirty="0"/>
-              <a:t>Discrete</a:t>
-            </a:r>
-          </a:p>
-        </p:txBody>
-      </p:sp>
-      <p:cxnSp>
-        <p:nvCxnSpPr>
-          <p:cNvPr id="19" name="Straight Arrow Connector 18">
-            <a:extLst>
-              <a:ext uri="{FF2B5EF4-FFF2-40B4-BE49-F238E27FC236}">
-                <a16:creationId xmlns:a16="http://schemas.microsoft.com/office/drawing/2014/main" id="{80C576BA-A317-1886-667C-51A3109B9896}"/>
-              </a:ext>
-            </a:extLst>
-          </p:cNvPr>
-          <p:cNvCxnSpPr>
-            <a:cxnSpLocks/>
-          </p:cNvCxnSpPr>
-          <p:nvPr/>
-        </p:nvCxnSpPr>
-        <p:spPr>
-          <a:xfrm flipH="1">
-            <a:off x="6856268" y="3060175"/>
-            <a:ext cx="689263" cy="1001181"/>
-          </a:xfrm>
-          <a:prstGeom prst="straightConnector1">
-            <a:avLst/>
-          </a:prstGeom>
-          <a:ln w="38100">
-            <a:tailEnd type="triangle"/>
-          </a:ln>
-        </p:spPr>
-        <p:style>
-          <a:lnRef idx="1">
-            <a:schemeClr val="dk1"/>
-          </a:lnRef>
-          <a:fillRef idx="0">
-            <a:schemeClr val="dk1"/>
-          </a:fillRef>
-          <a:effectRef idx="0">
-            <a:schemeClr val="dk1"/>
-          </a:effectRef>
-          <a:fontRef idx="minor">
-            <a:schemeClr val="tx1"/>
-          </a:fontRef>
-        </p:style>
-      </p:cxnSp>
-      <p:cxnSp>
-        <p:nvCxnSpPr>
-          <p:cNvPr id="21" name="Straight Arrow Connector 20">
-            <a:extLst>
-              <a:ext uri="{FF2B5EF4-FFF2-40B4-BE49-F238E27FC236}">
-                <a16:creationId xmlns:a16="http://schemas.microsoft.com/office/drawing/2014/main" id="{F21F3507-22BC-C77F-747D-AF729C57E35A}"/>
-              </a:ext>
-            </a:extLst>
-          </p:cNvPr>
-          <p:cNvCxnSpPr>
-            <a:cxnSpLocks/>
-          </p:cNvCxnSpPr>
-          <p:nvPr/>
-        </p:nvCxnSpPr>
-        <p:spPr>
-          <a:xfrm>
-            <a:off x="8575964" y="3053570"/>
-            <a:ext cx="693159" cy="948306"/>
-          </a:xfrm>
-          <a:prstGeom prst="straightConnector1">
-            <a:avLst/>
-          </a:prstGeom>
-          <a:ln w="38100">
-            <a:tailEnd type="triangle"/>
-          </a:ln>
-        </p:spPr>
-        <p:style>
-          <a:lnRef idx="1">
-            <a:schemeClr val="dk1"/>
-          </a:lnRef>
-          <a:fillRef idx="0">
-            <a:schemeClr val="dk1"/>
-          </a:fillRef>
-          <a:effectRef idx="0">
-            <a:schemeClr val="dk1"/>
-          </a:effectRef>
-          <a:fontRef idx="minor">
-            <a:schemeClr val="tx1"/>
-          </a:fontRef>
-        </p:style>
-      </p:cxnSp>
-      <p:sp>
-        <p:nvSpPr>
-          <p:cNvPr id="24" name="TextBox 23">
-            <a:extLst>
-              <a:ext uri="{FF2B5EF4-FFF2-40B4-BE49-F238E27FC236}">
-                <a16:creationId xmlns:a16="http://schemas.microsoft.com/office/drawing/2014/main" id="{91468417-64DA-A060-9885-2F7F61F2C60E}"/>
-              </a:ext>
-            </a:extLst>
-          </p:cNvPr>
-          <p:cNvSpPr txBox="1"/>
-          <p:nvPr/>
-        </p:nvSpPr>
-        <p:spPr>
-          <a:xfrm>
-            <a:off x="839932" y="4429945"/>
-            <a:ext cx="1981200" cy="400110"/>
-          </a:xfrm>
-          <a:prstGeom prst="rect">
-            <a:avLst/>
-          </a:prstGeom>
-          <a:noFill/>
-        </p:spPr>
-        <p:txBody>
-          <a:bodyPr wrap="square" rtlCol="0">
-            <a:spAutoFit/>
-          </a:bodyPr>
-          <a:lstStyle/>
-          <a:p>
-            <a:pPr algn="ctr"/>
-            <a:r>
-              <a:rPr lang="en-US" sz="2000" i="1" dirty="0">
-                <a:solidFill>
-                  <a:srgbClr val="660066"/>
-                </a:solidFill>
-              </a:rPr>
-              <a:t>LEGO Theme</a:t>
-            </a:r>
-          </a:p>
-        </p:txBody>
-      </p:sp>
-      <p:sp>
-        <p:nvSpPr>
-          <p:cNvPr id="25" name="TextBox 24">
-            <a:extLst>
-              <a:ext uri="{FF2B5EF4-FFF2-40B4-BE49-F238E27FC236}">
-                <a16:creationId xmlns:a16="http://schemas.microsoft.com/office/drawing/2014/main" id="{992BAD34-5806-380C-44F2-99CE85567B90}"/>
-              </a:ext>
-            </a:extLst>
-          </p:cNvPr>
-          <p:cNvSpPr txBox="1"/>
-          <p:nvPr/>
-        </p:nvSpPr>
-        <p:spPr>
-          <a:xfrm>
-            <a:off x="3446318" y="4431700"/>
-            <a:ext cx="1981200" cy="400110"/>
-          </a:xfrm>
-          <a:prstGeom prst="rect">
-            <a:avLst/>
-          </a:prstGeom>
-          <a:noFill/>
-        </p:spPr>
-        <p:txBody>
-          <a:bodyPr wrap="square" rtlCol="0">
-            <a:spAutoFit/>
-          </a:bodyPr>
-          <a:lstStyle/>
-          <a:p>
-            <a:pPr algn="ctr"/>
-            <a:r>
-              <a:rPr lang="en-US" sz="2000" i="1" dirty="0">
-                <a:solidFill>
-                  <a:srgbClr val="660066"/>
-                </a:solidFill>
-              </a:rPr>
-              <a:t>LEGO Ages</a:t>
-            </a:r>
-          </a:p>
-        </p:txBody>
-      </p:sp>
-      <p:sp>
-        <p:nvSpPr>
-          <p:cNvPr id="8" name="TextBox 7">
-            <a:extLst>
-              <a:ext uri="{FF2B5EF4-FFF2-40B4-BE49-F238E27FC236}">
-                <a16:creationId xmlns:a16="http://schemas.microsoft.com/office/drawing/2014/main" id="{17D2DB04-9229-DFC8-2A32-6C54633B9DC4}"/>
-              </a:ext>
-            </a:extLst>
-          </p:cNvPr>
-          <p:cNvSpPr txBox="1"/>
-          <p:nvPr/>
-        </p:nvSpPr>
-        <p:spPr>
-          <a:xfrm>
-            <a:off x="5850082" y="4436720"/>
-            <a:ext cx="1981200" cy="400110"/>
-          </a:xfrm>
-          <a:prstGeom prst="rect">
-            <a:avLst/>
-          </a:prstGeom>
-          <a:noFill/>
-        </p:spPr>
-        <p:txBody>
-          <a:bodyPr wrap="square" rtlCol="0">
-            <a:spAutoFit/>
-          </a:bodyPr>
-          <a:lstStyle/>
-          <a:p>
-            <a:pPr algn="ctr"/>
-            <a:r>
-              <a:rPr lang="en-US" sz="2000" i="1" dirty="0">
-                <a:solidFill>
-                  <a:srgbClr val="660066"/>
-                </a:solidFill>
-              </a:rPr>
-              <a:t>LEGO Price</a:t>
-            </a:r>
-          </a:p>
-        </p:txBody>
-      </p:sp>
-      <p:sp>
-        <p:nvSpPr>
-          <p:cNvPr id="13" name="TextBox 12">
-            <a:extLst>
-              <a:ext uri="{FF2B5EF4-FFF2-40B4-BE49-F238E27FC236}">
-                <a16:creationId xmlns:a16="http://schemas.microsoft.com/office/drawing/2014/main" id="{00857EBF-1FA3-F039-78B2-77ADBB36B394}"/>
-              </a:ext>
-            </a:extLst>
-          </p:cNvPr>
-          <p:cNvSpPr txBox="1"/>
-          <p:nvPr/>
-        </p:nvSpPr>
-        <p:spPr>
-          <a:xfrm>
-            <a:off x="8610600" y="4442377"/>
-            <a:ext cx="1981200" cy="400110"/>
-          </a:xfrm>
-          <a:prstGeom prst="rect">
-            <a:avLst/>
-          </a:prstGeom>
-          <a:noFill/>
-        </p:spPr>
-        <p:txBody>
-          <a:bodyPr wrap="square" rtlCol="0">
-            <a:spAutoFit/>
-          </a:bodyPr>
-          <a:lstStyle/>
-          <a:p>
-            <a:pPr algn="ctr"/>
-            <a:r>
-              <a:rPr lang="en-US" sz="2000" i="1" dirty="0">
-                <a:solidFill>
-                  <a:srgbClr val="660066"/>
-                </a:solidFill>
-              </a:rPr>
-              <a:t>LEGO Pieces</a:t>
-            </a:r>
-          </a:p>
-        </p:txBody>
-      </p:sp>
+      </p:pic>
     </p:spTree>
     <p:extLst>
       <p:ext uri="{BB962C8B-B14F-4D97-AF65-F5344CB8AC3E}">
-        <p14:creationId xmlns:p14="http://schemas.microsoft.com/office/powerpoint/2010/main" val="2897435999"/>
+        <p14:creationId xmlns:p14="http://schemas.microsoft.com/office/powerpoint/2010/main" val="1440189049"/>
       </p:ext>
     </p:extLst>
   </p:cSld>
@@ -7366,7 +7237,7 @@
                 <a:latin typeface="Adobe Devanagari" panose="02040503050201020203" pitchFamily="18" charset="0"/>
                 <a:cs typeface="Adobe Devanagari" panose="02040503050201020203" pitchFamily="18" charset="0"/>
               </a:rPr>
-              <a:t>Families of Models</a:t>
+              <a:t>Example of Variable Types Using LEGO</a:t>
             </a:r>
             <a:endParaRPr lang="en-US" sz="4800" dirty="0">
               <a:solidFill>
@@ -7391,7 +7262,7 @@
         <p:spPr>
           <a:xfrm>
             <a:off x="495300" y="1977074"/>
-            <a:ext cx="11201400" cy="4392692"/>
+            <a:ext cx="11201400" cy="3439239"/>
           </a:xfrm>
           <a:prstGeom prst="roundRect">
             <a:avLst/>
@@ -7473,39 +7344,6 @@
               </a:solidFill>
             </a:endParaRPr>
           </a:p>
-          <a:p>
-            <a:r>
-              <a:rPr lang="en-US" sz="2800" i="1" dirty="0">
-                <a:solidFill>
-                  <a:srgbClr val="660066"/>
-                </a:solidFill>
-              </a:rPr>
-              <a:t>Complicated by </a:t>
-            </a:r>
-            <a:r>
-              <a:rPr lang="en-US" sz="2800" b="1" i="1" dirty="0">
-                <a:solidFill>
-                  <a:srgbClr val="660066"/>
-                </a:solidFill>
-              </a:rPr>
-              <a:t>multiple</a:t>
-            </a:r>
-            <a:r>
-              <a:rPr lang="en-US" sz="2800" i="1" dirty="0">
-                <a:solidFill>
-                  <a:srgbClr val="660066"/>
-                </a:solidFill>
-              </a:rPr>
-              <a:t> predictor variables and/or response variables</a:t>
-            </a:r>
-          </a:p>
-          <a:p>
-            <a:endParaRPr lang="en-US" sz="2800" dirty="0">
-              <a:solidFill>
-                <a:srgbClr val="660066"/>
-              </a:solidFill>
-            </a:endParaRPr>
-          </a:p>
         </p:txBody>
       </p:sp>
       <p:sp>
@@ -7522,7 +7360,7 @@
         </p:nvSpPr>
         <p:spPr>
           <a:xfrm>
-            <a:off x="1194089" y="3131336"/>
+            <a:off x="2133600" y="2573480"/>
             <a:ext cx="1981200" cy="523220"/>
           </a:xfrm>
           <a:prstGeom prst="rect">
@@ -7558,7 +7396,7 @@
         </p:nvSpPr>
         <p:spPr>
           <a:xfrm>
-            <a:off x="1214871" y="4276065"/>
+            <a:off x="6972300" y="2573480"/>
             <a:ext cx="1981200" cy="523220"/>
           </a:xfrm>
           <a:prstGeom prst="rect">
@@ -7582,10 +7420,10 @@
       </p:sp>
       <p:sp>
         <p:nvSpPr>
-          <p:cNvPr id="15" name="TextBox 14">
-            <a:extLst>
-              <a:ext uri="{FF2B5EF4-FFF2-40B4-BE49-F238E27FC236}">
-                <a16:creationId xmlns:a16="http://schemas.microsoft.com/office/drawing/2014/main" id="{F3821AEA-A95F-78B8-F95E-838A7F2D5533}"/>
+          <p:cNvPr id="5" name="TextBox 4">
+            <a:extLst>
+              <a:ext uri="{FF2B5EF4-FFF2-40B4-BE49-F238E27FC236}">
+                <a16:creationId xmlns:a16="http://schemas.microsoft.com/office/drawing/2014/main" id="{11143612-8AB2-A3BC-0E01-14984F6FA621}"/>
               </a:ext>
             </a:extLst>
           </p:cNvPr>
@@ -7594,8 +7432,8 @@
         </p:nvSpPr>
         <p:spPr>
           <a:xfrm>
-            <a:off x="762000" y="2381193"/>
-            <a:ext cx="3073111" cy="523220"/>
+            <a:off x="838200" y="3928825"/>
+            <a:ext cx="1981200" cy="523220"/>
           </a:xfrm>
           <a:prstGeom prst="rect">
             <a:avLst/>
@@ -7610,126 +7448,18 @@
           <a:p>
             <a:pPr algn="ctr"/>
             <a:r>
-              <a:rPr lang="en-US" sz="2800" u="sng" dirty="0"/>
-              <a:t>Response Variable</a:t>
-            </a:r>
-          </a:p>
-        </p:txBody>
-      </p:sp>
-      <p:sp>
-        <p:nvSpPr>
-          <p:cNvPr id="16" name="TextBox 15">
-            <a:extLst>
-              <a:ext uri="{FF2B5EF4-FFF2-40B4-BE49-F238E27FC236}">
-                <a16:creationId xmlns:a16="http://schemas.microsoft.com/office/drawing/2014/main" id="{D950D77A-804A-8830-AB4E-45BC6CDB4443}"/>
-              </a:ext>
-            </a:extLst>
-          </p:cNvPr>
-          <p:cNvSpPr txBox="1"/>
-          <p:nvPr/>
-        </p:nvSpPr>
-        <p:spPr>
-          <a:xfrm>
-            <a:off x="6553200" y="2379404"/>
-            <a:ext cx="3276600" cy="523220"/>
-          </a:xfrm>
-          <a:prstGeom prst="rect">
-            <a:avLst/>
-          </a:prstGeom>
-          <a:noFill/>
-        </p:spPr>
-        <p:txBody>
-          <a:bodyPr wrap="square" rtlCol="0">
-            <a:spAutoFit/>
-          </a:bodyPr>
-          <a:lstStyle/>
-          <a:p>
-            <a:pPr algn="ctr"/>
-            <a:r>
-              <a:rPr lang="en-US" sz="2800" u="sng" dirty="0"/>
-              <a:t>Predictor Variable</a:t>
-            </a:r>
-          </a:p>
-        </p:txBody>
-      </p:sp>
-      <p:sp>
-        <p:nvSpPr>
-          <p:cNvPr id="20" name="TextBox 19">
-            <a:extLst>
-              <a:ext uri="{FF2B5EF4-FFF2-40B4-BE49-F238E27FC236}">
-                <a16:creationId xmlns:a16="http://schemas.microsoft.com/office/drawing/2014/main" id="{18AAB9C5-5F78-2C31-6321-A2FBB6F2C237}"/>
-              </a:ext>
-            </a:extLst>
-          </p:cNvPr>
-          <p:cNvSpPr txBox="1"/>
-          <p:nvPr/>
-        </p:nvSpPr>
-        <p:spPr>
-          <a:xfrm>
-            <a:off x="7200900" y="3096700"/>
-            <a:ext cx="1981200" cy="523220"/>
-          </a:xfrm>
-          <a:prstGeom prst="rect">
-            <a:avLst/>
-          </a:prstGeom>
-          <a:noFill/>
-        </p:spPr>
-        <p:txBody>
-          <a:bodyPr wrap="square" rtlCol="0">
-            <a:spAutoFit/>
-          </a:bodyPr>
-          <a:lstStyle/>
-          <a:p>
-            <a:pPr algn="ctr"/>
-            <a:r>
               <a:rPr lang="en-US" sz="2800" dirty="0"/>
-              <a:t>Categorical</a:t>
-            </a:r>
-          </a:p>
-        </p:txBody>
-      </p:sp>
-      <p:sp>
-        <p:nvSpPr>
-          <p:cNvPr id="22" name="TextBox 21">
-            <a:extLst>
-              <a:ext uri="{FF2B5EF4-FFF2-40B4-BE49-F238E27FC236}">
-                <a16:creationId xmlns:a16="http://schemas.microsoft.com/office/drawing/2014/main" id="{D2136DA5-B06B-FE75-48B4-99A7758DC4BD}"/>
-              </a:ext>
-            </a:extLst>
-          </p:cNvPr>
-          <p:cNvSpPr txBox="1"/>
-          <p:nvPr/>
-        </p:nvSpPr>
-        <p:spPr>
-          <a:xfrm>
-            <a:off x="7230776" y="4276065"/>
-            <a:ext cx="1981200" cy="523220"/>
-          </a:xfrm>
-          <a:prstGeom prst="rect">
-            <a:avLst/>
-          </a:prstGeom>
-          <a:noFill/>
-        </p:spPr>
-        <p:txBody>
-          <a:bodyPr wrap="square" rtlCol="0">
-            <a:spAutoFit/>
-          </a:bodyPr>
-          <a:lstStyle/>
-          <a:p>
-            <a:pPr algn="ctr"/>
-            <a:r>
-              <a:rPr lang="en-US" sz="2800" dirty="0"/>
-              <a:t>Quantitative</a:t>
+              <a:t>Nominal</a:t>
             </a:r>
           </a:p>
         </p:txBody>
       </p:sp>
       <p:cxnSp>
         <p:nvCxnSpPr>
-          <p:cNvPr id="23" name="Straight Arrow Connector 22">
-            <a:extLst>
-              <a:ext uri="{FF2B5EF4-FFF2-40B4-BE49-F238E27FC236}">
-                <a16:creationId xmlns:a16="http://schemas.microsoft.com/office/drawing/2014/main" id="{C198BF8B-858B-EDBC-2AD2-FFE678C813AE}"/>
+          <p:cNvPr id="9" name="Straight Arrow Connector 8">
+            <a:extLst>
+              <a:ext uri="{FF2B5EF4-FFF2-40B4-BE49-F238E27FC236}">
+                <a16:creationId xmlns:a16="http://schemas.microsoft.com/office/drawing/2014/main" id="{3401CCB9-A102-9EAD-91BF-1C15EC64A163}"/>
               </a:ext>
             </a:extLst>
           </p:cNvPr>
@@ -7740,16 +7470,203 @@
         </p:nvCxnSpPr>
         <p:spPr>
           <a:xfrm>
-            <a:off x="3119868" y="3384460"/>
-            <a:ext cx="4081032" cy="0"/>
+            <a:off x="3463636" y="3096700"/>
+            <a:ext cx="784514" cy="905176"/>
           </a:xfrm>
           <a:prstGeom prst="straightConnector1">
             <a:avLst/>
           </a:prstGeom>
           <a:ln w="38100">
-            <a:solidFill>
-              <a:srgbClr val="660066"/>
-            </a:solidFill>
+            <a:tailEnd type="triangle"/>
+          </a:ln>
+        </p:spPr>
+        <p:style>
+          <a:lnRef idx="1">
+            <a:schemeClr val="dk1"/>
+          </a:lnRef>
+          <a:fillRef idx="0">
+            <a:schemeClr val="dk1"/>
+          </a:fillRef>
+          <a:effectRef idx="0">
+            <a:schemeClr val="dk1"/>
+          </a:effectRef>
+          <a:fontRef idx="minor">
+            <a:schemeClr val="tx1"/>
+          </a:fontRef>
+        </p:style>
+      </p:cxnSp>
+      <p:sp>
+        <p:nvSpPr>
+          <p:cNvPr id="10" name="TextBox 9">
+            <a:extLst>
+              <a:ext uri="{FF2B5EF4-FFF2-40B4-BE49-F238E27FC236}">
+                <a16:creationId xmlns:a16="http://schemas.microsoft.com/office/drawing/2014/main" id="{DAD3E5CA-DB79-E709-CCBE-CB37CA25C445}"/>
+              </a:ext>
+            </a:extLst>
+          </p:cNvPr>
+          <p:cNvSpPr txBox="1"/>
+          <p:nvPr/>
+        </p:nvSpPr>
+        <p:spPr>
+          <a:xfrm>
+            <a:off x="3463636" y="3928825"/>
+            <a:ext cx="1981200" cy="523220"/>
+          </a:xfrm>
+          <a:prstGeom prst="rect">
+            <a:avLst/>
+          </a:prstGeom>
+          <a:noFill/>
+        </p:spPr>
+        <p:txBody>
+          <a:bodyPr wrap="square" rtlCol="0">
+            <a:spAutoFit/>
+          </a:bodyPr>
+          <a:lstStyle/>
+          <a:p>
+            <a:pPr algn="ctr"/>
+            <a:r>
+              <a:rPr lang="en-US" sz="2800" dirty="0"/>
+              <a:t>Ordinal</a:t>
+            </a:r>
+          </a:p>
+        </p:txBody>
+      </p:sp>
+      <p:cxnSp>
+        <p:nvCxnSpPr>
+          <p:cNvPr id="11" name="Straight Arrow Connector 10">
+            <a:extLst>
+              <a:ext uri="{FF2B5EF4-FFF2-40B4-BE49-F238E27FC236}">
+                <a16:creationId xmlns:a16="http://schemas.microsoft.com/office/drawing/2014/main" id="{B63DDBBD-A910-894E-8212-5D8AB4CBE24D}"/>
+              </a:ext>
+            </a:extLst>
+          </p:cNvPr>
+          <p:cNvCxnSpPr>
+            <a:cxnSpLocks/>
+          </p:cNvCxnSpPr>
+          <p:nvPr/>
+        </p:nvCxnSpPr>
+        <p:spPr>
+          <a:xfrm flipH="1">
+            <a:off x="1905000" y="3053570"/>
+            <a:ext cx="778453" cy="948306"/>
+          </a:xfrm>
+          <a:prstGeom prst="straightConnector1">
+            <a:avLst/>
+          </a:prstGeom>
+          <a:ln w="38100">
+            <a:tailEnd type="triangle"/>
+          </a:ln>
+        </p:spPr>
+        <p:style>
+          <a:lnRef idx="1">
+            <a:schemeClr val="dk1"/>
+          </a:lnRef>
+          <a:fillRef idx="0">
+            <a:schemeClr val="dk1"/>
+          </a:fillRef>
+          <a:effectRef idx="0">
+            <a:schemeClr val="dk1"/>
+          </a:effectRef>
+          <a:fontRef idx="minor">
+            <a:schemeClr val="tx1"/>
+          </a:fontRef>
+        </p:style>
+      </p:cxnSp>
+      <p:sp>
+        <p:nvSpPr>
+          <p:cNvPr id="17" name="TextBox 16">
+            <a:extLst>
+              <a:ext uri="{FF2B5EF4-FFF2-40B4-BE49-F238E27FC236}">
+                <a16:creationId xmlns:a16="http://schemas.microsoft.com/office/drawing/2014/main" id="{7BF8B504-64DF-0799-78F5-0935CF66DDFF}"/>
+              </a:ext>
+            </a:extLst>
+          </p:cNvPr>
+          <p:cNvSpPr txBox="1"/>
+          <p:nvPr/>
+        </p:nvSpPr>
+        <p:spPr>
+          <a:xfrm>
+            <a:off x="5867400" y="3928825"/>
+            <a:ext cx="1981200" cy="523220"/>
+          </a:xfrm>
+          <a:prstGeom prst="rect">
+            <a:avLst/>
+          </a:prstGeom>
+          <a:noFill/>
+        </p:spPr>
+        <p:txBody>
+          <a:bodyPr wrap="square" rtlCol="0">
+            <a:spAutoFit/>
+          </a:bodyPr>
+          <a:lstStyle/>
+          <a:p>
+            <a:pPr algn="ctr"/>
+            <a:r>
+              <a:rPr lang="en-US" sz="2800" dirty="0"/>
+              <a:t>Continuous</a:t>
+            </a:r>
+          </a:p>
+        </p:txBody>
+      </p:sp>
+      <p:sp>
+        <p:nvSpPr>
+          <p:cNvPr id="18" name="TextBox 17">
+            <a:extLst>
+              <a:ext uri="{FF2B5EF4-FFF2-40B4-BE49-F238E27FC236}">
+                <a16:creationId xmlns:a16="http://schemas.microsoft.com/office/drawing/2014/main" id="{EFD82E02-3E49-05C9-4071-EBC5308FD86D}"/>
+              </a:ext>
+            </a:extLst>
+          </p:cNvPr>
+          <p:cNvSpPr txBox="1"/>
+          <p:nvPr/>
+        </p:nvSpPr>
+        <p:spPr>
+          <a:xfrm>
+            <a:off x="8610600" y="3928825"/>
+            <a:ext cx="1981200" cy="523220"/>
+          </a:xfrm>
+          <a:prstGeom prst="rect">
+            <a:avLst/>
+          </a:prstGeom>
+          <a:noFill/>
+        </p:spPr>
+        <p:txBody>
+          <a:bodyPr wrap="square" rtlCol="0">
+            <a:spAutoFit/>
+          </a:bodyPr>
+          <a:lstStyle/>
+          <a:p>
+            <a:pPr algn="ctr"/>
+            <a:r>
+              <a:rPr lang="en-US" sz="2800" dirty="0"/>
+              <a:t>Discrete</a:t>
+            </a:r>
+          </a:p>
+        </p:txBody>
+      </p:sp>
+      <p:cxnSp>
+        <p:nvCxnSpPr>
+          <p:cNvPr id="19" name="Straight Arrow Connector 18">
+            <a:extLst>
+              <a:ext uri="{FF2B5EF4-FFF2-40B4-BE49-F238E27FC236}">
+                <a16:creationId xmlns:a16="http://schemas.microsoft.com/office/drawing/2014/main" id="{80C576BA-A317-1886-667C-51A3109B9896}"/>
+              </a:ext>
+            </a:extLst>
+          </p:cNvPr>
+          <p:cNvCxnSpPr>
+            <a:cxnSpLocks/>
+          </p:cNvCxnSpPr>
+          <p:nvPr/>
+        </p:nvCxnSpPr>
+        <p:spPr>
+          <a:xfrm flipH="1">
+            <a:off x="6856268" y="3060175"/>
+            <a:ext cx="689263" cy="1001181"/>
+          </a:xfrm>
+          <a:prstGeom prst="straightConnector1">
+            <a:avLst/>
+          </a:prstGeom>
+          <a:ln w="38100">
             <a:tailEnd type="triangle"/>
           </a:ln>
         </p:spPr>
@@ -7770,31 +7687,27 @@
       </p:cxnSp>
       <p:cxnSp>
         <p:nvCxnSpPr>
-          <p:cNvPr id="27" name="Straight Arrow Connector 26">
-            <a:extLst>
-              <a:ext uri="{FF2B5EF4-FFF2-40B4-BE49-F238E27FC236}">
-                <a16:creationId xmlns:a16="http://schemas.microsoft.com/office/drawing/2014/main" id="{551A4EAB-2E79-4BA2-E7B5-E4889776DD9D}"/>
+          <p:cNvPr id="21" name="Straight Arrow Connector 20">
+            <a:extLst>
+              <a:ext uri="{FF2B5EF4-FFF2-40B4-BE49-F238E27FC236}">
+                <a16:creationId xmlns:a16="http://schemas.microsoft.com/office/drawing/2014/main" id="{F21F3507-22BC-C77F-747D-AF729C57E35A}"/>
               </a:ext>
             </a:extLst>
           </p:cNvPr>
           <p:cNvCxnSpPr>
             <a:cxnSpLocks/>
-            <a:endCxn id="22" idx="1"/>
           </p:cNvCxnSpPr>
           <p:nvPr/>
         </p:nvCxnSpPr>
         <p:spPr>
           <a:xfrm>
-            <a:off x="3108286" y="3392946"/>
-            <a:ext cx="4122490" cy="1144729"/>
+            <a:off x="8575964" y="3053570"/>
+            <a:ext cx="693159" cy="948306"/>
           </a:xfrm>
           <a:prstGeom prst="straightConnector1">
             <a:avLst/>
           </a:prstGeom>
           <a:ln w="38100">
-            <a:solidFill>
-              <a:srgbClr val="660066"/>
-            </a:solidFill>
             <a:tailEnd type="triangle"/>
           </a:ln>
         </p:spPr>
@@ -7813,98 +7726,170 @@
           </a:fontRef>
         </p:style>
       </p:cxnSp>
-      <p:cxnSp>
-        <p:nvCxnSpPr>
-          <p:cNvPr id="30" name="Straight Arrow Connector 29">
-            <a:extLst>
-              <a:ext uri="{FF2B5EF4-FFF2-40B4-BE49-F238E27FC236}">
-                <a16:creationId xmlns:a16="http://schemas.microsoft.com/office/drawing/2014/main" id="{842EF16E-2DE6-6286-769B-935B2776053E}"/>
-              </a:ext>
-            </a:extLst>
-          </p:cNvPr>
-          <p:cNvCxnSpPr>
-            <a:cxnSpLocks/>
-          </p:cNvCxnSpPr>
+      <p:sp>
+        <p:nvSpPr>
+          <p:cNvPr id="24" name="TextBox 23">
+            <a:extLst>
+              <a:ext uri="{FF2B5EF4-FFF2-40B4-BE49-F238E27FC236}">
+                <a16:creationId xmlns:a16="http://schemas.microsoft.com/office/drawing/2014/main" id="{91468417-64DA-A060-9885-2F7F61F2C60E}"/>
+              </a:ext>
+            </a:extLst>
+          </p:cNvPr>
+          <p:cNvSpPr txBox="1"/>
           <p:nvPr/>
-        </p:nvCxnSpPr>
+        </p:nvSpPr>
         <p:spPr>
-          <a:xfrm flipV="1">
-            <a:off x="3150178" y="3488049"/>
-            <a:ext cx="4050722" cy="1054393"/>
-          </a:xfrm>
-          <a:prstGeom prst="straightConnector1">
+          <a:xfrm>
+            <a:off x="839932" y="4429945"/>
+            <a:ext cx="1981200" cy="400110"/>
+          </a:xfrm>
+          <a:prstGeom prst="rect">
             <a:avLst/>
           </a:prstGeom>
-          <a:ln w="38100">
-            <a:solidFill>
-              <a:srgbClr val="FFC416"/>
-            </a:solidFill>
-            <a:tailEnd type="triangle"/>
-          </a:ln>
-        </p:spPr>
-        <p:style>
-          <a:lnRef idx="1">
-            <a:schemeClr val="dk1"/>
-          </a:lnRef>
-          <a:fillRef idx="0">
-            <a:schemeClr val="dk1"/>
-          </a:fillRef>
-          <a:effectRef idx="0">
-            <a:schemeClr val="dk1"/>
-          </a:effectRef>
-          <a:fontRef idx="minor">
-            <a:schemeClr val="tx1"/>
-          </a:fontRef>
-        </p:style>
-      </p:cxnSp>
-      <p:cxnSp>
-        <p:nvCxnSpPr>
-          <p:cNvPr id="32" name="Straight Arrow Connector 31">
-            <a:extLst>
-              <a:ext uri="{FF2B5EF4-FFF2-40B4-BE49-F238E27FC236}">
-                <a16:creationId xmlns:a16="http://schemas.microsoft.com/office/drawing/2014/main" id="{F78DCA1E-3034-92DE-5D50-DBCCAAAB02BC}"/>
-              </a:ext>
-            </a:extLst>
-          </p:cNvPr>
-          <p:cNvCxnSpPr>
-            <a:cxnSpLocks/>
-          </p:cNvCxnSpPr>
+          <a:noFill/>
+        </p:spPr>
+        <p:txBody>
+          <a:bodyPr wrap="square" rtlCol="0">
+            <a:spAutoFit/>
+          </a:bodyPr>
+          <a:lstStyle/>
+          <a:p>
+            <a:pPr algn="ctr"/>
+            <a:r>
+              <a:rPr lang="en-US" sz="2000" i="1" dirty="0">
+                <a:solidFill>
+                  <a:srgbClr val="660066"/>
+                </a:solidFill>
+              </a:rPr>
+              <a:t>LEGO Theme</a:t>
+            </a:r>
+          </a:p>
+        </p:txBody>
+      </p:sp>
+      <p:sp>
+        <p:nvSpPr>
+          <p:cNvPr id="25" name="TextBox 24">
+            <a:extLst>
+              <a:ext uri="{FF2B5EF4-FFF2-40B4-BE49-F238E27FC236}">
+                <a16:creationId xmlns:a16="http://schemas.microsoft.com/office/drawing/2014/main" id="{992BAD34-5806-380C-44F2-99CE85567B90}"/>
+              </a:ext>
+            </a:extLst>
+          </p:cNvPr>
+          <p:cNvSpPr txBox="1"/>
           <p:nvPr/>
-        </p:nvCxnSpPr>
+        </p:nvSpPr>
         <p:spPr>
           <a:xfrm>
-            <a:off x="3166199" y="4551822"/>
-            <a:ext cx="3996601" cy="80956"/>
-          </a:xfrm>
-          <a:prstGeom prst="straightConnector1">
+            <a:off x="3446318" y="4431700"/>
+            <a:ext cx="1981200" cy="400110"/>
+          </a:xfrm>
+          <a:prstGeom prst="rect">
             <a:avLst/>
           </a:prstGeom>
-          <a:ln w="38100">
-            <a:solidFill>
-              <a:srgbClr val="FFC416"/>
-            </a:solidFill>
-            <a:tailEnd type="triangle"/>
-          </a:ln>
-        </p:spPr>
-        <p:style>
-          <a:lnRef idx="1">
-            <a:schemeClr val="dk1"/>
-          </a:lnRef>
-          <a:fillRef idx="0">
-            <a:schemeClr val="dk1"/>
-          </a:fillRef>
-          <a:effectRef idx="0">
-            <a:schemeClr val="dk1"/>
-          </a:effectRef>
-          <a:fontRef idx="minor">
-            <a:schemeClr val="tx1"/>
-          </a:fontRef>
-        </p:style>
-      </p:cxnSp>
+          <a:noFill/>
+        </p:spPr>
+        <p:txBody>
+          <a:bodyPr wrap="square" rtlCol="0">
+            <a:spAutoFit/>
+          </a:bodyPr>
+          <a:lstStyle/>
+          <a:p>
+            <a:pPr algn="ctr"/>
+            <a:r>
+              <a:rPr lang="en-US" sz="2000" i="1" dirty="0">
+                <a:solidFill>
+                  <a:srgbClr val="660066"/>
+                </a:solidFill>
+              </a:rPr>
+              <a:t>LEGO Ages</a:t>
+            </a:r>
+          </a:p>
+        </p:txBody>
+      </p:sp>
+      <p:sp>
+        <p:nvSpPr>
+          <p:cNvPr id="8" name="TextBox 7">
+            <a:extLst>
+              <a:ext uri="{FF2B5EF4-FFF2-40B4-BE49-F238E27FC236}">
+                <a16:creationId xmlns:a16="http://schemas.microsoft.com/office/drawing/2014/main" id="{17D2DB04-9229-DFC8-2A32-6C54633B9DC4}"/>
+              </a:ext>
+            </a:extLst>
+          </p:cNvPr>
+          <p:cNvSpPr txBox="1"/>
+          <p:nvPr/>
+        </p:nvSpPr>
+        <p:spPr>
+          <a:xfrm>
+            <a:off x="5850082" y="4436720"/>
+            <a:ext cx="1981200" cy="400110"/>
+          </a:xfrm>
+          <a:prstGeom prst="rect">
+            <a:avLst/>
+          </a:prstGeom>
+          <a:noFill/>
+        </p:spPr>
+        <p:txBody>
+          <a:bodyPr wrap="square" rtlCol="0">
+            <a:spAutoFit/>
+          </a:bodyPr>
+          <a:lstStyle/>
+          <a:p>
+            <a:pPr algn="ctr"/>
+            <a:r>
+              <a:rPr lang="en-US" sz="2000" i="1" dirty="0">
+                <a:solidFill>
+                  <a:srgbClr val="660066"/>
+                </a:solidFill>
+              </a:rPr>
+              <a:t>LEGO Price</a:t>
+            </a:r>
+          </a:p>
+        </p:txBody>
+      </p:sp>
+      <p:sp>
+        <p:nvSpPr>
+          <p:cNvPr id="13" name="TextBox 12">
+            <a:extLst>
+              <a:ext uri="{FF2B5EF4-FFF2-40B4-BE49-F238E27FC236}">
+                <a16:creationId xmlns:a16="http://schemas.microsoft.com/office/drawing/2014/main" id="{00857EBF-1FA3-F039-78B2-77ADBB36B394}"/>
+              </a:ext>
+            </a:extLst>
+          </p:cNvPr>
+          <p:cNvSpPr txBox="1"/>
+          <p:nvPr/>
+        </p:nvSpPr>
+        <p:spPr>
+          <a:xfrm>
+            <a:off x="8610600" y="4442377"/>
+            <a:ext cx="1981200" cy="400110"/>
+          </a:xfrm>
+          <a:prstGeom prst="rect">
+            <a:avLst/>
+          </a:prstGeom>
+          <a:noFill/>
+        </p:spPr>
+        <p:txBody>
+          <a:bodyPr wrap="square" rtlCol="0">
+            <a:spAutoFit/>
+          </a:bodyPr>
+          <a:lstStyle/>
+          <a:p>
+            <a:pPr algn="ctr"/>
+            <a:r>
+              <a:rPr lang="en-US" sz="2000" i="1" dirty="0">
+                <a:solidFill>
+                  <a:srgbClr val="660066"/>
+                </a:solidFill>
+              </a:rPr>
+              <a:t>LEGO Pieces</a:t>
+            </a:r>
+          </a:p>
+        </p:txBody>
+      </p:sp>
     </p:spTree>
     <p:extLst>
       <p:ext uri="{BB962C8B-B14F-4D97-AF65-F5344CB8AC3E}">
-        <p14:creationId xmlns:p14="http://schemas.microsoft.com/office/powerpoint/2010/main" val="1625247909"/>
+        <p14:creationId xmlns:p14="http://schemas.microsoft.com/office/powerpoint/2010/main" val="2897435999"/>
       </p:ext>
     </p:extLst>
   </p:cSld>
@@ -8080,7 +8065,7 @@
                 <a:latin typeface="Adobe Devanagari" panose="02040503050201020203" pitchFamily="18" charset="0"/>
                 <a:cs typeface="Adobe Devanagari" panose="02040503050201020203" pitchFamily="18" charset="0"/>
               </a:rPr>
-              <a:t>Technology We Will Use</a:t>
+              <a:t>Families of Models</a:t>
             </a:r>
             <a:endParaRPr lang="en-US" sz="4800" dirty="0">
               <a:solidFill>
@@ -8105,7 +8090,7 @@
         <p:spPr>
           <a:xfrm>
             <a:off x="495300" y="1977074"/>
-            <a:ext cx="11201400" cy="3439239"/>
+            <a:ext cx="11201400" cy="4392692"/>
           </a:xfrm>
           <a:prstGeom prst="roundRect">
             <a:avLst/>
@@ -8139,114 +8124,87 @@
           </a:bodyPr>
           <a:lstStyle/>
           <a:p>
-            <a:pPr marL="457200" indent="-457200">
-              <a:buFont typeface="Arial" panose="020B0604020202020204" pitchFamily="34" charset="0"/>
-              <a:buChar char="•"/>
-            </a:pPr>
+            <a:endParaRPr lang="en-US" sz="2800" dirty="0">
+              <a:solidFill>
+                <a:srgbClr val="660066"/>
+              </a:solidFill>
+            </a:endParaRPr>
+          </a:p>
+          <a:p>
+            <a:endParaRPr lang="en-US" sz="2800" dirty="0">
+              <a:solidFill>
+                <a:srgbClr val="660066"/>
+              </a:solidFill>
+            </a:endParaRPr>
+          </a:p>
+          <a:p>
+            <a:endParaRPr lang="en-US" sz="2800" dirty="0">
+              <a:solidFill>
+                <a:srgbClr val="660066"/>
+              </a:solidFill>
+            </a:endParaRPr>
+          </a:p>
+          <a:p>
+            <a:endParaRPr lang="en-US" sz="2800" dirty="0">
+              <a:solidFill>
+                <a:srgbClr val="660066"/>
+              </a:solidFill>
+            </a:endParaRPr>
+          </a:p>
+          <a:p>
+            <a:endParaRPr lang="en-US" sz="2800" dirty="0">
+              <a:solidFill>
+                <a:srgbClr val="660066"/>
+              </a:solidFill>
+            </a:endParaRPr>
+          </a:p>
+          <a:p>
+            <a:endParaRPr lang="en-US" sz="2800" dirty="0">
+              <a:solidFill>
+                <a:srgbClr val="660066"/>
+              </a:solidFill>
+            </a:endParaRPr>
+          </a:p>
+          <a:p>
+            <a:endParaRPr lang="en-US" sz="2800" dirty="0">
+              <a:solidFill>
+                <a:srgbClr val="660066"/>
+              </a:solidFill>
+            </a:endParaRPr>
+          </a:p>
+          <a:p>
             <a:r>
               <a:rPr lang="en-US" sz="2800" i="1" dirty="0">
                 <a:solidFill>
                   <a:srgbClr val="660066"/>
                 </a:solidFill>
               </a:rPr>
-              <a:t>R</a:t>
-            </a:r>
-            <a:r>
-              <a:rPr lang="en-US" sz="2800" dirty="0">
+              <a:t>Complicated by </a:t>
+            </a:r>
+            <a:r>
+              <a:rPr lang="en-US" sz="2800" b="1" i="1" dirty="0">
                 <a:solidFill>
                   <a:srgbClr val="660066"/>
                 </a:solidFill>
               </a:rPr>
-              <a:t> = a free, widely used, open source, language and environment for statistical computing and graphics</a:t>
-            </a:r>
-          </a:p>
-          <a:p>
-            <a:pPr marL="457200" indent="-457200">
-              <a:buFont typeface="Arial" panose="020B0604020202020204" pitchFamily="34" charset="0"/>
-              <a:buChar char="•"/>
-            </a:pPr>
-            <a:endParaRPr lang="en-US" sz="2800" i="1" dirty="0">
-              <a:solidFill>
-                <a:srgbClr val="660066"/>
-              </a:solidFill>
-            </a:endParaRPr>
-          </a:p>
-          <a:p>
-            <a:pPr marL="457200" indent="-457200">
-              <a:buFont typeface="Arial" panose="020B0604020202020204" pitchFamily="34" charset="0"/>
-              <a:buChar char="•"/>
-            </a:pPr>
+              <a:t>multiple</a:t>
+            </a:r>
             <a:r>
               <a:rPr lang="en-US" sz="2800" i="1" dirty="0">
                 <a:solidFill>
                   <a:srgbClr val="660066"/>
                 </a:solidFill>
               </a:rPr>
-              <a:t>RStudio = </a:t>
-            </a:r>
-            <a:r>
-              <a:rPr lang="en-US" sz="2800" dirty="0">
-                <a:solidFill>
-                  <a:srgbClr val="660066"/>
-                </a:solidFill>
-              </a:rPr>
-              <a:t>an interface for </a:t>
-            </a:r>
-            <a:r>
-              <a:rPr lang="en-US" sz="2800" i="1" dirty="0">
-                <a:solidFill>
-                  <a:srgbClr val="660066"/>
-                </a:solidFill>
-              </a:rPr>
-              <a:t>R</a:t>
-            </a:r>
-            <a:r>
-              <a:rPr lang="en-US" sz="2800" dirty="0">
-                <a:solidFill>
-                  <a:srgbClr val="660066"/>
-                </a:solidFill>
-              </a:rPr>
-              <a:t> (Integrated Development Environment)</a:t>
-            </a:r>
-          </a:p>
-          <a:p>
-            <a:pPr marL="457200" indent="-457200">
-              <a:buFont typeface="Arial" panose="020B0604020202020204" pitchFamily="34" charset="0"/>
-              <a:buChar char="•"/>
-            </a:pPr>
-            <a:endParaRPr lang="en-US" sz="2800" i="1" dirty="0">
+              <a:t> predictor variables and/or response variables</a:t>
+            </a:r>
+          </a:p>
+          <a:p>
+            <a:endParaRPr lang="en-US" sz="2800" dirty="0">
               <a:solidFill>
                 <a:srgbClr val="660066"/>
               </a:solidFill>
             </a:endParaRPr>
           </a:p>
-          <a:p>
-            <a:pPr marL="457200" indent="-457200">
-              <a:buFont typeface="Arial" panose="020B0604020202020204" pitchFamily="34" charset="0"/>
-              <a:buChar char="•"/>
-            </a:pPr>
-            <a:r>
-              <a:rPr lang="en-US" sz="2800" i="1" dirty="0" err="1">
-                <a:solidFill>
-                  <a:srgbClr val="660066"/>
-                </a:solidFill>
-              </a:rPr>
-              <a:t>RMarkdown</a:t>
-            </a:r>
-            <a:r>
-              <a:rPr lang="en-US" sz="2800" dirty="0">
-                <a:solidFill>
-                  <a:srgbClr val="660066"/>
-                </a:solidFill>
-              </a:rPr>
-              <a:t> = a tool in R for creating documents that combine R code with text</a:t>
-            </a:r>
-            <a:endParaRPr lang="en-US" sz="2800" i="1" dirty="0">
-              <a:solidFill>
-                <a:srgbClr val="660066"/>
-              </a:solidFill>
-            </a:endParaRPr>
-          </a:p>
         </p:txBody>
       </p:sp>
       <p:sp>
@@ -8254,7 +8212,7 @@
           <p:cNvPr id="3" name="TextBox 2">
             <a:extLst>
               <a:ext uri="{FF2B5EF4-FFF2-40B4-BE49-F238E27FC236}">
-                <a16:creationId xmlns:a16="http://schemas.microsoft.com/office/drawing/2014/main" id="{198CF8AC-87DF-7FA9-314F-52FBF8BED237}"/>
+                <a16:creationId xmlns:a16="http://schemas.microsoft.com/office/drawing/2014/main" id="{1A7B0DEE-7C9E-F4B1-5F83-29C0E1FA1DC8}"/>
               </a:ext>
             </a:extLst>
           </p:cNvPr>
@@ -8263,57 +8221,389 @@
         </p:nvSpPr>
         <p:spPr>
           <a:xfrm>
-            <a:off x="495300" y="5830990"/>
-            <a:ext cx="11201400" cy="578882"/>
-          </a:xfrm>
-          <a:prstGeom prst="roundRect">
+            <a:off x="1194089" y="3131336"/>
+            <a:ext cx="1981200" cy="523220"/>
+          </a:xfrm>
+          <a:prstGeom prst="rect">
             <a:avLst/>
           </a:prstGeom>
-          <a:solidFill>
-            <a:schemeClr val="bg1"/>
-          </a:solidFill>
-          <a:ln w="76200">
+          <a:noFill/>
+        </p:spPr>
+        <p:txBody>
+          <a:bodyPr wrap="square" rtlCol="0">
+            <a:spAutoFit/>
+          </a:bodyPr>
+          <a:lstStyle/>
+          <a:p>
+            <a:pPr algn="ctr"/>
+            <a:r>
+              <a:rPr lang="en-US" sz="2800" dirty="0"/>
+              <a:t>Categorical</a:t>
+            </a:r>
+          </a:p>
+        </p:txBody>
+      </p:sp>
+      <p:sp>
+        <p:nvSpPr>
+          <p:cNvPr id="4" name="TextBox 3">
+            <a:extLst>
+              <a:ext uri="{FF2B5EF4-FFF2-40B4-BE49-F238E27FC236}">
+                <a16:creationId xmlns:a16="http://schemas.microsoft.com/office/drawing/2014/main" id="{CFAFD2E7-A7E5-89A1-BB02-9E46C99529B9}"/>
+              </a:ext>
+            </a:extLst>
+          </p:cNvPr>
+          <p:cNvSpPr txBox="1"/>
+          <p:nvPr/>
+        </p:nvSpPr>
+        <p:spPr>
+          <a:xfrm>
+            <a:off x="1214871" y="4276065"/>
+            <a:ext cx="1981200" cy="523220"/>
+          </a:xfrm>
+          <a:prstGeom prst="rect">
+            <a:avLst/>
+          </a:prstGeom>
+          <a:noFill/>
+        </p:spPr>
+        <p:txBody>
+          <a:bodyPr wrap="square" rtlCol="0">
+            <a:spAutoFit/>
+          </a:bodyPr>
+          <a:lstStyle/>
+          <a:p>
+            <a:pPr algn="ctr"/>
+            <a:r>
+              <a:rPr lang="en-US" sz="2800" dirty="0"/>
+              <a:t>Quantitative</a:t>
+            </a:r>
+          </a:p>
+        </p:txBody>
+      </p:sp>
+      <p:sp>
+        <p:nvSpPr>
+          <p:cNvPr id="15" name="TextBox 14">
+            <a:extLst>
+              <a:ext uri="{FF2B5EF4-FFF2-40B4-BE49-F238E27FC236}">
+                <a16:creationId xmlns:a16="http://schemas.microsoft.com/office/drawing/2014/main" id="{F3821AEA-A95F-78B8-F95E-838A7F2D5533}"/>
+              </a:ext>
+            </a:extLst>
+          </p:cNvPr>
+          <p:cNvSpPr txBox="1"/>
+          <p:nvPr/>
+        </p:nvSpPr>
+        <p:spPr>
+          <a:xfrm>
+            <a:off x="762000" y="2381193"/>
+            <a:ext cx="3073111" cy="523220"/>
+          </a:xfrm>
+          <a:prstGeom prst="rect">
+            <a:avLst/>
+          </a:prstGeom>
+          <a:noFill/>
+        </p:spPr>
+        <p:txBody>
+          <a:bodyPr wrap="square" rtlCol="0">
+            <a:spAutoFit/>
+          </a:bodyPr>
+          <a:lstStyle/>
+          <a:p>
+            <a:pPr algn="ctr"/>
+            <a:r>
+              <a:rPr lang="en-US" sz="2800" u="sng" dirty="0"/>
+              <a:t>Response Variable</a:t>
+            </a:r>
+          </a:p>
+        </p:txBody>
+      </p:sp>
+      <p:sp>
+        <p:nvSpPr>
+          <p:cNvPr id="16" name="TextBox 15">
+            <a:extLst>
+              <a:ext uri="{FF2B5EF4-FFF2-40B4-BE49-F238E27FC236}">
+                <a16:creationId xmlns:a16="http://schemas.microsoft.com/office/drawing/2014/main" id="{D950D77A-804A-8830-AB4E-45BC6CDB4443}"/>
+              </a:ext>
+            </a:extLst>
+          </p:cNvPr>
+          <p:cNvSpPr txBox="1"/>
+          <p:nvPr/>
+        </p:nvSpPr>
+        <p:spPr>
+          <a:xfrm>
+            <a:off x="6553200" y="2379404"/>
+            <a:ext cx="3276600" cy="523220"/>
+          </a:xfrm>
+          <a:prstGeom prst="rect">
+            <a:avLst/>
+          </a:prstGeom>
+          <a:noFill/>
+        </p:spPr>
+        <p:txBody>
+          <a:bodyPr wrap="square" rtlCol="0">
+            <a:spAutoFit/>
+          </a:bodyPr>
+          <a:lstStyle/>
+          <a:p>
+            <a:pPr algn="ctr"/>
+            <a:r>
+              <a:rPr lang="en-US" sz="2800" u="sng" dirty="0"/>
+              <a:t>Predictor Variable</a:t>
+            </a:r>
+          </a:p>
+        </p:txBody>
+      </p:sp>
+      <p:sp>
+        <p:nvSpPr>
+          <p:cNvPr id="20" name="TextBox 19">
+            <a:extLst>
+              <a:ext uri="{FF2B5EF4-FFF2-40B4-BE49-F238E27FC236}">
+                <a16:creationId xmlns:a16="http://schemas.microsoft.com/office/drawing/2014/main" id="{18AAB9C5-5F78-2C31-6321-A2FBB6F2C237}"/>
+              </a:ext>
+            </a:extLst>
+          </p:cNvPr>
+          <p:cNvSpPr txBox="1"/>
+          <p:nvPr/>
+        </p:nvSpPr>
+        <p:spPr>
+          <a:xfrm>
+            <a:off x="7200900" y="3096700"/>
+            <a:ext cx="1981200" cy="523220"/>
+          </a:xfrm>
+          <a:prstGeom prst="rect">
+            <a:avLst/>
+          </a:prstGeom>
+          <a:noFill/>
+        </p:spPr>
+        <p:txBody>
+          <a:bodyPr wrap="square" rtlCol="0">
+            <a:spAutoFit/>
+          </a:bodyPr>
+          <a:lstStyle/>
+          <a:p>
+            <a:pPr algn="ctr"/>
+            <a:r>
+              <a:rPr lang="en-US" sz="2800" dirty="0"/>
+              <a:t>Categorical</a:t>
+            </a:r>
+          </a:p>
+        </p:txBody>
+      </p:sp>
+      <p:sp>
+        <p:nvSpPr>
+          <p:cNvPr id="22" name="TextBox 21">
+            <a:extLst>
+              <a:ext uri="{FF2B5EF4-FFF2-40B4-BE49-F238E27FC236}">
+                <a16:creationId xmlns:a16="http://schemas.microsoft.com/office/drawing/2014/main" id="{D2136DA5-B06B-FE75-48B4-99A7758DC4BD}"/>
+              </a:ext>
+            </a:extLst>
+          </p:cNvPr>
+          <p:cNvSpPr txBox="1"/>
+          <p:nvPr/>
+        </p:nvSpPr>
+        <p:spPr>
+          <a:xfrm>
+            <a:off x="7230776" y="4276065"/>
+            <a:ext cx="1981200" cy="523220"/>
+          </a:xfrm>
+          <a:prstGeom prst="rect">
+            <a:avLst/>
+          </a:prstGeom>
+          <a:noFill/>
+        </p:spPr>
+        <p:txBody>
+          <a:bodyPr wrap="square" rtlCol="0">
+            <a:spAutoFit/>
+          </a:bodyPr>
+          <a:lstStyle/>
+          <a:p>
+            <a:pPr algn="ctr"/>
+            <a:r>
+              <a:rPr lang="en-US" sz="2800" dirty="0"/>
+              <a:t>Quantitative</a:t>
+            </a:r>
+          </a:p>
+        </p:txBody>
+      </p:sp>
+      <p:cxnSp>
+        <p:nvCxnSpPr>
+          <p:cNvPr id="23" name="Straight Arrow Connector 22">
+            <a:extLst>
+              <a:ext uri="{FF2B5EF4-FFF2-40B4-BE49-F238E27FC236}">
+                <a16:creationId xmlns:a16="http://schemas.microsoft.com/office/drawing/2014/main" id="{C198BF8B-858B-EDBC-2AD2-FFE678C813AE}"/>
+              </a:ext>
+            </a:extLst>
+          </p:cNvPr>
+          <p:cNvCxnSpPr>
+            <a:cxnSpLocks/>
+          </p:cNvCxnSpPr>
+          <p:nvPr/>
+        </p:nvCxnSpPr>
+        <p:spPr>
+          <a:xfrm>
+            <a:off x="3119868" y="3384460"/>
+            <a:ext cx="4081032" cy="0"/>
+          </a:xfrm>
+          <a:prstGeom prst="straightConnector1">
+            <a:avLst/>
+          </a:prstGeom>
+          <a:ln w="38100">
             <a:solidFill>
-              <a:srgbClr val="FFC416"/>
+              <a:srgbClr val="660066"/>
             </a:solidFill>
+            <a:tailEnd type="triangle"/>
           </a:ln>
         </p:spPr>
         <p:style>
-          <a:lnRef idx="2">
+          <a:lnRef idx="1">
             <a:schemeClr val="dk1"/>
           </a:lnRef>
-          <a:fillRef idx="1">
-            <a:schemeClr val="lt1"/>
+          <a:fillRef idx="0">
+            <a:schemeClr val="dk1"/>
           </a:fillRef>
           <a:effectRef idx="0">
             <a:schemeClr val="dk1"/>
           </a:effectRef>
           <a:fontRef idx="minor">
-            <a:schemeClr val="dk1"/>
+            <a:schemeClr val="tx1"/>
           </a:fontRef>
         </p:style>
-        <p:txBody>
-          <a:bodyPr wrap="square" rtlCol="0">
-            <a:spAutoFit/>
-          </a:bodyPr>
-          <a:lstStyle/>
-          <a:p>
-            <a:pPr algn="ctr"/>
-            <a:r>
-              <a:rPr lang="en-US" sz="2800" dirty="0">
-                <a:solidFill>
-                  <a:srgbClr val="660066"/>
-                </a:solidFill>
-              </a:rPr>
-              <a:t>Download R and RStudio to Your Computer</a:t>
-            </a:r>
-          </a:p>
-        </p:txBody>
-      </p:sp>
+      </p:cxnSp>
+      <p:cxnSp>
+        <p:nvCxnSpPr>
+          <p:cNvPr id="27" name="Straight Arrow Connector 26">
+            <a:extLst>
+              <a:ext uri="{FF2B5EF4-FFF2-40B4-BE49-F238E27FC236}">
+                <a16:creationId xmlns:a16="http://schemas.microsoft.com/office/drawing/2014/main" id="{551A4EAB-2E79-4BA2-E7B5-E4889776DD9D}"/>
+              </a:ext>
+            </a:extLst>
+          </p:cNvPr>
+          <p:cNvCxnSpPr>
+            <a:cxnSpLocks/>
+            <a:endCxn id="22" idx="1"/>
+          </p:cNvCxnSpPr>
+          <p:nvPr/>
+        </p:nvCxnSpPr>
+        <p:spPr>
+          <a:xfrm>
+            <a:off x="3108286" y="3392946"/>
+            <a:ext cx="4122490" cy="1144729"/>
+          </a:xfrm>
+          <a:prstGeom prst="straightConnector1">
+            <a:avLst/>
+          </a:prstGeom>
+          <a:ln w="38100">
+            <a:solidFill>
+              <a:srgbClr val="660066"/>
+            </a:solidFill>
+            <a:tailEnd type="triangle"/>
+          </a:ln>
+        </p:spPr>
+        <p:style>
+          <a:lnRef idx="1">
+            <a:schemeClr val="dk1"/>
+          </a:lnRef>
+          <a:fillRef idx="0">
+            <a:schemeClr val="dk1"/>
+          </a:fillRef>
+          <a:effectRef idx="0">
+            <a:schemeClr val="dk1"/>
+          </a:effectRef>
+          <a:fontRef idx="minor">
+            <a:schemeClr val="tx1"/>
+          </a:fontRef>
+        </p:style>
+      </p:cxnSp>
+      <p:cxnSp>
+        <p:nvCxnSpPr>
+          <p:cNvPr id="30" name="Straight Arrow Connector 29">
+            <a:extLst>
+              <a:ext uri="{FF2B5EF4-FFF2-40B4-BE49-F238E27FC236}">
+                <a16:creationId xmlns:a16="http://schemas.microsoft.com/office/drawing/2014/main" id="{842EF16E-2DE6-6286-769B-935B2776053E}"/>
+              </a:ext>
+            </a:extLst>
+          </p:cNvPr>
+          <p:cNvCxnSpPr>
+            <a:cxnSpLocks/>
+          </p:cNvCxnSpPr>
+          <p:nvPr/>
+        </p:nvCxnSpPr>
+        <p:spPr>
+          <a:xfrm flipV="1">
+            <a:off x="3150178" y="3488049"/>
+            <a:ext cx="4050722" cy="1054393"/>
+          </a:xfrm>
+          <a:prstGeom prst="straightConnector1">
+            <a:avLst/>
+          </a:prstGeom>
+          <a:ln w="38100">
+            <a:solidFill>
+              <a:srgbClr val="FFC416"/>
+            </a:solidFill>
+            <a:tailEnd type="triangle"/>
+          </a:ln>
+        </p:spPr>
+        <p:style>
+          <a:lnRef idx="1">
+            <a:schemeClr val="dk1"/>
+          </a:lnRef>
+          <a:fillRef idx="0">
+            <a:schemeClr val="dk1"/>
+          </a:fillRef>
+          <a:effectRef idx="0">
+            <a:schemeClr val="dk1"/>
+          </a:effectRef>
+          <a:fontRef idx="minor">
+            <a:schemeClr val="tx1"/>
+          </a:fontRef>
+        </p:style>
+      </p:cxnSp>
+      <p:cxnSp>
+        <p:nvCxnSpPr>
+          <p:cNvPr id="32" name="Straight Arrow Connector 31">
+            <a:extLst>
+              <a:ext uri="{FF2B5EF4-FFF2-40B4-BE49-F238E27FC236}">
+                <a16:creationId xmlns:a16="http://schemas.microsoft.com/office/drawing/2014/main" id="{F78DCA1E-3034-92DE-5D50-DBCCAAAB02BC}"/>
+              </a:ext>
+            </a:extLst>
+          </p:cNvPr>
+          <p:cNvCxnSpPr>
+            <a:cxnSpLocks/>
+          </p:cNvCxnSpPr>
+          <p:nvPr/>
+        </p:nvCxnSpPr>
+        <p:spPr>
+          <a:xfrm>
+            <a:off x="3166199" y="4551822"/>
+            <a:ext cx="3996601" cy="80956"/>
+          </a:xfrm>
+          <a:prstGeom prst="straightConnector1">
+            <a:avLst/>
+          </a:prstGeom>
+          <a:ln w="38100">
+            <a:solidFill>
+              <a:srgbClr val="FFC416"/>
+            </a:solidFill>
+            <a:tailEnd type="triangle"/>
+          </a:ln>
+        </p:spPr>
+        <p:style>
+          <a:lnRef idx="1">
+            <a:schemeClr val="dk1"/>
+          </a:lnRef>
+          <a:fillRef idx="0">
+            <a:schemeClr val="dk1"/>
+          </a:fillRef>
+          <a:effectRef idx="0">
+            <a:schemeClr val="dk1"/>
+          </a:effectRef>
+          <a:fontRef idx="minor">
+            <a:schemeClr val="tx1"/>
+          </a:fontRef>
+        </p:style>
+      </p:cxnSp>
     </p:spTree>
     <p:extLst>
       <p:ext uri="{BB962C8B-B14F-4D97-AF65-F5344CB8AC3E}">
-        <p14:creationId xmlns:p14="http://schemas.microsoft.com/office/powerpoint/2010/main" val="135342462"/>
+        <p14:creationId xmlns:p14="http://schemas.microsoft.com/office/powerpoint/2010/main" val="1625247909"/>
       </p:ext>
     </p:extLst>
   </p:cSld>
@@ -8489,7 +8779,7 @@
                 <a:latin typeface="Adobe Devanagari" panose="02040503050201020203" pitchFamily="18" charset="0"/>
                 <a:cs typeface="Adobe Devanagari" panose="02040503050201020203" pitchFamily="18" charset="0"/>
               </a:rPr>
-              <a:t>Quick Look at R Studio</a:t>
+              <a:t>Technology We Will Use</a:t>
             </a:r>
             <a:endParaRPr lang="en-US" sz="4800" dirty="0">
               <a:solidFill>
@@ -8499,88 +8789,171 @@
           </a:p>
         </p:txBody>
       </p:sp>
-      <p:pic>
-        <p:nvPicPr>
-          <p:cNvPr id="3" name="Picture 2">
-            <a:extLst>
-              <a:ext uri="{FF2B5EF4-FFF2-40B4-BE49-F238E27FC236}">
-                <a16:creationId xmlns:a16="http://schemas.microsoft.com/office/drawing/2014/main" id="{55588FD6-E515-54E1-7613-14E228EB9528}"/>
-              </a:ext>
-            </a:extLst>
-          </p:cNvPr>
-          <p:cNvPicPr>
-            <a:picLocks noChangeAspect="1"/>
-          </p:cNvPicPr>
+      <p:sp>
+        <p:nvSpPr>
+          <p:cNvPr id="7" name="TextBox 6">
+            <a:extLst>
+              <a:ext uri="{FF2B5EF4-FFF2-40B4-BE49-F238E27FC236}">
+                <a16:creationId xmlns:a16="http://schemas.microsoft.com/office/drawing/2014/main" id="{D9B238EA-D04E-3255-7509-F990F1A8F309}"/>
+              </a:ext>
+            </a:extLst>
+          </p:cNvPr>
+          <p:cNvSpPr txBox="1"/>
           <p:nvPr/>
-        </p:nvPicPr>
-        <p:blipFill>
-          <a:blip r:embed="rId3"/>
-          <a:stretch>
-            <a:fillRect/>
-          </a:stretch>
-        </p:blipFill>
+        </p:nvSpPr>
         <p:spPr>
           <a:xfrm>
-            <a:off x="1981200" y="1676400"/>
-            <a:ext cx="7924800" cy="4893801"/>
-          </a:xfrm>
-          <a:prstGeom prst="rect">
+            <a:off x="495300" y="1977074"/>
+            <a:ext cx="11201400" cy="3439239"/>
+          </a:xfrm>
+          <a:prstGeom prst="roundRect">
             <a:avLst/>
           </a:prstGeom>
-          <a:ln w="28575">
+          <a:solidFill>
+            <a:schemeClr val="bg1"/>
+          </a:solidFill>
+          <a:ln w="76200">
             <a:solidFill>
               <a:srgbClr val="FFC416"/>
             </a:solidFill>
           </a:ln>
         </p:spPr>
-      </p:pic>
-      <p:sp>
-        <p:nvSpPr>
-          <p:cNvPr id="4" name="TextBox 3">
-            <a:extLst>
-              <a:ext uri="{FF2B5EF4-FFF2-40B4-BE49-F238E27FC236}">
-                <a16:creationId xmlns:a16="http://schemas.microsoft.com/office/drawing/2014/main" id="{02339D7F-7000-847C-346F-D393E6BABCA3}"/>
-              </a:ext>
-            </a:extLst>
-          </p:cNvPr>
-          <p:cNvSpPr txBox="1"/>
-          <p:nvPr/>
-        </p:nvSpPr>
-        <p:spPr>
-          <a:xfrm>
-            <a:off x="2209800" y="3541931"/>
-            <a:ext cx="3886200" cy="369332"/>
-          </a:xfrm>
-          <a:prstGeom prst="rect">
-            <a:avLst/>
-          </a:prstGeom>
-          <a:solidFill>
-            <a:srgbClr val="FFC416"/>
-          </a:solidFill>
-        </p:spPr>
+        <p:style>
+          <a:lnRef idx="2">
+            <a:schemeClr val="dk1"/>
+          </a:lnRef>
+          <a:fillRef idx="1">
+            <a:schemeClr val="lt1"/>
+          </a:fillRef>
+          <a:effectRef idx="0">
+            <a:schemeClr val="dk1"/>
+          </a:effectRef>
+          <a:fontRef idx="minor">
+            <a:schemeClr val="dk1"/>
+          </a:fontRef>
+        </p:style>
         <p:txBody>
           <a:bodyPr wrap="square" rtlCol="0">
             <a:spAutoFit/>
           </a:bodyPr>
           <a:lstStyle/>
           <a:p>
-            <a:r>
-              <a:rPr lang="en-US" dirty="0">
+            <a:pPr marL="457200" indent="-457200">
+              <a:buFont typeface="Arial" panose="020B0604020202020204" pitchFamily="34" charset="0"/>
+              <a:buChar char="•"/>
+            </a:pPr>
+            <a:r>
+              <a:rPr lang="en-US" sz="2800" i="1" dirty="0">
                 <a:solidFill>
-                  <a:schemeClr val="tx1"/>
+                  <a:srgbClr val="660066"/>
                 </a:solidFill>
               </a:rPr>
-              <a:t>Editor: write/view code, data</a:t>
-            </a:r>
-          </a:p>
-        </p:txBody>
-      </p:sp>
-      <p:sp>
-        <p:nvSpPr>
-          <p:cNvPr id="5" name="TextBox 4">
-            <a:extLst>
-              <a:ext uri="{FF2B5EF4-FFF2-40B4-BE49-F238E27FC236}">
-                <a16:creationId xmlns:a16="http://schemas.microsoft.com/office/drawing/2014/main" id="{56B74EA7-35F6-0958-04BC-368720845826}"/>
+              <a:t>R</a:t>
+            </a:r>
+            <a:r>
+              <a:rPr lang="en-US" sz="2800" dirty="0">
+                <a:solidFill>
+                  <a:srgbClr val="660066"/>
+                </a:solidFill>
+              </a:rPr>
+              <a:t> = a free, widely used, open source, language and environment for statistical computing and graphics</a:t>
+            </a:r>
+          </a:p>
+          <a:p>
+            <a:pPr marL="457200" indent="-457200">
+              <a:buFont typeface="Arial" panose="020B0604020202020204" pitchFamily="34" charset="0"/>
+              <a:buChar char="•"/>
+            </a:pPr>
+            <a:endParaRPr lang="en-US" sz="2800" i="1" dirty="0">
+              <a:solidFill>
+                <a:srgbClr val="660066"/>
+              </a:solidFill>
+            </a:endParaRPr>
+          </a:p>
+          <a:p>
+            <a:pPr marL="457200" indent="-457200">
+              <a:buFont typeface="Arial" panose="020B0604020202020204" pitchFamily="34" charset="0"/>
+              <a:buChar char="•"/>
+            </a:pPr>
+            <a:r>
+              <a:rPr lang="en-US" sz="2800" i="1" dirty="0">
+                <a:solidFill>
+                  <a:srgbClr val="660066"/>
+                </a:solidFill>
+              </a:rPr>
+              <a:t>RStudio = </a:t>
+            </a:r>
+            <a:r>
+              <a:rPr lang="en-US" sz="2800" dirty="0">
+                <a:solidFill>
+                  <a:srgbClr val="660066"/>
+                </a:solidFill>
+              </a:rPr>
+              <a:t>an interface for </a:t>
+            </a:r>
+            <a:r>
+              <a:rPr lang="en-US" sz="2800" i="1" dirty="0">
+                <a:solidFill>
+                  <a:srgbClr val="660066"/>
+                </a:solidFill>
+              </a:rPr>
+              <a:t>R</a:t>
+            </a:r>
+            <a:r>
+              <a:rPr lang="en-US" sz="2800" dirty="0">
+                <a:solidFill>
+                  <a:srgbClr val="660066"/>
+                </a:solidFill>
+              </a:rPr>
+              <a:t> (Integrated Development Environment)</a:t>
+            </a:r>
+          </a:p>
+          <a:p>
+            <a:pPr marL="457200" indent="-457200">
+              <a:buFont typeface="Arial" panose="020B0604020202020204" pitchFamily="34" charset="0"/>
+              <a:buChar char="•"/>
+            </a:pPr>
+            <a:endParaRPr lang="en-US" sz="2800" i="1" dirty="0">
+              <a:solidFill>
+                <a:srgbClr val="660066"/>
+              </a:solidFill>
+            </a:endParaRPr>
+          </a:p>
+          <a:p>
+            <a:pPr marL="457200" indent="-457200">
+              <a:buFont typeface="Arial" panose="020B0604020202020204" pitchFamily="34" charset="0"/>
+              <a:buChar char="•"/>
+            </a:pPr>
+            <a:r>
+              <a:rPr lang="en-US" sz="2800" i="1" dirty="0" err="1">
+                <a:solidFill>
+                  <a:srgbClr val="660066"/>
+                </a:solidFill>
+              </a:rPr>
+              <a:t>RMarkdown</a:t>
+            </a:r>
+            <a:r>
+              <a:rPr lang="en-US" sz="2800" dirty="0">
+                <a:solidFill>
+                  <a:srgbClr val="660066"/>
+                </a:solidFill>
+              </a:rPr>
+              <a:t> = a tool in R for creating documents that combine R code with text</a:t>
+            </a:r>
+            <a:endParaRPr lang="en-US" sz="2800" i="1" dirty="0">
+              <a:solidFill>
+                <a:srgbClr val="660066"/>
+              </a:solidFill>
+            </a:endParaRPr>
+          </a:p>
+        </p:txBody>
+      </p:sp>
+      <p:sp>
+        <p:nvSpPr>
+          <p:cNvPr id="3" name="TextBox 2">
+            <a:extLst>
+              <a:ext uri="{FF2B5EF4-FFF2-40B4-BE49-F238E27FC236}">
+                <a16:creationId xmlns:a16="http://schemas.microsoft.com/office/drawing/2014/main" id="{198CF8AC-87DF-7FA9-314F-52FBF8BED237}"/>
               </a:ext>
             </a:extLst>
           </p:cNvPr>
@@ -8589,161 +8962,49 @@
         </p:nvSpPr>
         <p:spPr>
           <a:xfrm>
-            <a:off x="6331527" y="2895600"/>
-            <a:ext cx="3400697" cy="830997"/>
-          </a:xfrm>
-          <a:prstGeom prst="rect">
+            <a:off x="495300" y="5830990"/>
+            <a:ext cx="11201400" cy="578882"/>
+          </a:xfrm>
+          <a:prstGeom prst="roundRect">
             <a:avLst/>
           </a:prstGeom>
           <a:solidFill>
-            <a:srgbClr val="FFC416"/>
+            <a:schemeClr val="bg1"/>
           </a:solidFill>
-        </p:spPr>
+          <a:ln w="76200">
+            <a:solidFill>
+              <a:srgbClr val="FFC416"/>
+            </a:solidFill>
+          </a:ln>
+        </p:spPr>
+        <p:style>
+          <a:lnRef idx="2">
+            <a:schemeClr val="dk1"/>
+          </a:lnRef>
+          <a:fillRef idx="1">
+            <a:schemeClr val="lt1"/>
+          </a:fillRef>
+          <a:effectRef idx="0">
+            <a:schemeClr val="dk1"/>
+          </a:effectRef>
+          <a:fontRef idx="minor">
+            <a:schemeClr val="dk1"/>
+          </a:fontRef>
+        </p:style>
         <p:txBody>
           <a:bodyPr wrap="square" rtlCol="0">
             <a:spAutoFit/>
           </a:bodyPr>
           <a:lstStyle/>
           <a:p>
-            <a:r>
-              <a:rPr lang="en-US" dirty="0">
+            <a:pPr algn="ctr"/>
+            <a:r>
+              <a:rPr lang="en-US" sz="2800" dirty="0">
                 <a:solidFill>
-                  <a:schemeClr val="tx1"/>
+                  <a:srgbClr val="660066"/>
                 </a:solidFill>
               </a:rPr>
-              <a:t>Environment: lists active variables, functions, …</a:t>
-            </a:r>
-          </a:p>
-        </p:txBody>
-      </p:sp>
-      <p:sp>
-        <p:nvSpPr>
-          <p:cNvPr id="8" name="TextBox 7">
-            <a:extLst>
-              <a:ext uri="{FF2B5EF4-FFF2-40B4-BE49-F238E27FC236}">
-                <a16:creationId xmlns:a16="http://schemas.microsoft.com/office/drawing/2014/main" id="{2FDD4823-1317-513B-C460-A56051F1F433}"/>
-              </a:ext>
-            </a:extLst>
-          </p:cNvPr>
-          <p:cNvSpPr txBox="1"/>
-          <p:nvPr/>
-        </p:nvSpPr>
-        <p:spPr>
-          <a:xfrm>
-            <a:off x="6660275" y="4724400"/>
-            <a:ext cx="2743199" cy="1569660"/>
-          </a:xfrm>
-          <a:prstGeom prst="rect">
-            <a:avLst/>
-          </a:prstGeom>
-          <a:solidFill>
-            <a:srgbClr val="FFC416"/>
-          </a:solidFill>
-        </p:spPr>
-        <p:txBody>
-          <a:bodyPr wrap="square" rtlCol="0">
-            <a:spAutoFit/>
-          </a:bodyPr>
-          <a:lstStyle/>
-          <a:p>
-            <a:pPr>
-              <a:spcBef>
-                <a:spcPts val="0"/>
-              </a:spcBef>
-            </a:pPr>
-            <a:r>
-              <a:rPr lang="en-US" dirty="0">
-                <a:solidFill>
-                  <a:schemeClr val="tx1"/>
-                </a:solidFill>
-              </a:rPr>
-              <a:t>Access files</a:t>
-            </a:r>
-          </a:p>
-          <a:p>
-            <a:pPr>
-              <a:spcBef>
-                <a:spcPts val="0"/>
-              </a:spcBef>
-            </a:pPr>
-            <a:r>
-              <a:rPr lang="en-US" dirty="0">
-                <a:solidFill>
-                  <a:schemeClr val="tx1"/>
-                </a:solidFill>
-              </a:rPr>
-              <a:t>View plots</a:t>
-            </a:r>
-          </a:p>
-          <a:p>
-            <a:pPr>
-              <a:spcBef>
-                <a:spcPts val="0"/>
-              </a:spcBef>
-            </a:pPr>
-            <a:r>
-              <a:rPr lang="en-US" dirty="0">
-                <a:solidFill>
-                  <a:schemeClr val="tx1"/>
-                </a:solidFill>
-              </a:rPr>
-              <a:t>Control packages</a:t>
-            </a:r>
-          </a:p>
-          <a:p>
-            <a:pPr>
-              <a:spcBef>
-                <a:spcPts val="0"/>
-              </a:spcBef>
-            </a:pPr>
-            <a:r>
-              <a:rPr lang="en-US" dirty="0">
-                <a:solidFill>
-                  <a:schemeClr val="tx1"/>
-                </a:solidFill>
-              </a:rPr>
-              <a:t>View help</a:t>
-            </a:r>
-          </a:p>
-        </p:txBody>
-      </p:sp>
-      <p:sp>
-        <p:nvSpPr>
-          <p:cNvPr id="9" name="TextBox 8">
-            <a:extLst>
-              <a:ext uri="{FF2B5EF4-FFF2-40B4-BE49-F238E27FC236}">
-                <a16:creationId xmlns:a16="http://schemas.microsoft.com/office/drawing/2014/main" id="{7912C97E-8D33-4CF2-4F36-06032C8E8790}"/>
-              </a:ext>
-            </a:extLst>
-          </p:cNvPr>
-          <p:cNvSpPr txBox="1"/>
-          <p:nvPr/>
-        </p:nvSpPr>
-        <p:spPr>
-          <a:xfrm>
-            <a:off x="2223655" y="5427113"/>
-            <a:ext cx="3657600" cy="830997"/>
-          </a:xfrm>
-          <a:prstGeom prst="rect">
-            <a:avLst/>
-          </a:prstGeom>
-          <a:solidFill>
-            <a:srgbClr val="FFC416"/>
-          </a:solidFill>
-        </p:spPr>
-        <p:txBody>
-          <a:bodyPr wrap="square" rtlCol="0">
-            <a:spAutoFit/>
-          </a:bodyPr>
-          <a:lstStyle/>
-          <a:p>
-            <a:r>
-              <a:rPr lang="en-US" dirty="0">
-                <a:solidFill>
-                  <a:schemeClr val="tx1"/>
-                </a:solidFill>
-              </a:rPr>
-              <a:t>Console: Enter commands, view output, error messages</a:t>
+              <a:t>Download R and RStudio to Your Computer</a:t>
             </a:r>
           </a:p>
         </p:txBody>
@@ -8751,7 +9012,7 @@
     </p:spTree>
     <p:extLst>
       <p:ext uri="{BB962C8B-B14F-4D97-AF65-F5344CB8AC3E}">
-        <p14:creationId xmlns:p14="http://schemas.microsoft.com/office/powerpoint/2010/main" val="3954967299"/>
+        <p14:creationId xmlns:p14="http://schemas.microsoft.com/office/powerpoint/2010/main" val="135342462"/>
       </p:ext>
     </p:extLst>
   </p:cSld>
@@ -8927,7 +9188,7 @@
                 <a:latin typeface="Adobe Devanagari" panose="02040503050201020203" pitchFamily="18" charset="0"/>
                 <a:cs typeface="Adobe Devanagari" panose="02040503050201020203" pitchFamily="18" charset="0"/>
               </a:rPr>
-              <a:t>Learning Objectives for R</a:t>
+              <a:t>Quick Look at R Studio</a:t>
             </a:r>
             <a:endParaRPr lang="en-US" sz="4800" dirty="0">
               <a:solidFill>
@@ -8937,12 +9198,47 @@
           </a:p>
         </p:txBody>
       </p:sp>
-      <p:sp>
-        <p:nvSpPr>
-          <p:cNvPr id="7" name="TextBox 6">
-            <a:extLst>
-              <a:ext uri="{FF2B5EF4-FFF2-40B4-BE49-F238E27FC236}">
-                <a16:creationId xmlns:a16="http://schemas.microsoft.com/office/drawing/2014/main" id="{D9B238EA-D04E-3255-7509-F990F1A8F309}"/>
+      <p:pic>
+        <p:nvPicPr>
+          <p:cNvPr id="3" name="Picture 2">
+            <a:extLst>
+              <a:ext uri="{FF2B5EF4-FFF2-40B4-BE49-F238E27FC236}">
+                <a16:creationId xmlns:a16="http://schemas.microsoft.com/office/drawing/2014/main" id="{55588FD6-E515-54E1-7613-14E228EB9528}"/>
+              </a:ext>
+            </a:extLst>
+          </p:cNvPr>
+          <p:cNvPicPr>
+            <a:picLocks noChangeAspect="1"/>
+          </p:cNvPicPr>
+          <p:nvPr/>
+        </p:nvPicPr>
+        <p:blipFill>
+          <a:blip r:embed="rId3"/>
+          <a:stretch>
+            <a:fillRect/>
+          </a:stretch>
+        </p:blipFill>
+        <p:spPr>
+          <a:xfrm>
+            <a:off x="1981200" y="1676400"/>
+            <a:ext cx="7924800" cy="4893801"/>
+          </a:xfrm>
+          <a:prstGeom prst="rect">
+            <a:avLst/>
+          </a:prstGeom>
+          <a:ln w="28575">
+            <a:solidFill>
+              <a:srgbClr val="FFC416"/>
+            </a:solidFill>
+          </a:ln>
+        </p:spPr>
+      </p:pic>
+      <p:sp>
+        <p:nvSpPr>
+          <p:cNvPr id="4" name="TextBox 3">
+            <a:extLst>
+              <a:ext uri="{FF2B5EF4-FFF2-40B4-BE49-F238E27FC236}">
+                <a16:creationId xmlns:a16="http://schemas.microsoft.com/office/drawing/2014/main" id="{02339D7F-7000-847C-346F-D393E6BABCA3}"/>
               </a:ext>
             </a:extLst>
           </p:cNvPr>
@@ -8951,14 +9247,349 @@
         </p:nvSpPr>
         <p:spPr>
           <a:xfrm>
-            <a:off x="495300" y="1977074"/>
-            <a:ext cx="11201400" cy="3439239"/>
+            <a:off x="2209800" y="3541931"/>
+            <a:ext cx="3886200" cy="369332"/>
+          </a:xfrm>
+          <a:prstGeom prst="rect">
+            <a:avLst/>
+          </a:prstGeom>
+          <a:solidFill>
+            <a:srgbClr val="FFC416"/>
+          </a:solidFill>
+        </p:spPr>
+        <p:txBody>
+          <a:bodyPr wrap="square" rtlCol="0">
+            <a:spAutoFit/>
+          </a:bodyPr>
+          <a:lstStyle/>
+          <a:p>
+            <a:r>
+              <a:rPr lang="en-US" dirty="0">
+                <a:solidFill>
+                  <a:schemeClr val="tx1"/>
+                </a:solidFill>
+              </a:rPr>
+              <a:t>Editor: write/view code, data</a:t>
+            </a:r>
+          </a:p>
+        </p:txBody>
+      </p:sp>
+      <p:sp>
+        <p:nvSpPr>
+          <p:cNvPr id="5" name="TextBox 4">
+            <a:extLst>
+              <a:ext uri="{FF2B5EF4-FFF2-40B4-BE49-F238E27FC236}">
+                <a16:creationId xmlns:a16="http://schemas.microsoft.com/office/drawing/2014/main" id="{56B74EA7-35F6-0958-04BC-368720845826}"/>
+              </a:ext>
+            </a:extLst>
+          </p:cNvPr>
+          <p:cNvSpPr txBox="1"/>
+          <p:nvPr/>
+        </p:nvSpPr>
+        <p:spPr>
+          <a:xfrm>
+            <a:off x="6331527" y="2895600"/>
+            <a:ext cx="3400697" cy="830997"/>
+          </a:xfrm>
+          <a:prstGeom prst="rect">
+            <a:avLst/>
+          </a:prstGeom>
+          <a:solidFill>
+            <a:srgbClr val="FFC416"/>
+          </a:solidFill>
+        </p:spPr>
+        <p:txBody>
+          <a:bodyPr wrap="square" rtlCol="0">
+            <a:spAutoFit/>
+          </a:bodyPr>
+          <a:lstStyle/>
+          <a:p>
+            <a:r>
+              <a:rPr lang="en-US" dirty="0">
+                <a:solidFill>
+                  <a:schemeClr val="tx1"/>
+                </a:solidFill>
+              </a:rPr>
+              <a:t>Environment: lists active variables, functions, …</a:t>
+            </a:r>
+          </a:p>
+        </p:txBody>
+      </p:sp>
+      <p:sp>
+        <p:nvSpPr>
+          <p:cNvPr id="8" name="TextBox 7">
+            <a:extLst>
+              <a:ext uri="{FF2B5EF4-FFF2-40B4-BE49-F238E27FC236}">
+                <a16:creationId xmlns:a16="http://schemas.microsoft.com/office/drawing/2014/main" id="{2FDD4823-1317-513B-C460-A56051F1F433}"/>
+              </a:ext>
+            </a:extLst>
+          </p:cNvPr>
+          <p:cNvSpPr txBox="1"/>
+          <p:nvPr/>
+        </p:nvSpPr>
+        <p:spPr>
+          <a:xfrm>
+            <a:off x="6660275" y="4724400"/>
+            <a:ext cx="2743199" cy="1569660"/>
+          </a:xfrm>
+          <a:prstGeom prst="rect">
+            <a:avLst/>
+          </a:prstGeom>
+          <a:solidFill>
+            <a:srgbClr val="FFC416"/>
+          </a:solidFill>
+        </p:spPr>
+        <p:txBody>
+          <a:bodyPr wrap="square" rtlCol="0">
+            <a:spAutoFit/>
+          </a:bodyPr>
+          <a:lstStyle/>
+          <a:p>
+            <a:pPr>
+              <a:spcBef>
+                <a:spcPts val="0"/>
+              </a:spcBef>
+            </a:pPr>
+            <a:r>
+              <a:rPr lang="en-US" dirty="0">
+                <a:solidFill>
+                  <a:schemeClr val="tx1"/>
+                </a:solidFill>
+              </a:rPr>
+              <a:t>Access files</a:t>
+            </a:r>
+          </a:p>
+          <a:p>
+            <a:pPr>
+              <a:spcBef>
+                <a:spcPts val="0"/>
+              </a:spcBef>
+            </a:pPr>
+            <a:r>
+              <a:rPr lang="en-US" dirty="0">
+                <a:solidFill>
+                  <a:schemeClr val="tx1"/>
+                </a:solidFill>
+              </a:rPr>
+              <a:t>View plots</a:t>
+            </a:r>
+          </a:p>
+          <a:p>
+            <a:pPr>
+              <a:spcBef>
+                <a:spcPts val="0"/>
+              </a:spcBef>
+            </a:pPr>
+            <a:r>
+              <a:rPr lang="en-US" dirty="0">
+                <a:solidFill>
+                  <a:schemeClr val="tx1"/>
+                </a:solidFill>
+              </a:rPr>
+              <a:t>Control packages</a:t>
+            </a:r>
+          </a:p>
+          <a:p>
+            <a:pPr>
+              <a:spcBef>
+                <a:spcPts val="0"/>
+              </a:spcBef>
+            </a:pPr>
+            <a:r>
+              <a:rPr lang="en-US" dirty="0">
+                <a:solidFill>
+                  <a:schemeClr val="tx1"/>
+                </a:solidFill>
+              </a:rPr>
+              <a:t>View help</a:t>
+            </a:r>
+          </a:p>
+        </p:txBody>
+      </p:sp>
+      <p:sp>
+        <p:nvSpPr>
+          <p:cNvPr id="9" name="TextBox 8">
+            <a:extLst>
+              <a:ext uri="{FF2B5EF4-FFF2-40B4-BE49-F238E27FC236}">
+                <a16:creationId xmlns:a16="http://schemas.microsoft.com/office/drawing/2014/main" id="{7912C97E-8D33-4CF2-4F36-06032C8E8790}"/>
+              </a:ext>
+            </a:extLst>
+          </p:cNvPr>
+          <p:cNvSpPr txBox="1"/>
+          <p:nvPr/>
+        </p:nvSpPr>
+        <p:spPr>
+          <a:xfrm>
+            <a:off x="2223655" y="5427113"/>
+            <a:ext cx="3657600" cy="830997"/>
+          </a:xfrm>
+          <a:prstGeom prst="rect">
+            <a:avLst/>
+          </a:prstGeom>
+          <a:solidFill>
+            <a:srgbClr val="FFC416"/>
+          </a:solidFill>
+        </p:spPr>
+        <p:txBody>
+          <a:bodyPr wrap="square" rtlCol="0">
+            <a:spAutoFit/>
+          </a:bodyPr>
+          <a:lstStyle/>
+          <a:p>
+            <a:r>
+              <a:rPr lang="en-US" dirty="0">
+                <a:solidFill>
+                  <a:schemeClr val="tx1"/>
+                </a:solidFill>
+              </a:rPr>
+              <a:t>Console: Enter commands, view output, error messages</a:t>
+            </a:r>
+          </a:p>
+        </p:txBody>
+      </p:sp>
+    </p:spTree>
+    <p:extLst>
+      <p:ext uri="{BB962C8B-B14F-4D97-AF65-F5344CB8AC3E}">
+        <p14:creationId xmlns:p14="http://schemas.microsoft.com/office/powerpoint/2010/main" val="3954967299"/>
+      </p:ext>
+    </p:extLst>
+  </p:cSld>
+  <p:clrMapOvr>
+    <a:masterClrMapping/>
+  </p:clrMapOvr>
+</p:sld>
+</file>
+
+<file path=ppt/slides/slide18.xml><?xml version="1.0" encoding="utf-8"?>
+<p:sld xmlns:a="http://schemas.openxmlformats.org/drawingml/2006/main" xmlns:r="http://schemas.openxmlformats.org/officeDocument/2006/relationships" xmlns:p="http://schemas.openxmlformats.org/presentationml/2006/main">
+  <p:cSld>
+    <p:spTree>
+      <p:nvGrpSpPr>
+        <p:cNvPr id="1" name=""/>
+        <p:cNvGrpSpPr/>
+        <p:nvPr/>
+      </p:nvGrpSpPr>
+      <p:grpSpPr>
+        <a:xfrm>
+          <a:off x="0" y="0"/>
+          <a:ext cx="0" cy="0"/>
+          <a:chOff x="0" y="0"/>
+          <a:chExt cx="0" cy="0"/>
+        </a:xfrm>
+      </p:grpSpPr>
+      <p:pic>
+        <p:nvPicPr>
+          <p:cNvPr id="2" name="Picture 10" descr="Mario Pattern">
+            <a:extLst>
+              <a:ext uri="{FF2B5EF4-FFF2-40B4-BE49-F238E27FC236}">
+                <a16:creationId xmlns:a16="http://schemas.microsoft.com/office/drawing/2014/main" id="{8F84FFD9-23AF-75F7-6DAA-904525952142}"/>
+              </a:ext>
+            </a:extLst>
+          </p:cNvPr>
+          <p:cNvPicPr>
+            <a:picLocks noChangeAspect="1" noChangeArrowheads="1"/>
+          </p:cNvPicPr>
+          <p:nvPr/>
+        </p:nvPicPr>
+        <p:blipFill rotWithShape="1">
+          <a:blip r:embed="rId2">
+            <a:alphaModFix amt="47000"/>
+            <a:extLst>
+              <a:ext uri="{28A0092B-C50C-407E-A947-70E740481C1C}">
+                <a14:useLocalDpi xmlns:a14="http://schemas.microsoft.com/office/drawing/2010/main" val="0"/>
+              </a:ext>
+            </a:extLst>
+          </a:blip>
+          <a:srcRect l="4595" r="6699"/>
+          <a:stretch/>
+        </p:blipFill>
+        <p:spPr bwMode="auto">
+          <a:xfrm>
+            <a:off x="0" y="-2057400"/>
+            <a:ext cx="12192000" cy="10308201"/>
+          </a:xfrm>
+          <a:prstGeom prst="rect">
+            <a:avLst/>
+          </a:prstGeom>
+          <a:noFill/>
+          <a:extLst>
+            <a:ext uri="{909E8E84-426E-40DD-AFC4-6F175D3DCCD1}">
+              <a14:hiddenFill xmlns:a14="http://schemas.microsoft.com/office/drawing/2010/main">
+                <a:solidFill>
+                  <a:srgbClr val="FFFFFF"/>
+                </a:solidFill>
+              </a14:hiddenFill>
+            </a:ext>
+          </a:extLst>
+        </p:spPr>
+      </p:pic>
+      <p:sp>
+        <p:nvSpPr>
+          <p:cNvPr id="12" name="Line 11"/>
+          <p:cNvSpPr>
+            <a:spLocks noChangeShapeType="1"/>
+          </p:cNvSpPr>
+          <p:nvPr/>
+        </p:nvSpPr>
+        <p:spPr bwMode="auto">
+          <a:xfrm flipV="1">
+            <a:off x="6972300" y="5109836"/>
+            <a:ext cx="609600" cy="533400"/>
+          </a:xfrm>
+          <a:prstGeom prst="line">
+            <a:avLst/>
+          </a:prstGeom>
+          <a:noFill/>
+          <a:ln w="38100">
+            <a:solidFill>
+              <a:srgbClr val="FFFF66"/>
+            </a:solidFill>
+            <a:round/>
+            <a:headEnd/>
+            <a:tailEnd type="triangle" w="med" len="med"/>
+          </a:ln>
+          <a:extLst>
+            <a:ext uri="{909E8E84-426E-40DD-AFC4-6F175D3DCCD1}">
+              <a14:hiddenFill xmlns:a14="http://schemas.microsoft.com/office/drawing/2010/main">
+                <a:noFill/>
+              </a14:hiddenFill>
+            </a:ext>
+          </a:extLst>
+        </p:spPr>
+        <p:txBody>
+          <a:bodyPr wrap="square">
+            <a:spAutoFit/>
+          </a:bodyPr>
+          <a:lstStyle/>
+          <a:p>
+            <a:endParaRPr lang="en-US"/>
+          </a:p>
+        </p:txBody>
+      </p:sp>
+      <p:sp>
+        <p:nvSpPr>
+          <p:cNvPr id="6" name="TextBox 5">
+            <a:extLst>
+              <a:ext uri="{FF2B5EF4-FFF2-40B4-BE49-F238E27FC236}">
+                <a16:creationId xmlns:a16="http://schemas.microsoft.com/office/drawing/2014/main" id="{4F2DA592-D8EB-70BA-2112-6C13A4E7B393}"/>
+              </a:ext>
+            </a:extLst>
+          </p:cNvPr>
+          <p:cNvSpPr txBox="1"/>
+          <p:nvPr/>
+        </p:nvSpPr>
+        <p:spPr>
+          <a:xfrm>
+            <a:off x="495300" y="606817"/>
+            <a:ext cx="11201400" cy="919401"/>
           </a:xfrm>
           <a:prstGeom prst="roundRect">
             <a:avLst/>
           </a:prstGeom>
           <a:solidFill>
-            <a:schemeClr val="bg1"/>
+            <a:schemeClr val="bg1">
+              <a:alpha val="70000"/>
+            </a:schemeClr>
           </a:solidFill>
           <a:ln w="76200">
             <a:solidFill>
@@ -8986,6 +9617,74 @@
           </a:bodyPr>
           <a:lstStyle/>
           <a:p>
+            <a:pPr algn="ctr"/>
+            <a:r>
+              <a:rPr lang="en-US" sz="4800" b="1" dirty="0">
+                <a:solidFill>
+                  <a:srgbClr val="2D3A37"/>
+                </a:solidFill>
+                <a:latin typeface="Adobe Devanagari" panose="02040503050201020203" pitchFamily="18" charset="0"/>
+                <a:cs typeface="Adobe Devanagari" panose="02040503050201020203" pitchFamily="18" charset="0"/>
+              </a:rPr>
+              <a:t>Learning Objectives for R</a:t>
+            </a:r>
+            <a:endParaRPr lang="en-US" sz="4800" dirty="0">
+              <a:solidFill>
+                <a:srgbClr val="2D3A37"/>
+              </a:solidFill>
+            </a:endParaRPr>
+          </a:p>
+        </p:txBody>
+      </p:sp>
+      <p:sp>
+        <p:nvSpPr>
+          <p:cNvPr id="7" name="TextBox 6">
+            <a:extLst>
+              <a:ext uri="{FF2B5EF4-FFF2-40B4-BE49-F238E27FC236}">
+                <a16:creationId xmlns:a16="http://schemas.microsoft.com/office/drawing/2014/main" id="{D9B238EA-D04E-3255-7509-F990F1A8F309}"/>
+              </a:ext>
+            </a:extLst>
+          </p:cNvPr>
+          <p:cNvSpPr txBox="1"/>
+          <p:nvPr/>
+        </p:nvSpPr>
+        <p:spPr>
+          <a:xfrm>
+            <a:off x="495300" y="1977074"/>
+            <a:ext cx="11201400" cy="3439239"/>
+          </a:xfrm>
+          <a:prstGeom prst="roundRect">
+            <a:avLst/>
+          </a:prstGeom>
+          <a:solidFill>
+            <a:schemeClr val="bg1"/>
+          </a:solidFill>
+          <a:ln w="76200">
+            <a:solidFill>
+              <a:srgbClr val="FFC416"/>
+            </a:solidFill>
+          </a:ln>
+        </p:spPr>
+        <p:style>
+          <a:lnRef idx="2">
+            <a:schemeClr val="dk1"/>
+          </a:lnRef>
+          <a:fillRef idx="1">
+            <a:schemeClr val="lt1"/>
+          </a:fillRef>
+          <a:effectRef idx="0">
+            <a:schemeClr val="dk1"/>
+          </a:effectRef>
+          <a:fontRef idx="minor">
+            <a:schemeClr val="dk1"/>
+          </a:fontRef>
+        </p:style>
+        <p:txBody>
+          <a:bodyPr wrap="square" rtlCol="0">
+            <a:spAutoFit/>
+          </a:bodyPr>
+          <a:lstStyle/>
+          <a:p>
             <a:pPr marL="457200" indent="-457200">
               <a:buFont typeface="Arial" panose="020B0604020202020204" pitchFamily="34" charset="0"/>
               <a:buChar char="•"/>
@@ -9106,7 +9805,7 @@
 </p:sld>
 </file>
 
-<file path=ppt/slides/slide18.xml><?xml version="1.0" encoding="utf-8"?>
+<file path=ppt/slides/slide19.xml><?xml version="1.0" encoding="utf-8"?>
 <p:sld xmlns:a="http://schemas.openxmlformats.org/drawingml/2006/main" xmlns:r="http://schemas.openxmlformats.org/officeDocument/2006/relationships" xmlns:p="http://schemas.openxmlformats.org/presentationml/2006/main">
   <p:cSld>
     <p:spTree>
@@ -10444,8 +11143,21 @@
                   <a:srgbClr val="660066"/>
                 </a:solidFill>
               </a:rPr>
-              <a:t>Variable of Interest: Amazon Price</a:t>
-            </a:r>
+              <a:t>Variable of Interest: </a:t>
+            </a:r>
+            <a:r>
+              <a:rPr lang="en-US" sz="2800" i="1" dirty="0" err="1">
+                <a:solidFill>
+                  <a:srgbClr val="660066"/>
+                </a:solidFill>
+              </a:rPr>
+              <a:t>Amazon_Price</a:t>
+            </a:r>
+            <a:endParaRPr lang="en-US" sz="2800" i="1" dirty="0">
+              <a:solidFill>
+                <a:srgbClr val="660066"/>
+              </a:solidFill>
+            </a:endParaRPr>
           </a:p>
         </p:txBody>
       </p:sp>
@@ -10822,7 +11534,7 @@
                   <a:t>is called a </a:t>
                 </a:r>
                 <a:r>
-                  <a:rPr lang="en-US" sz="2800" u="sng" dirty="0">
+                  <a:rPr lang="en-US" sz="2800" b="1" dirty="0">
                     <a:solidFill>
                       <a:srgbClr val="660066"/>
                     </a:solidFill>
@@ -10863,7 +11575,7 @@
                   <a:t>with a </a:t>
                 </a:r>
                 <a:r>
-                  <a:rPr lang="en-US" sz="2800" u="sng" dirty="0">
+                  <a:rPr lang="en-US" sz="2800" b="1" dirty="0">
                     <a:solidFill>
                       <a:srgbClr val="660066"/>
                     </a:solidFill>
@@ -11335,7 +12047,7 @@
                   <a:t>For the constant model, if we want to </a:t>
                 </a:r>
                 <a:r>
-                  <a:rPr lang="en-US" sz="2800" u="sng" dirty="0">
+                  <a:rPr lang="en-US" sz="2800" b="1" dirty="0">
                     <a:solidFill>
                       <a:srgbClr val="660066"/>
                     </a:solidFill>
@@ -11375,7 +12087,7 @@
                   <a:t>The predicted </a:t>
                 </a:r>
                 <a:r>
-                  <a:rPr lang="en-US" sz="2800" i="1" dirty="0">
+                  <a:rPr lang="en-US" sz="2800" b="1" i="1" dirty="0">
                     <a:solidFill>
                       <a:srgbClr val="660066"/>
                     </a:solidFill>
@@ -11396,7 +12108,7 @@
                       <m:accPr>
                         <m:chr m:val="̂"/>
                         <m:ctrlPr>
-                          <a:rPr lang="en-US" sz="2800" b="0" i="1" smtClean="0">
+                          <a:rPr lang="en-US" sz="2800" b="1" i="1" smtClean="0">
                             <a:solidFill>
                               <a:srgbClr val="660066"/>
                             </a:solidFill>
@@ -11406,13 +12118,13 @@
                       </m:accPr>
                       <m:e>
                         <m:r>
-                          <a:rPr lang="en-US" sz="2800" b="0" i="1" smtClean="0">
+                          <a:rPr lang="en-US" sz="2800" b="1" i="1" smtClean="0">
                             <a:solidFill>
                               <a:srgbClr val="660066"/>
                             </a:solidFill>
                             <a:latin typeface="Cambria Math" panose="02040503050406030204" pitchFamily="18" charset="0"/>
                           </a:rPr>
-                          <m:t>𝑦</m:t>
+                          <m:t>𝒚</m:t>
                         </m:r>
                       </m:e>
                     </m:acc>
@@ -11804,8 +12516,8 @@
           </p:sp>
         </mc:Fallback>
       </mc:AlternateContent>
-      <mc:AlternateContent xmlns:mc="http://schemas.openxmlformats.org/markup-compatibility/2006">
-        <mc:Choice xmlns:a14="http://schemas.microsoft.com/office/drawing/2010/main" Requires="a14">
+      <mc:AlternateContent xmlns:mc="http://schemas.openxmlformats.org/markup-compatibility/2006" xmlns:a14="http://schemas.microsoft.com/office/drawing/2010/main">
+        <mc:Choice Requires="a14">
           <p:sp>
             <p:nvSpPr>
               <p:cNvPr id="5" name="TextBox 4">
@@ -11834,6 +12546,7 @@
               </a:bodyPr>
               <a:lstStyle/>
               <a:p>
+                <a:pPr/>
                 <a14:m>
                   <m:oMathPara xmlns:m="http://schemas.openxmlformats.org/officeDocument/2006/math">
                     <m:oMathParaPr>
@@ -11921,7 +12634,7 @@
             </p:txBody>
           </p:sp>
         </mc:Choice>
-        <mc:Fallback>
+        <mc:Fallback xmlns="">
           <p:sp>
             <p:nvSpPr>
               <p:cNvPr id="5" name="TextBox 4">
@@ -12251,13 +12964,24 @@
                   <a:srgbClr val="660066"/>
                 </a:solidFill>
               </a:rPr>
-              <a:t>Summary</a:t>
-            </a:r>
-            <a:endParaRPr lang="en-US" sz="2400" dirty="0">
-              <a:solidFill>
-                <a:srgbClr val="660066"/>
-              </a:solidFill>
-            </a:endParaRPr>
+              <a:t>Each observation has a residual so how do we summarize the </a:t>
+            </a:r>
+            <a:r>
+              <a:rPr lang="en-US" sz="2800" u="sng" dirty="0">
+                <a:solidFill>
+                  <a:srgbClr val="660066"/>
+                </a:solidFill>
+              </a:rPr>
+              <a:t>overall</a:t>
+            </a:r>
+            <a:r>
+              <a:rPr lang="en-US" sz="2800" dirty="0">
+                <a:solidFill>
+                  <a:srgbClr val="660066"/>
+                </a:solidFill>
+              </a:rPr>
+              <a:t> fit?</a:t>
+            </a:r>
           </a:p>
           <a:p>
             <a:endParaRPr lang="en-US" sz="2800" dirty="0">
@@ -12285,8 +13009,8 @@
           </a:p>
         </p:txBody>
       </p:sp>
-      <mc:AlternateContent xmlns:mc="http://schemas.openxmlformats.org/markup-compatibility/2006">
-        <mc:Choice xmlns:a14="http://schemas.microsoft.com/office/drawing/2010/main" Requires="a14">
+      <mc:AlternateContent xmlns:mc="http://schemas.openxmlformats.org/markup-compatibility/2006" xmlns:a14="http://schemas.microsoft.com/office/drawing/2010/main">
+        <mc:Choice Requires="a14">
           <p:sp>
             <p:nvSpPr>
               <p:cNvPr id="4" name="TextBox 3">
@@ -12315,6 +13039,7 @@
               </a:bodyPr>
               <a:lstStyle/>
               <a:p>
+                <a:pPr/>
                 <a14:m>
                   <m:oMathPara xmlns:m="http://schemas.openxmlformats.org/officeDocument/2006/math">
                     <m:oMathParaPr>
@@ -12395,7 +13120,7 @@
             </p:txBody>
           </p:sp>
         </mc:Choice>
-        <mc:Fallback>
+        <mc:Fallback xmlns="">
           <p:sp>
             <p:nvSpPr>
               <p:cNvPr id="4" name="TextBox 3">
@@ -12619,7 +13344,7 @@
                 <a:latin typeface="Adobe Devanagari" panose="02040503050201020203" pitchFamily="18" charset="0"/>
                 <a:cs typeface="Adobe Devanagari" panose="02040503050201020203" pitchFamily="18" charset="0"/>
               </a:rPr>
-              <a:t>Models Help Us…</a:t>
+              <a:t>Assess Fit of Model</a:t>
             </a:r>
             <a:endParaRPr lang="en-US" sz="4800" dirty="0">
               <a:solidFill>
@@ -12631,10 +13356,10 @@
       </p:sp>
       <p:sp>
         <p:nvSpPr>
-          <p:cNvPr id="7" name="TextBox 6">
-            <a:extLst>
-              <a:ext uri="{FF2B5EF4-FFF2-40B4-BE49-F238E27FC236}">
-                <a16:creationId xmlns:a16="http://schemas.microsoft.com/office/drawing/2014/main" id="{D9B238EA-D04E-3255-7509-F990F1A8F309}"/>
+          <p:cNvPr id="3" name="TextBox 2">
+            <a:extLst>
+              <a:ext uri="{FF2B5EF4-FFF2-40B4-BE49-F238E27FC236}">
+                <a16:creationId xmlns:a16="http://schemas.microsoft.com/office/drawing/2014/main" id="{D1310D5A-472C-664C-76EE-BF6CBBE82489}"/>
               </a:ext>
             </a:extLst>
           </p:cNvPr>
@@ -12643,8 +13368,8 @@
         </p:nvSpPr>
         <p:spPr>
           <a:xfrm>
-            <a:off x="495300" y="1977074"/>
-            <a:ext cx="11201400" cy="2009061"/>
+            <a:off x="481445" y="1838337"/>
+            <a:ext cx="11201400" cy="3439239"/>
           </a:xfrm>
           <a:prstGeom prst="roundRect">
             <a:avLst/>
@@ -12678,21 +13403,28 @@
           </a:bodyPr>
           <a:lstStyle/>
           <a:p>
-            <a:pPr marL="685800" indent="-685800">
-              <a:buFont typeface="Arial" panose="020B0604020202020204" pitchFamily="34" charset="0"/>
-              <a:buChar char="•"/>
-            </a:pPr>
             <a:r>
               <a:rPr lang="en-US" sz="2800" dirty="0">
                 <a:solidFill>
                   <a:srgbClr val="660066"/>
                 </a:solidFill>
               </a:rPr>
-              <a:t>Answer Questions</a:t>
-            </a:r>
-          </a:p>
-          <a:p>
-            <a:pPr marL="685800" indent="-685800">
+              <a:t>Criteria for Assessing Fit (Loss Functions)</a:t>
+            </a:r>
+          </a:p>
+          <a:p>
+            <a:pPr marL="971550" lvl="1" indent="-514350">
+              <a:buFont typeface="Arial" panose="020B0604020202020204" pitchFamily="34" charset="0"/>
+              <a:buChar char="•"/>
+            </a:pPr>
+            <a:endParaRPr lang="en-US" sz="2800" dirty="0">
+              <a:solidFill>
+                <a:srgbClr val="660066"/>
+              </a:solidFill>
+            </a:endParaRPr>
+          </a:p>
+          <a:p>
+            <a:pPr marL="971550" lvl="1" indent="-514350">
               <a:buFont typeface="Arial" panose="020B0604020202020204" pitchFamily="34" charset="0"/>
               <a:buChar char="•"/>
             </a:pPr>
@@ -12702,11 +13434,22 @@
                   <a:srgbClr val="660066"/>
                 </a:solidFill>
               </a:rPr>
-              <a:t>Make Predictions or Classifications</a:t>
-            </a:r>
-          </a:p>
-          <a:p>
-            <a:pPr marL="685800" indent="-685800">
+              <a:t>Sum of Residuals: </a:t>
+            </a:r>
+          </a:p>
+          <a:p>
+            <a:pPr marL="971550" lvl="1" indent="-514350">
+              <a:buFont typeface="Arial" panose="020B0604020202020204" pitchFamily="34" charset="0"/>
+              <a:buChar char="•"/>
+            </a:pPr>
+            <a:endParaRPr lang="en-US" sz="2800" dirty="0">
+              <a:solidFill>
+                <a:srgbClr val="660066"/>
+              </a:solidFill>
+            </a:endParaRPr>
+          </a:p>
+          <a:p>
+            <a:pPr marL="971550" lvl="1" indent="-514350">
               <a:buFont typeface="Arial" panose="020B0604020202020204" pitchFamily="34" charset="0"/>
               <a:buChar char="•"/>
             </a:pPr>
@@ -12716,11 +13459,22 @@
                   <a:srgbClr val="660066"/>
                 </a:solidFill>
               </a:rPr>
-              <a:t>Evaluate Treatments or Test Theories</a:t>
-            </a:r>
-          </a:p>
-          <a:p>
-            <a:pPr marL="685800" indent="-685800">
+              <a:t>Sum of Squared Residuals:</a:t>
+            </a:r>
+          </a:p>
+          <a:p>
+            <a:pPr marL="971550" lvl="1" indent="-514350">
+              <a:buFont typeface="Arial" panose="020B0604020202020204" pitchFamily="34" charset="0"/>
+              <a:buChar char="•"/>
+            </a:pPr>
+            <a:endParaRPr lang="en-US" sz="2800" dirty="0">
+              <a:solidFill>
+                <a:srgbClr val="660066"/>
+              </a:solidFill>
+            </a:endParaRPr>
+          </a:p>
+          <a:p>
+            <a:pPr marL="971550" lvl="1" indent="-514350">
               <a:buFont typeface="Arial" panose="020B0604020202020204" pitchFamily="34" charset="0"/>
               <a:buChar char="•"/>
             </a:pPr>
@@ -12730,15 +13484,439 @@
                   <a:srgbClr val="660066"/>
                 </a:solidFill>
               </a:rPr>
-              <a:t>Understand Relationships</a:t>
-            </a:r>
-          </a:p>
-        </p:txBody>
-      </p:sp>
+              <a:t>Sum of Absolute Residuals:	</a:t>
+            </a:r>
+          </a:p>
+        </p:txBody>
+      </p:sp>
+      <mc:AlternateContent xmlns:mc="http://schemas.openxmlformats.org/markup-compatibility/2006">
+        <mc:Choice xmlns:a14="http://schemas.microsoft.com/office/drawing/2010/main" Requires="a14">
+          <p:sp>
+            <p:nvSpPr>
+              <p:cNvPr id="5" name="TextBox 4">
+                <a:extLst>
+                  <a:ext uri="{FF2B5EF4-FFF2-40B4-BE49-F238E27FC236}">
+                    <a16:creationId xmlns:a16="http://schemas.microsoft.com/office/drawing/2014/main" id="{944E417C-B9A9-7B77-A4C8-F76434288BD6}"/>
+                  </a:ext>
+                </a:extLst>
+              </p:cNvPr>
+              <p:cNvSpPr txBox="1"/>
+              <p:nvPr/>
+            </p:nvSpPr>
+            <p:spPr>
+              <a:xfrm>
+                <a:off x="2526723" y="2793729"/>
+                <a:ext cx="9296400" cy="646331"/>
+              </a:xfrm>
+              <a:prstGeom prst="rect">
+                <a:avLst/>
+              </a:prstGeom>
+              <a:noFill/>
+            </p:spPr>
+            <p:txBody>
+              <a:bodyPr wrap="square" rtlCol="0">
+                <a:spAutoFit/>
+              </a:bodyPr>
+              <a:lstStyle/>
+              <a:p>
+                <a:pPr/>
+                <a14:m>
+                  <m:oMathPara xmlns:m="http://schemas.openxmlformats.org/officeDocument/2006/math">
+                    <m:oMathParaPr>
+                      <m:jc m:val="centerGroup"/>
+                    </m:oMathParaPr>
+                    <m:oMath xmlns:m="http://schemas.openxmlformats.org/officeDocument/2006/math">
+                      <m:r>
+                        <a:rPr lang="en-US" sz="3600" b="0" i="1" smtClean="0">
+                          <a:latin typeface="Cambria Math" panose="02040503050406030204" pitchFamily="18" charset="0"/>
+                        </a:rPr>
+                        <m:t>∑(</m:t>
+                      </m:r>
+                      <m:r>
+                        <a:rPr lang="en-US" sz="3600" b="0" i="1" smtClean="0">
+                          <a:latin typeface="Cambria Math" panose="02040503050406030204" pitchFamily="18" charset="0"/>
+                        </a:rPr>
+                        <m:t>𝑦</m:t>
+                      </m:r>
+                      <m:r>
+                        <a:rPr lang="en-US" sz="3600" b="0" i="1" smtClean="0">
+                          <a:latin typeface="Cambria Math" panose="02040503050406030204" pitchFamily="18" charset="0"/>
+                        </a:rPr>
+                        <m:t>−</m:t>
+                      </m:r>
+                      <m:acc>
+                        <m:accPr>
+                          <m:chr m:val="̂"/>
+                          <m:ctrlPr>
+                            <a:rPr lang="en-US" sz="3600" b="0" i="1" smtClean="0">
+                              <a:latin typeface="Cambria Math" panose="02040503050406030204" pitchFamily="18" charset="0"/>
+                            </a:rPr>
+                          </m:ctrlPr>
+                        </m:accPr>
+                        <m:e>
+                          <m:r>
+                            <a:rPr lang="en-US" sz="3600" b="0" i="1" smtClean="0">
+                              <a:latin typeface="Cambria Math" panose="02040503050406030204" pitchFamily="18" charset="0"/>
+                            </a:rPr>
+                            <m:t>𝑦</m:t>
+                          </m:r>
+                        </m:e>
+                      </m:acc>
+                      <m:r>
+                        <a:rPr lang="en-US" sz="3600" b="0" i="1" smtClean="0">
+                          <a:latin typeface="Cambria Math" panose="02040503050406030204" pitchFamily="18" charset="0"/>
+                        </a:rPr>
+                        <m:t>)</m:t>
+                      </m:r>
+                    </m:oMath>
+                  </m:oMathPara>
+                </a14:m>
+                <a:endParaRPr lang="en-US" sz="3600" dirty="0"/>
+              </a:p>
+            </p:txBody>
+          </p:sp>
+        </mc:Choice>
+        <mc:Fallback>
+          <p:sp>
+            <p:nvSpPr>
+              <p:cNvPr id="5" name="TextBox 4">
+                <a:extLst>
+                  <a:ext uri="{FF2B5EF4-FFF2-40B4-BE49-F238E27FC236}">
+                    <a16:creationId xmlns:a16="http://schemas.microsoft.com/office/drawing/2014/main" id="{944E417C-B9A9-7B77-A4C8-F76434288BD6}"/>
+                  </a:ext>
+                </a:extLst>
+              </p:cNvPr>
+              <p:cNvSpPr txBox="1">
+                <a:spLocks noRot="1" noChangeAspect="1" noMove="1" noResize="1" noEditPoints="1" noAdjustHandles="1" noChangeArrowheads="1" noChangeShapeType="1" noTextEdit="1"/>
+              </p:cNvSpPr>
+              <p:nvPr/>
+            </p:nvSpPr>
+            <p:spPr>
+              <a:xfrm>
+                <a:off x="2526723" y="2793729"/>
+                <a:ext cx="9296400" cy="646331"/>
+              </a:xfrm>
+              <a:prstGeom prst="rect">
+                <a:avLst/>
+              </a:prstGeom>
+              <a:blipFill>
+                <a:blip r:embed="rId3"/>
+                <a:stretch>
+                  <a:fillRect/>
+                </a:stretch>
+              </a:blipFill>
+            </p:spPr>
+            <p:txBody>
+              <a:bodyPr/>
+              <a:lstStyle/>
+              <a:p>
+                <a:r>
+                  <a:rPr lang="en-US">
+                    <a:noFill/>
+                  </a:rPr>
+                  <a:t> </a:t>
+                </a:r>
+              </a:p>
+            </p:txBody>
+          </p:sp>
+        </mc:Fallback>
+      </mc:AlternateContent>
+      <mc:AlternateContent xmlns:mc="http://schemas.openxmlformats.org/markup-compatibility/2006">
+        <mc:Choice xmlns:a14="http://schemas.microsoft.com/office/drawing/2010/main" Requires="a14">
+          <p:sp>
+            <p:nvSpPr>
+              <p:cNvPr id="7" name="TextBox 6">
+                <a:extLst>
+                  <a:ext uri="{FF2B5EF4-FFF2-40B4-BE49-F238E27FC236}">
+                    <a16:creationId xmlns:a16="http://schemas.microsoft.com/office/drawing/2014/main" id="{122F1884-8493-DBA2-290B-444DACEEEACF}"/>
+                  </a:ext>
+                </a:extLst>
+              </p:cNvPr>
+              <p:cNvSpPr txBox="1"/>
+              <p:nvPr/>
+            </p:nvSpPr>
+            <p:spPr>
+              <a:xfrm>
+                <a:off x="2667000" y="3557956"/>
+                <a:ext cx="9296400" cy="646331"/>
+              </a:xfrm>
+              <a:prstGeom prst="rect">
+                <a:avLst/>
+              </a:prstGeom>
+              <a:noFill/>
+            </p:spPr>
+            <p:txBody>
+              <a:bodyPr wrap="square" rtlCol="0">
+                <a:spAutoFit/>
+              </a:bodyPr>
+              <a:lstStyle/>
+              <a:p>
+                <a:pPr/>
+                <a14:m>
+                  <m:oMathPara xmlns:m="http://schemas.openxmlformats.org/officeDocument/2006/math">
+                    <m:oMathParaPr>
+                      <m:jc m:val="centerGroup"/>
+                    </m:oMathParaPr>
+                    <m:oMath xmlns:m="http://schemas.openxmlformats.org/officeDocument/2006/math">
+                      <m:r>
+                        <a:rPr lang="en-US" sz="3600" b="0" i="1" smtClean="0">
+                          <a:latin typeface="Cambria Math" panose="02040503050406030204" pitchFamily="18" charset="0"/>
+                        </a:rPr>
+                        <m:t>∑</m:t>
+                      </m:r>
+                      <m:sSup>
+                        <m:sSupPr>
+                          <m:ctrlPr>
+                            <a:rPr lang="en-US" sz="3600" b="0" i="1" smtClean="0">
+                              <a:latin typeface="Cambria Math" panose="02040503050406030204" pitchFamily="18" charset="0"/>
+                            </a:rPr>
+                          </m:ctrlPr>
+                        </m:sSupPr>
+                        <m:e>
+                          <m:d>
+                            <m:dPr>
+                              <m:ctrlPr>
+                                <a:rPr lang="en-US" sz="3600" b="0" i="1" smtClean="0">
+                                  <a:latin typeface="Cambria Math" panose="02040503050406030204" pitchFamily="18" charset="0"/>
+                                </a:rPr>
+                              </m:ctrlPr>
+                            </m:dPr>
+                            <m:e>
+                              <m:r>
+                                <a:rPr lang="en-US" sz="3600" b="0" i="1" smtClean="0">
+                                  <a:latin typeface="Cambria Math" panose="02040503050406030204" pitchFamily="18" charset="0"/>
+                                </a:rPr>
+                                <m:t>𝑦</m:t>
+                              </m:r>
+                              <m:r>
+                                <a:rPr lang="en-US" sz="3600" b="0" i="1" smtClean="0">
+                                  <a:latin typeface="Cambria Math" panose="02040503050406030204" pitchFamily="18" charset="0"/>
+                                </a:rPr>
+                                <m:t>−</m:t>
+                              </m:r>
+                              <m:acc>
+                                <m:accPr>
+                                  <m:chr m:val="̂"/>
+                                  <m:ctrlPr>
+                                    <a:rPr lang="en-US" sz="3600" b="0" i="1" smtClean="0">
+                                      <a:latin typeface="Cambria Math" panose="02040503050406030204" pitchFamily="18" charset="0"/>
+                                    </a:rPr>
+                                  </m:ctrlPr>
+                                </m:accPr>
+                                <m:e>
+                                  <m:r>
+                                    <a:rPr lang="en-US" sz="3600" b="0" i="1" smtClean="0">
+                                      <a:latin typeface="Cambria Math" panose="02040503050406030204" pitchFamily="18" charset="0"/>
+                                    </a:rPr>
+                                    <m:t>𝑦</m:t>
+                                  </m:r>
+                                </m:e>
+                              </m:acc>
+                            </m:e>
+                          </m:d>
+                        </m:e>
+                        <m:sup>
+                          <m:r>
+                            <a:rPr lang="en-US" sz="3600" b="0" i="1" smtClean="0">
+                              <a:latin typeface="Cambria Math" panose="02040503050406030204" pitchFamily="18" charset="0"/>
+                            </a:rPr>
+                            <m:t>2</m:t>
+                          </m:r>
+                        </m:sup>
+                      </m:sSup>
+                    </m:oMath>
+                  </m:oMathPara>
+                </a14:m>
+                <a:endParaRPr lang="en-US" sz="3600" dirty="0"/>
+              </a:p>
+            </p:txBody>
+          </p:sp>
+        </mc:Choice>
+        <mc:Fallback>
+          <p:sp>
+            <p:nvSpPr>
+              <p:cNvPr id="7" name="TextBox 6">
+                <a:extLst>
+                  <a:ext uri="{FF2B5EF4-FFF2-40B4-BE49-F238E27FC236}">
+                    <a16:creationId xmlns:a16="http://schemas.microsoft.com/office/drawing/2014/main" id="{122F1884-8493-DBA2-290B-444DACEEEACF}"/>
+                  </a:ext>
+                </a:extLst>
+              </p:cNvPr>
+              <p:cNvSpPr txBox="1">
+                <a:spLocks noRot="1" noChangeAspect="1" noMove="1" noResize="1" noEditPoints="1" noAdjustHandles="1" noChangeArrowheads="1" noChangeShapeType="1" noTextEdit="1"/>
+              </p:cNvSpPr>
+              <p:nvPr/>
+            </p:nvSpPr>
+            <p:spPr>
+              <a:xfrm>
+                <a:off x="2667000" y="3557956"/>
+                <a:ext cx="9296400" cy="646331"/>
+              </a:xfrm>
+              <a:prstGeom prst="rect">
+                <a:avLst/>
+              </a:prstGeom>
+              <a:blipFill>
+                <a:blip r:embed="rId4"/>
+                <a:stretch>
+                  <a:fillRect/>
+                </a:stretch>
+              </a:blipFill>
+            </p:spPr>
+            <p:txBody>
+              <a:bodyPr/>
+              <a:lstStyle/>
+              <a:p>
+                <a:r>
+                  <a:rPr lang="en-US">
+                    <a:noFill/>
+                  </a:rPr>
+                  <a:t> </a:t>
+                </a:r>
+              </a:p>
+            </p:txBody>
+          </p:sp>
+        </mc:Fallback>
+      </mc:AlternateContent>
+      <mc:AlternateContent xmlns:mc="http://schemas.openxmlformats.org/markup-compatibility/2006">
+        <mc:Choice xmlns:a14="http://schemas.microsoft.com/office/drawing/2010/main" Requires="a14">
+          <p:sp>
+            <p:nvSpPr>
+              <p:cNvPr id="8" name="TextBox 7">
+                <a:extLst>
+                  <a:ext uri="{FF2B5EF4-FFF2-40B4-BE49-F238E27FC236}">
+                    <a16:creationId xmlns:a16="http://schemas.microsoft.com/office/drawing/2014/main" id="{F32AEE3A-EC07-2E46-A124-9A31568D2F8B}"/>
+                  </a:ext>
+                </a:extLst>
+              </p:cNvPr>
+              <p:cNvSpPr txBox="1"/>
+              <p:nvPr/>
+            </p:nvSpPr>
+            <p:spPr>
+              <a:xfrm>
+                <a:off x="2507673" y="4356648"/>
+                <a:ext cx="9296400" cy="1230273"/>
+              </a:xfrm>
+              <a:prstGeom prst="rect">
+                <a:avLst/>
+              </a:prstGeom>
+              <a:noFill/>
+            </p:spPr>
+            <p:txBody>
+              <a:bodyPr wrap="square" rtlCol="0">
+                <a:spAutoFit/>
+              </a:bodyPr>
+              <a:lstStyle/>
+              <a:p>
+                <a:pPr/>
+                <a14:m>
+                  <m:oMathPara xmlns:m="http://schemas.openxmlformats.org/officeDocument/2006/math">
+                    <m:oMathParaPr>
+                      <m:jc m:val="centerGroup"/>
+                    </m:oMathParaPr>
+                    <m:oMath xmlns:m="http://schemas.openxmlformats.org/officeDocument/2006/math">
+                      <m:r>
+                        <a:rPr lang="en-US" sz="3600" b="0" i="1" smtClean="0">
+                          <a:latin typeface="Cambria Math" panose="02040503050406030204" pitchFamily="18" charset="0"/>
+                        </a:rPr>
+                        <m:t>∑|</m:t>
+                      </m:r>
+                      <m:r>
+                        <a:rPr lang="en-US" sz="3600" b="0" i="1" smtClean="0">
+                          <a:latin typeface="Cambria Math" panose="02040503050406030204" pitchFamily="18" charset="0"/>
+                        </a:rPr>
+                        <m:t>𝑦</m:t>
+                      </m:r>
+                      <m:r>
+                        <a:rPr lang="en-US" sz="3600" b="0" i="1" smtClean="0">
+                          <a:latin typeface="Cambria Math" panose="02040503050406030204" pitchFamily="18" charset="0"/>
+                        </a:rPr>
+                        <m:t>−</m:t>
+                      </m:r>
+                      <m:acc>
+                        <m:accPr>
+                          <m:chr m:val="̂"/>
+                          <m:ctrlPr>
+                            <a:rPr lang="en-US" sz="3600" b="0" i="1" smtClean="0">
+                              <a:latin typeface="Cambria Math" panose="02040503050406030204" pitchFamily="18" charset="0"/>
+                            </a:rPr>
+                          </m:ctrlPr>
+                        </m:accPr>
+                        <m:e>
+                          <m:r>
+                            <a:rPr lang="en-US" sz="3600" b="0" i="1" smtClean="0">
+                              <a:latin typeface="Cambria Math" panose="02040503050406030204" pitchFamily="18" charset="0"/>
+                            </a:rPr>
+                            <m:t>𝑦</m:t>
+                          </m:r>
+                        </m:e>
+                      </m:acc>
+                      <m:r>
+                        <a:rPr lang="en-US" sz="3600" b="0" i="1" smtClean="0">
+                          <a:latin typeface="Cambria Math" panose="02040503050406030204" pitchFamily="18" charset="0"/>
+                        </a:rPr>
+                        <m:t>|</m:t>
+                      </m:r>
+                    </m:oMath>
+                  </m:oMathPara>
+                </a14:m>
+                <a:endParaRPr lang="en-US" sz="3600" b="0" dirty="0"/>
+              </a:p>
+              <a:p>
+                <a:pPr/>
+                <a:endParaRPr lang="en-US" sz="3600" dirty="0"/>
+              </a:p>
+            </p:txBody>
+          </p:sp>
+        </mc:Choice>
+        <mc:Fallback>
+          <p:sp>
+            <p:nvSpPr>
+              <p:cNvPr id="8" name="TextBox 7">
+                <a:extLst>
+                  <a:ext uri="{FF2B5EF4-FFF2-40B4-BE49-F238E27FC236}">
+                    <a16:creationId xmlns:a16="http://schemas.microsoft.com/office/drawing/2014/main" id="{F32AEE3A-EC07-2E46-A124-9A31568D2F8B}"/>
+                  </a:ext>
+                </a:extLst>
+              </p:cNvPr>
+              <p:cNvSpPr txBox="1">
+                <a:spLocks noRot="1" noChangeAspect="1" noMove="1" noResize="1" noEditPoints="1" noAdjustHandles="1" noChangeArrowheads="1" noChangeShapeType="1" noTextEdit="1"/>
+              </p:cNvSpPr>
+              <p:nvPr/>
+            </p:nvSpPr>
+            <p:spPr>
+              <a:xfrm>
+                <a:off x="2507673" y="4356648"/>
+                <a:ext cx="9296400" cy="1230273"/>
+              </a:xfrm>
+              <a:prstGeom prst="rect">
+                <a:avLst/>
+              </a:prstGeom>
+              <a:blipFill>
+                <a:blip r:embed="rId5"/>
+                <a:stretch>
+                  <a:fillRect/>
+                </a:stretch>
+              </a:blipFill>
+            </p:spPr>
+            <p:txBody>
+              <a:bodyPr/>
+              <a:lstStyle/>
+              <a:p>
+                <a:r>
+                  <a:rPr lang="en-US">
+                    <a:noFill/>
+                  </a:rPr>
+                  <a:t> </a:t>
+                </a:r>
+              </a:p>
+            </p:txBody>
+          </p:sp>
+        </mc:Fallback>
+      </mc:AlternateContent>
     </p:spTree>
     <p:extLst>
       <p:ext uri="{BB962C8B-B14F-4D97-AF65-F5344CB8AC3E}">
-        <p14:creationId xmlns:p14="http://schemas.microsoft.com/office/powerpoint/2010/main" val="1741541659"/>
+        <p14:creationId xmlns:p14="http://schemas.microsoft.com/office/powerpoint/2010/main" val="1430098154"/>
       </p:ext>
     </p:extLst>
   </p:cSld>
@@ -12914,7 +14092,7 @@
                 <a:latin typeface="Adobe Devanagari" panose="02040503050201020203" pitchFamily="18" charset="0"/>
                 <a:cs typeface="Adobe Devanagari" panose="02040503050201020203" pitchFamily="18" charset="0"/>
               </a:rPr>
-              <a:t>Architecture of a Model</a:t>
+              <a:t>Supplement for Lecture 2</a:t>
             </a:r>
             <a:endParaRPr lang="en-US" sz="4800" dirty="0">
               <a:solidFill>
@@ -12939,7 +14117,7 @@
         <p:spPr>
           <a:xfrm>
             <a:off x="495300" y="1977074"/>
-            <a:ext cx="11201400" cy="4392692"/>
+            <a:ext cx="11201400" cy="578882"/>
           </a:xfrm>
           <a:prstGeom prst="roundRect">
             <a:avLst/>
@@ -12983,460 +14161,12 @@
               </a:solidFill>
             </a:endParaRPr>
           </a:p>
-          <a:p>
-            <a:pPr marL="685800" indent="-685800">
-              <a:buFont typeface="Arial" panose="020B0604020202020204" pitchFamily="34" charset="0"/>
-              <a:buChar char="•"/>
-            </a:pPr>
-            <a:endParaRPr lang="en-US" sz="2800" dirty="0">
-              <a:solidFill>
-                <a:srgbClr val="660066"/>
-              </a:solidFill>
-            </a:endParaRPr>
-          </a:p>
-          <a:p>
-            <a:pPr marL="685800" indent="-685800">
-              <a:buFont typeface="Arial" panose="020B0604020202020204" pitchFamily="34" charset="0"/>
-              <a:buChar char="•"/>
-            </a:pPr>
-            <a:endParaRPr lang="en-US" sz="2800" dirty="0">
-              <a:solidFill>
-                <a:srgbClr val="660066"/>
-              </a:solidFill>
-            </a:endParaRPr>
-          </a:p>
-          <a:p>
-            <a:pPr marL="685800" indent="-685800">
-              <a:buFont typeface="Arial" panose="020B0604020202020204" pitchFamily="34" charset="0"/>
-              <a:buChar char="•"/>
-            </a:pPr>
-            <a:endParaRPr lang="en-US" sz="2800" dirty="0">
-              <a:solidFill>
-                <a:srgbClr val="660066"/>
-              </a:solidFill>
-            </a:endParaRPr>
-          </a:p>
-          <a:p>
-            <a:endParaRPr lang="en-US" sz="2800" dirty="0">
-              <a:solidFill>
-                <a:srgbClr val="660066"/>
-              </a:solidFill>
-            </a:endParaRPr>
-          </a:p>
-          <a:p>
-            <a:endParaRPr lang="en-US" sz="2800" dirty="0">
-              <a:solidFill>
-                <a:srgbClr val="660066"/>
-              </a:solidFill>
-            </a:endParaRPr>
-          </a:p>
-          <a:p>
-            <a:endParaRPr lang="en-US" sz="2800" dirty="0">
-              <a:solidFill>
-                <a:srgbClr val="660066"/>
-              </a:solidFill>
-            </a:endParaRPr>
-          </a:p>
-          <a:p>
-            <a:endParaRPr lang="en-US" sz="2800" dirty="0">
-              <a:solidFill>
-                <a:srgbClr val="660066"/>
-              </a:solidFill>
-            </a:endParaRPr>
-          </a:p>
-          <a:p>
-            <a:endParaRPr lang="en-US" sz="2800" dirty="0">
-              <a:solidFill>
-                <a:srgbClr val="660066"/>
-              </a:solidFill>
-            </a:endParaRPr>
-          </a:p>
-        </p:txBody>
-      </p:sp>
-      <p:graphicFrame>
-        <p:nvGraphicFramePr>
-          <p:cNvPr id="3" name="Object 3">
-            <a:extLst>
-              <a:ext uri="{FF2B5EF4-FFF2-40B4-BE49-F238E27FC236}">
-                <a16:creationId xmlns:a16="http://schemas.microsoft.com/office/drawing/2014/main" id="{E6D28306-7CF7-8D86-926E-83D14E3DB3E9}"/>
-              </a:ext>
-            </a:extLst>
-          </p:cNvPr>
-          <p:cNvGraphicFramePr>
-            <a:graphicFrameLocks noChangeAspect="1"/>
-          </p:cNvGraphicFramePr>
-          <p:nvPr>
-            <p:extLst>
-              <p:ext uri="{D42A27DB-BD31-4B8C-83A1-F6EECF244321}">
-                <p14:modId xmlns:p14="http://schemas.microsoft.com/office/powerpoint/2010/main" val="1917435039"/>
-              </p:ext>
-            </p:extLst>
-          </p:nvPr>
-        </p:nvGraphicFramePr>
-        <p:xfrm>
-          <a:off x="3124200" y="2477575"/>
-          <a:ext cx="5435600" cy="1238250"/>
-        </p:xfrm>
-        <a:graphic>
-          <a:graphicData uri="http://schemas.openxmlformats.org/presentationml/2006/ole">
-            <mc:AlternateContent xmlns:mc="http://schemas.openxmlformats.org/markup-compatibility/2006">
-              <mc:Choice xmlns:v="urn:schemas-microsoft-com:vml" Requires="v">
-                <p:oleObj name="Equation" r:id="rId3" imgW="850680" imgH="203040" progId="Equation.3">
-                  <p:embed/>
-                </p:oleObj>
-              </mc:Choice>
-              <mc:Fallback>
-                <p:oleObj name="Equation" r:id="rId3" imgW="850680" imgH="203040" progId="Equation.3">
-                  <p:embed/>
-                  <p:pic>
-                    <p:nvPicPr>
-                      <p:cNvPr id="33795" name="Object 3"/>
-                      <p:cNvPicPr>
-                        <a:picLocks noChangeAspect="1" noChangeArrowheads="1"/>
-                      </p:cNvPicPr>
-                      <p:nvPr/>
-                    </p:nvPicPr>
-                    <p:blipFill>
-                      <a:blip r:embed="rId4"/>
-                      <a:srcRect/>
-                      <a:stretch>
-                        <a:fillRect/>
-                      </a:stretch>
-                    </p:blipFill>
-                    <p:spPr bwMode="auto">
-                      <a:xfrm>
-                        <a:off x="3124200" y="2477575"/>
-                        <a:ext cx="5435600" cy="1238250"/>
-                      </a:xfrm>
-                      <a:prstGeom prst="rect">
-                        <a:avLst/>
-                      </a:prstGeom>
-                      <a:solidFill>
-                        <a:schemeClr val="bg1"/>
-                      </a:solidFill>
-                      <a:ln>
-                        <a:noFill/>
-                      </a:ln>
-                      <a:effectLst/>
-                    </p:spPr>
-                  </p:pic>
-                </p:oleObj>
-              </mc:Fallback>
-            </mc:AlternateContent>
-          </a:graphicData>
-        </a:graphic>
-      </p:graphicFrame>
-      <p:cxnSp>
-        <p:nvCxnSpPr>
-          <p:cNvPr id="5" name="Straight Arrow Connector 4">
-            <a:extLst>
-              <a:ext uri="{FF2B5EF4-FFF2-40B4-BE49-F238E27FC236}">
-                <a16:creationId xmlns:a16="http://schemas.microsoft.com/office/drawing/2014/main" id="{5FF05081-7AC1-FDC2-883E-7B9379120C03}"/>
-              </a:ext>
-            </a:extLst>
-          </p:cNvPr>
-          <p:cNvCxnSpPr>
-            <a:cxnSpLocks/>
-          </p:cNvCxnSpPr>
-          <p:nvPr/>
-        </p:nvCxnSpPr>
-        <p:spPr>
-          <a:xfrm flipH="1">
-            <a:off x="1905000" y="3352800"/>
-            <a:ext cx="1295400" cy="1066800"/>
-          </a:xfrm>
-          <a:prstGeom prst="straightConnector1">
-            <a:avLst/>
-          </a:prstGeom>
-          <a:ln w="28575">
-            <a:tailEnd type="triangle"/>
-          </a:ln>
-        </p:spPr>
-        <p:style>
-          <a:lnRef idx="1">
-            <a:schemeClr val="dk1"/>
-          </a:lnRef>
-          <a:fillRef idx="0">
-            <a:schemeClr val="dk1"/>
-          </a:fillRef>
-          <a:effectRef idx="0">
-            <a:schemeClr val="dk1"/>
-          </a:effectRef>
-          <a:fontRef idx="minor">
-            <a:schemeClr val="tx1"/>
-          </a:fontRef>
-        </p:style>
-      </p:cxnSp>
-      <p:sp>
-        <p:nvSpPr>
-          <p:cNvPr id="10" name="TextBox 9">
-            <a:extLst>
-              <a:ext uri="{FF2B5EF4-FFF2-40B4-BE49-F238E27FC236}">
-                <a16:creationId xmlns:a16="http://schemas.microsoft.com/office/drawing/2014/main" id="{4A41D36B-EE3E-01D1-0006-56FE5479A7F2}"/>
-              </a:ext>
-            </a:extLst>
-          </p:cNvPr>
-          <p:cNvSpPr txBox="1"/>
-          <p:nvPr/>
-        </p:nvSpPr>
-        <p:spPr>
-          <a:xfrm>
-            <a:off x="1238250" y="4343400"/>
-            <a:ext cx="1143000" cy="646331"/>
-          </a:xfrm>
-          <a:prstGeom prst="rect">
-            <a:avLst/>
-          </a:prstGeom>
-          <a:noFill/>
-        </p:spPr>
-        <p:txBody>
-          <a:bodyPr wrap="square" rtlCol="0">
-            <a:spAutoFit/>
-          </a:bodyPr>
-          <a:lstStyle/>
-          <a:p>
-            <a:r>
-              <a:rPr lang="en-US" dirty="0"/>
-              <a:t>Response Variable</a:t>
-            </a:r>
-          </a:p>
-        </p:txBody>
-      </p:sp>
-      <p:cxnSp>
-        <p:nvCxnSpPr>
-          <p:cNvPr id="14" name="Straight Arrow Connector 13">
-            <a:extLst>
-              <a:ext uri="{FF2B5EF4-FFF2-40B4-BE49-F238E27FC236}">
-                <a16:creationId xmlns:a16="http://schemas.microsoft.com/office/drawing/2014/main" id="{A3EA9140-6DE6-524A-1390-564246F4268C}"/>
-              </a:ext>
-            </a:extLst>
-          </p:cNvPr>
-          <p:cNvCxnSpPr>
-            <a:cxnSpLocks/>
-          </p:cNvCxnSpPr>
-          <p:nvPr/>
-        </p:nvCxnSpPr>
-        <p:spPr>
-          <a:xfrm>
-            <a:off x="6248400" y="3431084"/>
-            <a:ext cx="0" cy="284741"/>
-          </a:xfrm>
-          <a:prstGeom prst="straightConnector1">
-            <a:avLst/>
-          </a:prstGeom>
-          <a:ln w="28575">
-            <a:tailEnd type="triangle"/>
-          </a:ln>
-        </p:spPr>
-        <p:style>
-          <a:lnRef idx="1">
-            <a:schemeClr val="dk1"/>
-          </a:lnRef>
-          <a:fillRef idx="0">
-            <a:schemeClr val="dk1"/>
-          </a:fillRef>
-          <a:effectRef idx="0">
-            <a:schemeClr val="dk1"/>
-          </a:effectRef>
-          <a:fontRef idx="minor">
-            <a:schemeClr val="tx1"/>
-          </a:fontRef>
-        </p:style>
-      </p:cxnSp>
-      <p:sp>
-        <p:nvSpPr>
-          <p:cNvPr id="17" name="TextBox 16">
-            <a:extLst>
-              <a:ext uri="{FF2B5EF4-FFF2-40B4-BE49-F238E27FC236}">
-                <a16:creationId xmlns:a16="http://schemas.microsoft.com/office/drawing/2014/main" id="{FAA32DA6-7767-D0B5-1B23-EFA75FB3C986}"/>
-              </a:ext>
-            </a:extLst>
-          </p:cNvPr>
-          <p:cNvSpPr txBox="1"/>
-          <p:nvPr/>
-        </p:nvSpPr>
-        <p:spPr>
-          <a:xfrm>
-            <a:off x="5626678" y="3686846"/>
-            <a:ext cx="1615786" cy="646331"/>
-          </a:xfrm>
-          <a:prstGeom prst="rect">
-            <a:avLst/>
-          </a:prstGeom>
-          <a:noFill/>
-        </p:spPr>
-        <p:txBody>
-          <a:bodyPr wrap="square" rtlCol="0">
-            <a:spAutoFit/>
-          </a:bodyPr>
-          <a:lstStyle/>
-          <a:p>
-            <a:r>
-              <a:rPr lang="en-US" dirty="0"/>
-              <a:t>Explanatory Variable(s)</a:t>
-            </a:r>
-          </a:p>
-        </p:txBody>
-      </p:sp>
-      <p:cxnSp>
-        <p:nvCxnSpPr>
-          <p:cNvPr id="18" name="Straight Arrow Connector 17">
-            <a:extLst>
-              <a:ext uri="{FF2B5EF4-FFF2-40B4-BE49-F238E27FC236}">
-                <a16:creationId xmlns:a16="http://schemas.microsoft.com/office/drawing/2014/main" id="{E0077093-DDAE-8E37-E15B-573D4C4CEDA2}"/>
-              </a:ext>
-            </a:extLst>
-          </p:cNvPr>
-          <p:cNvCxnSpPr>
-            <a:cxnSpLocks/>
-          </p:cNvCxnSpPr>
-          <p:nvPr/>
-        </p:nvCxnSpPr>
-        <p:spPr>
-          <a:xfrm>
-            <a:off x="8382000" y="3278684"/>
-            <a:ext cx="1143000" cy="531316"/>
-          </a:xfrm>
-          <a:prstGeom prst="straightConnector1">
-            <a:avLst/>
-          </a:prstGeom>
-          <a:ln w="28575">
-            <a:tailEnd type="triangle"/>
-          </a:ln>
-        </p:spPr>
-        <p:style>
-          <a:lnRef idx="1">
-            <a:schemeClr val="dk1"/>
-          </a:lnRef>
-          <a:fillRef idx="0">
-            <a:schemeClr val="dk1"/>
-          </a:fillRef>
-          <a:effectRef idx="0">
-            <a:schemeClr val="dk1"/>
-          </a:effectRef>
-          <a:fontRef idx="minor">
-            <a:schemeClr val="tx1"/>
-          </a:fontRef>
-        </p:style>
-      </p:cxnSp>
-      <p:sp>
-        <p:nvSpPr>
-          <p:cNvPr id="20" name="TextBox 19">
-            <a:extLst>
-              <a:ext uri="{FF2B5EF4-FFF2-40B4-BE49-F238E27FC236}">
-                <a16:creationId xmlns:a16="http://schemas.microsoft.com/office/drawing/2014/main" id="{DB83F0CB-0165-08A7-14ED-4FDFB1655F75}"/>
-              </a:ext>
-            </a:extLst>
-          </p:cNvPr>
-          <p:cNvSpPr txBox="1"/>
-          <p:nvPr/>
-        </p:nvSpPr>
-        <p:spPr>
-          <a:xfrm>
-            <a:off x="9479107" y="3773269"/>
-            <a:ext cx="1615786" cy="923330"/>
-          </a:xfrm>
-          <a:prstGeom prst="rect">
-            <a:avLst/>
-          </a:prstGeom>
-          <a:noFill/>
-        </p:spPr>
-        <p:txBody>
-          <a:bodyPr wrap="square" rtlCol="0">
-            <a:spAutoFit/>
-          </a:bodyPr>
-          <a:lstStyle/>
-          <a:p>
-            <a:r>
-              <a:rPr lang="en-US" dirty="0"/>
-              <a:t>Error or Deviation from the Model</a:t>
-            </a:r>
-          </a:p>
-        </p:txBody>
-      </p:sp>
-      <p:sp>
-        <p:nvSpPr>
-          <p:cNvPr id="24" name="Left Brace 23">
-            <a:extLst>
-              <a:ext uri="{FF2B5EF4-FFF2-40B4-BE49-F238E27FC236}">
-                <a16:creationId xmlns:a16="http://schemas.microsoft.com/office/drawing/2014/main" id="{4663DCFB-01EA-0D2C-21BA-580FB91F8D7C}"/>
-              </a:ext>
-            </a:extLst>
-          </p:cNvPr>
-          <p:cNvSpPr/>
-          <p:nvPr/>
-        </p:nvSpPr>
-        <p:spPr>
-          <a:xfrm rot="16200000">
-            <a:off x="4782371" y="3258368"/>
-            <a:ext cx="2196038" cy="2412423"/>
-          </a:xfrm>
-          <a:prstGeom prst="leftBrace">
-            <a:avLst/>
-          </a:prstGeom>
-        </p:spPr>
-        <p:style>
-          <a:lnRef idx="1">
-            <a:schemeClr val="dk1"/>
-          </a:lnRef>
-          <a:fillRef idx="0">
-            <a:schemeClr val="dk1"/>
-          </a:fillRef>
-          <a:effectRef idx="0">
-            <a:schemeClr val="dk1"/>
-          </a:effectRef>
-          <a:fontRef idx="minor">
-            <a:schemeClr val="tx1"/>
-          </a:fontRef>
-        </p:style>
-        <p:txBody>
-          <a:bodyPr rtlCol="0" anchor="ctr"/>
-          <a:lstStyle/>
-          <a:p>
-            <a:pPr algn="ctr"/>
-            <a:endParaRPr lang="en-US"/>
-          </a:p>
-        </p:txBody>
-      </p:sp>
-      <p:sp>
-        <p:nvSpPr>
-          <p:cNvPr id="25" name="TextBox 24">
-            <a:extLst>
-              <a:ext uri="{FF2B5EF4-FFF2-40B4-BE49-F238E27FC236}">
-                <a16:creationId xmlns:a16="http://schemas.microsoft.com/office/drawing/2014/main" id="{F26A580C-6956-58E5-CF85-65B69F926D12}"/>
-              </a:ext>
-            </a:extLst>
-          </p:cNvPr>
-          <p:cNvSpPr txBox="1"/>
-          <p:nvPr/>
-        </p:nvSpPr>
-        <p:spPr>
-          <a:xfrm>
-            <a:off x="3842039" y="5596850"/>
-            <a:ext cx="4507922" cy="369332"/>
-          </a:xfrm>
-          <a:prstGeom prst="rect">
-            <a:avLst/>
-          </a:prstGeom>
-          <a:noFill/>
-        </p:spPr>
-        <p:txBody>
-          <a:bodyPr wrap="square" rtlCol="0">
-            <a:spAutoFit/>
-          </a:bodyPr>
-          <a:lstStyle/>
-          <a:p>
-            <a:r>
-              <a:rPr lang="en-US" dirty="0"/>
-              <a:t>Generates an Expectation about Y given X</a:t>
-            </a:r>
-          </a:p>
         </p:txBody>
       </p:sp>
     </p:spTree>
     <p:extLst>
       <p:ext uri="{BB962C8B-B14F-4D97-AF65-F5344CB8AC3E}">
-        <p14:creationId xmlns:p14="http://schemas.microsoft.com/office/powerpoint/2010/main" val="2448518644"/>
+        <p14:creationId xmlns:p14="http://schemas.microsoft.com/office/powerpoint/2010/main" val="1741541659"/>
       </p:ext>
     </p:extLst>
   </p:cSld>

--- a/Lectures/2 - Four Step Process.pptx
+++ b/Lectures/2 - Four Step Process.pptx
@@ -5,10 +5,10 @@
     <p:sldMasterId id="2147484095" r:id="rId1"/>
   </p:sldMasterIdLst>
   <p:notesMasterIdLst>
-    <p:notesMasterId r:id="rId21"/>
+    <p:notesMasterId r:id="rId18"/>
   </p:notesMasterIdLst>
   <p:handoutMasterIdLst>
-    <p:handoutMasterId r:id="rId22"/>
+    <p:handoutMasterId r:id="rId19"/>
   </p:handoutMasterIdLst>
   <p:sldIdLst>
     <p:sldId id="256" r:id="rId2"/>
@@ -20,16 +20,13 @@
     <p:sldId id="361" r:id="rId8"/>
     <p:sldId id="362" r:id="rId9"/>
     <p:sldId id="347" r:id="rId10"/>
-    <p:sldId id="348" r:id="rId11"/>
-    <p:sldId id="349" r:id="rId12"/>
-    <p:sldId id="350" r:id="rId13"/>
-    <p:sldId id="351" r:id="rId14"/>
-    <p:sldId id="352" r:id="rId15"/>
-    <p:sldId id="353" r:id="rId16"/>
-    <p:sldId id="354" r:id="rId17"/>
-    <p:sldId id="356" r:id="rId18"/>
-    <p:sldId id="357" r:id="rId19"/>
-    <p:sldId id="358" r:id="rId20"/>
+    <p:sldId id="363" r:id="rId11"/>
+    <p:sldId id="364" r:id="rId12"/>
+    <p:sldId id="365" r:id="rId13"/>
+    <p:sldId id="366" r:id="rId14"/>
+    <p:sldId id="367" r:id="rId15"/>
+    <p:sldId id="368" r:id="rId16"/>
+    <p:sldId id="358" r:id="rId17"/>
   </p:sldIdLst>
   <p:sldSz cx="12192000" cy="6858000"/>
   <p:notesSz cx="7315200" cy="9601200"/>
@@ -921,7 +918,7 @@
               <a:pPr>
                 <a:defRPr/>
               </a:pPr>
-              <a:t>19</a:t>
+              <a:t>16</a:t>
             </a:fld>
             <a:endParaRPr lang="en-US"/>
           </a:p>
@@ -4752,7 +4749,7 @@
         </p:nvSpPr>
         <p:spPr>
           <a:xfrm>
-            <a:off x="9601200" y="6400800"/>
+            <a:off x="8070398" y="6172200"/>
             <a:ext cx="3962400" cy="381000"/>
           </a:xfrm>
           <a:prstGeom prst="rect">
@@ -5078,20 +5075,13 @@
           <a:p>
             <a:pPr algn="ctr"/>
             <a:r>
-              <a:rPr lang="en-US" sz="4800" b="1" dirty="0">
+              <a:rPr lang="en-US" sz="4800" dirty="0">
                 <a:solidFill>
                   <a:srgbClr val="2D3A37"/>
                 </a:solidFill>
-                <a:latin typeface="Adobe Devanagari" panose="02040503050201020203" pitchFamily="18" charset="0"/>
-                <a:cs typeface="Adobe Devanagari" panose="02040503050201020203" pitchFamily="18" charset="0"/>
               </a:rPr>
-              <a:t>Architecture of a Model</a:t>
-            </a:r>
-            <a:endParaRPr lang="en-US" sz="4800" dirty="0">
-              <a:solidFill>
-                <a:srgbClr val="2D3A37"/>
-              </a:solidFill>
-            </a:endParaRPr>
+              <a:t>Example: LEGO</a:t>
+            </a:r>
           </a:p>
         </p:txBody>
       </p:sp>
@@ -5110,7 +5100,7 @@
         <p:spPr>
           <a:xfrm>
             <a:off x="495300" y="1977074"/>
-            <a:ext cx="11201400" cy="4392692"/>
+            <a:ext cx="11201400" cy="5346144"/>
           </a:xfrm>
           <a:prstGeom prst="roundRect">
             <a:avLst/>
@@ -5148,6 +5138,88 @@
               <a:buFont typeface="Arial" panose="020B0604020202020204" pitchFamily="34" charset="0"/>
               <a:buChar char="•"/>
             </a:pPr>
+            <a:r>
+              <a:rPr lang="en-US" sz="2800" dirty="0">
+                <a:solidFill>
+                  <a:srgbClr val="660066"/>
+                </a:solidFill>
+              </a:rPr>
+              <a:t>Follow-up Question: </a:t>
+            </a:r>
+            <a:r>
+              <a:rPr lang="en-US" sz="2800" i="1" dirty="0">
+                <a:solidFill>
+                  <a:srgbClr val="660066"/>
+                </a:solidFill>
+              </a:rPr>
+              <a:t>Is there a relationship between the theme and the price on Amazon?</a:t>
+            </a:r>
+          </a:p>
+          <a:p>
+            <a:pPr marL="685800" indent="-685800">
+              <a:buFont typeface="Arial" panose="020B0604020202020204" pitchFamily="34" charset="0"/>
+              <a:buChar char="•"/>
+            </a:pPr>
+            <a:endParaRPr lang="en-US" sz="2800" i="1" dirty="0">
+              <a:solidFill>
+                <a:srgbClr val="660066"/>
+              </a:solidFill>
+            </a:endParaRPr>
+          </a:p>
+          <a:p>
+            <a:pPr marL="685800" indent="-685800">
+              <a:buFont typeface="Arial" panose="020B0604020202020204" pitchFamily="34" charset="0"/>
+              <a:buChar char="•"/>
+            </a:pPr>
+            <a:r>
+              <a:rPr lang="en-US" sz="2800" dirty="0">
+                <a:solidFill>
+                  <a:srgbClr val="660066"/>
+                </a:solidFill>
+              </a:rPr>
+              <a:t>Alternative: </a:t>
+            </a:r>
+            <a:r>
+              <a:rPr lang="en-US" sz="2800" i="1" dirty="0">
+                <a:solidFill>
+                  <a:srgbClr val="660066"/>
+                </a:solidFill>
+              </a:rPr>
+              <a:t>What effect does the theme of the LEGO set have on the Amazon price?</a:t>
+            </a:r>
+          </a:p>
+          <a:p>
+            <a:pPr marL="685800" indent="-685800">
+              <a:buFont typeface="Arial" panose="020B0604020202020204" pitchFamily="34" charset="0"/>
+              <a:buChar char="•"/>
+            </a:pPr>
+            <a:endParaRPr lang="en-US" sz="2800" i="1" dirty="0">
+              <a:solidFill>
+                <a:srgbClr val="660066"/>
+              </a:solidFill>
+            </a:endParaRPr>
+          </a:p>
+          <a:p>
+            <a:pPr marL="685800" indent="-685800">
+              <a:buFont typeface="Arial" panose="020B0604020202020204" pitchFamily="34" charset="0"/>
+              <a:buChar char="•"/>
+            </a:pPr>
+            <a:r>
+              <a:rPr lang="en-US" sz="2800" dirty="0">
+                <a:solidFill>
+                  <a:srgbClr val="660066"/>
+                </a:solidFill>
+              </a:rPr>
+              <a:t>Strategy for Analysis: </a:t>
+            </a:r>
+            <a:r>
+              <a:rPr lang="en-US" sz="2800" i="1" dirty="0">
+                <a:solidFill>
+                  <a:srgbClr val="660066"/>
+                </a:solidFill>
+              </a:rPr>
+              <a:t>Calculate the average price of different themes on Amazon and compare them. Look for statistically significant differences.</a:t>
+            </a:r>
             <a:endParaRPr lang="en-US" sz="2800" dirty="0">
               <a:solidFill>
                 <a:srgbClr val="660066"/>
@@ -5176,438 +5248,12 @@
               </a:solidFill>
             </a:endParaRPr>
           </a:p>
-          <a:p>
-            <a:pPr marL="685800" indent="-685800">
-              <a:buFont typeface="Arial" panose="020B0604020202020204" pitchFamily="34" charset="0"/>
-              <a:buChar char="•"/>
-            </a:pPr>
-            <a:endParaRPr lang="en-US" sz="2800" dirty="0">
-              <a:solidFill>
-                <a:srgbClr val="660066"/>
-              </a:solidFill>
-            </a:endParaRPr>
-          </a:p>
-          <a:p>
-            <a:endParaRPr lang="en-US" sz="2800" dirty="0">
-              <a:solidFill>
-                <a:srgbClr val="660066"/>
-              </a:solidFill>
-            </a:endParaRPr>
-          </a:p>
-          <a:p>
-            <a:endParaRPr lang="en-US" sz="2800" dirty="0">
-              <a:solidFill>
-                <a:srgbClr val="660066"/>
-              </a:solidFill>
-            </a:endParaRPr>
-          </a:p>
-          <a:p>
-            <a:endParaRPr lang="en-US" sz="2800" dirty="0">
-              <a:solidFill>
-                <a:srgbClr val="660066"/>
-              </a:solidFill>
-            </a:endParaRPr>
-          </a:p>
-          <a:p>
-            <a:endParaRPr lang="en-US" sz="2800" dirty="0">
-              <a:solidFill>
-                <a:srgbClr val="660066"/>
-              </a:solidFill>
-            </a:endParaRPr>
-          </a:p>
-          <a:p>
-            <a:endParaRPr lang="en-US" sz="2800" dirty="0">
-              <a:solidFill>
-                <a:srgbClr val="660066"/>
-              </a:solidFill>
-            </a:endParaRPr>
-          </a:p>
-        </p:txBody>
-      </p:sp>
-      <p:graphicFrame>
-        <p:nvGraphicFramePr>
-          <p:cNvPr id="3" name="Object 3">
-            <a:extLst>
-              <a:ext uri="{FF2B5EF4-FFF2-40B4-BE49-F238E27FC236}">
-                <a16:creationId xmlns:a16="http://schemas.microsoft.com/office/drawing/2014/main" id="{E6D28306-7CF7-8D86-926E-83D14E3DB3E9}"/>
-              </a:ext>
-            </a:extLst>
-          </p:cNvPr>
-          <p:cNvGraphicFramePr>
-            <a:graphicFrameLocks noChangeAspect="1"/>
-          </p:cNvGraphicFramePr>
-          <p:nvPr>
-            <p:extLst>
-              <p:ext uri="{D42A27DB-BD31-4B8C-83A1-F6EECF244321}">
-                <p14:modId xmlns:p14="http://schemas.microsoft.com/office/powerpoint/2010/main" val="1917435039"/>
-              </p:ext>
-            </p:extLst>
-          </p:nvPr>
-        </p:nvGraphicFramePr>
-        <p:xfrm>
-          <a:off x="3124200" y="2477575"/>
-          <a:ext cx="5435600" cy="1238250"/>
-        </p:xfrm>
-        <a:graphic>
-          <a:graphicData uri="http://schemas.openxmlformats.org/presentationml/2006/ole">
-            <mc:AlternateContent xmlns:mc="http://schemas.openxmlformats.org/markup-compatibility/2006">
-              <mc:Choice xmlns:v="urn:schemas-microsoft-com:vml" Requires="v">
-                <p:oleObj name="Equation" r:id="rId3" imgW="850680" imgH="203040" progId="Equation.3">
-                  <p:embed/>
-                </p:oleObj>
-              </mc:Choice>
-              <mc:Fallback>
-                <p:oleObj name="Equation" r:id="rId3" imgW="850680" imgH="203040" progId="Equation.3">
-                  <p:embed/>
-                  <p:pic>
-                    <p:nvPicPr>
-                      <p:cNvPr id="33795" name="Object 3"/>
-                      <p:cNvPicPr>
-                        <a:picLocks noChangeAspect="1" noChangeArrowheads="1"/>
-                      </p:cNvPicPr>
-                      <p:nvPr/>
-                    </p:nvPicPr>
-                    <p:blipFill>
-                      <a:blip r:embed="rId4"/>
-                      <a:srcRect/>
-                      <a:stretch>
-                        <a:fillRect/>
-                      </a:stretch>
-                    </p:blipFill>
-                    <p:spPr bwMode="auto">
-                      <a:xfrm>
-                        <a:off x="3124200" y="2477575"/>
-                        <a:ext cx="5435600" cy="1238250"/>
-                      </a:xfrm>
-                      <a:prstGeom prst="rect">
-                        <a:avLst/>
-                      </a:prstGeom>
-                      <a:solidFill>
-                        <a:schemeClr val="bg1"/>
-                      </a:solidFill>
-                      <a:ln>
-                        <a:noFill/>
-                      </a:ln>
-                      <a:effectLst/>
-                    </p:spPr>
-                  </p:pic>
-                </p:oleObj>
-              </mc:Fallback>
-            </mc:AlternateContent>
-          </a:graphicData>
-        </a:graphic>
-      </p:graphicFrame>
-      <p:cxnSp>
-        <p:nvCxnSpPr>
-          <p:cNvPr id="5" name="Straight Arrow Connector 4">
-            <a:extLst>
-              <a:ext uri="{FF2B5EF4-FFF2-40B4-BE49-F238E27FC236}">
-                <a16:creationId xmlns:a16="http://schemas.microsoft.com/office/drawing/2014/main" id="{5FF05081-7AC1-FDC2-883E-7B9379120C03}"/>
-              </a:ext>
-            </a:extLst>
-          </p:cNvPr>
-          <p:cNvCxnSpPr>
-            <a:cxnSpLocks/>
-          </p:cNvCxnSpPr>
-          <p:nvPr/>
-        </p:nvCxnSpPr>
-        <p:spPr>
-          <a:xfrm flipH="1">
-            <a:off x="1905000" y="3352800"/>
-            <a:ext cx="1295400" cy="1066800"/>
-          </a:xfrm>
-          <a:prstGeom prst="straightConnector1">
-            <a:avLst/>
-          </a:prstGeom>
-          <a:ln w="28575">
-            <a:tailEnd type="triangle"/>
-          </a:ln>
-        </p:spPr>
-        <p:style>
-          <a:lnRef idx="1">
-            <a:schemeClr val="dk1"/>
-          </a:lnRef>
-          <a:fillRef idx="0">
-            <a:schemeClr val="dk1"/>
-          </a:fillRef>
-          <a:effectRef idx="0">
-            <a:schemeClr val="dk1"/>
-          </a:effectRef>
-          <a:fontRef idx="minor">
-            <a:schemeClr val="tx1"/>
-          </a:fontRef>
-        </p:style>
-      </p:cxnSp>
-      <p:sp>
-        <p:nvSpPr>
-          <p:cNvPr id="10" name="TextBox 9">
-            <a:extLst>
-              <a:ext uri="{FF2B5EF4-FFF2-40B4-BE49-F238E27FC236}">
-                <a16:creationId xmlns:a16="http://schemas.microsoft.com/office/drawing/2014/main" id="{4A41D36B-EE3E-01D1-0006-56FE5479A7F2}"/>
-              </a:ext>
-            </a:extLst>
-          </p:cNvPr>
-          <p:cNvSpPr txBox="1"/>
-          <p:nvPr/>
-        </p:nvSpPr>
-        <p:spPr>
-          <a:xfrm>
-            <a:off x="1238250" y="4343400"/>
-            <a:ext cx="1143000" cy="646331"/>
-          </a:xfrm>
-          <a:prstGeom prst="rect">
-            <a:avLst/>
-          </a:prstGeom>
-          <a:noFill/>
-        </p:spPr>
-        <p:txBody>
-          <a:bodyPr wrap="square" rtlCol="0">
-            <a:spAutoFit/>
-          </a:bodyPr>
-          <a:lstStyle/>
-          <a:p>
-            <a:r>
-              <a:rPr lang="en-US" dirty="0"/>
-              <a:t>Response Variable</a:t>
-            </a:r>
-          </a:p>
-        </p:txBody>
-      </p:sp>
-      <p:cxnSp>
-        <p:nvCxnSpPr>
-          <p:cNvPr id="14" name="Straight Arrow Connector 13">
-            <a:extLst>
-              <a:ext uri="{FF2B5EF4-FFF2-40B4-BE49-F238E27FC236}">
-                <a16:creationId xmlns:a16="http://schemas.microsoft.com/office/drawing/2014/main" id="{A3EA9140-6DE6-524A-1390-564246F4268C}"/>
-              </a:ext>
-            </a:extLst>
-          </p:cNvPr>
-          <p:cNvCxnSpPr>
-            <a:cxnSpLocks/>
-          </p:cNvCxnSpPr>
-          <p:nvPr/>
-        </p:nvCxnSpPr>
-        <p:spPr>
-          <a:xfrm>
-            <a:off x="6248400" y="3431084"/>
-            <a:ext cx="0" cy="284741"/>
-          </a:xfrm>
-          <a:prstGeom prst="straightConnector1">
-            <a:avLst/>
-          </a:prstGeom>
-          <a:ln w="28575">
-            <a:tailEnd type="triangle"/>
-          </a:ln>
-        </p:spPr>
-        <p:style>
-          <a:lnRef idx="1">
-            <a:schemeClr val="dk1"/>
-          </a:lnRef>
-          <a:fillRef idx="0">
-            <a:schemeClr val="dk1"/>
-          </a:fillRef>
-          <a:effectRef idx="0">
-            <a:schemeClr val="dk1"/>
-          </a:effectRef>
-          <a:fontRef idx="minor">
-            <a:schemeClr val="tx1"/>
-          </a:fontRef>
-        </p:style>
-      </p:cxnSp>
-      <p:sp>
-        <p:nvSpPr>
-          <p:cNvPr id="17" name="TextBox 16">
-            <a:extLst>
-              <a:ext uri="{FF2B5EF4-FFF2-40B4-BE49-F238E27FC236}">
-                <a16:creationId xmlns:a16="http://schemas.microsoft.com/office/drawing/2014/main" id="{FAA32DA6-7767-D0B5-1B23-EFA75FB3C986}"/>
-              </a:ext>
-            </a:extLst>
-          </p:cNvPr>
-          <p:cNvSpPr txBox="1"/>
-          <p:nvPr/>
-        </p:nvSpPr>
-        <p:spPr>
-          <a:xfrm>
-            <a:off x="5626678" y="3686846"/>
-            <a:ext cx="1615786" cy="646331"/>
-          </a:xfrm>
-          <a:prstGeom prst="rect">
-            <a:avLst/>
-          </a:prstGeom>
-          <a:noFill/>
-        </p:spPr>
-        <p:txBody>
-          <a:bodyPr wrap="square" rtlCol="0">
-            <a:spAutoFit/>
-          </a:bodyPr>
-          <a:lstStyle/>
-          <a:p>
-            <a:r>
-              <a:rPr lang="en-US" dirty="0"/>
-              <a:t>Explanatory Variable(s)</a:t>
-            </a:r>
-          </a:p>
-        </p:txBody>
-      </p:sp>
-      <p:cxnSp>
-        <p:nvCxnSpPr>
-          <p:cNvPr id="18" name="Straight Arrow Connector 17">
-            <a:extLst>
-              <a:ext uri="{FF2B5EF4-FFF2-40B4-BE49-F238E27FC236}">
-                <a16:creationId xmlns:a16="http://schemas.microsoft.com/office/drawing/2014/main" id="{E0077093-DDAE-8E37-E15B-573D4C4CEDA2}"/>
-              </a:ext>
-            </a:extLst>
-          </p:cNvPr>
-          <p:cNvCxnSpPr>
-            <a:cxnSpLocks/>
-          </p:cNvCxnSpPr>
-          <p:nvPr/>
-        </p:nvCxnSpPr>
-        <p:spPr>
-          <a:xfrm>
-            <a:off x="8382000" y="3278684"/>
-            <a:ext cx="1143000" cy="531316"/>
-          </a:xfrm>
-          <a:prstGeom prst="straightConnector1">
-            <a:avLst/>
-          </a:prstGeom>
-          <a:ln w="28575">
-            <a:tailEnd type="triangle"/>
-          </a:ln>
-        </p:spPr>
-        <p:style>
-          <a:lnRef idx="1">
-            <a:schemeClr val="dk1"/>
-          </a:lnRef>
-          <a:fillRef idx="0">
-            <a:schemeClr val="dk1"/>
-          </a:fillRef>
-          <a:effectRef idx="0">
-            <a:schemeClr val="dk1"/>
-          </a:effectRef>
-          <a:fontRef idx="minor">
-            <a:schemeClr val="tx1"/>
-          </a:fontRef>
-        </p:style>
-      </p:cxnSp>
-      <p:sp>
-        <p:nvSpPr>
-          <p:cNvPr id="20" name="TextBox 19">
-            <a:extLst>
-              <a:ext uri="{FF2B5EF4-FFF2-40B4-BE49-F238E27FC236}">
-                <a16:creationId xmlns:a16="http://schemas.microsoft.com/office/drawing/2014/main" id="{DB83F0CB-0165-08A7-14ED-4FDFB1655F75}"/>
-              </a:ext>
-            </a:extLst>
-          </p:cNvPr>
-          <p:cNvSpPr txBox="1"/>
-          <p:nvPr/>
-        </p:nvSpPr>
-        <p:spPr>
-          <a:xfrm>
-            <a:off x="9479107" y="3773269"/>
-            <a:ext cx="1615786" cy="923330"/>
-          </a:xfrm>
-          <a:prstGeom prst="rect">
-            <a:avLst/>
-          </a:prstGeom>
-          <a:noFill/>
-        </p:spPr>
-        <p:txBody>
-          <a:bodyPr wrap="square" rtlCol="0">
-            <a:spAutoFit/>
-          </a:bodyPr>
-          <a:lstStyle/>
-          <a:p>
-            <a:r>
-              <a:rPr lang="en-US" dirty="0"/>
-              <a:t>Error or Deviation from the Model</a:t>
-            </a:r>
-          </a:p>
-        </p:txBody>
-      </p:sp>
-      <p:sp>
-        <p:nvSpPr>
-          <p:cNvPr id="24" name="Left Brace 23">
-            <a:extLst>
-              <a:ext uri="{FF2B5EF4-FFF2-40B4-BE49-F238E27FC236}">
-                <a16:creationId xmlns:a16="http://schemas.microsoft.com/office/drawing/2014/main" id="{4663DCFB-01EA-0D2C-21BA-580FB91F8D7C}"/>
-              </a:ext>
-            </a:extLst>
-          </p:cNvPr>
-          <p:cNvSpPr/>
-          <p:nvPr/>
-        </p:nvSpPr>
-        <p:spPr>
-          <a:xfrm rot="16200000">
-            <a:off x="4782371" y="3258368"/>
-            <a:ext cx="2196038" cy="2412423"/>
-          </a:xfrm>
-          <a:prstGeom prst="leftBrace">
-            <a:avLst/>
-          </a:prstGeom>
-        </p:spPr>
-        <p:style>
-          <a:lnRef idx="1">
-            <a:schemeClr val="dk1"/>
-          </a:lnRef>
-          <a:fillRef idx="0">
-            <a:schemeClr val="dk1"/>
-          </a:fillRef>
-          <a:effectRef idx="0">
-            <a:schemeClr val="dk1"/>
-          </a:effectRef>
-          <a:fontRef idx="minor">
-            <a:schemeClr val="tx1"/>
-          </a:fontRef>
-        </p:style>
-        <p:txBody>
-          <a:bodyPr rtlCol="0" anchor="ctr"/>
-          <a:lstStyle/>
-          <a:p>
-            <a:pPr algn="ctr"/>
-            <a:endParaRPr lang="en-US"/>
-          </a:p>
-        </p:txBody>
-      </p:sp>
-      <p:sp>
-        <p:nvSpPr>
-          <p:cNvPr id="25" name="TextBox 24">
-            <a:extLst>
-              <a:ext uri="{FF2B5EF4-FFF2-40B4-BE49-F238E27FC236}">
-                <a16:creationId xmlns:a16="http://schemas.microsoft.com/office/drawing/2014/main" id="{F26A580C-6956-58E5-CF85-65B69F926D12}"/>
-              </a:ext>
-            </a:extLst>
-          </p:cNvPr>
-          <p:cNvSpPr txBox="1"/>
-          <p:nvPr/>
-        </p:nvSpPr>
-        <p:spPr>
-          <a:xfrm>
-            <a:off x="3842039" y="5596850"/>
-            <a:ext cx="4507922" cy="369332"/>
-          </a:xfrm>
-          <a:prstGeom prst="rect">
-            <a:avLst/>
-          </a:prstGeom>
-          <a:noFill/>
-        </p:spPr>
-        <p:txBody>
-          <a:bodyPr wrap="square" rtlCol="0">
-            <a:spAutoFit/>
-          </a:bodyPr>
-          <a:lstStyle/>
-          <a:p>
-            <a:r>
-              <a:rPr lang="en-US" dirty="0"/>
-              <a:t>Generates an Expectation about Y given X</a:t>
-            </a:r>
-          </a:p>
         </p:txBody>
       </p:sp>
     </p:spTree>
     <p:extLst>
       <p:ext uri="{BB962C8B-B14F-4D97-AF65-F5344CB8AC3E}">
-        <p14:creationId xmlns:p14="http://schemas.microsoft.com/office/powerpoint/2010/main" val="2448518644"/>
+        <p14:creationId xmlns:p14="http://schemas.microsoft.com/office/powerpoint/2010/main" val="1588984608"/>
       </p:ext>
     </p:extLst>
   </p:cSld>
@@ -5776,20 +5422,13 @@
           <a:p>
             <a:pPr algn="ctr"/>
             <a:r>
-              <a:rPr lang="en-US" sz="4800" b="1" dirty="0">
+              <a:rPr lang="en-US" sz="4800" dirty="0">
                 <a:solidFill>
                   <a:srgbClr val="2D3A37"/>
                 </a:solidFill>
-                <a:latin typeface="Adobe Devanagari" panose="02040503050201020203" pitchFamily="18" charset="0"/>
-                <a:cs typeface="Adobe Devanagari" panose="02040503050201020203" pitchFamily="18" charset="0"/>
               </a:rPr>
-              <a:t>Statistical Modeling</a:t>
-            </a:r>
-            <a:endParaRPr lang="en-US" sz="4800" dirty="0">
-              <a:solidFill>
-                <a:srgbClr val="2D3A37"/>
-              </a:solidFill>
-            </a:endParaRPr>
+              <a:t>Supplement for Lecture 2</a:t>
+            </a:r>
           </a:p>
         </p:txBody>
       </p:sp>
@@ -5808,7 +5447,7 @@
         <p:spPr>
           <a:xfrm>
             <a:off x="495300" y="1977074"/>
-            <a:ext cx="11201400" cy="3915966"/>
+            <a:ext cx="11201400" cy="4869418"/>
           </a:xfrm>
           <a:prstGeom prst="roundRect">
             <a:avLst/>
@@ -5842,16 +5481,38 @@
           </a:bodyPr>
           <a:lstStyle/>
           <a:p>
+            <a:pPr marL="685800" indent="-685800">
+              <a:buFont typeface="Arial" panose="020B0604020202020204" pitchFamily="34" charset="0"/>
+              <a:buChar char="•"/>
+            </a:pPr>
             <a:r>
               <a:rPr lang="en-US" sz="2800" dirty="0">
                 <a:solidFill>
                   <a:srgbClr val="660066"/>
                 </a:solidFill>
               </a:rPr>
-              <a:t>Statistical Modeling is the Process of …</a:t>
-            </a:r>
-          </a:p>
-          <a:p>
+              <a:t>Mosaic package in R</a:t>
+            </a:r>
+          </a:p>
+          <a:p>
+            <a:pPr marL="1143000" lvl="1" indent="-685800">
+              <a:buFont typeface="Arial" panose="020B0604020202020204" pitchFamily="34" charset="0"/>
+              <a:buChar char="•"/>
+            </a:pPr>
+            <a:r>
+              <a:rPr lang="en-US" sz="2800" dirty="0">
+                <a:solidFill>
+                  <a:srgbClr val="660066"/>
+                </a:solidFill>
+              </a:rPr>
+              <a:t>Use of “formulas” in R to express models</a:t>
+            </a:r>
+          </a:p>
+          <a:p>
+            <a:pPr marL="1143000" lvl="1" indent="-685800">
+              <a:buFont typeface="Arial" panose="020B0604020202020204" pitchFamily="34" charset="0"/>
+              <a:buChar char="•"/>
+            </a:pPr>
             <a:endParaRPr lang="en-US" sz="2800" dirty="0">
               <a:solidFill>
                 <a:srgbClr val="660066"/>
@@ -5859,21 +5520,36 @@
             </a:endParaRPr>
           </a:p>
           <a:p>
+            <a:pPr marL="1143000" lvl="1" indent="-685800">
+              <a:buFont typeface="Arial" panose="020B0604020202020204" pitchFamily="34" charset="0"/>
+              <a:buChar char="•"/>
+            </a:pPr>
+            <a:endParaRPr lang="en-US" sz="2800" dirty="0">
+              <a:solidFill>
+                <a:srgbClr val="660066"/>
+              </a:solidFill>
+            </a:endParaRPr>
+          </a:p>
+          <a:p>
+            <a:pPr marL="1143000" lvl="1" indent="-685800">
+              <a:buFont typeface="Arial" panose="020B0604020202020204" pitchFamily="34" charset="0"/>
+              <a:buChar char="•"/>
+            </a:pPr>
+            <a:r>
+              <a:rPr lang="en-US" sz="2800" dirty="0">
+                <a:solidFill>
+                  <a:srgbClr val="660066"/>
+                </a:solidFill>
+              </a:rPr>
+              <a:t>Use of </a:t>
+            </a:r>
             <a:r>
               <a:rPr lang="en-US" sz="2800" b="1" dirty="0">
                 <a:solidFill>
                   <a:srgbClr val="660066"/>
                 </a:solidFill>
               </a:rPr>
-              <a:t>Defining the Function </a:t>
-            </a:r>
-            <a:r>
-              <a:rPr lang="en-US" sz="2800" b="1" i="1" dirty="0">
-                <a:solidFill>
-                  <a:srgbClr val="660066"/>
-                </a:solidFill>
-              </a:rPr>
-              <a:t>f(X) </a:t>
+              <a:t>data=_______ argument</a:t>
             </a:r>
             <a:r>
               <a:rPr lang="en-US" sz="2800" dirty="0">
@@ -5881,58 +5557,46 @@
                   <a:srgbClr val="660066"/>
                 </a:solidFill>
               </a:rPr>
-              <a:t>and then </a:t>
-            </a:r>
-            <a:r>
-              <a:rPr lang="en-US" sz="2800" b="1" dirty="0">
+              <a:t> to specify dataset and eliminate the need to call variables using </a:t>
+            </a:r>
+            <a:r>
+              <a:rPr lang="en-US" sz="2800" b="1" dirty="0" err="1">
                 <a:solidFill>
                   <a:srgbClr val="660066"/>
                 </a:solidFill>
               </a:rPr>
-              <a:t>Fitting that Function </a:t>
-            </a:r>
-            <a:r>
-              <a:rPr lang="en-US" sz="2800" b="1" i="1" dirty="0">
-                <a:solidFill>
-                  <a:srgbClr val="660066"/>
-                </a:solidFill>
-              </a:rPr>
-              <a:t>f(X) </a:t>
-            </a:r>
-          </a:p>
-          <a:p>
+              <a:t>data$variable</a:t>
+            </a:r>
+            <a:endParaRPr lang="en-US" sz="2800" b="1" dirty="0">
+              <a:solidFill>
+                <a:srgbClr val="660066"/>
+              </a:solidFill>
+            </a:endParaRPr>
+          </a:p>
+          <a:p>
+            <a:pPr marL="1143000" lvl="1" indent="-685800">
+              <a:buFont typeface="Arial" panose="020B0604020202020204" pitchFamily="34" charset="0"/>
+              <a:buChar char="•"/>
+            </a:pPr>
+            <a:endParaRPr lang="en-US" sz="2800" b="1" dirty="0">
+              <a:solidFill>
+                <a:srgbClr val="660066"/>
+              </a:solidFill>
+            </a:endParaRPr>
+          </a:p>
+          <a:p>
+            <a:pPr marL="1143000" lvl="1" indent="-685800">
+              <a:buFont typeface="Arial" panose="020B0604020202020204" pitchFamily="34" charset="0"/>
+              <a:buChar char="•"/>
+            </a:pPr>
             <a:r>
               <a:rPr lang="en-US" sz="2800" dirty="0">
                 <a:solidFill>
                   <a:srgbClr val="660066"/>
                 </a:solidFill>
               </a:rPr>
-              <a:t>to a sample dataset by </a:t>
-            </a:r>
-            <a:r>
-              <a:rPr lang="en-US" sz="2800" b="1" dirty="0">
-                <a:solidFill>
-                  <a:srgbClr val="660066"/>
-                </a:solidFill>
-              </a:rPr>
-              <a:t>Minimizing the Error</a:t>
-            </a:r>
-            <a:r>
-              <a:rPr lang="en-US" sz="2800" dirty="0">
-                <a:solidFill>
-                  <a:srgbClr val="660066"/>
-                </a:solidFill>
-              </a:rPr>
-              <a:t> the best we possibly can</a:t>
-            </a:r>
-          </a:p>
-          <a:p>
-            <a:pPr algn="ctr"/>
-            <a:endParaRPr lang="en-US" sz="2800" dirty="0">
-              <a:solidFill>
-                <a:srgbClr val="660066"/>
-              </a:solidFill>
-            </a:endParaRPr>
+              <a:t>Has “modified” versions of classic functions that allow us to look at the effect a categorical variable has on a numeric variable</a:t>
+            </a:r>
           </a:p>
           <a:p>
             <a:pPr marL="685800" indent="-685800">
@@ -5945,29 +5609,201 @@
               </a:solidFill>
             </a:endParaRPr>
           </a:p>
-          <a:p>
-            <a:r>
-              <a:rPr lang="en-US" sz="2800" dirty="0">
-                <a:solidFill>
-                  <a:srgbClr val="660066"/>
-                </a:solidFill>
-              </a:rPr>
-              <a:t>Methodology we Use Depends on the Types of Variables</a:t>
-            </a:r>
-          </a:p>
-          <a:p>
-            <a:endParaRPr lang="en-US" sz="2800" dirty="0">
-              <a:solidFill>
-                <a:srgbClr val="660066"/>
-              </a:solidFill>
-            </a:endParaRPr>
-          </a:p>
         </p:txBody>
       </p:sp>
+      <mc:AlternateContent xmlns:mc="http://schemas.openxmlformats.org/markup-compatibility/2006" xmlns:a14="http://schemas.microsoft.com/office/drawing/2010/main">
+        <mc:Choice Requires="a14">
+          <p:sp>
+            <p:nvSpPr>
+              <p:cNvPr id="3" name="TextBox 2">
+                <a:extLst>
+                  <a:ext uri="{FF2B5EF4-FFF2-40B4-BE49-F238E27FC236}">
+                    <a16:creationId xmlns:a16="http://schemas.microsoft.com/office/drawing/2014/main" id="{7C3B8DE4-8CEB-6C20-13BF-0F57065ACE24}"/>
+                  </a:ext>
+                </a:extLst>
+              </p:cNvPr>
+              <p:cNvSpPr txBox="1"/>
+              <p:nvPr/>
+            </p:nvSpPr>
+            <p:spPr>
+              <a:xfrm>
+                <a:off x="1066800" y="3084450"/>
+                <a:ext cx="9296400" cy="689099"/>
+              </a:xfrm>
+              <a:prstGeom prst="rect">
+                <a:avLst/>
+              </a:prstGeom>
+              <a:noFill/>
+            </p:spPr>
+            <p:txBody>
+              <a:bodyPr wrap="square" rtlCol="0">
+                <a:spAutoFit/>
+              </a:bodyPr>
+              <a:lstStyle/>
+              <a:p>
+                <a:pPr/>
+                <a14:m>
+                  <m:oMathPara xmlns:m="http://schemas.openxmlformats.org/officeDocument/2006/math">
+                    <m:oMathParaPr>
+                      <m:jc m:val="centerGroup"/>
+                    </m:oMathParaPr>
+                    <m:oMath xmlns:m="http://schemas.openxmlformats.org/officeDocument/2006/math">
+                      <m:r>
+                        <a:rPr lang="en-US" sz="3600" b="0" i="1" smtClean="0">
+                          <a:latin typeface="Cambria Math" panose="02040503050406030204" pitchFamily="18" charset="0"/>
+                        </a:rPr>
+                        <m:t>𝑦</m:t>
+                      </m:r>
+                      <m:r>
+                        <a:rPr lang="en-US" sz="3600" b="0" i="1" smtClean="0">
+                          <a:latin typeface="Cambria Math" panose="02040503050406030204" pitchFamily="18" charset="0"/>
+                        </a:rPr>
+                        <m:t>~</m:t>
+                      </m:r>
+                      <m:sSub>
+                        <m:sSubPr>
+                          <m:ctrlPr>
+                            <a:rPr lang="en-US" sz="3600" b="0" i="1" smtClean="0">
+                              <a:latin typeface="Cambria Math" panose="02040503050406030204" pitchFamily="18" charset="0"/>
+                            </a:rPr>
+                          </m:ctrlPr>
+                        </m:sSubPr>
+                        <m:e>
+                          <m:r>
+                            <a:rPr lang="en-US" sz="3600" b="0" i="1" smtClean="0">
+                              <a:latin typeface="Cambria Math" panose="02040503050406030204" pitchFamily="18" charset="0"/>
+                            </a:rPr>
+                            <m:t>𝑥</m:t>
+                          </m:r>
+                        </m:e>
+                        <m:sub>
+                          <m:r>
+                            <a:rPr lang="en-US" sz="3600" b="0" i="1" smtClean="0">
+                              <a:latin typeface="Cambria Math" panose="02040503050406030204" pitchFamily="18" charset="0"/>
+                            </a:rPr>
+                            <m:t>1</m:t>
+                          </m:r>
+                        </m:sub>
+                      </m:sSub>
+                      <m:r>
+                        <a:rPr lang="en-US" sz="3600" b="0" i="1" smtClean="0">
+                          <a:latin typeface="Cambria Math" panose="02040503050406030204" pitchFamily="18" charset="0"/>
+                        </a:rPr>
+                        <m:t>+</m:t>
+                      </m:r>
+                      <m:sSub>
+                        <m:sSubPr>
+                          <m:ctrlPr>
+                            <a:rPr lang="en-US" sz="3600" b="0" i="1" smtClean="0">
+                              <a:latin typeface="Cambria Math" panose="02040503050406030204" pitchFamily="18" charset="0"/>
+                            </a:rPr>
+                          </m:ctrlPr>
+                        </m:sSubPr>
+                        <m:e>
+                          <m:r>
+                            <a:rPr lang="en-US" sz="3600" b="0" i="1" smtClean="0">
+                              <a:latin typeface="Cambria Math" panose="02040503050406030204" pitchFamily="18" charset="0"/>
+                            </a:rPr>
+                            <m:t>𝑥</m:t>
+                          </m:r>
+                        </m:e>
+                        <m:sub>
+                          <m:r>
+                            <a:rPr lang="en-US" sz="3600" b="0" i="1" smtClean="0">
+                              <a:latin typeface="Cambria Math" panose="02040503050406030204" pitchFamily="18" charset="0"/>
+                            </a:rPr>
+                            <m:t>2</m:t>
+                          </m:r>
+                        </m:sub>
+                      </m:sSub>
+                      <m:r>
+                        <a:rPr lang="en-US" sz="3600" b="0" i="1" smtClean="0">
+                          <a:latin typeface="Cambria Math" panose="02040503050406030204" pitchFamily="18" charset="0"/>
+                        </a:rPr>
+                        <m:t>+⋯+</m:t>
+                      </m:r>
+                      <m:sSub>
+                        <m:sSubPr>
+                          <m:ctrlPr>
+                            <a:rPr lang="en-US" sz="3600" b="0" i="1" smtClean="0">
+                              <a:latin typeface="Cambria Math" panose="02040503050406030204" pitchFamily="18" charset="0"/>
+                            </a:rPr>
+                          </m:ctrlPr>
+                        </m:sSubPr>
+                        <m:e>
+                          <m:r>
+                            <a:rPr lang="en-US" sz="3600" b="0" i="1" smtClean="0">
+                              <a:latin typeface="Cambria Math" panose="02040503050406030204" pitchFamily="18" charset="0"/>
+                            </a:rPr>
+                            <m:t>𝑥</m:t>
+                          </m:r>
+                        </m:e>
+                        <m:sub>
+                          <m:r>
+                            <a:rPr lang="en-US" sz="3600" b="0" i="1" smtClean="0">
+                              <a:latin typeface="Cambria Math" panose="02040503050406030204" pitchFamily="18" charset="0"/>
+                            </a:rPr>
+                            <m:t>𝑝</m:t>
+                          </m:r>
+                        </m:sub>
+                      </m:sSub>
+                    </m:oMath>
+                  </m:oMathPara>
+                </a14:m>
+                <a:endParaRPr lang="en-US" sz="3600" dirty="0"/>
+              </a:p>
+            </p:txBody>
+          </p:sp>
+        </mc:Choice>
+        <mc:Fallback xmlns="">
+          <p:sp>
+            <p:nvSpPr>
+              <p:cNvPr id="3" name="TextBox 2">
+                <a:extLst>
+                  <a:ext uri="{FF2B5EF4-FFF2-40B4-BE49-F238E27FC236}">
+                    <a16:creationId xmlns:a16="http://schemas.microsoft.com/office/drawing/2014/main" id="{7C3B8DE4-8CEB-6C20-13BF-0F57065ACE24}"/>
+                  </a:ext>
+                </a:extLst>
+              </p:cNvPr>
+              <p:cNvSpPr txBox="1">
+                <a:spLocks noRot="1" noChangeAspect="1" noMove="1" noResize="1" noEditPoints="1" noAdjustHandles="1" noChangeArrowheads="1" noChangeShapeType="1" noTextEdit="1"/>
+              </p:cNvSpPr>
+              <p:nvPr/>
+            </p:nvSpPr>
+            <p:spPr>
+              <a:xfrm>
+                <a:off x="1066800" y="3084450"/>
+                <a:ext cx="9296400" cy="689099"/>
+              </a:xfrm>
+              <a:prstGeom prst="rect">
+                <a:avLst/>
+              </a:prstGeom>
+              <a:blipFill>
+                <a:blip r:embed="rId3"/>
+                <a:stretch>
+                  <a:fillRect/>
+                </a:stretch>
+              </a:blipFill>
+            </p:spPr>
+            <p:txBody>
+              <a:bodyPr/>
+              <a:lstStyle/>
+              <a:p>
+                <a:r>
+                  <a:rPr lang="en-US">
+                    <a:noFill/>
+                  </a:rPr>
+                  <a:t> </a:t>
+                </a:r>
+              </a:p>
+            </p:txBody>
+          </p:sp>
+        </mc:Fallback>
+      </mc:AlternateContent>
     </p:spTree>
     <p:extLst>
       <p:ext uri="{BB962C8B-B14F-4D97-AF65-F5344CB8AC3E}">
-        <p14:creationId xmlns:p14="http://schemas.microsoft.com/office/powerpoint/2010/main" val="4128989348"/>
+        <p14:creationId xmlns:p14="http://schemas.microsoft.com/office/powerpoint/2010/main" val="2412762731"/>
       </p:ext>
     </p:extLst>
   </p:cSld>
@@ -6136,20 +5972,13 @@
           <a:p>
             <a:pPr algn="ctr"/>
             <a:r>
-              <a:rPr lang="en-US" sz="4800" b="1" dirty="0">
+              <a:rPr lang="en-US" sz="4800" dirty="0">
                 <a:solidFill>
                   <a:srgbClr val="2D3A37"/>
                 </a:solidFill>
-                <a:latin typeface="Adobe Devanagari" panose="02040503050201020203" pitchFamily="18" charset="0"/>
-                <a:cs typeface="Adobe Devanagari" panose="02040503050201020203" pitchFamily="18" charset="0"/>
               </a:rPr>
-              <a:t>Variable Types</a:t>
-            </a:r>
-            <a:endParaRPr lang="en-US" sz="4800" dirty="0">
-              <a:solidFill>
-                <a:srgbClr val="2D3A37"/>
-              </a:solidFill>
-            </a:endParaRPr>
+              <a:t>Model with a Binary Predictor</a:t>
+            </a:r>
           </a:p>
         </p:txBody>
       </p:sp>
@@ -6168,7 +5997,7 @@
         <p:spPr>
           <a:xfrm>
             <a:off x="495300" y="1977074"/>
-            <a:ext cx="11201400" cy="3439239"/>
+            <a:ext cx="11201400" cy="4392692"/>
           </a:xfrm>
           <a:prstGeom prst="roundRect">
             <a:avLst/>
@@ -6202,6 +6031,10 @@
           </a:bodyPr>
           <a:lstStyle/>
           <a:p>
+            <a:pPr marL="685800" indent="-685800">
+              <a:buFont typeface="Arial" panose="020B0604020202020204" pitchFamily="34" charset="0"/>
+              <a:buChar char="•"/>
+            </a:pPr>
             <a:endParaRPr lang="en-US" sz="2800" dirty="0">
               <a:solidFill>
                 <a:srgbClr val="660066"/>
@@ -6209,6 +6042,10 @@
             </a:endParaRPr>
           </a:p>
           <a:p>
+            <a:pPr marL="685800" indent="-685800">
+              <a:buFont typeface="Arial" panose="020B0604020202020204" pitchFamily="34" charset="0"/>
+              <a:buChar char="•"/>
+            </a:pPr>
             <a:endParaRPr lang="en-US" sz="2800" dirty="0">
               <a:solidFill>
                 <a:srgbClr val="660066"/>
@@ -6216,6 +6053,16 @@
             </a:endParaRPr>
           </a:p>
           <a:p>
+            <a:r>
+              <a:rPr lang="en-US" sz="2800" dirty="0">
+                <a:solidFill>
+                  <a:srgbClr val="660066"/>
+                </a:solidFill>
+              </a:rPr>
+              <a:t>Where</a:t>
+            </a:r>
+          </a:p>
+          <a:p>
             <a:endParaRPr lang="en-US" sz="2800" dirty="0">
               <a:solidFill>
                 <a:srgbClr val="660066"/>
@@ -6230,6 +6077,16 @@
             </a:endParaRPr>
           </a:p>
           <a:p>
+            <a:r>
+              <a:rPr lang="en-US" sz="2800" dirty="0">
+                <a:solidFill>
+                  <a:srgbClr val="660066"/>
+                </a:solidFill>
+              </a:rPr>
+              <a:t>and</a:t>
+            </a:r>
+          </a:p>
+          <a:p>
             <a:endParaRPr lang="en-US" sz="2800" dirty="0">
               <a:solidFill>
                 <a:srgbClr val="660066"/>
@@ -6237,6 +6094,10 @@
             </a:endParaRPr>
           </a:p>
           <a:p>
+            <a:pPr marL="685800" indent="-685800">
+              <a:buFont typeface="Arial" panose="020B0604020202020204" pitchFamily="34" charset="0"/>
+              <a:buChar char="•"/>
+            </a:pPr>
             <a:endParaRPr lang="en-US" sz="2800" dirty="0">
               <a:solidFill>
                 <a:srgbClr val="660066"/>
@@ -6244,6 +6105,10 @@
             </a:endParaRPr>
           </a:p>
           <a:p>
+            <a:pPr marL="685800" indent="-685800">
+              <a:buFont typeface="Arial" panose="020B0604020202020204" pitchFamily="34" charset="0"/>
+              <a:buChar char="•"/>
+            </a:pPr>
             <a:endParaRPr lang="en-US" sz="2800" dirty="0">
               <a:solidFill>
                 <a:srgbClr val="660066"/>
@@ -6252,470 +6117,819 @@
           </a:p>
         </p:txBody>
       </p:sp>
-      <p:sp>
-        <p:nvSpPr>
-          <p:cNvPr id="3" name="TextBox 2">
-            <a:extLst>
-              <a:ext uri="{FF2B5EF4-FFF2-40B4-BE49-F238E27FC236}">
-                <a16:creationId xmlns:a16="http://schemas.microsoft.com/office/drawing/2014/main" id="{1A7B0DEE-7C9E-F4B1-5F83-29C0E1FA1DC8}"/>
-              </a:ext>
-            </a:extLst>
-          </p:cNvPr>
-          <p:cNvSpPr txBox="1"/>
-          <p:nvPr/>
-        </p:nvSpPr>
-        <p:spPr>
-          <a:xfrm>
-            <a:off x="2133600" y="2573480"/>
-            <a:ext cx="1981200" cy="523220"/>
-          </a:xfrm>
-          <a:prstGeom prst="rect">
-            <a:avLst/>
-          </a:prstGeom>
-          <a:noFill/>
-        </p:spPr>
-        <p:txBody>
-          <a:bodyPr wrap="square" rtlCol="0">
-            <a:spAutoFit/>
-          </a:bodyPr>
-          <a:lstStyle/>
-          <a:p>
-            <a:pPr algn="ctr"/>
-            <a:r>
-              <a:rPr lang="en-US" sz="2800" dirty="0"/>
-              <a:t>Categorical</a:t>
-            </a:r>
-          </a:p>
-        </p:txBody>
-      </p:sp>
-      <p:sp>
-        <p:nvSpPr>
-          <p:cNvPr id="4" name="TextBox 3">
-            <a:extLst>
-              <a:ext uri="{FF2B5EF4-FFF2-40B4-BE49-F238E27FC236}">
-                <a16:creationId xmlns:a16="http://schemas.microsoft.com/office/drawing/2014/main" id="{CFAFD2E7-A7E5-89A1-BB02-9E46C99529B9}"/>
-              </a:ext>
-            </a:extLst>
-          </p:cNvPr>
-          <p:cNvSpPr txBox="1"/>
-          <p:nvPr/>
-        </p:nvSpPr>
-        <p:spPr>
-          <a:xfrm>
-            <a:off x="6972300" y="2573480"/>
-            <a:ext cx="1981200" cy="523220"/>
-          </a:xfrm>
-          <a:prstGeom prst="rect">
-            <a:avLst/>
-          </a:prstGeom>
-          <a:noFill/>
-        </p:spPr>
-        <p:txBody>
-          <a:bodyPr wrap="square" rtlCol="0">
-            <a:spAutoFit/>
-          </a:bodyPr>
-          <a:lstStyle/>
-          <a:p>
-            <a:pPr algn="ctr"/>
-            <a:r>
-              <a:rPr lang="en-US" sz="2800" dirty="0"/>
-              <a:t>Quantitative</a:t>
-            </a:r>
-          </a:p>
-        </p:txBody>
-      </p:sp>
-      <p:sp>
-        <p:nvSpPr>
-          <p:cNvPr id="5" name="TextBox 4">
-            <a:extLst>
-              <a:ext uri="{FF2B5EF4-FFF2-40B4-BE49-F238E27FC236}">
-                <a16:creationId xmlns:a16="http://schemas.microsoft.com/office/drawing/2014/main" id="{11143612-8AB2-A3BC-0E01-14984F6FA621}"/>
-              </a:ext>
-            </a:extLst>
-          </p:cNvPr>
-          <p:cNvSpPr txBox="1"/>
-          <p:nvPr/>
-        </p:nvSpPr>
-        <p:spPr>
-          <a:xfrm>
-            <a:off x="838200" y="3928825"/>
-            <a:ext cx="1981200" cy="523220"/>
-          </a:xfrm>
-          <a:prstGeom prst="rect">
-            <a:avLst/>
-          </a:prstGeom>
-          <a:noFill/>
-        </p:spPr>
-        <p:txBody>
-          <a:bodyPr wrap="square" rtlCol="0">
-            <a:spAutoFit/>
-          </a:bodyPr>
-          <a:lstStyle/>
-          <a:p>
-            <a:pPr algn="ctr"/>
-            <a:r>
-              <a:rPr lang="en-US" sz="2800" dirty="0"/>
-              <a:t>Nominal</a:t>
-            </a:r>
-          </a:p>
-        </p:txBody>
-      </p:sp>
-      <p:cxnSp>
-        <p:nvCxnSpPr>
-          <p:cNvPr id="9" name="Straight Arrow Connector 8">
-            <a:extLst>
-              <a:ext uri="{FF2B5EF4-FFF2-40B4-BE49-F238E27FC236}">
-                <a16:creationId xmlns:a16="http://schemas.microsoft.com/office/drawing/2014/main" id="{3401CCB9-A102-9EAD-91BF-1C15EC64A163}"/>
-              </a:ext>
-            </a:extLst>
-          </p:cNvPr>
-          <p:cNvCxnSpPr>
-            <a:cxnSpLocks/>
-          </p:cNvCxnSpPr>
-          <p:nvPr/>
-        </p:nvCxnSpPr>
-        <p:spPr>
-          <a:xfrm>
-            <a:off x="3463636" y="3096700"/>
-            <a:ext cx="784514" cy="905176"/>
-          </a:xfrm>
-          <a:prstGeom prst="straightConnector1">
-            <a:avLst/>
-          </a:prstGeom>
-          <a:ln w="38100">
-            <a:tailEnd type="triangle"/>
-          </a:ln>
-        </p:spPr>
-        <p:style>
-          <a:lnRef idx="1">
-            <a:schemeClr val="dk1"/>
-          </a:lnRef>
-          <a:fillRef idx="0">
-            <a:schemeClr val="dk1"/>
-          </a:fillRef>
-          <a:effectRef idx="0">
-            <a:schemeClr val="dk1"/>
-          </a:effectRef>
-          <a:fontRef idx="minor">
-            <a:schemeClr val="tx1"/>
-          </a:fontRef>
-        </p:style>
-      </p:cxnSp>
-      <p:sp>
-        <p:nvSpPr>
-          <p:cNvPr id="10" name="TextBox 9">
-            <a:extLst>
-              <a:ext uri="{FF2B5EF4-FFF2-40B4-BE49-F238E27FC236}">
-                <a16:creationId xmlns:a16="http://schemas.microsoft.com/office/drawing/2014/main" id="{DAD3E5CA-DB79-E709-CCBE-CB37CA25C445}"/>
-              </a:ext>
-            </a:extLst>
-          </p:cNvPr>
-          <p:cNvSpPr txBox="1"/>
-          <p:nvPr/>
-        </p:nvSpPr>
-        <p:spPr>
-          <a:xfrm>
-            <a:off x="3463636" y="3928825"/>
-            <a:ext cx="1981200" cy="523220"/>
-          </a:xfrm>
-          <a:prstGeom prst="rect">
-            <a:avLst/>
-          </a:prstGeom>
-          <a:noFill/>
-        </p:spPr>
-        <p:txBody>
-          <a:bodyPr wrap="square" rtlCol="0">
-            <a:spAutoFit/>
-          </a:bodyPr>
-          <a:lstStyle/>
-          <a:p>
-            <a:pPr algn="ctr"/>
-            <a:r>
-              <a:rPr lang="en-US" sz="2800" dirty="0"/>
-              <a:t>Ordinal</a:t>
-            </a:r>
-          </a:p>
-        </p:txBody>
-      </p:sp>
-      <p:cxnSp>
-        <p:nvCxnSpPr>
-          <p:cNvPr id="11" name="Straight Arrow Connector 10">
-            <a:extLst>
-              <a:ext uri="{FF2B5EF4-FFF2-40B4-BE49-F238E27FC236}">
-                <a16:creationId xmlns:a16="http://schemas.microsoft.com/office/drawing/2014/main" id="{B63DDBBD-A910-894E-8212-5D8AB4CBE24D}"/>
-              </a:ext>
-            </a:extLst>
-          </p:cNvPr>
-          <p:cNvCxnSpPr>
-            <a:cxnSpLocks/>
-          </p:cNvCxnSpPr>
-          <p:nvPr/>
-        </p:nvCxnSpPr>
-        <p:spPr>
-          <a:xfrm flipH="1">
-            <a:off x="1905000" y="3053570"/>
-            <a:ext cx="778453" cy="948306"/>
-          </a:xfrm>
-          <a:prstGeom prst="straightConnector1">
-            <a:avLst/>
-          </a:prstGeom>
-          <a:ln w="38100">
-            <a:tailEnd type="triangle"/>
-          </a:ln>
-        </p:spPr>
-        <p:style>
-          <a:lnRef idx="1">
-            <a:schemeClr val="dk1"/>
-          </a:lnRef>
-          <a:fillRef idx="0">
-            <a:schemeClr val="dk1"/>
-          </a:fillRef>
-          <a:effectRef idx="0">
-            <a:schemeClr val="dk1"/>
-          </a:effectRef>
-          <a:fontRef idx="minor">
-            <a:schemeClr val="tx1"/>
-          </a:fontRef>
-        </p:style>
-      </p:cxnSp>
-      <p:sp>
-        <p:nvSpPr>
-          <p:cNvPr id="17" name="TextBox 16">
-            <a:extLst>
-              <a:ext uri="{FF2B5EF4-FFF2-40B4-BE49-F238E27FC236}">
-                <a16:creationId xmlns:a16="http://schemas.microsoft.com/office/drawing/2014/main" id="{7BF8B504-64DF-0799-78F5-0935CF66DDFF}"/>
-              </a:ext>
-            </a:extLst>
-          </p:cNvPr>
-          <p:cNvSpPr txBox="1"/>
-          <p:nvPr/>
-        </p:nvSpPr>
-        <p:spPr>
-          <a:xfrm>
-            <a:off x="5867400" y="3928825"/>
-            <a:ext cx="1981200" cy="523220"/>
-          </a:xfrm>
-          <a:prstGeom prst="rect">
-            <a:avLst/>
-          </a:prstGeom>
-          <a:noFill/>
-        </p:spPr>
-        <p:txBody>
-          <a:bodyPr wrap="square" rtlCol="0">
-            <a:spAutoFit/>
-          </a:bodyPr>
-          <a:lstStyle/>
-          <a:p>
-            <a:pPr algn="ctr"/>
-            <a:r>
-              <a:rPr lang="en-US" sz="2800" dirty="0"/>
-              <a:t>Continuous</a:t>
-            </a:r>
-          </a:p>
-        </p:txBody>
-      </p:sp>
-      <p:sp>
-        <p:nvSpPr>
-          <p:cNvPr id="18" name="TextBox 17">
-            <a:extLst>
-              <a:ext uri="{FF2B5EF4-FFF2-40B4-BE49-F238E27FC236}">
-                <a16:creationId xmlns:a16="http://schemas.microsoft.com/office/drawing/2014/main" id="{EFD82E02-3E49-05C9-4071-EBC5308FD86D}"/>
-              </a:ext>
-            </a:extLst>
-          </p:cNvPr>
-          <p:cNvSpPr txBox="1"/>
-          <p:nvPr/>
-        </p:nvSpPr>
-        <p:spPr>
-          <a:xfrm>
-            <a:off x="8610600" y="3928825"/>
-            <a:ext cx="1981200" cy="523220"/>
-          </a:xfrm>
-          <a:prstGeom prst="rect">
-            <a:avLst/>
-          </a:prstGeom>
-          <a:noFill/>
-        </p:spPr>
-        <p:txBody>
-          <a:bodyPr wrap="square" rtlCol="0">
-            <a:spAutoFit/>
-          </a:bodyPr>
-          <a:lstStyle/>
-          <a:p>
-            <a:pPr algn="ctr"/>
-            <a:r>
-              <a:rPr lang="en-US" sz="2800" dirty="0"/>
-              <a:t>Discrete</a:t>
-            </a:r>
-          </a:p>
-        </p:txBody>
-      </p:sp>
-      <p:cxnSp>
-        <p:nvCxnSpPr>
-          <p:cNvPr id="19" name="Straight Arrow Connector 18">
-            <a:extLst>
-              <a:ext uri="{FF2B5EF4-FFF2-40B4-BE49-F238E27FC236}">
-                <a16:creationId xmlns:a16="http://schemas.microsoft.com/office/drawing/2014/main" id="{80C576BA-A317-1886-667C-51A3109B9896}"/>
-              </a:ext>
-            </a:extLst>
-          </p:cNvPr>
-          <p:cNvCxnSpPr>
-            <a:cxnSpLocks/>
-          </p:cNvCxnSpPr>
-          <p:nvPr/>
-        </p:nvCxnSpPr>
-        <p:spPr>
-          <a:xfrm flipH="1">
-            <a:off x="6856268" y="3060175"/>
-            <a:ext cx="689263" cy="1001181"/>
-          </a:xfrm>
-          <a:prstGeom prst="straightConnector1">
-            <a:avLst/>
-          </a:prstGeom>
-          <a:ln w="38100">
-            <a:tailEnd type="triangle"/>
-          </a:ln>
-        </p:spPr>
-        <p:style>
-          <a:lnRef idx="1">
-            <a:schemeClr val="dk1"/>
-          </a:lnRef>
-          <a:fillRef idx="0">
-            <a:schemeClr val="dk1"/>
-          </a:fillRef>
-          <a:effectRef idx="0">
-            <a:schemeClr val="dk1"/>
-          </a:effectRef>
-          <a:fontRef idx="minor">
-            <a:schemeClr val="tx1"/>
-          </a:fontRef>
-        </p:style>
-      </p:cxnSp>
-      <p:cxnSp>
-        <p:nvCxnSpPr>
-          <p:cNvPr id="21" name="Straight Arrow Connector 20">
-            <a:extLst>
-              <a:ext uri="{FF2B5EF4-FFF2-40B4-BE49-F238E27FC236}">
-                <a16:creationId xmlns:a16="http://schemas.microsoft.com/office/drawing/2014/main" id="{F21F3507-22BC-C77F-747D-AF729C57E35A}"/>
-              </a:ext>
-            </a:extLst>
-          </p:cNvPr>
-          <p:cNvCxnSpPr>
-            <a:cxnSpLocks/>
-          </p:cNvCxnSpPr>
-          <p:nvPr/>
-        </p:nvCxnSpPr>
-        <p:spPr>
-          <a:xfrm>
-            <a:off x="8575964" y="3053570"/>
-            <a:ext cx="693159" cy="948306"/>
-          </a:xfrm>
-          <a:prstGeom prst="straightConnector1">
-            <a:avLst/>
-          </a:prstGeom>
-          <a:ln w="38100">
-            <a:tailEnd type="triangle"/>
-          </a:ln>
-        </p:spPr>
-        <p:style>
-          <a:lnRef idx="1">
-            <a:schemeClr val="dk1"/>
-          </a:lnRef>
-          <a:fillRef idx="0">
-            <a:schemeClr val="dk1"/>
-          </a:fillRef>
-          <a:effectRef idx="0">
-            <a:schemeClr val="dk1"/>
-          </a:effectRef>
-          <a:fontRef idx="minor">
-            <a:schemeClr val="tx1"/>
-          </a:fontRef>
-        </p:style>
-      </p:cxnSp>
-      <p:sp>
-        <p:nvSpPr>
-          <p:cNvPr id="24" name="TextBox 23">
-            <a:extLst>
-              <a:ext uri="{FF2B5EF4-FFF2-40B4-BE49-F238E27FC236}">
-                <a16:creationId xmlns:a16="http://schemas.microsoft.com/office/drawing/2014/main" id="{91468417-64DA-A060-9885-2F7F61F2C60E}"/>
-              </a:ext>
-            </a:extLst>
-          </p:cNvPr>
-          <p:cNvSpPr txBox="1"/>
-          <p:nvPr/>
-        </p:nvSpPr>
-        <p:spPr>
-          <a:xfrm>
-            <a:off x="841663" y="4442377"/>
-            <a:ext cx="1981200" cy="400110"/>
-          </a:xfrm>
-          <a:prstGeom prst="rect">
-            <a:avLst/>
-          </a:prstGeom>
-          <a:noFill/>
-        </p:spPr>
-        <p:txBody>
-          <a:bodyPr wrap="square" rtlCol="0">
-            <a:spAutoFit/>
-          </a:bodyPr>
-          <a:lstStyle/>
-          <a:p>
-            <a:pPr algn="ctr"/>
-            <a:r>
-              <a:rPr lang="en-US" sz="2000" i="1" dirty="0">
-                <a:solidFill>
-                  <a:srgbClr val="660066"/>
-                </a:solidFill>
-              </a:rPr>
-              <a:t>LEGO Theme</a:t>
-            </a:r>
-          </a:p>
-        </p:txBody>
-      </p:sp>
-      <p:sp>
-        <p:nvSpPr>
-          <p:cNvPr id="25" name="TextBox 24">
-            <a:extLst>
-              <a:ext uri="{FF2B5EF4-FFF2-40B4-BE49-F238E27FC236}">
-                <a16:creationId xmlns:a16="http://schemas.microsoft.com/office/drawing/2014/main" id="{992BAD34-5806-380C-44F2-99CE85567B90}"/>
-              </a:ext>
-            </a:extLst>
-          </p:cNvPr>
-          <p:cNvSpPr txBox="1"/>
-          <p:nvPr/>
-        </p:nvSpPr>
-        <p:spPr>
-          <a:xfrm>
-            <a:off x="3446318" y="4442377"/>
-            <a:ext cx="1981200" cy="400110"/>
-          </a:xfrm>
-          <a:prstGeom prst="rect">
-            <a:avLst/>
-          </a:prstGeom>
-          <a:noFill/>
-        </p:spPr>
-        <p:txBody>
-          <a:bodyPr wrap="square" rtlCol="0">
-            <a:spAutoFit/>
-          </a:bodyPr>
-          <a:lstStyle/>
-          <a:p>
-            <a:pPr algn="ctr"/>
-            <a:r>
-              <a:rPr lang="en-US" sz="2000" i="1" dirty="0">
-                <a:solidFill>
-                  <a:srgbClr val="660066"/>
-                </a:solidFill>
-              </a:rPr>
-              <a:t>LEGO Ages</a:t>
-            </a:r>
-          </a:p>
-        </p:txBody>
-      </p:sp>
+      <mc:AlternateContent xmlns:mc="http://schemas.openxmlformats.org/markup-compatibility/2006" xmlns:a14="http://schemas.microsoft.com/office/drawing/2010/main">
+        <mc:Choice Requires="a14">
+          <p:sp>
+            <p:nvSpPr>
+              <p:cNvPr id="3" name="TextBox 2">
+                <a:extLst>
+                  <a:ext uri="{FF2B5EF4-FFF2-40B4-BE49-F238E27FC236}">
+                    <a16:creationId xmlns:a16="http://schemas.microsoft.com/office/drawing/2014/main" id="{7C3B8DE4-8CEB-6C20-13BF-0F57065ACE24}"/>
+                  </a:ext>
+                </a:extLst>
+              </p:cNvPr>
+              <p:cNvSpPr txBox="1"/>
+              <p:nvPr/>
+            </p:nvSpPr>
+            <p:spPr>
+              <a:xfrm>
+                <a:off x="1447800" y="2450369"/>
+                <a:ext cx="9296400" cy="646331"/>
+              </a:xfrm>
+              <a:prstGeom prst="rect">
+                <a:avLst/>
+              </a:prstGeom>
+              <a:noFill/>
+            </p:spPr>
+            <p:txBody>
+              <a:bodyPr wrap="square" rtlCol="0">
+                <a:spAutoFit/>
+              </a:bodyPr>
+              <a:lstStyle/>
+              <a:p>
+                <a:pPr/>
+                <a14:m>
+                  <m:oMathPara xmlns:m="http://schemas.openxmlformats.org/officeDocument/2006/math">
+                    <m:oMathParaPr>
+                      <m:jc m:val="centerGroup"/>
+                    </m:oMathParaPr>
+                    <m:oMath xmlns:m="http://schemas.openxmlformats.org/officeDocument/2006/math">
+                      <m:r>
+                        <a:rPr lang="en-US" sz="3600" b="0" i="1" smtClean="0">
+                          <a:latin typeface="Cambria Math" panose="02040503050406030204" pitchFamily="18" charset="0"/>
+                        </a:rPr>
+                        <m:t>𝑌</m:t>
+                      </m:r>
+                      <m:r>
+                        <a:rPr lang="en-US" sz="3600" b="0" i="1" smtClean="0">
+                          <a:latin typeface="Cambria Math" panose="02040503050406030204" pitchFamily="18" charset="0"/>
+                        </a:rPr>
+                        <m:t>=</m:t>
+                      </m:r>
+                      <m:r>
+                        <a:rPr lang="en-US" sz="3600" b="0" i="1" smtClean="0">
+                          <a:latin typeface="Cambria Math" panose="02040503050406030204" pitchFamily="18" charset="0"/>
+                        </a:rPr>
+                        <m:t>𝑓</m:t>
+                      </m:r>
+                      <m:d>
+                        <m:dPr>
+                          <m:ctrlPr>
+                            <a:rPr lang="en-US" sz="3600" b="0" i="1" smtClean="0">
+                              <a:latin typeface="Cambria Math" panose="02040503050406030204" pitchFamily="18" charset="0"/>
+                            </a:rPr>
+                          </m:ctrlPr>
+                        </m:dPr>
+                        <m:e>
+                          <m:r>
+                            <a:rPr lang="en-US" sz="3600" b="0" i="1" smtClean="0">
+                              <a:latin typeface="Cambria Math" panose="02040503050406030204" pitchFamily="18" charset="0"/>
+                            </a:rPr>
+                            <m:t>𝑋</m:t>
+                          </m:r>
+                        </m:e>
+                      </m:d>
+                      <m:r>
+                        <a:rPr lang="en-US" sz="3600" b="0" i="1" smtClean="0">
+                          <a:latin typeface="Cambria Math" panose="02040503050406030204" pitchFamily="18" charset="0"/>
+                        </a:rPr>
+                        <m:t>+</m:t>
+                      </m:r>
+                      <m:r>
+                        <m:rPr>
+                          <m:sty m:val="p"/>
+                        </m:rPr>
+                        <a:rPr lang="en-US" sz="3600" b="0" i="1" smtClean="0">
+                          <a:latin typeface="Cambria Math" panose="02040503050406030204" pitchFamily="18" charset="0"/>
+                        </a:rPr>
+                        <m:t>ϵ</m:t>
+                      </m:r>
+                    </m:oMath>
+                  </m:oMathPara>
+                </a14:m>
+                <a:endParaRPr lang="en-US" sz="3600" b="0" dirty="0"/>
+              </a:p>
+            </p:txBody>
+          </p:sp>
+        </mc:Choice>
+        <mc:Fallback xmlns="">
+          <p:sp>
+            <p:nvSpPr>
+              <p:cNvPr id="3" name="TextBox 2">
+                <a:extLst>
+                  <a:ext uri="{FF2B5EF4-FFF2-40B4-BE49-F238E27FC236}">
+                    <a16:creationId xmlns:a16="http://schemas.microsoft.com/office/drawing/2014/main" id="{7C3B8DE4-8CEB-6C20-13BF-0F57065ACE24}"/>
+                  </a:ext>
+                </a:extLst>
+              </p:cNvPr>
+              <p:cNvSpPr txBox="1">
+                <a:spLocks noRot="1" noChangeAspect="1" noMove="1" noResize="1" noEditPoints="1" noAdjustHandles="1" noChangeArrowheads="1" noChangeShapeType="1" noTextEdit="1"/>
+              </p:cNvSpPr>
+              <p:nvPr/>
+            </p:nvSpPr>
+            <p:spPr>
+              <a:xfrm>
+                <a:off x="1447800" y="2450369"/>
+                <a:ext cx="9296400" cy="646331"/>
+              </a:xfrm>
+              <a:prstGeom prst="rect">
+                <a:avLst/>
+              </a:prstGeom>
+              <a:blipFill>
+                <a:blip r:embed="rId3"/>
+                <a:stretch>
+                  <a:fillRect/>
+                </a:stretch>
+              </a:blipFill>
+            </p:spPr>
+            <p:txBody>
+              <a:bodyPr/>
+              <a:lstStyle/>
+              <a:p>
+                <a:r>
+                  <a:rPr lang="en-US">
+                    <a:noFill/>
+                  </a:rPr>
+                  <a:t> </a:t>
+                </a:r>
+              </a:p>
+            </p:txBody>
+          </p:sp>
+        </mc:Fallback>
+      </mc:AlternateContent>
+      <mc:AlternateContent xmlns:mc="http://schemas.openxmlformats.org/markup-compatibility/2006" xmlns:a14="http://schemas.microsoft.com/office/drawing/2010/main">
+        <mc:Choice Requires="a14">
+          <p:sp>
+            <p:nvSpPr>
+              <p:cNvPr id="4" name="TextBox 3">
+                <a:extLst>
+                  <a:ext uri="{FF2B5EF4-FFF2-40B4-BE49-F238E27FC236}">
+                    <a16:creationId xmlns:a16="http://schemas.microsoft.com/office/drawing/2014/main" id="{9A667A17-A945-7686-DDAF-655BEF4577A4}"/>
+                  </a:ext>
+                </a:extLst>
+              </p:cNvPr>
+              <p:cNvSpPr txBox="1"/>
+              <p:nvPr/>
+            </p:nvSpPr>
+            <p:spPr>
+              <a:xfrm>
+                <a:off x="2652968" y="3346000"/>
+                <a:ext cx="6886063" cy="1121111"/>
+              </a:xfrm>
+              <a:prstGeom prst="rect">
+                <a:avLst/>
+              </a:prstGeom>
+              <a:solidFill>
+                <a:schemeClr val="bg1"/>
+              </a:solidFill>
+            </p:spPr>
+            <p:txBody>
+              <a:bodyPr wrap="square" lIns="0" tIns="0" rIns="0" bIns="0" rtlCol="0">
+                <a:spAutoFit/>
+              </a:bodyPr>
+              <a:lstStyle/>
+              <a:p>
+                <a:pPr/>
+                <a14:m>
+                  <m:oMathPara xmlns:m="http://schemas.openxmlformats.org/officeDocument/2006/math">
+                    <m:oMathParaPr>
+                      <m:jc m:val="centerGroup"/>
+                    </m:oMathParaPr>
+                    <m:oMath xmlns:m="http://schemas.openxmlformats.org/officeDocument/2006/math">
+                      <m:r>
+                        <a:rPr lang="pt-BR" sz="3200" i="1" smtClean="0">
+                          <a:solidFill>
+                            <a:schemeClr val="tx1"/>
+                          </a:solidFill>
+                          <a:latin typeface="Cambria Math" panose="02040503050406030204" pitchFamily="18" charset="0"/>
+                        </a:rPr>
+                        <m:t>𝑓</m:t>
+                      </m:r>
+                      <m:d>
+                        <m:dPr>
+                          <m:ctrlPr>
+                            <a:rPr lang="pt-BR" sz="3200" i="1">
+                              <a:solidFill>
+                                <a:schemeClr val="tx1"/>
+                              </a:solidFill>
+                              <a:latin typeface="Cambria Math" panose="02040503050406030204" pitchFamily="18" charset="0"/>
+                            </a:rPr>
+                          </m:ctrlPr>
+                        </m:dPr>
+                        <m:e>
+                          <m:r>
+                            <a:rPr lang="en-US" sz="3200" b="0" i="1" smtClean="0">
+                              <a:solidFill>
+                                <a:schemeClr val="tx1"/>
+                              </a:solidFill>
+                              <a:latin typeface="Cambria Math" panose="02040503050406030204" pitchFamily="18" charset="0"/>
+                            </a:rPr>
+                            <m:t>𝑋</m:t>
+                          </m:r>
+                        </m:e>
+                      </m:d>
+                      <m:r>
+                        <a:rPr lang="pt-BR" sz="3200" i="1">
+                          <a:solidFill>
+                            <a:schemeClr val="tx1"/>
+                          </a:solidFill>
+                          <a:latin typeface="Cambria Math" panose="02040503050406030204" pitchFamily="18" charset="0"/>
+                        </a:rPr>
+                        <m:t>=</m:t>
+                      </m:r>
+                      <m:r>
+                        <a:rPr lang="en-US" sz="3200" i="1">
+                          <a:solidFill>
+                            <a:schemeClr val="tx1"/>
+                          </a:solidFill>
+                          <a:latin typeface="Cambria Math" panose="02040503050406030204" pitchFamily="18" charset="0"/>
+                        </a:rPr>
+                        <m:t> </m:t>
+                      </m:r>
+                      <m:d>
+                        <m:dPr>
+                          <m:begChr m:val="{"/>
+                          <m:endChr m:val=""/>
+                          <m:ctrlPr>
+                            <a:rPr lang="en-US" sz="3200" i="1">
+                              <a:solidFill>
+                                <a:schemeClr val="tx1"/>
+                              </a:solidFill>
+                              <a:latin typeface="Cambria Math" panose="02040503050406030204" pitchFamily="18" charset="0"/>
+                            </a:rPr>
+                          </m:ctrlPr>
+                        </m:dPr>
+                        <m:e>
+                          <m:m>
+                            <m:mPr>
+                              <m:mcs>
+                                <m:mc>
+                                  <m:mcPr>
+                                    <m:count m:val="1"/>
+                                    <m:mcJc m:val="center"/>
+                                  </m:mcPr>
+                                </m:mc>
+                              </m:mcs>
+                              <m:ctrlPr>
+                                <a:rPr lang="en-US" sz="3200" i="1">
+                                  <a:solidFill>
+                                    <a:schemeClr val="tx1"/>
+                                  </a:solidFill>
+                                  <a:latin typeface="Cambria Math" panose="02040503050406030204" pitchFamily="18" charset="0"/>
+                                </a:rPr>
+                              </m:ctrlPr>
+                            </m:mPr>
+                            <m:mr>
+                              <m:e>
+                                <m:sSub>
+                                  <m:sSubPr>
+                                    <m:ctrlPr>
+                                      <a:rPr lang="en-US" sz="3200" i="1">
+                                        <a:solidFill>
+                                          <a:schemeClr val="tx1"/>
+                                        </a:solidFill>
+                                        <a:latin typeface="Cambria Math" panose="02040503050406030204" pitchFamily="18" charset="0"/>
+                                      </a:rPr>
+                                    </m:ctrlPr>
+                                  </m:sSubPr>
+                                  <m:e>
+                                    <m:r>
+                                      <a:rPr lang="en-US" sz="3200" i="1">
+                                        <a:solidFill>
+                                          <a:schemeClr val="tx1"/>
+                                        </a:solidFill>
+                                        <a:latin typeface="Cambria Math" panose="02040503050406030204" pitchFamily="18" charset="0"/>
+                                        <a:ea typeface="Cambria Math" panose="02040503050406030204" pitchFamily="18" charset="0"/>
+                                      </a:rPr>
+                                      <m:t>𝜇</m:t>
+                                    </m:r>
+                                  </m:e>
+                                  <m:sub>
+                                    <m:r>
+                                      <a:rPr lang="en-US" sz="3200" i="1">
+                                        <a:solidFill>
+                                          <a:schemeClr val="tx1"/>
+                                        </a:solidFill>
+                                        <a:latin typeface="Cambria Math" panose="02040503050406030204" pitchFamily="18" charset="0"/>
+                                      </a:rPr>
+                                      <m:t>1</m:t>
+                                    </m:r>
+                                  </m:sub>
+                                </m:sSub>
+                                <m:r>
+                                  <m:rPr>
+                                    <m:brk m:alnAt="7"/>
+                                  </m:rPr>
+                                  <a:rPr lang="en-US" sz="3200" i="1">
+                                    <a:solidFill>
+                                      <a:schemeClr val="tx1"/>
+                                    </a:solidFill>
+                                    <a:latin typeface="Cambria Math" panose="02040503050406030204" pitchFamily="18" charset="0"/>
+                                  </a:rPr>
+                                  <m:t> </m:t>
+                                </m:r>
+                                <m:r>
+                                  <a:rPr lang="en-US" sz="3200" i="1">
+                                    <a:solidFill>
+                                      <a:schemeClr val="tx1"/>
+                                    </a:solidFill>
+                                    <a:latin typeface="Cambria Math" panose="02040503050406030204" pitchFamily="18" charset="0"/>
+                                  </a:rPr>
+                                  <m:t>  </m:t>
+                                </m:r>
+                                <m:r>
+                                  <m:rPr>
+                                    <m:sty m:val="p"/>
+                                    <m:brk m:alnAt="7"/>
+                                  </m:rPr>
+                                  <a:rPr lang="en-US" sz="3200">
+                                    <a:solidFill>
+                                      <a:schemeClr val="tx1"/>
+                                    </a:solidFill>
+                                    <a:latin typeface="Cambria Math" panose="02040503050406030204" pitchFamily="18" charset="0"/>
+                                  </a:rPr>
+                                  <m:t>i</m:t>
+                                </m:r>
+                                <m:r>
+                                  <m:rPr>
+                                    <m:sty m:val="p"/>
+                                  </m:rPr>
+                                  <a:rPr lang="en-US" sz="3200">
+                                    <a:solidFill>
+                                      <a:schemeClr val="tx1"/>
+                                    </a:solidFill>
+                                    <a:latin typeface="Cambria Math" panose="02040503050406030204" pitchFamily="18" charset="0"/>
+                                  </a:rPr>
+                                  <m:t>f</m:t>
+                                </m:r>
+                                <m:r>
+                                  <a:rPr lang="en-US" sz="3200">
+                                    <a:solidFill>
+                                      <a:schemeClr val="tx1"/>
+                                    </a:solidFill>
+                                    <a:latin typeface="Cambria Math" panose="02040503050406030204" pitchFamily="18" charset="0"/>
+                                  </a:rPr>
+                                  <m:t> </m:t>
+                                </m:r>
+                                <m:r>
+                                  <m:rPr>
+                                    <m:brk m:alnAt="7"/>
+                                  </m:rPr>
+                                  <a:rPr lang="en-US" sz="3200" i="1">
+                                    <a:solidFill>
+                                      <a:schemeClr val="tx1"/>
+                                    </a:solidFill>
+                                    <a:latin typeface="Cambria Math" panose="02040503050406030204" pitchFamily="18" charset="0"/>
+                                  </a:rPr>
+                                  <m:t>𝑋</m:t>
+                                </m:r>
+                                <m:r>
+                                  <m:rPr>
+                                    <m:brk m:alnAt="7"/>
+                                  </m:rPr>
+                                  <a:rPr lang="en-US" sz="3200">
+                                    <a:solidFill>
+                                      <a:schemeClr val="tx1"/>
+                                    </a:solidFill>
+                                    <a:latin typeface="Cambria Math" panose="02040503050406030204" pitchFamily="18" charset="0"/>
+                                  </a:rPr>
+                                  <m:t>=</m:t>
+                                </m:r>
+                                <m:r>
+                                  <m:rPr>
+                                    <m:sty m:val="p"/>
+                                  </m:rPr>
+                                  <a:rPr lang="en-US" sz="3200" b="0" i="0" smtClean="0">
+                                    <a:solidFill>
+                                      <a:schemeClr val="tx1"/>
+                                    </a:solidFill>
+                                    <a:latin typeface="Cambria Math" panose="02040503050406030204" pitchFamily="18" charset="0"/>
+                                  </a:rPr>
+                                  <m:t>Friends</m:t>
+                                </m:r>
+                              </m:e>
+                            </m:mr>
+                            <m:mr>
+                              <m:e>
+                                <m:sSub>
+                                  <m:sSubPr>
+                                    <m:ctrlPr>
+                                      <a:rPr lang="en-US" sz="3200" i="1">
+                                        <a:solidFill>
+                                          <a:schemeClr val="tx1"/>
+                                        </a:solidFill>
+                                        <a:latin typeface="Cambria Math" panose="02040503050406030204" pitchFamily="18" charset="0"/>
+                                      </a:rPr>
+                                    </m:ctrlPr>
+                                  </m:sSubPr>
+                                  <m:e>
+                                    <m:r>
+                                      <a:rPr lang="en-US" sz="3200" i="1">
+                                        <a:solidFill>
+                                          <a:schemeClr val="tx1"/>
+                                        </a:solidFill>
+                                        <a:latin typeface="Cambria Math" panose="02040503050406030204" pitchFamily="18" charset="0"/>
+                                        <a:ea typeface="Cambria Math" panose="02040503050406030204" pitchFamily="18" charset="0"/>
+                                      </a:rPr>
+                                      <m:t>𝜇</m:t>
+                                    </m:r>
+                                  </m:e>
+                                  <m:sub>
+                                    <m:r>
+                                      <a:rPr lang="en-US" sz="3200" i="1">
+                                        <a:solidFill>
+                                          <a:schemeClr val="tx1"/>
+                                        </a:solidFill>
+                                        <a:latin typeface="Cambria Math" panose="02040503050406030204" pitchFamily="18" charset="0"/>
+                                      </a:rPr>
+                                      <m:t>2</m:t>
+                                    </m:r>
+                                  </m:sub>
+                                </m:sSub>
+                                <m:r>
+                                  <a:rPr lang="en-US" sz="3200" i="1">
+                                    <a:solidFill>
+                                      <a:schemeClr val="tx1"/>
+                                    </a:solidFill>
+                                    <a:latin typeface="Cambria Math" panose="02040503050406030204" pitchFamily="18" charset="0"/>
+                                  </a:rPr>
+                                  <m:t>   </m:t>
+                                </m:r>
+                                <m:r>
+                                  <m:rPr>
+                                    <m:sty m:val="p"/>
+                                  </m:rPr>
+                                  <a:rPr lang="en-US" sz="3200">
+                                    <a:solidFill>
+                                      <a:schemeClr val="tx1"/>
+                                    </a:solidFill>
+                                    <a:latin typeface="Cambria Math" panose="02040503050406030204" pitchFamily="18" charset="0"/>
+                                  </a:rPr>
+                                  <m:t>if</m:t>
+                                </m:r>
+                                <m:r>
+                                  <a:rPr lang="en-US" sz="3200">
+                                    <a:solidFill>
+                                      <a:schemeClr val="tx1"/>
+                                    </a:solidFill>
+                                    <a:latin typeface="Cambria Math" panose="02040503050406030204" pitchFamily="18" charset="0"/>
+                                  </a:rPr>
+                                  <m:t> </m:t>
+                                </m:r>
+                                <m:r>
+                                  <a:rPr lang="en-US" sz="3200" i="1">
+                                    <a:solidFill>
+                                      <a:schemeClr val="tx1"/>
+                                    </a:solidFill>
+                                    <a:latin typeface="Cambria Math" panose="02040503050406030204" pitchFamily="18" charset="0"/>
+                                  </a:rPr>
+                                  <m:t>𝑋</m:t>
+                                </m:r>
+                                <m:r>
+                                  <a:rPr lang="en-US" sz="3200">
+                                    <a:solidFill>
+                                      <a:schemeClr val="tx1"/>
+                                    </a:solidFill>
+                                    <a:latin typeface="Cambria Math" panose="02040503050406030204" pitchFamily="18" charset="0"/>
+                                  </a:rPr>
+                                  <m:t>=</m:t>
+                                </m:r>
+                                <m:r>
+                                  <m:rPr>
+                                    <m:sty m:val="p"/>
+                                  </m:rPr>
+                                  <a:rPr lang="en-US" sz="3200" b="0" i="0" smtClean="0">
+                                    <a:solidFill>
+                                      <a:schemeClr val="tx1"/>
+                                    </a:solidFill>
+                                    <a:latin typeface="Cambria Math" panose="02040503050406030204" pitchFamily="18" charset="0"/>
+                                  </a:rPr>
+                                  <m:t>Marvel</m:t>
+                                </m:r>
+                                <m:r>
+                                  <a:rPr lang="en-US" sz="3200" b="0" i="0" smtClean="0">
+                                    <a:solidFill>
+                                      <a:schemeClr val="tx1"/>
+                                    </a:solidFill>
+                                    <a:latin typeface="Cambria Math" panose="02040503050406030204" pitchFamily="18" charset="0"/>
+                                  </a:rPr>
+                                  <m:t> </m:t>
+                                </m:r>
+                              </m:e>
+                            </m:mr>
+                          </m:m>
+                        </m:e>
+                      </m:d>
+                    </m:oMath>
+                  </m:oMathPara>
+                </a14:m>
+                <a:endParaRPr lang="en-US" sz="3200" dirty="0">
+                  <a:solidFill>
+                    <a:schemeClr val="tx1"/>
+                  </a:solidFill>
+                </a:endParaRPr>
+              </a:p>
+            </p:txBody>
+          </p:sp>
+        </mc:Choice>
+        <mc:Fallback xmlns="">
+          <p:sp>
+            <p:nvSpPr>
+              <p:cNvPr id="4" name="TextBox 3">
+                <a:extLst>
+                  <a:ext uri="{FF2B5EF4-FFF2-40B4-BE49-F238E27FC236}">
+                    <a16:creationId xmlns:a16="http://schemas.microsoft.com/office/drawing/2014/main" id="{9A667A17-A945-7686-DDAF-655BEF4577A4}"/>
+                  </a:ext>
+                </a:extLst>
+              </p:cNvPr>
+              <p:cNvSpPr txBox="1">
+                <a:spLocks noRot="1" noChangeAspect="1" noMove="1" noResize="1" noEditPoints="1" noAdjustHandles="1" noChangeArrowheads="1" noChangeShapeType="1" noTextEdit="1"/>
+              </p:cNvSpPr>
+              <p:nvPr/>
+            </p:nvSpPr>
+            <p:spPr>
+              <a:xfrm>
+                <a:off x="2652968" y="3346000"/>
+                <a:ext cx="6886063" cy="1121111"/>
+              </a:xfrm>
+              <a:prstGeom prst="rect">
+                <a:avLst/>
+              </a:prstGeom>
+              <a:blipFill>
+                <a:blip r:embed="rId4"/>
+                <a:stretch>
+                  <a:fillRect/>
+                </a:stretch>
+              </a:blipFill>
+            </p:spPr>
+            <p:txBody>
+              <a:bodyPr/>
+              <a:lstStyle/>
+              <a:p>
+                <a:r>
+                  <a:rPr lang="en-US">
+                    <a:noFill/>
+                  </a:rPr>
+                  <a:t> </a:t>
+                </a:r>
+              </a:p>
+            </p:txBody>
+          </p:sp>
+        </mc:Fallback>
+      </mc:AlternateContent>
+      <mc:AlternateContent xmlns:mc="http://schemas.openxmlformats.org/markup-compatibility/2006" xmlns:a14="http://schemas.microsoft.com/office/drawing/2010/main">
+        <mc:Choice Requires="a14">
+          <p:sp>
+            <p:nvSpPr>
+              <p:cNvPr id="8" name="TextBox 7">
+                <a:extLst>
+                  <a:ext uri="{FF2B5EF4-FFF2-40B4-BE49-F238E27FC236}">
+                    <a16:creationId xmlns:a16="http://schemas.microsoft.com/office/drawing/2014/main" id="{0D6D8EB2-DD94-6CD9-80A7-CE5543CEE82E}"/>
+                  </a:ext>
+                </a:extLst>
+              </p:cNvPr>
+              <p:cNvSpPr txBox="1"/>
+              <p:nvPr/>
+            </p:nvSpPr>
+            <p:spPr>
+              <a:xfrm>
+                <a:off x="1447800" y="4689449"/>
+                <a:ext cx="9296400" cy="1200329"/>
+              </a:xfrm>
+              <a:prstGeom prst="rect">
+                <a:avLst/>
+              </a:prstGeom>
+              <a:noFill/>
+            </p:spPr>
+            <p:txBody>
+              <a:bodyPr wrap="square" rtlCol="0">
+                <a:spAutoFit/>
+              </a:bodyPr>
+              <a:lstStyle/>
+              <a:p>
+                <a:pPr/>
+                <a14:m>
+                  <m:oMathPara xmlns:m="http://schemas.openxmlformats.org/officeDocument/2006/math">
+                    <m:oMathParaPr>
+                      <m:jc m:val="centerGroup"/>
+                    </m:oMathParaPr>
+                    <m:oMath xmlns:m="http://schemas.openxmlformats.org/officeDocument/2006/math">
+                      <m:sSub>
+                        <m:sSubPr>
+                          <m:ctrlPr>
+                            <a:rPr lang="en-US" sz="3600" b="0" i="1" smtClean="0">
+                              <a:latin typeface="Cambria Math" panose="02040503050406030204" pitchFamily="18" charset="0"/>
+                            </a:rPr>
+                          </m:ctrlPr>
+                        </m:sSubPr>
+                        <m:e>
+                          <m:r>
+                            <a:rPr lang="en-US" sz="3600" b="0" i="1" smtClean="0">
+                              <a:latin typeface="Cambria Math" panose="02040503050406030204" pitchFamily="18" charset="0"/>
+                            </a:rPr>
+                            <m:t>𝜇</m:t>
+                          </m:r>
+                        </m:e>
+                        <m:sub>
+                          <m:r>
+                            <a:rPr lang="en-US" sz="3600" b="0" i="1" smtClean="0">
+                              <a:latin typeface="Cambria Math" panose="02040503050406030204" pitchFamily="18" charset="0"/>
+                            </a:rPr>
+                            <m:t>1</m:t>
+                          </m:r>
+                        </m:sub>
+                      </m:sSub>
+                      <m:r>
+                        <a:rPr lang="en-US" sz="3600" b="0" i="1" smtClean="0">
+                          <a:latin typeface="Cambria Math" panose="02040503050406030204" pitchFamily="18" charset="0"/>
+                        </a:rPr>
+                        <m:t>=</m:t>
+                      </m:r>
+                      <m:r>
+                        <a:rPr lang="en-US" sz="3600" b="0" i="1" smtClean="0">
+                          <a:latin typeface="Cambria Math" panose="02040503050406030204" pitchFamily="18" charset="0"/>
+                        </a:rPr>
+                        <m:t>𝑀𝑒𝑎𝑛</m:t>
+                      </m:r>
+                      <m:r>
+                        <a:rPr lang="en-US" sz="3600" b="0" i="1" smtClean="0">
+                          <a:latin typeface="Cambria Math" panose="02040503050406030204" pitchFamily="18" charset="0"/>
+                        </a:rPr>
+                        <m:t> </m:t>
+                      </m:r>
+                      <m:r>
+                        <a:rPr lang="en-US" sz="3600" b="0" i="1" smtClean="0">
+                          <a:latin typeface="Cambria Math" panose="02040503050406030204" pitchFamily="18" charset="0"/>
+                        </a:rPr>
+                        <m:t>𝑃𝑟𝑖𝑐𝑒</m:t>
+                      </m:r>
+                      <m:r>
+                        <a:rPr lang="en-US" sz="3600" b="0" i="1" smtClean="0">
+                          <a:latin typeface="Cambria Math" panose="02040503050406030204" pitchFamily="18" charset="0"/>
+                        </a:rPr>
+                        <m:t> </m:t>
+                      </m:r>
+                      <m:r>
+                        <a:rPr lang="en-US" sz="3600" b="0" i="1" smtClean="0">
+                          <a:latin typeface="Cambria Math" panose="02040503050406030204" pitchFamily="18" charset="0"/>
+                        </a:rPr>
+                        <m:t>𝑓𝑜𝑟</m:t>
+                      </m:r>
+                      <m:r>
+                        <a:rPr lang="en-US" sz="3600" b="0" i="1" smtClean="0">
+                          <a:latin typeface="Cambria Math" panose="02040503050406030204" pitchFamily="18" charset="0"/>
+                        </a:rPr>
+                        <m:t> </m:t>
+                      </m:r>
+                      <m:r>
+                        <a:rPr lang="en-US" sz="3600" b="0" i="1" smtClean="0">
+                          <a:latin typeface="Cambria Math" panose="02040503050406030204" pitchFamily="18" charset="0"/>
+                        </a:rPr>
+                        <m:t>𝐹𝑟𝑖𝑒𝑛𝑑𝑠</m:t>
+                      </m:r>
+                    </m:oMath>
+                  </m:oMathPara>
+                </a14:m>
+                <a:endParaRPr lang="en-US" sz="3600" b="0" dirty="0"/>
+              </a:p>
+              <a:p>
+                <a:pPr/>
+                <a14:m>
+                  <m:oMathPara xmlns:m="http://schemas.openxmlformats.org/officeDocument/2006/math">
+                    <m:oMathParaPr>
+                      <m:jc m:val="centerGroup"/>
+                    </m:oMathParaPr>
+                    <m:oMath xmlns:m="http://schemas.openxmlformats.org/officeDocument/2006/math">
+                      <m:sSub>
+                        <m:sSubPr>
+                          <m:ctrlPr>
+                            <a:rPr lang="en-US" sz="3600" b="0" i="1" smtClean="0">
+                              <a:latin typeface="Cambria Math" panose="02040503050406030204" pitchFamily="18" charset="0"/>
+                            </a:rPr>
+                          </m:ctrlPr>
+                        </m:sSubPr>
+                        <m:e>
+                          <m:r>
+                            <a:rPr lang="en-US" sz="3600" b="0" i="1" smtClean="0">
+                              <a:latin typeface="Cambria Math" panose="02040503050406030204" pitchFamily="18" charset="0"/>
+                            </a:rPr>
+                            <m:t>𝜇</m:t>
+                          </m:r>
+                        </m:e>
+                        <m:sub>
+                          <m:r>
+                            <a:rPr lang="en-US" sz="3600" b="0" i="1" smtClean="0">
+                              <a:latin typeface="Cambria Math" panose="02040503050406030204" pitchFamily="18" charset="0"/>
+                            </a:rPr>
+                            <m:t>2</m:t>
+                          </m:r>
+                        </m:sub>
+                      </m:sSub>
+                      <m:r>
+                        <a:rPr lang="en-US" sz="3600" b="0" i="1" smtClean="0">
+                          <a:latin typeface="Cambria Math" panose="02040503050406030204" pitchFamily="18" charset="0"/>
+                        </a:rPr>
+                        <m:t>=</m:t>
+                      </m:r>
+                      <m:r>
+                        <a:rPr lang="en-US" sz="3600" b="0" i="1" smtClean="0">
+                          <a:latin typeface="Cambria Math" panose="02040503050406030204" pitchFamily="18" charset="0"/>
+                        </a:rPr>
+                        <m:t>𝑀𝑒𝑎𝑛</m:t>
+                      </m:r>
+                      <m:r>
+                        <a:rPr lang="en-US" sz="3600" b="0" i="1" smtClean="0">
+                          <a:latin typeface="Cambria Math" panose="02040503050406030204" pitchFamily="18" charset="0"/>
+                        </a:rPr>
+                        <m:t> </m:t>
+                      </m:r>
+                      <m:r>
+                        <a:rPr lang="en-US" sz="3600" b="0" i="1" smtClean="0">
+                          <a:latin typeface="Cambria Math" panose="02040503050406030204" pitchFamily="18" charset="0"/>
+                        </a:rPr>
+                        <m:t>𝑃𝑟𝑖𝑐𝑒</m:t>
+                      </m:r>
+                      <m:r>
+                        <a:rPr lang="en-US" sz="3600" b="0" i="1" smtClean="0">
+                          <a:latin typeface="Cambria Math" panose="02040503050406030204" pitchFamily="18" charset="0"/>
+                        </a:rPr>
+                        <m:t> </m:t>
+                      </m:r>
+                      <m:r>
+                        <a:rPr lang="en-US" sz="3600" b="0" i="1" smtClean="0">
+                          <a:latin typeface="Cambria Math" panose="02040503050406030204" pitchFamily="18" charset="0"/>
+                        </a:rPr>
+                        <m:t>𝑓𝑜𝑟</m:t>
+                      </m:r>
+                      <m:r>
+                        <a:rPr lang="en-US" sz="3600" b="0" i="1" smtClean="0">
+                          <a:latin typeface="Cambria Math" panose="02040503050406030204" pitchFamily="18" charset="0"/>
+                        </a:rPr>
+                        <m:t> </m:t>
+                      </m:r>
+                      <m:r>
+                        <a:rPr lang="en-US" sz="3600" b="0" i="1" smtClean="0">
+                          <a:latin typeface="Cambria Math" panose="02040503050406030204" pitchFamily="18" charset="0"/>
+                        </a:rPr>
+                        <m:t>𝑀𝑎𝑟𝑣𝑒𝑙</m:t>
+                      </m:r>
+                    </m:oMath>
+                  </m:oMathPara>
+                </a14:m>
+                <a:endParaRPr lang="en-US" sz="3600" b="0" dirty="0"/>
+              </a:p>
+            </p:txBody>
+          </p:sp>
+        </mc:Choice>
+        <mc:Fallback xmlns="">
+          <p:sp>
+            <p:nvSpPr>
+              <p:cNvPr id="8" name="TextBox 7">
+                <a:extLst>
+                  <a:ext uri="{FF2B5EF4-FFF2-40B4-BE49-F238E27FC236}">
+                    <a16:creationId xmlns:a16="http://schemas.microsoft.com/office/drawing/2014/main" id="{0D6D8EB2-DD94-6CD9-80A7-CE5543CEE82E}"/>
+                  </a:ext>
+                </a:extLst>
+              </p:cNvPr>
+              <p:cNvSpPr txBox="1">
+                <a:spLocks noRot="1" noChangeAspect="1" noMove="1" noResize="1" noEditPoints="1" noAdjustHandles="1" noChangeArrowheads="1" noChangeShapeType="1" noTextEdit="1"/>
+              </p:cNvSpPr>
+              <p:nvPr/>
+            </p:nvSpPr>
+            <p:spPr>
+              <a:xfrm>
+                <a:off x="1447800" y="4689449"/>
+                <a:ext cx="9296400" cy="1200329"/>
+              </a:xfrm>
+              <a:prstGeom prst="rect">
+                <a:avLst/>
+              </a:prstGeom>
+              <a:blipFill>
+                <a:blip r:embed="rId5"/>
+                <a:stretch>
+                  <a:fillRect/>
+                </a:stretch>
+              </a:blipFill>
+            </p:spPr>
+            <p:txBody>
+              <a:bodyPr/>
+              <a:lstStyle/>
+              <a:p>
+                <a:r>
+                  <a:rPr lang="en-US">
+                    <a:noFill/>
+                  </a:rPr>
+                  <a:t> </a:t>
+                </a:r>
+              </a:p>
+            </p:txBody>
+          </p:sp>
+        </mc:Fallback>
+      </mc:AlternateContent>
     </p:spTree>
     <p:extLst>
       <p:ext uri="{BB962C8B-B14F-4D97-AF65-F5344CB8AC3E}">
-        <p14:creationId xmlns:p14="http://schemas.microsoft.com/office/powerpoint/2010/main" val="371418788"/>
+        <p14:creationId xmlns:p14="http://schemas.microsoft.com/office/powerpoint/2010/main" val="3957379277"/>
       </p:ext>
     </p:extLst>
   </p:cSld>
@@ -6884,21 +7098,13 @@
           <a:p>
             <a:pPr algn="ctr"/>
             <a:r>
-              <a:rPr lang="en-US" sz="4800" b="1" dirty="0">
+              <a:rPr lang="en-US" sz="4800" dirty="0">
                 <a:solidFill>
                   <a:srgbClr val="2D3A37"/>
                 </a:solidFill>
-                <a:effectLst/>
-                <a:latin typeface="Adobe Devanagari" panose="02040503050201020203" pitchFamily="18" charset="0"/>
-                <a:cs typeface="Adobe Devanagari" panose="02040503050201020203" pitchFamily="18" charset="0"/>
               </a:rPr>
-              <a:t>Preview of Dataset</a:t>
-            </a:r>
-            <a:endParaRPr lang="en-US" sz="4800" dirty="0">
-              <a:solidFill>
-                <a:srgbClr val="2D3A37"/>
-              </a:solidFill>
-            </a:endParaRPr>
+              <a:t>Two-Sample t-Test for Difference in Means</a:t>
+            </a:r>
           </a:p>
         </p:txBody>
       </p:sp>
@@ -6917,7 +7123,7 @@
         <p:spPr>
           <a:xfrm>
             <a:off x="495300" y="1977074"/>
-            <a:ext cx="11201400" cy="3915966"/>
+            <a:ext cx="11201400" cy="4869418"/>
           </a:xfrm>
           <a:prstGeom prst="roundRect">
             <a:avLst/>
@@ -6951,16 +7157,24 @@
           </a:bodyPr>
           <a:lstStyle/>
           <a:p>
+            <a:pPr marL="457200" indent="-457200">
+              <a:buFont typeface="Arial" panose="020B0604020202020204" pitchFamily="34" charset="0"/>
+              <a:buChar char="•"/>
+            </a:pPr>
             <a:r>
               <a:rPr lang="en-US" sz="2800" dirty="0">
                 <a:solidFill>
                   <a:srgbClr val="660066"/>
                 </a:solidFill>
               </a:rPr>
-              <a:t>Can we find all the variable types in this dataset?</a:t>
-            </a:r>
-          </a:p>
-          <a:p>
+              <a:t>Hypotheses (Non-directional)</a:t>
+            </a:r>
+          </a:p>
+          <a:p>
+            <a:pPr marL="457200" indent="-457200">
+              <a:buFont typeface="Arial" panose="020B0604020202020204" pitchFamily="34" charset="0"/>
+              <a:buChar char="•"/>
+            </a:pPr>
             <a:endParaRPr lang="en-US" sz="2800" dirty="0">
               <a:solidFill>
                 <a:srgbClr val="660066"/>
@@ -6968,6 +7182,10 @@
             </a:endParaRPr>
           </a:p>
           <a:p>
+            <a:pPr marL="457200" indent="-457200">
+              <a:buFont typeface="Arial" panose="020B0604020202020204" pitchFamily="34" charset="0"/>
+              <a:buChar char="•"/>
+            </a:pPr>
             <a:endParaRPr lang="en-US" sz="2800" dirty="0">
               <a:solidFill>
                 <a:srgbClr val="660066"/>
@@ -6990,6 +7208,17 @@
               <a:buFont typeface="Arial" panose="020B0604020202020204" pitchFamily="34" charset="0"/>
               <a:buChar char="•"/>
             </a:pPr>
+            <a:r>
+              <a:rPr lang="en-US" sz="2800" dirty="0">
+                <a:solidFill>
+                  <a:srgbClr val="660066"/>
+                </a:solidFill>
+              </a:rPr>
+              <a:t>Test Statistic</a:t>
+            </a:r>
+          </a:p>
+          <a:p>
+            <a:pPr lvl="1"/>
             <a:endParaRPr lang="en-US" sz="2800" dirty="0">
               <a:solidFill>
                 <a:srgbClr val="660066"/>
@@ -6997,10 +7226,7 @@
             </a:endParaRPr>
           </a:p>
           <a:p>
-            <a:pPr marL="685800" indent="-685800">
-              <a:buFont typeface="Arial" panose="020B0604020202020204" pitchFamily="34" charset="0"/>
-              <a:buChar char="•"/>
-            </a:pPr>
+            <a:pPr lvl="1"/>
             <a:endParaRPr lang="en-US" sz="2800" dirty="0">
               <a:solidFill>
                 <a:srgbClr val="660066"/>
@@ -7008,6 +7234,7 @@
             </a:endParaRPr>
           </a:p>
           <a:p>
+            <a:pPr lvl="1"/>
             <a:endParaRPr lang="en-US" sz="2800" dirty="0">
               <a:solidFill>
                 <a:srgbClr val="660066"/>
@@ -7015,53 +7242,687 @@
             </a:endParaRPr>
           </a:p>
           <a:p>
+            <a:pPr lvl="1"/>
             <a:endParaRPr lang="en-US" sz="2800" dirty="0">
               <a:solidFill>
                 <a:srgbClr val="660066"/>
               </a:solidFill>
             </a:endParaRPr>
           </a:p>
+          <a:p>
+            <a:pPr lvl="1"/>
+            <a:endParaRPr lang="en-US" sz="2800" dirty="0">
+              <a:solidFill>
+                <a:srgbClr val="660066"/>
+              </a:solidFill>
+            </a:endParaRPr>
+          </a:p>
         </p:txBody>
       </p:sp>
-      <p:pic>
-        <p:nvPicPr>
-          <p:cNvPr id="4" name="Picture 3">
-            <a:extLst>
-              <a:ext uri="{FF2B5EF4-FFF2-40B4-BE49-F238E27FC236}">
-                <a16:creationId xmlns:a16="http://schemas.microsoft.com/office/drawing/2014/main" id="{C3CBCD0F-55A4-5DC7-3C02-910BA14700F3}"/>
-              </a:ext>
-            </a:extLst>
-          </p:cNvPr>
-          <p:cNvPicPr>
-            <a:picLocks noChangeAspect="1"/>
-          </p:cNvPicPr>
-          <p:nvPr/>
-        </p:nvPicPr>
-        <p:blipFill>
-          <a:blip r:embed="rId3"/>
-          <a:stretch>
-            <a:fillRect/>
-          </a:stretch>
-        </p:blipFill>
-        <p:spPr>
-          <a:xfrm>
-            <a:off x="756780" y="2979947"/>
-            <a:ext cx="10678440" cy="2386946"/>
-          </a:xfrm>
-          <a:prstGeom prst="rect">
-            <a:avLst/>
-          </a:prstGeom>
-          <a:ln w="28575">
-            <a:solidFill>
-              <a:srgbClr val="660066"/>
-            </a:solidFill>
-          </a:ln>
-        </p:spPr>
-      </p:pic>
+      <mc:AlternateContent xmlns:mc="http://schemas.openxmlformats.org/markup-compatibility/2006" xmlns:a14="http://schemas.microsoft.com/office/drawing/2010/main">
+        <mc:Choice Requires="a14">
+          <p:sp>
+            <p:nvSpPr>
+              <p:cNvPr id="5" name="TextBox 4">
+                <a:extLst>
+                  <a:ext uri="{FF2B5EF4-FFF2-40B4-BE49-F238E27FC236}">
+                    <a16:creationId xmlns:a16="http://schemas.microsoft.com/office/drawing/2014/main" id="{C8AF29F2-0C72-410F-47E3-F02F82A76BC2}"/>
+                  </a:ext>
+                </a:extLst>
+              </p:cNvPr>
+              <p:cNvSpPr txBox="1"/>
+              <p:nvPr/>
+            </p:nvSpPr>
+            <p:spPr>
+              <a:xfrm>
+                <a:off x="1447800" y="2667000"/>
+                <a:ext cx="9296400" cy="1200329"/>
+              </a:xfrm>
+              <a:prstGeom prst="rect">
+                <a:avLst/>
+              </a:prstGeom>
+              <a:noFill/>
+            </p:spPr>
+            <p:txBody>
+              <a:bodyPr wrap="square" rtlCol="0">
+                <a:spAutoFit/>
+              </a:bodyPr>
+              <a:lstStyle/>
+              <a:p>
+                <a:pPr/>
+                <a14:m>
+                  <m:oMathPara xmlns:m="http://schemas.openxmlformats.org/officeDocument/2006/math">
+                    <m:oMathParaPr>
+                      <m:jc m:val="centerGroup"/>
+                    </m:oMathParaPr>
+                    <m:oMath xmlns:m="http://schemas.openxmlformats.org/officeDocument/2006/math">
+                      <m:sSub>
+                        <m:sSubPr>
+                          <m:ctrlPr>
+                            <a:rPr lang="en-US" sz="3600" b="0" i="1" smtClean="0">
+                              <a:latin typeface="Cambria Math" panose="02040503050406030204" pitchFamily="18" charset="0"/>
+                            </a:rPr>
+                          </m:ctrlPr>
+                        </m:sSubPr>
+                        <m:e>
+                          <m:sSub>
+                            <m:sSubPr>
+                              <m:ctrlPr>
+                                <a:rPr lang="en-US" sz="3600" b="0" i="1" smtClean="0">
+                                  <a:latin typeface="Cambria Math" panose="02040503050406030204" pitchFamily="18" charset="0"/>
+                                </a:rPr>
+                              </m:ctrlPr>
+                            </m:sSubPr>
+                            <m:e>
+                              <m:r>
+                                <a:rPr lang="en-US" sz="3600" b="0" i="1" smtClean="0">
+                                  <a:latin typeface="Cambria Math" panose="02040503050406030204" pitchFamily="18" charset="0"/>
+                                </a:rPr>
+                                <m:t>𝐻</m:t>
+                              </m:r>
+                            </m:e>
+                            <m:sub>
+                              <m:r>
+                                <a:rPr lang="en-US" sz="3600" b="0" i="1" smtClean="0">
+                                  <a:latin typeface="Cambria Math" panose="02040503050406030204" pitchFamily="18" charset="0"/>
+                                </a:rPr>
+                                <m:t>0</m:t>
+                              </m:r>
+                            </m:sub>
+                          </m:sSub>
+                          <m:r>
+                            <a:rPr lang="en-US" sz="3600" b="0" i="1" smtClean="0">
+                              <a:latin typeface="Cambria Math" panose="02040503050406030204" pitchFamily="18" charset="0"/>
+                            </a:rPr>
+                            <m:t>:</m:t>
+                          </m:r>
+                          <m:r>
+                            <a:rPr lang="en-US" sz="3600" b="0" i="1" smtClean="0">
+                              <a:latin typeface="Cambria Math" panose="02040503050406030204" pitchFamily="18" charset="0"/>
+                            </a:rPr>
+                            <m:t>𝜇</m:t>
+                          </m:r>
+                        </m:e>
+                        <m:sub>
+                          <m:r>
+                            <a:rPr lang="en-US" sz="3600" b="0" i="1" smtClean="0">
+                              <a:latin typeface="Cambria Math" panose="02040503050406030204" pitchFamily="18" charset="0"/>
+                            </a:rPr>
+                            <m:t>1</m:t>
+                          </m:r>
+                        </m:sub>
+                      </m:sSub>
+                      <m:r>
+                        <a:rPr lang="en-US" sz="3600" b="0" i="1" smtClean="0">
+                          <a:latin typeface="Cambria Math" panose="02040503050406030204" pitchFamily="18" charset="0"/>
+                        </a:rPr>
+                        <m:t>=</m:t>
+                      </m:r>
+                      <m:sSub>
+                        <m:sSubPr>
+                          <m:ctrlPr>
+                            <a:rPr lang="en-US" sz="3600" b="0" i="1" smtClean="0">
+                              <a:latin typeface="Cambria Math" panose="02040503050406030204" pitchFamily="18" charset="0"/>
+                            </a:rPr>
+                          </m:ctrlPr>
+                        </m:sSubPr>
+                        <m:e>
+                          <m:r>
+                            <a:rPr lang="en-US" sz="3600" b="0" i="1" smtClean="0">
+                              <a:latin typeface="Cambria Math" panose="02040503050406030204" pitchFamily="18" charset="0"/>
+                            </a:rPr>
+                            <m:t>𝜇</m:t>
+                          </m:r>
+                        </m:e>
+                        <m:sub>
+                          <m:r>
+                            <a:rPr lang="en-US" sz="3600" b="0" i="1" smtClean="0">
+                              <a:latin typeface="Cambria Math" panose="02040503050406030204" pitchFamily="18" charset="0"/>
+                            </a:rPr>
+                            <m:t>2</m:t>
+                          </m:r>
+                        </m:sub>
+                      </m:sSub>
+                    </m:oMath>
+                  </m:oMathPara>
+                </a14:m>
+                <a:endParaRPr lang="en-US" sz="3600" i="1" dirty="0">
+                  <a:latin typeface="Cambria Math" panose="02040503050406030204" pitchFamily="18" charset="0"/>
+                </a:endParaRPr>
+              </a:p>
+              <a:p>
+                <a:pPr/>
+                <a14:m>
+                  <m:oMathPara xmlns:m="http://schemas.openxmlformats.org/officeDocument/2006/math">
+                    <m:oMathParaPr>
+                      <m:jc m:val="centerGroup"/>
+                    </m:oMathParaPr>
+                    <m:oMath xmlns:m="http://schemas.openxmlformats.org/officeDocument/2006/math">
+                      <m:sSub>
+                        <m:sSubPr>
+                          <m:ctrlPr>
+                            <a:rPr lang="en-US" sz="3600" b="0" i="1" smtClean="0">
+                              <a:latin typeface="Cambria Math" panose="02040503050406030204" pitchFamily="18" charset="0"/>
+                            </a:rPr>
+                          </m:ctrlPr>
+                        </m:sSubPr>
+                        <m:e>
+                          <m:sSub>
+                            <m:sSubPr>
+                              <m:ctrlPr>
+                                <a:rPr lang="en-US" sz="3600" b="0" i="1" smtClean="0">
+                                  <a:latin typeface="Cambria Math" panose="02040503050406030204" pitchFamily="18" charset="0"/>
+                                </a:rPr>
+                              </m:ctrlPr>
+                            </m:sSubPr>
+                            <m:e>
+                              <m:r>
+                                <a:rPr lang="en-US" sz="3600" b="0" i="1" smtClean="0">
+                                  <a:latin typeface="Cambria Math" panose="02040503050406030204" pitchFamily="18" charset="0"/>
+                                </a:rPr>
+                                <m:t>𝐻</m:t>
+                              </m:r>
+                            </m:e>
+                            <m:sub>
+                              <m:r>
+                                <a:rPr lang="en-US" sz="3600" b="0" i="1" smtClean="0">
+                                  <a:latin typeface="Cambria Math" panose="02040503050406030204" pitchFamily="18" charset="0"/>
+                                </a:rPr>
+                                <m:t>𝑎</m:t>
+                              </m:r>
+                            </m:sub>
+                          </m:sSub>
+                          <m:r>
+                            <a:rPr lang="en-US" sz="3600" b="0" i="1" smtClean="0">
+                              <a:latin typeface="Cambria Math" panose="02040503050406030204" pitchFamily="18" charset="0"/>
+                            </a:rPr>
+                            <m:t>:</m:t>
+                          </m:r>
+                          <m:r>
+                            <a:rPr lang="en-US" sz="3600" b="0" i="1" smtClean="0">
+                              <a:latin typeface="Cambria Math" panose="02040503050406030204" pitchFamily="18" charset="0"/>
+                            </a:rPr>
+                            <m:t>𝜇</m:t>
+                          </m:r>
+                        </m:e>
+                        <m:sub>
+                          <m:r>
+                            <a:rPr lang="en-US" sz="3600" b="0" i="1" smtClean="0">
+                              <a:latin typeface="Cambria Math" panose="02040503050406030204" pitchFamily="18" charset="0"/>
+                            </a:rPr>
+                            <m:t>1</m:t>
+                          </m:r>
+                        </m:sub>
+                      </m:sSub>
+                      <m:r>
+                        <a:rPr lang="en-US" sz="3600" b="0" i="1" smtClean="0">
+                          <a:latin typeface="Cambria Math" panose="02040503050406030204" pitchFamily="18" charset="0"/>
+                        </a:rPr>
+                        <m:t>≠</m:t>
+                      </m:r>
+                      <m:sSub>
+                        <m:sSubPr>
+                          <m:ctrlPr>
+                            <a:rPr lang="en-US" sz="3600" b="0" i="1" smtClean="0">
+                              <a:latin typeface="Cambria Math" panose="02040503050406030204" pitchFamily="18" charset="0"/>
+                            </a:rPr>
+                          </m:ctrlPr>
+                        </m:sSubPr>
+                        <m:e>
+                          <m:r>
+                            <a:rPr lang="en-US" sz="3600" b="0" i="1" smtClean="0">
+                              <a:latin typeface="Cambria Math" panose="02040503050406030204" pitchFamily="18" charset="0"/>
+                            </a:rPr>
+                            <m:t>𝜇</m:t>
+                          </m:r>
+                        </m:e>
+                        <m:sub>
+                          <m:r>
+                            <a:rPr lang="en-US" sz="3600" b="0" i="1" smtClean="0">
+                              <a:latin typeface="Cambria Math" panose="02040503050406030204" pitchFamily="18" charset="0"/>
+                            </a:rPr>
+                            <m:t>2</m:t>
+                          </m:r>
+                        </m:sub>
+                      </m:sSub>
+                    </m:oMath>
+                  </m:oMathPara>
+                </a14:m>
+                <a:endParaRPr lang="en-US" sz="3600" i="1" dirty="0">
+                  <a:latin typeface="Cambria Math" panose="02040503050406030204" pitchFamily="18" charset="0"/>
+                </a:endParaRPr>
+              </a:p>
+            </p:txBody>
+          </p:sp>
+        </mc:Choice>
+        <mc:Fallback xmlns="">
+          <p:sp>
+            <p:nvSpPr>
+              <p:cNvPr id="5" name="TextBox 4">
+                <a:extLst>
+                  <a:ext uri="{FF2B5EF4-FFF2-40B4-BE49-F238E27FC236}">
+                    <a16:creationId xmlns:a16="http://schemas.microsoft.com/office/drawing/2014/main" id="{C8AF29F2-0C72-410F-47E3-F02F82A76BC2}"/>
+                  </a:ext>
+                </a:extLst>
+              </p:cNvPr>
+              <p:cNvSpPr txBox="1">
+                <a:spLocks noRot="1" noChangeAspect="1" noMove="1" noResize="1" noEditPoints="1" noAdjustHandles="1" noChangeArrowheads="1" noChangeShapeType="1" noTextEdit="1"/>
+              </p:cNvSpPr>
+              <p:nvPr/>
+            </p:nvSpPr>
+            <p:spPr>
+              <a:xfrm>
+                <a:off x="1447800" y="2667000"/>
+                <a:ext cx="9296400" cy="1200329"/>
+              </a:xfrm>
+              <a:prstGeom prst="rect">
+                <a:avLst/>
+              </a:prstGeom>
+              <a:blipFill>
+                <a:blip r:embed="rId3"/>
+                <a:stretch>
+                  <a:fillRect/>
+                </a:stretch>
+              </a:blipFill>
+            </p:spPr>
+            <p:txBody>
+              <a:bodyPr/>
+              <a:lstStyle/>
+              <a:p>
+                <a:r>
+                  <a:rPr lang="en-US">
+                    <a:noFill/>
+                  </a:rPr>
+                  <a:t> </a:t>
+                </a:r>
+              </a:p>
+            </p:txBody>
+          </p:sp>
+        </mc:Fallback>
+      </mc:AlternateContent>
+      <mc:AlternateContent xmlns:mc="http://schemas.openxmlformats.org/markup-compatibility/2006" xmlns:a14="http://schemas.microsoft.com/office/drawing/2010/main">
+        <mc:Choice Requires="a14">
+          <p:sp>
+            <p:nvSpPr>
+              <p:cNvPr id="9" name="TextBox 8">
+                <a:extLst>
+                  <a:ext uri="{FF2B5EF4-FFF2-40B4-BE49-F238E27FC236}">
+                    <a16:creationId xmlns:a16="http://schemas.microsoft.com/office/drawing/2014/main" id="{757356A9-9201-90ED-F38C-1CE85868D882}"/>
+                  </a:ext>
+                </a:extLst>
+              </p:cNvPr>
+              <p:cNvSpPr txBox="1"/>
+              <p:nvPr/>
+            </p:nvSpPr>
+            <p:spPr>
+              <a:xfrm>
+                <a:off x="1143000" y="4411783"/>
+                <a:ext cx="9296400" cy="1804533"/>
+              </a:xfrm>
+              <a:prstGeom prst="rect">
+                <a:avLst/>
+              </a:prstGeom>
+              <a:noFill/>
+            </p:spPr>
+            <p:txBody>
+              <a:bodyPr wrap="square" rtlCol="0">
+                <a:spAutoFit/>
+              </a:bodyPr>
+              <a:lstStyle/>
+              <a:p>
+                <a:pPr/>
+                <a14:m>
+                  <m:oMathPara xmlns:m="http://schemas.openxmlformats.org/officeDocument/2006/math">
+                    <m:oMathParaPr>
+                      <m:jc m:val="centerGroup"/>
+                    </m:oMathParaPr>
+                    <m:oMath xmlns:m="http://schemas.openxmlformats.org/officeDocument/2006/math">
+                      <m:sSup>
+                        <m:sSupPr>
+                          <m:ctrlPr>
+                            <a:rPr lang="en-US" sz="3600" b="0" i="1" smtClean="0">
+                              <a:latin typeface="Cambria Math" panose="02040503050406030204" pitchFamily="18" charset="0"/>
+                            </a:rPr>
+                          </m:ctrlPr>
+                        </m:sSupPr>
+                        <m:e>
+                          <m:r>
+                            <a:rPr lang="en-US" sz="3600" b="0" i="1" smtClean="0">
+                              <a:latin typeface="Cambria Math" panose="02040503050406030204" pitchFamily="18" charset="0"/>
+                            </a:rPr>
+                            <m:t>𝑡</m:t>
+                          </m:r>
+                        </m:e>
+                        <m:sup>
+                          <m:r>
+                            <a:rPr lang="en-US" sz="3600" b="0" i="1" smtClean="0">
+                              <a:latin typeface="Cambria Math" panose="02040503050406030204" pitchFamily="18" charset="0"/>
+                            </a:rPr>
+                            <m:t>∗</m:t>
+                          </m:r>
+                        </m:sup>
+                      </m:sSup>
+                      <m:r>
+                        <a:rPr lang="en-US" sz="3600" b="0" i="1" smtClean="0">
+                          <a:latin typeface="Cambria Math" panose="02040503050406030204" pitchFamily="18" charset="0"/>
+                        </a:rPr>
+                        <m:t>=</m:t>
+                      </m:r>
+                      <m:f>
+                        <m:fPr>
+                          <m:ctrlPr>
+                            <a:rPr lang="en-US" sz="3600" b="0" i="1" smtClean="0">
+                              <a:latin typeface="Cambria Math" panose="02040503050406030204" pitchFamily="18" charset="0"/>
+                            </a:rPr>
+                          </m:ctrlPr>
+                        </m:fPr>
+                        <m:num>
+                          <m:acc>
+                            <m:accPr>
+                              <m:chr m:val="̅"/>
+                              <m:ctrlPr>
+                                <a:rPr lang="en-US" sz="3600" b="0" i="1" smtClean="0">
+                                  <a:latin typeface="Cambria Math" panose="02040503050406030204" pitchFamily="18" charset="0"/>
+                                </a:rPr>
+                              </m:ctrlPr>
+                            </m:accPr>
+                            <m:e>
+                              <m:sSub>
+                                <m:sSubPr>
+                                  <m:ctrlPr>
+                                    <a:rPr lang="en-US" sz="3600" b="0" i="1" smtClean="0">
+                                      <a:latin typeface="Cambria Math" panose="02040503050406030204" pitchFamily="18" charset="0"/>
+                                    </a:rPr>
+                                  </m:ctrlPr>
+                                </m:sSubPr>
+                                <m:e>
+                                  <m:r>
+                                    <a:rPr lang="en-US" sz="3600" b="0" i="1" smtClean="0">
+                                      <a:latin typeface="Cambria Math" panose="02040503050406030204" pitchFamily="18" charset="0"/>
+                                    </a:rPr>
+                                    <m:t>𝑥</m:t>
+                                  </m:r>
+                                </m:e>
+                                <m:sub>
+                                  <m:r>
+                                    <a:rPr lang="en-US" sz="3600" b="0" i="1" smtClean="0">
+                                      <a:latin typeface="Cambria Math" panose="02040503050406030204" pitchFamily="18" charset="0"/>
+                                    </a:rPr>
+                                    <m:t>1</m:t>
+                                  </m:r>
+                                </m:sub>
+                              </m:sSub>
+                            </m:e>
+                          </m:acc>
+                          <m:r>
+                            <a:rPr lang="en-US" sz="3600" b="0" i="1" smtClean="0">
+                              <a:latin typeface="Cambria Math" panose="02040503050406030204" pitchFamily="18" charset="0"/>
+                            </a:rPr>
+                            <m:t>−</m:t>
+                          </m:r>
+                          <m:acc>
+                            <m:accPr>
+                              <m:chr m:val="̅"/>
+                              <m:ctrlPr>
+                                <a:rPr lang="en-US" sz="3600" b="0" i="1" smtClean="0">
+                                  <a:latin typeface="Cambria Math" panose="02040503050406030204" pitchFamily="18" charset="0"/>
+                                </a:rPr>
+                              </m:ctrlPr>
+                            </m:accPr>
+                            <m:e>
+                              <m:sSub>
+                                <m:sSubPr>
+                                  <m:ctrlPr>
+                                    <a:rPr lang="en-US" sz="3600" b="0" i="1" smtClean="0">
+                                      <a:latin typeface="Cambria Math" panose="02040503050406030204" pitchFamily="18" charset="0"/>
+                                    </a:rPr>
+                                  </m:ctrlPr>
+                                </m:sSubPr>
+                                <m:e>
+                                  <m:r>
+                                    <a:rPr lang="en-US" sz="3600" b="0" i="1" smtClean="0">
+                                      <a:latin typeface="Cambria Math" panose="02040503050406030204" pitchFamily="18" charset="0"/>
+                                    </a:rPr>
+                                    <m:t>𝑥</m:t>
+                                  </m:r>
+                                </m:e>
+                                <m:sub>
+                                  <m:r>
+                                    <a:rPr lang="en-US" sz="3600" b="0" i="1" smtClean="0">
+                                      <a:latin typeface="Cambria Math" panose="02040503050406030204" pitchFamily="18" charset="0"/>
+                                    </a:rPr>
+                                    <m:t>2</m:t>
+                                  </m:r>
+                                </m:sub>
+                              </m:sSub>
+                            </m:e>
+                          </m:acc>
+                        </m:num>
+                        <m:den>
+                          <m:rad>
+                            <m:radPr>
+                              <m:degHide m:val="on"/>
+                              <m:ctrlPr>
+                                <a:rPr lang="en-US" sz="3600" b="0" i="1" smtClean="0">
+                                  <a:latin typeface="Cambria Math" panose="02040503050406030204" pitchFamily="18" charset="0"/>
+                                </a:rPr>
+                              </m:ctrlPr>
+                            </m:radPr>
+                            <m:deg/>
+                            <m:e>
+                              <m:f>
+                                <m:fPr>
+                                  <m:type m:val="skw"/>
+                                  <m:ctrlPr>
+                                    <a:rPr lang="en-US" sz="3600" b="0" i="1" smtClean="0">
+                                      <a:latin typeface="Cambria Math" panose="02040503050406030204" pitchFamily="18" charset="0"/>
+                                    </a:rPr>
+                                  </m:ctrlPr>
+                                </m:fPr>
+                                <m:num>
+                                  <m:sSubSup>
+                                    <m:sSubSupPr>
+                                      <m:ctrlPr>
+                                        <a:rPr lang="en-US" sz="3600" b="0" i="1" smtClean="0">
+                                          <a:latin typeface="Cambria Math" panose="02040503050406030204" pitchFamily="18" charset="0"/>
+                                        </a:rPr>
+                                      </m:ctrlPr>
+                                    </m:sSubSupPr>
+                                    <m:e>
+                                      <m:r>
+                                        <a:rPr lang="en-US" sz="3600" b="0" i="1" smtClean="0">
+                                          <a:latin typeface="Cambria Math" panose="02040503050406030204" pitchFamily="18" charset="0"/>
+                                        </a:rPr>
+                                        <m:t>𝑠</m:t>
+                                      </m:r>
+                                    </m:e>
+                                    <m:sub>
+                                      <m:r>
+                                        <a:rPr lang="en-US" sz="3600" b="0" i="1" smtClean="0">
+                                          <a:latin typeface="Cambria Math" panose="02040503050406030204" pitchFamily="18" charset="0"/>
+                                        </a:rPr>
+                                        <m:t>1</m:t>
+                                      </m:r>
+                                    </m:sub>
+                                    <m:sup>
+                                      <m:r>
+                                        <a:rPr lang="en-US" sz="3600" b="0" i="1" smtClean="0">
+                                          <a:latin typeface="Cambria Math" panose="02040503050406030204" pitchFamily="18" charset="0"/>
+                                        </a:rPr>
+                                        <m:t>2</m:t>
+                                      </m:r>
+                                    </m:sup>
+                                  </m:sSubSup>
+                                </m:num>
+                                <m:den>
+                                  <m:sSub>
+                                    <m:sSubPr>
+                                      <m:ctrlPr>
+                                        <a:rPr lang="en-US" sz="3600" b="0" i="1" smtClean="0">
+                                          <a:latin typeface="Cambria Math" panose="02040503050406030204" pitchFamily="18" charset="0"/>
+                                        </a:rPr>
+                                      </m:ctrlPr>
+                                    </m:sSubPr>
+                                    <m:e>
+                                      <m:r>
+                                        <a:rPr lang="en-US" sz="3600" b="0" i="1" smtClean="0">
+                                          <a:latin typeface="Cambria Math" panose="02040503050406030204" pitchFamily="18" charset="0"/>
+                                        </a:rPr>
+                                        <m:t>𝑛</m:t>
+                                      </m:r>
+                                    </m:e>
+                                    <m:sub>
+                                      <m:r>
+                                        <a:rPr lang="en-US" sz="3600" b="0" i="1" smtClean="0">
+                                          <a:latin typeface="Cambria Math" panose="02040503050406030204" pitchFamily="18" charset="0"/>
+                                        </a:rPr>
+                                        <m:t>1</m:t>
+                                      </m:r>
+                                    </m:sub>
+                                  </m:sSub>
+                                </m:den>
+                              </m:f>
+                              <m:r>
+                                <a:rPr lang="en-US" sz="3600" b="0" i="1" smtClean="0">
+                                  <a:latin typeface="Cambria Math" panose="02040503050406030204" pitchFamily="18" charset="0"/>
+                                </a:rPr>
+                                <m:t>+</m:t>
+                              </m:r>
+                              <m:f>
+                                <m:fPr>
+                                  <m:type m:val="skw"/>
+                                  <m:ctrlPr>
+                                    <a:rPr lang="en-US" sz="3600" b="0" i="1" smtClean="0">
+                                      <a:latin typeface="Cambria Math" panose="02040503050406030204" pitchFamily="18" charset="0"/>
+                                    </a:rPr>
+                                  </m:ctrlPr>
+                                </m:fPr>
+                                <m:num>
+                                  <m:sSubSup>
+                                    <m:sSubSupPr>
+                                      <m:ctrlPr>
+                                        <a:rPr lang="en-US" sz="3600" b="0" i="1" smtClean="0">
+                                          <a:latin typeface="Cambria Math" panose="02040503050406030204" pitchFamily="18" charset="0"/>
+                                        </a:rPr>
+                                      </m:ctrlPr>
+                                    </m:sSubSupPr>
+                                    <m:e>
+                                      <m:r>
+                                        <a:rPr lang="en-US" sz="3600" b="0" i="1" smtClean="0">
+                                          <a:latin typeface="Cambria Math" panose="02040503050406030204" pitchFamily="18" charset="0"/>
+                                        </a:rPr>
+                                        <m:t>𝑠</m:t>
+                                      </m:r>
+                                    </m:e>
+                                    <m:sub>
+                                      <m:r>
+                                        <a:rPr lang="en-US" sz="3600" b="0" i="1" smtClean="0">
+                                          <a:latin typeface="Cambria Math" panose="02040503050406030204" pitchFamily="18" charset="0"/>
+                                        </a:rPr>
+                                        <m:t>2</m:t>
+                                      </m:r>
+                                    </m:sub>
+                                    <m:sup>
+                                      <m:r>
+                                        <a:rPr lang="en-US" sz="3600" b="0" i="1" smtClean="0">
+                                          <a:latin typeface="Cambria Math" panose="02040503050406030204" pitchFamily="18" charset="0"/>
+                                        </a:rPr>
+                                        <m:t>2</m:t>
+                                      </m:r>
+                                    </m:sup>
+                                  </m:sSubSup>
+                                </m:num>
+                                <m:den>
+                                  <m:sSub>
+                                    <m:sSubPr>
+                                      <m:ctrlPr>
+                                        <a:rPr lang="en-US" sz="3600" b="0" i="1" smtClean="0">
+                                          <a:latin typeface="Cambria Math" panose="02040503050406030204" pitchFamily="18" charset="0"/>
+                                        </a:rPr>
+                                      </m:ctrlPr>
+                                    </m:sSubPr>
+                                    <m:e>
+                                      <m:r>
+                                        <a:rPr lang="en-US" sz="3600" b="0" i="1" smtClean="0">
+                                          <a:latin typeface="Cambria Math" panose="02040503050406030204" pitchFamily="18" charset="0"/>
+                                        </a:rPr>
+                                        <m:t>𝑛</m:t>
+                                      </m:r>
+                                    </m:e>
+                                    <m:sub>
+                                      <m:r>
+                                        <a:rPr lang="en-US" sz="3600" b="0" i="1" smtClean="0">
+                                          <a:latin typeface="Cambria Math" panose="02040503050406030204" pitchFamily="18" charset="0"/>
+                                        </a:rPr>
+                                        <m:t>2</m:t>
+                                      </m:r>
+                                    </m:sub>
+                                  </m:sSub>
+                                </m:den>
+                              </m:f>
+                            </m:e>
+                          </m:rad>
+                        </m:den>
+                      </m:f>
+                    </m:oMath>
+                  </m:oMathPara>
+                </a14:m>
+                <a:endParaRPr lang="en-US" sz="3600" b="0" i="1" dirty="0">
+                  <a:latin typeface="Cambria Math" panose="02040503050406030204" pitchFamily="18" charset="0"/>
+                </a:endParaRPr>
+              </a:p>
+            </p:txBody>
+          </p:sp>
+        </mc:Choice>
+        <mc:Fallback xmlns="">
+          <p:sp>
+            <p:nvSpPr>
+              <p:cNvPr id="9" name="TextBox 8">
+                <a:extLst>
+                  <a:ext uri="{FF2B5EF4-FFF2-40B4-BE49-F238E27FC236}">
+                    <a16:creationId xmlns:a16="http://schemas.microsoft.com/office/drawing/2014/main" id="{757356A9-9201-90ED-F38C-1CE85868D882}"/>
+                  </a:ext>
+                </a:extLst>
+              </p:cNvPr>
+              <p:cNvSpPr txBox="1">
+                <a:spLocks noRot="1" noChangeAspect="1" noMove="1" noResize="1" noEditPoints="1" noAdjustHandles="1" noChangeArrowheads="1" noChangeShapeType="1" noTextEdit="1"/>
+              </p:cNvSpPr>
+              <p:nvPr/>
+            </p:nvSpPr>
+            <p:spPr>
+              <a:xfrm>
+                <a:off x="1143000" y="4411783"/>
+                <a:ext cx="9296400" cy="1804533"/>
+              </a:xfrm>
+              <a:prstGeom prst="rect">
+                <a:avLst/>
+              </a:prstGeom>
+              <a:blipFill>
+                <a:blip r:embed="rId4"/>
+                <a:stretch>
+                  <a:fillRect/>
+                </a:stretch>
+              </a:blipFill>
+            </p:spPr>
+            <p:txBody>
+              <a:bodyPr/>
+              <a:lstStyle/>
+              <a:p>
+                <a:r>
+                  <a:rPr lang="en-US">
+                    <a:noFill/>
+                  </a:rPr>
+                  <a:t> </a:t>
+                </a:r>
+              </a:p>
+            </p:txBody>
+          </p:sp>
+        </mc:Fallback>
+      </mc:AlternateContent>
     </p:spTree>
     <p:extLst>
       <p:ext uri="{BB962C8B-B14F-4D97-AF65-F5344CB8AC3E}">
-        <p14:creationId xmlns:p14="http://schemas.microsoft.com/office/powerpoint/2010/main" val="1440189049"/>
+        <p14:creationId xmlns:p14="http://schemas.microsoft.com/office/powerpoint/2010/main" val="1550396271"/>
       </p:ext>
     </p:extLst>
   </p:cSld>
@@ -7230,20 +8091,13 @@
           <a:p>
             <a:pPr algn="ctr"/>
             <a:r>
-              <a:rPr lang="en-US" sz="4800" b="1" dirty="0">
+              <a:rPr lang="en-US" sz="4800" dirty="0">
                 <a:solidFill>
                   <a:srgbClr val="2D3A37"/>
                 </a:solidFill>
-                <a:latin typeface="Adobe Devanagari" panose="02040503050201020203" pitchFamily="18" charset="0"/>
-                <a:cs typeface="Adobe Devanagari" panose="02040503050201020203" pitchFamily="18" charset="0"/>
               </a:rPr>
-              <a:t>Example of Variable Types Using LEGO</a:t>
-            </a:r>
-            <a:endParaRPr lang="en-US" sz="4800" dirty="0">
-              <a:solidFill>
-                <a:srgbClr val="2D3A37"/>
-              </a:solidFill>
-            </a:endParaRPr>
+              <a:t>Two-Sample t-Test for Difference in Means</a:t>
+            </a:r>
           </a:p>
         </p:txBody>
       </p:sp>
@@ -7262,7 +8116,7 @@
         <p:spPr>
           <a:xfrm>
             <a:off x="495300" y="1977074"/>
-            <a:ext cx="11201400" cy="3439239"/>
+            <a:ext cx="11201400" cy="4869418"/>
           </a:xfrm>
           <a:prstGeom prst="roundRect">
             <a:avLst/>
@@ -7296,6 +8150,24 @@
           </a:bodyPr>
           <a:lstStyle/>
           <a:p>
+            <a:pPr marL="457200" indent="-457200">
+              <a:buFont typeface="Arial" panose="020B0604020202020204" pitchFamily="34" charset="0"/>
+              <a:buChar char="•"/>
+            </a:pPr>
+            <a:r>
+              <a:rPr lang="en-US" sz="2800" dirty="0">
+                <a:solidFill>
+                  <a:srgbClr val="660066"/>
+                </a:solidFill>
+              </a:rPr>
+              <a:t>Calculate P-Value Using t-Distribution</a:t>
+            </a:r>
+          </a:p>
+          <a:p>
+            <a:pPr marL="457200" indent="-457200">
+              <a:buFont typeface="Arial" panose="020B0604020202020204" pitchFamily="34" charset="0"/>
+              <a:buChar char="•"/>
+            </a:pPr>
             <a:endParaRPr lang="en-US" sz="2800" dirty="0">
               <a:solidFill>
                 <a:srgbClr val="660066"/>
@@ -7303,6 +8175,10 @@
             </a:endParaRPr>
           </a:p>
           <a:p>
+            <a:pPr marL="457200" indent="-457200">
+              <a:buFont typeface="Arial" panose="020B0604020202020204" pitchFamily="34" charset="0"/>
+              <a:buChar char="•"/>
+            </a:pPr>
             <a:endParaRPr lang="en-US" sz="2800" dirty="0">
               <a:solidFill>
                 <a:srgbClr val="660066"/>
@@ -7310,6 +8186,10 @@
             </a:endParaRPr>
           </a:p>
           <a:p>
+            <a:pPr marL="457200" indent="-457200">
+              <a:buFont typeface="Arial" panose="020B0604020202020204" pitchFamily="34" charset="0"/>
+              <a:buChar char="•"/>
+            </a:pPr>
             <a:endParaRPr lang="en-US" sz="2800" dirty="0">
               <a:solidFill>
                 <a:srgbClr val="660066"/>
@@ -7317,6 +8197,10 @@
             </a:endParaRPr>
           </a:p>
           <a:p>
+            <a:pPr marL="457200" indent="-457200">
+              <a:buFont typeface="Arial" panose="020B0604020202020204" pitchFamily="34" charset="0"/>
+              <a:buChar char="•"/>
+            </a:pPr>
             <a:endParaRPr lang="en-US" sz="2800" dirty="0">
               <a:solidFill>
                 <a:srgbClr val="660066"/>
@@ -7324,6 +8208,52 @@
             </a:endParaRPr>
           </a:p>
           <a:p>
+            <a:pPr marL="457200" indent="-457200">
+              <a:buFont typeface="Arial" panose="020B0604020202020204" pitchFamily="34" charset="0"/>
+              <a:buChar char="•"/>
+            </a:pPr>
+            <a:r>
+              <a:rPr lang="en-US" sz="2800" dirty="0">
+                <a:solidFill>
+                  <a:srgbClr val="660066"/>
+                </a:solidFill>
+              </a:rPr>
+              <a:t>Make Decision</a:t>
+            </a:r>
+          </a:p>
+          <a:p>
+            <a:pPr marL="914400" lvl="1" indent="-457200">
+              <a:buFont typeface="Arial" panose="020B0604020202020204" pitchFamily="34" charset="0"/>
+              <a:buChar char="•"/>
+            </a:pPr>
+            <a:r>
+              <a:rPr lang="en-US" sz="2800" dirty="0">
+                <a:solidFill>
+                  <a:srgbClr val="660066"/>
+                </a:solidFill>
+              </a:rPr>
+              <a:t>P-value &lt; 0.05, then Reject Null and Accept Alternative</a:t>
+            </a:r>
+          </a:p>
+          <a:p>
+            <a:pPr marL="914400" lvl="1" indent="-457200">
+              <a:buFont typeface="Arial" panose="020B0604020202020204" pitchFamily="34" charset="0"/>
+              <a:buChar char="•"/>
+            </a:pPr>
+            <a:r>
+              <a:rPr lang="en-US" sz="2800" dirty="0">
+                <a:solidFill>
+                  <a:srgbClr val="660066"/>
+                </a:solidFill>
+              </a:rPr>
+              <a:t>P-value &gt; 0.05, then Fail to Reject the Null</a:t>
+            </a:r>
+          </a:p>
+          <a:p>
+            <a:pPr marL="914400" lvl="1" indent="-457200">
+              <a:buFont typeface="Arial" panose="020B0604020202020204" pitchFamily="34" charset="0"/>
+              <a:buChar char="•"/>
+            </a:pPr>
             <a:endParaRPr lang="en-US" sz="2800" dirty="0">
               <a:solidFill>
                 <a:srgbClr val="660066"/>
@@ -7331,135 +8261,959 @@
             </a:endParaRPr>
           </a:p>
           <a:p>
-            <a:endParaRPr lang="en-US" sz="2800" dirty="0">
-              <a:solidFill>
-                <a:srgbClr val="660066"/>
-              </a:solidFill>
-            </a:endParaRPr>
-          </a:p>
-          <a:p>
-            <a:endParaRPr lang="en-US" sz="2800" dirty="0">
-              <a:solidFill>
-                <a:srgbClr val="660066"/>
-              </a:solidFill>
-            </a:endParaRPr>
+            <a:pPr marL="457200" indent="-457200">
+              <a:buFont typeface="Arial" panose="020B0604020202020204" pitchFamily="34" charset="0"/>
+              <a:buChar char="•"/>
+            </a:pPr>
+            <a:r>
+              <a:rPr lang="en-US" sz="2800" dirty="0">
+                <a:solidFill>
+                  <a:srgbClr val="660066"/>
+                </a:solidFill>
+              </a:rPr>
+              <a:t>Interpret Results in the Context of the Problem/Data</a:t>
+            </a:r>
           </a:p>
         </p:txBody>
       </p:sp>
-      <p:sp>
-        <p:nvSpPr>
-          <p:cNvPr id="3" name="TextBox 2">
+      <mc:AlternateContent xmlns:mc="http://schemas.openxmlformats.org/markup-compatibility/2006" xmlns:a14="http://schemas.microsoft.com/office/drawing/2010/main">
+        <mc:Choice Requires="a14">
+          <p:sp>
+            <p:nvSpPr>
+              <p:cNvPr id="3" name="TextBox 2">
+                <a:extLst>
+                  <a:ext uri="{FF2B5EF4-FFF2-40B4-BE49-F238E27FC236}">
+                    <a16:creationId xmlns:a16="http://schemas.microsoft.com/office/drawing/2014/main" id="{5FE8B89F-23F6-5A5E-6EF5-AC3FB9A59ABA}"/>
+                  </a:ext>
+                </a:extLst>
+              </p:cNvPr>
+              <p:cNvSpPr txBox="1"/>
+              <p:nvPr/>
+            </p:nvSpPr>
+            <p:spPr>
+              <a:xfrm>
+                <a:off x="990600" y="3138640"/>
+                <a:ext cx="2857500" cy="646331"/>
+              </a:xfrm>
+              <a:prstGeom prst="rect">
+                <a:avLst/>
+              </a:prstGeom>
+              <a:noFill/>
+            </p:spPr>
+            <p:txBody>
+              <a:bodyPr wrap="square" rtlCol="0">
+                <a:spAutoFit/>
+              </a:bodyPr>
+              <a:lstStyle/>
+              <a:p>
+                <a:pPr/>
+                <a14:m>
+                  <m:oMathPara xmlns:m="http://schemas.openxmlformats.org/officeDocument/2006/math">
+                    <m:oMathParaPr>
+                      <m:jc m:val="centerGroup"/>
+                    </m:oMathParaPr>
+                    <m:oMath xmlns:m="http://schemas.openxmlformats.org/officeDocument/2006/math">
+                      <m:sSup>
+                        <m:sSupPr>
+                          <m:ctrlPr>
+                            <a:rPr lang="en-US" sz="3600" b="0" i="1" smtClean="0">
+                              <a:latin typeface="Cambria Math" panose="02040503050406030204" pitchFamily="18" charset="0"/>
+                            </a:rPr>
+                          </m:ctrlPr>
+                        </m:sSupPr>
+                        <m:e>
+                          <m:r>
+                            <a:rPr lang="en-US" sz="3600" b="0" i="1" smtClean="0">
+                              <a:latin typeface="Cambria Math" panose="02040503050406030204" pitchFamily="18" charset="0"/>
+                            </a:rPr>
+                            <m:t>𝑡</m:t>
+                          </m:r>
+                        </m:e>
+                        <m:sup>
+                          <m:r>
+                            <a:rPr lang="en-US" sz="3600" b="0" i="1" smtClean="0">
+                              <a:latin typeface="Cambria Math" panose="02040503050406030204" pitchFamily="18" charset="0"/>
+                            </a:rPr>
+                            <m:t>∗</m:t>
+                          </m:r>
+                        </m:sup>
+                      </m:sSup>
+                      <m:r>
+                        <a:rPr lang="en-US" sz="3600" b="0" i="1" smtClean="0">
+                          <a:latin typeface="Cambria Math" panose="02040503050406030204" pitchFamily="18" charset="0"/>
+                        </a:rPr>
+                        <m:t>~</m:t>
+                      </m:r>
+                      <m:r>
+                        <a:rPr lang="en-US" sz="3600" b="0" i="1" smtClean="0">
+                          <a:latin typeface="Cambria Math" panose="02040503050406030204" pitchFamily="18" charset="0"/>
+                        </a:rPr>
+                        <m:t>𝑡</m:t>
+                      </m:r>
+                      <m:r>
+                        <a:rPr lang="en-US" sz="3600" b="0" i="1" smtClean="0">
+                          <a:latin typeface="Cambria Math" panose="02040503050406030204" pitchFamily="18" charset="0"/>
+                        </a:rPr>
+                        <m:t>(</m:t>
+                      </m:r>
+                      <m:r>
+                        <m:rPr>
+                          <m:sty m:val="p"/>
+                        </m:rPr>
+                        <a:rPr lang="en-US" sz="3600" b="0" i="0" smtClean="0">
+                          <a:latin typeface="Cambria Math" panose="02040503050406030204" pitchFamily="18" charset="0"/>
+                        </a:rPr>
+                        <m:t>Δ</m:t>
+                      </m:r>
+                      <m:r>
+                        <a:rPr lang="en-US" sz="3600" b="0" i="1" smtClean="0">
+                          <a:latin typeface="Cambria Math" panose="02040503050406030204" pitchFamily="18" charset="0"/>
+                        </a:rPr>
+                        <m:t>𝑑𝑓</m:t>
+                      </m:r>
+                      <m:r>
+                        <a:rPr lang="en-US" sz="3600" b="0" i="1" smtClean="0">
+                          <a:latin typeface="Cambria Math" panose="02040503050406030204" pitchFamily="18" charset="0"/>
+                        </a:rPr>
+                        <m:t>)</m:t>
+                      </m:r>
+                    </m:oMath>
+                  </m:oMathPara>
+                </a14:m>
+                <a:endParaRPr lang="en-US" sz="3600" b="0" i="1" dirty="0">
+                  <a:latin typeface="Cambria Math" panose="02040503050406030204" pitchFamily="18" charset="0"/>
+                </a:endParaRPr>
+              </a:p>
+            </p:txBody>
+          </p:sp>
+        </mc:Choice>
+        <mc:Fallback xmlns="">
+          <p:sp>
+            <p:nvSpPr>
+              <p:cNvPr id="3" name="TextBox 2">
+                <a:extLst>
+                  <a:ext uri="{FF2B5EF4-FFF2-40B4-BE49-F238E27FC236}">
+                    <a16:creationId xmlns:a16="http://schemas.microsoft.com/office/drawing/2014/main" id="{5FE8B89F-23F6-5A5E-6EF5-AC3FB9A59ABA}"/>
+                  </a:ext>
+                </a:extLst>
+              </p:cNvPr>
+              <p:cNvSpPr txBox="1">
+                <a:spLocks noRot="1" noChangeAspect="1" noMove="1" noResize="1" noEditPoints="1" noAdjustHandles="1" noChangeArrowheads="1" noChangeShapeType="1" noTextEdit="1"/>
+              </p:cNvSpPr>
+              <p:nvPr/>
+            </p:nvSpPr>
+            <p:spPr>
+              <a:xfrm>
+                <a:off x="990600" y="3138640"/>
+                <a:ext cx="2857500" cy="646331"/>
+              </a:xfrm>
+              <a:prstGeom prst="rect">
+                <a:avLst/>
+              </a:prstGeom>
+              <a:blipFill>
+                <a:blip r:embed="rId3"/>
+                <a:stretch>
+                  <a:fillRect/>
+                </a:stretch>
+              </a:blipFill>
+            </p:spPr>
+            <p:txBody>
+              <a:bodyPr/>
+              <a:lstStyle/>
+              <a:p>
+                <a:r>
+                  <a:rPr lang="en-US">
+                    <a:noFill/>
+                  </a:rPr>
+                  <a:t> </a:t>
+                </a:r>
+              </a:p>
+            </p:txBody>
+          </p:sp>
+        </mc:Fallback>
+      </mc:AlternateContent>
+      <mc:AlternateContent xmlns:mc="http://schemas.openxmlformats.org/markup-compatibility/2006" xmlns:a14="http://schemas.microsoft.com/office/drawing/2010/main">
+        <mc:Choice Requires="a14">
+          <p:sp>
+            <p:nvSpPr>
+              <p:cNvPr id="4" name="TextBox 3">
+                <a:extLst>
+                  <a:ext uri="{FF2B5EF4-FFF2-40B4-BE49-F238E27FC236}">
+                    <a16:creationId xmlns:a16="http://schemas.microsoft.com/office/drawing/2014/main" id="{32CD833D-E8D4-6A0C-9533-ACE2FBB46CE2}"/>
+                  </a:ext>
+                </a:extLst>
+              </p:cNvPr>
+              <p:cNvSpPr txBox="1"/>
+              <p:nvPr/>
+            </p:nvSpPr>
+            <p:spPr>
+              <a:xfrm>
+                <a:off x="3738562" y="2743200"/>
+                <a:ext cx="3200400" cy="1914242"/>
+              </a:xfrm>
+              <a:prstGeom prst="rect">
+                <a:avLst/>
+              </a:prstGeom>
+              <a:noFill/>
+            </p:spPr>
+            <p:txBody>
+              <a:bodyPr wrap="square" rtlCol="0">
+                <a:spAutoFit/>
+              </a:bodyPr>
+              <a:lstStyle/>
+              <a:p>
+                <a:pPr/>
+                <a14:m>
+                  <m:oMathPara xmlns:m="http://schemas.openxmlformats.org/officeDocument/2006/math">
+                    <m:oMathParaPr>
+                      <m:jc m:val="centerGroup"/>
+                    </m:oMathParaPr>
+                    <m:oMath xmlns:m="http://schemas.openxmlformats.org/officeDocument/2006/math">
+                      <m:r>
+                        <m:rPr>
+                          <m:sty m:val="p"/>
+                        </m:rPr>
+                        <a:rPr lang="en-US" sz="2000" b="0" i="0" smtClean="0">
+                          <a:latin typeface="Cambria Math" panose="02040503050406030204" pitchFamily="18" charset="0"/>
+                        </a:rPr>
+                        <m:t>Δ</m:t>
+                      </m:r>
+                      <m:r>
+                        <a:rPr lang="en-US" sz="2000" b="0" i="1" smtClean="0">
+                          <a:latin typeface="Cambria Math" panose="02040503050406030204" pitchFamily="18" charset="0"/>
+                        </a:rPr>
+                        <m:t>=</m:t>
+                      </m:r>
+                      <m:f>
+                        <m:fPr>
+                          <m:ctrlPr>
+                            <a:rPr lang="en-US" sz="2000" b="0" i="1" smtClean="0">
+                              <a:latin typeface="Cambria Math" panose="02040503050406030204" pitchFamily="18" charset="0"/>
+                            </a:rPr>
+                          </m:ctrlPr>
+                        </m:fPr>
+                        <m:num>
+                          <m:sSup>
+                            <m:sSupPr>
+                              <m:ctrlPr>
+                                <a:rPr lang="en-US" sz="2000" b="0" i="1" smtClean="0">
+                                  <a:latin typeface="Cambria Math" panose="02040503050406030204" pitchFamily="18" charset="0"/>
+                                </a:rPr>
+                              </m:ctrlPr>
+                            </m:sSupPr>
+                            <m:e>
+                              <m:d>
+                                <m:dPr>
+                                  <m:begChr m:val="["/>
+                                  <m:endChr m:val="]"/>
+                                  <m:ctrlPr>
+                                    <a:rPr lang="en-US" sz="2000" b="0" i="1" smtClean="0">
+                                      <a:latin typeface="Cambria Math" panose="02040503050406030204" pitchFamily="18" charset="0"/>
+                                    </a:rPr>
+                                  </m:ctrlPr>
+                                </m:dPr>
+                                <m:e>
+                                  <m:f>
+                                    <m:fPr>
+                                      <m:type m:val="skw"/>
+                                      <m:ctrlPr>
+                                        <a:rPr lang="en-US" sz="2000" i="1">
+                                          <a:latin typeface="Cambria Math" panose="02040503050406030204" pitchFamily="18" charset="0"/>
+                                        </a:rPr>
+                                      </m:ctrlPr>
+                                    </m:fPr>
+                                    <m:num>
+                                      <m:sSubSup>
+                                        <m:sSubSupPr>
+                                          <m:ctrlPr>
+                                            <a:rPr lang="en-US" sz="2000" i="1">
+                                              <a:latin typeface="Cambria Math" panose="02040503050406030204" pitchFamily="18" charset="0"/>
+                                            </a:rPr>
+                                          </m:ctrlPr>
+                                        </m:sSubSupPr>
+                                        <m:e>
+                                          <m:r>
+                                            <a:rPr lang="en-US" sz="2000" i="1">
+                                              <a:latin typeface="Cambria Math" panose="02040503050406030204" pitchFamily="18" charset="0"/>
+                                            </a:rPr>
+                                            <m:t>𝑠</m:t>
+                                          </m:r>
+                                        </m:e>
+                                        <m:sub>
+                                          <m:r>
+                                            <a:rPr lang="en-US" sz="2000" i="1">
+                                              <a:latin typeface="Cambria Math" panose="02040503050406030204" pitchFamily="18" charset="0"/>
+                                            </a:rPr>
+                                            <m:t>1</m:t>
+                                          </m:r>
+                                        </m:sub>
+                                        <m:sup>
+                                          <m:r>
+                                            <a:rPr lang="en-US" sz="2000" i="1">
+                                              <a:latin typeface="Cambria Math" panose="02040503050406030204" pitchFamily="18" charset="0"/>
+                                            </a:rPr>
+                                            <m:t>2</m:t>
+                                          </m:r>
+                                        </m:sup>
+                                      </m:sSubSup>
+                                    </m:num>
+                                    <m:den>
+                                      <m:sSub>
+                                        <m:sSubPr>
+                                          <m:ctrlPr>
+                                            <a:rPr lang="en-US" sz="2000" i="1">
+                                              <a:latin typeface="Cambria Math" panose="02040503050406030204" pitchFamily="18" charset="0"/>
+                                            </a:rPr>
+                                          </m:ctrlPr>
+                                        </m:sSubPr>
+                                        <m:e>
+                                          <m:r>
+                                            <a:rPr lang="en-US" sz="2000" i="1">
+                                              <a:latin typeface="Cambria Math" panose="02040503050406030204" pitchFamily="18" charset="0"/>
+                                            </a:rPr>
+                                            <m:t>𝑛</m:t>
+                                          </m:r>
+                                        </m:e>
+                                        <m:sub>
+                                          <m:r>
+                                            <a:rPr lang="en-US" sz="2000" i="1">
+                                              <a:latin typeface="Cambria Math" panose="02040503050406030204" pitchFamily="18" charset="0"/>
+                                            </a:rPr>
+                                            <m:t>1</m:t>
+                                          </m:r>
+                                        </m:sub>
+                                      </m:sSub>
+                                    </m:den>
+                                  </m:f>
+                                  <m:r>
+                                    <a:rPr lang="en-US" sz="2000" i="1">
+                                      <a:latin typeface="Cambria Math" panose="02040503050406030204" pitchFamily="18" charset="0"/>
+                                    </a:rPr>
+                                    <m:t>+</m:t>
+                                  </m:r>
+                                  <m:f>
+                                    <m:fPr>
+                                      <m:type m:val="skw"/>
+                                      <m:ctrlPr>
+                                        <a:rPr lang="en-US" sz="2000" i="1">
+                                          <a:latin typeface="Cambria Math" panose="02040503050406030204" pitchFamily="18" charset="0"/>
+                                        </a:rPr>
+                                      </m:ctrlPr>
+                                    </m:fPr>
+                                    <m:num>
+                                      <m:sSubSup>
+                                        <m:sSubSupPr>
+                                          <m:ctrlPr>
+                                            <a:rPr lang="en-US" sz="2000" i="1">
+                                              <a:latin typeface="Cambria Math" panose="02040503050406030204" pitchFamily="18" charset="0"/>
+                                            </a:rPr>
+                                          </m:ctrlPr>
+                                        </m:sSubSupPr>
+                                        <m:e>
+                                          <m:r>
+                                            <a:rPr lang="en-US" sz="2000" i="1">
+                                              <a:latin typeface="Cambria Math" panose="02040503050406030204" pitchFamily="18" charset="0"/>
+                                            </a:rPr>
+                                            <m:t>𝑠</m:t>
+                                          </m:r>
+                                        </m:e>
+                                        <m:sub>
+                                          <m:r>
+                                            <a:rPr lang="en-US" sz="2000" i="1">
+                                              <a:latin typeface="Cambria Math" panose="02040503050406030204" pitchFamily="18" charset="0"/>
+                                            </a:rPr>
+                                            <m:t>2</m:t>
+                                          </m:r>
+                                        </m:sub>
+                                        <m:sup>
+                                          <m:r>
+                                            <a:rPr lang="en-US" sz="2000" i="1">
+                                              <a:latin typeface="Cambria Math" panose="02040503050406030204" pitchFamily="18" charset="0"/>
+                                            </a:rPr>
+                                            <m:t>2</m:t>
+                                          </m:r>
+                                        </m:sup>
+                                      </m:sSubSup>
+                                    </m:num>
+                                    <m:den>
+                                      <m:sSub>
+                                        <m:sSubPr>
+                                          <m:ctrlPr>
+                                            <a:rPr lang="en-US" sz="2000" i="1">
+                                              <a:latin typeface="Cambria Math" panose="02040503050406030204" pitchFamily="18" charset="0"/>
+                                            </a:rPr>
+                                          </m:ctrlPr>
+                                        </m:sSubPr>
+                                        <m:e>
+                                          <m:r>
+                                            <a:rPr lang="en-US" sz="2000" i="1">
+                                              <a:latin typeface="Cambria Math" panose="02040503050406030204" pitchFamily="18" charset="0"/>
+                                            </a:rPr>
+                                            <m:t>𝑛</m:t>
+                                          </m:r>
+                                        </m:e>
+                                        <m:sub>
+                                          <m:r>
+                                            <a:rPr lang="en-US" sz="2000" i="1">
+                                              <a:latin typeface="Cambria Math" panose="02040503050406030204" pitchFamily="18" charset="0"/>
+                                            </a:rPr>
+                                            <m:t>2</m:t>
+                                          </m:r>
+                                        </m:sub>
+                                      </m:sSub>
+                                    </m:den>
+                                  </m:f>
+                                </m:e>
+                              </m:d>
+                            </m:e>
+                            <m:sup>
+                              <m:r>
+                                <a:rPr lang="en-US" sz="2000" b="0" i="1" smtClean="0">
+                                  <a:latin typeface="Cambria Math" panose="02040503050406030204" pitchFamily="18" charset="0"/>
+                                </a:rPr>
+                                <m:t>2</m:t>
+                              </m:r>
+                            </m:sup>
+                          </m:sSup>
+                        </m:num>
+                        <m:den>
+                          <m:f>
+                            <m:fPr>
+                              <m:ctrlPr>
+                                <a:rPr lang="en-US" sz="2000" b="0" i="1" smtClean="0">
+                                  <a:latin typeface="Cambria Math" panose="02040503050406030204" pitchFamily="18" charset="0"/>
+                                </a:rPr>
+                              </m:ctrlPr>
+                            </m:fPr>
+                            <m:num>
+                              <m:sSup>
+                                <m:sSupPr>
+                                  <m:ctrlPr>
+                                    <a:rPr lang="en-US" sz="2000" b="0" i="1" smtClean="0">
+                                      <a:latin typeface="Cambria Math" panose="02040503050406030204" pitchFamily="18" charset="0"/>
+                                    </a:rPr>
+                                  </m:ctrlPr>
+                                </m:sSupPr>
+                                <m:e>
+                                  <m:d>
+                                    <m:dPr>
+                                      <m:ctrlPr>
+                                        <a:rPr lang="en-US" sz="2000" b="0" i="1" smtClean="0">
+                                          <a:latin typeface="Cambria Math" panose="02040503050406030204" pitchFamily="18" charset="0"/>
+                                        </a:rPr>
+                                      </m:ctrlPr>
+                                    </m:dPr>
+                                    <m:e>
+                                      <m:f>
+                                        <m:fPr>
+                                          <m:type m:val="skw"/>
+                                          <m:ctrlPr>
+                                            <a:rPr lang="en-US" sz="2000" i="1">
+                                              <a:latin typeface="Cambria Math" panose="02040503050406030204" pitchFamily="18" charset="0"/>
+                                            </a:rPr>
+                                          </m:ctrlPr>
+                                        </m:fPr>
+                                        <m:num>
+                                          <m:sSubSup>
+                                            <m:sSubSupPr>
+                                              <m:ctrlPr>
+                                                <a:rPr lang="en-US" sz="2000" i="1">
+                                                  <a:latin typeface="Cambria Math" panose="02040503050406030204" pitchFamily="18" charset="0"/>
+                                                </a:rPr>
+                                              </m:ctrlPr>
+                                            </m:sSubSupPr>
+                                            <m:e>
+                                              <m:r>
+                                                <a:rPr lang="en-US" sz="2000" i="1">
+                                                  <a:latin typeface="Cambria Math" panose="02040503050406030204" pitchFamily="18" charset="0"/>
+                                                </a:rPr>
+                                                <m:t>𝑠</m:t>
+                                              </m:r>
+                                            </m:e>
+                                            <m:sub>
+                                              <m:r>
+                                                <a:rPr lang="en-US" sz="2000" i="1">
+                                                  <a:latin typeface="Cambria Math" panose="02040503050406030204" pitchFamily="18" charset="0"/>
+                                                </a:rPr>
+                                                <m:t>1</m:t>
+                                              </m:r>
+                                            </m:sub>
+                                            <m:sup>
+                                              <m:r>
+                                                <a:rPr lang="en-US" sz="2000" i="1">
+                                                  <a:latin typeface="Cambria Math" panose="02040503050406030204" pitchFamily="18" charset="0"/>
+                                                </a:rPr>
+                                                <m:t>2</m:t>
+                                              </m:r>
+                                            </m:sup>
+                                          </m:sSubSup>
+                                        </m:num>
+                                        <m:den>
+                                          <m:sSub>
+                                            <m:sSubPr>
+                                              <m:ctrlPr>
+                                                <a:rPr lang="en-US" sz="2000" i="1">
+                                                  <a:latin typeface="Cambria Math" panose="02040503050406030204" pitchFamily="18" charset="0"/>
+                                                </a:rPr>
+                                              </m:ctrlPr>
+                                            </m:sSubPr>
+                                            <m:e>
+                                              <m:r>
+                                                <a:rPr lang="en-US" sz="2000" i="1">
+                                                  <a:latin typeface="Cambria Math" panose="02040503050406030204" pitchFamily="18" charset="0"/>
+                                                </a:rPr>
+                                                <m:t>𝑛</m:t>
+                                              </m:r>
+                                            </m:e>
+                                            <m:sub>
+                                              <m:r>
+                                                <a:rPr lang="en-US" sz="2000" i="1">
+                                                  <a:latin typeface="Cambria Math" panose="02040503050406030204" pitchFamily="18" charset="0"/>
+                                                </a:rPr>
+                                                <m:t>1</m:t>
+                                              </m:r>
+                                            </m:sub>
+                                          </m:sSub>
+                                        </m:den>
+                                      </m:f>
+                                    </m:e>
+                                  </m:d>
+                                </m:e>
+                                <m:sup>
+                                  <m:r>
+                                    <a:rPr lang="en-US" sz="2000" b="0" i="1" smtClean="0">
+                                      <a:latin typeface="Cambria Math" panose="02040503050406030204" pitchFamily="18" charset="0"/>
+                                    </a:rPr>
+                                    <m:t>2</m:t>
+                                  </m:r>
+                                </m:sup>
+                              </m:sSup>
+                            </m:num>
+                            <m:den>
+                              <m:sSub>
+                                <m:sSubPr>
+                                  <m:ctrlPr>
+                                    <a:rPr lang="en-US" sz="2000" b="0" i="1" smtClean="0">
+                                      <a:latin typeface="Cambria Math" panose="02040503050406030204" pitchFamily="18" charset="0"/>
+                                    </a:rPr>
+                                  </m:ctrlPr>
+                                </m:sSubPr>
+                                <m:e>
+                                  <m:r>
+                                    <a:rPr lang="en-US" sz="2000" b="0" i="1" smtClean="0">
+                                      <a:latin typeface="Cambria Math" panose="02040503050406030204" pitchFamily="18" charset="0"/>
+                                    </a:rPr>
+                                    <m:t>𝑛</m:t>
+                                  </m:r>
+                                </m:e>
+                                <m:sub>
+                                  <m:r>
+                                    <a:rPr lang="en-US" sz="2000" b="0" i="1" smtClean="0">
+                                      <a:latin typeface="Cambria Math" panose="02040503050406030204" pitchFamily="18" charset="0"/>
+                                    </a:rPr>
+                                    <m:t>1</m:t>
+                                  </m:r>
+                                </m:sub>
+                              </m:sSub>
+                              <m:r>
+                                <a:rPr lang="en-US" sz="2000" b="0" i="1" smtClean="0">
+                                  <a:latin typeface="Cambria Math" panose="02040503050406030204" pitchFamily="18" charset="0"/>
+                                </a:rPr>
+                                <m:t>−1</m:t>
+                              </m:r>
+                            </m:den>
+                          </m:f>
+                          <m:r>
+                            <a:rPr lang="en-US" sz="2000" b="0" i="1" smtClean="0">
+                              <a:latin typeface="Cambria Math" panose="02040503050406030204" pitchFamily="18" charset="0"/>
+                            </a:rPr>
+                            <m:t>+</m:t>
+                          </m:r>
+                          <m:f>
+                            <m:fPr>
+                              <m:ctrlPr>
+                                <a:rPr lang="en-US" sz="2000" b="0" i="1" smtClean="0">
+                                  <a:latin typeface="Cambria Math" panose="02040503050406030204" pitchFamily="18" charset="0"/>
+                                </a:rPr>
+                              </m:ctrlPr>
+                            </m:fPr>
+                            <m:num>
+                              <m:sSup>
+                                <m:sSupPr>
+                                  <m:ctrlPr>
+                                    <a:rPr lang="en-US" sz="2000" b="0" i="1" smtClean="0">
+                                      <a:latin typeface="Cambria Math" panose="02040503050406030204" pitchFamily="18" charset="0"/>
+                                    </a:rPr>
+                                  </m:ctrlPr>
+                                </m:sSupPr>
+                                <m:e>
+                                  <m:d>
+                                    <m:dPr>
+                                      <m:ctrlPr>
+                                        <a:rPr lang="en-US" sz="2000" b="0" i="1" smtClean="0">
+                                          <a:latin typeface="Cambria Math" panose="02040503050406030204" pitchFamily="18" charset="0"/>
+                                        </a:rPr>
+                                      </m:ctrlPr>
+                                    </m:dPr>
+                                    <m:e>
+                                      <m:f>
+                                        <m:fPr>
+                                          <m:type m:val="skw"/>
+                                          <m:ctrlPr>
+                                            <a:rPr lang="en-US" sz="2000" i="1">
+                                              <a:latin typeface="Cambria Math" panose="02040503050406030204" pitchFamily="18" charset="0"/>
+                                            </a:rPr>
+                                          </m:ctrlPr>
+                                        </m:fPr>
+                                        <m:num>
+                                          <m:sSubSup>
+                                            <m:sSubSupPr>
+                                              <m:ctrlPr>
+                                                <a:rPr lang="en-US" sz="2000" i="1">
+                                                  <a:latin typeface="Cambria Math" panose="02040503050406030204" pitchFamily="18" charset="0"/>
+                                                </a:rPr>
+                                              </m:ctrlPr>
+                                            </m:sSubSupPr>
+                                            <m:e>
+                                              <m:r>
+                                                <a:rPr lang="en-US" sz="2000" i="1">
+                                                  <a:latin typeface="Cambria Math" panose="02040503050406030204" pitchFamily="18" charset="0"/>
+                                                </a:rPr>
+                                                <m:t>𝑠</m:t>
+                                              </m:r>
+                                            </m:e>
+                                            <m:sub>
+                                              <m:r>
+                                                <a:rPr lang="en-US" sz="2000" i="1">
+                                                  <a:latin typeface="Cambria Math" panose="02040503050406030204" pitchFamily="18" charset="0"/>
+                                                </a:rPr>
+                                                <m:t>2</m:t>
+                                              </m:r>
+                                            </m:sub>
+                                            <m:sup>
+                                              <m:r>
+                                                <a:rPr lang="en-US" sz="2000" i="1">
+                                                  <a:latin typeface="Cambria Math" panose="02040503050406030204" pitchFamily="18" charset="0"/>
+                                                </a:rPr>
+                                                <m:t>2</m:t>
+                                              </m:r>
+                                            </m:sup>
+                                          </m:sSubSup>
+                                        </m:num>
+                                        <m:den>
+                                          <m:sSub>
+                                            <m:sSubPr>
+                                              <m:ctrlPr>
+                                                <a:rPr lang="en-US" sz="2000" i="1">
+                                                  <a:latin typeface="Cambria Math" panose="02040503050406030204" pitchFamily="18" charset="0"/>
+                                                </a:rPr>
+                                              </m:ctrlPr>
+                                            </m:sSubPr>
+                                            <m:e>
+                                              <m:r>
+                                                <a:rPr lang="en-US" sz="2000" i="1">
+                                                  <a:latin typeface="Cambria Math" panose="02040503050406030204" pitchFamily="18" charset="0"/>
+                                                </a:rPr>
+                                                <m:t>𝑛</m:t>
+                                              </m:r>
+                                            </m:e>
+                                            <m:sub>
+                                              <m:r>
+                                                <a:rPr lang="en-US" sz="2000" i="1">
+                                                  <a:latin typeface="Cambria Math" panose="02040503050406030204" pitchFamily="18" charset="0"/>
+                                                </a:rPr>
+                                                <m:t>2</m:t>
+                                              </m:r>
+                                            </m:sub>
+                                          </m:sSub>
+                                        </m:den>
+                                      </m:f>
+                                    </m:e>
+                                  </m:d>
+                                </m:e>
+                                <m:sup>
+                                  <m:r>
+                                    <a:rPr lang="en-US" sz="2000" b="0" i="1" smtClean="0">
+                                      <a:latin typeface="Cambria Math" panose="02040503050406030204" pitchFamily="18" charset="0"/>
+                                    </a:rPr>
+                                    <m:t>2</m:t>
+                                  </m:r>
+                                </m:sup>
+                              </m:sSup>
+                            </m:num>
+                            <m:den>
+                              <m:sSub>
+                                <m:sSubPr>
+                                  <m:ctrlPr>
+                                    <a:rPr lang="en-US" sz="2000" b="0" i="1" smtClean="0">
+                                      <a:latin typeface="Cambria Math" panose="02040503050406030204" pitchFamily="18" charset="0"/>
+                                    </a:rPr>
+                                  </m:ctrlPr>
+                                </m:sSubPr>
+                                <m:e>
+                                  <m:r>
+                                    <a:rPr lang="en-US" sz="2000" b="0" i="1" smtClean="0">
+                                      <a:latin typeface="Cambria Math" panose="02040503050406030204" pitchFamily="18" charset="0"/>
+                                    </a:rPr>
+                                    <m:t>𝑛</m:t>
+                                  </m:r>
+                                </m:e>
+                                <m:sub>
+                                  <m:r>
+                                    <a:rPr lang="en-US" sz="2000" b="0" i="1" smtClean="0">
+                                      <a:latin typeface="Cambria Math" panose="02040503050406030204" pitchFamily="18" charset="0"/>
+                                    </a:rPr>
+                                    <m:t>2</m:t>
+                                  </m:r>
+                                </m:sub>
+                              </m:sSub>
+                              <m:r>
+                                <a:rPr lang="en-US" sz="2000" b="0" i="1" smtClean="0">
+                                  <a:latin typeface="Cambria Math" panose="02040503050406030204" pitchFamily="18" charset="0"/>
+                                </a:rPr>
+                                <m:t>−1</m:t>
+                              </m:r>
+                            </m:den>
+                          </m:f>
+                        </m:den>
+                      </m:f>
+                    </m:oMath>
+                  </m:oMathPara>
+                </a14:m>
+                <a:endParaRPr lang="en-US" sz="2000" b="0" i="1" dirty="0">
+                  <a:latin typeface="Cambria Math" panose="02040503050406030204" pitchFamily="18" charset="0"/>
+                </a:endParaRPr>
+              </a:p>
+            </p:txBody>
+          </p:sp>
+        </mc:Choice>
+        <mc:Fallback xmlns="">
+          <p:sp>
+            <p:nvSpPr>
+              <p:cNvPr id="4" name="TextBox 3">
+                <a:extLst>
+                  <a:ext uri="{FF2B5EF4-FFF2-40B4-BE49-F238E27FC236}">
+                    <a16:creationId xmlns:a16="http://schemas.microsoft.com/office/drawing/2014/main" id="{32CD833D-E8D4-6A0C-9533-ACE2FBB46CE2}"/>
+                  </a:ext>
+                </a:extLst>
+              </p:cNvPr>
+              <p:cNvSpPr txBox="1">
+                <a:spLocks noRot="1" noChangeAspect="1" noMove="1" noResize="1" noEditPoints="1" noAdjustHandles="1" noChangeArrowheads="1" noChangeShapeType="1" noTextEdit="1"/>
+              </p:cNvSpPr>
+              <p:nvPr/>
+            </p:nvSpPr>
+            <p:spPr>
+              <a:xfrm>
+                <a:off x="3738562" y="2743200"/>
+                <a:ext cx="3200400" cy="1914242"/>
+              </a:xfrm>
+              <a:prstGeom prst="rect">
+                <a:avLst/>
+              </a:prstGeom>
+              <a:blipFill>
+                <a:blip r:embed="rId4"/>
+                <a:stretch>
+                  <a:fillRect/>
+                </a:stretch>
+              </a:blipFill>
+            </p:spPr>
+            <p:txBody>
+              <a:bodyPr/>
+              <a:lstStyle/>
+              <a:p>
+                <a:r>
+                  <a:rPr lang="en-US">
+                    <a:noFill/>
+                  </a:rPr>
+                  <a:t> </a:t>
+                </a:r>
+              </a:p>
+            </p:txBody>
+          </p:sp>
+        </mc:Fallback>
+      </mc:AlternateContent>
+      <p:pic>
+        <p:nvPicPr>
+          <p:cNvPr id="1026" name="Picture 2" descr="Find the p value given a t value">
             <a:extLst>
               <a:ext uri="{FF2B5EF4-FFF2-40B4-BE49-F238E27FC236}">
-                <a16:creationId xmlns:a16="http://schemas.microsoft.com/office/drawing/2014/main" id="{1A7B0DEE-7C9E-F4B1-5F83-29C0E1FA1DC8}"/>
+                <a16:creationId xmlns:a16="http://schemas.microsoft.com/office/drawing/2014/main" id="{C5456456-FE66-E054-93A1-9E3289D60899}"/>
               </a:ext>
             </a:extLst>
           </p:cNvPr>
-          <p:cNvSpPr txBox="1"/>
+          <p:cNvPicPr>
+            <a:picLocks noChangeAspect="1" noChangeArrowheads="1"/>
+          </p:cNvPicPr>
           <p:nvPr/>
-        </p:nvSpPr>
-        <p:spPr>
+        </p:nvPicPr>
+        <p:blipFill>
+          <a:blip r:embed="rId5" cstate="print">
+            <a:extLst>
+              <a:ext uri="{28A0092B-C50C-407E-A947-70E740481C1C}">
+                <a14:useLocalDpi xmlns:a14="http://schemas.microsoft.com/office/drawing/2010/main" val="0"/>
+              </a:ext>
+            </a:extLst>
+          </a:blip>
+          <a:srcRect/>
+          <a:stretch>
+            <a:fillRect/>
+          </a:stretch>
+        </p:blipFill>
+        <p:spPr bwMode="auto">
           <a:xfrm>
-            <a:off x="2133600" y="2573480"/>
-            <a:ext cx="1981200" cy="523220"/>
+            <a:off x="7277100" y="2486180"/>
+            <a:ext cx="4229100" cy="2114550"/>
           </a:xfrm>
           <a:prstGeom prst="rect">
             <a:avLst/>
           </a:prstGeom>
           <a:noFill/>
+          <a:extLst>
+            <a:ext uri="{909E8E84-426E-40DD-AFC4-6F175D3DCCD1}">
+              <a14:hiddenFill xmlns:a14="http://schemas.microsoft.com/office/drawing/2010/main">
+                <a:solidFill>
+                  <a:srgbClr val="FFFFFF"/>
+                </a:solidFill>
+              </a14:hiddenFill>
+            </a:ext>
+          </a:extLst>
         </p:spPr>
-        <p:txBody>
-          <a:bodyPr wrap="square" rtlCol="0">
-            <a:spAutoFit/>
-          </a:bodyPr>
-          <a:lstStyle/>
-          <a:p>
-            <a:pPr algn="ctr"/>
-            <a:r>
-              <a:rPr lang="en-US" sz="2800" dirty="0"/>
-              <a:t>Categorical</a:t>
-            </a:r>
-          </a:p>
-        </p:txBody>
-      </p:sp>
-      <p:sp>
-        <p:nvSpPr>
-          <p:cNvPr id="4" name="TextBox 3">
+      </p:pic>
+      <mc:AlternateContent xmlns:mc="http://schemas.openxmlformats.org/markup-compatibility/2006" xmlns:a14="http://schemas.microsoft.com/office/drawing/2010/main">
+        <mc:Choice Requires="a14">
+          <p:sp>
+            <p:nvSpPr>
+              <p:cNvPr id="8" name="TextBox 7">
+                <a:extLst>
+                  <a:ext uri="{FF2B5EF4-FFF2-40B4-BE49-F238E27FC236}">
+                    <a16:creationId xmlns:a16="http://schemas.microsoft.com/office/drawing/2014/main" id="{54C96C7F-3FDD-4980-7FCB-CEBB7BAEBE83}"/>
+                  </a:ext>
+                </a:extLst>
+              </p:cNvPr>
+              <p:cNvSpPr txBox="1"/>
+              <p:nvPr/>
+            </p:nvSpPr>
+            <p:spPr>
+              <a:xfrm>
+                <a:off x="9786939" y="4397649"/>
+                <a:ext cx="847724" cy="369332"/>
+              </a:xfrm>
+              <a:prstGeom prst="rect">
+                <a:avLst/>
+              </a:prstGeom>
+              <a:noFill/>
+            </p:spPr>
+            <p:txBody>
+              <a:bodyPr wrap="square" rtlCol="0">
+                <a:spAutoFit/>
+              </a:bodyPr>
+              <a:lstStyle/>
+              <a:p>
+                <a:pPr/>
+                <a14:m>
+                  <m:oMathPara xmlns:m="http://schemas.openxmlformats.org/officeDocument/2006/math">
+                    <m:oMathParaPr>
+                      <m:jc m:val="centerGroup"/>
+                    </m:oMathParaPr>
+                    <m:oMath xmlns:m="http://schemas.openxmlformats.org/officeDocument/2006/math">
+                      <m:sSup>
+                        <m:sSupPr>
+                          <m:ctrlPr>
+                            <a:rPr lang="en-US" b="0" i="1" smtClean="0">
+                              <a:latin typeface="Cambria Math" panose="02040503050406030204" pitchFamily="18" charset="0"/>
+                            </a:rPr>
+                          </m:ctrlPr>
+                        </m:sSupPr>
+                        <m:e>
+                          <m:r>
+                            <a:rPr lang="en-US" b="0" i="1" smtClean="0">
+                              <a:latin typeface="Cambria Math" panose="02040503050406030204" pitchFamily="18" charset="0"/>
+                            </a:rPr>
+                            <m:t>|</m:t>
+                          </m:r>
+                          <m:r>
+                            <a:rPr lang="en-US" b="0" i="1" smtClean="0">
+                              <a:latin typeface="Cambria Math" panose="02040503050406030204" pitchFamily="18" charset="0"/>
+                            </a:rPr>
+                            <m:t>𝑡</m:t>
+                          </m:r>
+                        </m:e>
+                        <m:sup>
+                          <m:r>
+                            <a:rPr lang="en-US" b="0" i="1" smtClean="0">
+                              <a:latin typeface="Cambria Math" panose="02040503050406030204" pitchFamily="18" charset="0"/>
+                            </a:rPr>
+                            <m:t>∗</m:t>
+                          </m:r>
+                        </m:sup>
+                      </m:sSup>
+                      <m:r>
+                        <a:rPr lang="en-US" b="0" i="1" smtClean="0">
+                          <a:latin typeface="Cambria Math" panose="02040503050406030204" pitchFamily="18" charset="0"/>
+                        </a:rPr>
+                        <m:t>|</m:t>
+                      </m:r>
+                    </m:oMath>
+                  </m:oMathPara>
+                </a14:m>
+                <a:endParaRPr lang="en-US" b="0" i="1" dirty="0">
+                  <a:latin typeface="Cambria Math" panose="02040503050406030204" pitchFamily="18" charset="0"/>
+                </a:endParaRPr>
+              </a:p>
+            </p:txBody>
+          </p:sp>
+        </mc:Choice>
+        <mc:Fallback xmlns="">
+          <p:sp>
+            <p:nvSpPr>
+              <p:cNvPr id="8" name="TextBox 7">
+                <a:extLst>
+                  <a:ext uri="{FF2B5EF4-FFF2-40B4-BE49-F238E27FC236}">
+                    <a16:creationId xmlns:a16="http://schemas.microsoft.com/office/drawing/2014/main" id="{54C96C7F-3FDD-4980-7FCB-CEBB7BAEBE83}"/>
+                  </a:ext>
+                </a:extLst>
+              </p:cNvPr>
+              <p:cNvSpPr txBox="1">
+                <a:spLocks noRot="1" noChangeAspect="1" noMove="1" noResize="1" noEditPoints="1" noAdjustHandles="1" noChangeArrowheads="1" noChangeShapeType="1" noTextEdit="1"/>
+              </p:cNvSpPr>
+              <p:nvPr/>
+            </p:nvSpPr>
+            <p:spPr>
+              <a:xfrm>
+                <a:off x="9786939" y="4397649"/>
+                <a:ext cx="847724" cy="369332"/>
+              </a:xfrm>
+              <a:prstGeom prst="rect">
+                <a:avLst/>
+              </a:prstGeom>
+              <a:blipFill>
+                <a:blip r:embed="rId6"/>
+                <a:stretch>
+                  <a:fillRect b="-14754"/>
+                </a:stretch>
+              </a:blipFill>
+            </p:spPr>
+            <p:txBody>
+              <a:bodyPr/>
+              <a:lstStyle/>
+              <a:p>
+                <a:r>
+                  <a:rPr lang="en-US">
+                    <a:noFill/>
+                  </a:rPr>
+                  <a:t> </a:t>
+                </a:r>
+              </a:p>
+            </p:txBody>
+          </p:sp>
+        </mc:Fallback>
+      </mc:AlternateContent>
+      <p:cxnSp>
+        <p:nvCxnSpPr>
+          <p:cNvPr id="13" name="Straight Connector 12">
             <a:extLst>
               <a:ext uri="{FF2B5EF4-FFF2-40B4-BE49-F238E27FC236}">
-                <a16:creationId xmlns:a16="http://schemas.microsoft.com/office/drawing/2014/main" id="{CFAFD2E7-A7E5-89A1-BB02-9E46C99529B9}"/>
-              </a:ext>
-            </a:extLst>
-          </p:cNvPr>
-          <p:cNvSpPr txBox="1"/>
-          <p:nvPr/>
-        </p:nvSpPr>
-        <p:spPr>
-          <a:xfrm>
-            <a:off x="6972300" y="2573480"/>
-            <a:ext cx="1981200" cy="523220"/>
-          </a:xfrm>
-          <a:prstGeom prst="rect">
-            <a:avLst/>
-          </a:prstGeom>
-          <a:noFill/>
-        </p:spPr>
-        <p:txBody>
-          <a:bodyPr wrap="square" rtlCol="0">
-            <a:spAutoFit/>
-          </a:bodyPr>
-          <a:lstStyle/>
-          <a:p>
-            <a:pPr algn="ctr"/>
-            <a:r>
-              <a:rPr lang="en-US" sz="2800" dirty="0"/>
-              <a:t>Quantitative</a:t>
-            </a:r>
-          </a:p>
-        </p:txBody>
-      </p:sp>
-      <p:sp>
-        <p:nvSpPr>
-          <p:cNvPr id="5" name="TextBox 4">
-            <a:extLst>
-              <a:ext uri="{FF2B5EF4-FFF2-40B4-BE49-F238E27FC236}">
-                <a16:creationId xmlns:a16="http://schemas.microsoft.com/office/drawing/2014/main" id="{11143612-8AB2-A3BC-0E01-14984F6FA621}"/>
-              </a:ext>
-            </a:extLst>
-          </p:cNvPr>
-          <p:cNvSpPr txBox="1"/>
-          <p:nvPr/>
-        </p:nvSpPr>
-        <p:spPr>
-          <a:xfrm>
-            <a:off x="838200" y="3928825"/>
-            <a:ext cx="1981200" cy="523220"/>
-          </a:xfrm>
-          <a:prstGeom prst="rect">
-            <a:avLst/>
-          </a:prstGeom>
-          <a:noFill/>
-        </p:spPr>
-        <p:txBody>
-          <a:bodyPr wrap="square" rtlCol="0">
-            <a:spAutoFit/>
-          </a:bodyPr>
-          <a:lstStyle/>
-          <a:p>
-            <a:pPr algn="ctr"/>
-            <a:r>
-              <a:rPr lang="en-US" sz="2800" dirty="0"/>
-              <a:t>Nominal</a:t>
-            </a:r>
-          </a:p>
-        </p:txBody>
-      </p:sp>
-      <p:cxnSp>
-        <p:nvCxnSpPr>
-          <p:cNvPr id="9" name="Straight Arrow Connector 8">
-            <a:extLst>
-              <a:ext uri="{FF2B5EF4-FFF2-40B4-BE49-F238E27FC236}">
-                <a16:creationId xmlns:a16="http://schemas.microsoft.com/office/drawing/2014/main" id="{3401CCB9-A102-9EAD-91BF-1C15EC64A163}"/>
+                <a16:creationId xmlns:a16="http://schemas.microsoft.com/office/drawing/2014/main" id="{B741C5CF-AD47-272A-BC3E-FE5590B87B3E}"/>
               </a:ext>
             </a:extLst>
           </p:cNvPr>
@@ -7470,215 +9224,27 @@
         </p:nvCxnSpPr>
         <p:spPr>
           <a:xfrm>
-            <a:off x="3463636" y="3096700"/>
-            <a:ext cx="784514" cy="905176"/>
+            <a:off x="8610600" y="4114800"/>
+            <a:ext cx="0" cy="296983"/>
           </a:xfrm>
-          <a:prstGeom prst="straightConnector1">
+          <a:prstGeom prst="line">
             <a:avLst/>
           </a:prstGeom>
-          <a:ln w="38100">
-            <a:tailEnd type="triangle"/>
+          <a:ln w="76200">
+            <a:solidFill>
+              <a:srgbClr val="660066"/>
+            </a:solidFill>
           </a:ln>
         </p:spPr>
         <p:style>
           <a:lnRef idx="1">
-            <a:schemeClr val="dk1"/>
+            <a:schemeClr val="accent1"/>
           </a:lnRef>
           <a:fillRef idx="0">
-            <a:schemeClr val="dk1"/>
+            <a:schemeClr val="accent1"/>
           </a:fillRef>
           <a:effectRef idx="0">
-            <a:schemeClr val="dk1"/>
-          </a:effectRef>
-          <a:fontRef idx="minor">
-            <a:schemeClr val="tx1"/>
-          </a:fontRef>
-        </p:style>
-      </p:cxnSp>
-      <p:sp>
-        <p:nvSpPr>
-          <p:cNvPr id="10" name="TextBox 9">
-            <a:extLst>
-              <a:ext uri="{FF2B5EF4-FFF2-40B4-BE49-F238E27FC236}">
-                <a16:creationId xmlns:a16="http://schemas.microsoft.com/office/drawing/2014/main" id="{DAD3E5CA-DB79-E709-CCBE-CB37CA25C445}"/>
-              </a:ext>
-            </a:extLst>
-          </p:cNvPr>
-          <p:cNvSpPr txBox="1"/>
-          <p:nvPr/>
-        </p:nvSpPr>
-        <p:spPr>
-          <a:xfrm>
-            <a:off x="3463636" y="3928825"/>
-            <a:ext cx="1981200" cy="523220"/>
-          </a:xfrm>
-          <a:prstGeom prst="rect">
-            <a:avLst/>
-          </a:prstGeom>
-          <a:noFill/>
-        </p:spPr>
-        <p:txBody>
-          <a:bodyPr wrap="square" rtlCol="0">
-            <a:spAutoFit/>
-          </a:bodyPr>
-          <a:lstStyle/>
-          <a:p>
-            <a:pPr algn="ctr"/>
-            <a:r>
-              <a:rPr lang="en-US" sz="2800" dirty="0"/>
-              <a:t>Ordinal</a:t>
-            </a:r>
-          </a:p>
-        </p:txBody>
-      </p:sp>
-      <p:cxnSp>
-        <p:nvCxnSpPr>
-          <p:cNvPr id="11" name="Straight Arrow Connector 10">
-            <a:extLst>
-              <a:ext uri="{FF2B5EF4-FFF2-40B4-BE49-F238E27FC236}">
-                <a16:creationId xmlns:a16="http://schemas.microsoft.com/office/drawing/2014/main" id="{B63DDBBD-A910-894E-8212-5D8AB4CBE24D}"/>
-              </a:ext>
-            </a:extLst>
-          </p:cNvPr>
-          <p:cNvCxnSpPr>
-            <a:cxnSpLocks/>
-          </p:cNvCxnSpPr>
-          <p:nvPr/>
-        </p:nvCxnSpPr>
-        <p:spPr>
-          <a:xfrm flipH="1">
-            <a:off x="1905000" y="3053570"/>
-            <a:ext cx="778453" cy="948306"/>
-          </a:xfrm>
-          <a:prstGeom prst="straightConnector1">
-            <a:avLst/>
-          </a:prstGeom>
-          <a:ln w="38100">
-            <a:tailEnd type="triangle"/>
-          </a:ln>
-        </p:spPr>
-        <p:style>
-          <a:lnRef idx="1">
-            <a:schemeClr val="dk1"/>
-          </a:lnRef>
-          <a:fillRef idx="0">
-            <a:schemeClr val="dk1"/>
-          </a:fillRef>
-          <a:effectRef idx="0">
-            <a:schemeClr val="dk1"/>
-          </a:effectRef>
-          <a:fontRef idx="minor">
-            <a:schemeClr val="tx1"/>
-          </a:fontRef>
-        </p:style>
-      </p:cxnSp>
-      <p:sp>
-        <p:nvSpPr>
-          <p:cNvPr id="17" name="TextBox 16">
-            <a:extLst>
-              <a:ext uri="{FF2B5EF4-FFF2-40B4-BE49-F238E27FC236}">
-                <a16:creationId xmlns:a16="http://schemas.microsoft.com/office/drawing/2014/main" id="{7BF8B504-64DF-0799-78F5-0935CF66DDFF}"/>
-              </a:ext>
-            </a:extLst>
-          </p:cNvPr>
-          <p:cNvSpPr txBox="1"/>
-          <p:nvPr/>
-        </p:nvSpPr>
-        <p:spPr>
-          <a:xfrm>
-            <a:off x="5867400" y="3928825"/>
-            <a:ext cx="1981200" cy="523220"/>
-          </a:xfrm>
-          <a:prstGeom prst="rect">
-            <a:avLst/>
-          </a:prstGeom>
-          <a:noFill/>
-        </p:spPr>
-        <p:txBody>
-          <a:bodyPr wrap="square" rtlCol="0">
-            <a:spAutoFit/>
-          </a:bodyPr>
-          <a:lstStyle/>
-          <a:p>
-            <a:pPr algn="ctr"/>
-            <a:r>
-              <a:rPr lang="en-US" sz="2800" dirty="0"/>
-              <a:t>Continuous</a:t>
-            </a:r>
-          </a:p>
-        </p:txBody>
-      </p:sp>
-      <p:sp>
-        <p:nvSpPr>
-          <p:cNvPr id="18" name="TextBox 17">
-            <a:extLst>
-              <a:ext uri="{FF2B5EF4-FFF2-40B4-BE49-F238E27FC236}">
-                <a16:creationId xmlns:a16="http://schemas.microsoft.com/office/drawing/2014/main" id="{EFD82E02-3E49-05C9-4071-EBC5308FD86D}"/>
-              </a:ext>
-            </a:extLst>
-          </p:cNvPr>
-          <p:cNvSpPr txBox="1"/>
-          <p:nvPr/>
-        </p:nvSpPr>
-        <p:spPr>
-          <a:xfrm>
-            <a:off x="8610600" y="3928825"/>
-            <a:ext cx="1981200" cy="523220"/>
-          </a:xfrm>
-          <a:prstGeom prst="rect">
-            <a:avLst/>
-          </a:prstGeom>
-          <a:noFill/>
-        </p:spPr>
-        <p:txBody>
-          <a:bodyPr wrap="square" rtlCol="0">
-            <a:spAutoFit/>
-          </a:bodyPr>
-          <a:lstStyle/>
-          <a:p>
-            <a:pPr algn="ctr"/>
-            <a:r>
-              <a:rPr lang="en-US" sz="2800" dirty="0"/>
-              <a:t>Discrete</a:t>
-            </a:r>
-          </a:p>
-        </p:txBody>
-      </p:sp>
-      <p:cxnSp>
-        <p:nvCxnSpPr>
-          <p:cNvPr id="19" name="Straight Arrow Connector 18">
-            <a:extLst>
-              <a:ext uri="{FF2B5EF4-FFF2-40B4-BE49-F238E27FC236}">
-                <a16:creationId xmlns:a16="http://schemas.microsoft.com/office/drawing/2014/main" id="{80C576BA-A317-1886-667C-51A3109B9896}"/>
-              </a:ext>
-            </a:extLst>
-          </p:cNvPr>
-          <p:cNvCxnSpPr>
-            <a:cxnSpLocks/>
-          </p:cNvCxnSpPr>
-          <p:nvPr/>
-        </p:nvCxnSpPr>
-        <p:spPr>
-          <a:xfrm flipH="1">
-            <a:off x="6856268" y="3060175"/>
-            <a:ext cx="689263" cy="1001181"/>
-          </a:xfrm>
-          <a:prstGeom prst="straightConnector1">
-            <a:avLst/>
-          </a:prstGeom>
-          <a:ln w="38100">
-            <a:tailEnd type="triangle"/>
-          </a:ln>
-        </p:spPr>
-        <p:style>
-          <a:lnRef idx="1">
-            <a:schemeClr val="dk1"/>
-          </a:lnRef>
-          <a:fillRef idx="0">
-            <a:schemeClr val="dk1"/>
-          </a:fillRef>
-          <a:effectRef idx="0">
-            <a:schemeClr val="dk1"/>
+            <a:schemeClr val="accent1"/>
           </a:effectRef>
           <a:fontRef idx="minor">
             <a:schemeClr val="tx1"/>
@@ -7687,10 +9253,10 @@
       </p:cxnSp>
       <p:cxnSp>
         <p:nvCxnSpPr>
-          <p:cNvPr id="21" name="Straight Arrow Connector 20">
+          <p:cNvPr id="14" name="Straight Connector 13">
             <a:extLst>
               <a:ext uri="{FF2B5EF4-FFF2-40B4-BE49-F238E27FC236}">
-                <a16:creationId xmlns:a16="http://schemas.microsoft.com/office/drawing/2014/main" id="{F21F3507-22BC-C77F-747D-AF729C57E35A}"/>
+                <a16:creationId xmlns:a16="http://schemas.microsoft.com/office/drawing/2014/main" id="{DE2B9421-3127-4C9E-002A-B37D8FC0E415}"/>
               </a:ext>
             </a:extLst>
           </p:cNvPr>
@@ -7701,195 +9267,166 @@
         </p:nvCxnSpPr>
         <p:spPr>
           <a:xfrm>
-            <a:off x="8575964" y="3053570"/>
-            <a:ext cx="693159" cy="948306"/>
+            <a:off x="10210800" y="4114800"/>
+            <a:ext cx="0" cy="296982"/>
           </a:xfrm>
-          <a:prstGeom prst="straightConnector1">
+          <a:prstGeom prst="line">
             <a:avLst/>
           </a:prstGeom>
-          <a:ln w="38100">
-            <a:tailEnd type="triangle"/>
+          <a:ln w="76200">
+            <a:solidFill>
+              <a:srgbClr val="660066"/>
+            </a:solidFill>
           </a:ln>
         </p:spPr>
         <p:style>
           <a:lnRef idx="1">
-            <a:schemeClr val="dk1"/>
+            <a:schemeClr val="accent1"/>
           </a:lnRef>
           <a:fillRef idx="0">
-            <a:schemeClr val="dk1"/>
+            <a:schemeClr val="accent1"/>
           </a:fillRef>
           <a:effectRef idx="0">
-            <a:schemeClr val="dk1"/>
+            <a:schemeClr val="accent1"/>
           </a:effectRef>
           <a:fontRef idx="minor">
             <a:schemeClr val="tx1"/>
           </a:fontRef>
         </p:style>
       </p:cxnSp>
-      <p:sp>
-        <p:nvSpPr>
-          <p:cNvPr id="24" name="TextBox 23">
-            <a:extLst>
-              <a:ext uri="{FF2B5EF4-FFF2-40B4-BE49-F238E27FC236}">
-                <a16:creationId xmlns:a16="http://schemas.microsoft.com/office/drawing/2014/main" id="{91468417-64DA-A060-9885-2F7F61F2C60E}"/>
-              </a:ext>
-            </a:extLst>
-          </p:cNvPr>
-          <p:cNvSpPr txBox="1"/>
-          <p:nvPr/>
-        </p:nvSpPr>
-        <p:spPr>
-          <a:xfrm>
-            <a:off x="839932" y="4429945"/>
-            <a:ext cx="1981200" cy="400110"/>
-          </a:xfrm>
-          <a:prstGeom prst="rect">
-            <a:avLst/>
-          </a:prstGeom>
-          <a:noFill/>
-        </p:spPr>
-        <p:txBody>
-          <a:bodyPr wrap="square" rtlCol="0">
-            <a:spAutoFit/>
-          </a:bodyPr>
-          <a:lstStyle/>
-          <a:p>
-            <a:pPr algn="ctr"/>
-            <a:r>
-              <a:rPr lang="en-US" sz="2000" i="1" dirty="0">
-                <a:solidFill>
-                  <a:srgbClr val="660066"/>
-                </a:solidFill>
-              </a:rPr>
-              <a:t>LEGO Theme</a:t>
-            </a:r>
-          </a:p>
-        </p:txBody>
-      </p:sp>
-      <p:sp>
-        <p:nvSpPr>
-          <p:cNvPr id="25" name="TextBox 24">
-            <a:extLst>
-              <a:ext uri="{FF2B5EF4-FFF2-40B4-BE49-F238E27FC236}">
-                <a16:creationId xmlns:a16="http://schemas.microsoft.com/office/drawing/2014/main" id="{992BAD34-5806-380C-44F2-99CE85567B90}"/>
-              </a:ext>
-            </a:extLst>
-          </p:cNvPr>
-          <p:cNvSpPr txBox="1"/>
-          <p:nvPr/>
-        </p:nvSpPr>
-        <p:spPr>
-          <a:xfrm>
-            <a:off x="3446318" y="4431700"/>
-            <a:ext cx="1981200" cy="400110"/>
-          </a:xfrm>
-          <a:prstGeom prst="rect">
-            <a:avLst/>
-          </a:prstGeom>
-          <a:noFill/>
-        </p:spPr>
-        <p:txBody>
-          <a:bodyPr wrap="square" rtlCol="0">
-            <a:spAutoFit/>
-          </a:bodyPr>
-          <a:lstStyle/>
-          <a:p>
-            <a:pPr algn="ctr"/>
-            <a:r>
-              <a:rPr lang="en-US" sz="2000" i="1" dirty="0">
-                <a:solidFill>
-                  <a:srgbClr val="660066"/>
-                </a:solidFill>
-              </a:rPr>
-              <a:t>LEGO Ages</a:t>
-            </a:r>
-          </a:p>
-        </p:txBody>
-      </p:sp>
-      <p:sp>
-        <p:nvSpPr>
-          <p:cNvPr id="8" name="TextBox 7">
-            <a:extLst>
-              <a:ext uri="{FF2B5EF4-FFF2-40B4-BE49-F238E27FC236}">
-                <a16:creationId xmlns:a16="http://schemas.microsoft.com/office/drawing/2014/main" id="{17D2DB04-9229-DFC8-2A32-6C54633B9DC4}"/>
-              </a:ext>
-            </a:extLst>
-          </p:cNvPr>
-          <p:cNvSpPr txBox="1"/>
-          <p:nvPr/>
-        </p:nvSpPr>
-        <p:spPr>
-          <a:xfrm>
-            <a:off x="5850082" y="4436720"/>
-            <a:ext cx="1981200" cy="400110"/>
-          </a:xfrm>
-          <a:prstGeom prst="rect">
-            <a:avLst/>
-          </a:prstGeom>
-          <a:noFill/>
-        </p:spPr>
-        <p:txBody>
-          <a:bodyPr wrap="square" rtlCol="0">
-            <a:spAutoFit/>
-          </a:bodyPr>
-          <a:lstStyle/>
-          <a:p>
-            <a:pPr algn="ctr"/>
-            <a:r>
-              <a:rPr lang="en-US" sz="2000" i="1" dirty="0">
-                <a:solidFill>
-                  <a:srgbClr val="660066"/>
-                </a:solidFill>
-              </a:rPr>
-              <a:t>LEGO Price</a:t>
-            </a:r>
-          </a:p>
-        </p:txBody>
-      </p:sp>
-      <p:sp>
-        <p:nvSpPr>
-          <p:cNvPr id="13" name="TextBox 12">
-            <a:extLst>
-              <a:ext uri="{FF2B5EF4-FFF2-40B4-BE49-F238E27FC236}">
-                <a16:creationId xmlns:a16="http://schemas.microsoft.com/office/drawing/2014/main" id="{00857EBF-1FA3-F039-78B2-77ADBB36B394}"/>
-              </a:ext>
-            </a:extLst>
-          </p:cNvPr>
-          <p:cNvSpPr txBox="1"/>
-          <p:nvPr/>
-        </p:nvSpPr>
-        <p:spPr>
-          <a:xfrm>
-            <a:off x="8610600" y="4442377"/>
-            <a:ext cx="1981200" cy="400110"/>
-          </a:xfrm>
-          <a:prstGeom prst="rect">
-            <a:avLst/>
-          </a:prstGeom>
-          <a:noFill/>
-        </p:spPr>
-        <p:txBody>
-          <a:bodyPr wrap="square" rtlCol="0">
-            <a:spAutoFit/>
-          </a:bodyPr>
-          <a:lstStyle/>
-          <a:p>
-            <a:pPr algn="ctr"/>
-            <a:r>
-              <a:rPr lang="en-US" sz="2000" i="1" dirty="0">
-                <a:solidFill>
-                  <a:srgbClr val="660066"/>
-                </a:solidFill>
-              </a:rPr>
-              <a:t>LEGO Pieces</a:t>
-            </a:r>
-          </a:p>
-        </p:txBody>
-      </p:sp>
+      <mc:AlternateContent xmlns:mc="http://schemas.openxmlformats.org/markup-compatibility/2006" xmlns:a14="http://schemas.microsoft.com/office/drawing/2010/main">
+        <mc:Choice Requires="a14">
+          <p:sp>
+            <p:nvSpPr>
+              <p:cNvPr id="15" name="TextBox 14">
+                <a:extLst>
+                  <a:ext uri="{FF2B5EF4-FFF2-40B4-BE49-F238E27FC236}">
+                    <a16:creationId xmlns:a16="http://schemas.microsoft.com/office/drawing/2014/main" id="{DAF29CDA-A950-BF61-D552-CEC3CD534A0B}"/>
+                  </a:ext>
+                </a:extLst>
+              </p:cNvPr>
+              <p:cNvSpPr txBox="1"/>
+              <p:nvPr/>
+            </p:nvSpPr>
+            <p:spPr>
+              <a:xfrm>
+                <a:off x="8101016" y="4397649"/>
+                <a:ext cx="847724" cy="369332"/>
+              </a:xfrm>
+              <a:prstGeom prst="rect">
+                <a:avLst/>
+              </a:prstGeom>
+              <a:noFill/>
+            </p:spPr>
+            <p:txBody>
+              <a:bodyPr wrap="square" rtlCol="0">
+                <a:spAutoFit/>
+              </a:bodyPr>
+              <a:lstStyle/>
+              <a:p>
+                <a:pPr/>
+                <a14:m>
+                  <m:oMathPara xmlns:m="http://schemas.openxmlformats.org/officeDocument/2006/math">
+                    <m:oMathParaPr>
+                      <m:jc m:val="centerGroup"/>
+                    </m:oMathParaPr>
+                    <m:oMath xmlns:m="http://schemas.openxmlformats.org/officeDocument/2006/math">
+                      <m:sSup>
+                        <m:sSupPr>
+                          <m:ctrlPr>
+                            <a:rPr lang="en-US" b="0" i="1" smtClean="0">
+                              <a:latin typeface="Cambria Math" panose="02040503050406030204" pitchFamily="18" charset="0"/>
+                            </a:rPr>
+                          </m:ctrlPr>
+                        </m:sSupPr>
+                        <m:e>
+                          <m:r>
+                            <a:rPr lang="en-US" b="0" i="1" smtClean="0">
+                              <a:latin typeface="Cambria Math" panose="02040503050406030204" pitchFamily="18" charset="0"/>
+                            </a:rPr>
+                            <m:t>−|</m:t>
+                          </m:r>
+                          <m:r>
+                            <a:rPr lang="en-US" b="0" i="1" smtClean="0">
+                              <a:latin typeface="Cambria Math" panose="02040503050406030204" pitchFamily="18" charset="0"/>
+                            </a:rPr>
+                            <m:t>𝑡</m:t>
+                          </m:r>
+                        </m:e>
+                        <m:sup>
+                          <m:r>
+                            <a:rPr lang="en-US" b="0" i="1" smtClean="0">
+                              <a:latin typeface="Cambria Math" panose="02040503050406030204" pitchFamily="18" charset="0"/>
+                            </a:rPr>
+                            <m:t>∗</m:t>
+                          </m:r>
+                        </m:sup>
+                      </m:sSup>
+                      <m:r>
+                        <a:rPr lang="en-US" b="0" i="1" smtClean="0">
+                          <a:latin typeface="Cambria Math" panose="02040503050406030204" pitchFamily="18" charset="0"/>
+                        </a:rPr>
+                        <m:t>|</m:t>
+                      </m:r>
+                    </m:oMath>
+                  </m:oMathPara>
+                </a14:m>
+                <a:endParaRPr lang="en-US" b="0" i="1" dirty="0">
+                  <a:latin typeface="Cambria Math" panose="02040503050406030204" pitchFamily="18" charset="0"/>
+                </a:endParaRPr>
+              </a:p>
+            </p:txBody>
+          </p:sp>
+        </mc:Choice>
+        <mc:Fallback xmlns="">
+          <p:sp>
+            <p:nvSpPr>
+              <p:cNvPr id="15" name="TextBox 14">
+                <a:extLst>
+                  <a:ext uri="{FF2B5EF4-FFF2-40B4-BE49-F238E27FC236}">
+                    <a16:creationId xmlns:a16="http://schemas.microsoft.com/office/drawing/2014/main" id="{DAF29CDA-A950-BF61-D552-CEC3CD534A0B}"/>
+                  </a:ext>
+                </a:extLst>
+              </p:cNvPr>
+              <p:cNvSpPr txBox="1">
+                <a:spLocks noRot="1" noChangeAspect="1" noMove="1" noResize="1" noEditPoints="1" noAdjustHandles="1" noChangeArrowheads="1" noChangeShapeType="1" noTextEdit="1"/>
+              </p:cNvSpPr>
+              <p:nvPr/>
+            </p:nvSpPr>
+            <p:spPr>
+              <a:xfrm>
+                <a:off x="8101016" y="4397649"/>
+                <a:ext cx="847724" cy="369332"/>
+              </a:xfrm>
+              <a:prstGeom prst="rect">
+                <a:avLst/>
+              </a:prstGeom>
+              <a:blipFill>
+                <a:blip r:embed="rId7"/>
+                <a:stretch>
+                  <a:fillRect b="-14754"/>
+                </a:stretch>
+              </a:blipFill>
+            </p:spPr>
+            <p:txBody>
+              <a:bodyPr/>
+              <a:lstStyle/>
+              <a:p>
+                <a:r>
+                  <a:rPr lang="en-US">
+                    <a:noFill/>
+                  </a:rPr>
+                  <a:t> </a:t>
+                </a:r>
+              </a:p>
+            </p:txBody>
+          </p:sp>
+        </mc:Fallback>
+      </mc:AlternateContent>
     </p:spTree>
     <p:extLst>
       <p:ext uri="{BB962C8B-B14F-4D97-AF65-F5344CB8AC3E}">
-        <p14:creationId xmlns:p14="http://schemas.microsoft.com/office/powerpoint/2010/main" val="2897435999"/>
+        <p14:creationId xmlns:p14="http://schemas.microsoft.com/office/powerpoint/2010/main" val="1680166844"/>
       </p:ext>
     </p:extLst>
   </p:cSld>
@@ -8058,20 +9595,13 @@
           <a:p>
             <a:pPr algn="ctr"/>
             <a:r>
-              <a:rPr lang="en-US" sz="4800" b="1" dirty="0">
+              <a:rPr lang="en-US" sz="4800" dirty="0">
                 <a:solidFill>
                   <a:srgbClr val="2D3A37"/>
                 </a:solidFill>
-                <a:latin typeface="Adobe Devanagari" panose="02040503050201020203" pitchFamily="18" charset="0"/>
-                <a:cs typeface="Adobe Devanagari" panose="02040503050201020203" pitchFamily="18" charset="0"/>
               </a:rPr>
-              <a:t>Families of Models</a:t>
-            </a:r>
-            <a:endParaRPr lang="en-US" sz="4800" dirty="0">
-              <a:solidFill>
-                <a:srgbClr val="2D3A37"/>
-              </a:solidFill>
-            </a:endParaRPr>
+              <a:t>Supplement for Lecture 2</a:t>
+            </a:r>
           </a:p>
         </p:txBody>
       </p:sp>
@@ -8124,6 +9654,52 @@
           </a:bodyPr>
           <a:lstStyle/>
           <a:p>
+            <a:pPr marL="457200" indent="-457200">
+              <a:buFont typeface="Arial" panose="020B0604020202020204" pitchFamily="34" charset="0"/>
+              <a:buChar char="•"/>
+            </a:pPr>
+            <a:r>
+              <a:rPr lang="en-US" sz="2800" dirty="0">
+                <a:solidFill>
+                  <a:srgbClr val="660066"/>
+                </a:solidFill>
+              </a:rPr>
+              <a:t>Welch’s Two-Sample t-Test</a:t>
+            </a:r>
+          </a:p>
+          <a:p>
+            <a:pPr marL="914400" lvl="1" indent="-457200">
+              <a:buFont typeface="Arial" panose="020B0604020202020204" pitchFamily="34" charset="0"/>
+              <a:buChar char="•"/>
+            </a:pPr>
+            <a:r>
+              <a:rPr lang="en-US" sz="2800" dirty="0">
+                <a:solidFill>
+                  <a:srgbClr val="660066"/>
+                </a:solidFill>
+              </a:rPr>
+              <a:t>Assume 2 Independent Simple Random Samples from Normal Dist.</a:t>
+            </a:r>
+          </a:p>
+          <a:p>
+            <a:pPr marL="914400" lvl="1" indent="-457200">
+              <a:buFont typeface="Arial" panose="020B0604020202020204" pitchFamily="34" charset="0"/>
+              <a:buChar char="•"/>
+            </a:pPr>
+            <a:r>
+              <a:rPr lang="en-US" sz="2800" dirty="0">
+                <a:solidFill>
+                  <a:srgbClr val="660066"/>
+                </a:solidFill>
+              </a:rPr>
+              <a:t>Don’t Assume that Populations Have Equal Variances</a:t>
+            </a:r>
+          </a:p>
+          <a:p>
+            <a:pPr marL="457200" indent="-457200">
+              <a:buFont typeface="Arial" panose="020B0604020202020204" pitchFamily="34" charset="0"/>
+              <a:buChar char="•"/>
+            </a:pPr>
             <a:endParaRPr lang="en-US" sz="2800" dirty="0">
               <a:solidFill>
                 <a:srgbClr val="660066"/>
@@ -8131,479 +9707,79 @@
             </a:endParaRPr>
           </a:p>
           <a:p>
+            <a:pPr marL="457200" indent="-457200">
+              <a:buFont typeface="Arial" panose="020B0604020202020204" pitchFamily="34" charset="0"/>
+              <a:buChar char="•"/>
+            </a:pPr>
+            <a:r>
+              <a:rPr lang="en-US" sz="2800" dirty="0">
+                <a:solidFill>
+                  <a:srgbClr val="660066"/>
+                </a:solidFill>
+              </a:rPr>
+              <a:t>Interpretation of p-value: </a:t>
+            </a:r>
+            <a:r>
+              <a:rPr lang="en-US" sz="2800" i="1" dirty="0">
+                <a:solidFill>
+                  <a:srgbClr val="660066"/>
+                </a:solidFill>
+              </a:rPr>
+              <a:t>Assuming the null hypothesis is true, the       </a:t>
+            </a:r>
+            <a:r>
+              <a:rPr lang="en-US" sz="2800" b="1" i="1" dirty="0">
+                <a:solidFill>
+                  <a:srgbClr val="660066"/>
+                </a:solidFill>
+              </a:rPr>
+              <a:t>p-value </a:t>
+            </a:r>
+            <a:r>
+              <a:rPr lang="en-US" sz="2800" i="1" dirty="0">
+                <a:solidFill>
+                  <a:srgbClr val="660066"/>
+                </a:solidFill>
+              </a:rPr>
+              <a:t>measures the percent of all  possible test-statistics that are  more extreme than the one we observed (Ex: -1.185) </a:t>
+            </a:r>
+          </a:p>
+          <a:p>
+            <a:pPr marL="457200" indent="-457200">
+              <a:buFont typeface="Arial" panose="020B0604020202020204" pitchFamily="34" charset="0"/>
+              <a:buChar char="•"/>
+            </a:pPr>
+            <a:endParaRPr lang="en-US" sz="2800" i="1" dirty="0">
+              <a:solidFill>
+                <a:srgbClr val="660066"/>
+              </a:solidFill>
+            </a:endParaRPr>
+          </a:p>
+          <a:p>
+            <a:pPr marL="457200" indent="-457200">
+              <a:buFont typeface="Arial" panose="020B0604020202020204" pitchFamily="34" charset="0"/>
+              <a:buChar char="•"/>
+            </a:pPr>
+            <a:r>
+              <a:rPr lang="en-US" sz="2800" i="1" dirty="0">
+                <a:solidFill>
+                  <a:srgbClr val="660066"/>
+                </a:solidFill>
+              </a:rPr>
+              <a:t>Assess Validity of Assumptions</a:t>
+            </a:r>
             <a:endParaRPr lang="en-US" sz="2800" dirty="0">
               <a:solidFill>
                 <a:srgbClr val="660066"/>
               </a:solidFill>
             </a:endParaRPr>
           </a:p>
-          <a:p>
-            <a:endParaRPr lang="en-US" sz="2800" dirty="0">
-              <a:solidFill>
-                <a:srgbClr val="660066"/>
-              </a:solidFill>
-            </a:endParaRPr>
-          </a:p>
-          <a:p>
-            <a:endParaRPr lang="en-US" sz="2800" dirty="0">
-              <a:solidFill>
-                <a:srgbClr val="660066"/>
-              </a:solidFill>
-            </a:endParaRPr>
-          </a:p>
-          <a:p>
-            <a:endParaRPr lang="en-US" sz="2800" dirty="0">
-              <a:solidFill>
-                <a:srgbClr val="660066"/>
-              </a:solidFill>
-            </a:endParaRPr>
-          </a:p>
-          <a:p>
-            <a:endParaRPr lang="en-US" sz="2800" dirty="0">
-              <a:solidFill>
-                <a:srgbClr val="660066"/>
-              </a:solidFill>
-            </a:endParaRPr>
-          </a:p>
-          <a:p>
-            <a:endParaRPr lang="en-US" sz="2800" dirty="0">
-              <a:solidFill>
-                <a:srgbClr val="660066"/>
-              </a:solidFill>
-            </a:endParaRPr>
-          </a:p>
-          <a:p>
-            <a:r>
-              <a:rPr lang="en-US" sz="2800" i="1" dirty="0">
-                <a:solidFill>
-                  <a:srgbClr val="660066"/>
-                </a:solidFill>
-              </a:rPr>
-              <a:t>Complicated by </a:t>
-            </a:r>
-            <a:r>
-              <a:rPr lang="en-US" sz="2800" b="1" i="1" dirty="0">
-                <a:solidFill>
-                  <a:srgbClr val="660066"/>
-                </a:solidFill>
-              </a:rPr>
-              <a:t>multiple</a:t>
-            </a:r>
-            <a:r>
-              <a:rPr lang="en-US" sz="2800" i="1" dirty="0">
-                <a:solidFill>
-                  <a:srgbClr val="660066"/>
-                </a:solidFill>
-              </a:rPr>
-              <a:t> predictor variables and/or response variables</a:t>
-            </a:r>
-          </a:p>
-          <a:p>
-            <a:endParaRPr lang="en-US" sz="2800" dirty="0">
-              <a:solidFill>
-                <a:srgbClr val="660066"/>
-              </a:solidFill>
-            </a:endParaRPr>
-          </a:p>
         </p:txBody>
       </p:sp>
-      <p:sp>
-        <p:nvSpPr>
-          <p:cNvPr id="3" name="TextBox 2">
-            <a:extLst>
-              <a:ext uri="{FF2B5EF4-FFF2-40B4-BE49-F238E27FC236}">
-                <a16:creationId xmlns:a16="http://schemas.microsoft.com/office/drawing/2014/main" id="{1A7B0DEE-7C9E-F4B1-5F83-29C0E1FA1DC8}"/>
-              </a:ext>
-            </a:extLst>
-          </p:cNvPr>
-          <p:cNvSpPr txBox="1"/>
-          <p:nvPr/>
-        </p:nvSpPr>
-        <p:spPr>
-          <a:xfrm>
-            <a:off x="1194089" y="3131336"/>
-            <a:ext cx="1981200" cy="523220"/>
-          </a:xfrm>
-          <a:prstGeom prst="rect">
-            <a:avLst/>
-          </a:prstGeom>
-          <a:noFill/>
-        </p:spPr>
-        <p:txBody>
-          <a:bodyPr wrap="square" rtlCol="0">
-            <a:spAutoFit/>
-          </a:bodyPr>
-          <a:lstStyle/>
-          <a:p>
-            <a:pPr algn="ctr"/>
-            <a:r>
-              <a:rPr lang="en-US" sz="2800" dirty="0"/>
-              <a:t>Categorical</a:t>
-            </a:r>
-          </a:p>
-        </p:txBody>
-      </p:sp>
-      <p:sp>
-        <p:nvSpPr>
-          <p:cNvPr id="4" name="TextBox 3">
-            <a:extLst>
-              <a:ext uri="{FF2B5EF4-FFF2-40B4-BE49-F238E27FC236}">
-                <a16:creationId xmlns:a16="http://schemas.microsoft.com/office/drawing/2014/main" id="{CFAFD2E7-A7E5-89A1-BB02-9E46C99529B9}"/>
-              </a:ext>
-            </a:extLst>
-          </p:cNvPr>
-          <p:cNvSpPr txBox="1"/>
-          <p:nvPr/>
-        </p:nvSpPr>
-        <p:spPr>
-          <a:xfrm>
-            <a:off x="1214871" y="4276065"/>
-            <a:ext cx="1981200" cy="523220"/>
-          </a:xfrm>
-          <a:prstGeom prst="rect">
-            <a:avLst/>
-          </a:prstGeom>
-          <a:noFill/>
-        </p:spPr>
-        <p:txBody>
-          <a:bodyPr wrap="square" rtlCol="0">
-            <a:spAutoFit/>
-          </a:bodyPr>
-          <a:lstStyle/>
-          <a:p>
-            <a:pPr algn="ctr"/>
-            <a:r>
-              <a:rPr lang="en-US" sz="2800" dirty="0"/>
-              <a:t>Quantitative</a:t>
-            </a:r>
-          </a:p>
-        </p:txBody>
-      </p:sp>
-      <p:sp>
-        <p:nvSpPr>
-          <p:cNvPr id="15" name="TextBox 14">
-            <a:extLst>
-              <a:ext uri="{FF2B5EF4-FFF2-40B4-BE49-F238E27FC236}">
-                <a16:creationId xmlns:a16="http://schemas.microsoft.com/office/drawing/2014/main" id="{F3821AEA-A95F-78B8-F95E-838A7F2D5533}"/>
-              </a:ext>
-            </a:extLst>
-          </p:cNvPr>
-          <p:cNvSpPr txBox="1"/>
-          <p:nvPr/>
-        </p:nvSpPr>
-        <p:spPr>
-          <a:xfrm>
-            <a:off x="762000" y="2381193"/>
-            <a:ext cx="3073111" cy="523220"/>
-          </a:xfrm>
-          <a:prstGeom prst="rect">
-            <a:avLst/>
-          </a:prstGeom>
-          <a:noFill/>
-        </p:spPr>
-        <p:txBody>
-          <a:bodyPr wrap="square" rtlCol="0">
-            <a:spAutoFit/>
-          </a:bodyPr>
-          <a:lstStyle/>
-          <a:p>
-            <a:pPr algn="ctr"/>
-            <a:r>
-              <a:rPr lang="en-US" sz="2800" u="sng" dirty="0"/>
-              <a:t>Response Variable</a:t>
-            </a:r>
-          </a:p>
-        </p:txBody>
-      </p:sp>
-      <p:sp>
-        <p:nvSpPr>
-          <p:cNvPr id="16" name="TextBox 15">
-            <a:extLst>
-              <a:ext uri="{FF2B5EF4-FFF2-40B4-BE49-F238E27FC236}">
-                <a16:creationId xmlns:a16="http://schemas.microsoft.com/office/drawing/2014/main" id="{D950D77A-804A-8830-AB4E-45BC6CDB4443}"/>
-              </a:ext>
-            </a:extLst>
-          </p:cNvPr>
-          <p:cNvSpPr txBox="1"/>
-          <p:nvPr/>
-        </p:nvSpPr>
-        <p:spPr>
-          <a:xfrm>
-            <a:off x="6553200" y="2379404"/>
-            <a:ext cx="3276600" cy="523220"/>
-          </a:xfrm>
-          <a:prstGeom prst="rect">
-            <a:avLst/>
-          </a:prstGeom>
-          <a:noFill/>
-        </p:spPr>
-        <p:txBody>
-          <a:bodyPr wrap="square" rtlCol="0">
-            <a:spAutoFit/>
-          </a:bodyPr>
-          <a:lstStyle/>
-          <a:p>
-            <a:pPr algn="ctr"/>
-            <a:r>
-              <a:rPr lang="en-US" sz="2800" u="sng" dirty="0"/>
-              <a:t>Predictor Variable</a:t>
-            </a:r>
-          </a:p>
-        </p:txBody>
-      </p:sp>
-      <p:sp>
-        <p:nvSpPr>
-          <p:cNvPr id="20" name="TextBox 19">
-            <a:extLst>
-              <a:ext uri="{FF2B5EF4-FFF2-40B4-BE49-F238E27FC236}">
-                <a16:creationId xmlns:a16="http://schemas.microsoft.com/office/drawing/2014/main" id="{18AAB9C5-5F78-2C31-6321-A2FBB6F2C237}"/>
-              </a:ext>
-            </a:extLst>
-          </p:cNvPr>
-          <p:cNvSpPr txBox="1"/>
-          <p:nvPr/>
-        </p:nvSpPr>
-        <p:spPr>
-          <a:xfrm>
-            <a:off x="7200900" y="3096700"/>
-            <a:ext cx="1981200" cy="523220"/>
-          </a:xfrm>
-          <a:prstGeom prst="rect">
-            <a:avLst/>
-          </a:prstGeom>
-          <a:noFill/>
-        </p:spPr>
-        <p:txBody>
-          <a:bodyPr wrap="square" rtlCol="0">
-            <a:spAutoFit/>
-          </a:bodyPr>
-          <a:lstStyle/>
-          <a:p>
-            <a:pPr algn="ctr"/>
-            <a:r>
-              <a:rPr lang="en-US" sz="2800" dirty="0"/>
-              <a:t>Categorical</a:t>
-            </a:r>
-          </a:p>
-        </p:txBody>
-      </p:sp>
-      <p:sp>
-        <p:nvSpPr>
-          <p:cNvPr id="22" name="TextBox 21">
-            <a:extLst>
-              <a:ext uri="{FF2B5EF4-FFF2-40B4-BE49-F238E27FC236}">
-                <a16:creationId xmlns:a16="http://schemas.microsoft.com/office/drawing/2014/main" id="{D2136DA5-B06B-FE75-48B4-99A7758DC4BD}"/>
-              </a:ext>
-            </a:extLst>
-          </p:cNvPr>
-          <p:cNvSpPr txBox="1"/>
-          <p:nvPr/>
-        </p:nvSpPr>
-        <p:spPr>
-          <a:xfrm>
-            <a:off x="7230776" y="4276065"/>
-            <a:ext cx="1981200" cy="523220"/>
-          </a:xfrm>
-          <a:prstGeom prst="rect">
-            <a:avLst/>
-          </a:prstGeom>
-          <a:noFill/>
-        </p:spPr>
-        <p:txBody>
-          <a:bodyPr wrap="square" rtlCol="0">
-            <a:spAutoFit/>
-          </a:bodyPr>
-          <a:lstStyle/>
-          <a:p>
-            <a:pPr algn="ctr"/>
-            <a:r>
-              <a:rPr lang="en-US" sz="2800" dirty="0"/>
-              <a:t>Quantitative</a:t>
-            </a:r>
-          </a:p>
-        </p:txBody>
-      </p:sp>
-      <p:cxnSp>
-        <p:nvCxnSpPr>
-          <p:cNvPr id="23" name="Straight Arrow Connector 22">
-            <a:extLst>
-              <a:ext uri="{FF2B5EF4-FFF2-40B4-BE49-F238E27FC236}">
-                <a16:creationId xmlns:a16="http://schemas.microsoft.com/office/drawing/2014/main" id="{C198BF8B-858B-EDBC-2AD2-FFE678C813AE}"/>
-              </a:ext>
-            </a:extLst>
-          </p:cNvPr>
-          <p:cNvCxnSpPr>
-            <a:cxnSpLocks/>
-          </p:cNvCxnSpPr>
-          <p:nvPr/>
-        </p:nvCxnSpPr>
-        <p:spPr>
-          <a:xfrm>
-            <a:off x="3119868" y="3384460"/>
-            <a:ext cx="4081032" cy="0"/>
-          </a:xfrm>
-          <a:prstGeom prst="straightConnector1">
-            <a:avLst/>
-          </a:prstGeom>
-          <a:ln w="38100">
-            <a:solidFill>
-              <a:srgbClr val="660066"/>
-            </a:solidFill>
-            <a:tailEnd type="triangle"/>
-          </a:ln>
-        </p:spPr>
-        <p:style>
-          <a:lnRef idx="1">
-            <a:schemeClr val="dk1"/>
-          </a:lnRef>
-          <a:fillRef idx="0">
-            <a:schemeClr val="dk1"/>
-          </a:fillRef>
-          <a:effectRef idx="0">
-            <a:schemeClr val="dk1"/>
-          </a:effectRef>
-          <a:fontRef idx="minor">
-            <a:schemeClr val="tx1"/>
-          </a:fontRef>
-        </p:style>
-      </p:cxnSp>
-      <p:cxnSp>
-        <p:nvCxnSpPr>
-          <p:cNvPr id="27" name="Straight Arrow Connector 26">
-            <a:extLst>
-              <a:ext uri="{FF2B5EF4-FFF2-40B4-BE49-F238E27FC236}">
-                <a16:creationId xmlns:a16="http://schemas.microsoft.com/office/drawing/2014/main" id="{551A4EAB-2E79-4BA2-E7B5-E4889776DD9D}"/>
-              </a:ext>
-            </a:extLst>
-          </p:cNvPr>
-          <p:cNvCxnSpPr>
-            <a:cxnSpLocks/>
-            <a:endCxn id="22" idx="1"/>
-          </p:cNvCxnSpPr>
-          <p:nvPr/>
-        </p:nvCxnSpPr>
-        <p:spPr>
-          <a:xfrm>
-            <a:off x="3108286" y="3392946"/>
-            <a:ext cx="4122490" cy="1144729"/>
-          </a:xfrm>
-          <a:prstGeom prst="straightConnector1">
-            <a:avLst/>
-          </a:prstGeom>
-          <a:ln w="38100">
-            <a:solidFill>
-              <a:srgbClr val="660066"/>
-            </a:solidFill>
-            <a:tailEnd type="triangle"/>
-          </a:ln>
-        </p:spPr>
-        <p:style>
-          <a:lnRef idx="1">
-            <a:schemeClr val="dk1"/>
-          </a:lnRef>
-          <a:fillRef idx="0">
-            <a:schemeClr val="dk1"/>
-          </a:fillRef>
-          <a:effectRef idx="0">
-            <a:schemeClr val="dk1"/>
-          </a:effectRef>
-          <a:fontRef idx="minor">
-            <a:schemeClr val="tx1"/>
-          </a:fontRef>
-        </p:style>
-      </p:cxnSp>
-      <p:cxnSp>
-        <p:nvCxnSpPr>
-          <p:cNvPr id="30" name="Straight Arrow Connector 29">
-            <a:extLst>
-              <a:ext uri="{FF2B5EF4-FFF2-40B4-BE49-F238E27FC236}">
-                <a16:creationId xmlns:a16="http://schemas.microsoft.com/office/drawing/2014/main" id="{842EF16E-2DE6-6286-769B-935B2776053E}"/>
-              </a:ext>
-            </a:extLst>
-          </p:cNvPr>
-          <p:cNvCxnSpPr>
-            <a:cxnSpLocks/>
-          </p:cNvCxnSpPr>
-          <p:nvPr/>
-        </p:nvCxnSpPr>
-        <p:spPr>
-          <a:xfrm flipV="1">
-            <a:off x="3150178" y="3488049"/>
-            <a:ext cx="4050722" cy="1054393"/>
-          </a:xfrm>
-          <a:prstGeom prst="straightConnector1">
-            <a:avLst/>
-          </a:prstGeom>
-          <a:ln w="38100">
-            <a:solidFill>
-              <a:srgbClr val="FFC416"/>
-            </a:solidFill>
-            <a:tailEnd type="triangle"/>
-          </a:ln>
-        </p:spPr>
-        <p:style>
-          <a:lnRef idx="1">
-            <a:schemeClr val="dk1"/>
-          </a:lnRef>
-          <a:fillRef idx="0">
-            <a:schemeClr val="dk1"/>
-          </a:fillRef>
-          <a:effectRef idx="0">
-            <a:schemeClr val="dk1"/>
-          </a:effectRef>
-          <a:fontRef idx="minor">
-            <a:schemeClr val="tx1"/>
-          </a:fontRef>
-        </p:style>
-      </p:cxnSp>
-      <p:cxnSp>
-        <p:nvCxnSpPr>
-          <p:cNvPr id="32" name="Straight Arrow Connector 31">
-            <a:extLst>
-              <a:ext uri="{FF2B5EF4-FFF2-40B4-BE49-F238E27FC236}">
-                <a16:creationId xmlns:a16="http://schemas.microsoft.com/office/drawing/2014/main" id="{F78DCA1E-3034-92DE-5D50-DBCCAAAB02BC}"/>
-              </a:ext>
-            </a:extLst>
-          </p:cNvPr>
-          <p:cNvCxnSpPr>
-            <a:cxnSpLocks/>
-          </p:cNvCxnSpPr>
-          <p:nvPr/>
-        </p:nvCxnSpPr>
-        <p:spPr>
-          <a:xfrm>
-            <a:off x="3166199" y="4551822"/>
-            <a:ext cx="3996601" cy="80956"/>
-          </a:xfrm>
-          <a:prstGeom prst="straightConnector1">
-            <a:avLst/>
-          </a:prstGeom>
-          <a:ln w="38100">
-            <a:solidFill>
-              <a:srgbClr val="FFC416"/>
-            </a:solidFill>
-            <a:tailEnd type="triangle"/>
-          </a:ln>
-        </p:spPr>
-        <p:style>
-          <a:lnRef idx="1">
-            <a:schemeClr val="dk1"/>
-          </a:lnRef>
-          <a:fillRef idx="0">
-            <a:schemeClr val="dk1"/>
-          </a:fillRef>
-          <a:effectRef idx="0">
-            <a:schemeClr val="dk1"/>
-          </a:effectRef>
-          <a:fontRef idx="minor">
-            <a:schemeClr val="tx1"/>
-          </a:fontRef>
-        </p:style>
-      </p:cxnSp>
     </p:spTree>
     <p:extLst>
       <p:ext uri="{BB962C8B-B14F-4D97-AF65-F5344CB8AC3E}">
-        <p14:creationId xmlns:p14="http://schemas.microsoft.com/office/powerpoint/2010/main" val="1625247909"/>
+        <p14:creationId xmlns:p14="http://schemas.microsoft.com/office/powerpoint/2010/main" val="657196803"/>
       </p:ext>
     </p:extLst>
   </p:cSld>
@@ -8614,1198 +9790,6 @@
 </file>
 
 <file path=ppt/slides/slide16.xml><?xml version="1.0" encoding="utf-8"?>
-<p:sld xmlns:a="http://schemas.openxmlformats.org/drawingml/2006/main" xmlns:r="http://schemas.openxmlformats.org/officeDocument/2006/relationships" xmlns:p="http://schemas.openxmlformats.org/presentationml/2006/main">
-  <p:cSld>
-    <p:spTree>
-      <p:nvGrpSpPr>
-        <p:cNvPr id="1" name=""/>
-        <p:cNvGrpSpPr/>
-        <p:nvPr/>
-      </p:nvGrpSpPr>
-      <p:grpSpPr>
-        <a:xfrm>
-          <a:off x="0" y="0"/>
-          <a:ext cx="0" cy="0"/>
-          <a:chOff x="0" y="0"/>
-          <a:chExt cx="0" cy="0"/>
-        </a:xfrm>
-      </p:grpSpPr>
-      <p:pic>
-        <p:nvPicPr>
-          <p:cNvPr id="2" name="Picture 10" descr="Mario Pattern">
-            <a:extLst>
-              <a:ext uri="{FF2B5EF4-FFF2-40B4-BE49-F238E27FC236}">
-                <a16:creationId xmlns:a16="http://schemas.microsoft.com/office/drawing/2014/main" id="{8F84FFD9-23AF-75F7-6DAA-904525952142}"/>
-              </a:ext>
-            </a:extLst>
-          </p:cNvPr>
-          <p:cNvPicPr>
-            <a:picLocks noChangeAspect="1" noChangeArrowheads="1"/>
-          </p:cNvPicPr>
-          <p:nvPr/>
-        </p:nvPicPr>
-        <p:blipFill rotWithShape="1">
-          <a:blip r:embed="rId2">
-            <a:alphaModFix amt="47000"/>
-            <a:extLst>
-              <a:ext uri="{28A0092B-C50C-407E-A947-70E740481C1C}">
-                <a14:useLocalDpi xmlns:a14="http://schemas.microsoft.com/office/drawing/2010/main" val="0"/>
-              </a:ext>
-            </a:extLst>
-          </a:blip>
-          <a:srcRect l="4595" r="6699"/>
-          <a:stretch/>
-        </p:blipFill>
-        <p:spPr bwMode="auto">
-          <a:xfrm>
-            <a:off x="0" y="-2057400"/>
-            <a:ext cx="12192000" cy="10308201"/>
-          </a:xfrm>
-          <a:prstGeom prst="rect">
-            <a:avLst/>
-          </a:prstGeom>
-          <a:noFill/>
-          <a:extLst>
-            <a:ext uri="{909E8E84-426E-40DD-AFC4-6F175D3DCCD1}">
-              <a14:hiddenFill xmlns:a14="http://schemas.microsoft.com/office/drawing/2010/main">
-                <a:solidFill>
-                  <a:srgbClr val="FFFFFF"/>
-                </a:solidFill>
-              </a14:hiddenFill>
-            </a:ext>
-          </a:extLst>
-        </p:spPr>
-      </p:pic>
-      <p:sp>
-        <p:nvSpPr>
-          <p:cNvPr id="12" name="Line 11"/>
-          <p:cNvSpPr>
-            <a:spLocks noChangeShapeType="1"/>
-          </p:cNvSpPr>
-          <p:nvPr/>
-        </p:nvSpPr>
-        <p:spPr bwMode="auto">
-          <a:xfrm flipV="1">
-            <a:off x="6972300" y="5109836"/>
-            <a:ext cx="609600" cy="533400"/>
-          </a:xfrm>
-          <a:prstGeom prst="line">
-            <a:avLst/>
-          </a:prstGeom>
-          <a:noFill/>
-          <a:ln w="38100">
-            <a:solidFill>
-              <a:srgbClr val="FFFF66"/>
-            </a:solidFill>
-            <a:round/>
-            <a:headEnd/>
-            <a:tailEnd type="triangle" w="med" len="med"/>
-          </a:ln>
-          <a:extLst>
-            <a:ext uri="{909E8E84-426E-40DD-AFC4-6F175D3DCCD1}">
-              <a14:hiddenFill xmlns:a14="http://schemas.microsoft.com/office/drawing/2010/main">
-                <a:noFill/>
-              </a14:hiddenFill>
-            </a:ext>
-          </a:extLst>
-        </p:spPr>
-        <p:txBody>
-          <a:bodyPr wrap="square">
-            <a:spAutoFit/>
-          </a:bodyPr>
-          <a:lstStyle/>
-          <a:p>
-            <a:endParaRPr lang="en-US"/>
-          </a:p>
-        </p:txBody>
-      </p:sp>
-      <p:sp>
-        <p:nvSpPr>
-          <p:cNvPr id="6" name="TextBox 5">
-            <a:extLst>
-              <a:ext uri="{FF2B5EF4-FFF2-40B4-BE49-F238E27FC236}">
-                <a16:creationId xmlns:a16="http://schemas.microsoft.com/office/drawing/2014/main" id="{4F2DA592-D8EB-70BA-2112-6C13A4E7B393}"/>
-              </a:ext>
-            </a:extLst>
-          </p:cNvPr>
-          <p:cNvSpPr txBox="1"/>
-          <p:nvPr/>
-        </p:nvSpPr>
-        <p:spPr>
-          <a:xfrm>
-            <a:off x="495300" y="606817"/>
-            <a:ext cx="11201400" cy="919401"/>
-          </a:xfrm>
-          <a:prstGeom prst="roundRect">
-            <a:avLst/>
-          </a:prstGeom>
-          <a:solidFill>
-            <a:schemeClr val="bg1">
-              <a:alpha val="70000"/>
-            </a:schemeClr>
-          </a:solidFill>
-          <a:ln w="76200">
-            <a:solidFill>
-              <a:srgbClr val="FFC416"/>
-            </a:solidFill>
-          </a:ln>
-        </p:spPr>
-        <p:style>
-          <a:lnRef idx="2">
-            <a:schemeClr val="dk1"/>
-          </a:lnRef>
-          <a:fillRef idx="1">
-            <a:schemeClr val="lt1"/>
-          </a:fillRef>
-          <a:effectRef idx="0">
-            <a:schemeClr val="dk1"/>
-          </a:effectRef>
-          <a:fontRef idx="minor">
-            <a:schemeClr val="dk1"/>
-          </a:fontRef>
-        </p:style>
-        <p:txBody>
-          <a:bodyPr wrap="square" rtlCol="0">
-            <a:spAutoFit/>
-          </a:bodyPr>
-          <a:lstStyle/>
-          <a:p>
-            <a:pPr algn="ctr"/>
-            <a:r>
-              <a:rPr lang="en-US" sz="4800" b="1" dirty="0">
-                <a:solidFill>
-                  <a:srgbClr val="2D3A37"/>
-                </a:solidFill>
-                <a:latin typeface="Adobe Devanagari" panose="02040503050201020203" pitchFamily="18" charset="0"/>
-                <a:cs typeface="Adobe Devanagari" panose="02040503050201020203" pitchFamily="18" charset="0"/>
-              </a:rPr>
-              <a:t>Technology We Will Use</a:t>
-            </a:r>
-            <a:endParaRPr lang="en-US" sz="4800" dirty="0">
-              <a:solidFill>
-                <a:srgbClr val="2D3A37"/>
-              </a:solidFill>
-            </a:endParaRPr>
-          </a:p>
-        </p:txBody>
-      </p:sp>
-      <p:sp>
-        <p:nvSpPr>
-          <p:cNvPr id="7" name="TextBox 6">
-            <a:extLst>
-              <a:ext uri="{FF2B5EF4-FFF2-40B4-BE49-F238E27FC236}">
-                <a16:creationId xmlns:a16="http://schemas.microsoft.com/office/drawing/2014/main" id="{D9B238EA-D04E-3255-7509-F990F1A8F309}"/>
-              </a:ext>
-            </a:extLst>
-          </p:cNvPr>
-          <p:cNvSpPr txBox="1"/>
-          <p:nvPr/>
-        </p:nvSpPr>
-        <p:spPr>
-          <a:xfrm>
-            <a:off x="495300" y="1977074"/>
-            <a:ext cx="11201400" cy="3439239"/>
-          </a:xfrm>
-          <a:prstGeom prst="roundRect">
-            <a:avLst/>
-          </a:prstGeom>
-          <a:solidFill>
-            <a:schemeClr val="bg1"/>
-          </a:solidFill>
-          <a:ln w="76200">
-            <a:solidFill>
-              <a:srgbClr val="FFC416"/>
-            </a:solidFill>
-          </a:ln>
-        </p:spPr>
-        <p:style>
-          <a:lnRef idx="2">
-            <a:schemeClr val="dk1"/>
-          </a:lnRef>
-          <a:fillRef idx="1">
-            <a:schemeClr val="lt1"/>
-          </a:fillRef>
-          <a:effectRef idx="0">
-            <a:schemeClr val="dk1"/>
-          </a:effectRef>
-          <a:fontRef idx="minor">
-            <a:schemeClr val="dk1"/>
-          </a:fontRef>
-        </p:style>
-        <p:txBody>
-          <a:bodyPr wrap="square" rtlCol="0">
-            <a:spAutoFit/>
-          </a:bodyPr>
-          <a:lstStyle/>
-          <a:p>
-            <a:pPr marL="457200" indent="-457200">
-              <a:buFont typeface="Arial" panose="020B0604020202020204" pitchFamily="34" charset="0"/>
-              <a:buChar char="•"/>
-            </a:pPr>
-            <a:r>
-              <a:rPr lang="en-US" sz="2800" i="1" dirty="0">
-                <a:solidFill>
-                  <a:srgbClr val="660066"/>
-                </a:solidFill>
-              </a:rPr>
-              <a:t>R</a:t>
-            </a:r>
-            <a:r>
-              <a:rPr lang="en-US" sz="2800" dirty="0">
-                <a:solidFill>
-                  <a:srgbClr val="660066"/>
-                </a:solidFill>
-              </a:rPr>
-              <a:t> = a free, widely used, open source, language and environment for statistical computing and graphics</a:t>
-            </a:r>
-          </a:p>
-          <a:p>
-            <a:pPr marL="457200" indent="-457200">
-              <a:buFont typeface="Arial" panose="020B0604020202020204" pitchFamily="34" charset="0"/>
-              <a:buChar char="•"/>
-            </a:pPr>
-            <a:endParaRPr lang="en-US" sz="2800" i="1" dirty="0">
-              <a:solidFill>
-                <a:srgbClr val="660066"/>
-              </a:solidFill>
-            </a:endParaRPr>
-          </a:p>
-          <a:p>
-            <a:pPr marL="457200" indent="-457200">
-              <a:buFont typeface="Arial" panose="020B0604020202020204" pitchFamily="34" charset="0"/>
-              <a:buChar char="•"/>
-            </a:pPr>
-            <a:r>
-              <a:rPr lang="en-US" sz="2800" i="1" dirty="0">
-                <a:solidFill>
-                  <a:srgbClr val="660066"/>
-                </a:solidFill>
-              </a:rPr>
-              <a:t>RStudio = </a:t>
-            </a:r>
-            <a:r>
-              <a:rPr lang="en-US" sz="2800" dirty="0">
-                <a:solidFill>
-                  <a:srgbClr val="660066"/>
-                </a:solidFill>
-              </a:rPr>
-              <a:t>an interface for </a:t>
-            </a:r>
-            <a:r>
-              <a:rPr lang="en-US" sz="2800" i="1" dirty="0">
-                <a:solidFill>
-                  <a:srgbClr val="660066"/>
-                </a:solidFill>
-              </a:rPr>
-              <a:t>R</a:t>
-            </a:r>
-            <a:r>
-              <a:rPr lang="en-US" sz="2800" dirty="0">
-                <a:solidFill>
-                  <a:srgbClr val="660066"/>
-                </a:solidFill>
-              </a:rPr>
-              <a:t> (Integrated Development Environment)</a:t>
-            </a:r>
-          </a:p>
-          <a:p>
-            <a:pPr marL="457200" indent="-457200">
-              <a:buFont typeface="Arial" panose="020B0604020202020204" pitchFamily="34" charset="0"/>
-              <a:buChar char="•"/>
-            </a:pPr>
-            <a:endParaRPr lang="en-US" sz="2800" i="1" dirty="0">
-              <a:solidFill>
-                <a:srgbClr val="660066"/>
-              </a:solidFill>
-            </a:endParaRPr>
-          </a:p>
-          <a:p>
-            <a:pPr marL="457200" indent="-457200">
-              <a:buFont typeface="Arial" panose="020B0604020202020204" pitchFamily="34" charset="0"/>
-              <a:buChar char="•"/>
-            </a:pPr>
-            <a:r>
-              <a:rPr lang="en-US" sz="2800" i="1" dirty="0" err="1">
-                <a:solidFill>
-                  <a:srgbClr val="660066"/>
-                </a:solidFill>
-              </a:rPr>
-              <a:t>RMarkdown</a:t>
-            </a:r>
-            <a:r>
-              <a:rPr lang="en-US" sz="2800" dirty="0">
-                <a:solidFill>
-                  <a:srgbClr val="660066"/>
-                </a:solidFill>
-              </a:rPr>
-              <a:t> = a tool in R for creating documents that combine R code with text</a:t>
-            </a:r>
-            <a:endParaRPr lang="en-US" sz="2800" i="1" dirty="0">
-              <a:solidFill>
-                <a:srgbClr val="660066"/>
-              </a:solidFill>
-            </a:endParaRPr>
-          </a:p>
-        </p:txBody>
-      </p:sp>
-      <p:sp>
-        <p:nvSpPr>
-          <p:cNvPr id="3" name="TextBox 2">
-            <a:extLst>
-              <a:ext uri="{FF2B5EF4-FFF2-40B4-BE49-F238E27FC236}">
-                <a16:creationId xmlns:a16="http://schemas.microsoft.com/office/drawing/2014/main" id="{198CF8AC-87DF-7FA9-314F-52FBF8BED237}"/>
-              </a:ext>
-            </a:extLst>
-          </p:cNvPr>
-          <p:cNvSpPr txBox="1"/>
-          <p:nvPr/>
-        </p:nvSpPr>
-        <p:spPr>
-          <a:xfrm>
-            <a:off x="495300" y="5830990"/>
-            <a:ext cx="11201400" cy="578882"/>
-          </a:xfrm>
-          <a:prstGeom prst="roundRect">
-            <a:avLst/>
-          </a:prstGeom>
-          <a:solidFill>
-            <a:schemeClr val="bg1"/>
-          </a:solidFill>
-          <a:ln w="76200">
-            <a:solidFill>
-              <a:srgbClr val="FFC416"/>
-            </a:solidFill>
-          </a:ln>
-        </p:spPr>
-        <p:style>
-          <a:lnRef idx="2">
-            <a:schemeClr val="dk1"/>
-          </a:lnRef>
-          <a:fillRef idx="1">
-            <a:schemeClr val="lt1"/>
-          </a:fillRef>
-          <a:effectRef idx="0">
-            <a:schemeClr val="dk1"/>
-          </a:effectRef>
-          <a:fontRef idx="minor">
-            <a:schemeClr val="dk1"/>
-          </a:fontRef>
-        </p:style>
-        <p:txBody>
-          <a:bodyPr wrap="square" rtlCol="0">
-            <a:spAutoFit/>
-          </a:bodyPr>
-          <a:lstStyle/>
-          <a:p>
-            <a:pPr algn="ctr"/>
-            <a:r>
-              <a:rPr lang="en-US" sz="2800" dirty="0">
-                <a:solidFill>
-                  <a:srgbClr val="660066"/>
-                </a:solidFill>
-              </a:rPr>
-              <a:t>Download R and RStudio to Your Computer</a:t>
-            </a:r>
-          </a:p>
-        </p:txBody>
-      </p:sp>
-    </p:spTree>
-    <p:extLst>
-      <p:ext uri="{BB962C8B-B14F-4D97-AF65-F5344CB8AC3E}">
-        <p14:creationId xmlns:p14="http://schemas.microsoft.com/office/powerpoint/2010/main" val="135342462"/>
-      </p:ext>
-    </p:extLst>
-  </p:cSld>
-  <p:clrMapOvr>
-    <a:masterClrMapping/>
-  </p:clrMapOvr>
-</p:sld>
-</file>
-
-<file path=ppt/slides/slide17.xml><?xml version="1.0" encoding="utf-8"?>
-<p:sld xmlns:a="http://schemas.openxmlformats.org/drawingml/2006/main" xmlns:r="http://schemas.openxmlformats.org/officeDocument/2006/relationships" xmlns:p="http://schemas.openxmlformats.org/presentationml/2006/main">
-  <p:cSld>
-    <p:spTree>
-      <p:nvGrpSpPr>
-        <p:cNvPr id="1" name=""/>
-        <p:cNvGrpSpPr/>
-        <p:nvPr/>
-      </p:nvGrpSpPr>
-      <p:grpSpPr>
-        <a:xfrm>
-          <a:off x="0" y="0"/>
-          <a:ext cx="0" cy="0"/>
-          <a:chOff x="0" y="0"/>
-          <a:chExt cx="0" cy="0"/>
-        </a:xfrm>
-      </p:grpSpPr>
-      <p:pic>
-        <p:nvPicPr>
-          <p:cNvPr id="2" name="Picture 10" descr="Mario Pattern">
-            <a:extLst>
-              <a:ext uri="{FF2B5EF4-FFF2-40B4-BE49-F238E27FC236}">
-                <a16:creationId xmlns:a16="http://schemas.microsoft.com/office/drawing/2014/main" id="{8F84FFD9-23AF-75F7-6DAA-904525952142}"/>
-              </a:ext>
-            </a:extLst>
-          </p:cNvPr>
-          <p:cNvPicPr>
-            <a:picLocks noChangeAspect="1" noChangeArrowheads="1"/>
-          </p:cNvPicPr>
-          <p:nvPr/>
-        </p:nvPicPr>
-        <p:blipFill rotWithShape="1">
-          <a:blip r:embed="rId2">
-            <a:alphaModFix amt="47000"/>
-            <a:extLst>
-              <a:ext uri="{28A0092B-C50C-407E-A947-70E740481C1C}">
-                <a14:useLocalDpi xmlns:a14="http://schemas.microsoft.com/office/drawing/2010/main" val="0"/>
-              </a:ext>
-            </a:extLst>
-          </a:blip>
-          <a:srcRect l="4595" r="6699"/>
-          <a:stretch/>
-        </p:blipFill>
-        <p:spPr bwMode="auto">
-          <a:xfrm>
-            <a:off x="0" y="-2057400"/>
-            <a:ext cx="12192000" cy="10308201"/>
-          </a:xfrm>
-          <a:prstGeom prst="rect">
-            <a:avLst/>
-          </a:prstGeom>
-          <a:noFill/>
-          <a:extLst>
-            <a:ext uri="{909E8E84-426E-40DD-AFC4-6F175D3DCCD1}">
-              <a14:hiddenFill xmlns:a14="http://schemas.microsoft.com/office/drawing/2010/main">
-                <a:solidFill>
-                  <a:srgbClr val="FFFFFF"/>
-                </a:solidFill>
-              </a14:hiddenFill>
-            </a:ext>
-          </a:extLst>
-        </p:spPr>
-      </p:pic>
-      <p:sp>
-        <p:nvSpPr>
-          <p:cNvPr id="12" name="Line 11"/>
-          <p:cNvSpPr>
-            <a:spLocks noChangeShapeType="1"/>
-          </p:cNvSpPr>
-          <p:nvPr/>
-        </p:nvSpPr>
-        <p:spPr bwMode="auto">
-          <a:xfrm flipV="1">
-            <a:off x="6972300" y="5109836"/>
-            <a:ext cx="609600" cy="533400"/>
-          </a:xfrm>
-          <a:prstGeom prst="line">
-            <a:avLst/>
-          </a:prstGeom>
-          <a:noFill/>
-          <a:ln w="38100">
-            <a:solidFill>
-              <a:srgbClr val="FFFF66"/>
-            </a:solidFill>
-            <a:round/>
-            <a:headEnd/>
-            <a:tailEnd type="triangle" w="med" len="med"/>
-          </a:ln>
-          <a:extLst>
-            <a:ext uri="{909E8E84-426E-40DD-AFC4-6F175D3DCCD1}">
-              <a14:hiddenFill xmlns:a14="http://schemas.microsoft.com/office/drawing/2010/main">
-                <a:noFill/>
-              </a14:hiddenFill>
-            </a:ext>
-          </a:extLst>
-        </p:spPr>
-        <p:txBody>
-          <a:bodyPr wrap="square">
-            <a:spAutoFit/>
-          </a:bodyPr>
-          <a:lstStyle/>
-          <a:p>
-            <a:endParaRPr lang="en-US"/>
-          </a:p>
-        </p:txBody>
-      </p:sp>
-      <p:sp>
-        <p:nvSpPr>
-          <p:cNvPr id="6" name="TextBox 5">
-            <a:extLst>
-              <a:ext uri="{FF2B5EF4-FFF2-40B4-BE49-F238E27FC236}">
-                <a16:creationId xmlns:a16="http://schemas.microsoft.com/office/drawing/2014/main" id="{4F2DA592-D8EB-70BA-2112-6C13A4E7B393}"/>
-              </a:ext>
-            </a:extLst>
-          </p:cNvPr>
-          <p:cNvSpPr txBox="1"/>
-          <p:nvPr/>
-        </p:nvSpPr>
-        <p:spPr>
-          <a:xfrm>
-            <a:off x="495300" y="606817"/>
-            <a:ext cx="11201400" cy="919401"/>
-          </a:xfrm>
-          <a:prstGeom prst="roundRect">
-            <a:avLst/>
-          </a:prstGeom>
-          <a:solidFill>
-            <a:schemeClr val="bg1">
-              <a:alpha val="70000"/>
-            </a:schemeClr>
-          </a:solidFill>
-          <a:ln w="76200">
-            <a:solidFill>
-              <a:srgbClr val="FFC416"/>
-            </a:solidFill>
-          </a:ln>
-        </p:spPr>
-        <p:style>
-          <a:lnRef idx="2">
-            <a:schemeClr val="dk1"/>
-          </a:lnRef>
-          <a:fillRef idx="1">
-            <a:schemeClr val="lt1"/>
-          </a:fillRef>
-          <a:effectRef idx="0">
-            <a:schemeClr val="dk1"/>
-          </a:effectRef>
-          <a:fontRef idx="minor">
-            <a:schemeClr val="dk1"/>
-          </a:fontRef>
-        </p:style>
-        <p:txBody>
-          <a:bodyPr wrap="square" rtlCol="0">
-            <a:spAutoFit/>
-          </a:bodyPr>
-          <a:lstStyle/>
-          <a:p>
-            <a:pPr algn="ctr"/>
-            <a:r>
-              <a:rPr lang="en-US" sz="4800" b="1" dirty="0">
-                <a:solidFill>
-                  <a:srgbClr val="2D3A37"/>
-                </a:solidFill>
-                <a:latin typeface="Adobe Devanagari" panose="02040503050201020203" pitchFamily="18" charset="0"/>
-                <a:cs typeface="Adobe Devanagari" panose="02040503050201020203" pitchFamily="18" charset="0"/>
-              </a:rPr>
-              <a:t>Quick Look at R Studio</a:t>
-            </a:r>
-            <a:endParaRPr lang="en-US" sz="4800" dirty="0">
-              <a:solidFill>
-                <a:srgbClr val="2D3A37"/>
-              </a:solidFill>
-            </a:endParaRPr>
-          </a:p>
-        </p:txBody>
-      </p:sp>
-      <p:pic>
-        <p:nvPicPr>
-          <p:cNvPr id="3" name="Picture 2">
-            <a:extLst>
-              <a:ext uri="{FF2B5EF4-FFF2-40B4-BE49-F238E27FC236}">
-                <a16:creationId xmlns:a16="http://schemas.microsoft.com/office/drawing/2014/main" id="{55588FD6-E515-54E1-7613-14E228EB9528}"/>
-              </a:ext>
-            </a:extLst>
-          </p:cNvPr>
-          <p:cNvPicPr>
-            <a:picLocks noChangeAspect="1"/>
-          </p:cNvPicPr>
-          <p:nvPr/>
-        </p:nvPicPr>
-        <p:blipFill>
-          <a:blip r:embed="rId3"/>
-          <a:stretch>
-            <a:fillRect/>
-          </a:stretch>
-        </p:blipFill>
-        <p:spPr>
-          <a:xfrm>
-            <a:off x="1981200" y="1676400"/>
-            <a:ext cx="7924800" cy="4893801"/>
-          </a:xfrm>
-          <a:prstGeom prst="rect">
-            <a:avLst/>
-          </a:prstGeom>
-          <a:ln w="28575">
-            <a:solidFill>
-              <a:srgbClr val="FFC416"/>
-            </a:solidFill>
-          </a:ln>
-        </p:spPr>
-      </p:pic>
-      <p:sp>
-        <p:nvSpPr>
-          <p:cNvPr id="4" name="TextBox 3">
-            <a:extLst>
-              <a:ext uri="{FF2B5EF4-FFF2-40B4-BE49-F238E27FC236}">
-                <a16:creationId xmlns:a16="http://schemas.microsoft.com/office/drawing/2014/main" id="{02339D7F-7000-847C-346F-D393E6BABCA3}"/>
-              </a:ext>
-            </a:extLst>
-          </p:cNvPr>
-          <p:cNvSpPr txBox="1"/>
-          <p:nvPr/>
-        </p:nvSpPr>
-        <p:spPr>
-          <a:xfrm>
-            <a:off x="2209800" y="3541931"/>
-            <a:ext cx="3886200" cy="369332"/>
-          </a:xfrm>
-          <a:prstGeom prst="rect">
-            <a:avLst/>
-          </a:prstGeom>
-          <a:solidFill>
-            <a:srgbClr val="FFC416"/>
-          </a:solidFill>
-        </p:spPr>
-        <p:txBody>
-          <a:bodyPr wrap="square" rtlCol="0">
-            <a:spAutoFit/>
-          </a:bodyPr>
-          <a:lstStyle/>
-          <a:p>
-            <a:r>
-              <a:rPr lang="en-US" dirty="0">
-                <a:solidFill>
-                  <a:schemeClr val="tx1"/>
-                </a:solidFill>
-              </a:rPr>
-              <a:t>Editor: write/view code, data</a:t>
-            </a:r>
-          </a:p>
-        </p:txBody>
-      </p:sp>
-      <p:sp>
-        <p:nvSpPr>
-          <p:cNvPr id="5" name="TextBox 4">
-            <a:extLst>
-              <a:ext uri="{FF2B5EF4-FFF2-40B4-BE49-F238E27FC236}">
-                <a16:creationId xmlns:a16="http://schemas.microsoft.com/office/drawing/2014/main" id="{56B74EA7-35F6-0958-04BC-368720845826}"/>
-              </a:ext>
-            </a:extLst>
-          </p:cNvPr>
-          <p:cNvSpPr txBox="1"/>
-          <p:nvPr/>
-        </p:nvSpPr>
-        <p:spPr>
-          <a:xfrm>
-            <a:off x="6331527" y="2895600"/>
-            <a:ext cx="3400697" cy="830997"/>
-          </a:xfrm>
-          <a:prstGeom prst="rect">
-            <a:avLst/>
-          </a:prstGeom>
-          <a:solidFill>
-            <a:srgbClr val="FFC416"/>
-          </a:solidFill>
-        </p:spPr>
-        <p:txBody>
-          <a:bodyPr wrap="square" rtlCol="0">
-            <a:spAutoFit/>
-          </a:bodyPr>
-          <a:lstStyle/>
-          <a:p>
-            <a:r>
-              <a:rPr lang="en-US" dirty="0">
-                <a:solidFill>
-                  <a:schemeClr val="tx1"/>
-                </a:solidFill>
-              </a:rPr>
-              <a:t>Environment: lists active variables, functions, …</a:t>
-            </a:r>
-          </a:p>
-        </p:txBody>
-      </p:sp>
-      <p:sp>
-        <p:nvSpPr>
-          <p:cNvPr id="8" name="TextBox 7">
-            <a:extLst>
-              <a:ext uri="{FF2B5EF4-FFF2-40B4-BE49-F238E27FC236}">
-                <a16:creationId xmlns:a16="http://schemas.microsoft.com/office/drawing/2014/main" id="{2FDD4823-1317-513B-C460-A56051F1F433}"/>
-              </a:ext>
-            </a:extLst>
-          </p:cNvPr>
-          <p:cNvSpPr txBox="1"/>
-          <p:nvPr/>
-        </p:nvSpPr>
-        <p:spPr>
-          <a:xfrm>
-            <a:off x="6660275" y="4724400"/>
-            <a:ext cx="2743199" cy="1569660"/>
-          </a:xfrm>
-          <a:prstGeom prst="rect">
-            <a:avLst/>
-          </a:prstGeom>
-          <a:solidFill>
-            <a:srgbClr val="FFC416"/>
-          </a:solidFill>
-        </p:spPr>
-        <p:txBody>
-          <a:bodyPr wrap="square" rtlCol="0">
-            <a:spAutoFit/>
-          </a:bodyPr>
-          <a:lstStyle/>
-          <a:p>
-            <a:pPr>
-              <a:spcBef>
-                <a:spcPts val="0"/>
-              </a:spcBef>
-            </a:pPr>
-            <a:r>
-              <a:rPr lang="en-US" dirty="0">
-                <a:solidFill>
-                  <a:schemeClr val="tx1"/>
-                </a:solidFill>
-              </a:rPr>
-              <a:t>Access files</a:t>
-            </a:r>
-          </a:p>
-          <a:p>
-            <a:pPr>
-              <a:spcBef>
-                <a:spcPts val="0"/>
-              </a:spcBef>
-            </a:pPr>
-            <a:r>
-              <a:rPr lang="en-US" dirty="0">
-                <a:solidFill>
-                  <a:schemeClr val="tx1"/>
-                </a:solidFill>
-              </a:rPr>
-              <a:t>View plots</a:t>
-            </a:r>
-          </a:p>
-          <a:p>
-            <a:pPr>
-              <a:spcBef>
-                <a:spcPts val="0"/>
-              </a:spcBef>
-            </a:pPr>
-            <a:r>
-              <a:rPr lang="en-US" dirty="0">
-                <a:solidFill>
-                  <a:schemeClr val="tx1"/>
-                </a:solidFill>
-              </a:rPr>
-              <a:t>Control packages</a:t>
-            </a:r>
-          </a:p>
-          <a:p>
-            <a:pPr>
-              <a:spcBef>
-                <a:spcPts val="0"/>
-              </a:spcBef>
-            </a:pPr>
-            <a:r>
-              <a:rPr lang="en-US" dirty="0">
-                <a:solidFill>
-                  <a:schemeClr val="tx1"/>
-                </a:solidFill>
-              </a:rPr>
-              <a:t>View help</a:t>
-            </a:r>
-          </a:p>
-        </p:txBody>
-      </p:sp>
-      <p:sp>
-        <p:nvSpPr>
-          <p:cNvPr id="9" name="TextBox 8">
-            <a:extLst>
-              <a:ext uri="{FF2B5EF4-FFF2-40B4-BE49-F238E27FC236}">
-                <a16:creationId xmlns:a16="http://schemas.microsoft.com/office/drawing/2014/main" id="{7912C97E-8D33-4CF2-4F36-06032C8E8790}"/>
-              </a:ext>
-            </a:extLst>
-          </p:cNvPr>
-          <p:cNvSpPr txBox="1"/>
-          <p:nvPr/>
-        </p:nvSpPr>
-        <p:spPr>
-          <a:xfrm>
-            <a:off x="2223655" y="5427113"/>
-            <a:ext cx="3657600" cy="830997"/>
-          </a:xfrm>
-          <a:prstGeom prst="rect">
-            <a:avLst/>
-          </a:prstGeom>
-          <a:solidFill>
-            <a:srgbClr val="FFC416"/>
-          </a:solidFill>
-        </p:spPr>
-        <p:txBody>
-          <a:bodyPr wrap="square" rtlCol="0">
-            <a:spAutoFit/>
-          </a:bodyPr>
-          <a:lstStyle/>
-          <a:p>
-            <a:r>
-              <a:rPr lang="en-US" dirty="0">
-                <a:solidFill>
-                  <a:schemeClr val="tx1"/>
-                </a:solidFill>
-              </a:rPr>
-              <a:t>Console: Enter commands, view output, error messages</a:t>
-            </a:r>
-          </a:p>
-        </p:txBody>
-      </p:sp>
-    </p:spTree>
-    <p:extLst>
-      <p:ext uri="{BB962C8B-B14F-4D97-AF65-F5344CB8AC3E}">
-        <p14:creationId xmlns:p14="http://schemas.microsoft.com/office/powerpoint/2010/main" val="3954967299"/>
-      </p:ext>
-    </p:extLst>
-  </p:cSld>
-  <p:clrMapOvr>
-    <a:masterClrMapping/>
-  </p:clrMapOvr>
-</p:sld>
-</file>
-
-<file path=ppt/slides/slide18.xml><?xml version="1.0" encoding="utf-8"?>
-<p:sld xmlns:a="http://schemas.openxmlformats.org/drawingml/2006/main" xmlns:r="http://schemas.openxmlformats.org/officeDocument/2006/relationships" xmlns:p="http://schemas.openxmlformats.org/presentationml/2006/main">
-  <p:cSld>
-    <p:spTree>
-      <p:nvGrpSpPr>
-        <p:cNvPr id="1" name=""/>
-        <p:cNvGrpSpPr/>
-        <p:nvPr/>
-      </p:nvGrpSpPr>
-      <p:grpSpPr>
-        <a:xfrm>
-          <a:off x="0" y="0"/>
-          <a:ext cx="0" cy="0"/>
-          <a:chOff x="0" y="0"/>
-          <a:chExt cx="0" cy="0"/>
-        </a:xfrm>
-      </p:grpSpPr>
-      <p:pic>
-        <p:nvPicPr>
-          <p:cNvPr id="2" name="Picture 10" descr="Mario Pattern">
-            <a:extLst>
-              <a:ext uri="{FF2B5EF4-FFF2-40B4-BE49-F238E27FC236}">
-                <a16:creationId xmlns:a16="http://schemas.microsoft.com/office/drawing/2014/main" id="{8F84FFD9-23AF-75F7-6DAA-904525952142}"/>
-              </a:ext>
-            </a:extLst>
-          </p:cNvPr>
-          <p:cNvPicPr>
-            <a:picLocks noChangeAspect="1" noChangeArrowheads="1"/>
-          </p:cNvPicPr>
-          <p:nvPr/>
-        </p:nvPicPr>
-        <p:blipFill rotWithShape="1">
-          <a:blip r:embed="rId2">
-            <a:alphaModFix amt="47000"/>
-            <a:extLst>
-              <a:ext uri="{28A0092B-C50C-407E-A947-70E740481C1C}">
-                <a14:useLocalDpi xmlns:a14="http://schemas.microsoft.com/office/drawing/2010/main" val="0"/>
-              </a:ext>
-            </a:extLst>
-          </a:blip>
-          <a:srcRect l="4595" r="6699"/>
-          <a:stretch/>
-        </p:blipFill>
-        <p:spPr bwMode="auto">
-          <a:xfrm>
-            <a:off x="0" y="-2057400"/>
-            <a:ext cx="12192000" cy="10308201"/>
-          </a:xfrm>
-          <a:prstGeom prst="rect">
-            <a:avLst/>
-          </a:prstGeom>
-          <a:noFill/>
-          <a:extLst>
-            <a:ext uri="{909E8E84-426E-40DD-AFC4-6F175D3DCCD1}">
-              <a14:hiddenFill xmlns:a14="http://schemas.microsoft.com/office/drawing/2010/main">
-                <a:solidFill>
-                  <a:srgbClr val="FFFFFF"/>
-                </a:solidFill>
-              </a14:hiddenFill>
-            </a:ext>
-          </a:extLst>
-        </p:spPr>
-      </p:pic>
-      <p:sp>
-        <p:nvSpPr>
-          <p:cNvPr id="12" name="Line 11"/>
-          <p:cNvSpPr>
-            <a:spLocks noChangeShapeType="1"/>
-          </p:cNvSpPr>
-          <p:nvPr/>
-        </p:nvSpPr>
-        <p:spPr bwMode="auto">
-          <a:xfrm flipV="1">
-            <a:off x="6972300" y="5109836"/>
-            <a:ext cx="609600" cy="533400"/>
-          </a:xfrm>
-          <a:prstGeom prst="line">
-            <a:avLst/>
-          </a:prstGeom>
-          <a:noFill/>
-          <a:ln w="38100">
-            <a:solidFill>
-              <a:srgbClr val="FFFF66"/>
-            </a:solidFill>
-            <a:round/>
-            <a:headEnd/>
-            <a:tailEnd type="triangle" w="med" len="med"/>
-          </a:ln>
-          <a:extLst>
-            <a:ext uri="{909E8E84-426E-40DD-AFC4-6F175D3DCCD1}">
-              <a14:hiddenFill xmlns:a14="http://schemas.microsoft.com/office/drawing/2010/main">
-                <a:noFill/>
-              </a14:hiddenFill>
-            </a:ext>
-          </a:extLst>
-        </p:spPr>
-        <p:txBody>
-          <a:bodyPr wrap="square">
-            <a:spAutoFit/>
-          </a:bodyPr>
-          <a:lstStyle/>
-          <a:p>
-            <a:endParaRPr lang="en-US"/>
-          </a:p>
-        </p:txBody>
-      </p:sp>
-      <p:sp>
-        <p:nvSpPr>
-          <p:cNvPr id="6" name="TextBox 5">
-            <a:extLst>
-              <a:ext uri="{FF2B5EF4-FFF2-40B4-BE49-F238E27FC236}">
-                <a16:creationId xmlns:a16="http://schemas.microsoft.com/office/drawing/2014/main" id="{4F2DA592-D8EB-70BA-2112-6C13A4E7B393}"/>
-              </a:ext>
-            </a:extLst>
-          </p:cNvPr>
-          <p:cNvSpPr txBox="1"/>
-          <p:nvPr/>
-        </p:nvSpPr>
-        <p:spPr>
-          <a:xfrm>
-            <a:off x="495300" y="606817"/>
-            <a:ext cx="11201400" cy="919401"/>
-          </a:xfrm>
-          <a:prstGeom prst="roundRect">
-            <a:avLst/>
-          </a:prstGeom>
-          <a:solidFill>
-            <a:schemeClr val="bg1">
-              <a:alpha val="70000"/>
-            </a:schemeClr>
-          </a:solidFill>
-          <a:ln w="76200">
-            <a:solidFill>
-              <a:srgbClr val="FFC416"/>
-            </a:solidFill>
-          </a:ln>
-        </p:spPr>
-        <p:style>
-          <a:lnRef idx="2">
-            <a:schemeClr val="dk1"/>
-          </a:lnRef>
-          <a:fillRef idx="1">
-            <a:schemeClr val="lt1"/>
-          </a:fillRef>
-          <a:effectRef idx="0">
-            <a:schemeClr val="dk1"/>
-          </a:effectRef>
-          <a:fontRef idx="minor">
-            <a:schemeClr val="dk1"/>
-          </a:fontRef>
-        </p:style>
-        <p:txBody>
-          <a:bodyPr wrap="square" rtlCol="0">
-            <a:spAutoFit/>
-          </a:bodyPr>
-          <a:lstStyle/>
-          <a:p>
-            <a:pPr algn="ctr"/>
-            <a:r>
-              <a:rPr lang="en-US" sz="4800" b="1" dirty="0">
-                <a:solidFill>
-                  <a:srgbClr val="2D3A37"/>
-                </a:solidFill>
-                <a:latin typeface="Adobe Devanagari" panose="02040503050201020203" pitchFamily="18" charset="0"/>
-                <a:cs typeface="Adobe Devanagari" panose="02040503050201020203" pitchFamily="18" charset="0"/>
-              </a:rPr>
-              <a:t>Learning Objectives for R</a:t>
-            </a:r>
-            <a:endParaRPr lang="en-US" sz="4800" dirty="0">
-              <a:solidFill>
-                <a:srgbClr val="2D3A37"/>
-              </a:solidFill>
-            </a:endParaRPr>
-          </a:p>
-        </p:txBody>
-      </p:sp>
-      <p:sp>
-        <p:nvSpPr>
-          <p:cNvPr id="7" name="TextBox 6">
-            <a:extLst>
-              <a:ext uri="{FF2B5EF4-FFF2-40B4-BE49-F238E27FC236}">
-                <a16:creationId xmlns:a16="http://schemas.microsoft.com/office/drawing/2014/main" id="{D9B238EA-D04E-3255-7509-F990F1A8F309}"/>
-              </a:ext>
-            </a:extLst>
-          </p:cNvPr>
-          <p:cNvSpPr txBox="1"/>
-          <p:nvPr/>
-        </p:nvSpPr>
-        <p:spPr>
-          <a:xfrm>
-            <a:off x="495300" y="1977074"/>
-            <a:ext cx="11201400" cy="3439239"/>
-          </a:xfrm>
-          <a:prstGeom prst="roundRect">
-            <a:avLst/>
-          </a:prstGeom>
-          <a:solidFill>
-            <a:schemeClr val="bg1"/>
-          </a:solidFill>
-          <a:ln w="76200">
-            <a:solidFill>
-              <a:srgbClr val="FFC416"/>
-            </a:solidFill>
-          </a:ln>
-        </p:spPr>
-        <p:style>
-          <a:lnRef idx="2">
-            <a:schemeClr val="dk1"/>
-          </a:lnRef>
-          <a:fillRef idx="1">
-            <a:schemeClr val="lt1"/>
-          </a:fillRef>
-          <a:effectRef idx="0">
-            <a:schemeClr val="dk1"/>
-          </a:effectRef>
-          <a:fontRef idx="minor">
-            <a:schemeClr val="dk1"/>
-          </a:fontRef>
-        </p:style>
-        <p:txBody>
-          <a:bodyPr wrap="square" rtlCol="0">
-            <a:spAutoFit/>
-          </a:bodyPr>
-          <a:lstStyle/>
-          <a:p>
-            <a:pPr marL="457200" indent="-457200">
-              <a:buFont typeface="Arial" panose="020B0604020202020204" pitchFamily="34" charset="0"/>
-              <a:buChar char="•"/>
-            </a:pPr>
-            <a:r>
-              <a:rPr lang="en-US" sz="2800" dirty="0">
-                <a:solidFill>
-                  <a:srgbClr val="660066"/>
-                </a:solidFill>
-              </a:rPr>
-              <a:t>Install Packages</a:t>
-            </a:r>
-          </a:p>
-          <a:p>
-            <a:pPr marL="457200" indent="-457200">
-              <a:buFont typeface="Arial" panose="020B0604020202020204" pitchFamily="34" charset="0"/>
-              <a:buChar char="•"/>
-            </a:pPr>
-            <a:r>
-              <a:rPr lang="en-US" sz="2800" dirty="0">
-                <a:solidFill>
-                  <a:srgbClr val="660066"/>
-                </a:solidFill>
-              </a:rPr>
-              <a:t>Load Packages</a:t>
-            </a:r>
-          </a:p>
-          <a:p>
-            <a:pPr marL="457200" indent="-457200">
-              <a:buFont typeface="Arial" panose="020B0604020202020204" pitchFamily="34" charset="0"/>
-              <a:buChar char="•"/>
-            </a:pPr>
-            <a:r>
-              <a:rPr lang="en-US" sz="2800" dirty="0">
-                <a:solidFill>
-                  <a:srgbClr val="660066"/>
-                </a:solidFill>
-              </a:rPr>
-              <a:t>Read CSV Files</a:t>
-            </a:r>
-          </a:p>
-          <a:p>
-            <a:pPr marL="457200" indent="-457200">
-              <a:buFont typeface="Arial" panose="020B0604020202020204" pitchFamily="34" charset="0"/>
-              <a:buChar char="•"/>
-            </a:pPr>
-            <a:r>
-              <a:rPr lang="en-US" sz="2800" dirty="0">
-                <a:solidFill>
-                  <a:srgbClr val="660066"/>
-                </a:solidFill>
-              </a:rPr>
-              <a:t>Create Objects</a:t>
-            </a:r>
-          </a:p>
-          <a:p>
-            <a:pPr marL="457200" indent="-457200">
-              <a:buFont typeface="Arial" panose="020B0604020202020204" pitchFamily="34" charset="0"/>
-              <a:buChar char="•"/>
-            </a:pPr>
-            <a:r>
-              <a:rPr lang="en-US" sz="2800" dirty="0">
-                <a:solidFill>
-                  <a:srgbClr val="660066"/>
-                </a:solidFill>
-              </a:rPr>
-              <a:t>Columns and Rows</a:t>
-            </a:r>
-          </a:p>
-          <a:p>
-            <a:pPr marL="457200" indent="-457200">
-              <a:buFont typeface="Arial" panose="020B0604020202020204" pitchFamily="34" charset="0"/>
-              <a:buChar char="•"/>
-            </a:pPr>
-            <a:r>
-              <a:rPr lang="en-US" sz="2800" dirty="0">
-                <a:solidFill>
-                  <a:srgbClr val="660066"/>
-                </a:solidFill>
-              </a:rPr>
-              <a:t>Subset Data</a:t>
-            </a:r>
-          </a:p>
-          <a:p>
-            <a:pPr marL="457200" indent="-457200">
-              <a:buFont typeface="Arial" panose="020B0604020202020204" pitchFamily="34" charset="0"/>
-              <a:buChar char="•"/>
-            </a:pPr>
-            <a:r>
-              <a:rPr lang="en-US" sz="2800">
-                <a:solidFill>
-                  <a:srgbClr val="660066"/>
-                </a:solidFill>
-              </a:rPr>
-              <a:t>Basic </a:t>
-            </a:r>
-            <a:r>
-              <a:rPr lang="en-US" sz="2800" dirty="0">
-                <a:solidFill>
-                  <a:srgbClr val="660066"/>
-                </a:solidFill>
-              </a:rPr>
-              <a:t>Statistical Functions</a:t>
-            </a:r>
-          </a:p>
-        </p:txBody>
-      </p:sp>
-    </p:spTree>
-    <p:extLst>
-      <p:ext uri="{BB962C8B-B14F-4D97-AF65-F5344CB8AC3E}">
-        <p14:creationId xmlns:p14="http://schemas.microsoft.com/office/powerpoint/2010/main" val="3788215910"/>
-      </p:ext>
-    </p:extLst>
-  </p:cSld>
-  <p:clrMapOvr>
-    <a:masterClrMapping/>
-  </p:clrMapOvr>
-</p:sld>
-</file>
-
-<file path=ppt/slides/slide19.xml><?xml version="1.0" encoding="utf-8"?>
 <p:sld xmlns:a="http://schemas.openxmlformats.org/drawingml/2006/main" xmlns:r="http://schemas.openxmlformats.org/officeDocument/2006/relationships" xmlns:p="http://schemas.openxmlformats.org/presentationml/2006/main">
   <p:cSld>
     <p:spTree>
@@ -10868,7 +10852,7 @@
                   <a:srgbClr val="660066"/>
                 </a:solidFill>
               </a:rPr>
-              <a:t>Install Mosaic Package</a:t>
+              <a:t>Install Mosaic Package and Stat2Data Package</a:t>
             </a:r>
           </a:p>
           <a:p>
@@ -11427,8 +11411,8 @@
           </a:p>
         </p:txBody>
       </p:sp>
-      <mc:AlternateContent xmlns:mc="http://schemas.openxmlformats.org/markup-compatibility/2006">
-        <mc:Choice xmlns:a14="http://schemas.microsoft.com/office/drawing/2010/main" Requires="a14">
+      <mc:AlternateContent xmlns:mc="http://schemas.openxmlformats.org/markup-compatibility/2006" xmlns:a14="http://schemas.microsoft.com/office/drawing/2010/main">
+        <mc:Choice Requires="a14">
           <p:sp>
             <p:nvSpPr>
               <p:cNvPr id="3" name="TextBox 2">
@@ -11648,7 +11632,7 @@
             </p:txBody>
           </p:sp>
         </mc:Choice>
-        <mc:Fallback>
+        <mc:Fallback xmlns="">
           <p:sp>
             <p:nvSpPr>
               <p:cNvPr id="3" name="TextBox 2">
@@ -11987,8 +11971,8 @@
           </a:p>
         </p:txBody>
       </p:sp>
-      <mc:AlternateContent xmlns:mc="http://schemas.openxmlformats.org/markup-compatibility/2006">
-        <mc:Choice xmlns:a14="http://schemas.microsoft.com/office/drawing/2010/main" Requires="a14">
+      <mc:AlternateContent xmlns:mc="http://schemas.openxmlformats.org/markup-compatibility/2006" xmlns:a14="http://schemas.microsoft.com/office/drawing/2010/main">
+        <mc:Choice Requires="a14">
           <p:sp>
             <p:nvSpPr>
               <p:cNvPr id="3" name="TextBox 2">
@@ -12466,7 +12450,7 @@
             </p:txBody>
           </p:sp>
         </mc:Choice>
-        <mc:Fallback>
+        <mc:Fallback xmlns="">
           <p:sp>
             <p:nvSpPr>
               <p:cNvPr id="3" name="TextBox 2">
@@ -12883,7 +12867,7 @@
         <p:spPr>
           <a:xfrm>
             <a:off x="481445" y="1838337"/>
-            <a:ext cx="11201400" cy="4392692"/>
+            <a:ext cx="11201400" cy="3439239"/>
           </a:xfrm>
           <a:prstGeom prst="roundRect">
             <a:avLst/>
@@ -12982,20 +12966,6 @@
               </a:rPr>
               <a:t> fit?</a:t>
             </a:r>
-          </a:p>
-          <a:p>
-            <a:endParaRPr lang="en-US" sz="2800" dirty="0">
-              <a:solidFill>
-                <a:srgbClr val="660066"/>
-              </a:solidFill>
-            </a:endParaRPr>
-          </a:p>
-          <a:p>
-            <a:endParaRPr lang="en-US" sz="2800" dirty="0">
-              <a:solidFill>
-                <a:srgbClr val="660066"/>
-              </a:solidFill>
-            </a:endParaRPr>
           </a:p>
           <a:p>
             <a:r>
@@ -13434,7 +13404,7 @@
                   <a:srgbClr val="660066"/>
                 </a:solidFill>
               </a:rPr>
-              <a:t>Sum of Residuals: </a:t>
+              <a:t>Sum of Errors: </a:t>
             </a:r>
           </a:p>
           <a:p>
@@ -13459,7 +13429,7 @@
                   <a:srgbClr val="660066"/>
                 </a:solidFill>
               </a:rPr>
-              <a:t>Sum of Squared Residuals:</a:t>
+              <a:t>Sum of Squared Errors (SSE):</a:t>
             </a:r>
           </a:p>
           <a:p>
@@ -13484,13 +13454,13 @@
                   <a:srgbClr val="660066"/>
                 </a:solidFill>
               </a:rPr>
-              <a:t>Sum of Absolute Residuals:	</a:t>
+              <a:t>Sum of Absolute Errors (SAE):	</a:t>
             </a:r>
           </a:p>
         </p:txBody>
       </p:sp>
-      <mc:AlternateContent xmlns:mc="http://schemas.openxmlformats.org/markup-compatibility/2006">
-        <mc:Choice xmlns:a14="http://schemas.microsoft.com/office/drawing/2010/main" Requires="a14">
+      <mc:AlternateContent xmlns:mc="http://schemas.openxmlformats.org/markup-compatibility/2006" xmlns:a14="http://schemas.microsoft.com/office/drawing/2010/main">
+        <mc:Choice Requires="a14">
           <p:sp>
             <p:nvSpPr>
               <p:cNvPr id="5" name="TextBox 4">
@@ -13576,7 +13546,7 @@
             </p:txBody>
           </p:sp>
         </mc:Choice>
-        <mc:Fallback>
+        <mc:Fallback xmlns="">
           <p:sp>
             <p:nvSpPr>
               <p:cNvPr id="5" name="TextBox 4">
@@ -13621,8 +13591,8 @@
           </p:sp>
         </mc:Fallback>
       </mc:AlternateContent>
-      <mc:AlternateContent xmlns:mc="http://schemas.openxmlformats.org/markup-compatibility/2006">
-        <mc:Choice xmlns:a14="http://schemas.microsoft.com/office/drawing/2010/main" Requires="a14">
+      <mc:AlternateContent xmlns:mc="http://schemas.openxmlformats.org/markup-compatibility/2006" xmlns:a14="http://schemas.microsoft.com/office/drawing/2010/main">
+        <mc:Choice Requires="a14">
           <p:sp>
             <p:nvSpPr>
               <p:cNvPr id="7" name="TextBox 6">
@@ -13732,7 +13702,7 @@
             </p:txBody>
           </p:sp>
         </mc:Choice>
-        <mc:Fallback>
+        <mc:Fallback xmlns="">
           <p:sp>
             <p:nvSpPr>
               <p:cNvPr id="7" name="TextBox 6">
@@ -13777,8 +13747,8 @@
           </p:sp>
         </mc:Fallback>
       </mc:AlternateContent>
-      <mc:AlternateContent xmlns:mc="http://schemas.openxmlformats.org/markup-compatibility/2006">
-        <mc:Choice xmlns:a14="http://schemas.microsoft.com/office/drawing/2010/main" Requires="a14">
+      <mc:AlternateContent xmlns:mc="http://schemas.openxmlformats.org/markup-compatibility/2006" xmlns:a14="http://schemas.microsoft.com/office/drawing/2010/main">
+        <mc:Choice Requires="a14">
           <p:sp>
             <p:nvSpPr>
               <p:cNvPr id="8" name="TextBox 7">
@@ -13862,13 +13832,12 @@
                 <a:endParaRPr lang="en-US" sz="3600" b="0" dirty="0"/>
               </a:p>
               <a:p>
-                <a:pPr/>
                 <a:endParaRPr lang="en-US" sz="3600" dirty="0"/>
               </a:p>
             </p:txBody>
           </p:sp>
         </mc:Choice>
-        <mc:Fallback>
+        <mc:Fallback xmlns="">
           <p:sp>
             <p:nvSpPr>
               <p:cNvPr id="8" name="TextBox 7">
@@ -14117,7 +14086,7 @@
         <p:spPr>
           <a:xfrm>
             <a:off x="495300" y="1977074"/>
-            <a:ext cx="11201400" cy="578882"/>
+            <a:ext cx="11201400" cy="4869418"/>
           </a:xfrm>
           <a:prstGeom prst="roundRect">
             <a:avLst/>
@@ -14155,14 +14124,157 @@
               <a:buFont typeface="Arial" panose="020B0604020202020204" pitchFamily="34" charset="0"/>
               <a:buChar char="•"/>
             </a:pPr>
+            <a:r>
+              <a:rPr lang="en-US" sz="2800" dirty="0">
+                <a:solidFill>
+                  <a:srgbClr val="660066"/>
+                </a:solidFill>
+              </a:rPr>
+              <a:t>Subset Data to Remove Missing Values</a:t>
+            </a:r>
+          </a:p>
+          <a:p>
+            <a:pPr marL="685800" indent="-685800">
+              <a:buFont typeface="Arial" panose="020B0604020202020204" pitchFamily="34" charset="0"/>
+              <a:buChar char="•"/>
+            </a:pPr>
             <a:endParaRPr lang="en-US" sz="2800" dirty="0">
               <a:solidFill>
                 <a:srgbClr val="660066"/>
               </a:solidFill>
             </a:endParaRPr>
           </a:p>
+          <a:p>
+            <a:pPr marL="685800" indent="-685800">
+              <a:buFont typeface="Arial" panose="020B0604020202020204" pitchFamily="34" charset="0"/>
+              <a:buChar char="•"/>
+            </a:pPr>
+            <a:r>
+              <a:rPr lang="en-US" sz="2800" dirty="0">
+                <a:solidFill>
+                  <a:srgbClr val="660066"/>
+                </a:solidFill>
+              </a:rPr>
+              <a:t>Estimate Constant Using Sample Mean and Sample Median</a:t>
+            </a:r>
+          </a:p>
+          <a:p>
+            <a:pPr marL="685800" indent="-685800">
+              <a:buFont typeface="Arial" panose="020B0604020202020204" pitchFamily="34" charset="0"/>
+              <a:buChar char="•"/>
+            </a:pPr>
+            <a:endParaRPr lang="en-US" sz="2800" dirty="0">
+              <a:solidFill>
+                <a:srgbClr val="660066"/>
+              </a:solidFill>
+            </a:endParaRPr>
+          </a:p>
+          <a:p>
+            <a:pPr marL="685800" indent="-685800">
+              <a:buFont typeface="Arial" panose="020B0604020202020204" pitchFamily="34" charset="0"/>
+              <a:buChar char="•"/>
+            </a:pPr>
+            <a:r>
+              <a:rPr lang="en-US" sz="2800" dirty="0">
+                <a:solidFill>
+                  <a:srgbClr val="660066"/>
+                </a:solidFill>
+              </a:rPr>
+              <a:t>Assess Fit of Both Models Based on Two Different Criteria</a:t>
+            </a:r>
+          </a:p>
+          <a:p>
+            <a:pPr marL="685800" indent="-685800">
+              <a:buFont typeface="Arial" panose="020B0604020202020204" pitchFamily="34" charset="0"/>
+              <a:buChar char="•"/>
+            </a:pPr>
+            <a:endParaRPr lang="en-US" sz="2800" dirty="0">
+              <a:solidFill>
+                <a:srgbClr val="660066"/>
+              </a:solidFill>
+            </a:endParaRPr>
+          </a:p>
+          <a:p>
+            <a:pPr marL="685800" indent="-685800">
+              <a:buFont typeface="Arial" panose="020B0604020202020204" pitchFamily="34" charset="0"/>
+              <a:buChar char="•"/>
+            </a:pPr>
+            <a:endParaRPr lang="en-US" sz="2800" dirty="0">
+              <a:solidFill>
+                <a:srgbClr val="660066"/>
+              </a:solidFill>
+            </a:endParaRPr>
+          </a:p>
+          <a:p>
+            <a:pPr marL="685800" indent="-685800">
+              <a:buFont typeface="Arial" panose="020B0604020202020204" pitchFamily="34" charset="0"/>
+              <a:buChar char="•"/>
+            </a:pPr>
+            <a:endParaRPr lang="en-US" sz="2800" dirty="0">
+              <a:solidFill>
+                <a:srgbClr val="660066"/>
+              </a:solidFill>
+            </a:endParaRPr>
+          </a:p>
+          <a:p>
+            <a:pPr marL="685800" indent="-685800">
+              <a:buFont typeface="Arial" panose="020B0604020202020204" pitchFamily="34" charset="0"/>
+              <a:buChar char="•"/>
+            </a:pPr>
+            <a:endParaRPr lang="en-US" sz="2800" dirty="0">
+              <a:solidFill>
+                <a:srgbClr val="660066"/>
+              </a:solidFill>
+            </a:endParaRPr>
+          </a:p>
+          <a:p>
+            <a:pPr marL="685800" indent="-685800">
+              <a:buFont typeface="Arial" panose="020B0604020202020204" pitchFamily="34" charset="0"/>
+              <a:buChar char="•"/>
+            </a:pPr>
+            <a:endParaRPr lang="en-US" sz="2800" dirty="0">
+              <a:solidFill>
+                <a:srgbClr val="660066"/>
+              </a:solidFill>
+            </a:endParaRPr>
+          </a:p>
         </p:txBody>
       </p:sp>
+      <p:pic>
+        <p:nvPicPr>
+          <p:cNvPr id="8" name="Picture 7">
+            <a:extLst>
+              <a:ext uri="{FF2B5EF4-FFF2-40B4-BE49-F238E27FC236}">
+                <a16:creationId xmlns:a16="http://schemas.microsoft.com/office/drawing/2014/main" id="{AEBB65F6-0B61-90A3-0441-044785BBD3EF}"/>
+              </a:ext>
+            </a:extLst>
+          </p:cNvPr>
+          <p:cNvPicPr>
+            <a:picLocks noChangeAspect="1"/>
+          </p:cNvPicPr>
+          <p:nvPr/>
+        </p:nvPicPr>
+        <p:blipFill>
+          <a:blip r:embed="rId3"/>
+          <a:stretch>
+            <a:fillRect/>
+          </a:stretch>
+        </p:blipFill>
+        <p:spPr>
+          <a:xfrm>
+            <a:off x="960941" y="4656205"/>
+            <a:ext cx="10270117" cy="1612835"/>
+          </a:xfrm>
+          <a:prstGeom prst="rect">
+            <a:avLst/>
+          </a:prstGeom>
+          <a:ln w="28575">
+            <a:solidFill>
+              <a:srgbClr val="660066"/>
+            </a:solidFill>
+          </a:ln>
+        </p:spPr>
+      </p:pic>
     </p:spTree>
     <p:extLst>
       <p:ext uri="{BB962C8B-B14F-4D97-AF65-F5344CB8AC3E}">

--- a/Lectures/2 - Four Step Process.pptx
+++ b/Lectures/2 - Four Step Process.pptx
@@ -12500,8 +12500,8 @@
           </p:sp>
         </mc:Fallback>
       </mc:AlternateContent>
-      <mc:AlternateContent xmlns:mc="http://schemas.openxmlformats.org/markup-compatibility/2006" xmlns:a14="http://schemas.microsoft.com/office/drawing/2010/main">
-        <mc:Choice Requires="a14">
+      <mc:AlternateContent xmlns:mc="http://schemas.openxmlformats.org/markup-compatibility/2006">
+        <mc:Choice xmlns:a14="http://schemas.microsoft.com/office/drawing/2010/main" Requires="a14">
           <p:sp>
             <p:nvSpPr>
               <p:cNvPr id="5" name="TextBox 4">
@@ -12516,8 +12516,8 @@
             </p:nvSpPr>
             <p:spPr>
               <a:xfrm>
-                <a:off x="4419600" y="2512167"/>
-                <a:ext cx="3162300" cy="646331"/>
+                <a:off x="3764972" y="2590800"/>
+                <a:ext cx="4662055" cy="646331"/>
               </a:xfrm>
               <a:prstGeom prst="rect">
                 <a:avLst/>
@@ -12537,37 +12537,6 @@
                       <m:jc m:val="centerGroup"/>
                     </m:oMathParaPr>
                     <m:oMath xmlns:m="http://schemas.openxmlformats.org/officeDocument/2006/math">
-                      <m:r>
-                        <a:rPr lang="en-US" sz="3600" b="0" i="1" smtClean="0">
-                          <a:latin typeface="Cambria Math" panose="02040503050406030204" pitchFamily="18" charset="0"/>
-                        </a:rPr>
-                        <m:t>𝐸</m:t>
-                      </m:r>
-                      <m:d>
-                        <m:dPr>
-                          <m:begChr m:val="["/>
-                          <m:endChr m:val="]"/>
-                          <m:ctrlPr>
-                            <a:rPr lang="en-US" sz="3600" b="0" i="1" smtClean="0">
-                              <a:latin typeface="Cambria Math" panose="02040503050406030204" pitchFamily="18" charset="0"/>
-                            </a:rPr>
-                          </m:ctrlPr>
-                        </m:dPr>
-                        <m:e>
-                          <m:r>
-                            <a:rPr lang="en-US" sz="3600" b="0" i="1" smtClean="0">
-                              <a:latin typeface="Cambria Math" panose="02040503050406030204" pitchFamily="18" charset="0"/>
-                            </a:rPr>
-                            <m:t>𝑌</m:t>
-                          </m:r>
-                        </m:e>
-                      </m:d>
-                      <m:r>
-                        <a:rPr lang="en-US" sz="3600" b="0" i="1" smtClean="0">
-                          <a:latin typeface="Cambria Math" panose="02040503050406030204" pitchFamily="18" charset="0"/>
-                        </a:rPr>
-                        <m:t>=</m:t>
-                      </m:r>
                       <m:acc>
                         <m:accPr>
                           <m:chr m:val="̂"/>
@@ -12618,7 +12587,7 @@
             </p:txBody>
           </p:sp>
         </mc:Choice>
-        <mc:Fallback xmlns="">
+        <mc:Fallback>
           <p:sp>
             <p:nvSpPr>
               <p:cNvPr id="5" name="TextBox 4">
@@ -12635,8 +12604,8 @@
             </p:nvSpPr>
             <p:spPr>
               <a:xfrm>
-                <a:off x="4419600" y="2512167"/>
-                <a:ext cx="3162300" cy="646331"/>
+                <a:off x="3764972" y="2590800"/>
+                <a:ext cx="4662055" cy="646331"/>
               </a:xfrm>
               <a:prstGeom prst="rect">
                 <a:avLst/>

--- a/Lectures/2 - Four Step Process.pptx
+++ b/Lectures/2 - Four Step Process.pptx
@@ -4487,7 +4487,7 @@
               <a:t>hw</a:t>
             </a:r>
             <a:r>
-              <a:rPr lang="en-US" sz="2000" b="0" dirty="0">
+              <a:rPr lang="en-US" sz="2000" b="0">
                 <a:solidFill>
                   <a:srgbClr val="660066"/>
                 </a:solidFill>
@@ -4496,8 +4496,17 @@
                 <a:ea typeface="+mn-ea"/>
                 <a:cs typeface="+mn-cs"/>
               </a:rPr>
-              <a:t> 1</a:t>
-            </a:r>
+              <a:t> 2</a:t>
+            </a:r>
+            <a:endParaRPr lang="en-US" sz="2000" b="0" dirty="0">
+              <a:solidFill>
+                <a:srgbClr val="660066"/>
+              </a:solidFill>
+              <a:effectLst/>
+              <a:latin typeface="+mn-lt"/>
+              <a:ea typeface="+mn-ea"/>
+              <a:cs typeface="+mn-cs"/>
+            </a:endParaRPr>
           </a:p>
           <a:p>
             <a:pPr algn="l">
@@ -12500,8 +12509,8 @@
           </p:sp>
         </mc:Fallback>
       </mc:AlternateContent>
-      <mc:AlternateContent xmlns:mc="http://schemas.openxmlformats.org/markup-compatibility/2006">
-        <mc:Choice xmlns:a14="http://schemas.microsoft.com/office/drawing/2010/main" Requires="a14">
+      <mc:AlternateContent xmlns:mc="http://schemas.openxmlformats.org/markup-compatibility/2006" xmlns:a14="http://schemas.microsoft.com/office/drawing/2010/main">
+        <mc:Choice Requires="a14">
           <p:sp>
             <p:nvSpPr>
               <p:cNvPr id="5" name="TextBox 4">
@@ -12587,7 +12596,7 @@
             </p:txBody>
           </p:sp>
         </mc:Choice>
-        <mc:Fallback>
+        <mc:Fallback xmlns="">
           <p:sp>
             <p:nvSpPr>
               <p:cNvPr id="5" name="TextBox 4">
